--- a/毕业论文/论文用图.pptx
+++ b/毕业论文/论文用图.pptx
@@ -7,6 +7,10 @@
   <p:sldIdLst>
     <p:sldId id="256" r:id="rId2"/>
     <p:sldId id="257" r:id="rId3"/>
+    <p:sldId id="258" r:id="rId4"/>
+    <p:sldId id="259" r:id="rId5"/>
+    <p:sldId id="260" r:id="rId6"/>
+    <p:sldId id="261" r:id="rId7"/>
   </p:sldIdLst>
   <p:sldSz cx="12192000" cy="6858000"/>
   <p:notesSz cx="6858000" cy="9144000"/>
@@ -105,6 +109,11 @@
       </a:defRPr>
     </a:lvl9pPr>
   </p:defaultTextStyle>
+  <p:extLst>
+    <p:ext uri="{EFAFB233-063F-42B5-8137-9DF3F51BA10A}">
+      <p15:sldGuideLst xmlns:p15="http://schemas.microsoft.com/office/powerpoint/2012/main"/>
+    </p:ext>
+  </p:extLst>
 </p:presentation>
 </file>
 
@@ -3041,7 +3050,7 @@
         </p:nvGrpSpPr>
         <p:grpSpPr>
           <a:xfrm>
-            <a:off x="506402" y="719094"/>
+            <a:off x="903009" y="960743"/>
             <a:ext cx="6089401" cy="4620601"/>
             <a:chOff x="5673313" y="1391123"/>
             <a:chExt cx="6089401" cy="4620601"/>
@@ -3108,9 +3117,38 @@
         </p:nvSpPr>
         <p:spPr/>
         <p:txBody>
-          <a:bodyPr/>
-          <a:lstStyle/>
-          <a:p>
+          <a:bodyPr vert="horz">
+            <a:normAutofit fontScale="90000"/>
+          </a:bodyPr>
+          <a:lstStyle/>
+          <a:p>
+            <a:r>
+              <a:rPr lang="zh-CN" altLang="en-US" dirty="0"/>
+              <a:t>文</a:t>
+            </a:r>
+            <a:r>
+              <a:rPr lang="zh-CN" altLang="en-US" dirty="0" smtClean="0"/>
+              <a:t>中采取</a:t>
+            </a:r>
+            <a:r>
+              <a:rPr lang="en-US" altLang="zh-CN" dirty="0" smtClean="0"/>
+              <a:t>3.15-3.5</a:t>
+            </a:r>
+            <a:r>
+              <a:rPr lang="zh-CN" altLang="en-US" dirty="0" smtClean="0"/>
+              <a:t>之间积分的方式计算；</a:t>
+            </a:r>
+            <a:r>
+              <a:rPr lang="en-US" altLang="zh-CN" dirty="0" smtClean="0"/>
+              <a:t/>
+            </a:r>
+            <a:br>
+              <a:rPr lang="en-US" altLang="zh-CN" dirty="0" smtClean="0"/>
+            </a:br>
+            <a:r>
+              <a:rPr lang="zh-CN" altLang="en-US" dirty="0" smtClean="0"/>
+              <a:t>在大浓度情况下更加精确。浓度小时，旁瓣不清晰，用峰值即可，简单便捷。</a:t>
+            </a:r>
             <a:endParaRPr lang="zh-CN" altLang="en-US" dirty="0"/>
           </a:p>
         </p:txBody>
@@ -3119,6 +3157,417 @@
     <p:extLst>
       <p:ext uri="{BB962C8B-B14F-4D97-AF65-F5344CB8AC3E}">
         <p14:creationId xmlns:p14="http://schemas.microsoft.com/office/powerpoint/2010/main" val="3765771225"/>
+      </p:ext>
+    </p:extLst>
+  </p:cSld>
+  <p:clrMapOvr>
+    <a:masterClrMapping/>
+  </p:clrMapOvr>
+</p:sld>
+</file>
+
+<file path=ppt/slides/slide3.xml><?xml version="1.0" encoding="utf-8"?>
+<p:sld xmlns:a="http://schemas.openxmlformats.org/drawingml/2006/main" xmlns:r="http://schemas.openxmlformats.org/officeDocument/2006/relationships" xmlns:p="http://schemas.openxmlformats.org/presentationml/2006/main">
+  <p:cSld>
+    <p:spTree>
+      <p:nvGrpSpPr>
+        <p:cNvPr id="1" name=""/>
+        <p:cNvGrpSpPr/>
+        <p:nvPr/>
+      </p:nvGrpSpPr>
+      <p:grpSpPr>
+        <a:xfrm>
+          <a:off x="0" y="0"/>
+          <a:ext cx="0" cy="0"/>
+          <a:chOff x="0" y="0"/>
+          <a:chExt cx="0" cy="0"/>
+        </a:xfrm>
+      </p:grpSpPr>
+      <p:sp>
+        <p:nvSpPr>
+          <p:cNvPr id="2" name="竖排标题 1"/>
+          <p:cNvSpPr>
+            <a:spLocks noGrp="1"/>
+          </p:cNvSpPr>
+          <p:nvPr>
+            <p:ph type="title" orient="vert"/>
+          </p:nvPr>
+        </p:nvSpPr>
+        <p:spPr/>
+        <p:txBody>
+          <a:bodyPr vert="horz"/>
+          <a:lstStyle/>
+          <a:p>
+            <a:r>
+              <a:rPr lang="zh-CN" altLang="en-US" dirty="0" smtClean="0"/>
+              <a:t>相同长度，不同弯曲半径。</a:t>
+            </a:r>
+            <a:r>
+              <a:rPr lang="en-US" altLang="zh-CN" dirty="0" smtClean="0"/>
+              <a:t/>
+            </a:r>
+            <a:br>
+              <a:rPr lang="en-US" altLang="zh-CN" dirty="0" smtClean="0"/>
+            </a:br>
+            <a:endParaRPr lang="zh-CN" altLang="en-US" dirty="0"/>
+          </a:p>
+        </p:txBody>
+      </p:sp>
+      <p:pic>
+        <p:nvPicPr>
+          <p:cNvPr id="4" name="图片 3"/>
+          <p:cNvPicPr>
+            <a:picLocks noChangeAspect="1"/>
+          </p:cNvPicPr>
+          <p:nvPr/>
+        </p:nvPicPr>
+        <p:blipFill>
+          <a:blip r:embed="rId2"/>
+          <a:stretch>
+            <a:fillRect/>
+          </a:stretch>
+        </p:blipFill>
+        <p:spPr>
+          <a:xfrm>
+            <a:off x="936434" y="967044"/>
+            <a:ext cx="6411981" cy="4608000"/>
+          </a:xfrm>
+          <a:prstGeom prst="rect">
+            <a:avLst/>
+          </a:prstGeom>
+        </p:spPr>
+      </p:pic>
+    </p:spTree>
+    <p:extLst>
+      <p:ext uri="{BB962C8B-B14F-4D97-AF65-F5344CB8AC3E}">
+        <p14:creationId xmlns:p14="http://schemas.microsoft.com/office/powerpoint/2010/main" val="2678836717"/>
+      </p:ext>
+    </p:extLst>
+  </p:cSld>
+  <p:clrMapOvr>
+    <a:masterClrMapping/>
+  </p:clrMapOvr>
+</p:sld>
+</file>
+
+<file path=ppt/slides/slide4.xml><?xml version="1.0" encoding="utf-8"?>
+<p:sld xmlns:a="http://schemas.openxmlformats.org/drawingml/2006/main" xmlns:r="http://schemas.openxmlformats.org/officeDocument/2006/relationships" xmlns:p="http://schemas.openxmlformats.org/presentationml/2006/main">
+  <p:cSld>
+    <p:spTree>
+      <p:nvGrpSpPr>
+        <p:cNvPr id="1" name=""/>
+        <p:cNvGrpSpPr/>
+        <p:nvPr/>
+      </p:nvGrpSpPr>
+      <p:grpSpPr>
+        <a:xfrm>
+          <a:off x="0" y="0"/>
+          <a:ext cx="0" cy="0"/>
+          <a:chOff x="0" y="0"/>
+          <a:chExt cx="0" cy="0"/>
+        </a:xfrm>
+      </p:grpSpPr>
+      <p:sp>
+        <p:nvSpPr>
+          <p:cNvPr id="2" name="竖排标题 1"/>
+          <p:cNvSpPr>
+            <a:spLocks noGrp="1"/>
+          </p:cNvSpPr>
+          <p:nvPr>
+            <p:ph type="title" orient="vert"/>
+          </p:nvPr>
+        </p:nvSpPr>
+        <p:spPr/>
+        <p:txBody>
+          <a:bodyPr vert="horz">
+            <a:normAutofit fontScale="90000"/>
+          </a:bodyPr>
+          <a:lstStyle/>
+          <a:p>
+            <a:r>
+              <a:rPr lang="zh-CN" altLang="en-US" dirty="0" smtClean="0"/>
+              <a:t>椭圆信噪比普遍优于正圆，但灵敏度低。</a:t>
+            </a:r>
+            <a:r>
+              <a:rPr lang="en-US" altLang="zh-CN" dirty="0" smtClean="0"/>
+              <a:t/>
+            </a:r>
+            <a:br>
+              <a:rPr lang="en-US" altLang="zh-CN" dirty="0" smtClean="0"/>
+            </a:br>
+            <a:r>
+              <a:rPr lang="zh-CN" altLang="en-US" dirty="0" smtClean="0"/>
+              <a:t>若追求更高的信噪比，采用椭圆弯曲的手法。</a:t>
+            </a:r>
+            <a:endParaRPr lang="zh-CN" altLang="en-US" dirty="0"/>
+          </a:p>
+        </p:txBody>
+      </p:sp>
+      <p:pic>
+        <p:nvPicPr>
+          <p:cNvPr id="4" name="图片 3"/>
+          <p:cNvPicPr>
+            <a:picLocks noChangeAspect="1"/>
+          </p:cNvPicPr>
+          <p:nvPr/>
+        </p:nvPicPr>
+        <p:blipFill>
+          <a:blip r:embed="rId2"/>
+          <a:stretch>
+            <a:fillRect/>
+          </a:stretch>
+        </p:blipFill>
+        <p:spPr>
+          <a:xfrm>
+            <a:off x="887731" y="967044"/>
+            <a:ext cx="6411981" cy="4608000"/>
+          </a:xfrm>
+          <a:prstGeom prst="rect">
+            <a:avLst/>
+          </a:prstGeom>
+        </p:spPr>
+      </p:pic>
+    </p:spTree>
+    <p:extLst>
+      <p:ext uri="{BB962C8B-B14F-4D97-AF65-F5344CB8AC3E}">
+        <p14:creationId xmlns:p14="http://schemas.microsoft.com/office/powerpoint/2010/main" val="2592655655"/>
+      </p:ext>
+    </p:extLst>
+  </p:cSld>
+  <p:clrMapOvr>
+    <a:masterClrMapping/>
+  </p:clrMapOvr>
+</p:sld>
+</file>
+
+<file path=ppt/slides/slide5.xml><?xml version="1.0" encoding="utf-8"?>
+<p:sld xmlns:a="http://schemas.openxmlformats.org/drawingml/2006/main" xmlns:r="http://schemas.openxmlformats.org/officeDocument/2006/relationships" xmlns:p="http://schemas.openxmlformats.org/presentationml/2006/main">
+  <p:cSld>
+    <p:spTree>
+      <p:nvGrpSpPr>
+        <p:cNvPr id="1" name=""/>
+        <p:cNvGrpSpPr/>
+        <p:nvPr/>
+      </p:nvGrpSpPr>
+      <p:grpSpPr>
+        <a:xfrm>
+          <a:off x="0" y="0"/>
+          <a:ext cx="0" cy="0"/>
+          <a:chOff x="0" y="0"/>
+          <a:chExt cx="0" cy="0"/>
+        </a:xfrm>
+      </p:grpSpPr>
+      <p:sp>
+        <p:nvSpPr>
+          <p:cNvPr id="2" name="竖排标题 1"/>
+          <p:cNvSpPr>
+            <a:spLocks noGrp="1"/>
+          </p:cNvSpPr>
+          <p:nvPr>
+            <p:ph type="title" orient="vert"/>
+          </p:nvPr>
+        </p:nvSpPr>
+        <p:spPr/>
+        <p:txBody>
+          <a:bodyPr vert="horz"/>
+          <a:lstStyle/>
+          <a:p>
+            <a:r>
+              <a:rPr lang="en-US" altLang="zh-CN" dirty="0" smtClean="0"/>
+              <a:t>40</a:t>
+            </a:r>
+            <a:r>
+              <a:rPr lang="zh-CN" altLang="en-US" dirty="0" smtClean="0"/>
+              <a:t>；</a:t>
+            </a:r>
+            <a:r>
+              <a:rPr lang="en-US" altLang="zh-CN" dirty="0" smtClean="0"/>
+              <a:t>30</a:t>
+            </a:r>
+            <a:r>
+              <a:rPr lang="zh-CN" altLang="en-US" dirty="0" smtClean="0"/>
+              <a:t>度，</a:t>
+            </a:r>
+            <a:r>
+              <a:rPr lang="en-US" altLang="zh-CN" dirty="0" smtClean="0"/>
+              <a:t>30cm</a:t>
+            </a:r>
+            <a:r>
+              <a:rPr lang="zh-CN" altLang="en-US" dirty="0" smtClean="0"/>
+              <a:t>，信噪比比较。通过恶化耦合情况，降低系统信噪比。</a:t>
+            </a:r>
+            <a:endParaRPr lang="zh-CN" altLang="en-US" dirty="0"/>
+          </a:p>
+        </p:txBody>
+      </p:sp>
+      <p:pic>
+        <p:nvPicPr>
+          <p:cNvPr id="4" name="图片 3"/>
+          <p:cNvPicPr>
+            <a:picLocks noChangeAspect="1"/>
+          </p:cNvPicPr>
+          <p:nvPr/>
+        </p:nvPicPr>
+        <p:blipFill>
+          <a:blip r:embed="rId2"/>
+          <a:stretch>
+            <a:fillRect/>
+          </a:stretch>
+        </p:blipFill>
+        <p:spPr>
+          <a:xfrm>
+            <a:off x="4538949" y="591362"/>
+            <a:ext cx="3703048" cy="2679682"/>
+          </a:xfrm>
+          <a:prstGeom prst="rect">
+            <a:avLst/>
+          </a:prstGeom>
+        </p:spPr>
+      </p:pic>
+      <p:pic>
+        <p:nvPicPr>
+          <p:cNvPr id="5" name="图片 4"/>
+          <p:cNvPicPr>
+            <a:picLocks noChangeAspect="1"/>
+          </p:cNvPicPr>
+          <p:nvPr/>
+        </p:nvPicPr>
+        <p:blipFill>
+          <a:blip r:embed="rId3"/>
+          <a:stretch>
+            <a:fillRect/>
+          </a:stretch>
+        </p:blipFill>
+        <p:spPr>
+          <a:xfrm>
+            <a:off x="1044049" y="545203"/>
+            <a:ext cx="3857207" cy="2772000"/>
+          </a:xfrm>
+          <a:prstGeom prst="rect">
+            <a:avLst/>
+          </a:prstGeom>
+        </p:spPr>
+      </p:pic>
+      <p:pic>
+        <p:nvPicPr>
+          <p:cNvPr id="6" name="图片 5"/>
+          <p:cNvPicPr>
+            <a:picLocks noChangeAspect="1"/>
+          </p:cNvPicPr>
+          <p:nvPr/>
+        </p:nvPicPr>
+        <p:blipFill>
+          <a:blip r:embed="rId4"/>
+          <a:stretch>
+            <a:fillRect/>
+          </a:stretch>
+        </p:blipFill>
+        <p:spPr>
+          <a:xfrm>
+            <a:off x="1077610" y="2996622"/>
+            <a:ext cx="3857208" cy="2772000"/>
+          </a:xfrm>
+          <a:prstGeom prst="rect">
+            <a:avLst/>
+          </a:prstGeom>
+        </p:spPr>
+      </p:pic>
+      <p:pic>
+        <p:nvPicPr>
+          <p:cNvPr id="7" name="图片 6"/>
+          <p:cNvPicPr>
+            <a:picLocks noChangeAspect="1"/>
+          </p:cNvPicPr>
+          <p:nvPr/>
+        </p:nvPicPr>
+        <p:blipFill>
+          <a:blip r:embed="rId5"/>
+          <a:stretch>
+            <a:fillRect/>
+          </a:stretch>
+        </p:blipFill>
+        <p:spPr>
+          <a:xfrm>
+            <a:off x="4538949" y="3088940"/>
+            <a:ext cx="3703048" cy="2679682"/>
+          </a:xfrm>
+          <a:prstGeom prst="rect">
+            <a:avLst/>
+          </a:prstGeom>
+        </p:spPr>
+      </p:pic>
+    </p:spTree>
+    <p:extLst>
+      <p:ext uri="{BB962C8B-B14F-4D97-AF65-F5344CB8AC3E}">
+        <p14:creationId xmlns:p14="http://schemas.microsoft.com/office/powerpoint/2010/main" val="316316921"/>
+      </p:ext>
+    </p:extLst>
+  </p:cSld>
+  <p:clrMapOvr>
+    <a:masterClrMapping/>
+  </p:clrMapOvr>
+</p:sld>
+</file>
+
+<file path=ppt/slides/slide6.xml><?xml version="1.0" encoding="utf-8"?>
+<p:sld xmlns:a="http://schemas.openxmlformats.org/drawingml/2006/main" xmlns:r="http://schemas.openxmlformats.org/officeDocument/2006/relationships" xmlns:p="http://schemas.openxmlformats.org/presentationml/2006/main">
+  <p:cSld>
+    <p:spTree>
+      <p:nvGrpSpPr>
+        <p:cNvPr id="1" name=""/>
+        <p:cNvGrpSpPr/>
+        <p:nvPr/>
+      </p:nvGrpSpPr>
+      <p:grpSpPr>
+        <a:xfrm>
+          <a:off x="0" y="0"/>
+          <a:ext cx="0" cy="0"/>
+          <a:chOff x="0" y="0"/>
+          <a:chExt cx="0" cy="0"/>
+        </a:xfrm>
+      </p:grpSpPr>
+      <p:sp>
+        <p:nvSpPr>
+          <p:cNvPr id="2" name="竖排标题 1"/>
+          <p:cNvSpPr>
+            <a:spLocks noGrp="1"/>
+          </p:cNvSpPr>
+          <p:nvPr>
+            <p:ph type="title" orient="vert"/>
+          </p:nvPr>
+        </p:nvSpPr>
+        <p:spPr/>
+        <p:txBody>
+          <a:bodyPr/>
+          <a:lstStyle/>
+          <a:p>
+            <a:endParaRPr lang="zh-CN" altLang="en-US"/>
+          </a:p>
+        </p:txBody>
+      </p:sp>
+      <p:sp>
+        <p:nvSpPr>
+          <p:cNvPr id="3" name="竖排文字占位符 2"/>
+          <p:cNvSpPr>
+            <a:spLocks noGrp="1"/>
+          </p:cNvSpPr>
+          <p:nvPr>
+            <p:ph type="body" orient="vert" idx="1"/>
+          </p:nvPr>
+        </p:nvSpPr>
+        <p:spPr/>
+        <p:txBody>
+          <a:bodyPr/>
+          <a:lstStyle/>
+          <a:p>
+            <a:endParaRPr lang="zh-CN" altLang="en-US"/>
+          </a:p>
+        </p:txBody>
+      </p:sp>
+    </p:spTree>
+    <p:extLst>
+      <p:ext uri="{BB962C8B-B14F-4D97-AF65-F5344CB8AC3E}">
+        <p14:creationId xmlns:p14="http://schemas.microsoft.com/office/powerpoint/2010/main" val="2479606023"/>
       </p:ext>
     </p:extLst>
   </p:cSld>

--- a/毕业论文/论文用图.pptx
+++ b/毕业论文/论文用图.pptx
@@ -7,10 +7,12 @@
   <p:sldIdLst>
     <p:sldId id="256" r:id="rId2"/>
     <p:sldId id="257" r:id="rId3"/>
-    <p:sldId id="258" r:id="rId4"/>
-    <p:sldId id="259" r:id="rId5"/>
-    <p:sldId id="260" r:id="rId6"/>
-    <p:sldId id="261" r:id="rId7"/>
+    <p:sldId id="263" r:id="rId4"/>
+    <p:sldId id="258" r:id="rId5"/>
+    <p:sldId id="262" r:id="rId6"/>
+    <p:sldId id="260" r:id="rId7"/>
+    <p:sldId id="261" r:id="rId8"/>
+    <p:sldId id="259" r:id="rId9"/>
   </p:sldIdLst>
   <p:sldSz cx="12192000" cy="6858000"/>
   <p:notesSz cx="6858000" cy="9144000"/>
@@ -248,7 +250,7 @@
           <a:p>
             <a:fld id="{2434905A-E1A4-4744-B5A9-97B0F93BB70A}" type="datetimeFigureOut">
               <a:rPr lang="zh-CN" altLang="en-US" smtClean="0"/>
-              <a:t>2016/3/1</a:t>
+              <a:t>2016/3/2</a:t>
             </a:fld>
             <a:endParaRPr lang="zh-CN" altLang="en-US"/>
           </a:p>
@@ -418,7 +420,7 @@
           <a:p>
             <a:fld id="{2434905A-E1A4-4744-B5A9-97B0F93BB70A}" type="datetimeFigureOut">
               <a:rPr lang="zh-CN" altLang="en-US" smtClean="0"/>
-              <a:t>2016/3/1</a:t>
+              <a:t>2016/3/2</a:t>
             </a:fld>
             <a:endParaRPr lang="zh-CN" altLang="en-US"/>
           </a:p>
@@ -598,7 +600,7 @@
           <a:p>
             <a:fld id="{2434905A-E1A4-4744-B5A9-97B0F93BB70A}" type="datetimeFigureOut">
               <a:rPr lang="zh-CN" altLang="en-US" smtClean="0"/>
-              <a:t>2016/3/1</a:t>
+              <a:t>2016/3/2</a:t>
             </a:fld>
             <a:endParaRPr lang="zh-CN" altLang="en-US"/>
           </a:p>
@@ -768,7 +770,7 @@
           <a:p>
             <a:fld id="{2434905A-E1A4-4744-B5A9-97B0F93BB70A}" type="datetimeFigureOut">
               <a:rPr lang="zh-CN" altLang="en-US" smtClean="0"/>
-              <a:t>2016/3/1</a:t>
+              <a:t>2016/3/2</a:t>
             </a:fld>
             <a:endParaRPr lang="zh-CN" altLang="en-US"/>
           </a:p>
@@ -1014,7 +1016,7 @@
           <a:p>
             <a:fld id="{2434905A-E1A4-4744-B5A9-97B0F93BB70A}" type="datetimeFigureOut">
               <a:rPr lang="zh-CN" altLang="en-US" smtClean="0"/>
-              <a:t>2016/3/1</a:t>
+              <a:t>2016/3/2</a:t>
             </a:fld>
             <a:endParaRPr lang="zh-CN" altLang="en-US"/>
           </a:p>
@@ -1246,7 +1248,7 @@
           <a:p>
             <a:fld id="{2434905A-E1A4-4744-B5A9-97B0F93BB70A}" type="datetimeFigureOut">
               <a:rPr lang="zh-CN" altLang="en-US" smtClean="0"/>
-              <a:t>2016/3/1</a:t>
+              <a:t>2016/3/2</a:t>
             </a:fld>
             <a:endParaRPr lang="zh-CN" altLang="en-US"/>
           </a:p>
@@ -1613,7 +1615,7 @@
           <a:p>
             <a:fld id="{2434905A-E1A4-4744-B5A9-97B0F93BB70A}" type="datetimeFigureOut">
               <a:rPr lang="zh-CN" altLang="en-US" smtClean="0"/>
-              <a:t>2016/3/1</a:t>
+              <a:t>2016/3/2</a:t>
             </a:fld>
             <a:endParaRPr lang="zh-CN" altLang="en-US"/>
           </a:p>
@@ -1731,7 +1733,7 @@
           <a:p>
             <a:fld id="{2434905A-E1A4-4744-B5A9-97B0F93BB70A}" type="datetimeFigureOut">
               <a:rPr lang="zh-CN" altLang="en-US" smtClean="0"/>
-              <a:t>2016/3/1</a:t>
+              <a:t>2016/3/2</a:t>
             </a:fld>
             <a:endParaRPr lang="zh-CN" altLang="en-US"/>
           </a:p>
@@ -1826,7 +1828,7 @@
           <a:p>
             <a:fld id="{2434905A-E1A4-4744-B5A9-97B0F93BB70A}" type="datetimeFigureOut">
               <a:rPr lang="zh-CN" altLang="en-US" smtClean="0"/>
-              <a:t>2016/3/1</a:t>
+              <a:t>2016/3/2</a:t>
             </a:fld>
             <a:endParaRPr lang="zh-CN" altLang="en-US"/>
           </a:p>
@@ -2103,7 +2105,7 @@
           <a:p>
             <a:fld id="{2434905A-E1A4-4744-B5A9-97B0F93BB70A}" type="datetimeFigureOut">
               <a:rPr lang="zh-CN" altLang="en-US" smtClean="0"/>
-              <a:t>2016/3/1</a:t>
+              <a:t>2016/3/2</a:t>
             </a:fld>
             <a:endParaRPr lang="zh-CN" altLang="en-US"/>
           </a:p>
@@ -2356,7 +2358,7 @@
           <a:p>
             <a:fld id="{2434905A-E1A4-4744-B5A9-97B0F93BB70A}" type="datetimeFigureOut">
               <a:rPr lang="zh-CN" altLang="en-US" smtClean="0"/>
-              <a:t>2016/3/1</a:t>
+              <a:t>2016/3/2</a:t>
             </a:fld>
             <a:endParaRPr lang="zh-CN" altLang="en-US"/>
           </a:p>
@@ -2569,7 +2571,7 @@
           <a:p>
             <a:fld id="{2434905A-E1A4-4744-B5A9-97B0F93BB70A}" type="datetimeFigureOut">
               <a:rPr lang="zh-CN" altLang="en-US" smtClean="0"/>
-              <a:t>2016/3/1</a:t>
+              <a:t>2016/3/2</a:t>
             </a:fld>
             <a:endParaRPr lang="zh-CN" altLang="en-US"/>
           </a:p>
@@ -3200,7 +3202,7 @@
           <a:p>
             <a:r>
               <a:rPr lang="zh-CN" altLang="en-US" dirty="0" smtClean="0"/>
-              <a:t>相同长度，不同弯曲半径。</a:t>
+              <a:t>相同弯曲半径，灵敏度相似</a:t>
             </a:r>
             <a:r>
               <a:rPr lang="en-US" altLang="zh-CN" dirty="0" smtClean="0"/>
@@ -3209,6 +3211,18 @@
             <a:br>
               <a:rPr lang="en-US" altLang="zh-CN" dirty="0" smtClean="0"/>
             </a:br>
+            <a:r>
+              <a:rPr lang="zh-CN" altLang="en-US" dirty="0" smtClean="0"/>
+              <a:t>以</a:t>
+            </a:r>
+            <a:r>
+              <a:rPr lang="en-US" altLang="zh-CN" dirty="0" smtClean="0"/>
+              <a:t>0ppm</a:t>
+            </a:r>
+            <a:r>
+              <a:rPr lang="zh-CN" altLang="en-US" dirty="0" smtClean="0"/>
+              <a:t>为基准归一化前后。</a:t>
+            </a:r>
             <a:endParaRPr lang="zh-CN" altLang="en-US" dirty="0"/>
           </a:p>
         </p:txBody>
@@ -3229,8 +3243,32 @@
         </p:blipFill>
         <p:spPr>
           <a:xfrm>
-            <a:off x="936434" y="967044"/>
-            <a:ext cx="6411981" cy="4608000"/>
+            <a:off x="661012" y="3382315"/>
+            <a:ext cx="4999970" cy="3632127"/>
+          </a:xfrm>
+          <a:prstGeom prst="rect">
+            <a:avLst/>
+          </a:prstGeom>
+        </p:spPr>
+      </p:pic>
+      <p:pic>
+        <p:nvPicPr>
+          <p:cNvPr id="5" name="图片 4"/>
+          <p:cNvPicPr>
+            <a:picLocks noChangeAspect="1"/>
+          </p:cNvPicPr>
+          <p:nvPr/>
+        </p:nvPicPr>
+        <p:blipFill>
+          <a:blip r:embed="rId3"/>
+          <a:stretch>
+            <a:fillRect/>
+          </a:stretch>
+        </p:blipFill>
+        <p:spPr>
+          <a:xfrm>
+            <a:off x="634972" y="365125"/>
+            <a:ext cx="5026010" cy="3611964"/>
           </a:xfrm>
           <a:prstGeom prst="rect">
             <a:avLst/>
@@ -3240,7 +3278,7 @@
     </p:spTree>
     <p:extLst>
       <p:ext uri="{BB962C8B-B14F-4D97-AF65-F5344CB8AC3E}">
-        <p14:creationId xmlns:p14="http://schemas.microsoft.com/office/powerpoint/2010/main" val="2678836717"/>
+        <p14:creationId xmlns:p14="http://schemas.microsoft.com/office/powerpoint/2010/main" val="2392769229"/>
       </p:ext>
     </p:extLst>
   </p:cSld>
@@ -3279,14 +3317,12 @@
         </p:nvSpPr>
         <p:spPr/>
         <p:txBody>
-          <a:bodyPr vert="horz">
-            <a:normAutofit fontScale="90000"/>
-          </a:bodyPr>
+          <a:bodyPr vert="horz"/>
           <a:lstStyle/>
           <a:p>
             <a:r>
               <a:rPr lang="zh-CN" altLang="en-US" dirty="0" smtClean="0"/>
-              <a:t>椭圆信噪比普遍优于正圆，但灵敏度低。</a:t>
+              <a:t>相同长度，不同弯曲半径。</a:t>
             </a:r>
             <a:r>
               <a:rPr lang="en-US" altLang="zh-CN" dirty="0" smtClean="0"/>
@@ -3295,10 +3331,6 @@
             <a:br>
               <a:rPr lang="en-US" altLang="zh-CN" dirty="0" smtClean="0"/>
             </a:br>
-            <a:r>
-              <a:rPr lang="zh-CN" altLang="en-US" dirty="0" smtClean="0"/>
-              <a:t>若追求更高的信噪比，采用椭圆弯曲的手法。</a:t>
-            </a:r>
             <a:endParaRPr lang="zh-CN" altLang="en-US" dirty="0"/>
           </a:p>
         </p:txBody>
@@ -3319,8 +3351,8 @@
         </p:blipFill>
         <p:spPr>
           <a:xfrm>
-            <a:off x="887731" y="967044"/>
-            <a:ext cx="6411981" cy="4608000"/>
+            <a:off x="4465293" y="572877"/>
+            <a:ext cx="3896673" cy="2800362"/>
           </a:xfrm>
           <a:prstGeom prst="rect">
             <a:avLst/>
@@ -3330,7 +3362,7 @@
     </p:spTree>
     <p:extLst>
       <p:ext uri="{BB962C8B-B14F-4D97-AF65-F5344CB8AC3E}">
-        <p14:creationId xmlns:p14="http://schemas.microsoft.com/office/powerpoint/2010/main" val="2592655655"/>
+        <p14:creationId xmlns:p14="http://schemas.microsoft.com/office/powerpoint/2010/main" val="2678836717"/>
       </p:ext>
     </p:extLst>
   </p:cSld>
@@ -3369,6 +3401,78 @@
         </p:nvSpPr>
         <p:spPr/>
         <p:txBody>
+          <a:bodyPr/>
+          <a:lstStyle/>
+          <a:p>
+            <a:r>
+              <a:rPr lang="zh-CN" altLang="en-US" dirty="0" smtClean="0"/>
+              <a:t>相同半径，不同长度</a:t>
+            </a:r>
+            <a:endParaRPr lang="zh-CN" altLang="en-US" dirty="0"/>
+          </a:p>
+        </p:txBody>
+      </p:sp>
+      <p:sp>
+        <p:nvSpPr>
+          <p:cNvPr id="3" name="竖排文字占位符 2"/>
+          <p:cNvSpPr>
+            <a:spLocks noGrp="1"/>
+          </p:cNvSpPr>
+          <p:nvPr>
+            <p:ph type="body" orient="vert" idx="1"/>
+          </p:nvPr>
+        </p:nvSpPr>
+        <p:spPr/>
+        <p:txBody>
+          <a:bodyPr/>
+          <a:lstStyle/>
+          <a:p>
+            <a:endParaRPr lang="zh-CN" altLang="en-US"/>
+          </a:p>
+        </p:txBody>
+      </p:sp>
+    </p:spTree>
+    <p:extLst>
+      <p:ext uri="{BB962C8B-B14F-4D97-AF65-F5344CB8AC3E}">
+        <p14:creationId xmlns:p14="http://schemas.microsoft.com/office/powerpoint/2010/main" val="75586231"/>
+      </p:ext>
+    </p:extLst>
+  </p:cSld>
+  <p:clrMapOvr>
+    <a:masterClrMapping/>
+  </p:clrMapOvr>
+</p:sld>
+</file>
+
+<file path=ppt/slides/slide6.xml><?xml version="1.0" encoding="utf-8"?>
+<p:sld xmlns:a="http://schemas.openxmlformats.org/drawingml/2006/main" xmlns:r="http://schemas.openxmlformats.org/officeDocument/2006/relationships" xmlns:p="http://schemas.openxmlformats.org/presentationml/2006/main">
+  <p:cSld>
+    <p:spTree>
+      <p:nvGrpSpPr>
+        <p:cNvPr id="1" name=""/>
+        <p:cNvGrpSpPr/>
+        <p:nvPr/>
+      </p:nvGrpSpPr>
+      <p:grpSpPr>
+        <a:xfrm>
+          <a:off x="0" y="0"/>
+          <a:ext cx="0" cy="0"/>
+          <a:chOff x="0" y="0"/>
+          <a:chExt cx="0" cy="0"/>
+        </a:xfrm>
+      </p:grpSpPr>
+      <p:sp>
+        <p:nvSpPr>
+          <p:cNvPr id="2" name="竖排标题 1"/>
+          <p:cNvSpPr>
+            <a:spLocks noGrp="1"/>
+          </p:cNvSpPr>
+          <p:nvPr>
+            <p:ph type="title" orient="vert"/>
+          </p:nvPr>
+        </p:nvSpPr>
+        <p:spPr/>
+        <p:txBody>
           <a:bodyPr vert="horz"/>
           <a:lstStyle/>
           <a:p>
@@ -3416,7 +3520,7 @@
         </p:blipFill>
         <p:spPr>
           <a:xfrm>
-            <a:off x="4538949" y="591362"/>
+            <a:off x="4631024" y="665761"/>
             <a:ext cx="3703048" cy="2679682"/>
           </a:xfrm>
           <a:prstGeom prst="rect">
@@ -3509,7 +3613,7 @@
 </p:sld>
 </file>
 
-<file path=ppt/slides/slide6.xml><?xml version="1.0" encoding="utf-8"?>
+<file path=ppt/slides/slide7.xml><?xml version="1.0" encoding="utf-8"?>
 <p:sld xmlns:a="http://schemas.openxmlformats.org/drawingml/2006/main" xmlns:r="http://schemas.openxmlformats.org/officeDocument/2006/relationships" xmlns:p="http://schemas.openxmlformats.org/presentationml/2006/main">
   <p:cSld>
     <p:spTree>
@@ -3568,6 +3672,96 @@
     <p:extLst>
       <p:ext uri="{BB962C8B-B14F-4D97-AF65-F5344CB8AC3E}">
         <p14:creationId xmlns:p14="http://schemas.microsoft.com/office/powerpoint/2010/main" val="2479606023"/>
+      </p:ext>
+    </p:extLst>
+  </p:cSld>
+  <p:clrMapOvr>
+    <a:masterClrMapping/>
+  </p:clrMapOvr>
+</p:sld>
+</file>
+
+<file path=ppt/slides/slide8.xml><?xml version="1.0" encoding="utf-8"?>
+<p:sld xmlns:a="http://schemas.openxmlformats.org/drawingml/2006/main" xmlns:r="http://schemas.openxmlformats.org/officeDocument/2006/relationships" xmlns:p="http://schemas.openxmlformats.org/presentationml/2006/main">
+  <p:cSld>
+    <p:spTree>
+      <p:nvGrpSpPr>
+        <p:cNvPr id="1" name=""/>
+        <p:cNvGrpSpPr/>
+        <p:nvPr/>
+      </p:nvGrpSpPr>
+      <p:grpSpPr>
+        <a:xfrm>
+          <a:off x="0" y="0"/>
+          <a:ext cx="0" cy="0"/>
+          <a:chOff x="0" y="0"/>
+          <a:chExt cx="0" cy="0"/>
+        </a:xfrm>
+      </p:grpSpPr>
+      <p:sp>
+        <p:nvSpPr>
+          <p:cNvPr id="2" name="竖排标题 1"/>
+          <p:cNvSpPr>
+            <a:spLocks noGrp="1"/>
+          </p:cNvSpPr>
+          <p:nvPr>
+            <p:ph type="title" orient="vert"/>
+          </p:nvPr>
+        </p:nvSpPr>
+        <p:spPr/>
+        <p:txBody>
+          <a:bodyPr vert="horz">
+            <a:normAutofit fontScale="90000"/>
+          </a:bodyPr>
+          <a:lstStyle/>
+          <a:p>
+            <a:r>
+              <a:rPr lang="zh-CN" altLang="en-US" dirty="0" smtClean="0"/>
+              <a:t>椭圆信噪比普遍优于正圆，但灵敏度低。</a:t>
+            </a:r>
+            <a:r>
+              <a:rPr lang="en-US" altLang="zh-CN" dirty="0" smtClean="0"/>
+              <a:t/>
+            </a:r>
+            <a:br>
+              <a:rPr lang="en-US" altLang="zh-CN" dirty="0" smtClean="0"/>
+            </a:br>
+            <a:r>
+              <a:rPr lang="zh-CN" altLang="en-US" dirty="0" smtClean="0"/>
+              <a:t>若追求更高的信噪比，采用椭圆弯曲的手法。</a:t>
+            </a:r>
+            <a:endParaRPr lang="zh-CN" altLang="en-US" dirty="0"/>
+          </a:p>
+        </p:txBody>
+      </p:sp>
+      <p:pic>
+        <p:nvPicPr>
+          <p:cNvPr id="4" name="图片 3"/>
+          <p:cNvPicPr>
+            <a:picLocks noChangeAspect="1"/>
+          </p:cNvPicPr>
+          <p:nvPr/>
+        </p:nvPicPr>
+        <p:blipFill>
+          <a:blip r:embed="rId2"/>
+          <a:stretch>
+            <a:fillRect/>
+          </a:stretch>
+        </p:blipFill>
+        <p:spPr>
+          <a:xfrm>
+            <a:off x="887731" y="967044"/>
+            <a:ext cx="6411981" cy="4608000"/>
+          </a:xfrm>
+          <a:prstGeom prst="rect">
+            <a:avLst/>
+          </a:prstGeom>
+        </p:spPr>
+      </p:pic>
+    </p:spTree>
+    <p:extLst>
+      <p:ext uri="{BB962C8B-B14F-4D97-AF65-F5344CB8AC3E}">
+        <p14:creationId xmlns:p14="http://schemas.microsoft.com/office/powerpoint/2010/main" val="2592655655"/>
       </p:ext>
     </p:extLst>
   </p:cSld>

--- a/毕业论文/论文用图.pptx
+++ b/毕业论文/论文用图.pptx
@@ -250,7 +250,7 @@
           <a:p>
             <a:fld id="{2434905A-E1A4-4744-B5A9-97B0F93BB70A}" type="datetimeFigureOut">
               <a:rPr lang="zh-CN" altLang="en-US" smtClean="0"/>
-              <a:t>2016/3/2</a:t>
+              <a:t>2016/3/3</a:t>
             </a:fld>
             <a:endParaRPr lang="zh-CN" altLang="en-US"/>
           </a:p>
@@ -420,7 +420,7 @@
           <a:p>
             <a:fld id="{2434905A-E1A4-4744-B5A9-97B0F93BB70A}" type="datetimeFigureOut">
               <a:rPr lang="zh-CN" altLang="en-US" smtClean="0"/>
-              <a:t>2016/3/2</a:t>
+              <a:t>2016/3/3</a:t>
             </a:fld>
             <a:endParaRPr lang="zh-CN" altLang="en-US"/>
           </a:p>
@@ -600,7 +600,7 @@
           <a:p>
             <a:fld id="{2434905A-E1A4-4744-B5A9-97B0F93BB70A}" type="datetimeFigureOut">
               <a:rPr lang="zh-CN" altLang="en-US" smtClean="0"/>
-              <a:t>2016/3/2</a:t>
+              <a:t>2016/3/3</a:t>
             </a:fld>
             <a:endParaRPr lang="zh-CN" altLang="en-US"/>
           </a:p>
@@ -770,7 +770,7 @@
           <a:p>
             <a:fld id="{2434905A-E1A4-4744-B5A9-97B0F93BB70A}" type="datetimeFigureOut">
               <a:rPr lang="zh-CN" altLang="en-US" smtClean="0"/>
-              <a:t>2016/3/2</a:t>
+              <a:t>2016/3/3</a:t>
             </a:fld>
             <a:endParaRPr lang="zh-CN" altLang="en-US"/>
           </a:p>
@@ -1016,7 +1016,7 @@
           <a:p>
             <a:fld id="{2434905A-E1A4-4744-B5A9-97B0F93BB70A}" type="datetimeFigureOut">
               <a:rPr lang="zh-CN" altLang="en-US" smtClean="0"/>
-              <a:t>2016/3/2</a:t>
+              <a:t>2016/3/3</a:t>
             </a:fld>
             <a:endParaRPr lang="zh-CN" altLang="en-US"/>
           </a:p>
@@ -1248,7 +1248,7 @@
           <a:p>
             <a:fld id="{2434905A-E1A4-4744-B5A9-97B0F93BB70A}" type="datetimeFigureOut">
               <a:rPr lang="zh-CN" altLang="en-US" smtClean="0"/>
-              <a:t>2016/3/2</a:t>
+              <a:t>2016/3/3</a:t>
             </a:fld>
             <a:endParaRPr lang="zh-CN" altLang="en-US"/>
           </a:p>
@@ -1615,7 +1615,7 @@
           <a:p>
             <a:fld id="{2434905A-E1A4-4744-B5A9-97B0F93BB70A}" type="datetimeFigureOut">
               <a:rPr lang="zh-CN" altLang="en-US" smtClean="0"/>
-              <a:t>2016/3/2</a:t>
+              <a:t>2016/3/3</a:t>
             </a:fld>
             <a:endParaRPr lang="zh-CN" altLang="en-US"/>
           </a:p>
@@ -1733,7 +1733,7 @@
           <a:p>
             <a:fld id="{2434905A-E1A4-4744-B5A9-97B0F93BB70A}" type="datetimeFigureOut">
               <a:rPr lang="zh-CN" altLang="en-US" smtClean="0"/>
-              <a:t>2016/3/2</a:t>
+              <a:t>2016/3/3</a:t>
             </a:fld>
             <a:endParaRPr lang="zh-CN" altLang="en-US"/>
           </a:p>
@@ -1828,7 +1828,7 @@
           <a:p>
             <a:fld id="{2434905A-E1A4-4744-B5A9-97B0F93BB70A}" type="datetimeFigureOut">
               <a:rPr lang="zh-CN" altLang="en-US" smtClean="0"/>
-              <a:t>2016/3/2</a:t>
+              <a:t>2016/3/3</a:t>
             </a:fld>
             <a:endParaRPr lang="zh-CN" altLang="en-US"/>
           </a:p>
@@ -2105,7 +2105,7 @@
           <a:p>
             <a:fld id="{2434905A-E1A4-4744-B5A9-97B0F93BB70A}" type="datetimeFigureOut">
               <a:rPr lang="zh-CN" altLang="en-US" smtClean="0"/>
-              <a:t>2016/3/2</a:t>
+              <a:t>2016/3/3</a:t>
             </a:fld>
             <a:endParaRPr lang="zh-CN" altLang="en-US"/>
           </a:p>
@@ -2358,7 +2358,7 @@
           <a:p>
             <a:fld id="{2434905A-E1A4-4744-B5A9-97B0F93BB70A}" type="datetimeFigureOut">
               <a:rPr lang="zh-CN" altLang="en-US" smtClean="0"/>
-              <a:t>2016/3/2</a:t>
+              <a:t>2016/3/3</a:t>
             </a:fld>
             <a:endParaRPr lang="zh-CN" altLang="en-US"/>
           </a:p>
@@ -2571,7 +2571,7 @@
           <a:p>
             <a:fld id="{2434905A-E1A4-4744-B5A9-97B0F93BB70A}" type="datetimeFigureOut">
               <a:rPr lang="zh-CN" altLang="en-US" smtClean="0"/>
-              <a:t>2016/3/2</a:t>
+              <a:t>2016/3/3</a:t>
             </a:fld>
             <a:endParaRPr lang="zh-CN" altLang="en-US"/>
           </a:p>
@@ -3244,7 +3244,7 @@
         <p:spPr>
           <a:xfrm>
             <a:off x="661012" y="3382315"/>
-            <a:ext cx="4999970" cy="3632127"/>
+            <a:ext cx="4955744" cy="3600000"/>
           </a:xfrm>
           <a:prstGeom prst="rect">
             <a:avLst/>
@@ -3268,7 +3268,7 @@
         <p:spPr>
           <a:xfrm>
             <a:off x="634972" y="365125"/>
-            <a:ext cx="5026010" cy="3611964"/>
+            <a:ext cx="5009362" cy="3600000"/>
           </a:xfrm>
           <a:prstGeom prst="rect">
             <a:avLst/>
@@ -3337,7 +3337,7 @@
       </p:sp>
       <p:pic>
         <p:nvPicPr>
-          <p:cNvPr id="4" name="图片 3"/>
+          <p:cNvPr id="3" name="图片 2"/>
           <p:cNvPicPr>
             <a:picLocks noChangeAspect="1"/>
           </p:cNvPicPr>
@@ -3351,8 +3351,80 @@
         </p:blipFill>
         <p:spPr>
           <a:xfrm>
-            <a:off x="4465293" y="572877"/>
-            <a:ext cx="3896673" cy="2800362"/>
+            <a:off x="105536" y="572877"/>
+            <a:ext cx="4001960" cy="2772000"/>
+          </a:xfrm>
+          <a:prstGeom prst="rect">
+            <a:avLst/>
+          </a:prstGeom>
+        </p:spPr>
+      </p:pic>
+      <p:pic>
+        <p:nvPicPr>
+          <p:cNvPr id="5" name="图片 4"/>
+          <p:cNvPicPr>
+            <a:picLocks noChangeAspect="1"/>
+          </p:cNvPicPr>
+          <p:nvPr/>
+        </p:nvPicPr>
+        <p:blipFill>
+          <a:blip r:embed="rId3"/>
+          <a:stretch>
+            <a:fillRect/>
+          </a:stretch>
+        </p:blipFill>
+        <p:spPr>
+          <a:xfrm>
+            <a:off x="191202" y="3271044"/>
+            <a:ext cx="3830627" cy="2772000"/>
+          </a:xfrm>
+          <a:prstGeom prst="rect">
+            <a:avLst/>
+          </a:prstGeom>
+        </p:spPr>
+      </p:pic>
+      <p:pic>
+        <p:nvPicPr>
+          <p:cNvPr id="7" name="图片 6"/>
+          <p:cNvPicPr>
+            <a:picLocks noChangeAspect="1"/>
+          </p:cNvPicPr>
+          <p:nvPr/>
+        </p:nvPicPr>
+        <p:blipFill>
+          <a:blip r:embed="rId4"/>
+          <a:stretch>
+            <a:fillRect/>
+          </a:stretch>
+        </p:blipFill>
+        <p:spPr>
+          <a:xfrm>
+            <a:off x="4021829" y="572877"/>
+            <a:ext cx="3857208" cy="2772000"/>
+          </a:xfrm>
+          <a:prstGeom prst="rect">
+            <a:avLst/>
+          </a:prstGeom>
+        </p:spPr>
+      </p:pic>
+      <p:pic>
+        <p:nvPicPr>
+          <p:cNvPr id="8" name="图片 7"/>
+          <p:cNvPicPr>
+            <a:picLocks noChangeAspect="1"/>
+          </p:cNvPicPr>
+          <p:nvPr/>
+        </p:nvPicPr>
+        <p:blipFill>
+          <a:blip r:embed="rId5"/>
+          <a:stretch>
+            <a:fillRect/>
+          </a:stretch>
+        </p:blipFill>
+        <p:spPr>
+          <a:xfrm>
+            <a:off x="4042471" y="3271044"/>
+            <a:ext cx="3815923" cy="2772000"/>
           </a:xfrm>
           <a:prstGeom prst="rect">
             <a:avLst/>
@@ -3427,7 +3499,7 @@
           <a:bodyPr/>
           <a:lstStyle/>
           <a:p>
-            <a:endParaRPr lang="zh-CN" altLang="en-US"/>
+            <a:endParaRPr lang="zh-CN" altLang="en-US" dirty="0"/>
           </a:p>
         </p:txBody>
       </p:sp>

--- a/毕业论文/论文用图.pptx
+++ b/毕业论文/论文用图.pptx
@@ -5,14 +5,20 @@
     <p:sldMasterId id="2147483648" r:id="rId1"/>
   </p:sldMasterIdLst>
   <p:sldIdLst>
-    <p:sldId id="256" r:id="rId2"/>
-    <p:sldId id="257" r:id="rId3"/>
-    <p:sldId id="263" r:id="rId4"/>
-    <p:sldId id="258" r:id="rId5"/>
-    <p:sldId id="262" r:id="rId6"/>
-    <p:sldId id="260" r:id="rId7"/>
-    <p:sldId id="261" r:id="rId8"/>
-    <p:sldId id="259" r:id="rId9"/>
+    <p:sldId id="269" r:id="rId2"/>
+    <p:sldId id="256" r:id="rId3"/>
+    <p:sldId id="265" r:id="rId4"/>
+    <p:sldId id="266" r:id="rId5"/>
+    <p:sldId id="267" r:id="rId6"/>
+    <p:sldId id="268" r:id="rId7"/>
+    <p:sldId id="257" r:id="rId8"/>
+    <p:sldId id="264" r:id="rId9"/>
+    <p:sldId id="263" r:id="rId10"/>
+    <p:sldId id="258" r:id="rId11"/>
+    <p:sldId id="262" r:id="rId12"/>
+    <p:sldId id="260" r:id="rId13"/>
+    <p:sldId id="261" r:id="rId14"/>
+    <p:sldId id="259" r:id="rId15"/>
   </p:sldIdLst>
   <p:sldSz cx="12192000" cy="6858000"/>
   <p:notesSz cx="6858000" cy="9144000"/>
@@ -250,7 +256,7 @@
           <a:p>
             <a:fld id="{2434905A-E1A4-4744-B5A9-97B0F93BB70A}" type="datetimeFigureOut">
               <a:rPr lang="zh-CN" altLang="en-US" smtClean="0"/>
-              <a:t>2016/3/3</a:t>
+              <a:t>2016/3/5</a:t>
             </a:fld>
             <a:endParaRPr lang="zh-CN" altLang="en-US"/>
           </a:p>
@@ -420,7 +426,7 @@
           <a:p>
             <a:fld id="{2434905A-E1A4-4744-B5A9-97B0F93BB70A}" type="datetimeFigureOut">
               <a:rPr lang="zh-CN" altLang="en-US" smtClean="0"/>
-              <a:t>2016/3/3</a:t>
+              <a:t>2016/3/5</a:t>
             </a:fld>
             <a:endParaRPr lang="zh-CN" altLang="en-US"/>
           </a:p>
@@ -600,7 +606,7 @@
           <a:p>
             <a:fld id="{2434905A-E1A4-4744-B5A9-97B0F93BB70A}" type="datetimeFigureOut">
               <a:rPr lang="zh-CN" altLang="en-US" smtClean="0"/>
-              <a:t>2016/3/3</a:t>
+              <a:t>2016/3/5</a:t>
             </a:fld>
             <a:endParaRPr lang="zh-CN" altLang="en-US"/>
           </a:p>
@@ -770,7 +776,7 @@
           <a:p>
             <a:fld id="{2434905A-E1A4-4744-B5A9-97B0F93BB70A}" type="datetimeFigureOut">
               <a:rPr lang="zh-CN" altLang="en-US" smtClean="0"/>
-              <a:t>2016/3/3</a:t>
+              <a:t>2016/3/5</a:t>
             </a:fld>
             <a:endParaRPr lang="zh-CN" altLang="en-US"/>
           </a:p>
@@ -1016,7 +1022,7 @@
           <a:p>
             <a:fld id="{2434905A-E1A4-4744-B5A9-97B0F93BB70A}" type="datetimeFigureOut">
               <a:rPr lang="zh-CN" altLang="en-US" smtClean="0"/>
-              <a:t>2016/3/3</a:t>
+              <a:t>2016/3/5</a:t>
             </a:fld>
             <a:endParaRPr lang="zh-CN" altLang="en-US"/>
           </a:p>
@@ -1248,7 +1254,7 @@
           <a:p>
             <a:fld id="{2434905A-E1A4-4744-B5A9-97B0F93BB70A}" type="datetimeFigureOut">
               <a:rPr lang="zh-CN" altLang="en-US" smtClean="0"/>
-              <a:t>2016/3/3</a:t>
+              <a:t>2016/3/5</a:t>
             </a:fld>
             <a:endParaRPr lang="zh-CN" altLang="en-US"/>
           </a:p>
@@ -1615,7 +1621,7 @@
           <a:p>
             <a:fld id="{2434905A-E1A4-4744-B5A9-97B0F93BB70A}" type="datetimeFigureOut">
               <a:rPr lang="zh-CN" altLang="en-US" smtClean="0"/>
-              <a:t>2016/3/3</a:t>
+              <a:t>2016/3/5</a:t>
             </a:fld>
             <a:endParaRPr lang="zh-CN" altLang="en-US"/>
           </a:p>
@@ -1733,7 +1739,7 @@
           <a:p>
             <a:fld id="{2434905A-E1A4-4744-B5A9-97B0F93BB70A}" type="datetimeFigureOut">
               <a:rPr lang="zh-CN" altLang="en-US" smtClean="0"/>
-              <a:t>2016/3/3</a:t>
+              <a:t>2016/3/5</a:t>
             </a:fld>
             <a:endParaRPr lang="zh-CN" altLang="en-US"/>
           </a:p>
@@ -1828,7 +1834,7 @@
           <a:p>
             <a:fld id="{2434905A-E1A4-4744-B5A9-97B0F93BB70A}" type="datetimeFigureOut">
               <a:rPr lang="zh-CN" altLang="en-US" smtClean="0"/>
-              <a:t>2016/3/3</a:t>
+              <a:t>2016/3/5</a:t>
             </a:fld>
             <a:endParaRPr lang="zh-CN" altLang="en-US"/>
           </a:p>
@@ -2105,7 +2111,7 @@
           <a:p>
             <a:fld id="{2434905A-E1A4-4744-B5A9-97B0F93BB70A}" type="datetimeFigureOut">
               <a:rPr lang="zh-CN" altLang="en-US" smtClean="0"/>
-              <a:t>2016/3/3</a:t>
+              <a:t>2016/3/5</a:t>
             </a:fld>
             <a:endParaRPr lang="zh-CN" altLang="en-US"/>
           </a:p>
@@ -2358,7 +2364,7 @@
           <a:p>
             <a:fld id="{2434905A-E1A4-4744-B5A9-97B0F93BB70A}" type="datetimeFigureOut">
               <a:rPr lang="zh-CN" altLang="en-US" smtClean="0"/>
-              <a:t>2016/3/3</a:t>
+              <a:t>2016/3/5</a:t>
             </a:fld>
             <a:endParaRPr lang="zh-CN" altLang="en-US"/>
           </a:p>
@@ -2571,7 +2577,7 @@
           <a:p>
             <a:fld id="{2434905A-E1A4-4744-B5A9-97B0F93BB70A}" type="datetimeFigureOut">
               <a:rPr lang="zh-CN" altLang="en-US" smtClean="0"/>
-              <a:t>2016/3/3</a:t>
+              <a:t>2016/3/5</a:t>
             </a:fld>
             <a:endParaRPr lang="zh-CN" altLang="en-US"/>
           </a:p>
@@ -2983,7 +2989,7 @@
             <a:spLocks noGrp="1"/>
           </p:cNvSpPr>
           <p:nvPr>
-            <p:ph type="ctrTitle"/>
+            <p:ph type="title"/>
           </p:nvPr>
         </p:nvSpPr>
         <p:spPr/>
@@ -2991,18 +2997,18 @@
           <a:bodyPr/>
           <a:lstStyle/>
           <a:p>
-            <a:endParaRPr lang="zh-CN" altLang="en-US" dirty="0"/>
-          </a:p>
-        </p:txBody>
-      </p:sp>
-      <p:sp>
-        <p:nvSpPr>
-          <p:cNvPr id="3" name="副标题 2"/>
-          <p:cNvSpPr>
-            <a:spLocks noGrp="1"/>
-          </p:cNvSpPr>
-          <p:nvPr>
-            <p:ph type="subTitle" idx="1"/>
+            <a:endParaRPr lang="zh-CN" altLang="en-US"/>
+          </a:p>
+        </p:txBody>
+      </p:sp>
+      <p:sp>
+        <p:nvSpPr>
+          <p:cNvPr id="3" name="内容占位符 2"/>
+          <p:cNvSpPr>
+            <a:spLocks noGrp="1"/>
+          </p:cNvSpPr>
+          <p:nvPr>
+            <p:ph idx="1"/>
           </p:nvPr>
         </p:nvSpPr>
         <p:spPr/>
@@ -3010,14 +3016,47 @@
           <a:bodyPr/>
           <a:lstStyle/>
           <a:p>
-            <a:endParaRPr lang="zh-CN" altLang="en-US"/>
-          </a:p>
-        </p:txBody>
-      </p:sp>
+            <a:endParaRPr lang="zh-CN" altLang="en-US" dirty="0"/>
+          </a:p>
+        </p:txBody>
+      </p:sp>
+      <p:pic>
+        <p:nvPicPr>
+          <p:cNvPr id="4" name="Picture 2"/>
+          <p:cNvPicPr>
+            <a:picLocks noChangeAspect="1" noChangeArrowheads="1"/>
+          </p:cNvPicPr>
+          <p:nvPr/>
+        </p:nvPicPr>
+        <p:blipFill>
+          <a:blip r:embed="rId2"/>
+          <a:srcRect/>
+          <a:stretch>
+            <a:fillRect/>
+          </a:stretch>
+        </p:blipFill>
+        <p:spPr bwMode="auto">
+          <a:xfrm>
+            <a:off x="838200" y="2051360"/>
+            <a:ext cx="6800850" cy="2600325"/>
+          </a:xfrm>
+          <a:prstGeom prst="rect">
+            <a:avLst/>
+          </a:prstGeom>
+          <a:noFill/>
+          <a:ln w="9525">
+            <a:noFill/>
+            <a:miter lim="800000"/>
+            <a:headEnd/>
+            <a:tailEnd/>
+          </a:ln>
+          <a:effectLst/>
+        </p:spPr>
+      </p:pic>
     </p:spTree>
     <p:extLst>
       <p:ext uri="{BB962C8B-B14F-4D97-AF65-F5344CB8AC3E}">
-        <p14:creationId xmlns:p14="http://schemas.microsoft.com/office/powerpoint/2010/main" val="3393202541"/>
+        <p14:creationId xmlns:p14="http://schemas.microsoft.com/office/powerpoint/2010/main" val="3179182354"/>
       </p:ext>
     </p:extLst>
   </p:cSld>
@@ -3027,7 +3066,7 @@
 </p:sld>
 </file>
 
-<file path=ppt/slides/slide2.xml><?xml version="1.0" encoding="utf-8"?>
+<file path=ppt/slides/slide10.xml><?xml version="1.0" encoding="utf-8"?>
 <p:sld xmlns:a="http://schemas.openxmlformats.org/drawingml/2006/main" xmlns:r="http://schemas.openxmlformats.org/officeDocument/2006/relationships" xmlns:p="http://schemas.openxmlformats.org/presentationml/2006/main">
   <p:cSld>
     <p:spTree>
@@ -3044,23 +3083,58 @@
           <a:chExt cx="0" cy="0"/>
         </a:xfrm>
       </p:grpSpPr>
+      <p:sp>
+        <p:nvSpPr>
+          <p:cNvPr id="2" name="竖排标题 1"/>
+          <p:cNvSpPr>
+            <a:spLocks noGrp="1"/>
+          </p:cNvSpPr>
+          <p:nvPr>
+            <p:ph type="title" orient="vert"/>
+          </p:nvPr>
+        </p:nvSpPr>
+        <p:spPr>
+          <a:xfrm>
+            <a:off x="8185073" y="89703"/>
+            <a:ext cx="2628900" cy="5811838"/>
+          </a:xfrm>
+        </p:spPr>
+        <p:txBody>
+          <a:bodyPr vert="horz"/>
+          <a:lstStyle/>
+          <a:p>
+            <a:r>
+              <a:rPr lang="zh-CN" altLang="en-US" dirty="0" smtClean="0"/>
+              <a:t>相同长度，不同弯曲半径。</a:t>
+            </a:r>
+            <a:r>
+              <a:rPr lang="en-US" altLang="zh-CN" dirty="0" smtClean="0"/>
+              <a:t/>
+            </a:r>
+            <a:br>
+              <a:rPr lang="en-US" altLang="zh-CN" dirty="0" smtClean="0"/>
+            </a:br>
+            <a:endParaRPr lang="zh-CN" altLang="en-US" dirty="0"/>
+          </a:p>
+        </p:txBody>
+      </p:sp>
       <p:grpSp>
         <p:nvGrpSpPr>
-          <p:cNvPr id="6" name="组合 5"/>
+          <p:cNvPr id="4" name="组合 3"/>
           <p:cNvGrpSpPr/>
           <p:nvPr/>
         </p:nvGrpSpPr>
         <p:grpSpPr>
           <a:xfrm>
-            <a:off x="903009" y="960743"/>
-            <a:ext cx="6089401" cy="4620601"/>
-            <a:chOff x="5673313" y="1391123"/>
-            <a:chExt cx="6089401" cy="4620601"/>
+            <a:off x="105536" y="572877"/>
+            <a:ext cx="7773501" cy="5470167"/>
+            <a:chOff x="105536" y="572877"/>
+            <a:chExt cx="7773501" cy="5470167"/>
           </a:xfrm>
         </p:grpSpPr>
         <p:pic>
           <p:nvPicPr>
-            <p:cNvPr id="5" name="图片 4"/>
+            <p:cNvPr id="3" name="图片 2"/>
             <p:cNvPicPr>
               <a:picLocks noChangeAspect="1"/>
             </p:cNvPicPr>
@@ -3074,8 +3148,8 @@
           </p:blipFill>
           <p:spPr>
             <a:xfrm>
-              <a:off x="5673313" y="1391123"/>
-              <a:ext cx="6089401" cy="4620601"/>
+              <a:off x="105536" y="572877"/>
+              <a:ext cx="4001960" cy="2772000"/>
             </a:xfrm>
             <a:prstGeom prst="rect">
               <a:avLst/>
@@ -3084,7 +3158,7 @@
         </p:pic>
         <p:pic>
           <p:nvPicPr>
-            <p:cNvPr id="4" name="图片 3"/>
+            <p:cNvPr id="5" name="图片 4"/>
             <p:cNvPicPr>
               <a:picLocks noChangeAspect="1"/>
             </p:cNvPicPr>
@@ -3098,8 +3172,56 @@
           </p:blipFill>
           <p:spPr>
             <a:xfrm>
-              <a:off x="6279614" y="2061782"/>
-              <a:ext cx="2795050" cy="2035625"/>
+              <a:off x="191202" y="3271044"/>
+              <a:ext cx="3830627" cy="2772000"/>
+            </a:xfrm>
+            <a:prstGeom prst="rect">
+              <a:avLst/>
+            </a:prstGeom>
+          </p:spPr>
+        </p:pic>
+        <p:pic>
+          <p:nvPicPr>
+            <p:cNvPr id="7" name="图片 6"/>
+            <p:cNvPicPr>
+              <a:picLocks noChangeAspect="1"/>
+            </p:cNvPicPr>
+            <p:nvPr/>
+          </p:nvPicPr>
+          <p:blipFill>
+            <a:blip r:embed="rId4"/>
+            <a:stretch>
+              <a:fillRect/>
+            </a:stretch>
+          </p:blipFill>
+          <p:spPr>
+            <a:xfrm>
+              <a:off x="4021829" y="572877"/>
+              <a:ext cx="3857208" cy="2772000"/>
+            </a:xfrm>
+            <a:prstGeom prst="rect">
+              <a:avLst/>
+            </a:prstGeom>
+          </p:spPr>
+        </p:pic>
+        <p:pic>
+          <p:nvPicPr>
+            <p:cNvPr id="8" name="图片 7"/>
+            <p:cNvPicPr>
+              <a:picLocks noChangeAspect="1"/>
+            </p:cNvPicPr>
+            <p:nvPr/>
+          </p:nvPicPr>
+          <p:blipFill>
+            <a:blip r:embed="rId5"/>
+            <a:stretch>
+              <a:fillRect/>
+            </a:stretch>
+          </p:blipFill>
+          <p:spPr>
+            <a:xfrm>
+              <a:off x="4042471" y="3271044"/>
+              <a:ext cx="3815923" cy="2772000"/>
             </a:xfrm>
             <a:prstGeom prst="rect">
               <a:avLst/>
@@ -3107,58 +3229,10 @@
           </p:spPr>
         </p:pic>
       </p:grpSp>
-      <p:sp>
-        <p:nvSpPr>
-          <p:cNvPr id="7" name="竖排标题 6"/>
-          <p:cNvSpPr>
-            <a:spLocks noGrp="1"/>
-          </p:cNvSpPr>
-          <p:nvPr>
-            <p:ph type="title" orient="vert"/>
-          </p:nvPr>
-        </p:nvSpPr>
-        <p:spPr/>
-        <p:txBody>
-          <a:bodyPr vert="horz">
-            <a:normAutofit fontScale="90000"/>
-          </a:bodyPr>
-          <a:lstStyle/>
-          <a:p>
-            <a:r>
-              <a:rPr lang="zh-CN" altLang="en-US" dirty="0"/>
-              <a:t>文</a:t>
-            </a:r>
-            <a:r>
-              <a:rPr lang="zh-CN" altLang="en-US" dirty="0" smtClean="0"/>
-              <a:t>中采取</a:t>
-            </a:r>
-            <a:r>
-              <a:rPr lang="en-US" altLang="zh-CN" dirty="0" smtClean="0"/>
-              <a:t>3.15-3.5</a:t>
-            </a:r>
-            <a:r>
-              <a:rPr lang="zh-CN" altLang="en-US" dirty="0" smtClean="0"/>
-              <a:t>之间积分的方式计算；</a:t>
-            </a:r>
-            <a:r>
-              <a:rPr lang="en-US" altLang="zh-CN" dirty="0" smtClean="0"/>
-              <a:t/>
-            </a:r>
-            <a:br>
-              <a:rPr lang="en-US" altLang="zh-CN" dirty="0" smtClean="0"/>
-            </a:br>
-            <a:r>
-              <a:rPr lang="zh-CN" altLang="en-US" dirty="0" smtClean="0"/>
-              <a:t>在大浓度情况下更加精确。浓度小时，旁瓣不清晰，用峰值即可，简单便捷。</a:t>
-            </a:r>
-            <a:endParaRPr lang="zh-CN" altLang="en-US" dirty="0"/>
-          </a:p>
-        </p:txBody>
-      </p:sp>
     </p:spTree>
     <p:extLst>
       <p:ext uri="{BB962C8B-B14F-4D97-AF65-F5344CB8AC3E}">
-        <p14:creationId xmlns:p14="http://schemas.microsoft.com/office/powerpoint/2010/main" val="3765771225"/>
+        <p14:creationId xmlns:p14="http://schemas.microsoft.com/office/powerpoint/2010/main" val="2678836717"/>
       </p:ext>
     </p:extLst>
   </p:cSld>
@@ -3168,7 +3242,7 @@
 </p:sld>
 </file>
 
-<file path=ppt/slides/slide3.xml><?xml version="1.0" encoding="utf-8"?>
+<file path=ppt/slides/slide11.xml><?xml version="1.0" encoding="utf-8"?>
 <p:sld xmlns:a="http://schemas.openxmlformats.org/drawingml/2006/main" xmlns:r="http://schemas.openxmlformats.org/officeDocument/2006/relationships" xmlns:p="http://schemas.openxmlformats.org/presentationml/2006/main">
   <p:cSld>
     <p:spTree>
@@ -3197,282 +3271,6 @@
         </p:nvSpPr>
         <p:spPr/>
         <p:txBody>
-          <a:bodyPr vert="horz"/>
-          <a:lstStyle/>
-          <a:p>
-            <a:r>
-              <a:rPr lang="zh-CN" altLang="en-US" dirty="0" smtClean="0"/>
-              <a:t>相同弯曲半径，灵敏度相似</a:t>
-            </a:r>
-            <a:r>
-              <a:rPr lang="en-US" altLang="zh-CN" dirty="0" smtClean="0"/>
-              <a:t/>
-            </a:r>
-            <a:br>
-              <a:rPr lang="en-US" altLang="zh-CN" dirty="0" smtClean="0"/>
-            </a:br>
-            <a:r>
-              <a:rPr lang="zh-CN" altLang="en-US" dirty="0" smtClean="0"/>
-              <a:t>以</a:t>
-            </a:r>
-            <a:r>
-              <a:rPr lang="en-US" altLang="zh-CN" dirty="0" smtClean="0"/>
-              <a:t>0ppm</a:t>
-            </a:r>
-            <a:r>
-              <a:rPr lang="zh-CN" altLang="en-US" dirty="0" smtClean="0"/>
-              <a:t>为基准归一化前后。</a:t>
-            </a:r>
-            <a:endParaRPr lang="zh-CN" altLang="en-US" dirty="0"/>
-          </a:p>
-        </p:txBody>
-      </p:sp>
-      <p:pic>
-        <p:nvPicPr>
-          <p:cNvPr id="4" name="图片 3"/>
-          <p:cNvPicPr>
-            <a:picLocks noChangeAspect="1"/>
-          </p:cNvPicPr>
-          <p:nvPr/>
-        </p:nvPicPr>
-        <p:blipFill>
-          <a:blip r:embed="rId2"/>
-          <a:stretch>
-            <a:fillRect/>
-          </a:stretch>
-        </p:blipFill>
-        <p:spPr>
-          <a:xfrm>
-            <a:off x="661012" y="3382315"/>
-            <a:ext cx="4955744" cy="3600000"/>
-          </a:xfrm>
-          <a:prstGeom prst="rect">
-            <a:avLst/>
-          </a:prstGeom>
-        </p:spPr>
-      </p:pic>
-      <p:pic>
-        <p:nvPicPr>
-          <p:cNvPr id="5" name="图片 4"/>
-          <p:cNvPicPr>
-            <a:picLocks noChangeAspect="1"/>
-          </p:cNvPicPr>
-          <p:nvPr/>
-        </p:nvPicPr>
-        <p:blipFill>
-          <a:blip r:embed="rId3"/>
-          <a:stretch>
-            <a:fillRect/>
-          </a:stretch>
-        </p:blipFill>
-        <p:spPr>
-          <a:xfrm>
-            <a:off x="634972" y="365125"/>
-            <a:ext cx="5009362" cy="3600000"/>
-          </a:xfrm>
-          <a:prstGeom prst="rect">
-            <a:avLst/>
-          </a:prstGeom>
-        </p:spPr>
-      </p:pic>
-    </p:spTree>
-    <p:extLst>
-      <p:ext uri="{BB962C8B-B14F-4D97-AF65-F5344CB8AC3E}">
-        <p14:creationId xmlns:p14="http://schemas.microsoft.com/office/powerpoint/2010/main" val="2392769229"/>
-      </p:ext>
-    </p:extLst>
-  </p:cSld>
-  <p:clrMapOvr>
-    <a:masterClrMapping/>
-  </p:clrMapOvr>
-</p:sld>
-</file>
-
-<file path=ppt/slides/slide4.xml><?xml version="1.0" encoding="utf-8"?>
-<p:sld xmlns:a="http://schemas.openxmlformats.org/drawingml/2006/main" xmlns:r="http://schemas.openxmlformats.org/officeDocument/2006/relationships" xmlns:p="http://schemas.openxmlformats.org/presentationml/2006/main">
-  <p:cSld>
-    <p:spTree>
-      <p:nvGrpSpPr>
-        <p:cNvPr id="1" name=""/>
-        <p:cNvGrpSpPr/>
-        <p:nvPr/>
-      </p:nvGrpSpPr>
-      <p:grpSpPr>
-        <a:xfrm>
-          <a:off x="0" y="0"/>
-          <a:ext cx="0" cy="0"/>
-          <a:chOff x="0" y="0"/>
-          <a:chExt cx="0" cy="0"/>
-        </a:xfrm>
-      </p:grpSpPr>
-      <p:sp>
-        <p:nvSpPr>
-          <p:cNvPr id="2" name="竖排标题 1"/>
-          <p:cNvSpPr>
-            <a:spLocks noGrp="1"/>
-          </p:cNvSpPr>
-          <p:nvPr>
-            <p:ph type="title" orient="vert"/>
-          </p:nvPr>
-        </p:nvSpPr>
-        <p:spPr/>
-        <p:txBody>
-          <a:bodyPr vert="horz"/>
-          <a:lstStyle/>
-          <a:p>
-            <a:r>
-              <a:rPr lang="zh-CN" altLang="en-US" dirty="0" smtClean="0"/>
-              <a:t>相同长度，不同弯曲半径。</a:t>
-            </a:r>
-            <a:r>
-              <a:rPr lang="en-US" altLang="zh-CN" dirty="0" smtClean="0"/>
-              <a:t/>
-            </a:r>
-            <a:br>
-              <a:rPr lang="en-US" altLang="zh-CN" dirty="0" smtClean="0"/>
-            </a:br>
-            <a:endParaRPr lang="zh-CN" altLang="en-US" dirty="0"/>
-          </a:p>
-        </p:txBody>
-      </p:sp>
-      <p:pic>
-        <p:nvPicPr>
-          <p:cNvPr id="3" name="图片 2"/>
-          <p:cNvPicPr>
-            <a:picLocks noChangeAspect="1"/>
-          </p:cNvPicPr>
-          <p:nvPr/>
-        </p:nvPicPr>
-        <p:blipFill>
-          <a:blip r:embed="rId2"/>
-          <a:stretch>
-            <a:fillRect/>
-          </a:stretch>
-        </p:blipFill>
-        <p:spPr>
-          <a:xfrm>
-            <a:off x="105536" y="572877"/>
-            <a:ext cx="4001960" cy="2772000"/>
-          </a:xfrm>
-          <a:prstGeom prst="rect">
-            <a:avLst/>
-          </a:prstGeom>
-        </p:spPr>
-      </p:pic>
-      <p:pic>
-        <p:nvPicPr>
-          <p:cNvPr id="5" name="图片 4"/>
-          <p:cNvPicPr>
-            <a:picLocks noChangeAspect="1"/>
-          </p:cNvPicPr>
-          <p:nvPr/>
-        </p:nvPicPr>
-        <p:blipFill>
-          <a:blip r:embed="rId3"/>
-          <a:stretch>
-            <a:fillRect/>
-          </a:stretch>
-        </p:blipFill>
-        <p:spPr>
-          <a:xfrm>
-            <a:off x="191202" y="3271044"/>
-            <a:ext cx="3830627" cy="2772000"/>
-          </a:xfrm>
-          <a:prstGeom prst="rect">
-            <a:avLst/>
-          </a:prstGeom>
-        </p:spPr>
-      </p:pic>
-      <p:pic>
-        <p:nvPicPr>
-          <p:cNvPr id="7" name="图片 6"/>
-          <p:cNvPicPr>
-            <a:picLocks noChangeAspect="1"/>
-          </p:cNvPicPr>
-          <p:nvPr/>
-        </p:nvPicPr>
-        <p:blipFill>
-          <a:blip r:embed="rId4"/>
-          <a:stretch>
-            <a:fillRect/>
-          </a:stretch>
-        </p:blipFill>
-        <p:spPr>
-          <a:xfrm>
-            <a:off x="4021829" y="572877"/>
-            <a:ext cx="3857208" cy="2772000"/>
-          </a:xfrm>
-          <a:prstGeom prst="rect">
-            <a:avLst/>
-          </a:prstGeom>
-        </p:spPr>
-      </p:pic>
-      <p:pic>
-        <p:nvPicPr>
-          <p:cNvPr id="8" name="图片 7"/>
-          <p:cNvPicPr>
-            <a:picLocks noChangeAspect="1"/>
-          </p:cNvPicPr>
-          <p:nvPr/>
-        </p:nvPicPr>
-        <p:blipFill>
-          <a:blip r:embed="rId5"/>
-          <a:stretch>
-            <a:fillRect/>
-          </a:stretch>
-        </p:blipFill>
-        <p:spPr>
-          <a:xfrm>
-            <a:off x="4042471" y="3271044"/>
-            <a:ext cx="3815923" cy="2772000"/>
-          </a:xfrm>
-          <a:prstGeom prst="rect">
-            <a:avLst/>
-          </a:prstGeom>
-        </p:spPr>
-      </p:pic>
-    </p:spTree>
-    <p:extLst>
-      <p:ext uri="{BB962C8B-B14F-4D97-AF65-F5344CB8AC3E}">
-        <p14:creationId xmlns:p14="http://schemas.microsoft.com/office/powerpoint/2010/main" val="2678836717"/>
-      </p:ext>
-    </p:extLst>
-  </p:cSld>
-  <p:clrMapOvr>
-    <a:masterClrMapping/>
-  </p:clrMapOvr>
-</p:sld>
-</file>
-
-<file path=ppt/slides/slide5.xml><?xml version="1.0" encoding="utf-8"?>
-<p:sld xmlns:a="http://schemas.openxmlformats.org/drawingml/2006/main" xmlns:r="http://schemas.openxmlformats.org/officeDocument/2006/relationships" xmlns:p="http://schemas.openxmlformats.org/presentationml/2006/main">
-  <p:cSld>
-    <p:spTree>
-      <p:nvGrpSpPr>
-        <p:cNvPr id="1" name=""/>
-        <p:cNvGrpSpPr/>
-        <p:nvPr/>
-      </p:nvGrpSpPr>
-      <p:grpSpPr>
-        <a:xfrm>
-          <a:off x="0" y="0"/>
-          <a:ext cx="0" cy="0"/>
-          <a:chOff x="0" y="0"/>
-          <a:chExt cx="0" cy="0"/>
-        </a:xfrm>
-      </p:grpSpPr>
-      <p:sp>
-        <p:nvSpPr>
-          <p:cNvPr id="2" name="竖排标题 1"/>
-          <p:cNvSpPr>
-            <a:spLocks noGrp="1"/>
-          </p:cNvSpPr>
-          <p:nvPr>
-            <p:ph type="title" orient="vert"/>
-          </p:nvPr>
-        </p:nvSpPr>
-        <p:spPr/>
-        <p:txBody>
           <a:bodyPr/>
           <a:lstStyle/>
           <a:p>
@@ -3516,7 +3314,7 @@
 </p:sld>
 </file>
 
-<file path=ppt/slides/slide6.xml><?xml version="1.0" encoding="utf-8"?>
+<file path=ppt/slides/slide12.xml><?xml version="1.0" encoding="utf-8"?>
 <p:sld xmlns:a="http://schemas.openxmlformats.org/drawingml/2006/main" xmlns:r="http://schemas.openxmlformats.org/officeDocument/2006/relationships" xmlns:p="http://schemas.openxmlformats.org/presentationml/2006/main">
   <p:cSld>
     <p:spTree>
@@ -3685,7 +3483,7 @@
 </p:sld>
 </file>
 
-<file path=ppt/slides/slide7.xml><?xml version="1.0" encoding="utf-8"?>
+<file path=ppt/slides/slide13.xml><?xml version="1.0" encoding="utf-8"?>
 <p:sld xmlns:a="http://schemas.openxmlformats.org/drawingml/2006/main" xmlns:r="http://schemas.openxmlformats.org/officeDocument/2006/relationships" xmlns:p="http://schemas.openxmlformats.org/presentationml/2006/main">
   <p:cSld>
     <p:spTree>
@@ -3717,7 +3515,11 @@
           <a:bodyPr/>
           <a:lstStyle/>
           <a:p>
-            <a:endParaRPr lang="zh-CN" altLang="en-US"/>
+            <a:r>
+              <a:rPr lang="zh-CN" altLang="en-US" dirty="0" smtClean="0"/>
+              <a:t>检测极限计算</a:t>
+            </a:r>
+            <a:endParaRPr lang="zh-CN" altLang="en-US" dirty="0"/>
           </a:p>
         </p:txBody>
       </p:sp>
@@ -3736,10 +3538,182 @@
           <a:bodyPr/>
           <a:lstStyle/>
           <a:p>
-            <a:endParaRPr lang="zh-CN" altLang="en-US"/>
-          </a:p>
-        </p:txBody>
-      </p:sp>
+            <a:endParaRPr lang="zh-CN" altLang="en-US" dirty="0"/>
+          </a:p>
+        </p:txBody>
+      </p:sp>
+      <p:pic>
+        <p:nvPicPr>
+          <p:cNvPr id="4" name="图片 3"/>
+          <p:cNvPicPr>
+            <a:picLocks noChangeAspect="1"/>
+          </p:cNvPicPr>
+          <p:nvPr/>
+        </p:nvPicPr>
+        <p:blipFill>
+          <a:blip r:embed="rId2"/>
+          <a:stretch>
+            <a:fillRect/>
+          </a:stretch>
+        </p:blipFill>
+        <p:spPr>
+          <a:xfrm>
+            <a:off x="838200" y="679458"/>
+            <a:ext cx="3600000" cy="2815308"/>
+          </a:xfrm>
+          <a:prstGeom prst="rect">
+            <a:avLst/>
+          </a:prstGeom>
+        </p:spPr>
+      </p:pic>
+      <p:graphicFrame>
+        <p:nvGraphicFramePr>
+          <p:cNvPr id="7" name="表格 6"/>
+          <p:cNvGraphicFramePr>
+            <a:graphicFrameLocks noGrp="1"/>
+          </p:cNvGraphicFramePr>
+          <p:nvPr>
+            <p:extLst>
+              <p:ext uri="{D42A27DB-BD31-4B8C-83A1-F6EECF244321}">
+                <p14:modId xmlns:p14="http://schemas.microsoft.com/office/powerpoint/2010/main" val="2487560321"/>
+              </p:ext>
+            </p:extLst>
+          </p:nvPr>
+        </p:nvGraphicFramePr>
+        <p:xfrm>
+          <a:off x="838200" y="3750427"/>
+          <a:ext cx="7145655" cy="741680"/>
+        </p:xfrm>
+        <a:graphic>
+          <a:graphicData uri="http://schemas.openxmlformats.org/drawingml/2006/table">
+            <a:tbl>
+              <a:tblPr firstRow="1" bandRow="1">
+                <a:tableStyleId>{5C22544A-7EE6-4342-B048-85BDC9FD1C3A}</a:tableStyleId>
+              </a:tblPr>
+              <a:tblGrid>
+                <a:gridCol w="1049655"/>
+                <a:gridCol w="2032000"/>
+                <a:gridCol w="2032000"/>
+                <a:gridCol w="2032000"/>
+              </a:tblGrid>
+              <a:tr h="370840">
+                <a:tc>
+                  <a:txBody>
+                    <a:bodyPr/>
+                    <a:lstStyle/>
+                    <a:p>
+                      <a:r>
+                        <a:rPr lang="en-US" altLang="zh-CN" dirty="0" smtClean="0"/>
+                        <a:t>60-40cm</a:t>
+                      </a:r>
+                      <a:endParaRPr lang="zh-CN" altLang="en-US" dirty="0"/>
+                    </a:p>
+                  </a:txBody>
+                  <a:tcPr/>
+                </a:tc>
+                <a:tc>
+                  <a:txBody>
+                    <a:bodyPr/>
+                    <a:lstStyle/>
+                    <a:p>
+                      <a:r>
+                        <a:rPr lang="en-US" altLang="zh-CN" dirty="0" smtClean="0"/>
+                        <a:t>6.41</a:t>
+                      </a:r>
+                      <a:endParaRPr lang="zh-CN" altLang="en-US" dirty="0"/>
+                    </a:p>
+                  </a:txBody>
+                  <a:tcPr/>
+                </a:tc>
+                <a:tc>
+                  <a:txBody>
+                    <a:bodyPr/>
+                    <a:lstStyle/>
+                    <a:p>
+                      <a:r>
+                        <a:rPr lang="en-US" altLang="zh-CN" dirty="0" smtClean="0"/>
+                        <a:t>6.56</a:t>
+                      </a:r>
+                      <a:endParaRPr lang="zh-CN" altLang="en-US" dirty="0"/>
+                    </a:p>
+                  </a:txBody>
+                  <a:tcPr/>
+                </a:tc>
+                <a:tc>
+                  <a:txBody>
+                    <a:bodyPr/>
+                    <a:lstStyle/>
+                    <a:p>
+                      <a:r>
+                        <a:rPr lang="en-US" altLang="zh-CN" dirty="0" smtClean="0"/>
+                        <a:t>0.15</a:t>
+                      </a:r>
+                    </a:p>
+                  </a:txBody>
+                  <a:tcPr/>
+                </a:tc>
+              </a:tr>
+              <a:tr h="370840">
+                <a:tc>
+                  <a:txBody>
+                    <a:bodyPr/>
+                    <a:lstStyle/>
+                    <a:p>
+                      <a:r>
+                        <a:rPr lang="en-US" altLang="zh-CN" dirty="0" smtClean="0"/>
+                        <a:t>90-60cm</a:t>
+                      </a:r>
+                      <a:endParaRPr lang="zh-CN" altLang="en-US" dirty="0"/>
+                    </a:p>
+                  </a:txBody>
+                  <a:tcPr/>
+                </a:tc>
+                <a:tc>
+                  <a:txBody>
+                    <a:bodyPr/>
+                    <a:lstStyle/>
+                    <a:p>
+                      <a:r>
+                        <a:rPr lang="en-US" altLang="zh-CN" dirty="0" smtClean="0"/>
+                        <a:t>6.48</a:t>
+                      </a:r>
+                      <a:endParaRPr lang="zh-CN" altLang="en-US" dirty="0"/>
+                    </a:p>
+                  </a:txBody>
+                  <a:tcPr/>
+                </a:tc>
+                <a:tc>
+                  <a:txBody>
+                    <a:bodyPr/>
+                    <a:lstStyle/>
+                    <a:p>
+                      <a:r>
+                        <a:rPr lang="en-US" altLang="zh-CN" dirty="0" smtClean="0"/>
+                        <a:t>6.64</a:t>
+                      </a:r>
+                      <a:endParaRPr lang="zh-CN" altLang="en-US" dirty="0"/>
+                    </a:p>
+                  </a:txBody>
+                  <a:tcPr/>
+                </a:tc>
+                <a:tc>
+                  <a:txBody>
+                    <a:bodyPr/>
+                    <a:lstStyle/>
+                    <a:p>
+                      <a:r>
+                        <a:rPr lang="en-US" altLang="zh-CN" dirty="0" smtClean="0"/>
+                        <a:t>0.16</a:t>
+                      </a:r>
+                    </a:p>
+                  </a:txBody>
+                  <a:tcPr/>
+                </a:tc>
+              </a:tr>
+            </a:tbl>
+          </a:graphicData>
+        </a:graphic>
+      </p:graphicFrame>
     </p:spTree>
     <p:extLst>
       <p:ext uri="{BB962C8B-B14F-4D97-AF65-F5344CB8AC3E}">
@@ -3753,7 +3727,7 @@
 </p:sld>
 </file>
 
-<file path=ppt/slides/slide8.xml><?xml version="1.0" encoding="utf-8"?>
+<file path=ppt/slides/slide14.xml><?xml version="1.0" encoding="utf-8"?>
 <p:sld xmlns:a="http://schemas.openxmlformats.org/drawingml/2006/main" xmlns:r="http://schemas.openxmlformats.org/officeDocument/2006/relationships" xmlns:p="http://schemas.openxmlformats.org/presentationml/2006/main">
   <p:cSld>
     <p:spTree>
@@ -3834,6 +3808,3622 @@
     <p:extLst>
       <p:ext uri="{BB962C8B-B14F-4D97-AF65-F5344CB8AC3E}">
         <p14:creationId xmlns:p14="http://schemas.microsoft.com/office/powerpoint/2010/main" val="2592655655"/>
+      </p:ext>
+    </p:extLst>
+  </p:cSld>
+  <p:clrMapOvr>
+    <a:masterClrMapping/>
+  </p:clrMapOvr>
+</p:sld>
+</file>
+
+<file path=ppt/slides/slide2.xml><?xml version="1.0" encoding="utf-8"?>
+<p:sld xmlns:a="http://schemas.openxmlformats.org/drawingml/2006/main" xmlns:r="http://schemas.openxmlformats.org/officeDocument/2006/relationships" xmlns:p="http://schemas.openxmlformats.org/presentationml/2006/main">
+  <p:cSld>
+    <p:spTree>
+      <p:nvGrpSpPr>
+        <p:cNvPr id="1" name=""/>
+        <p:cNvGrpSpPr/>
+        <p:nvPr/>
+      </p:nvGrpSpPr>
+      <p:grpSpPr>
+        <a:xfrm>
+          <a:off x="0" y="0"/>
+          <a:ext cx="0" cy="0"/>
+          <a:chOff x="0" y="0"/>
+          <a:chExt cx="0" cy="0"/>
+        </a:xfrm>
+      </p:grpSpPr>
+      <p:sp>
+        <p:nvSpPr>
+          <p:cNvPr id="2" name="标题 1"/>
+          <p:cNvSpPr>
+            <a:spLocks noGrp="1"/>
+          </p:cNvSpPr>
+          <p:nvPr>
+            <p:ph type="ctrTitle"/>
+          </p:nvPr>
+        </p:nvSpPr>
+        <p:spPr/>
+        <p:txBody>
+          <a:bodyPr/>
+          <a:lstStyle/>
+          <a:p>
+            <a:endParaRPr lang="zh-CN" altLang="en-US" dirty="0"/>
+          </a:p>
+        </p:txBody>
+      </p:sp>
+      <p:sp>
+        <p:nvSpPr>
+          <p:cNvPr id="3" name="副标题 2"/>
+          <p:cNvSpPr>
+            <a:spLocks noGrp="1"/>
+          </p:cNvSpPr>
+          <p:nvPr>
+            <p:ph type="subTitle" idx="1"/>
+          </p:nvPr>
+        </p:nvSpPr>
+        <p:spPr/>
+        <p:txBody>
+          <a:bodyPr/>
+          <a:lstStyle/>
+          <a:p>
+            <a:endParaRPr lang="zh-CN" altLang="en-US"/>
+          </a:p>
+        </p:txBody>
+      </p:sp>
+      <p:pic>
+        <p:nvPicPr>
+          <p:cNvPr id="4" name="图片 3" descr="C:\Users\Alwee\Desktop\AgVsAgI.emf"/>
+          <p:cNvPicPr>
+            <a:picLocks noChangeAspect="1"/>
+          </p:cNvPicPr>
+          <p:nvPr/>
+        </p:nvPicPr>
+        <p:blipFill>
+          <a:blip r:embed="rId2"/>
+          <a:srcRect/>
+          <a:stretch>
+            <a:fillRect/>
+          </a:stretch>
+        </p:blipFill>
+        <p:spPr bwMode="auto">
+          <a:xfrm>
+            <a:off x="428400" y="1569463"/>
+            <a:ext cx="5400000" cy="4145553"/>
+          </a:xfrm>
+          <a:prstGeom prst="rect">
+            <a:avLst/>
+          </a:prstGeom>
+          <a:noFill/>
+          <a:ln w="9525">
+            <a:noFill/>
+            <a:miter lim="800000"/>
+            <a:headEnd/>
+            <a:tailEnd/>
+          </a:ln>
+        </p:spPr>
+      </p:pic>
+    </p:spTree>
+    <p:extLst>
+      <p:ext uri="{BB962C8B-B14F-4D97-AF65-F5344CB8AC3E}">
+        <p14:creationId xmlns:p14="http://schemas.microsoft.com/office/powerpoint/2010/main" val="3393202541"/>
+      </p:ext>
+    </p:extLst>
+  </p:cSld>
+  <p:clrMapOvr>
+    <a:masterClrMapping/>
+  </p:clrMapOvr>
+  <p:timing>
+    <p:tnLst>
+      <p:par>
+        <p:cTn id="1" dur="indefinite" restart="never" nodeType="tmRoot"/>
+      </p:par>
+    </p:tnLst>
+  </p:timing>
+</p:sld>
+</file>
+
+<file path=ppt/slides/slide3.xml><?xml version="1.0" encoding="utf-8"?>
+<p:sld xmlns:a="http://schemas.openxmlformats.org/drawingml/2006/main" xmlns:r="http://schemas.openxmlformats.org/officeDocument/2006/relationships" xmlns:p="http://schemas.openxmlformats.org/presentationml/2006/main">
+  <p:cSld>
+    <p:spTree>
+      <p:nvGrpSpPr>
+        <p:cNvPr id="1" name=""/>
+        <p:cNvGrpSpPr/>
+        <p:nvPr/>
+      </p:nvGrpSpPr>
+      <p:grpSpPr>
+        <a:xfrm>
+          <a:off x="0" y="0"/>
+          <a:ext cx="0" cy="0"/>
+          <a:chOff x="0" y="0"/>
+          <a:chExt cx="0" cy="0"/>
+        </a:xfrm>
+      </p:grpSpPr>
+      <p:sp>
+        <p:nvSpPr>
+          <p:cNvPr id="2" name="标题 1"/>
+          <p:cNvSpPr>
+            <a:spLocks noGrp="1"/>
+          </p:cNvSpPr>
+          <p:nvPr>
+            <p:ph type="title"/>
+          </p:nvPr>
+        </p:nvSpPr>
+        <p:spPr/>
+        <p:txBody>
+          <a:bodyPr/>
+          <a:lstStyle/>
+          <a:p>
+            <a:endParaRPr lang="zh-CN" altLang="en-US"/>
+          </a:p>
+        </p:txBody>
+      </p:sp>
+      <p:sp>
+        <p:nvSpPr>
+          <p:cNvPr id="3" name="内容占位符 2"/>
+          <p:cNvSpPr>
+            <a:spLocks noGrp="1"/>
+          </p:cNvSpPr>
+          <p:nvPr>
+            <p:ph idx="1"/>
+          </p:nvPr>
+        </p:nvSpPr>
+        <p:spPr/>
+        <p:txBody>
+          <a:bodyPr/>
+          <a:lstStyle/>
+          <a:p>
+            <a:endParaRPr lang="zh-CN" altLang="en-US"/>
+          </a:p>
+        </p:txBody>
+      </p:sp>
+      <p:pic>
+        <p:nvPicPr>
+          <p:cNvPr id="4" name="图片 3"/>
+          <p:cNvPicPr/>
+          <p:nvPr/>
+        </p:nvPicPr>
+        <p:blipFill>
+          <a:blip r:embed="rId2">
+            <a:extLst>
+              <a:ext uri="{28A0092B-C50C-407E-A947-70E740481C1C}">
+                <a14:useLocalDpi xmlns:a14="http://schemas.microsoft.com/office/drawing/2010/main" val="0"/>
+              </a:ext>
+            </a:extLst>
+          </a:blip>
+          <a:srcRect/>
+          <a:stretch>
+            <a:fillRect/>
+          </a:stretch>
+        </p:blipFill>
+        <p:spPr bwMode="auto">
+          <a:xfrm>
+            <a:off x="71406" y="1714488"/>
+            <a:ext cx="5715008" cy="4357718"/>
+          </a:xfrm>
+          <a:prstGeom prst="rect">
+            <a:avLst/>
+          </a:prstGeom>
+          <a:noFill/>
+          <a:ln>
+            <a:noFill/>
+          </a:ln>
+        </p:spPr>
+      </p:pic>
+    </p:spTree>
+    <p:extLst>
+      <p:ext uri="{BB962C8B-B14F-4D97-AF65-F5344CB8AC3E}">
+        <p14:creationId xmlns:p14="http://schemas.microsoft.com/office/powerpoint/2010/main" val="203774570"/>
+      </p:ext>
+    </p:extLst>
+  </p:cSld>
+  <p:clrMapOvr>
+    <a:masterClrMapping/>
+  </p:clrMapOvr>
+</p:sld>
+</file>
+
+<file path=ppt/slides/slide4.xml><?xml version="1.0" encoding="utf-8"?>
+<p:sld xmlns:a="http://schemas.openxmlformats.org/drawingml/2006/main" xmlns:r="http://schemas.openxmlformats.org/officeDocument/2006/relationships" xmlns:p="http://schemas.openxmlformats.org/presentationml/2006/main">
+  <p:cSld>
+    <p:spTree>
+      <p:nvGrpSpPr>
+        <p:cNvPr id="1" name=""/>
+        <p:cNvGrpSpPr/>
+        <p:nvPr/>
+      </p:nvGrpSpPr>
+      <p:grpSpPr>
+        <a:xfrm>
+          <a:off x="0" y="0"/>
+          <a:ext cx="0" cy="0"/>
+          <a:chOff x="0" y="0"/>
+          <a:chExt cx="0" cy="0"/>
+        </a:xfrm>
+      </p:grpSpPr>
+      <p:sp>
+        <p:nvSpPr>
+          <p:cNvPr id="4" name="标题 1"/>
+          <p:cNvSpPr txBox="1">
+            <a:spLocks/>
+          </p:cNvSpPr>
+          <p:nvPr/>
+        </p:nvSpPr>
+        <p:spPr>
+          <a:xfrm>
+            <a:off x="457200" y="576250"/>
+            <a:ext cx="8229600" cy="1066800"/>
+          </a:xfrm>
+          <a:prstGeom prst="rect">
+            <a:avLst/>
+          </a:prstGeom>
+        </p:spPr>
+        <p:txBody>
+          <a:bodyPr vert="horz" lIns="91440" tIns="45720" rIns="91440" bIns="45720" rtlCol="0" anchor="ctr">
+            <a:normAutofit/>
+          </a:bodyPr>
+          <a:lstStyle>
+            <a:lvl1pPr algn="l" defTabSz="914400" rtl="0" eaLnBrk="1" latinLnBrk="0" hangingPunct="1">
+              <a:lnSpc>
+                <a:spcPct val="90000"/>
+              </a:lnSpc>
+              <a:spcBef>
+                <a:spcPct val="0"/>
+              </a:spcBef>
+              <a:buNone/>
+              <a:defRPr sz="4400" kern="1200">
+                <a:solidFill>
+                  <a:schemeClr val="tx1"/>
+                </a:solidFill>
+                <a:latin typeface="+mj-lt"/>
+                <a:ea typeface="+mj-ea"/>
+                <a:cs typeface="+mj-cs"/>
+              </a:defRPr>
+            </a:lvl1pPr>
+          </a:lstStyle>
+          <a:p>
+            <a:r>
+              <a:rPr lang="zh-CN" altLang="en-US" smtClean="0"/>
+              <a:t>气体传感系统</a:t>
+            </a:r>
+            <a:endParaRPr lang="zh-CN" altLang="en-US" dirty="0"/>
+          </a:p>
+        </p:txBody>
+      </p:sp>
+      <p:grpSp>
+        <p:nvGrpSpPr>
+          <p:cNvPr id="5" name="Group 51"/>
+          <p:cNvGrpSpPr/>
+          <p:nvPr/>
+        </p:nvGrpSpPr>
+        <p:grpSpPr>
+          <a:xfrm>
+            <a:off x="1795475" y="1643050"/>
+            <a:ext cx="8136904" cy="4214843"/>
+            <a:chOff x="395536" y="2132855"/>
+            <a:chExt cx="8136904" cy="4214843"/>
+          </a:xfrm>
+        </p:grpSpPr>
+        <p:sp>
+          <p:nvSpPr>
+            <p:cNvPr id="6" name="Rectangle 108"/>
+            <p:cNvSpPr>
+              <a:spLocks noChangeArrowheads="1"/>
+            </p:cNvSpPr>
+            <p:nvPr/>
+          </p:nvSpPr>
+          <p:spPr bwMode="auto">
+            <a:xfrm>
+              <a:off x="2777780" y="4289241"/>
+              <a:ext cx="123567" cy="236072"/>
+            </a:xfrm>
+            <a:prstGeom prst="rect">
+              <a:avLst/>
+            </a:prstGeom>
+            <a:solidFill>
+              <a:srgbClr val="FFFFFF"/>
+            </a:solidFill>
+            <a:ln w="12700">
+              <a:solidFill>
+                <a:srgbClr val="000000"/>
+              </a:solidFill>
+              <a:miter lim="800000"/>
+              <a:headEnd/>
+              <a:tailEnd/>
+            </a:ln>
+          </p:spPr>
+          <p:txBody>
+            <a:bodyPr vert="horz" wrap="square" lIns="91440" tIns="45720" rIns="91440" bIns="45720" numCol="1" anchor="t" anchorCtr="0" compatLnSpc="1">
+              <a:prstTxWarp prst="textNoShape">
+                <a:avLst/>
+              </a:prstTxWarp>
+            </a:bodyPr>
+            <a:lstStyle/>
+            <a:p>
+              <a:endParaRPr lang="zh-CN" altLang="en-US"/>
+            </a:p>
+          </p:txBody>
+        </p:sp>
+        <p:sp>
+          <p:nvSpPr>
+            <p:cNvPr id="7" name="AutoShape 131"/>
+            <p:cNvSpPr>
+              <a:spLocks noChangeArrowheads="1"/>
+            </p:cNvSpPr>
+            <p:nvPr/>
+          </p:nvSpPr>
+          <p:spPr bwMode="auto">
+            <a:xfrm>
+              <a:off x="1226567" y="5320676"/>
+              <a:ext cx="1284219" cy="729175"/>
+            </a:xfrm>
+            <a:prstGeom prst="roundRect">
+              <a:avLst>
+                <a:gd name="adj" fmla="val 16667"/>
+              </a:avLst>
+            </a:prstGeom>
+            <a:noFill/>
+            <a:ln w="12700">
+              <a:solidFill>
+                <a:srgbClr val="000000"/>
+              </a:solidFill>
+              <a:round/>
+              <a:headEnd/>
+              <a:tailEnd/>
+            </a:ln>
+            <a:effectLst/>
+          </p:spPr>
+          <p:txBody>
+            <a:bodyPr vert="horz" wrap="square" lIns="91440" tIns="45720" rIns="91440" bIns="45720" numCol="1" anchor="t" anchorCtr="0" compatLnSpc="1">
+              <a:prstTxWarp prst="textNoShape">
+                <a:avLst/>
+              </a:prstTxWarp>
+            </a:bodyPr>
+            <a:lstStyle/>
+            <a:p>
+              <a:endParaRPr lang="zh-CN" altLang="en-US"/>
+            </a:p>
+          </p:txBody>
+        </p:sp>
+        <p:sp>
+          <p:nvSpPr>
+            <p:cNvPr id="8" name="Text Box 132"/>
+            <p:cNvSpPr txBox="1">
+              <a:spLocks noChangeArrowheads="1"/>
+            </p:cNvSpPr>
+            <p:nvPr/>
+          </p:nvSpPr>
+          <p:spPr bwMode="auto">
+            <a:xfrm>
+              <a:off x="1420744" y="5358182"/>
+              <a:ext cx="723752" cy="472143"/>
+            </a:xfrm>
+            <a:prstGeom prst="rect">
+              <a:avLst/>
+            </a:prstGeom>
+            <a:noFill/>
+            <a:ln w="0">
+              <a:noFill/>
+              <a:miter lim="800000"/>
+              <a:headEnd/>
+              <a:tailEnd/>
+            </a:ln>
+            <a:effectLst/>
+          </p:spPr>
+          <p:txBody>
+            <a:bodyPr vert="horz" wrap="square" lIns="88697" tIns="44348" rIns="88697" bIns="44348" numCol="1" anchor="t" anchorCtr="0" compatLnSpc="1">
+              <a:prstTxWarp prst="textNoShape">
+                <a:avLst/>
+              </a:prstTxWarp>
+            </a:bodyPr>
+            <a:lstStyle/>
+            <a:p>
+              <a:endParaRPr lang="zh-CN" altLang="en-US"/>
+            </a:p>
+          </p:txBody>
+        </p:sp>
+        <p:sp>
+          <p:nvSpPr>
+            <p:cNvPr id="9" name="矩形 233"/>
+            <p:cNvSpPr>
+              <a:spLocks noChangeArrowheads="1"/>
+            </p:cNvSpPr>
+            <p:nvPr/>
+          </p:nvSpPr>
+          <p:spPr bwMode="auto">
+            <a:xfrm flipV="1">
+              <a:off x="1362270" y="5245662"/>
+              <a:ext cx="421453" cy="65085"/>
+            </a:xfrm>
+            <a:prstGeom prst="rect">
+              <a:avLst/>
+            </a:prstGeom>
+            <a:pattFill prst="wdUpDiag">
+              <a:fgClr>
+                <a:srgbClr val="7F7F7F"/>
+              </a:fgClr>
+              <a:bgClr>
+                <a:srgbClr val="FFFFFF"/>
+              </a:bgClr>
+            </a:pattFill>
+            <a:ln w="12700">
+              <a:solidFill>
+                <a:srgbClr val="2B2B2B"/>
+              </a:solidFill>
+              <a:miter lim="800000"/>
+              <a:headEnd/>
+              <a:tailEnd/>
+            </a:ln>
+          </p:spPr>
+          <p:txBody>
+            <a:bodyPr vert="horz" wrap="square" lIns="88697" tIns="44348" rIns="88697" bIns="44348" numCol="1" anchor="ctr" anchorCtr="0" compatLnSpc="1">
+              <a:prstTxWarp prst="textNoShape">
+                <a:avLst/>
+              </a:prstTxWarp>
+            </a:bodyPr>
+            <a:lstStyle/>
+            <a:p>
+              <a:pPr marL="0" marR="0" lvl="0" indent="0" algn="l" defTabSz="914400" rtl="0" eaLnBrk="1" fontAlgn="base" latinLnBrk="0" hangingPunct="1">
+                <a:lnSpc>
+                  <a:spcPct val="100000"/>
+                </a:lnSpc>
+                <a:spcBef>
+                  <a:spcPct val="0"/>
+                </a:spcBef>
+                <a:spcAft>
+                  <a:spcPct val="0"/>
+                </a:spcAft>
+                <a:buClrTx/>
+                <a:buSzTx/>
+                <a:buFontTx/>
+                <a:buNone/>
+                <a:tabLst/>
+              </a:pPr>
+              <a:endParaRPr kumimoji="0" lang="zh-CN" sz="1800" b="0" i="0" u="none" strike="noStrike" cap="none" normalizeH="0" baseline="0" dirty="0" smtClean="0">
+                <a:ln>
+                  <a:noFill/>
+                </a:ln>
+                <a:solidFill>
+                  <a:schemeClr val="tx1"/>
+                </a:solidFill>
+                <a:effectLst/>
+                <a:latin typeface="Arial" pitchFamily="34" charset="0"/>
+                <a:ea typeface="宋体" pitchFamily="2" charset="-122"/>
+                <a:cs typeface="宋体" pitchFamily="2" charset="-122"/>
+              </a:endParaRPr>
+            </a:p>
+          </p:txBody>
+        </p:sp>
+        <p:sp>
+          <p:nvSpPr>
+            <p:cNvPr id="10" name="AutoShape 131"/>
+            <p:cNvSpPr>
+              <a:spLocks noChangeArrowheads="1"/>
+            </p:cNvSpPr>
+            <p:nvPr/>
+          </p:nvSpPr>
+          <p:spPr bwMode="auto">
+            <a:xfrm>
+              <a:off x="1403648" y="3007410"/>
+              <a:ext cx="1330557" cy="637614"/>
+            </a:xfrm>
+            <a:prstGeom prst="roundRect">
+              <a:avLst>
+                <a:gd name="adj" fmla="val 16667"/>
+              </a:avLst>
+            </a:prstGeom>
+            <a:noFill/>
+            <a:ln w="12700">
+              <a:solidFill>
+                <a:srgbClr val="000000"/>
+              </a:solidFill>
+              <a:round/>
+              <a:headEnd/>
+              <a:tailEnd/>
+            </a:ln>
+            <a:effectLst/>
+          </p:spPr>
+          <p:txBody>
+            <a:bodyPr vert="horz" wrap="square" lIns="91440" tIns="45720" rIns="91440" bIns="45720" numCol="1" anchor="t" anchorCtr="0" compatLnSpc="1">
+              <a:prstTxWarp prst="textNoShape">
+                <a:avLst/>
+              </a:prstTxWarp>
+            </a:bodyPr>
+            <a:lstStyle/>
+            <a:p>
+              <a:endParaRPr lang="zh-CN" altLang="en-US"/>
+            </a:p>
+          </p:txBody>
+        </p:sp>
+        <p:sp>
+          <p:nvSpPr>
+            <p:cNvPr id="11" name="文本框 211"/>
+            <p:cNvSpPr txBox="1">
+              <a:spLocks noChangeArrowheads="1"/>
+            </p:cNvSpPr>
+            <p:nvPr/>
+          </p:nvSpPr>
+          <p:spPr bwMode="auto">
+            <a:xfrm>
+              <a:off x="1518843" y="4119046"/>
+              <a:ext cx="1123191" cy="306984"/>
+            </a:xfrm>
+            <a:prstGeom prst="rect">
+              <a:avLst/>
+            </a:prstGeom>
+            <a:noFill/>
+            <a:ln w="6350">
+              <a:noFill/>
+              <a:miter lim="800000"/>
+              <a:headEnd/>
+              <a:tailEnd/>
+            </a:ln>
+          </p:spPr>
+          <p:txBody>
+            <a:bodyPr vert="horz" wrap="square" lIns="0" tIns="0" rIns="0" bIns="0" numCol="1" anchor="t" anchorCtr="0" compatLnSpc="1">
+              <a:prstTxWarp prst="textNoShape">
+                <a:avLst/>
+              </a:prstTxWarp>
+            </a:bodyPr>
+            <a:lstStyle/>
+            <a:p>
+              <a:pPr marL="0" marR="0" lvl="0" indent="0" algn="ctr" defTabSz="914400" rtl="0" eaLnBrk="1" fontAlgn="base" latinLnBrk="0" hangingPunct="1">
+                <a:lnSpc>
+                  <a:spcPct val="100000"/>
+                </a:lnSpc>
+                <a:spcBef>
+                  <a:spcPct val="0"/>
+                </a:spcBef>
+                <a:spcAft>
+                  <a:spcPct val="0"/>
+                </a:spcAft>
+                <a:buClrTx/>
+                <a:buSzTx/>
+                <a:buFontTx/>
+                <a:buNone/>
+                <a:tabLst/>
+              </a:pPr>
+              <a:r>
+                <a:rPr kumimoji="0" lang="zh-CN" altLang="en-US" sz="2000" b="0" i="0" u="none" strike="noStrike" cap="none" normalizeH="0" baseline="0" dirty="0" smtClean="0">
+                  <a:ln>
+                    <a:noFill/>
+                  </a:ln>
+                  <a:solidFill>
+                    <a:schemeClr val="tx1"/>
+                  </a:solidFill>
+                  <a:effectLst/>
+                  <a:latin typeface="+mn-ea"/>
+                  <a:cs typeface="宋体" pitchFamily="2" charset="-122"/>
+                </a:rPr>
+                <a:t>耦合光纤</a:t>
+              </a:r>
+              <a:endParaRPr kumimoji="0" lang="en-US" altLang="zh-CN" sz="2000" b="0" i="0" u="none" strike="noStrike" cap="none" normalizeH="0" baseline="0" dirty="0" smtClean="0">
+                <a:ln>
+                  <a:noFill/>
+                </a:ln>
+                <a:solidFill>
+                  <a:schemeClr val="tx1"/>
+                </a:solidFill>
+                <a:effectLst/>
+                <a:latin typeface="+mn-ea"/>
+                <a:cs typeface="宋体" pitchFamily="2" charset="-122"/>
+              </a:endParaRPr>
+            </a:p>
+          </p:txBody>
+        </p:sp>
+        <p:grpSp>
+          <p:nvGrpSpPr>
+            <p:cNvPr id="12" name="组合 182"/>
+            <p:cNvGrpSpPr>
+              <a:grpSpLocks/>
+            </p:cNvGrpSpPr>
+            <p:nvPr/>
+          </p:nvGrpSpPr>
+          <p:grpSpPr bwMode="auto">
+            <a:xfrm>
+              <a:off x="1274008" y="4512073"/>
+              <a:ext cx="1242294" cy="762269"/>
+              <a:chOff x="2657" y="2708"/>
+              <a:chExt cx="9677" cy="7369"/>
+            </a:xfrm>
+          </p:grpSpPr>
+          <p:sp>
+            <p:nvSpPr>
+              <p:cNvPr id="42" name="矩形 4"/>
+              <p:cNvSpPr>
+                <a:spLocks/>
+              </p:cNvSpPr>
+              <p:nvPr/>
+            </p:nvSpPr>
+            <p:spPr bwMode="auto">
+              <a:xfrm rot="3144404">
+                <a:off x="4093" y="1822"/>
+                <a:ext cx="1003" cy="3876"/>
+              </a:xfrm>
+              <a:custGeom>
+                <a:avLst/>
+                <a:gdLst>
+                  <a:gd name="T0" fmla="*/ 0 w 210216"/>
+                  <a:gd name="T1" fmla="*/ 0 h 448574"/>
+                  <a:gd name="T2" fmla="*/ 2 w 210216"/>
+                  <a:gd name="T3" fmla="*/ 0 h 448574"/>
+                  <a:gd name="T4" fmla="*/ 1 w 210216"/>
+                  <a:gd name="T5" fmla="*/ 14 h 448574"/>
+                  <a:gd name="T6" fmla="*/ 2 w 210216"/>
+                  <a:gd name="T7" fmla="*/ 29 h 448574"/>
+                  <a:gd name="T8" fmla="*/ 0 w 210216"/>
+                  <a:gd name="T9" fmla="*/ 29 h 448574"/>
+                  <a:gd name="T10" fmla="*/ 0 w 210216"/>
+                  <a:gd name="T11" fmla="*/ 0 h 448574"/>
+                  <a:gd name="T12" fmla="*/ 0 60000 65536"/>
+                  <a:gd name="T13" fmla="*/ 0 60000 65536"/>
+                  <a:gd name="T14" fmla="*/ 0 60000 65536"/>
+                  <a:gd name="T15" fmla="*/ 0 60000 65536"/>
+                  <a:gd name="T16" fmla="*/ 0 60000 65536"/>
+                  <a:gd name="T17" fmla="*/ 0 60000 65536"/>
+                </a:gdLst>
+                <a:ahLst/>
+                <a:cxnLst>
+                  <a:cxn ang="T12">
+                    <a:pos x="T0" y="T1"/>
+                  </a:cxn>
+                  <a:cxn ang="T13">
+                    <a:pos x="T2" y="T3"/>
+                  </a:cxn>
+                  <a:cxn ang="T14">
+                    <a:pos x="T4" y="T5"/>
+                  </a:cxn>
+                  <a:cxn ang="T15">
+                    <a:pos x="T6" y="T7"/>
+                  </a:cxn>
+                  <a:cxn ang="T16">
+                    <a:pos x="T8" y="T9"/>
+                  </a:cxn>
+                  <a:cxn ang="T17">
+                    <a:pos x="T10" y="T11"/>
+                  </a:cxn>
+                </a:cxnLst>
+                <a:rect l="0" t="0" r="r" b="b"/>
+                <a:pathLst>
+                  <a:path w="210216" h="448574">
+                    <a:moveTo>
+                      <a:pt x="0" y="0"/>
+                    </a:moveTo>
+                    <a:lnTo>
+                      <a:pt x="207034" y="0"/>
+                    </a:lnTo>
+                    <a:cubicBezTo>
+                      <a:pt x="230038" y="37381"/>
+                      <a:pt x="120771" y="63262"/>
+                      <a:pt x="120771" y="224287"/>
+                    </a:cubicBezTo>
+                    <a:cubicBezTo>
+                      <a:pt x="120771" y="393941"/>
+                      <a:pt x="230038" y="411193"/>
+                      <a:pt x="207034" y="448574"/>
+                    </a:cubicBezTo>
+                    <a:lnTo>
+                      <a:pt x="0" y="448574"/>
+                    </a:lnTo>
+                    <a:lnTo>
+                      <a:pt x="0" y="0"/>
+                    </a:lnTo>
+                    <a:close/>
+                  </a:path>
+                </a:pathLst>
+              </a:custGeom>
+              <a:solidFill>
+                <a:srgbClr val="000000"/>
+              </a:solidFill>
+              <a:ln w="12700">
+                <a:solidFill>
+                  <a:srgbClr val="000000"/>
+                </a:solidFill>
+                <a:round/>
+                <a:headEnd/>
+                <a:tailEnd/>
+              </a:ln>
+            </p:spPr>
+            <p:txBody>
+              <a:bodyPr vert="horz" wrap="square" lIns="91440" tIns="45720" rIns="91440" bIns="45720" numCol="1" anchor="ctr" anchorCtr="0" compatLnSpc="1">
+                <a:prstTxWarp prst="textNoShape">
+                  <a:avLst/>
+                </a:prstTxWarp>
+              </a:bodyPr>
+              <a:lstStyle/>
+              <a:p>
+                <a:endParaRPr lang="zh-CN" altLang="en-US"/>
+              </a:p>
+            </p:txBody>
+          </p:sp>
+          <p:sp>
+            <p:nvSpPr>
+              <p:cNvPr id="43" name="直接连接符 184"/>
+              <p:cNvSpPr>
+                <a:spLocks noChangeShapeType="1"/>
+              </p:cNvSpPr>
+              <p:nvPr/>
+            </p:nvSpPr>
+            <p:spPr bwMode="auto">
+              <a:xfrm>
+                <a:off x="3450" y="5339"/>
+                <a:ext cx="0" cy="4738"/>
+              </a:xfrm>
+              <a:prstGeom prst="line">
+                <a:avLst/>
+              </a:prstGeom>
+              <a:noFill/>
+              <a:ln w="9525">
+                <a:solidFill>
+                  <a:srgbClr val="414141"/>
+                </a:solidFill>
+                <a:prstDash val="dash"/>
+                <a:round/>
+                <a:headEnd/>
+                <a:tailEnd/>
+              </a:ln>
+            </p:spPr>
+            <p:txBody>
+              <a:bodyPr vert="horz" wrap="square" lIns="91440" tIns="45720" rIns="91440" bIns="45720" numCol="1" anchor="t" anchorCtr="0" compatLnSpc="1">
+                <a:prstTxWarp prst="textNoShape">
+                  <a:avLst/>
+                </a:prstTxWarp>
+              </a:bodyPr>
+              <a:lstStyle/>
+              <a:p>
+                <a:endParaRPr lang="zh-CN" altLang="en-US"/>
+              </a:p>
+            </p:txBody>
+          </p:sp>
+          <p:sp>
+            <p:nvSpPr>
+              <p:cNvPr id="44" name="直接连接符 185"/>
+              <p:cNvSpPr>
+                <a:spLocks noChangeShapeType="1"/>
+              </p:cNvSpPr>
+              <p:nvPr/>
+            </p:nvSpPr>
+            <p:spPr bwMode="auto">
+              <a:xfrm flipV="1">
+                <a:off x="6200" y="2846"/>
+                <a:ext cx="0" cy="7231"/>
+              </a:xfrm>
+              <a:prstGeom prst="line">
+                <a:avLst/>
+              </a:prstGeom>
+              <a:noFill/>
+              <a:ln w="9525">
+                <a:solidFill>
+                  <a:srgbClr val="414141"/>
+                </a:solidFill>
+                <a:prstDash val="dash"/>
+                <a:round/>
+                <a:headEnd/>
+                <a:tailEnd/>
+              </a:ln>
+            </p:spPr>
+            <p:txBody>
+              <a:bodyPr vert="horz" wrap="square" lIns="91440" tIns="45720" rIns="91440" bIns="45720" numCol="1" anchor="t" anchorCtr="0" compatLnSpc="1">
+                <a:prstTxWarp prst="textNoShape">
+                  <a:avLst/>
+                </a:prstTxWarp>
+              </a:bodyPr>
+              <a:lstStyle/>
+              <a:p>
+                <a:endParaRPr lang="zh-CN" altLang="en-US"/>
+              </a:p>
+            </p:txBody>
+          </p:sp>
+          <p:sp>
+            <p:nvSpPr>
+              <p:cNvPr id="45" name="矩形 186"/>
+              <p:cNvSpPr>
+                <a:spLocks noChangeArrowheads="1"/>
+              </p:cNvSpPr>
+              <p:nvPr/>
+            </p:nvSpPr>
+            <p:spPr bwMode="auto">
+              <a:xfrm>
+                <a:off x="9919" y="3769"/>
+                <a:ext cx="2415" cy="727"/>
+              </a:xfrm>
+              <a:prstGeom prst="rect">
+                <a:avLst/>
+              </a:prstGeom>
+              <a:solidFill>
+                <a:srgbClr val="FFFFFF"/>
+              </a:solidFill>
+              <a:ln w="12700">
+                <a:solidFill>
+                  <a:srgbClr val="2B2B2B"/>
+                </a:solidFill>
+                <a:miter lim="800000"/>
+                <a:headEnd/>
+                <a:tailEnd/>
+              </a:ln>
+            </p:spPr>
+            <p:txBody>
+              <a:bodyPr vert="horz" wrap="square" lIns="91440" tIns="45720" rIns="91440" bIns="45720" numCol="1" anchor="ctr" anchorCtr="0" compatLnSpc="1">
+                <a:prstTxWarp prst="textNoShape">
+                  <a:avLst/>
+                </a:prstTxWarp>
+              </a:bodyPr>
+              <a:lstStyle/>
+              <a:p>
+                <a:endParaRPr lang="zh-CN" altLang="en-US"/>
+              </a:p>
+            </p:txBody>
+          </p:sp>
+          <p:sp>
+            <p:nvSpPr>
+              <p:cNvPr id="46" name="直接连接符 187"/>
+              <p:cNvSpPr>
+                <a:spLocks noChangeShapeType="1"/>
+              </p:cNvSpPr>
+              <p:nvPr/>
+            </p:nvSpPr>
+            <p:spPr bwMode="auto">
+              <a:xfrm flipH="1" flipV="1">
+                <a:off x="6379" y="2708"/>
+                <a:ext cx="3540" cy="1061"/>
+              </a:xfrm>
+              <a:prstGeom prst="line">
+                <a:avLst/>
+              </a:prstGeom>
+              <a:noFill/>
+              <a:ln w="9525">
+                <a:solidFill>
+                  <a:srgbClr val="414141"/>
+                </a:solidFill>
+                <a:prstDash val="dash"/>
+                <a:round/>
+                <a:headEnd/>
+                <a:tailEnd/>
+              </a:ln>
+            </p:spPr>
+            <p:txBody>
+              <a:bodyPr vert="horz" wrap="square" lIns="91440" tIns="45720" rIns="91440" bIns="45720" numCol="1" anchor="t" anchorCtr="0" compatLnSpc="1">
+                <a:prstTxWarp prst="textNoShape">
+                  <a:avLst/>
+                </a:prstTxWarp>
+              </a:bodyPr>
+              <a:lstStyle/>
+              <a:p>
+                <a:endParaRPr lang="zh-CN" altLang="en-US"/>
+              </a:p>
+            </p:txBody>
+          </p:sp>
+          <p:sp>
+            <p:nvSpPr>
+              <p:cNvPr id="47" name="直接连接符 188"/>
+              <p:cNvSpPr>
+                <a:spLocks noChangeShapeType="1"/>
+              </p:cNvSpPr>
+              <p:nvPr/>
+            </p:nvSpPr>
+            <p:spPr bwMode="auto">
+              <a:xfrm flipH="1">
+                <a:off x="3450" y="4132"/>
+                <a:ext cx="6469" cy="1090"/>
+              </a:xfrm>
+              <a:prstGeom prst="line">
+                <a:avLst/>
+              </a:prstGeom>
+              <a:noFill/>
+              <a:ln w="9525">
+                <a:solidFill>
+                  <a:srgbClr val="414141"/>
+                </a:solidFill>
+                <a:prstDash val="dash"/>
+                <a:round/>
+                <a:headEnd/>
+                <a:tailEnd/>
+              </a:ln>
+            </p:spPr>
+            <p:txBody>
+              <a:bodyPr vert="horz" wrap="square" lIns="91440" tIns="45720" rIns="91440" bIns="45720" numCol="1" anchor="t" anchorCtr="0" compatLnSpc="1">
+                <a:prstTxWarp prst="textNoShape">
+                  <a:avLst/>
+                </a:prstTxWarp>
+              </a:bodyPr>
+              <a:lstStyle/>
+              <a:p>
+                <a:endParaRPr lang="zh-CN" altLang="en-US"/>
+              </a:p>
+            </p:txBody>
+          </p:sp>
+        </p:grpSp>
+        <p:sp>
+          <p:nvSpPr>
+            <p:cNvPr id="13" name="直接箭头连接符 1"/>
+            <p:cNvSpPr>
+              <a:spLocks noChangeShapeType="1"/>
+            </p:cNvSpPr>
+            <p:nvPr/>
+          </p:nvSpPr>
+          <p:spPr bwMode="auto">
+            <a:xfrm>
+              <a:off x="2261444" y="4426030"/>
+              <a:ext cx="99295" cy="193049"/>
+            </a:xfrm>
+            <a:prstGeom prst="straightConnector1">
+              <a:avLst/>
+            </a:prstGeom>
+            <a:noFill/>
+            <a:ln w="9525">
+              <a:solidFill>
+                <a:srgbClr val="000000"/>
+              </a:solidFill>
+              <a:round/>
+              <a:headEnd/>
+              <a:tailEnd type="stealth" w="med" len="med"/>
+            </a:ln>
+          </p:spPr>
+          <p:txBody>
+            <a:bodyPr vert="horz" wrap="square" lIns="91440" tIns="45720" rIns="91440" bIns="45720" numCol="1" anchor="t" anchorCtr="0" compatLnSpc="1">
+              <a:prstTxWarp prst="textNoShape">
+                <a:avLst/>
+              </a:prstTxWarp>
+            </a:bodyPr>
+            <a:lstStyle/>
+            <a:p>
+              <a:endParaRPr lang="zh-CN" altLang="en-US"/>
+            </a:p>
+          </p:txBody>
+        </p:sp>
+        <p:sp>
+          <p:nvSpPr>
+            <p:cNvPr id="14" name="文本框 229"/>
+            <p:cNvSpPr txBox="1">
+              <a:spLocks noChangeArrowheads="1"/>
+            </p:cNvSpPr>
+            <p:nvPr/>
+          </p:nvSpPr>
+          <p:spPr bwMode="auto">
+            <a:xfrm>
+              <a:off x="395536" y="3284984"/>
+              <a:ext cx="461171" cy="368448"/>
+            </a:xfrm>
+            <a:prstGeom prst="rect">
+              <a:avLst/>
+            </a:prstGeom>
+            <a:noFill/>
+            <a:ln w="6350">
+              <a:noFill/>
+              <a:miter lim="800000"/>
+              <a:headEnd/>
+              <a:tailEnd/>
+            </a:ln>
+          </p:spPr>
+          <p:txBody>
+            <a:bodyPr vert="horz" wrap="square" lIns="0" tIns="0" rIns="0" bIns="0" numCol="1" anchor="t" anchorCtr="0" compatLnSpc="1">
+              <a:prstTxWarp prst="textNoShape">
+                <a:avLst/>
+              </a:prstTxWarp>
+            </a:bodyPr>
+            <a:lstStyle/>
+            <a:p>
+              <a:pPr marL="0" marR="0" lvl="0" indent="0" algn="l" defTabSz="914400" rtl="0" eaLnBrk="1" fontAlgn="base" latinLnBrk="0" hangingPunct="1">
+                <a:lnSpc>
+                  <a:spcPct val="100000"/>
+                </a:lnSpc>
+                <a:spcBef>
+                  <a:spcPct val="0"/>
+                </a:spcBef>
+                <a:spcAft>
+                  <a:spcPct val="0"/>
+                </a:spcAft>
+                <a:buClrTx/>
+                <a:buSzTx/>
+                <a:buFontTx/>
+                <a:buNone/>
+                <a:tabLst/>
+              </a:pPr>
+              <a:r>
+                <a:rPr kumimoji="0" lang="en-US" altLang="zh-CN" b="0" i="0" u="none" strike="noStrike" cap="none" normalizeH="0" baseline="0" dirty="0" smtClean="0">
+                  <a:ln>
+                    <a:noFill/>
+                  </a:ln>
+                  <a:solidFill>
+                    <a:srgbClr val="000000"/>
+                  </a:solidFill>
+                  <a:effectLst/>
+                  <a:latin typeface="Times New Roman" pitchFamily="18" charset="0"/>
+                  <a:ea typeface="宋体" pitchFamily="2" charset="-122"/>
+                  <a:cs typeface="Times New Roman" pitchFamily="18" charset="0"/>
+                </a:rPr>
+                <a:t>CH</a:t>
+              </a:r>
+              <a:r>
+                <a:rPr kumimoji="0" lang="en-US" altLang="zh-CN" b="0" i="0" u="none" strike="noStrike" cap="none" normalizeH="0" baseline="-30000" dirty="0" smtClean="0">
+                  <a:ln>
+                    <a:noFill/>
+                  </a:ln>
+                  <a:solidFill>
+                    <a:srgbClr val="000000"/>
+                  </a:solidFill>
+                  <a:effectLst/>
+                  <a:latin typeface="Times New Roman" pitchFamily="18" charset="0"/>
+                  <a:ea typeface="宋体" pitchFamily="2" charset="-122"/>
+                  <a:cs typeface="Times New Roman" pitchFamily="18" charset="0"/>
+                </a:rPr>
+                <a:t>4</a:t>
+              </a:r>
+              <a:endParaRPr kumimoji="0" lang="en-US" altLang="zh-CN" sz="4400" b="0" i="0" u="none" strike="noStrike" cap="none" normalizeH="0" baseline="0" dirty="0" smtClean="0">
+                <a:ln>
+                  <a:noFill/>
+                </a:ln>
+                <a:solidFill>
+                  <a:schemeClr val="tx1"/>
+                </a:solidFill>
+                <a:effectLst/>
+                <a:latin typeface="Times New Roman" pitchFamily="18" charset="0"/>
+                <a:ea typeface="宋体" pitchFamily="2" charset="-122"/>
+                <a:cs typeface="Times New Roman" pitchFamily="18" charset="0"/>
+              </a:endParaRPr>
+            </a:p>
+          </p:txBody>
+        </p:sp>
+        <p:sp>
+          <p:nvSpPr>
+            <p:cNvPr id="15" name="AutoShape 158"/>
+            <p:cNvSpPr>
+              <a:spLocks noChangeShapeType="1"/>
+            </p:cNvSpPr>
+            <p:nvPr/>
+          </p:nvSpPr>
+          <p:spPr bwMode="auto">
+            <a:xfrm rot="10800000" flipH="1">
+              <a:off x="828498" y="3140968"/>
+              <a:ext cx="565200" cy="1103"/>
+            </a:xfrm>
+            <a:prstGeom prst="bentConnector3">
+              <a:avLst>
+                <a:gd name="adj1" fmla="val 50000"/>
+              </a:avLst>
+            </a:prstGeom>
+            <a:noFill/>
+            <a:ln w="12700">
+              <a:solidFill>
+                <a:srgbClr val="1E1C11"/>
+              </a:solidFill>
+              <a:miter lim="800000"/>
+              <a:headEnd/>
+              <a:tailEnd type="triangle" w="med" len="med"/>
+            </a:ln>
+          </p:spPr>
+          <p:txBody>
+            <a:bodyPr vert="horz" wrap="square" lIns="91440" tIns="45720" rIns="91440" bIns="45720" numCol="1" anchor="t" anchorCtr="0" compatLnSpc="1">
+              <a:prstTxWarp prst="textNoShape">
+                <a:avLst/>
+              </a:prstTxWarp>
+            </a:bodyPr>
+            <a:lstStyle/>
+            <a:p>
+              <a:endParaRPr lang="zh-CN" altLang="en-US"/>
+            </a:p>
+          </p:txBody>
+        </p:sp>
+        <p:sp>
+          <p:nvSpPr>
+            <p:cNvPr id="16" name="文本框 227"/>
+            <p:cNvSpPr txBox="1">
+              <a:spLocks noChangeArrowheads="1"/>
+            </p:cNvSpPr>
+            <p:nvPr/>
+          </p:nvSpPr>
+          <p:spPr bwMode="auto">
+            <a:xfrm>
+              <a:off x="1999092" y="5047740"/>
+              <a:ext cx="1338280" cy="194152"/>
+            </a:xfrm>
+            <a:prstGeom prst="rect">
+              <a:avLst/>
+            </a:prstGeom>
+            <a:noFill/>
+            <a:ln w="6350">
+              <a:noFill/>
+              <a:miter lim="800000"/>
+              <a:headEnd/>
+              <a:tailEnd/>
+            </a:ln>
+          </p:spPr>
+          <p:txBody>
+            <a:bodyPr vert="horz" wrap="square" lIns="0" tIns="0" rIns="0" bIns="0" numCol="1" anchor="t" anchorCtr="0" compatLnSpc="1">
+              <a:prstTxWarp prst="textNoShape">
+                <a:avLst/>
+              </a:prstTxWarp>
+            </a:bodyPr>
+            <a:lstStyle/>
+            <a:p>
+              <a:pPr algn="ctr" fontAlgn="base">
+                <a:spcBef>
+                  <a:spcPct val="0"/>
+                </a:spcBef>
+                <a:spcAft>
+                  <a:spcPct val="0"/>
+                </a:spcAft>
+              </a:pPr>
+              <a:r>
+                <a:rPr lang="zh-CN" altLang="en-US" sz="2000" dirty="0" smtClean="0">
+                  <a:latin typeface="+mn-ea"/>
+                  <a:cs typeface="宋体" pitchFamily="2" charset="-122"/>
+                </a:rPr>
+                <a:t>红外窗片</a:t>
+              </a:r>
+              <a:endParaRPr lang="en-US" altLang="zh-CN" sz="2000" dirty="0" smtClean="0">
+                <a:latin typeface="+mn-ea"/>
+                <a:cs typeface="宋体" pitchFamily="2" charset="-122"/>
+              </a:endParaRPr>
+            </a:p>
+          </p:txBody>
+        </p:sp>
+        <p:sp>
+          <p:nvSpPr>
+            <p:cNvPr id="17" name="直接箭头连接符 228"/>
+            <p:cNvSpPr>
+              <a:spLocks noChangeShapeType="1"/>
+            </p:cNvSpPr>
+            <p:nvPr/>
+          </p:nvSpPr>
+          <p:spPr bwMode="auto">
+            <a:xfrm flipV="1">
+              <a:off x="2632147" y="4781241"/>
+              <a:ext cx="2207" cy="332045"/>
+            </a:xfrm>
+            <a:prstGeom prst="straightConnector1">
+              <a:avLst/>
+            </a:prstGeom>
+            <a:noFill/>
+            <a:ln w="12700">
+              <a:solidFill>
+                <a:srgbClr val="000000"/>
+              </a:solidFill>
+              <a:round/>
+              <a:headEnd/>
+              <a:tailEnd type="stealth" w="med" len="med"/>
+            </a:ln>
+          </p:spPr>
+          <p:txBody>
+            <a:bodyPr vert="horz" wrap="square" lIns="91440" tIns="45720" rIns="91440" bIns="45720" numCol="1" anchor="t" anchorCtr="0" compatLnSpc="1">
+              <a:prstTxWarp prst="textNoShape">
+                <a:avLst/>
+              </a:prstTxWarp>
+            </a:bodyPr>
+            <a:lstStyle/>
+            <a:p>
+              <a:endParaRPr lang="zh-CN" altLang="en-US"/>
+            </a:p>
+          </p:txBody>
+        </p:sp>
+        <p:sp>
+          <p:nvSpPr>
+            <p:cNvPr id="18" name="文本框 1"/>
+            <p:cNvSpPr txBox="1">
+              <a:spLocks noChangeArrowheads="1"/>
+            </p:cNvSpPr>
+            <p:nvPr/>
+          </p:nvSpPr>
+          <p:spPr bwMode="auto">
+            <a:xfrm>
+              <a:off x="1543208" y="5528066"/>
+              <a:ext cx="667485" cy="315498"/>
+            </a:xfrm>
+            <a:prstGeom prst="rect">
+              <a:avLst/>
+            </a:prstGeom>
+            <a:solidFill>
+              <a:srgbClr val="FFFFFF">
+                <a:alpha val="0"/>
+              </a:srgbClr>
+            </a:solidFill>
+            <a:ln w="6350">
+              <a:noFill/>
+              <a:miter lim="800000"/>
+              <a:headEnd/>
+              <a:tailEnd/>
+            </a:ln>
+          </p:spPr>
+          <p:txBody>
+            <a:bodyPr vert="horz" wrap="square" lIns="0" tIns="0" rIns="0" bIns="0" numCol="1" anchor="ctr" anchorCtr="0" compatLnSpc="1">
+              <a:prstTxWarp prst="textNoShape">
+                <a:avLst/>
+              </a:prstTxWarp>
+            </a:bodyPr>
+            <a:lstStyle/>
+            <a:p>
+              <a:pPr marL="0" marR="0" lvl="0" indent="0" algn="ctr" defTabSz="914400" rtl="0" eaLnBrk="1" fontAlgn="base" latinLnBrk="0" hangingPunct="1">
+                <a:lnSpc>
+                  <a:spcPct val="100000"/>
+                </a:lnSpc>
+                <a:spcBef>
+                  <a:spcPct val="0"/>
+                </a:spcBef>
+                <a:spcAft>
+                  <a:spcPct val="0"/>
+                </a:spcAft>
+                <a:buClrTx/>
+                <a:buSzTx/>
+                <a:buFontTx/>
+                <a:buNone/>
+                <a:tabLst/>
+              </a:pPr>
+              <a:r>
+                <a:rPr kumimoji="0" lang="en-US" altLang="zh-CN" b="0" i="0" u="none" strike="noStrike" cap="none" normalizeH="0" baseline="0" dirty="0" smtClean="0">
+                  <a:ln>
+                    <a:noFill/>
+                  </a:ln>
+                  <a:solidFill>
+                    <a:srgbClr val="000000"/>
+                  </a:solidFill>
+                  <a:effectLst/>
+                  <a:latin typeface="Times New Roman" pitchFamily="18" charset="0"/>
+                  <a:ea typeface="宋体" pitchFamily="2" charset="-122"/>
+                  <a:cs typeface="Times New Roman" pitchFamily="18" charset="0"/>
+                </a:rPr>
+                <a:t>FTIR </a:t>
+              </a:r>
+              <a:endParaRPr kumimoji="0" lang="en-US" altLang="zh-CN" b="0" i="0" u="none" strike="noStrike" cap="none" normalizeH="0" baseline="0" dirty="0" smtClean="0">
+                <a:ln>
+                  <a:noFill/>
+                </a:ln>
+                <a:solidFill>
+                  <a:schemeClr val="tx1"/>
+                </a:solidFill>
+                <a:effectLst/>
+                <a:latin typeface="Times New Roman" pitchFamily="18" charset="0"/>
+                <a:ea typeface="宋体" pitchFamily="2" charset="-122"/>
+                <a:cs typeface="Times New Roman" pitchFamily="18" charset="0"/>
+              </a:endParaRPr>
+            </a:p>
+          </p:txBody>
+        </p:sp>
+        <p:sp>
+          <p:nvSpPr>
+            <p:cNvPr id="19" name="文本框 112"/>
+            <p:cNvSpPr txBox="1">
+              <a:spLocks noChangeArrowheads="1"/>
+            </p:cNvSpPr>
+            <p:nvPr/>
+          </p:nvSpPr>
+          <p:spPr bwMode="auto">
+            <a:xfrm>
+              <a:off x="1169196" y="6023375"/>
+              <a:ext cx="1744287" cy="324323"/>
+            </a:xfrm>
+            <a:prstGeom prst="rect">
+              <a:avLst/>
+            </a:prstGeom>
+            <a:solidFill>
+              <a:srgbClr val="FFFFFF">
+                <a:alpha val="0"/>
+              </a:srgbClr>
+            </a:solidFill>
+            <a:ln w="6350">
+              <a:noFill/>
+              <a:miter lim="800000"/>
+              <a:headEnd/>
+              <a:tailEnd/>
+            </a:ln>
+          </p:spPr>
+          <p:txBody>
+            <a:bodyPr vert="horz" wrap="square" lIns="0" tIns="0" rIns="0" bIns="0" numCol="1" anchor="ctr" anchorCtr="0" compatLnSpc="1">
+              <a:prstTxWarp prst="textNoShape">
+                <a:avLst/>
+              </a:prstTxWarp>
+            </a:bodyPr>
+            <a:lstStyle/>
+            <a:p>
+              <a:pPr marL="0" marR="0" lvl="0" indent="0" algn="ctr" defTabSz="914400" rtl="0" eaLnBrk="1" fontAlgn="base" latinLnBrk="0" hangingPunct="1">
+                <a:lnSpc>
+                  <a:spcPct val="100000"/>
+                </a:lnSpc>
+                <a:spcBef>
+                  <a:spcPct val="0"/>
+                </a:spcBef>
+                <a:spcAft>
+                  <a:spcPct val="0"/>
+                </a:spcAft>
+                <a:buClrTx/>
+                <a:buSzTx/>
+                <a:buFontTx/>
+                <a:buNone/>
+                <a:tabLst/>
+              </a:pPr>
+              <a:r>
+                <a:rPr kumimoji="0" lang="en-US" altLang="zh-CN" b="0" i="0" u="none" strike="noStrike" cap="none" normalizeH="0" baseline="0" dirty="0" err="1" smtClean="0">
+                  <a:ln>
+                    <a:noFill/>
+                  </a:ln>
+                  <a:solidFill>
+                    <a:srgbClr val="000000"/>
+                  </a:solidFill>
+                  <a:effectLst/>
+                  <a:latin typeface="Times New Roman" pitchFamily="18" charset="0"/>
+                  <a:ea typeface="宋体" pitchFamily="2" charset="-122"/>
+                  <a:cs typeface="Times New Roman" pitchFamily="18" charset="0"/>
+                </a:rPr>
+                <a:t>Bruker</a:t>
+              </a:r>
+              <a:r>
+                <a:rPr kumimoji="0" lang="en-US" altLang="zh-CN" b="0" i="0" u="none" strike="noStrike" cap="none" normalizeH="0" baseline="0" dirty="0" smtClean="0">
+                  <a:ln>
+                    <a:noFill/>
+                  </a:ln>
+                  <a:solidFill>
+                    <a:srgbClr val="000000"/>
+                  </a:solidFill>
+                  <a:effectLst/>
+                  <a:latin typeface="Times New Roman" pitchFamily="18" charset="0"/>
+                  <a:ea typeface="宋体" pitchFamily="2" charset="-122"/>
+                  <a:cs typeface="Times New Roman" pitchFamily="18" charset="0"/>
+                </a:rPr>
+                <a:t> Vertex 70</a:t>
+              </a:r>
+              <a:endParaRPr kumimoji="0" lang="en-US" altLang="zh-CN" b="0" i="0" u="none" strike="noStrike" cap="none" normalizeH="0" baseline="0" dirty="0" smtClean="0">
+                <a:ln>
+                  <a:noFill/>
+                </a:ln>
+                <a:solidFill>
+                  <a:schemeClr val="tx1"/>
+                </a:solidFill>
+                <a:effectLst/>
+                <a:latin typeface="Times New Roman" pitchFamily="18" charset="0"/>
+                <a:ea typeface="宋体" pitchFamily="2" charset="-122"/>
+                <a:cs typeface="Times New Roman" pitchFamily="18" charset="0"/>
+              </a:endParaRPr>
+            </a:p>
+          </p:txBody>
+        </p:sp>
+        <p:sp>
+          <p:nvSpPr>
+            <p:cNvPr id="20" name="文本框 116"/>
+            <p:cNvSpPr txBox="1">
+              <a:spLocks noChangeArrowheads="1"/>
+            </p:cNvSpPr>
+            <p:nvPr/>
+          </p:nvSpPr>
+          <p:spPr bwMode="auto">
+            <a:xfrm>
+              <a:off x="1547664" y="3645024"/>
+              <a:ext cx="949925" cy="248206"/>
+            </a:xfrm>
+            <a:prstGeom prst="rect">
+              <a:avLst/>
+            </a:prstGeom>
+            <a:solidFill>
+              <a:srgbClr val="FFFFFF">
+                <a:alpha val="0"/>
+              </a:srgbClr>
+            </a:solidFill>
+            <a:ln w="6350">
+              <a:noFill/>
+              <a:miter lim="800000"/>
+              <a:headEnd/>
+              <a:tailEnd/>
+            </a:ln>
+          </p:spPr>
+          <p:txBody>
+            <a:bodyPr vert="horz" wrap="square" lIns="0" tIns="0" rIns="0" bIns="0" numCol="1" anchor="ctr" anchorCtr="0" compatLnSpc="1">
+              <a:prstTxWarp prst="textNoShape">
+                <a:avLst/>
+              </a:prstTxWarp>
+            </a:bodyPr>
+            <a:lstStyle/>
+            <a:p>
+              <a:pPr marL="0" marR="0" lvl="0" indent="0" algn="ctr" defTabSz="914400" rtl="0" eaLnBrk="1" fontAlgn="base" latinLnBrk="0" hangingPunct="1">
+                <a:lnSpc>
+                  <a:spcPct val="100000"/>
+                </a:lnSpc>
+                <a:spcBef>
+                  <a:spcPct val="0"/>
+                </a:spcBef>
+                <a:spcAft>
+                  <a:spcPct val="0"/>
+                </a:spcAft>
+                <a:buClrTx/>
+                <a:buSzTx/>
+                <a:buFontTx/>
+                <a:buNone/>
+                <a:tabLst/>
+              </a:pPr>
+              <a:r>
+                <a:rPr kumimoji="0" lang="en-US" altLang="zh-CN" b="0" i="0" u="none" strike="noStrike" cap="none" normalizeH="0" baseline="0" dirty="0" smtClean="0">
+                  <a:ln>
+                    <a:noFill/>
+                  </a:ln>
+                  <a:solidFill>
+                    <a:srgbClr val="000000"/>
+                  </a:solidFill>
+                  <a:effectLst/>
+                  <a:latin typeface="Times New Roman" pitchFamily="18" charset="0"/>
+                  <a:ea typeface="宋体" pitchFamily="2" charset="-122"/>
+                  <a:cs typeface="Times New Roman" pitchFamily="18" charset="0"/>
+                </a:rPr>
+                <a:t>MF-4B</a:t>
+              </a:r>
+              <a:endParaRPr kumimoji="0" lang="en-US" altLang="zh-CN" sz="4800" b="0" i="0" u="none" strike="noStrike" cap="none" normalizeH="0" baseline="0" dirty="0" smtClean="0">
+                <a:ln>
+                  <a:noFill/>
+                </a:ln>
+                <a:solidFill>
+                  <a:schemeClr val="tx1"/>
+                </a:solidFill>
+                <a:effectLst/>
+                <a:latin typeface="Times New Roman" pitchFamily="18" charset="0"/>
+                <a:ea typeface="宋体" pitchFamily="2" charset="-122"/>
+                <a:cs typeface="Times New Roman" pitchFamily="18" charset="0"/>
+              </a:endParaRPr>
+            </a:p>
+          </p:txBody>
+        </p:sp>
+        <p:sp>
+          <p:nvSpPr>
+            <p:cNvPr id="21" name="文本框 229"/>
+            <p:cNvSpPr txBox="1">
+              <a:spLocks noChangeArrowheads="1"/>
+            </p:cNvSpPr>
+            <p:nvPr/>
+          </p:nvSpPr>
+          <p:spPr bwMode="auto">
+            <a:xfrm>
+              <a:off x="533008" y="2996952"/>
+              <a:ext cx="294576" cy="368448"/>
+            </a:xfrm>
+            <a:prstGeom prst="rect">
+              <a:avLst/>
+            </a:prstGeom>
+            <a:noFill/>
+            <a:ln w="6350">
+              <a:noFill/>
+              <a:miter lim="800000"/>
+              <a:headEnd/>
+              <a:tailEnd/>
+            </a:ln>
+          </p:spPr>
+          <p:txBody>
+            <a:bodyPr vert="horz" wrap="square" lIns="0" tIns="0" rIns="0" bIns="0" numCol="1" anchor="t" anchorCtr="0" compatLnSpc="1">
+              <a:prstTxWarp prst="textNoShape">
+                <a:avLst/>
+              </a:prstTxWarp>
+            </a:bodyPr>
+            <a:lstStyle/>
+            <a:p>
+              <a:pPr marL="0" marR="0" lvl="0" indent="0" algn="l" defTabSz="914400" rtl="0" eaLnBrk="1" fontAlgn="base" latinLnBrk="0" hangingPunct="1">
+                <a:lnSpc>
+                  <a:spcPct val="100000"/>
+                </a:lnSpc>
+                <a:spcBef>
+                  <a:spcPct val="0"/>
+                </a:spcBef>
+                <a:spcAft>
+                  <a:spcPct val="0"/>
+                </a:spcAft>
+                <a:buClrTx/>
+                <a:buSzTx/>
+                <a:buFontTx/>
+                <a:buNone/>
+                <a:tabLst/>
+              </a:pPr>
+              <a:r>
+                <a:rPr kumimoji="0" lang="en-US" altLang="zh-CN" b="0" i="0" u="none" strike="noStrike" cap="none" normalizeH="0" baseline="0" dirty="0" smtClean="0">
+                  <a:ln>
+                    <a:noFill/>
+                  </a:ln>
+                  <a:solidFill>
+                    <a:srgbClr val="000000"/>
+                  </a:solidFill>
+                  <a:effectLst/>
+                  <a:latin typeface="Times New Roman" pitchFamily="18" charset="0"/>
+                  <a:ea typeface="宋体" pitchFamily="2" charset="-122"/>
+                  <a:cs typeface="Times New Roman" pitchFamily="18" charset="0"/>
+                </a:rPr>
+                <a:t>N</a:t>
+              </a:r>
+              <a:r>
+                <a:rPr kumimoji="0" lang="en-US" altLang="zh-CN" b="0" i="0" u="none" strike="noStrike" cap="none" normalizeH="0" baseline="-30000" dirty="0" smtClean="0">
+                  <a:ln>
+                    <a:noFill/>
+                  </a:ln>
+                  <a:solidFill>
+                    <a:srgbClr val="000000"/>
+                  </a:solidFill>
+                  <a:effectLst/>
+                  <a:latin typeface="Times New Roman" pitchFamily="18" charset="0"/>
+                  <a:ea typeface="宋体" pitchFamily="2" charset="-122"/>
+                  <a:cs typeface="Times New Roman" pitchFamily="18" charset="0"/>
+                </a:rPr>
+                <a:t>2</a:t>
+              </a:r>
+              <a:endParaRPr kumimoji="0" lang="en-US" altLang="zh-CN" sz="4400" b="0" i="0" u="none" strike="noStrike" cap="none" normalizeH="0" baseline="0" dirty="0" smtClean="0">
+                <a:ln>
+                  <a:noFill/>
+                </a:ln>
+                <a:solidFill>
+                  <a:schemeClr val="tx1"/>
+                </a:solidFill>
+                <a:effectLst/>
+                <a:latin typeface="Times New Roman" pitchFamily="18" charset="0"/>
+                <a:ea typeface="宋体" pitchFamily="2" charset="-122"/>
+                <a:cs typeface="Times New Roman" pitchFamily="18" charset="0"/>
+              </a:endParaRPr>
+            </a:p>
+          </p:txBody>
+        </p:sp>
+        <p:sp>
+          <p:nvSpPr>
+            <p:cNvPr id="22" name="肘形连接符 224"/>
+            <p:cNvSpPr>
+              <a:spLocks noChangeShapeType="1"/>
+            </p:cNvSpPr>
+            <p:nvPr/>
+          </p:nvSpPr>
+          <p:spPr bwMode="auto">
+            <a:xfrm rot="10800000" flipH="1" flipV="1">
+              <a:off x="2734206" y="3276577"/>
+              <a:ext cx="127422" cy="1025902"/>
+            </a:xfrm>
+            <a:prstGeom prst="bentConnector2">
+              <a:avLst/>
+            </a:prstGeom>
+            <a:noFill/>
+            <a:ln w="12700">
+              <a:solidFill>
+                <a:srgbClr val="000000"/>
+              </a:solidFill>
+              <a:miter lim="800000"/>
+              <a:headEnd/>
+              <a:tailEnd type="triangle" w="med" len="med"/>
+            </a:ln>
+          </p:spPr>
+          <p:txBody>
+            <a:bodyPr vert="horz" wrap="square" lIns="91440" tIns="45720" rIns="91440" bIns="45720" numCol="1" anchor="t" anchorCtr="0" compatLnSpc="1">
+              <a:prstTxWarp prst="textNoShape">
+                <a:avLst/>
+              </a:prstTxWarp>
+            </a:bodyPr>
+            <a:lstStyle/>
+            <a:p>
+              <a:endParaRPr lang="zh-CN" altLang="en-US"/>
+            </a:p>
+          </p:txBody>
+        </p:sp>
+        <p:sp>
+          <p:nvSpPr>
+            <p:cNvPr id="23" name="Rectangle 81"/>
+            <p:cNvSpPr>
+              <a:spLocks noChangeArrowheads="1"/>
+            </p:cNvSpPr>
+            <p:nvPr/>
+          </p:nvSpPr>
+          <p:spPr bwMode="auto">
+            <a:xfrm>
+              <a:off x="2713789" y="4352120"/>
+              <a:ext cx="241619" cy="105901"/>
+            </a:xfrm>
+            <a:prstGeom prst="rect">
+              <a:avLst/>
+            </a:prstGeom>
+            <a:solidFill>
+              <a:srgbClr val="FFFFFF"/>
+            </a:solidFill>
+            <a:ln w="12700">
+              <a:solidFill>
+                <a:srgbClr val="000000"/>
+              </a:solidFill>
+              <a:miter lim="800000"/>
+              <a:headEnd/>
+              <a:tailEnd/>
+            </a:ln>
+          </p:spPr>
+          <p:txBody>
+            <a:bodyPr vert="horz" wrap="square" lIns="91440" tIns="45720" rIns="91440" bIns="45720" numCol="1" anchor="t" anchorCtr="0" compatLnSpc="1">
+              <a:prstTxWarp prst="textNoShape">
+                <a:avLst/>
+              </a:prstTxWarp>
+            </a:bodyPr>
+            <a:lstStyle/>
+            <a:p>
+              <a:endParaRPr lang="zh-CN" altLang="en-US"/>
+            </a:p>
+          </p:txBody>
+        </p:sp>
+        <p:sp>
+          <p:nvSpPr>
+            <p:cNvPr id="24" name="Rectangle 78"/>
+            <p:cNvSpPr>
+              <a:spLocks noChangeArrowheads="1"/>
+            </p:cNvSpPr>
+            <p:nvPr/>
+          </p:nvSpPr>
+          <p:spPr bwMode="auto">
+            <a:xfrm>
+              <a:off x="2602358" y="4541859"/>
+              <a:ext cx="408214" cy="239381"/>
+            </a:xfrm>
+            <a:prstGeom prst="rect">
+              <a:avLst/>
+            </a:prstGeom>
+            <a:solidFill>
+              <a:srgbClr val="FFFFFF"/>
+            </a:solidFill>
+            <a:ln w="12700">
+              <a:solidFill>
+                <a:srgbClr val="000000"/>
+              </a:solidFill>
+              <a:miter lim="800000"/>
+              <a:headEnd/>
+              <a:tailEnd/>
+            </a:ln>
+          </p:spPr>
+          <p:txBody>
+            <a:bodyPr vert="horz" wrap="square" lIns="91440" tIns="45720" rIns="91440" bIns="45720" numCol="1" anchor="t" anchorCtr="0" compatLnSpc="1">
+              <a:prstTxWarp prst="textNoShape">
+                <a:avLst/>
+              </a:prstTxWarp>
+            </a:bodyPr>
+            <a:lstStyle/>
+            <a:p>
+              <a:endParaRPr lang="zh-CN" altLang="en-US"/>
+            </a:p>
+          </p:txBody>
+        </p:sp>
+        <p:sp>
+          <p:nvSpPr>
+            <p:cNvPr id="25" name="矩形 198"/>
+            <p:cNvSpPr>
+              <a:spLocks noChangeArrowheads="1"/>
+            </p:cNvSpPr>
+            <p:nvPr/>
+          </p:nvSpPr>
+          <p:spPr bwMode="auto">
+            <a:xfrm>
+              <a:off x="2582499" y="4541859"/>
+              <a:ext cx="103708" cy="239381"/>
+            </a:xfrm>
+            <a:prstGeom prst="rect">
+              <a:avLst/>
+            </a:prstGeom>
+            <a:pattFill prst="wdDnDiag">
+              <a:fgClr>
+                <a:srgbClr val="414141"/>
+              </a:fgClr>
+              <a:bgClr>
+                <a:srgbClr val="FFFFFF"/>
+              </a:bgClr>
+            </a:pattFill>
+            <a:ln w="12700">
+              <a:solidFill>
+                <a:srgbClr val="414141"/>
+              </a:solidFill>
+              <a:miter lim="800000"/>
+              <a:headEnd/>
+              <a:tailEnd/>
+            </a:ln>
+          </p:spPr>
+          <p:txBody>
+            <a:bodyPr vert="horz" wrap="square" lIns="91440" tIns="45720" rIns="91440" bIns="45720" numCol="1" anchor="ctr" anchorCtr="0" compatLnSpc="1">
+              <a:prstTxWarp prst="textNoShape">
+                <a:avLst/>
+              </a:prstTxWarp>
+            </a:bodyPr>
+            <a:lstStyle/>
+            <a:p>
+              <a:endParaRPr lang="zh-CN" altLang="en-US"/>
+            </a:p>
+          </p:txBody>
+        </p:sp>
+        <p:sp>
+          <p:nvSpPr>
+            <p:cNvPr id="26" name="矩形 193"/>
+            <p:cNvSpPr>
+              <a:spLocks noChangeArrowheads="1"/>
+            </p:cNvSpPr>
+            <p:nvPr/>
+          </p:nvSpPr>
+          <p:spPr bwMode="auto">
+            <a:xfrm>
+              <a:off x="2771160" y="4630111"/>
+              <a:ext cx="4762800" cy="74513"/>
+            </a:xfrm>
+            <a:prstGeom prst="rect">
+              <a:avLst/>
+            </a:prstGeom>
+            <a:solidFill>
+              <a:schemeClr val="tx1">
+                <a:lumMod val="65000"/>
+                <a:lumOff val="35000"/>
+              </a:schemeClr>
+            </a:solidFill>
+            <a:ln>
+              <a:noFill/>
+              <a:headEnd/>
+              <a:tailEnd/>
+            </a:ln>
+          </p:spPr>
+          <p:style>
+            <a:lnRef idx="2">
+              <a:schemeClr val="accent6"/>
+            </a:lnRef>
+            <a:fillRef idx="1">
+              <a:schemeClr val="lt1"/>
+            </a:fillRef>
+            <a:effectRef idx="0">
+              <a:schemeClr val="accent6"/>
+            </a:effectRef>
+            <a:fontRef idx="minor">
+              <a:schemeClr val="dk1"/>
+            </a:fontRef>
+          </p:style>
+          <p:txBody>
+            <a:bodyPr vert="horz" wrap="square" lIns="91440" tIns="45720" rIns="91440" bIns="45720" numCol="1" anchor="ctr" anchorCtr="0" compatLnSpc="1">
+              <a:prstTxWarp prst="textNoShape">
+                <a:avLst/>
+              </a:prstTxWarp>
+            </a:bodyPr>
+            <a:lstStyle/>
+            <a:p>
+              <a:endParaRPr lang="zh-CN" altLang="en-US"/>
+            </a:p>
+          </p:txBody>
+        </p:sp>
+        <p:grpSp>
+          <p:nvGrpSpPr>
+            <p:cNvPr id="27" name="组合 55"/>
+            <p:cNvGrpSpPr/>
+            <p:nvPr/>
+          </p:nvGrpSpPr>
+          <p:grpSpPr>
+            <a:xfrm rot="16200000">
+              <a:off x="2002369" y="1799753"/>
+              <a:ext cx="709318" cy="1375521"/>
+              <a:chOff x="5072068" y="1571614"/>
+              <a:chExt cx="709318" cy="1375521"/>
+            </a:xfrm>
+          </p:grpSpPr>
+          <p:sp>
+            <p:nvSpPr>
+              <p:cNvPr id="36" name="Rectangle 73"/>
+              <p:cNvSpPr>
+                <a:spLocks noChangeArrowheads="1"/>
+              </p:cNvSpPr>
+              <p:nvPr/>
+            </p:nvSpPr>
+            <p:spPr bwMode="auto">
+              <a:xfrm rot="16200000">
+                <a:off x="5266827" y="2052127"/>
+                <a:ext cx="294576" cy="458906"/>
+              </a:xfrm>
+              <a:prstGeom prst="rect">
+                <a:avLst/>
+              </a:prstGeom>
+              <a:solidFill>
+                <a:srgbClr val="FFFFFF"/>
+              </a:solidFill>
+              <a:ln w="12700">
+                <a:solidFill>
+                  <a:srgbClr val="000000"/>
+                </a:solidFill>
+                <a:miter lim="800000"/>
+                <a:headEnd/>
+                <a:tailEnd/>
+              </a:ln>
+            </p:spPr>
+            <p:txBody>
+              <a:bodyPr vert="horz" wrap="square" lIns="91440" tIns="45720" rIns="91440" bIns="45720" numCol="1" anchor="t" anchorCtr="0" compatLnSpc="1">
+                <a:prstTxWarp prst="textNoShape">
+                  <a:avLst/>
+                </a:prstTxWarp>
+              </a:bodyPr>
+              <a:lstStyle/>
+              <a:p>
+                <a:endParaRPr lang="zh-CN" altLang="en-US"/>
+              </a:p>
+            </p:txBody>
+          </p:sp>
+          <p:sp>
+            <p:nvSpPr>
+              <p:cNvPr id="37" name="矩形 186"/>
+              <p:cNvSpPr>
+                <a:spLocks noChangeArrowheads="1"/>
+              </p:cNvSpPr>
+              <p:nvPr/>
+            </p:nvSpPr>
+            <p:spPr bwMode="auto">
+              <a:xfrm rot="16200000">
+                <a:off x="5180400" y="2686214"/>
+                <a:ext cx="446829" cy="75013"/>
+              </a:xfrm>
+              <a:prstGeom prst="rect">
+                <a:avLst/>
+              </a:prstGeom>
+              <a:noFill/>
+              <a:ln w="12700">
+                <a:solidFill>
+                  <a:srgbClr val="2B2B2B"/>
+                </a:solidFill>
+                <a:miter lim="800000"/>
+                <a:headEnd/>
+                <a:tailEnd/>
+              </a:ln>
+            </p:spPr>
+            <p:txBody>
+              <a:bodyPr vert="horz" wrap="square" lIns="91440" tIns="45720" rIns="91440" bIns="45720" numCol="1" anchor="ctr" anchorCtr="0" compatLnSpc="1">
+                <a:prstTxWarp prst="textNoShape">
+                  <a:avLst/>
+                </a:prstTxWarp>
+              </a:bodyPr>
+              <a:lstStyle/>
+              <a:p>
+                <a:endParaRPr lang="zh-CN" altLang="en-US"/>
+              </a:p>
+            </p:txBody>
+          </p:sp>
+          <p:grpSp>
+            <p:nvGrpSpPr>
+              <p:cNvPr id="38" name="组合 51"/>
+              <p:cNvGrpSpPr/>
+              <p:nvPr/>
+            </p:nvGrpSpPr>
+            <p:grpSpPr>
+              <a:xfrm rot="16200000">
+                <a:off x="4977691" y="1665991"/>
+                <a:ext cx="898072" cy="709318"/>
+                <a:chOff x="8055575" y="4493121"/>
+                <a:chExt cx="898072" cy="709318"/>
+              </a:xfrm>
+            </p:grpSpPr>
+            <p:sp>
+              <p:nvSpPr>
+                <p:cNvPr id="40" name="矩形 198"/>
+                <p:cNvSpPr>
+                  <a:spLocks noChangeArrowheads="1"/>
+                </p:cNvSpPr>
+                <p:nvPr/>
+              </p:nvSpPr>
+              <p:spPr bwMode="auto">
+                <a:xfrm>
+                  <a:off x="8055575" y="4615932"/>
+                  <a:ext cx="120258" cy="446771"/>
+                </a:xfrm>
+                <a:prstGeom prst="rect">
+                  <a:avLst/>
+                </a:prstGeom>
+                <a:pattFill prst="wdDnDiag">
+                  <a:fgClr>
+                    <a:srgbClr val="FFFFFF"/>
+                  </a:fgClr>
+                  <a:bgClr>
+                    <a:srgbClr val="FFFFFF"/>
+                  </a:bgClr>
+                </a:pattFill>
+                <a:ln w="12700">
+                  <a:solidFill>
+                    <a:srgbClr val="2B2B2B"/>
+                  </a:solidFill>
+                  <a:miter lim="800000"/>
+                  <a:headEnd/>
+                  <a:tailEnd/>
+                </a:ln>
+              </p:spPr>
+              <p:txBody>
+                <a:bodyPr vert="horz" wrap="square" lIns="91440" tIns="45720" rIns="91440" bIns="45720" numCol="1" anchor="ctr" anchorCtr="0" compatLnSpc="1">
+                  <a:prstTxWarp prst="textNoShape">
+                    <a:avLst/>
+                  </a:prstTxWarp>
+                </a:bodyPr>
+                <a:lstStyle/>
+                <a:p>
+                  <a:endParaRPr lang="zh-CN" altLang="en-US"/>
+                </a:p>
+              </p:txBody>
+            </p:sp>
+            <p:sp>
+              <p:nvSpPr>
+                <p:cNvPr id="41" name="椭圆 206"/>
+                <p:cNvSpPr>
+                  <a:spLocks noChangeArrowheads="1"/>
+                </p:cNvSpPr>
+                <p:nvPr/>
+              </p:nvSpPr>
+              <p:spPr bwMode="auto">
+                <a:xfrm>
+                  <a:off x="8256373" y="4493121"/>
+                  <a:ext cx="697274" cy="709318"/>
+                </a:xfrm>
+                <a:prstGeom prst="ellipse">
+                  <a:avLst/>
+                </a:prstGeom>
+                <a:solidFill>
+                  <a:srgbClr val="FFFFFF"/>
+                </a:solidFill>
+                <a:ln w="12700">
+                  <a:solidFill>
+                    <a:srgbClr val="000000"/>
+                  </a:solidFill>
+                  <a:round/>
+                  <a:headEnd/>
+                  <a:tailEnd/>
+                </a:ln>
+              </p:spPr>
+              <p:txBody>
+                <a:bodyPr vert="horz" wrap="square" lIns="91440" tIns="45720" rIns="91440" bIns="45720" numCol="1" anchor="ctr" anchorCtr="0" compatLnSpc="1">
+                  <a:prstTxWarp prst="textNoShape">
+                    <a:avLst/>
+                  </a:prstTxWarp>
+                </a:bodyPr>
+                <a:lstStyle/>
+                <a:p>
+                  <a:endParaRPr lang="zh-CN" altLang="en-US"/>
+                </a:p>
+              </p:txBody>
+            </p:sp>
+          </p:grpSp>
+          <p:sp>
+            <p:nvSpPr>
+              <p:cNvPr id="39" name="椭圆 205"/>
+              <p:cNvSpPr>
+                <a:spLocks noChangeArrowheads="1"/>
+              </p:cNvSpPr>
+              <p:nvPr/>
+            </p:nvSpPr>
+            <p:spPr bwMode="auto">
+              <a:xfrm>
+                <a:off x="5151600" y="1643050"/>
+                <a:ext cx="558260" cy="567013"/>
+              </a:xfrm>
+              <a:prstGeom prst="ellipse">
+                <a:avLst/>
+              </a:prstGeom>
+              <a:noFill/>
+              <a:ln w="12700">
+                <a:solidFill>
+                  <a:srgbClr val="000000"/>
+                </a:solidFill>
+                <a:round/>
+                <a:headEnd/>
+                <a:tailEnd/>
+              </a:ln>
+            </p:spPr>
+            <p:txBody>
+              <a:bodyPr vert="horz" wrap="square" lIns="91440" tIns="45720" rIns="91440" bIns="45720" numCol="1" anchor="ctr" anchorCtr="0" compatLnSpc="1">
+                <a:prstTxWarp prst="textNoShape">
+                  <a:avLst/>
+                </a:prstTxWarp>
+              </a:bodyPr>
+              <a:lstStyle/>
+              <a:p>
+                <a:endParaRPr lang="zh-CN" altLang="en-US"/>
+              </a:p>
+            </p:txBody>
+          </p:sp>
+        </p:grpSp>
+        <p:sp>
+          <p:nvSpPr>
+            <p:cNvPr id="28" name="文本框 100"/>
+            <p:cNvSpPr txBox="1">
+              <a:spLocks noChangeArrowheads="1"/>
+            </p:cNvSpPr>
+            <p:nvPr/>
+          </p:nvSpPr>
+          <p:spPr bwMode="auto">
+            <a:xfrm>
+              <a:off x="1403648" y="3068960"/>
+              <a:ext cx="1357036" cy="489794"/>
+            </a:xfrm>
+            <a:prstGeom prst="rect">
+              <a:avLst/>
+            </a:prstGeom>
+            <a:solidFill>
+              <a:srgbClr val="FFFFFF">
+                <a:alpha val="0"/>
+              </a:srgbClr>
+            </a:solidFill>
+            <a:ln w="6350">
+              <a:noFill/>
+              <a:miter lim="800000"/>
+              <a:headEnd/>
+              <a:tailEnd/>
+            </a:ln>
+          </p:spPr>
+          <p:txBody>
+            <a:bodyPr vert="horz" wrap="square" lIns="0" tIns="0" rIns="0" bIns="0" numCol="1" anchor="ctr" anchorCtr="0" compatLnSpc="1">
+              <a:prstTxWarp prst="textNoShape">
+                <a:avLst/>
+              </a:prstTxWarp>
+            </a:bodyPr>
+            <a:lstStyle/>
+            <a:p>
+              <a:pPr marL="0" marR="0" lvl="0" indent="0" algn="ctr" defTabSz="914400" rtl="0" eaLnBrk="1" fontAlgn="base" latinLnBrk="0" hangingPunct="1">
+                <a:lnSpc>
+                  <a:spcPct val="100000"/>
+                </a:lnSpc>
+                <a:spcBef>
+                  <a:spcPct val="0"/>
+                </a:spcBef>
+                <a:spcAft>
+                  <a:spcPct val="0"/>
+                </a:spcAft>
+                <a:buClrTx/>
+                <a:buSzTx/>
+                <a:buFontTx/>
+                <a:buNone/>
+                <a:tabLst/>
+              </a:pPr>
+              <a:r>
+                <a:rPr kumimoji="0" lang="en-US" altLang="zh-CN" b="0" i="0" u="none" strike="noStrike" cap="none" normalizeH="0" baseline="0" dirty="0" smtClean="0">
+                  <a:ln>
+                    <a:noFill/>
+                  </a:ln>
+                  <a:solidFill>
+                    <a:srgbClr val="000000"/>
+                  </a:solidFill>
+                  <a:effectLst/>
+                  <a:latin typeface="Times New Roman" pitchFamily="18" charset="0"/>
+                  <a:ea typeface="宋体" pitchFamily="2" charset="-122"/>
+                  <a:cs typeface="Times New Roman" pitchFamily="18" charset="0"/>
+                </a:rPr>
+                <a:t>Mass flow Controller</a:t>
+              </a:r>
+              <a:endParaRPr kumimoji="0" lang="en-US" altLang="zh-CN" sz="4800" b="0" i="0" u="none" strike="noStrike" cap="none" normalizeH="0" baseline="0" dirty="0" smtClean="0">
+                <a:ln>
+                  <a:noFill/>
+                </a:ln>
+                <a:solidFill>
+                  <a:schemeClr val="tx1"/>
+                </a:solidFill>
+                <a:effectLst/>
+                <a:latin typeface="Times New Roman" pitchFamily="18" charset="0"/>
+                <a:ea typeface="宋体" pitchFamily="2" charset="-122"/>
+                <a:cs typeface="Times New Roman" pitchFamily="18" charset="0"/>
+              </a:endParaRPr>
+            </a:p>
+          </p:txBody>
+        </p:sp>
+        <p:sp>
+          <p:nvSpPr>
+            <p:cNvPr id="29" name="文本框 227"/>
+            <p:cNvSpPr txBox="1">
+              <a:spLocks noChangeArrowheads="1"/>
+            </p:cNvSpPr>
+            <p:nvPr/>
+          </p:nvSpPr>
+          <p:spPr bwMode="auto">
+            <a:xfrm>
+              <a:off x="3923928" y="4302338"/>
+              <a:ext cx="2088232" cy="350798"/>
+            </a:xfrm>
+            <a:prstGeom prst="rect">
+              <a:avLst/>
+            </a:prstGeom>
+            <a:noFill/>
+            <a:ln w="6350">
+              <a:noFill/>
+              <a:miter lim="800000"/>
+              <a:headEnd/>
+              <a:tailEnd/>
+            </a:ln>
+          </p:spPr>
+          <p:txBody>
+            <a:bodyPr vert="horz" wrap="square" lIns="0" tIns="0" rIns="0" bIns="0" numCol="1" anchor="t" anchorCtr="0" compatLnSpc="1">
+              <a:prstTxWarp prst="textNoShape">
+                <a:avLst/>
+              </a:prstTxWarp>
+            </a:bodyPr>
+            <a:lstStyle/>
+            <a:p>
+              <a:pPr marL="0" marR="0" lvl="0" indent="0" algn="ctr" defTabSz="914400" rtl="0" eaLnBrk="1" fontAlgn="base" latinLnBrk="0" hangingPunct="1">
+                <a:lnSpc>
+                  <a:spcPct val="100000"/>
+                </a:lnSpc>
+                <a:spcBef>
+                  <a:spcPct val="0"/>
+                </a:spcBef>
+                <a:spcAft>
+                  <a:spcPct val="0"/>
+                </a:spcAft>
+                <a:buClrTx/>
+                <a:buSzTx/>
+                <a:buFontTx/>
+                <a:buNone/>
+                <a:tabLst/>
+              </a:pPr>
+              <a:r>
+                <a:rPr kumimoji="0" lang="zh-CN" altLang="en-US" sz="2000" b="0" i="0" u="none" strike="noStrike" cap="none" normalizeH="0" baseline="0" dirty="0" smtClean="0">
+                  <a:ln>
+                    <a:noFill/>
+                  </a:ln>
+                  <a:solidFill>
+                    <a:srgbClr val="000000"/>
+                  </a:solidFill>
+                  <a:effectLst/>
+                  <a:latin typeface="Times New Roman" pitchFamily="18" charset="0"/>
+                  <a:cs typeface="Times New Roman" pitchFamily="18" charset="0"/>
+                </a:rPr>
+                <a:t>空芯光纤</a:t>
+              </a:r>
+              <a:r>
+                <a:rPr kumimoji="0" lang="en-US" altLang="zh-CN" sz="2000" b="0" i="0" u="none" strike="noStrike" cap="none" normalizeH="0" baseline="0" dirty="0" smtClean="0">
+                  <a:ln>
+                    <a:noFill/>
+                  </a:ln>
+                  <a:solidFill>
+                    <a:srgbClr val="000000"/>
+                  </a:solidFill>
+                  <a:effectLst/>
+                  <a:latin typeface="Times New Roman" pitchFamily="18" charset="0"/>
+                  <a:cs typeface="Times New Roman" pitchFamily="18" charset="0"/>
+                </a:rPr>
+                <a:t>: Ag/</a:t>
+              </a:r>
+              <a:r>
+                <a:rPr kumimoji="0" lang="en-US" altLang="zh-CN" sz="2000" b="0" i="0" u="none" strike="noStrike" cap="none" normalizeH="0" baseline="0" dirty="0" err="1" smtClean="0">
+                  <a:ln>
+                    <a:noFill/>
+                  </a:ln>
+                  <a:solidFill>
+                    <a:srgbClr val="000000"/>
+                  </a:solidFill>
+                  <a:effectLst/>
+                  <a:latin typeface="Times New Roman" pitchFamily="18" charset="0"/>
+                  <a:cs typeface="Times New Roman" pitchFamily="18" charset="0"/>
+                </a:rPr>
+                <a:t>AgI</a:t>
+              </a:r>
+              <a:endParaRPr kumimoji="0" lang="en-US" altLang="zh-CN" sz="2000" b="0" i="0" u="none" strike="noStrike" cap="none" normalizeH="0" baseline="0" dirty="0" smtClean="0">
+                <a:ln>
+                  <a:noFill/>
+                </a:ln>
+                <a:solidFill>
+                  <a:schemeClr val="tx1"/>
+                </a:solidFill>
+                <a:effectLst/>
+                <a:latin typeface="Times New Roman" pitchFamily="18" charset="0"/>
+                <a:cs typeface="Times New Roman" pitchFamily="18" charset="0"/>
+              </a:endParaRPr>
+            </a:p>
+            <a:p>
+              <a:pPr marL="0" marR="0" lvl="0" indent="0" algn="l" defTabSz="914400" rtl="0" eaLnBrk="0" fontAlgn="base" latinLnBrk="0" hangingPunct="0">
+                <a:lnSpc>
+                  <a:spcPct val="100000"/>
+                </a:lnSpc>
+                <a:spcBef>
+                  <a:spcPct val="0"/>
+                </a:spcBef>
+                <a:spcAft>
+                  <a:spcPct val="0"/>
+                </a:spcAft>
+                <a:buClrTx/>
+                <a:buSzTx/>
+                <a:buFontTx/>
+                <a:buNone/>
+                <a:tabLst/>
+              </a:pPr>
+              <a:endParaRPr kumimoji="0" lang="en-US" altLang="zh-CN" sz="1800" b="0" i="0" u="none" strike="noStrike" cap="none" normalizeH="0" baseline="0" dirty="0" smtClean="0">
+                <a:ln>
+                  <a:noFill/>
+                </a:ln>
+                <a:solidFill>
+                  <a:schemeClr val="tx1"/>
+                </a:solidFill>
+                <a:effectLst/>
+                <a:latin typeface="Arial" pitchFamily="34" charset="0"/>
+                <a:ea typeface="宋体" pitchFamily="2" charset="-122"/>
+                <a:cs typeface="宋体" pitchFamily="2" charset="-122"/>
+              </a:endParaRPr>
+            </a:p>
+          </p:txBody>
+        </p:sp>
+        <p:sp>
+          <p:nvSpPr>
+            <p:cNvPr id="30" name="computr3"/>
+            <p:cNvSpPr>
+              <a:spLocks noEditPoints="1" noChangeArrowheads="1"/>
+            </p:cNvSpPr>
+            <p:nvPr/>
+          </p:nvSpPr>
+          <p:spPr bwMode="auto">
+            <a:xfrm>
+              <a:off x="2888108" y="5586532"/>
+              <a:ext cx="903587" cy="629892"/>
+            </a:xfrm>
+            <a:custGeom>
+              <a:avLst/>
+              <a:gdLst>
+                <a:gd name="T0" fmla="*/ 0 w 21600"/>
+                <a:gd name="T1" fmla="*/ 10800 h 21600"/>
+                <a:gd name="T2" fmla="*/ 10800 w 21600"/>
+                <a:gd name="T3" fmla="*/ 0 h 21600"/>
+                <a:gd name="T4" fmla="*/ 10800 w 21600"/>
+                <a:gd name="T5" fmla="*/ 21600 h 21600"/>
+                <a:gd name="T6" fmla="*/ 18135 w 21600"/>
+                <a:gd name="T7" fmla="*/ 10800 h 21600"/>
+                <a:gd name="T8" fmla="*/ 7811 w 21600"/>
+                <a:gd name="T9" fmla="*/ 2584 h 21600"/>
+                <a:gd name="T10" fmla="*/ 16359 w 21600"/>
+                <a:gd name="T11" fmla="*/ 11764 h 21600"/>
+              </a:gdLst>
+              <a:ahLst/>
+              <a:cxnLst>
+                <a:cxn ang="0">
+                  <a:pos x="T0" y="T1"/>
+                </a:cxn>
+                <a:cxn ang="0">
+                  <a:pos x="T2" y="T3"/>
+                </a:cxn>
+                <a:cxn ang="0">
+                  <a:pos x="T4" y="T5"/>
+                </a:cxn>
+                <a:cxn ang="0">
+                  <a:pos x="T6" y="T7"/>
+                </a:cxn>
+              </a:cxnLst>
+              <a:rect l="T8" t="T9" r="T10" b="T11"/>
+              <a:pathLst>
+                <a:path w="21600" h="21600" extrusionOk="0">
+                  <a:moveTo>
+                    <a:pt x="18250" y="17743"/>
+                  </a:moveTo>
+                  <a:lnTo>
+                    <a:pt x="17557" y="16971"/>
+                  </a:lnTo>
+                  <a:lnTo>
+                    <a:pt x="5429" y="16971"/>
+                  </a:lnTo>
+                  <a:lnTo>
+                    <a:pt x="4736" y="17743"/>
+                  </a:lnTo>
+                  <a:lnTo>
+                    <a:pt x="18250" y="17743"/>
+                  </a:lnTo>
+                  <a:close/>
+                </a:path>
+                <a:path w="21600" h="21600" extrusionOk="0">
+                  <a:moveTo>
+                    <a:pt x="18250" y="17743"/>
+                  </a:moveTo>
+                  <a:moveTo>
+                    <a:pt x="19405" y="19131"/>
+                  </a:moveTo>
+                  <a:lnTo>
+                    <a:pt x="18712" y="18360"/>
+                  </a:lnTo>
+                  <a:lnTo>
+                    <a:pt x="4274" y="18360"/>
+                  </a:lnTo>
+                  <a:lnTo>
+                    <a:pt x="3581" y="19131"/>
+                  </a:lnTo>
+                  <a:lnTo>
+                    <a:pt x="19405" y="19131"/>
+                  </a:lnTo>
+                  <a:close/>
+                </a:path>
+                <a:path w="21600" h="21600" extrusionOk="0">
+                  <a:moveTo>
+                    <a:pt x="19405" y="19131"/>
+                  </a:moveTo>
+                  <a:moveTo>
+                    <a:pt x="20560" y="20520"/>
+                  </a:moveTo>
+                  <a:lnTo>
+                    <a:pt x="19867" y="19749"/>
+                  </a:lnTo>
+                  <a:lnTo>
+                    <a:pt x="3119" y="19749"/>
+                  </a:lnTo>
+                  <a:lnTo>
+                    <a:pt x="2426" y="20520"/>
+                  </a:lnTo>
+                  <a:lnTo>
+                    <a:pt x="20560" y="20520"/>
+                  </a:lnTo>
+                  <a:close/>
+                </a:path>
+                <a:path w="21600" h="21600" extrusionOk="0">
+                  <a:moveTo>
+                    <a:pt x="20560" y="20520"/>
+                  </a:moveTo>
+                  <a:moveTo>
+                    <a:pt x="4620" y="16971"/>
+                  </a:moveTo>
+                  <a:lnTo>
+                    <a:pt x="5313" y="16200"/>
+                  </a:lnTo>
+                  <a:lnTo>
+                    <a:pt x="7624" y="16200"/>
+                  </a:lnTo>
+                  <a:lnTo>
+                    <a:pt x="7624" y="14194"/>
+                  </a:lnTo>
+                  <a:lnTo>
+                    <a:pt x="5891" y="14194"/>
+                  </a:lnTo>
+                  <a:lnTo>
+                    <a:pt x="5891" y="0"/>
+                  </a:lnTo>
+                  <a:lnTo>
+                    <a:pt x="12013" y="0"/>
+                  </a:lnTo>
+                  <a:lnTo>
+                    <a:pt x="18135" y="0"/>
+                  </a:lnTo>
+                  <a:lnTo>
+                    <a:pt x="18135" y="10800"/>
+                  </a:lnTo>
+                  <a:lnTo>
+                    <a:pt x="18135" y="14194"/>
+                  </a:lnTo>
+                  <a:lnTo>
+                    <a:pt x="16402" y="14194"/>
+                  </a:lnTo>
+                  <a:lnTo>
+                    <a:pt x="16402" y="16200"/>
+                  </a:lnTo>
+                  <a:lnTo>
+                    <a:pt x="17788" y="16200"/>
+                  </a:lnTo>
+                  <a:lnTo>
+                    <a:pt x="19059" y="17743"/>
+                  </a:lnTo>
+                  <a:lnTo>
+                    <a:pt x="21022" y="19903"/>
+                  </a:lnTo>
+                  <a:lnTo>
+                    <a:pt x="21253" y="20057"/>
+                  </a:lnTo>
+                  <a:lnTo>
+                    <a:pt x="21369" y="20366"/>
+                  </a:lnTo>
+                  <a:lnTo>
+                    <a:pt x="21600" y="20674"/>
+                  </a:lnTo>
+                  <a:lnTo>
+                    <a:pt x="21600" y="20829"/>
+                  </a:lnTo>
+                  <a:lnTo>
+                    <a:pt x="21600" y="20983"/>
+                  </a:lnTo>
+                  <a:lnTo>
+                    <a:pt x="21600" y="21137"/>
+                  </a:lnTo>
+                  <a:lnTo>
+                    <a:pt x="21600" y="21291"/>
+                  </a:lnTo>
+                  <a:lnTo>
+                    <a:pt x="21484" y="21446"/>
+                  </a:lnTo>
+                  <a:lnTo>
+                    <a:pt x="21369" y="21446"/>
+                  </a:lnTo>
+                  <a:lnTo>
+                    <a:pt x="21138" y="21600"/>
+                  </a:lnTo>
+                  <a:lnTo>
+                    <a:pt x="21022" y="21600"/>
+                  </a:lnTo>
+                  <a:lnTo>
+                    <a:pt x="10973" y="21600"/>
+                  </a:lnTo>
+                  <a:lnTo>
+                    <a:pt x="2079" y="21600"/>
+                  </a:lnTo>
+                  <a:lnTo>
+                    <a:pt x="1848" y="21600"/>
+                  </a:lnTo>
+                  <a:lnTo>
+                    <a:pt x="1733" y="21446"/>
+                  </a:lnTo>
+                  <a:lnTo>
+                    <a:pt x="1617" y="21446"/>
+                  </a:lnTo>
+                  <a:lnTo>
+                    <a:pt x="1502" y="21291"/>
+                  </a:lnTo>
+                  <a:lnTo>
+                    <a:pt x="1386" y="21291"/>
+                  </a:lnTo>
+                  <a:lnTo>
+                    <a:pt x="1386" y="21137"/>
+                  </a:lnTo>
+                  <a:lnTo>
+                    <a:pt x="1386" y="20983"/>
+                  </a:lnTo>
+                  <a:lnTo>
+                    <a:pt x="1386" y="20829"/>
+                  </a:lnTo>
+                  <a:lnTo>
+                    <a:pt x="1502" y="20674"/>
+                  </a:lnTo>
+                  <a:lnTo>
+                    <a:pt x="1617" y="20366"/>
+                  </a:lnTo>
+                  <a:lnTo>
+                    <a:pt x="1733" y="20057"/>
+                  </a:lnTo>
+                  <a:lnTo>
+                    <a:pt x="1964" y="19903"/>
+                  </a:lnTo>
+                  <a:lnTo>
+                    <a:pt x="0" y="19903"/>
+                  </a:lnTo>
+                  <a:lnTo>
+                    <a:pt x="0" y="10800"/>
+                  </a:lnTo>
+                  <a:lnTo>
+                    <a:pt x="0" y="2777"/>
+                  </a:lnTo>
+                  <a:lnTo>
+                    <a:pt x="4620" y="2777"/>
+                  </a:lnTo>
+                  <a:lnTo>
+                    <a:pt x="4620" y="16971"/>
+                  </a:lnTo>
+                  <a:moveTo>
+                    <a:pt x="4620" y="16971"/>
+                  </a:moveTo>
+                  <a:moveTo>
+                    <a:pt x="4620" y="16971"/>
+                  </a:moveTo>
+                  <a:lnTo>
+                    <a:pt x="4158" y="17434"/>
+                  </a:lnTo>
+                  <a:lnTo>
+                    <a:pt x="2541" y="19286"/>
+                  </a:lnTo>
+                  <a:lnTo>
+                    <a:pt x="1964" y="19903"/>
+                  </a:lnTo>
+                  <a:lnTo>
+                    <a:pt x="4620" y="16971"/>
+                  </a:lnTo>
+                  <a:close/>
+                </a:path>
+                <a:path w="21600" h="21600" extrusionOk="0">
+                  <a:moveTo>
+                    <a:pt x="7624" y="2314"/>
+                  </a:moveTo>
+                  <a:moveTo>
+                    <a:pt x="16402" y="2314"/>
+                  </a:moveTo>
+                  <a:lnTo>
+                    <a:pt x="16402" y="11880"/>
+                  </a:lnTo>
+                  <a:lnTo>
+                    <a:pt x="7624" y="11880"/>
+                  </a:lnTo>
+                  <a:lnTo>
+                    <a:pt x="7624" y="2314"/>
+                  </a:lnTo>
+                  <a:close/>
+                </a:path>
+                <a:path w="21600" h="21600" extrusionOk="0">
+                  <a:moveTo>
+                    <a:pt x="578" y="4011"/>
+                  </a:moveTo>
+                  <a:moveTo>
+                    <a:pt x="4043" y="4011"/>
+                  </a:moveTo>
+                  <a:lnTo>
+                    <a:pt x="4043" y="4320"/>
+                  </a:lnTo>
+                  <a:lnTo>
+                    <a:pt x="578" y="4320"/>
+                  </a:lnTo>
+                  <a:lnTo>
+                    <a:pt x="578" y="4011"/>
+                  </a:lnTo>
+                  <a:close/>
+                  <a:moveTo>
+                    <a:pt x="7624" y="14194"/>
+                  </a:moveTo>
+                  <a:lnTo>
+                    <a:pt x="16402" y="14194"/>
+                  </a:lnTo>
+                  <a:lnTo>
+                    <a:pt x="16402" y="16200"/>
+                  </a:lnTo>
+                  <a:lnTo>
+                    <a:pt x="7624" y="16200"/>
+                  </a:lnTo>
+                </a:path>
+              </a:pathLst>
+            </a:custGeom>
+            <a:solidFill>
+              <a:srgbClr val="FFFFFF"/>
+            </a:solidFill>
+            <a:ln w="9525">
+              <a:solidFill>
+                <a:srgbClr val="000000"/>
+              </a:solidFill>
+              <a:miter lim="800000"/>
+              <a:headEnd/>
+              <a:tailEnd/>
+            </a:ln>
+          </p:spPr>
+          <p:txBody>
+            <a:bodyPr vert="horz" wrap="square" lIns="91440" tIns="45720" rIns="91440" bIns="45720" numCol="1" anchor="t" anchorCtr="0" compatLnSpc="1">
+              <a:prstTxWarp prst="textNoShape">
+                <a:avLst/>
+              </a:prstTxWarp>
+            </a:bodyPr>
+            <a:lstStyle/>
+            <a:p>
+              <a:endParaRPr lang="zh-CN" altLang="en-US"/>
+            </a:p>
+          </p:txBody>
+        </p:sp>
+        <p:sp>
+          <p:nvSpPr>
+            <p:cNvPr id="31" name="AutoShape 66"/>
+            <p:cNvSpPr>
+              <a:spLocks noChangeShapeType="1"/>
+            </p:cNvSpPr>
+            <p:nvPr/>
+          </p:nvSpPr>
+          <p:spPr bwMode="auto">
+            <a:xfrm>
+              <a:off x="2526232" y="5900927"/>
+              <a:ext cx="361876" cy="1103"/>
+            </a:xfrm>
+            <a:prstGeom prst="straightConnector1">
+              <a:avLst/>
+            </a:prstGeom>
+            <a:noFill/>
+            <a:ln w="12700">
+              <a:solidFill>
+                <a:srgbClr val="000000"/>
+              </a:solidFill>
+              <a:round/>
+              <a:headEnd/>
+              <a:tailEnd/>
+            </a:ln>
+          </p:spPr>
+          <p:txBody>
+            <a:bodyPr vert="horz" wrap="square" lIns="91440" tIns="45720" rIns="91440" bIns="45720" numCol="1" anchor="t" anchorCtr="0" compatLnSpc="1">
+              <a:prstTxWarp prst="textNoShape">
+                <a:avLst/>
+              </a:prstTxWarp>
+            </a:bodyPr>
+            <a:lstStyle/>
+            <a:p>
+              <a:endParaRPr lang="zh-CN" altLang="en-US"/>
+            </a:p>
+          </p:txBody>
+        </p:sp>
+        <p:sp>
+          <p:nvSpPr>
+            <p:cNvPr id="32" name="矩形 193"/>
+            <p:cNvSpPr>
+              <a:spLocks noChangeArrowheads="1"/>
+            </p:cNvSpPr>
+            <p:nvPr/>
+          </p:nvSpPr>
+          <p:spPr bwMode="auto">
+            <a:xfrm>
+              <a:off x="3098022" y="2490046"/>
+              <a:ext cx="4320000" cy="78323"/>
+            </a:xfrm>
+            <a:prstGeom prst="rect">
+              <a:avLst/>
+            </a:prstGeom>
+            <a:solidFill>
+              <a:schemeClr val="tx1">
+                <a:lumMod val="65000"/>
+                <a:lumOff val="35000"/>
+              </a:schemeClr>
+            </a:solidFill>
+            <a:ln>
+              <a:noFill/>
+              <a:headEnd/>
+              <a:tailEnd/>
+            </a:ln>
+          </p:spPr>
+          <p:style>
+            <a:lnRef idx="2">
+              <a:schemeClr val="accent6"/>
+            </a:lnRef>
+            <a:fillRef idx="1">
+              <a:schemeClr val="lt1"/>
+            </a:fillRef>
+            <a:effectRef idx="0">
+              <a:schemeClr val="accent6"/>
+            </a:effectRef>
+            <a:fontRef idx="minor">
+              <a:schemeClr val="dk1"/>
+            </a:fontRef>
+          </p:style>
+          <p:txBody>
+            <a:bodyPr vert="horz" wrap="square" lIns="91440" tIns="45720" rIns="91440" bIns="45720" numCol="1" anchor="ctr" anchorCtr="0" compatLnSpc="1">
+              <a:prstTxWarp prst="textNoShape">
+                <a:avLst/>
+              </a:prstTxWarp>
+            </a:bodyPr>
+            <a:lstStyle/>
+            <a:p>
+              <a:endParaRPr lang="zh-CN" altLang="en-US"/>
+            </a:p>
+          </p:txBody>
+        </p:sp>
+        <p:sp>
+          <p:nvSpPr>
+            <p:cNvPr id="33" name="空心弧 57"/>
+            <p:cNvSpPr/>
+            <p:nvPr/>
+          </p:nvSpPr>
+          <p:spPr>
+            <a:xfrm rot="5400000">
+              <a:off x="6282143" y="2454327"/>
+              <a:ext cx="2214578" cy="2286016"/>
+            </a:xfrm>
+            <a:prstGeom prst="blockArc">
+              <a:avLst>
+                <a:gd name="adj1" fmla="val 10493754"/>
+                <a:gd name="adj2" fmla="val 21373044"/>
+                <a:gd name="adj3" fmla="val 3360"/>
+              </a:avLst>
+            </a:prstGeom>
+            <a:solidFill>
+              <a:schemeClr val="tx1">
+                <a:lumMod val="65000"/>
+                <a:lumOff val="35000"/>
+              </a:schemeClr>
+            </a:solidFill>
+            <a:ln>
+              <a:noFill/>
+            </a:ln>
+          </p:spPr>
+          <p:style>
+            <a:lnRef idx="2">
+              <a:schemeClr val="accent6"/>
+            </a:lnRef>
+            <a:fillRef idx="1">
+              <a:schemeClr val="lt1"/>
+            </a:fillRef>
+            <a:effectRef idx="0">
+              <a:schemeClr val="accent6"/>
+            </a:effectRef>
+            <a:fontRef idx="minor">
+              <a:schemeClr val="dk1"/>
+            </a:fontRef>
+          </p:style>
+          <p:txBody>
+            <a:bodyPr rtlCol="0" anchor="ctr"/>
+            <a:lstStyle/>
+            <a:p>
+              <a:pPr algn="ctr"/>
+              <a:endParaRPr lang="zh-CN" altLang="en-US">
+                <a:solidFill>
+                  <a:schemeClr val="tx1"/>
+                </a:solidFill>
+              </a:endParaRPr>
+            </a:p>
+          </p:txBody>
+        </p:sp>
+        <p:cxnSp>
+          <p:nvCxnSpPr>
+            <p:cNvPr id="34" name="形状 59"/>
+            <p:cNvCxnSpPr>
+              <a:stCxn id="7" idx="1"/>
+              <a:endCxn id="41" idx="6"/>
+            </p:cNvCxnSpPr>
+            <p:nvPr/>
+          </p:nvCxnSpPr>
+          <p:spPr>
+            <a:xfrm rot="10800000" flipH="1">
+              <a:off x="1226567" y="2487514"/>
+              <a:ext cx="442696" cy="3197750"/>
+            </a:xfrm>
+            <a:prstGeom prst="bentConnector3">
+              <a:avLst>
+                <a:gd name="adj1" fmla="val -229925"/>
+              </a:avLst>
+            </a:prstGeom>
+          </p:spPr>
+          <p:style>
+            <a:lnRef idx="1">
+              <a:schemeClr val="dk1"/>
+            </a:lnRef>
+            <a:fillRef idx="0">
+              <a:schemeClr val="dk1"/>
+            </a:fillRef>
+            <a:effectRef idx="0">
+              <a:schemeClr val="dk1"/>
+            </a:effectRef>
+            <a:fontRef idx="minor">
+              <a:schemeClr val="tx1"/>
+            </a:fontRef>
+          </p:style>
+        </p:cxnSp>
+        <p:sp>
+          <p:nvSpPr>
+            <p:cNvPr id="35" name="AutoShape 158"/>
+            <p:cNvSpPr>
+              <a:spLocks noChangeShapeType="1"/>
+            </p:cNvSpPr>
+            <p:nvPr/>
+          </p:nvSpPr>
+          <p:spPr bwMode="auto">
+            <a:xfrm rot="10800000" flipH="1">
+              <a:off x="838448" y="3429000"/>
+              <a:ext cx="565200" cy="1103"/>
+            </a:xfrm>
+            <a:prstGeom prst="bentConnector3">
+              <a:avLst>
+                <a:gd name="adj1" fmla="val 50000"/>
+              </a:avLst>
+            </a:prstGeom>
+            <a:noFill/>
+            <a:ln w="12700">
+              <a:solidFill>
+                <a:srgbClr val="1E1C11"/>
+              </a:solidFill>
+              <a:miter lim="800000"/>
+              <a:headEnd/>
+              <a:tailEnd type="triangle" w="med" len="med"/>
+            </a:ln>
+          </p:spPr>
+          <p:txBody>
+            <a:bodyPr vert="horz" wrap="square" lIns="91440" tIns="45720" rIns="91440" bIns="45720" numCol="1" anchor="t" anchorCtr="0" compatLnSpc="1">
+              <a:prstTxWarp prst="textNoShape">
+                <a:avLst/>
+              </a:prstTxWarp>
+            </a:bodyPr>
+            <a:lstStyle/>
+            <a:p>
+              <a:endParaRPr lang="zh-CN" altLang="en-US"/>
+            </a:p>
+          </p:txBody>
+        </p:sp>
+      </p:grpSp>
+    </p:spTree>
+    <p:extLst>
+      <p:ext uri="{BB962C8B-B14F-4D97-AF65-F5344CB8AC3E}">
+        <p14:creationId xmlns:p14="http://schemas.microsoft.com/office/powerpoint/2010/main" val="271729424"/>
+      </p:ext>
+    </p:extLst>
+  </p:cSld>
+  <p:clrMapOvr>
+    <a:masterClrMapping/>
+  </p:clrMapOvr>
+  <p:timing>
+    <p:tnLst>
+      <p:par>
+        <p:cTn id="1" dur="indefinite" restart="never" nodeType="tmRoot"/>
+      </p:par>
+    </p:tnLst>
+  </p:timing>
+</p:sld>
+</file>
+
+<file path=ppt/slides/slide5.xml><?xml version="1.0" encoding="utf-8"?>
+<p:sld xmlns:a="http://schemas.openxmlformats.org/drawingml/2006/main" xmlns:r="http://schemas.openxmlformats.org/officeDocument/2006/relationships" xmlns:p="http://schemas.openxmlformats.org/presentationml/2006/main">
+  <p:cSld>
+    <p:spTree>
+      <p:nvGrpSpPr>
+        <p:cNvPr id="1" name=""/>
+        <p:cNvGrpSpPr/>
+        <p:nvPr/>
+      </p:nvGrpSpPr>
+      <p:grpSpPr>
+        <a:xfrm>
+          <a:off x="0" y="0"/>
+          <a:ext cx="0" cy="0"/>
+          <a:chOff x="0" y="0"/>
+          <a:chExt cx="0" cy="0"/>
+        </a:xfrm>
+      </p:grpSpPr>
+      <p:sp>
+        <p:nvSpPr>
+          <p:cNvPr id="2" name="标题 1"/>
+          <p:cNvSpPr>
+            <a:spLocks noGrp="1"/>
+          </p:cNvSpPr>
+          <p:nvPr>
+            <p:ph type="title"/>
+          </p:nvPr>
+        </p:nvSpPr>
+        <p:spPr/>
+        <p:txBody>
+          <a:bodyPr/>
+          <a:lstStyle/>
+          <a:p>
+            <a:endParaRPr lang="zh-CN" altLang="en-US"/>
+          </a:p>
+        </p:txBody>
+      </p:sp>
+      <p:sp>
+        <p:nvSpPr>
+          <p:cNvPr id="3" name="内容占位符 2"/>
+          <p:cNvSpPr>
+            <a:spLocks noGrp="1"/>
+          </p:cNvSpPr>
+          <p:nvPr>
+            <p:ph idx="1"/>
+          </p:nvPr>
+        </p:nvSpPr>
+        <p:spPr/>
+        <p:txBody>
+          <a:bodyPr/>
+          <a:lstStyle/>
+          <a:p>
+            <a:endParaRPr lang="zh-CN" altLang="en-US"/>
+          </a:p>
+        </p:txBody>
+      </p:sp>
+      <p:pic>
+        <p:nvPicPr>
+          <p:cNvPr id="4" name="图片 3" descr="C:\Users\Alwee\Desktop\系统2.emf"/>
+          <p:cNvPicPr>
+            <a:picLocks noChangeAspect="1"/>
+          </p:cNvPicPr>
+          <p:nvPr/>
+        </p:nvPicPr>
+        <p:blipFill>
+          <a:blip r:embed="rId2"/>
+          <a:srcRect/>
+          <a:stretch>
+            <a:fillRect/>
+          </a:stretch>
+        </p:blipFill>
+        <p:spPr bwMode="auto">
+          <a:xfrm>
+            <a:off x="5072066" y="1785926"/>
+            <a:ext cx="4140000" cy="2403305"/>
+          </a:xfrm>
+          <a:prstGeom prst="rect">
+            <a:avLst/>
+          </a:prstGeom>
+          <a:noFill/>
+          <a:ln w="9525">
+            <a:noFill/>
+            <a:miter lim="800000"/>
+            <a:headEnd/>
+            <a:tailEnd/>
+          </a:ln>
+        </p:spPr>
+      </p:pic>
+      <p:pic>
+        <p:nvPicPr>
+          <p:cNvPr id="5" name="图片 4" descr="C:\Users\Alwee\Desktop\耦合接口比较图.emf"/>
+          <p:cNvPicPr>
+            <a:picLocks noChangeAspect="1"/>
+          </p:cNvPicPr>
+          <p:nvPr/>
+        </p:nvPicPr>
+        <p:blipFill>
+          <a:blip r:embed="rId3"/>
+          <a:srcRect/>
+          <a:stretch>
+            <a:fillRect/>
+          </a:stretch>
+        </p:blipFill>
+        <p:spPr bwMode="auto">
+          <a:xfrm>
+            <a:off x="214282" y="1800000"/>
+            <a:ext cx="5400000" cy="4139608"/>
+          </a:xfrm>
+          <a:prstGeom prst="rect">
+            <a:avLst/>
+          </a:prstGeom>
+          <a:noFill/>
+          <a:ln w="9525">
+            <a:noFill/>
+            <a:miter lim="800000"/>
+            <a:headEnd/>
+            <a:tailEnd/>
+          </a:ln>
+        </p:spPr>
+      </p:pic>
+    </p:spTree>
+    <p:extLst>
+      <p:ext uri="{BB962C8B-B14F-4D97-AF65-F5344CB8AC3E}">
+        <p14:creationId xmlns:p14="http://schemas.microsoft.com/office/powerpoint/2010/main" val="675962639"/>
+      </p:ext>
+    </p:extLst>
+  </p:cSld>
+  <p:clrMapOvr>
+    <a:masterClrMapping/>
+  </p:clrMapOvr>
+</p:sld>
+</file>
+
+<file path=ppt/slides/slide6.xml><?xml version="1.0" encoding="utf-8"?>
+<p:sld xmlns:a="http://schemas.openxmlformats.org/drawingml/2006/main" xmlns:r="http://schemas.openxmlformats.org/officeDocument/2006/relationships" xmlns:p="http://schemas.openxmlformats.org/presentationml/2006/main">
+  <p:cSld>
+    <p:spTree>
+      <p:nvGrpSpPr>
+        <p:cNvPr id="1" name=""/>
+        <p:cNvGrpSpPr/>
+        <p:nvPr/>
+      </p:nvGrpSpPr>
+      <p:grpSpPr>
+        <a:xfrm>
+          <a:off x="0" y="0"/>
+          <a:ext cx="0" cy="0"/>
+          <a:chOff x="0" y="0"/>
+          <a:chExt cx="0" cy="0"/>
+        </a:xfrm>
+      </p:grpSpPr>
+      <p:sp>
+        <p:nvSpPr>
+          <p:cNvPr id="2" name="标题 1"/>
+          <p:cNvSpPr>
+            <a:spLocks noGrp="1"/>
+          </p:cNvSpPr>
+          <p:nvPr>
+            <p:ph type="title"/>
+          </p:nvPr>
+        </p:nvSpPr>
+        <p:spPr/>
+        <p:txBody>
+          <a:bodyPr/>
+          <a:lstStyle/>
+          <a:p>
+            <a:endParaRPr lang="zh-CN" altLang="en-US"/>
+          </a:p>
+        </p:txBody>
+      </p:sp>
+      <p:sp>
+        <p:nvSpPr>
+          <p:cNvPr id="3" name="内容占位符 2"/>
+          <p:cNvSpPr>
+            <a:spLocks noGrp="1"/>
+          </p:cNvSpPr>
+          <p:nvPr>
+            <p:ph idx="1"/>
+          </p:nvPr>
+        </p:nvSpPr>
+        <p:spPr/>
+        <p:txBody>
+          <a:bodyPr/>
+          <a:lstStyle/>
+          <a:p>
+            <a:endParaRPr lang="zh-CN" altLang="en-US"/>
+          </a:p>
+        </p:txBody>
+      </p:sp>
+      <p:pic>
+        <p:nvPicPr>
+          <p:cNvPr id="4" name="图片 3"/>
+          <p:cNvPicPr>
+            <a:picLocks noChangeAspect="1"/>
+          </p:cNvPicPr>
+          <p:nvPr/>
+        </p:nvPicPr>
+        <p:blipFill>
+          <a:blip r:embed="rId2" cstate="print"/>
+          <a:stretch>
+            <a:fillRect/>
+          </a:stretch>
+        </p:blipFill>
+        <p:spPr bwMode="auto">
+          <a:xfrm>
+            <a:off x="1357290" y="1785926"/>
+            <a:ext cx="6120000" cy="4148315"/>
+          </a:xfrm>
+          <a:prstGeom prst="rect">
+            <a:avLst/>
+          </a:prstGeom>
+          <a:noFill/>
+          <a:ln>
+            <a:noFill/>
+          </a:ln>
+        </p:spPr>
+      </p:pic>
+    </p:spTree>
+    <p:extLst>
+      <p:ext uri="{BB962C8B-B14F-4D97-AF65-F5344CB8AC3E}">
+        <p14:creationId xmlns:p14="http://schemas.microsoft.com/office/powerpoint/2010/main" val="2024612215"/>
+      </p:ext>
+    </p:extLst>
+  </p:cSld>
+  <p:clrMapOvr>
+    <a:masterClrMapping/>
+  </p:clrMapOvr>
+  <p:timing>
+    <p:tnLst>
+      <p:par>
+        <p:cTn id="1" dur="indefinite" restart="never" nodeType="tmRoot">
+          <p:childTnLst>
+            <p:seq concurrent="1" nextAc="seek">
+              <p:cTn id="2" dur="indefinite" nodeType="mainSeq">
+                <p:childTnLst>
+                  <p:par>
+                    <p:cTn id="3" fill="hold">
+                      <p:stCondLst>
+                        <p:cond delay="indefinite"/>
+                      </p:stCondLst>
+                      <p:childTnLst>
+                        <p:par>
+                          <p:cTn id="4" fill="hold">
+                            <p:stCondLst>
+                              <p:cond delay="0"/>
+                            </p:stCondLst>
+                            <p:childTnLst>
+                              <p:par>
+                                <p:cTn id="5" presetID="10" presetClass="entr" presetSubtype="0" fill="hold" nodeType="clickEffect">
+                                  <p:stCondLst>
+                                    <p:cond delay="0"/>
+                                  </p:stCondLst>
+                                  <p:childTnLst>
+                                    <p:set>
+                                      <p:cBhvr>
+                                        <p:cTn id="6" dur="1" fill="hold">
+                                          <p:stCondLst>
+                                            <p:cond delay="0"/>
+                                          </p:stCondLst>
+                                        </p:cTn>
+                                        <p:tgtEl>
+                                          <p:spTgt spid="4"/>
+                                        </p:tgtEl>
+                                        <p:attrNameLst>
+                                          <p:attrName>style.visibility</p:attrName>
+                                        </p:attrNameLst>
+                                      </p:cBhvr>
+                                      <p:to>
+                                        <p:strVal val="visible"/>
+                                      </p:to>
+                                    </p:set>
+                                    <p:animEffect transition="in" filter="fade">
+                                      <p:cBhvr>
+                                        <p:cTn id="7" dur="500"/>
+                                        <p:tgtEl>
+                                          <p:spTgt spid="4"/>
+                                        </p:tgtEl>
+                                      </p:cBhvr>
+                                    </p:animEffect>
+                                  </p:childTnLst>
+                                </p:cTn>
+                              </p:par>
+                            </p:childTnLst>
+                          </p:cTn>
+                        </p:par>
+                      </p:childTnLst>
+                    </p:cTn>
+                  </p:par>
+                </p:childTnLst>
+              </p:cTn>
+              <p:prevCondLst>
+                <p:cond evt="onPrev" delay="0">
+                  <p:tgtEl>
+                    <p:sldTgt/>
+                  </p:tgtEl>
+                </p:cond>
+              </p:prevCondLst>
+              <p:nextCondLst>
+                <p:cond evt="onNext" delay="0">
+                  <p:tgtEl>
+                    <p:sldTgt/>
+                  </p:tgtEl>
+                </p:cond>
+              </p:nextCondLst>
+            </p:seq>
+          </p:childTnLst>
+        </p:cTn>
+      </p:par>
+    </p:tnLst>
+  </p:timing>
+</p:sld>
+</file>
+
+<file path=ppt/slides/slide7.xml><?xml version="1.0" encoding="utf-8"?>
+<p:sld xmlns:a="http://schemas.openxmlformats.org/drawingml/2006/main" xmlns:r="http://schemas.openxmlformats.org/officeDocument/2006/relationships" xmlns:p="http://schemas.openxmlformats.org/presentationml/2006/main">
+  <p:cSld>
+    <p:spTree>
+      <p:nvGrpSpPr>
+        <p:cNvPr id="1" name=""/>
+        <p:cNvGrpSpPr/>
+        <p:nvPr/>
+      </p:nvGrpSpPr>
+      <p:grpSpPr>
+        <a:xfrm>
+          <a:off x="0" y="0"/>
+          <a:ext cx="0" cy="0"/>
+          <a:chOff x="0" y="0"/>
+          <a:chExt cx="0" cy="0"/>
+        </a:xfrm>
+      </p:grpSpPr>
+      <p:grpSp>
+        <p:nvGrpSpPr>
+          <p:cNvPr id="6" name="组合 5"/>
+          <p:cNvGrpSpPr/>
+          <p:nvPr/>
+        </p:nvGrpSpPr>
+        <p:grpSpPr>
+          <a:xfrm>
+            <a:off x="490830" y="3431036"/>
+            <a:ext cx="4680000" cy="3600000"/>
+            <a:chOff x="5673313" y="1391123"/>
+            <a:chExt cx="4744371" cy="3600000"/>
+          </a:xfrm>
+        </p:grpSpPr>
+        <p:pic>
+          <p:nvPicPr>
+            <p:cNvPr id="5" name="图片 4"/>
+            <p:cNvPicPr>
+              <a:picLocks noChangeAspect="1"/>
+            </p:cNvPicPr>
+            <p:nvPr/>
+          </p:nvPicPr>
+          <p:blipFill>
+            <a:blip r:embed="rId2"/>
+            <a:stretch>
+              <a:fillRect/>
+            </a:stretch>
+          </p:blipFill>
+          <p:spPr>
+            <a:xfrm>
+              <a:off x="5673313" y="1391123"/>
+              <a:ext cx="4744371" cy="3600000"/>
+            </a:xfrm>
+            <a:prstGeom prst="rect">
+              <a:avLst/>
+            </a:prstGeom>
+          </p:spPr>
+        </p:pic>
+        <p:pic>
+          <p:nvPicPr>
+            <p:cNvPr id="4" name="图片 3"/>
+            <p:cNvPicPr>
+              <a:picLocks noChangeAspect="1"/>
+            </p:cNvPicPr>
+            <p:nvPr/>
+          </p:nvPicPr>
+          <p:blipFill>
+            <a:blip r:embed="rId3"/>
+            <a:stretch>
+              <a:fillRect/>
+            </a:stretch>
+          </p:blipFill>
+          <p:spPr>
+            <a:xfrm>
+              <a:off x="6202496" y="1929578"/>
+              <a:ext cx="2160000" cy="1573117"/>
+            </a:xfrm>
+            <a:prstGeom prst="rect">
+              <a:avLst/>
+            </a:prstGeom>
+          </p:spPr>
+        </p:pic>
+      </p:grpSp>
+      <p:sp>
+        <p:nvSpPr>
+          <p:cNvPr id="7" name="竖排标题 6"/>
+          <p:cNvSpPr>
+            <a:spLocks noGrp="1"/>
+          </p:cNvSpPr>
+          <p:nvPr>
+            <p:ph type="title" orient="vert"/>
+          </p:nvPr>
+        </p:nvSpPr>
+        <p:spPr/>
+        <p:txBody>
+          <a:bodyPr vert="horz">
+            <a:normAutofit fontScale="90000"/>
+          </a:bodyPr>
+          <a:lstStyle/>
+          <a:p>
+            <a:r>
+              <a:rPr lang="zh-CN" altLang="en-US" dirty="0"/>
+              <a:t>文</a:t>
+            </a:r>
+            <a:r>
+              <a:rPr lang="zh-CN" altLang="en-US" dirty="0" smtClean="0"/>
+              <a:t>中采取</a:t>
+            </a:r>
+            <a:r>
+              <a:rPr lang="en-US" altLang="zh-CN" dirty="0" smtClean="0"/>
+              <a:t>3.15-3.5</a:t>
+            </a:r>
+            <a:r>
+              <a:rPr lang="zh-CN" altLang="en-US" dirty="0" smtClean="0"/>
+              <a:t>之间积分的方式计算；</a:t>
+            </a:r>
+            <a:r>
+              <a:rPr lang="en-US" altLang="zh-CN" dirty="0" smtClean="0"/>
+              <a:t/>
+            </a:r>
+            <a:br>
+              <a:rPr lang="en-US" altLang="zh-CN" dirty="0" smtClean="0"/>
+            </a:br>
+            <a:r>
+              <a:rPr lang="zh-CN" altLang="en-US" dirty="0" smtClean="0"/>
+              <a:t>在大浓度情况下更加精确。浓度小时，旁瓣不清晰，用峰值即可，简单便捷。</a:t>
+            </a:r>
+            <a:endParaRPr lang="zh-CN" altLang="en-US" dirty="0"/>
+          </a:p>
+        </p:txBody>
+      </p:sp>
+      <p:pic>
+        <p:nvPicPr>
+          <p:cNvPr id="8" name="Picture 2"/>
+          <p:cNvPicPr>
+            <a:picLocks noChangeAspect="1" noChangeArrowheads="1"/>
+          </p:cNvPicPr>
+          <p:nvPr/>
+        </p:nvPicPr>
+        <p:blipFill>
+          <a:blip r:embed="rId4" cstate="print">
+            <a:extLst>
+              <a:ext uri="{28A0092B-C50C-407E-A947-70E740481C1C}">
+                <a14:useLocalDpi xmlns:a14="http://schemas.microsoft.com/office/drawing/2010/main" val="0"/>
+              </a:ext>
+            </a:extLst>
+          </a:blip>
+          <a:srcRect/>
+          <a:stretch>
+            <a:fillRect/>
+          </a:stretch>
+        </p:blipFill>
+        <p:spPr bwMode="auto">
+          <a:xfrm>
+            <a:off x="678886" y="609746"/>
+            <a:ext cx="4395634" cy="3024000"/>
+          </a:xfrm>
+          <a:prstGeom prst="rect">
+            <a:avLst/>
+          </a:prstGeom>
+          <a:noFill/>
+          <a:ln>
+            <a:noFill/>
+          </a:ln>
+          <a:effectLst/>
+          <a:extLst>
+            <a:ext uri="{909E8E84-426E-40DD-AFC4-6F175D3DCCD1}">
+              <a14:hiddenFill xmlns:a14="http://schemas.microsoft.com/office/drawing/2010/main">
+                <a:solidFill>
+                  <a:schemeClr val="accent1"/>
+                </a:solidFill>
+              </a14:hiddenFill>
+            </a:ext>
+            <a:ext uri="{91240B29-F687-4F45-9708-019B960494DF}">
+              <a14:hiddenLine xmlns:a14="http://schemas.microsoft.com/office/drawing/2010/main" w="9525">
+                <a:solidFill>
+                  <a:schemeClr val="tx1"/>
+                </a:solidFill>
+                <a:miter lim="800000"/>
+                <a:headEnd/>
+                <a:tailEnd/>
+              </a14:hiddenLine>
+            </a:ext>
+            <a:ext uri="{AF507438-7753-43E0-B8FC-AC1667EBCBE1}">
+              <a14:hiddenEffects xmlns:a14="http://schemas.microsoft.com/office/drawing/2010/main">
+                <a:effectLst>
+                  <a:outerShdw dist="35921" dir="2700000" algn="ctr" rotWithShape="0">
+                    <a:schemeClr val="bg2"/>
+                  </a:outerShdw>
+                </a:effectLst>
+              </a14:hiddenEffects>
+            </a:ext>
+          </a:extLst>
+        </p:spPr>
+      </p:pic>
+      <p:grpSp>
+        <p:nvGrpSpPr>
+          <p:cNvPr id="14" name="组合 13"/>
+          <p:cNvGrpSpPr/>
+          <p:nvPr/>
+        </p:nvGrpSpPr>
+        <p:grpSpPr>
+          <a:xfrm>
+            <a:off x="4552780" y="3310625"/>
+            <a:ext cx="4680000" cy="3684422"/>
+            <a:chOff x="4552780" y="3310625"/>
+            <a:chExt cx="4680000" cy="3684422"/>
+          </a:xfrm>
+        </p:grpSpPr>
+        <p:pic>
+          <p:nvPicPr>
+            <p:cNvPr id="13" name="图片 12"/>
+            <p:cNvPicPr>
+              <a:picLocks noChangeAspect="1"/>
+            </p:cNvPicPr>
+            <p:nvPr/>
+          </p:nvPicPr>
+          <p:blipFill>
+            <a:blip r:embed="rId5"/>
+            <a:stretch>
+              <a:fillRect/>
+            </a:stretch>
+          </p:blipFill>
+          <p:spPr>
+            <a:xfrm>
+              <a:off x="4552780" y="3310625"/>
+              <a:ext cx="4680000" cy="3684422"/>
+            </a:xfrm>
+            <a:prstGeom prst="rect">
+              <a:avLst/>
+            </a:prstGeom>
+          </p:spPr>
+        </p:pic>
+        <p:pic>
+          <p:nvPicPr>
+            <p:cNvPr id="2" name="图片 1"/>
+            <p:cNvPicPr>
+              <a:picLocks noChangeAspect="1"/>
+            </p:cNvPicPr>
+            <p:nvPr/>
+          </p:nvPicPr>
+          <p:blipFill>
+            <a:blip r:embed="rId6"/>
+            <a:stretch>
+              <a:fillRect/>
+            </a:stretch>
+          </p:blipFill>
+          <p:spPr>
+            <a:xfrm>
+              <a:off x="5014584" y="3905797"/>
+              <a:ext cx="2160000" cy="1700503"/>
+            </a:xfrm>
+            <a:prstGeom prst="rect">
+              <a:avLst/>
+            </a:prstGeom>
+          </p:spPr>
+        </p:pic>
+      </p:grpSp>
+      <p:pic>
+        <p:nvPicPr>
+          <p:cNvPr id="11" name="图片 10"/>
+          <p:cNvPicPr>
+            <a:picLocks noChangeAspect="1"/>
+          </p:cNvPicPr>
+          <p:nvPr/>
+        </p:nvPicPr>
+        <p:blipFill>
+          <a:blip r:embed="rId7"/>
+          <a:stretch>
+            <a:fillRect/>
+          </a:stretch>
+        </p:blipFill>
+        <p:spPr>
+          <a:xfrm>
+            <a:off x="4607865" y="389687"/>
+            <a:ext cx="4680000" cy="3464118"/>
+          </a:xfrm>
+          <a:prstGeom prst="rect">
+            <a:avLst/>
+          </a:prstGeom>
+        </p:spPr>
+      </p:pic>
+    </p:spTree>
+    <p:extLst>
+      <p:ext uri="{BB962C8B-B14F-4D97-AF65-F5344CB8AC3E}">
+        <p14:creationId xmlns:p14="http://schemas.microsoft.com/office/powerpoint/2010/main" val="3765771225"/>
+      </p:ext>
+    </p:extLst>
+  </p:cSld>
+  <p:clrMapOvr>
+    <a:masterClrMapping/>
+  </p:clrMapOvr>
+</p:sld>
+</file>
+
+<file path=ppt/slides/slide8.xml><?xml version="1.0" encoding="utf-8"?>
+<p:sld xmlns:a="http://schemas.openxmlformats.org/drawingml/2006/main" xmlns:r="http://schemas.openxmlformats.org/officeDocument/2006/relationships" xmlns:p="http://schemas.openxmlformats.org/presentationml/2006/main">
+  <p:cSld>
+    <p:spTree>
+      <p:nvGrpSpPr>
+        <p:cNvPr id="1" name=""/>
+        <p:cNvGrpSpPr/>
+        <p:nvPr/>
+      </p:nvGrpSpPr>
+      <p:grpSpPr>
+        <a:xfrm>
+          <a:off x="0" y="0"/>
+          <a:ext cx="0" cy="0"/>
+          <a:chOff x="0" y="0"/>
+          <a:chExt cx="0" cy="0"/>
+        </a:xfrm>
+      </p:grpSpPr>
+      <p:sp>
+        <p:nvSpPr>
+          <p:cNvPr id="2" name="竖排标题 1"/>
+          <p:cNvSpPr>
+            <a:spLocks noGrp="1"/>
+          </p:cNvSpPr>
+          <p:nvPr>
+            <p:ph type="title" orient="vert"/>
+          </p:nvPr>
+        </p:nvSpPr>
+        <p:spPr/>
+        <p:txBody>
+          <a:bodyPr vert="horz"/>
+          <a:lstStyle/>
+          <a:p>
+            <a:r>
+              <a:rPr lang="zh-CN" altLang="en-US" dirty="0" smtClean="0"/>
+              <a:t>气体逃逸</a:t>
+            </a:r>
+            <a:r>
+              <a:rPr lang="en-US" altLang="zh-CN" dirty="0" smtClean="0"/>
+              <a:t>2h//</a:t>
+            </a:r>
+            <a:r>
+              <a:rPr lang="zh-CN" altLang="en-US" dirty="0" smtClean="0"/>
+              <a:t>气体充满</a:t>
+            </a:r>
+            <a:r>
+              <a:rPr lang="en-US" altLang="zh-CN" dirty="0" smtClean="0"/>
+              <a:t>0.5s//</a:t>
+            </a:r>
+            <a:endParaRPr lang="zh-CN" altLang="en-US" dirty="0"/>
+          </a:p>
+        </p:txBody>
+      </p:sp>
+      <p:pic>
+        <p:nvPicPr>
+          <p:cNvPr id="5" name="图片 4"/>
+          <p:cNvPicPr>
+            <a:picLocks noChangeAspect="1"/>
+          </p:cNvPicPr>
+          <p:nvPr/>
+        </p:nvPicPr>
+        <p:blipFill>
+          <a:blip r:embed="rId2"/>
+          <a:stretch>
+            <a:fillRect/>
+          </a:stretch>
+        </p:blipFill>
+        <p:spPr>
+          <a:xfrm>
+            <a:off x="474394" y="365126"/>
+            <a:ext cx="4896000" cy="3595499"/>
+          </a:xfrm>
+          <a:prstGeom prst="rect">
+            <a:avLst/>
+          </a:prstGeom>
+        </p:spPr>
+      </p:pic>
+      <p:pic>
+        <p:nvPicPr>
+          <p:cNvPr id="6" name="图片 5"/>
+          <p:cNvPicPr>
+            <a:picLocks noChangeAspect="1"/>
+          </p:cNvPicPr>
+          <p:nvPr/>
+        </p:nvPicPr>
+        <p:blipFill>
+          <a:blip r:embed="rId3"/>
+          <a:stretch>
+            <a:fillRect/>
+          </a:stretch>
+        </p:blipFill>
+        <p:spPr>
+          <a:xfrm>
+            <a:off x="474394" y="3271044"/>
+            <a:ext cx="4896000" cy="3542948"/>
+          </a:xfrm>
+          <a:prstGeom prst="rect">
+            <a:avLst/>
+          </a:prstGeom>
+        </p:spPr>
+      </p:pic>
+    </p:spTree>
+    <p:extLst>
+      <p:ext uri="{BB962C8B-B14F-4D97-AF65-F5344CB8AC3E}">
+        <p14:creationId xmlns:p14="http://schemas.microsoft.com/office/powerpoint/2010/main" val="1402014199"/>
+      </p:ext>
+    </p:extLst>
+  </p:cSld>
+  <p:clrMapOvr>
+    <a:masterClrMapping/>
+  </p:clrMapOvr>
+</p:sld>
+</file>
+
+<file path=ppt/slides/slide9.xml><?xml version="1.0" encoding="utf-8"?>
+<p:sld xmlns:a="http://schemas.openxmlformats.org/drawingml/2006/main" xmlns:r="http://schemas.openxmlformats.org/officeDocument/2006/relationships" xmlns:p="http://schemas.openxmlformats.org/presentationml/2006/main">
+  <p:cSld>
+    <p:spTree>
+      <p:nvGrpSpPr>
+        <p:cNvPr id="1" name=""/>
+        <p:cNvGrpSpPr/>
+        <p:nvPr/>
+      </p:nvGrpSpPr>
+      <p:grpSpPr>
+        <a:xfrm>
+          <a:off x="0" y="0"/>
+          <a:ext cx="0" cy="0"/>
+          <a:chOff x="0" y="0"/>
+          <a:chExt cx="0" cy="0"/>
+        </a:xfrm>
+      </p:grpSpPr>
+      <p:sp>
+        <p:nvSpPr>
+          <p:cNvPr id="2" name="竖排标题 1"/>
+          <p:cNvSpPr>
+            <a:spLocks noGrp="1"/>
+          </p:cNvSpPr>
+          <p:nvPr>
+            <p:ph type="title" orient="vert"/>
+          </p:nvPr>
+        </p:nvSpPr>
+        <p:spPr/>
+        <p:txBody>
+          <a:bodyPr vert="horz"/>
+          <a:lstStyle/>
+          <a:p>
+            <a:r>
+              <a:rPr lang="zh-CN" altLang="en-US" dirty="0" smtClean="0"/>
+              <a:t>相同弯曲半径，灵敏度相似</a:t>
+            </a:r>
+            <a:r>
+              <a:rPr lang="en-US" altLang="zh-CN" dirty="0" smtClean="0"/>
+              <a:t/>
+            </a:r>
+            <a:br>
+              <a:rPr lang="en-US" altLang="zh-CN" dirty="0" smtClean="0"/>
+            </a:br>
+            <a:r>
+              <a:rPr lang="zh-CN" altLang="en-US" dirty="0" smtClean="0"/>
+              <a:t>以</a:t>
+            </a:r>
+            <a:r>
+              <a:rPr lang="en-US" altLang="zh-CN" dirty="0" smtClean="0"/>
+              <a:t>0ppm</a:t>
+            </a:r>
+            <a:r>
+              <a:rPr lang="zh-CN" altLang="en-US" dirty="0" smtClean="0"/>
+              <a:t>为基准归一化前后。</a:t>
+            </a:r>
+            <a:endParaRPr lang="zh-CN" altLang="en-US" dirty="0"/>
+          </a:p>
+        </p:txBody>
+      </p:sp>
+      <p:pic>
+        <p:nvPicPr>
+          <p:cNvPr id="4" name="图片 3"/>
+          <p:cNvPicPr>
+            <a:picLocks noChangeAspect="1"/>
+          </p:cNvPicPr>
+          <p:nvPr/>
+        </p:nvPicPr>
+        <p:blipFill>
+          <a:blip r:embed="rId2"/>
+          <a:stretch>
+            <a:fillRect/>
+          </a:stretch>
+        </p:blipFill>
+        <p:spPr>
+          <a:xfrm>
+            <a:off x="661012" y="3382315"/>
+            <a:ext cx="4955744" cy="3600000"/>
+          </a:xfrm>
+          <a:prstGeom prst="rect">
+            <a:avLst/>
+          </a:prstGeom>
+        </p:spPr>
+      </p:pic>
+      <p:pic>
+        <p:nvPicPr>
+          <p:cNvPr id="5" name="图片 4"/>
+          <p:cNvPicPr>
+            <a:picLocks noChangeAspect="1"/>
+          </p:cNvPicPr>
+          <p:nvPr/>
+        </p:nvPicPr>
+        <p:blipFill>
+          <a:blip r:embed="rId3"/>
+          <a:stretch>
+            <a:fillRect/>
+          </a:stretch>
+        </p:blipFill>
+        <p:spPr>
+          <a:xfrm>
+            <a:off x="634972" y="365125"/>
+            <a:ext cx="5009362" cy="3600000"/>
+          </a:xfrm>
+          <a:prstGeom prst="rect">
+            <a:avLst/>
+          </a:prstGeom>
+        </p:spPr>
+      </p:pic>
+    </p:spTree>
+    <p:extLst>
+      <p:ext uri="{BB962C8B-B14F-4D97-AF65-F5344CB8AC3E}">
+        <p14:creationId xmlns:p14="http://schemas.microsoft.com/office/powerpoint/2010/main" val="2392769229"/>
       </p:ext>
     </p:extLst>
   </p:cSld>

--- a/毕业论文/论文用图.pptx
+++ b/毕业论文/论文用图.pptx
@@ -256,7 +256,7 @@
           <a:p>
             <a:fld id="{2434905A-E1A4-4744-B5A9-97B0F93BB70A}" type="datetimeFigureOut">
               <a:rPr lang="zh-CN" altLang="en-US" smtClean="0"/>
-              <a:t>2016/3/5</a:t>
+              <a:t>2016/3/7</a:t>
             </a:fld>
             <a:endParaRPr lang="zh-CN" altLang="en-US"/>
           </a:p>
@@ -426,7 +426,7 @@
           <a:p>
             <a:fld id="{2434905A-E1A4-4744-B5A9-97B0F93BB70A}" type="datetimeFigureOut">
               <a:rPr lang="zh-CN" altLang="en-US" smtClean="0"/>
-              <a:t>2016/3/5</a:t>
+              <a:t>2016/3/7</a:t>
             </a:fld>
             <a:endParaRPr lang="zh-CN" altLang="en-US"/>
           </a:p>
@@ -606,7 +606,7 @@
           <a:p>
             <a:fld id="{2434905A-E1A4-4744-B5A9-97B0F93BB70A}" type="datetimeFigureOut">
               <a:rPr lang="zh-CN" altLang="en-US" smtClean="0"/>
-              <a:t>2016/3/5</a:t>
+              <a:t>2016/3/7</a:t>
             </a:fld>
             <a:endParaRPr lang="zh-CN" altLang="en-US"/>
           </a:p>
@@ -776,7 +776,7 @@
           <a:p>
             <a:fld id="{2434905A-E1A4-4744-B5A9-97B0F93BB70A}" type="datetimeFigureOut">
               <a:rPr lang="zh-CN" altLang="en-US" smtClean="0"/>
-              <a:t>2016/3/5</a:t>
+              <a:t>2016/3/7</a:t>
             </a:fld>
             <a:endParaRPr lang="zh-CN" altLang="en-US"/>
           </a:p>
@@ -1022,7 +1022,7 @@
           <a:p>
             <a:fld id="{2434905A-E1A4-4744-B5A9-97B0F93BB70A}" type="datetimeFigureOut">
               <a:rPr lang="zh-CN" altLang="en-US" smtClean="0"/>
-              <a:t>2016/3/5</a:t>
+              <a:t>2016/3/7</a:t>
             </a:fld>
             <a:endParaRPr lang="zh-CN" altLang="en-US"/>
           </a:p>
@@ -1254,7 +1254,7 @@
           <a:p>
             <a:fld id="{2434905A-E1A4-4744-B5A9-97B0F93BB70A}" type="datetimeFigureOut">
               <a:rPr lang="zh-CN" altLang="en-US" smtClean="0"/>
-              <a:t>2016/3/5</a:t>
+              <a:t>2016/3/7</a:t>
             </a:fld>
             <a:endParaRPr lang="zh-CN" altLang="en-US"/>
           </a:p>
@@ -1621,7 +1621,7 @@
           <a:p>
             <a:fld id="{2434905A-E1A4-4744-B5A9-97B0F93BB70A}" type="datetimeFigureOut">
               <a:rPr lang="zh-CN" altLang="en-US" smtClean="0"/>
-              <a:t>2016/3/5</a:t>
+              <a:t>2016/3/7</a:t>
             </a:fld>
             <a:endParaRPr lang="zh-CN" altLang="en-US"/>
           </a:p>
@@ -1739,7 +1739,7 @@
           <a:p>
             <a:fld id="{2434905A-E1A4-4744-B5A9-97B0F93BB70A}" type="datetimeFigureOut">
               <a:rPr lang="zh-CN" altLang="en-US" smtClean="0"/>
-              <a:t>2016/3/5</a:t>
+              <a:t>2016/3/7</a:t>
             </a:fld>
             <a:endParaRPr lang="zh-CN" altLang="en-US"/>
           </a:p>
@@ -1834,7 +1834,7 @@
           <a:p>
             <a:fld id="{2434905A-E1A4-4744-B5A9-97B0F93BB70A}" type="datetimeFigureOut">
               <a:rPr lang="zh-CN" altLang="en-US" smtClean="0"/>
-              <a:t>2016/3/5</a:t>
+              <a:t>2016/3/7</a:t>
             </a:fld>
             <a:endParaRPr lang="zh-CN" altLang="en-US"/>
           </a:p>
@@ -2111,7 +2111,7 @@
           <a:p>
             <a:fld id="{2434905A-E1A4-4744-B5A9-97B0F93BB70A}" type="datetimeFigureOut">
               <a:rPr lang="zh-CN" altLang="en-US" smtClean="0"/>
-              <a:t>2016/3/5</a:t>
+              <a:t>2016/3/7</a:t>
             </a:fld>
             <a:endParaRPr lang="zh-CN" altLang="en-US"/>
           </a:p>
@@ -2364,7 +2364,7 @@
           <a:p>
             <a:fld id="{2434905A-E1A4-4744-B5A9-97B0F93BB70A}" type="datetimeFigureOut">
               <a:rPr lang="zh-CN" altLang="en-US" smtClean="0"/>
-              <a:t>2016/3/5</a:t>
+              <a:t>2016/3/7</a:t>
             </a:fld>
             <a:endParaRPr lang="zh-CN" altLang="en-US"/>
           </a:p>
@@ -2577,7 +2577,7 @@
           <a:p>
             <a:fld id="{2434905A-E1A4-4744-B5A9-97B0F93BB70A}" type="datetimeFigureOut">
               <a:rPr lang="zh-CN" altLang="en-US" smtClean="0"/>
-              <a:t>2016/3/5</a:t>
+              <a:t>2016/3/7</a:t>
             </a:fld>
             <a:endParaRPr lang="zh-CN" altLang="en-US"/>
           </a:p>
@@ -7342,7 +7342,9 @@
         </p:nvSpPr>
         <p:spPr/>
         <p:txBody>
-          <a:bodyPr vert="horz"/>
+          <a:bodyPr vert="horz">
+            <a:normAutofit fontScale="90000"/>
+          </a:bodyPr>
           <a:lstStyle/>
           <a:p>
             <a:r>
@@ -7366,7 +7368,22 @@
             </a:r>
             <a:r>
               <a:rPr lang="zh-CN" altLang="en-US" dirty="0" smtClean="0"/>
-              <a:t>为基准归一化前后。</a:t>
+              <a:t>为基准归一化前后</a:t>
+            </a:r>
+            <a:r>
+              <a:rPr lang="zh-CN" altLang="en-US" dirty="0" smtClean="0"/>
+              <a:t>。</a:t>
+            </a:r>
+            <a:r>
+              <a:rPr lang="en-US" altLang="zh-CN" dirty="0" smtClean="0"/>
+              <a:t/>
+            </a:r>
+            <a:br>
+              <a:rPr lang="en-US" altLang="zh-CN" dirty="0" smtClean="0"/>
+            </a:br>
+            <a:r>
+              <a:rPr lang="zh-CN" altLang="en-US" dirty="0" smtClean="0"/>
+              <a:t>尚未到达最优长度。所以都在上升。</a:t>
             </a:r>
             <a:endParaRPr lang="zh-CN" altLang="en-US" dirty="0"/>
           </a:p>
@@ -7388,8 +7405,8 @@
         </p:blipFill>
         <p:spPr>
           <a:xfrm>
-            <a:off x="661012" y="3382315"/>
-            <a:ext cx="4955744" cy="3600000"/>
+            <a:off x="287068" y="3402277"/>
+            <a:ext cx="4680000" cy="3399691"/>
           </a:xfrm>
           <a:prstGeom prst="rect">
             <a:avLst/>
@@ -7412,8 +7429,56 @@
         </p:blipFill>
         <p:spPr>
           <a:xfrm>
-            <a:off x="634972" y="365125"/>
-            <a:ext cx="5009362" cy="3600000"/>
+            <a:off x="287068" y="365126"/>
+            <a:ext cx="4680000" cy="3363303"/>
+          </a:xfrm>
+          <a:prstGeom prst="rect">
+            <a:avLst/>
+          </a:prstGeom>
+        </p:spPr>
+      </p:pic>
+      <p:pic>
+        <p:nvPicPr>
+          <p:cNvPr id="7" name="图片 6"/>
+          <p:cNvPicPr>
+            <a:picLocks noChangeAspect="1"/>
+          </p:cNvPicPr>
+          <p:nvPr/>
+        </p:nvPicPr>
+        <p:blipFill>
+          <a:blip r:embed="rId4"/>
+          <a:stretch>
+            <a:fillRect/>
+          </a:stretch>
+        </p:blipFill>
+        <p:spPr>
+          <a:xfrm>
+            <a:off x="4505984" y="3402277"/>
+            <a:ext cx="4680000" cy="3399691"/>
+          </a:xfrm>
+          <a:prstGeom prst="rect">
+            <a:avLst/>
+          </a:prstGeom>
+        </p:spPr>
+      </p:pic>
+      <p:pic>
+        <p:nvPicPr>
+          <p:cNvPr id="8" name="图片 7"/>
+          <p:cNvPicPr>
+            <a:picLocks noChangeAspect="1"/>
+          </p:cNvPicPr>
+          <p:nvPr/>
+        </p:nvPicPr>
+        <p:blipFill>
+          <a:blip r:embed="rId5"/>
+          <a:stretch>
+            <a:fillRect/>
+          </a:stretch>
+        </p:blipFill>
+        <p:spPr>
+          <a:xfrm>
+            <a:off x="4505984" y="365126"/>
+            <a:ext cx="4680000" cy="3363303"/>
           </a:xfrm>
           <a:prstGeom prst="rect">
             <a:avLst/>

--- a/毕业论文/论文用图.pptx
+++ b/毕业论文/论文用图.pptx
@@ -19,6 +19,7 @@
     <p:sldId id="260" r:id="rId13"/>
     <p:sldId id="261" r:id="rId14"/>
     <p:sldId id="259" r:id="rId15"/>
+    <p:sldId id="270" r:id="rId16"/>
   </p:sldIdLst>
   <p:sldSz cx="12192000" cy="6858000"/>
   <p:notesSz cx="6858000" cy="9144000"/>
@@ -256,7 +257,7 @@
           <a:p>
             <a:fld id="{2434905A-E1A4-4744-B5A9-97B0F93BB70A}" type="datetimeFigureOut">
               <a:rPr lang="zh-CN" altLang="en-US" smtClean="0"/>
-              <a:t>2016/3/7</a:t>
+              <a:t>2016/3/11</a:t>
             </a:fld>
             <a:endParaRPr lang="zh-CN" altLang="en-US"/>
           </a:p>
@@ -426,7 +427,7 @@
           <a:p>
             <a:fld id="{2434905A-E1A4-4744-B5A9-97B0F93BB70A}" type="datetimeFigureOut">
               <a:rPr lang="zh-CN" altLang="en-US" smtClean="0"/>
-              <a:t>2016/3/7</a:t>
+              <a:t>2016/3/11</a:t>
             </a:fld>
             <a:endParaRPr lang="zh-CN" altLang="en-US"/>
           </a:p>
@@ -606,7 +607,7 @@
           <a:p>
             <a:fld id="{2434905A-E1A4-4744-B5A9-97B0F93BB70A}" type="datetimeFigureOut">
               <a:rPr lang="zh-CN" altLang="en-US" smtClean="0"/>
-              <a:t>2016/3/7</a:t>
+              <a:t>2016/3/11</a:t>
             </a:fld>
             <a:endParaRPr lang="zh-CN" altLang="en-US"/>
           </a:p>
@@ -776,7 +777,7 @@
           <a:p>
             <a:fld id="{2434905A-E1A4-4744-B5A9-97B0F93BB70A}" type="datetimeFigureOut">
               <a:rPr lang="zh-CN" altLang="en-US" smtClean="0"/>
-              <a:t>2016/3/7</a:t>
+              <a:t>2016/3/11</a:t>
             </a:fld>
             <a:endParaRPr lang="zh-CN" altLang="en-US"/>
           </a:p>
@@ -1022,7 +1023,7 @@
           <a:p>
             <a:fld id="{2434905A-E1A4-4744-B5A9-97B0F93BB70A}" type="datetimeFigureOut">
               <a:rPr lang="zh-CN" altLang="en-US" smtClean="0"/>
-              <a:t>2016/3/7</a:t>
+              <a:t>2016/3/11</a:t>
             </a:fld>
             <a:endParaRPr lang="zh-CN" altLang="en-US"/>
           </a:p>
@@ -1254,7 +1255,7 @@
           <a:p>
             <a:fld id="{2434905A-E1A4-4744-B5A9-97B0F93BB70A}" type="datetimeFigureOut">
               <a:rPr lang="zh-CN" altLang="en-US" smtClean="0"/>
-              <a:t>2016/3/7</a:t>
+              <a:t>2016/3/11</a:t>
             </a:fld>
             <a:endParaRPr lang="zh-CN" altLang="en-US"/>
           </a:p>
@@ -1621,7 +1622,7 @@
           <a:p>
             <a:fld id="{2434905A-E1A4-4744-B5A9-97B0F93BB70A}" type="datetimeFigureOut">
               <a:rPr lang="zh-CN" altLang="en-US" smtClean="0"/>
-              <a:t>2016/3/7</a:t>
+              <a:t>2016/3/11</a:t>
             </a:fld>
             <a:endParaRPr lang="zh-CN" altLang="en-US"/>
           </a:p>
@@ -1739,7 +1740,7 @@
           <a:p>
             <a:fld id="{2434905A-E1A4-4744-B5A9-97B0F93BB70A}" type="datetimeFigureOut">
               <a:rPr lang="zh-CN" altLang="en-US" smtClean="0"/>
-              <a:t>2016/3/7</a:t>
+              <a:t>2016/3/11</a:t>
             </a:fld>
             <a:endParaRPr lang="zh-CN" altLang="en-US"/>
           </a:p>
@@ -1834,7 +1835,7 @@
           <a:p>
             <a:fld id="{2434905A-E1A4-4744-B5A9-97B0F93BB70A}" type="datetimeFigureOut">
               <a:rPr lang="zh-CN" altLang="en-US" smtClean="0"/>
-              <a:t>2016/3/7</a:t>
+              <a:t>2016/3/11</a:t>
             </a:fld>
             <a:endParaRPr lang="zh-CN" altLang="en-US"/>
           </a:p>
@@ -2111,7 +2112,7 @@
           <a:p>
             <a:fld id="{2434905A-E1A4-4744-B5A9-97B0F93BB70A}" type="datetimeFigureOut">
               <a:rPr lang="zh-CN" altLang="en-US" smtClean="0"/>
-              <a:t>2016/3/7</a:t>
+              <a:t>2016/3/11</a:t>
             </a:fld>
             <a:endParaRPr lang="zh-CN" altLang="en-US"/>
           </a:p>
@@ -2364,7 +2365,7 @@
           <a:p>
             <a:fld id="{2434905A-E1A4-4744-B5A9-97B0F93BB70A}" type="datetimeFigureOut">
               <a:rPr lang="zh-CN" altLang="en-US" smtClean="0"/>
-              <a:t>2016/3/7</a:t>
+              <a:t>2016/3/11</a:t>
             </a:fld>
             <a:endParaRPr lang="zh-CN" altLang="en-US"/>
           </a:p>
@@ -2577,7 +2578,7 @@
           <a:p>
             <a:fld id="{2434905A-E1A4-4744-B5A9-97B0F93BB70A}" type="datetimeFigureOut">
               <a:rPr lang="zh-CN" altLang="en-US" smtClean="0"/>
-              <a:t>2016/3/7</a:t>
+              <a:t>2016/3/11</a:t>
             </a:fld>
             <a:endParaRPr lang="zh-CN" altLang="en-US"/>
           </a:p>
@@ -3808,6 +3809,1015 @@
     <p:extLst>
       <p:ext uri="{BB962C8B-B14F-4D97-AF65-F5344CB8AC3E}">
         <p14:creationId xmlns:p14="http://schemas.microsoft.com/office/powerpoint/2010/main" val="2592655655"/>
+      </p:ext>
+    </p:extLst>
+  </p:cSld>
+  <p:clrMapOvr>
+    <a:masterClrMapping/>
+  </p:clrMapOvr>
+</p:sld>
+</file>
+
+<file path=ppt/slides/slide15.xml><?xml version="1.0" encoding="utf-8"?>
+<p:sld xmlns:a="http://schemas.openxmlformats.org/drawingml/2006/main" xmlns:r="http://schemas.openxmlformats.org/officeDocument/2006/relationships" xmlns:p="http://schemas.openxmlformats.org/presentationml/2006/main">
+  <p:cSld>
+    <p:spTree>
+      <p:nvGrpSpPr>
+        <p:cNvPr id="1" name=""/>
+        <p:cNvGrpSpPr/>
+        <p:nvPr/>
+      </p:nvGrpSpPr>
+      <p:grpSpPr>
+        <a:xfrm>
+          <a:off x="0" y="0"/>
+          <a:ext cx="0" cy="0"/>
+          <a:chOff x="0" y="0"/>
+          <a:chExt cx="0" cy="0"/>
+        </a:xfrm>
+      </p:grpSpPr>
+      <p:sp>
+        <p:nvSpPr>
+          <p:cNvPr id="2" name="竖排标题 1"/>
+          <p:cNvSpPr>
+            <a:spLocks noGrp="1"/>
+          </p:cNvSpPr>
+          <p:nvPr>
+            <p:ph type="title" orient="vert"/>
+          </p:nvPr>
+        </p:nvSpPr>
+        <p:spPr/>
+        <p:txBody>
+          <a:bodyPr/>
+          <a:lstStyle/>
+          <a:p>
+            <a:endParaRPr lang="zh-CN" altLang="en-US"/>
+          </a:p>
+        </p:txBody>
+      </p:sp>
+      <p:grpSp>
+        <p:nvGrpSpPr>
+          <p:cNvPr id="52" name="组合 51"/>
+          <p:cNvGrpSpPr/>
+          <p:nvPr/>
+        </p:nvGrpSpPr>
+        <p:grpSpPr>
+          <a:xfrm>
+            <a:off x="-1846050" y="-198070"/>
+            <a:ext cx="10800000" cy="10998070"/>
+            <a:chOff x="-1846050" y="-198070"/>
+            <a:chExt cx="10800000" cy="10998070"/>
+          </a:xfrm>
+        </p:grpSpPr>
+        <p:grpSp>
+          <p:nvGrpSpPr>
+            <p:cNvPr id="27" name="组合 26"/>
+            <p:cNvGrpSpPr/>
+            <p:nvPr/>
+          </p:nvGrpSpPr>
+          <p:grpSpPr>
+            <a:xfrm>
+              <a:off x="-81300" y="-198070"/>
+              <a:ext cx="801300" cy="2179726"/>
+              <a:chOff x="-81300" y="-198070"/>
+              <a:chExt cx="801300" cy="2179726"/>
+            </a:xfrm>
+          </p:grpSpPr>
+          <p:sp>
+            <p:nvSpPr>
+              <p:cNvPr id="4" name="椭圆 3"/>
+              <p:cNvSpPr/>
+              <p:nvPr/>
+            </p:nvSpPr>
+            <p:spPr>
+              <a:xfrm>
+                <a:off x="0" y="-1"/>
+                <a:ext cx="720000" cy="1800000"/>
+              </a:xfrm>
+              <a:prstGeom prst="ellipse">
+                <a:avLst/>
+              </a:prstGeom>
+              <a:noFill/>
+              <a:ln>
+                <a:solidFill>
+                  <a:schemeClr val="tx1"/>
+                </a:solidFill>
+              </a:ln>
+            </p:spPr>
+            <p:style>
+              <a:lnRef idx="2">
+                <a:schemeClr val="accent1">
+                  <a:shade val="50000"/>
+                </a:schemeClr>
+              </a:lnRef>
+              <a:fillRef idx="1">
+                <a:schemeClr val="accent1"/>
+              </a:fillRef>
+              <a:effectRef idx="0">
+                <a:schemeClr val="accent1"/>
+              </a:effectRef>
+              <a:fontRef idx="minor">
+                <a:schemeClr val="lt1"/>
+              </a:fontRef>
+            </p:style>
+            <p:txBody>
+              <a:bodyPr rtlCol="0" anchor="ctr"/>
+              <a:lstStyle/>
+              <a:p>
+                <a:pPr algn="ctr"/>
+                <a:endParaRPr lang="zh-CN" altLang="en-US"/>
+              </a:p>
+            </p:txBody>
+          </p:sp>
+          <p:cxnSp>
+            <p:nvCxnSpPr>
+              <p:cNvPr id="7" name="直接连接符 6"/>
+              <p:cNvCxnSpPr>
+                <a:stCxn id="4" idx="0"/>
+              </p:cNvCxnSpPr>
+              <p:nvPr/>
+            </p:nvCxnSpPr>
+            <p:spPr>
+              <a:xfrm flipH="1">
+                <a:off x="358726" y="-1"/>
+                <a:ext cx="1274" cy="1786597"/>
+              </a:xfrm>
+              <a:prstGeom prst="line">
+                <a:avLst/>
+              </a:prstGeom>
+              <a:ln>
+                <a:solidFill>
+                  <a:schemeClr val="tx1"/>
+                </a:solidFill>
+              </a:ln>
+            </p:spPr>
+            <p:style>
+              <a:lnRef idx="1">
+                <a:schemeClr val="accent1"/>
+              </a:lnRef>
+              <a:fillRef idx="0">
+                <a:schemeClr val="accent1"/>
+              </a:fillRef>
+              <a:effectRef idx="0">
+                <a:schemeClr val="accent1"/>
+              </a:effectRef>
+              <a:fontRef idx="minor">
+                <a:schemeClr val="tx1"/>
+              </a:fontRef>
+            </p:style>
+          </p:cxnSp>
+          <p:cxnSp>
+            <p:nvCxnSpPr>
+              <p:cNvPr id="13" name="直接连接符 12"/>
+              <p:cNvCxnSpPr/>
+              <p:nvPr/>
+            </p:nvCxnSpPr>
+            <p:spPr>
+              <a:xfrm>
+                <a:off x="370500" y="360000"/>
+                <a:ext cx="180000" cy="0"/>
+              </a:xfrm>
+              <a:prstGeom prst="line">
+                <a:avLst/>
+              </a:prstGeom>
+              <a:ln>
+                <a:solidFill>
+                  <a:schemeClr val="tx1"/>
+                </a:solidFill>
+              </a:ln>
+            </p:spPr>
+            <p:style>
+              <a:lnRef idx="1">
+                <a:schemeClr val="accent1"/>
+              </a:lnRef>
+              <a:fillRef idx="0">
+                <a:schemeClr val="accent1"/>
+              </a:fillRef>
+              <a:effectRef idx="0">
+                <a:schemeClr val="accent1"/>
+              </a:effectRef>
+              <a:fontRef idx="minor">
+                <a:schemeClr val="tx1"/>
+              </a:fontRef>
+            </p:style>
+          </p:cxnSp>
+          <p:cxnSp>
+            <p:nvCxnSpPr>
+              <p:cNvPr id="14" name="直接连接符 13"/>
+              <p:cNvCxnSpPr/>
+              <p:nvPr/>
+            </p:nvCxnSpPr>
+            <p:spPr>
+              <a:xfrm>
+                <a:off x="370500" y="720000"/>
+                <a:ext cx="180000" cy="0"/>
+              </a:xfrm>
+              <a:prstGeom prst="line">
+                <a:avLst/>
+              </a:prstGeom>
+              <a:ln>
+                <a:solidFill>
+                  <a:schemeClr val="tx1"/>
+                </a:solidFill>
+              </a:ln>
+            </p:spPr>
+            <p:style>
+              <a:lnRef idx="1">
+                <a:schemeClr val="accent1"/>
+              </a:lnRef>
+              <a:fillRef idx="0">
+                <a:schemeClr val="accent1"/>
+              </a:fillRef>
+              <a:effectRef idx="0">
+                <a:schemeClr val="accent1"/>
+              </a:effectRef>
+              <a:fontRef idx="minor">
+                <a:schemeClr val="tx1"/>
+              </a:fontRef>
+            </p:style>
+          </p:cxnSp>
+          <p:cxnSp>
+            <p:nvCxnSpPr>
+              <p:cNvPr id="15" name="直接连接符 14"/>
+              <p:cNvCxnSpPr/>
+              <p:nvPr/>
+            </p:nvCxnSpPr>
+            <p:spPr>
+              <a:xfrm>
+                <a:off x="370500" y="1080000"/>
+                <a:ext cx="180000" cy="0"/>
+              </a:xfrm>
+              <a:prstGeom prst="line">
+                <a:avLst/>
+              </a:prstGeom>
+              <a:ln>
+                <a:solidFill>
+                  <a:schemeClr val="tx1"/>
+                </a:solidFill>
+              </a:ln>
+            </p:spPr>
+            <p:style>
+              <a:lnRef idx="1">
+                <a:schemeClr val="accent1"/>
+              </a:lnRef>
+              <a:fillRef idx="0">
+                <a:schemeClr val="accent1"/>
+              </a:fillRef>
+              <a:effectRef idx="0">
+                <a:schemeClr val="accent1"/>
+              </a:effectRef>
+              <a:fontRef idx="minor">
+                <a:schemeClr val="tx1"/>
+              </a:fontRef>
+            </p:style>
+          </p:cxnSp>
+          <p:cxnSp>
+            <p:nvCxnSpPr>
+              <p:cNvPr id="16" name="直接连接符 15"/>
+              <p:cNvCxnSpPr/>
+              <p:nvPr/>
+            </p:nvCxnSpPr>
+            <p:spPr>
+              <a:xfrm>
+                <a:off x="370500" y="1440000"/>
+                <a:ext cx="180000" cy="0"/>
+              </a:xfrm>
+              <a:prstGeom prst="line">
+                <a:avLst/>
+              </a:prstGeom>
+              <a:ln>
+                <a:solidFill>
+                  <a:schemeClr val="tx1"/>
+                </a:solidFill>
+              </a:ln>
+            </p:spPr>
+            <p:style>
+              <a:lnRef idx="1">
+                <a:schemeClr val="accent1"/>
+              </a:lnRef>
+              <a:fillRef idx="0">
+                <a:schemeClr val="accent1"/>
+              </a:fillRef>
+              <a:effectRef idx="0">
+                <a:schemeClr val="accent1"/>
+              </a:effectRef>
+              <a:fontRef idx="minor">
+                <a:schemeClr val="tx1"/>
+              </a:fontRef>
+            </p:style>
+          </p:cxnSp>
+          <p:sp>
+            <p:nvSpPr>
+              <p:cNvPr id="21" name="文本框 20"/>
+              <p:cNvSpPr txBox="1"/>
+              <p:nvPr/>
+            </p:nvSpPr>
+            <p:spPr>
+              <a:xfrm>
+                <a:off x="0" y="-198070"/>
+                <a:ext cx="533400" cy="369332"/>
+              </a:xfrm>
+              <a:prstGeom prst="rect">
+                <a:avLst/>
+              </a:prstGeom>
+              <a:noFill/>
+            </p:spPr>
+            <p:txBody>
+              <a:bodyPr wrap="square" rtlCol="0">
+                <a:spAutoFit/>
+              </a:bodyPr>
+              <a:lstStyle/>
+              <a:p>
+                <a:r>
+                  <a:rPr lang="en-US" altLang="zh-CN" dirty="0" smtClean="0"/>
+                  <a:t>1</a:t>
+                </a:r>
+              </a:p>
+            </p:txBody>
+          </p:sp>
+          <p:sp>
+            <p:nvSpPr>
+              <p:cNvPr id="22" name="文本框 21"/>
+              <p:cNvSpPr txBox="1"/>
+              <p:nvPr/>
+            </p:nvSpPr>
+            <p:spPr>
+              <a:xfrm>
+                <a:off x="-78750" y="161929"/>
+                <a:ext cx="533400" cy="369332"/>
+              </a:xfrm>
+              <a:prstGeom prst="rect">
+                <a:avLst/>
+              </a:prstGeom>
+              <a:noFill/>
+            </p:spPr>
+            <p:txBody>
+              <a:bodyPr wrap="square" rtlCol="0">
+                <a:spAutoFit/>
+              </a:bodyPr>
+              <a:lstStyle/>
+              <a:p>
+                <a:r>
+                  <a:rPr lang="en-US" altLang="zh-CN" dirty="0" smtClean="0"/>
+                  <a:t>0.8</a:t>
+                </a:r>
+              </a:p>
+            </p:txBody>
+          </p:sp>
+          <p:sp>
+            <p:nvSpPr>
+              <p:cNvPr id="23" name="文本框 22"/>
+              <p:cNvSpPr txBox="1"/>
+              <p:nvPr/>
+            </p:nvSpPr>
+            <p:spPr>
+              <a:xfrm>
+                <a:off x="-78750" y="521928"/>
+                <a:ext cx="533400" cy="369332"/>
+              </a:xfrm>
+              <a:prstGeom prst="rect">
+                <a:avLst/>
+              </a:prstGeom>
+              <a:noFill/>
+            </p:spPr>
+            <p:txBody>
+              <a:bodyPr wrap="square" rtlCol="0">
+                <a:spAutoFit/>
+              </a:bodyPr>
+              <a:lstStyle/>
+              <a:p>
+                <a:r>
+                  <a:rPr lang="en-US" altLang="zh-CN" dirty="0" smtClean="0"/>
+                  <a:t>0.6</a:t>
+                </a:r>
+              </a:p>
+            </p:txBody>
+          </p:sp>
+          <p:sp>
+            <p:nvSpPr>
+              <p:cNvPr id="24" name="文本框 23"/>
+              <p:cNvSpPr txBox="1"/>
+              <p:nvPr/>
+            </p:nvSpPr>
+            <p:spPr>
+              <a:xfrm>
+                <a:off x="-81300" y="882993"/>
+                <a:ext cx="533400" cy="369332"/>
+              </a:xfrm>
+              <a:prstGeom prst="rect">
+                <a:avLst/>
+              </a:prstGeom>
+              <a:noFill/>
+            </p:spPr>
+            <p:txBody>
+              <a:bodyPr wrap="square" rtlCol="0">
+                <a:spAutoFit/>
+              </a:bodyPr>
+              <a:lstStyle/>
+              <a:p>
+                <a:r>
+                  <a:rPr lang="en-US" altLang="zh-CN" dirty="0" smtClean="0"/>
+                  <a:t>0.4</a:t>
+                </a:r>
+              </a:p>
+            </p:txBody>
+          </p:sp>
+          <p:sp>
+            <p:nvSpPr>
+              <p:cNvPr id="25" name="文本框 24"/>
+              <p:cNvSpPr txBox="1"/>
+              <p:nvPr/>
+            </p:nvSpPr>
+            <p:spPr>
+              <a:xfrm>
+                <a:off x="-78000" y="1251259"/>
+                <a:ext cx="533400" cy="369332"/>
+              </a:xfrm>
+              <a:prstGeom prst="rect">
+                <a:avLst/>
+              </a:prstGeom>
+              <a:noFill/>
+            </p:spPr>
+            <p:txBody>
+              <a:bodyPr wrap="square" rtlCol="0">
+                <a:spAutoFit/>
+              </a:bodyPr>
+              <a:lstStyle/>
+              <a:p>
+                <a:r>
+                  <a:rPr lang="en-US" altLang="zh-CN" dirty="0" smtClean="0"/>
+                  <a:t>0.2</a:t>
+                </a:r>
+              </a:p>
+            </p:txBody>
+          </p:sp>
+          <p:sp>
+            <p:nvSpPr>
+              <p:cNvPr id="26" name="文本框 25"/>
+              <p:cNvSpPr txBox="1"/>
+              <p:nvPr/>
+            </p:nvSpPr>
+            <p:spPr>
+              <a:xfrm>
+                <a:off x="-81300" y="1612324"/>
+                <a:ext cx="533400" cy="369332"/>
+              </a:xfrm>
+              <a:prstGeom prst="rect">
+                <a:avLst/>
+              </a:prstGeom>
+              <a:noFill/>
+            </p:spPr>
+            <p:txBody>
+              <a:bodyPr wrap="square" rtlCol="0">
+                <a:spAutoFit/>
+              </a:bodyPr>
+              <a:lstStyle/>
+              <a:p>
+                <a:pPr algn="ctr"/>
+                <a:r>
+                  <a:rPr lang="en-US" altLang="zh-CN" dirty="0" smtClean="0"/>
+                  <a:t>0</a:t>
+                </a:r>
+              </a:p>
+            </p:txBody>
+          </p:sp>
+        </p:grpSp>
+        <p:grpSp>
+          <p:nvGrpSpPr>
+            <p:cNvPr id="28" name="组合 27"/>
+            <p:cNvGrpSpPr/>
+            <p:nvPr/>
+          </p:nvGrpSpPr>
+          <p:grpSpPr>
+            <a:xfrm>
+              <a:off x="6297376" y="-189864"/>
+              <a:ext cx="801300" cy="2179726"/>
+              <a:chOff x="-81300" y="-198070"/>
+              <a:chExt cx="801300" cy="2179726"/>
+            </a:xfrm>
+          </p:grpSpPr>
+          <p:sp>
+            <p:nvSpPr>
+              <p:cNvPr id="29" name="椭圆 28"/>
+              <p:cNvSpPr/>
+              <p:nvPr/>
+            </p:nvSpPr>
+            <p:spPr>
+              <a:xfrm>
+                <a:off x="0" y="-1"/>
+                <a:ext cx="720000" cy="1800000"/>
+              </a:xfrm>
+              <a:prstGeom prst="ellipse">
+                <a:avLst/>
+              </a:prstGeom>
+              <a:noFill/>
+              <a:ln>
+                <a:solidFill>
+                  <a:schemeClr val="tx1"/>
+                </a:solidFill>
+              </a:ln>
+            </p:spPr>
+            <p:style>
+              <a:lnRef idx="2">
+                <a:schemeClr val="accent1">
+                  <a:shade val="50000"/>
+                </a:schemeClr>
+              </a:lnRef>
+              <a:fillRef idx="1">
+                <a:schemeClr val="accent1"/>
+              </a:fillRef>
+              <a:effectRef idx="0">
+                <a:schemeClr val="accent1"/>
+              </a:effectRef>
+              <a:fontRef idx="minor">
+                <a:schemeClr val="lt1"/>
+              </a:fontRef>
+            </p:style>
+            <p:txBody>
+              <a:bodyPr rtlCol="0" anchor="ctr"/>
+              <a:lstStyle/>
+              <a:p>
+                <a:pPr algn="ctr"/>
+                <a:endParaRPr lang="zh-CN" altLang="en-US"/>
+              </a:p>
+            </p:txBody>
+          </p:sp>
+          <p:cxnSp>
+            <p:nvCxnSpPr>
+              <p:cNvPr id="30" name="直接连接符 29"/>
+              <p:cNvCxnSpPr>
+                <a:stCxn id="29" idx="0"/>
+              </p:cNvCxnSpPr>
+              <p:nvPr/>
+            </p:nvCxnSpPr>
+            <p:spPr>
+              <a:xfrm flipH="1">
+                <a:off x="358726" y="-1"/>
+                <a:ext cx="1274" cy="1786597"/>
+              </a:xfrm>
+              <a:prstGeom prst="line">
+                <a:avLst/>
+              </a:prstGeom>
+              <a:ln>
+                <a:solidFill>
+                  <a:schemeClr val="tx1"/>
+                </a:solidFill>
+              </a:ln>
+            </p:spPr>
+            <p:style>
+              <a:lnRef idx="1">
+                <a:schemeClr val="accent1"/>
+              </a:lnRef>
+              <a:fillRef idx="0">
+                <a:schemeClr val="accent1"/>
+              </a:fillRef>
+              <a:effectRef idx="0">
+                <a:schemeClr val="accent1"/>
+              </a:effectRef>
+              <a:fontRef idx="minor">
+                <a:schemeClr val="tx1"/>
+              </a:fontRef>
+            </p:style>
+          </p:cxnSp>
+          <p:cxnSp>
+            <p:nvCxnSpPr>
+              <p:cNvPr id="31" name="直接连接符 30"/>
+              <p:cNvCxnSpPr/>
+              <p:nvPr/>
+            </p:nvCxnSpPr>
+            <p:spPr>
+              <a:xfrm>
+                <a:off x="370500" y="360000"/>
+                <a:ext cx="180000" cy="0"/>
+              </a:xfrm>
+              <a:prstGeom prst="line">
+                <a:avLst/>
+              </a:prstGeom>
+              <a:ln>
+                <a:solidFill>
+                  <a:schemeClr val="tx1"/>
+                </a:solidFill>
+              </a:ln>
+            </p:spPr>
+            <p:style>
+              <a:lnRef idx="1">
+                <a:schemeClr val="accent1"/>
+              </a:lnRef>
+              <a:fillRef idx="0">
+                <a:schemeClr val="accent1"/>
+              </a:fillRef>
+              <a:effectRef idx="0">
+                <a:schemeClr val="accent1"/>
+              </a:effectRef>
+              <a:fontRef idx="minor">
+                <a:schemeClr val="tx1"/>
+              </a:fontRef>
+            </p:style>
+          </p:cxnSp>
+          <p:cxnSp>
+            <p:nvCxnSpPr>
+              <p:cNvPr id="32" name="直接连接符 31"/>
+              <p:cNvCxnSpPr/>
+              <p:nvPr/>
+            </p:nvCxnSpPr>
+            <p:spPr>
+              <a:xfrm>
+                <a:off x="370500" y="720000"/>
+                <a:ext cx="180000" cy="0"/>
+              </a:xfrm>
+              <a:prstGeom prst="line">
+                <a:avLst/>
+              </a:prstGeom>
+              <a:ln>
+                <a:solidFill>
+                  <a:schemeClr val="tx1"/>
+                </a:solidFill>
+              </a:ln>
+            </p:spPr>
+            <p:style>
+              <a:lnRef idx="1">
+                <a:schemeClr val="accent1"/>
+              </a:lnRef>
+              <a:fillRef idx="0">
+                <a:schemeClr val="accent1"/>
+              </a:fillRef>
+              <a:effectRef idx="0">
+                <a:schemeClr val="accent1"/>
+              </a:effectRef>
+              <a:fontRef idx="minor">
+                <a:schemeClr val="tx1"/>
+              </a:fontRef>
+            </p:style>
+          </p:cxnSp>
+          <p:cxnSp>
+            <p:nvCxnSpPr>
+              <p:cNvPr id="33" name="直接连接符 32"/>
+              <p:cNvCxnSpPr/>
+              <p:nvPr/>
+            </p:nvCxnSpPr>
+            <p:spPr>
+              <a:xfrm>
+                <a:off x="370500" y="1080000"/>
+                <a:ext cx="180000" cy="0"/>
+              </a:xfrm>
+              <a:prstGeom prst="line">
+                <a:avLst/>
+              </a:prstGeom>
+              <a:ln>
+                <a:solidFill>
+                  <a:schemeClr val="tx1"/>
+                </a:solidFill>
+              </a:ln>
+            </p:spPr>
+            <p:style>
+              <a:lnRef idx="1">
+                <a:schemeClr val="accent1"/>
+              </a:lnRef>
+              <a:fillRef idx="0">
+                <a:schemeClr val="accent1"/>
+              </a:fillRef>
+              <a:effectRef idx="0">
+                <a:schemeClr val="accent1"/>
+              </a:effectRef>
+              <a:fontRef idx="minor">
+                <a:schemeClr val="tx1"/>
+              </a:fontRef>
+            </p:style>
+          </p:cxnSp>
+          <p:cxnSp>
+            <p:nvCxnSpPr>
+              <p:cNvPr id="34" name="直接连接符 33"/>
+              <p:cNvCxnSpPr/>
+              <p:nvPr/>
+            </p:nvCxnSpPr>
+            <p:spPr>
+              <a:xfrm>
+                <a:off x="370500" y="1440000"/>
+                <a:ext cx="180000" cy="0"/>
+              </a:xfrm>
+              <a:prstGeom prst="line">
+                <a:avLst/>
+              </a:prstGeom>
+              <a:ln>
+                <a:solidFill>
+                  <a:schemeClr val="tx1"/>
+                </a:solidFill>
+              </a:ln>
+            </p:spPr>
+            <p:style>
+              <a:lnRef idx="1">
+                <a:schemeClr val="accent1"/>
+              </a:lnRef>
+              <a:fillRef idx="0">
+                <a:schemeClr val="accent1"/>
+              </a:fillRef>
+              <a:effectRef idx="0">
+                <a:schemeClr val="accent1"/>
+              </a:effectRef>
+              <a:fontRef idx="minor">
+                <a:schemeClr val="tx1"/>
+              </a:fontRef>
+            </p:style>
+          </p:cxnSp>
+          <p:sp>
+            <p:nvSpPr>
+              <p:cNvPr id="35" name="文本框 34"/>
+              <p:cNvSpPr txBox="1"/>
+              <p:nvPr/>
+            </p:nvSpPr>
+            <p:spPr>
+              <a:xfrm>
+                <a:off x="0" y="-198070"/>
+                <a:ext cx="533400" cy="369332"/>
+              </a:xfrm>
+              <a:prstGeom prst="rect">
+                <a:avLst/>
+              </a:prstGeom>
+              <a:noFill/>
+            </p:spPr>
+            <p:txBody>
+              <a:bodyPr wrap="square" rtlCol="0">
+                <a:spAutoFit/>
+              </a:bodyPr>
+              <a:lstStyle/>
+              <a:p>
+                <a:r>
+                  <a:rPr lang="en-US" altLang="zh-CN" dirty="0" smtClean="0"/>
+                  <a:t>1</a:t>
+                </a:r>
+              </a:p>
+            </p:txBody>
+          </p:sp>
+          <p:sp>
+            <p:nvSpPr>
+              <p:cNvPr id="36" name="文本框 35"/>
+              <p:cNvSpPr txBox="1"/>
+              <p:nvPr/>
+            </p:nvSpPr>
+            <p:spPr>
+              <a:xfrm>
+                <a:off x="-78750" y="161929"/>
+                <a:ext cx="533400" cy="369332"/>
+              </a:xfrm>
+              <a:prstGeom prst="rect">
+                <a:avLst/>
+              </a:prstGeom>
+              <a:noFill/>
+            </p:spPr>
+            <p:txBody>
+              <a:bodyPr wrap="square" rtlCol="0">
+                <a:spAutoFit/>
+              </a:bodyPr>
+              <a:lstStyle/>
+              <a:p>
+                <a:r>
+                  <a:rPr lang="en-US" altLang="zh-CN" dirty="0" smtClean="0"/>
+                  <a:t>0.8</a:t>
+                </a:r>
+              </a:p>
+            </p:txBody>
+          </p:sp>
+          <p:sp>
+            <p:nvSpPr>
+              <p:cNvPr id="37" name="文本框 36"/>
+              <p:cNvSpPr txBox="1"/>
+              <p:nvPr/>
+            </p:nvSpPr>
+            <p:spPr>
+              <a:xfrm>
+                <a:off x="-78750" y="521928"/>
+                <a:ext cx="533400" cy="369332"/>
+              </a:xfrm>
+              <a:prstGeom prst="rect">
+                <a:avLst/>
+              </a:prstGeom>
+              <a:noFill/>
+            </p:spPr>
+            <p:txBody>
+              <a:bodyPr wrap="square" rtlCol="0">
+                <a:spAutoFit/>
+              </a:bodyPr>
+              <a:lstStyle/>
+              <a:p>
+                <a:r>
+                  <a:rPr lang="en-US" altLang="zh-CN" dirty="0" smtClean="0"/>
+                  <a:t>0.6</a:t>
+                </a:r>
+              </a:p>
+            </p:txBody>
+          </p:sp>
+          <p:sp>
+            <p:nvSpPr>
+              <p:cNvPr id="38" name="文本框 37"/>
+              <p:cNvSpPr txBox="1"/>
+              <p:nvPr/>
+            </p:nvSpPr>
+            <p:spPr>
+              <a:xfrm>
+                <a:off x="-81300" y="882993"/>
+                <a:ext cx="533400" cy="369332"/>
+              </a:xfrm>
+              <a:prstGeom prst="rect">
+                <a:avLst/>
+              </a:prstGeom>
+              <a:noFill/>
+            </p:spPr>
+            <p:txBody>
+              <a:bodyPr wrap="square" rtlCol="0">
+                <a:spAutoFit/>
+              </a:bodyPr>
+              <a:lstStyle/>
+              <a:p>
+                <a:r>
+                  <a:rPr lang="en-US" altLang="zh-CN" dirty="0" smtClean="0"/>
+                  <a:t>0.4</a:t>
+                </a:r>
+              </a:p>
+            </p:txBody>
+          </p:sp>
+          <p:sp>
+            <p:nvSpPr>
+              <p:cNvPr id="39" name="文本框 38"/>
+              <p:cNvSpPr txBox="1"/>
+              <p:nvPr/>
+            </p:nvSpPr>
+            <p:spPr>
+              <a:xfrm>
+                <a:off x="-78000" y="1251259"/>
+                <a:ext cx="533400" cy="369332"/>
+              </a:xfrm>
+              <a:prstGeom prst="rect">
+                <a:avLst/>
+              </a:prstGeom>
+              <a:noFill/>
+            </p:spPr>
+            <p:txBody>
+              <a:bodyPr wrap="square" rtlCol="0">
+                <a:spAutoFit/>
+              </a:bodyPr>
+              <a:lstStyle/>
+              <a:p>
+                <a:r>
+                  <a:rPr lang="en-US" altLang="zh-CN" dirty="0" smtClean="0"/>
+                  <a:t>0.2</a:t>
+                </a:r>
+              </a:p>
+            </p:txBody>
+          </p:sp>
+          <p:sp>
+            <p:nvSpPr>
+              <p:cNvPr id="40" name="文本框 39"/>
+              <p:cNvSpPr txBox="1"/>
+              <p:nvPr/>
+            </p:nvSpPr>
+            <p:spPr>
+              <a:xfrm>
+                <a:off x="-81300" y="1612324"/>
+                <a:ext cx="533400" cy="369332"/>
+              </a:xfrm>
+              <a:prstGeom prst="rect">
+                <a:avLst/>
+              </a:prstGeom>
+              <a:noFill/>
+            </p:spPr>
+            <p:txBody>
+              <a:bodyPr wrap="square" rtlCol="0">
+                <a:spAutoFit/>
+              </a:bodyPr>
+              <a:lstStyle/>
+              <a:p>
+                <a:pPr algn="ctr"/>
+                <a:r>
+                  <a:rPr lang="en-US" altLang="zh-CN" dirty="0" smtClean="0"/>
+                  <a:t>0</a:t>
+                </a:r>
+              </a:p>
+            </p:txBody>
+          </p:sp>
+        </p:grpSp>
+        <p:cxnSp>
+          <p:nvCxnSpPr>
+            <p:cNvPr id="47" name="直接连接符 46"/>
+            <p:cNvCxnSpPr/>
+            <p:nvPr/>
+          </p:nvCxnSpPr>
+          <p:spPr>
+            <a:xfrm flipV="1">
+              <a:off x="358726" y="0"/>
+              <a:ext cx="6390450" cy="8205"/>
+            </a:xfrm>
+            <a:prstGeom prst="line">
+              <a:avLst/>
+            </a:prstGeom>
+            <a:ln>
+              <a:solidFill>
+                <a:schemeClr val="tx1"/>
+              </a:solidFill>
+            </a:ln>
+          </p:spPr>
+          <p:style>
+            <a:lnRef idx="1">
+              <a:schemeClr val="accent1"/>
+            </a:lnRef>
+            <a:fillRef idx="0">
+              <a:schemeClr val="accent1"/>
+            </a:fillRef>
+            <a:effectRef idx="0">
+              <a:schemeClr val="accent1"/>
+            </a:effectRef>
+            <a:fontRef idx="minor">
+              <a:schemeClr val="tx1"/>
+            </a:fontRef>
+          </p:style>
+        </p:cxnSp>
+        <p:cxnSp>
+          <p:nvCxnSpPr>
+            <p:cNvPr id="49" name="直接连接符 48"/>
+            <p:cNvCxnSpPr>
+              <a:stCxn id="26" idx="3"/>
+              <a:endCxn id="40" idx="3"/>
+            </p:cNvCxnSpPr>
+            <p:nvPr/>
+          </p:nvCxnSpPr>
+          <p:spPr>
+            <a:xfrm>
+              <a:off x="452100" y="1796990"/>
+              <a:ext cx="6378676" cy="8206"/>
+            </a:xfrm>
+            <a:prstGeom prst="line">
+              <a:avLst/>
+            </a:prstGeom>
+            <a:ln>
+              <a:solidFill>
+                <a:schemeClr val="tx1"/>
+              </a:solidFill>
+            </a:ln>
+          </p:spPr>
+          <p:style>
+            <a:lnRef idx="1">
+              <a:schemeClr val="accent1"/>
+            </a:lnRef>
+            <a:fillRef idx="0">
+              <a:schemeClr val="accent1"/>
+            </a:fillRef>
+            <a:effectRef idx="0">
+              <a:schemeClr val="accent1"/>
+            </a:effectRef>
+            <a:fontRef idx="minor">
+              <a:schemeClr val="tx1"/>
+            </a:fontRef>
+          </p:style>
+        </p:cxnSp>
+        <p:sp>
+          <p:nvSpPr>
+            <p:cNvPr id="51" name="弧形 50"/>
+            <p:cNvSpPr/>
+            <p:nvPr/>
+          </p:nvSpPr>
+          <p:spPr>
+            <a:xfrm rot="-2700000">
+              <a:off x="-1846050" y="0"/>
+              <a:ext cx="10800000" cy="10800000"/>
+            </a:xfrm>
+            <a:prstGeom prst="arc">
+              <a:avLst>
+                <a:gd name="adj1" fmla="val 16717308"/>
+                <a:gd name="adj2" fmla="val 21079901"/>
+              </a:avLst>
+            </a:prstGeom>
+            <a:ln>
+              <a:solidFill>
+                <a:schemeClr val="tx1"/>
+              </a:solidFill>
+            </a:ln>
+          </p:spPr>
+          <p:style>
+            <a:lnRef idx="1">
+              <a:schemeClr val="accent1"/>
+            </a:lnRef>
+            <a:fillRef idx="0">
+              <a:schemeClr val="accent1"/>
+            </a:fillRef>
+            <a:effectRef idx="0">
+              <a:schemeClr val="accent1"/>
+            </a:effectRef>
+            <a:fontRef idx="minor">
+              <a:schemeClr val="tx1"/>
+            </a:fontRef>
+          </p:style>
+          <p:txBody>
+            <a:bodyPr rtlCol="0" anchor="ctr"/>
+            <a:lstStyle/>
+            <a:p>
+              <a:pPr algn="ctr"/>
+              <a:endParaRPr lang="zh-CN" altLang="en-US"/>
+            </a:p>
+          </p:txBody>
+        </p:sp>
+      </p:grpSp>
+    </p:spTree>
+    <p:extLst>
+      <p:ext uri="{BB962C8B-B14F-4D97-AF65-F5344CB8AC3E}">
+        <p14:creationId xmlns:p14="http://schemas.microsoft.com/office/powerpoint/2010/main" val="4164344246"/>
       </p:ext>
     </p:extLst>
   </p:cSld>
@@ -6925,69 +7935,6 @@
           <a:chExt cx="0" cy="0"/>
         </a:xfrm>
       </p:grpSpPr>
-      <p:grpSp>
-        <p:nvGrpSpPr>
-          <p:cNvPr id="6" name="组合 5"/>
-          <p:cNvGrpSpPr/>
-          <p:nvPr/>
-        </p:nvGrpSpPr>
-        <p:grpSpPr>
-          <a:xfrm>
-            <a:off x="490830" y="3431036"/>
-            <a:ext cx="4680000" cy="3600000"/>
-            <a:chOff x="5673313" y="1391123"/>
-            <a:chExt cx="4744371" cy="3600000"/>
-          </a:xfrm>
-        </p:grpSpPr>
-        <p:pic>
-          <p:nvPicPr>
-            <p:cNvPr id="5" name="图片 4"/>
-            <p:cNvPicPr>
-              <a:picLocks noChangeAspect="1"/>
-            </p:cNvPicPr>
-            <p:nvPr/>
-          </p:nvPicPr>
-          <p:blipFill>
-            <a:blip r:embed="rId2"/>
-            <a:stretch>
-              <a:fillRect/>
-            </a:stretch>
-          </p:blipFill>
-          <p:spPr>
-            <a:xfrm>
-              <a:off x="5673313" y="1391123"/>
-              <a:ext cx="4744371" cy="3600000"/>
-            </a:xfrm>
-            <a:prstGeom prst="rect">
-              <a:avLst/>
-            </a:prstGeom>
-          </p:spPr>
-        </p:pic>
-        <p:pic>
-          <p:nvPicPr>
-            <p:cNvPr id="4" name="图片 3"/>
-            <p:cNvPicPr>
-              <a:picLocks noChangeAspect="1"/>
-            </p:cNvPicPr>
-            <p:nvPr/>
-          </p:nvPicPr>
-          <p:blipFill>
-            <a:blip r:embed="rId3"/>
-            <a:stretch>
-              <a:fillRect/>
-            </a:stretch>
-          </p:blipFill>
-          <p:spPr>
-            <a:xfrm>
-              <a:off x="6202496" y="1929578"/>
-              <a:ext cx="2160000" cy="1573117"/>
-            </a:xfrm>
-            <a:prstGeom prst="rect">
-              <a:avLst/>
-            </a:prstGeom>
-          </p:spPr>
-        </p:pic>
-      </p:grpSp>
       <p:sp>
         <p:nvSpPr>
           <p:cNvPr id="7" name="竖排标题 6"/>
@@ -6998,7 +7945,12 @@
             <p:ph type="title" orient="vert"/>
           </p:nvPr>
         </p:nvSpPr>
-        <p:spPr/>
+        <p:spPr>
+          <a:xfrm>
+            <a:off x="10386060" y="367894"/>
+            <a:ext cx="2628900" cy="5811838"/>
+          </a:xfrm>
+        </p:spPr>
         <p:txBody>
           <a:bodyPr vert="horz">
             <a:normAutofit fontScale="90000"/>
@@ -7036,157 +7988,390 @@
           </a:p>
         </p:txBody>
       </p:sp>
-      <p:pic>
-        <p:nvPicPr>
-          <p:cNvPr id="8" name="Picture 2"/>
-          <p:cNvPicPr>
-            <a:picLocks noChangeAspect="1" noChangeArrowheads="1"/>
-          </p:cNvPicPr>
-          <p:nvPr/>
-        </p:nvPicPr>
-        <p:blipFill>
-          <a:blip r:embed="rId4" cstate="print">
-            <a:extLst>
-              <a:ext uri="{28A0092B-C50C-407E-A947-70E740481C1C}">
-                <a14:useLocalDpi xmlns:a14="http://schemas.microsoft.com/office/drawing/2010/main" val="0"/>
-              </a:ext>
-            </a:extLst>
-          </a:blip>
-          <a:srcRect/>
-          <a:stretch>
-            <a:fillRect/>
-          </a:stretch>
-        </p:blipFill>
-        <p:spPr bwMode="auto">
-          <a:xfrm>
-            <a:off x="678886" y="609746"/>
-            <a:ext cx="4395634" cy="3024000"/>
-          </a:xfrm>
-          <a:prstGeom prst="rect">
-            <a:avLst/>
-          </a:prstGeom>
-          <a:noFill/>
-          <a:ln>
-            <a:noFill/>
-          </a:ln>
-          <a:effectLst/>
-          <a:extLst>
-            <a:ext uri="{909E8E84-426E-40DD-AFC4-6F175D3DCCD1}">
-              <a14:hiddenFill xmlns:a14="http://schemas.microsoft.com/office/drawing/2010/main">
-                <a:solidFill>
-                  <a:schemeClr val="accent1"/>
-                </a:solidFill>
-              </a14:hiddenFill>
-            </a:ext>
-            <a:ext uri="{91240B29-F687-4F45-9708-019B960494DF}">
-              <a14:hiddenLine xmlns:a14="http://schemas.microsoft.com/office/drawing/2010/main" w="9525">
-                <a:solidFill>
-                  <a:schemeClr val="tx1"/>
-                </a:solidFill>
-                <a:miter lim="800000"/>
-                <a:headEnd/>
-                <a:tailEnd/>
-              </a14:hiddenLine>
-            </a:ext>
-            <a:ext uri="{AF507438-7753-43E0-B8FC-AC1667EBCBE1}">
-              <a14:hiddenEffects xmlns:a14="http://schemas.microsoft.com/office/drawing/2010/main">
-                <a:effectLst>
-                  <a:outerShdw dist="35921" dir="2700000" algn="ctr" rotWithShape="0">
-                    <a:schemeClr val="bg2"/>
-                  </a:outerShdw>
-                </a:effectLst>
-              </a14:hiddenEffects>
-            </a:ext>
-          </a:extLst>
-        </p:spPr>
-      </p:pic>
       <p:grpSp>
         <p:nvGrpSpPr>
-          <p:cNvPr id="14" name="组合 13"/>
+          <p:cNvPr id="9" name="组合 8"/>
           <p:cNvGrpSpPr/>
           <p:nvPr/>
         </p:nvGrpSpPr>
         <p:grpSpPr>
           <a:xfrm>
-            <a:off x="4552780" y="3310625"/>
-            <a:ext cx="4680000" cy="3684422"/>
-            <a:chOff x="4552780" y="3310625"/>
-            <a:chExt cx="4680000" cy="3684422"/>
+            <a:off x="490830" y="389687"/>
+            <a:ext cx="8979915" cy="6641349"/>
+            <a:chOff x="490830" y="389687"/>
+            <a:chExt cx="8979915" cy="6641349"/>
           </a:xfrm>
         </p:grpSpPr>
+        <p:grpSp>
+          <p:nvGrpSpPr>
+            <p:cNvPr id="6" name="组合 5"/>
+            <p:cNvGrpSpPr/>
+            <p:nvPr/>
+          </p:nvGrpSpPr>
+          <p:grpSpPr>
+            <a:xfrm>
+              <a:off x="490830" y="3431036"/>
+              <a:ext cx="4680000" cy="3600000"/>
+              <a:chOff x="5673313" y="1391123"/>
+              <a:chExt cx="4744371" cy="3600000"/>
+            </a:xfrm>
+          </p:grpSpPr>
+          <p:pic>
+            <p:nvPicPr>
+              <p:cNvPr id="5" name="图片 4"/>
+              <p:cNvPicPr>
+                <a:picLocks noChangeAspect="1"/>
+              </p:cNvPicPr>
+              <p:nvPr/>
+            </p:nvPicPr>
+            <p:blipFill>
+              <a:blip r:embed="rId2"/>
+              <a:stretch>
+                <a:fillRect/>
+              </a:stretch>
+            </p:blipFill>
+            <p:spPr>
+              <a:xfrm>
+                <a:off x="5673313" y="1391123"/>
+                <a:ext cx="4744371" cy="3600000"/>
+              </a:xfrm>
+              <a:prstGeom prst="rect">
+                <a:avLst/>
+              </a:prstGeom>
+            </p:spPr>
+          </p:pic>
+          <p:pic>
+            <p:nvPicPr>
+              <p:cNvPr id="4" name="图片 3"/>
+              <p:cNvPicPr>
+                <a:picLocks noChangeAspect="1"/>
+              </p:cNvPicPr>
+              <p:nvPr/>
+            </p:nvPicPr>
+            <p:blipFill>
+              <a:blip r:embed="rId3"/>
+              <a:stretch>
+                <a:fillRect/>
+              </a:stretch>
+            </p:blipFill>
+            <p:spPr>
+              <a:xfrm>
+                <a:off x="6202496" y="1929578"/>
+                <a:ext cx="2160000" cy="1573117"/>
+              </a:xfrm>
+              <a:prstGeom prst="rect">
+                <a:avLst/>
+              </a:prstGeom>
+            </p:spPr>
+          </p:pic>
+        </p:grpSp>
         <p:pic>
           <p:nvPicPr>
-            <p:cNvPr id="13" name="图片 12"/>
+            <p:cNvPr id="8" name="Picture 2"/>
+            <p:cNvPicPr>
+              <a:picLocks noChangeAspect="1" noChangeArrowheads="1"/>
+            </p:cNvPicPr>
+            <p:nvPr/>
+          </p:nvPicPr>
+          <p:blipFill>
+            <a:blip r:embed="rId4" cstate="print">
+              <a:extLst>
+                <a:ext uri="{28A0092B-C50C-407E-A947-70E740481C1C}">
+                  <a14:useLocalDpi xmlns:a14="http://schemas.microsoft.com/office/drawing/2010/main" val="0"/>
+                </a:ext>
+              </a:extLst>
+            </a:blip>
+            <a:srcRect/>
+            <a:stretch>
+              <a:fillRect/>
+            </a:stretch>
+          </p:blipFill>
+          <p:spPr bwMode="auto">
+            <a:xfrm>
+              <a:off x="678886" y="609746"/>
+              <a:ext cx="4395634" cy="3024000"/>
+            </a:xfrm>
+            <a:prstGeom prst="rect">
+              <a:avLst/>
+            </a:prstGeom>
+            <a:noFill/>
+            <a:ln>
+              <a:noFill/>
+            </a:ln>
+            <a:effectLst/>
+            <a:extLst>
+              <a:ext uri="{909E8E84-426E-40DD-AFC4-6F175D3DCCD1}">
+                <a14:hiddenFill xmlns:a14="http://schemas.microsoft.com/office/drawing/2010/main">
+                  <a:solidFill>
+                    <a:schemeClr val="accent1"/>
+                  </a:solidFill>
+                </a14:hiddenFill>
+              </a:ext>
+              <a:ext uri="{91240B29-F687-4F45-9708-019B960494DF}">
+                <a14:hiddenLine xmlns:a14="http://schemas.microsoft.com/office/drawing/2010/main" w="9525">
+                  <a:solidFill>
+                    <a:schemeClr val="tx1"/>
+                  </a:solidFill>
+                  <a:miter lim="800000"/>
+                  <a:headEnd/>
+                  <a:tailEnd/>
+                </a14:hiddenLine>
+              </a:ext>
+              <a:ext uri="{AF507438-7753-43E0-B8FC-AC1667EBCBE1}">
+                <a14:hiddenEffects xmlns:a14="http://schemas.microsoft.com/office/drawing/2010/main">
+                  <a:effectLst>
+                    <a:outerShdw dist="35921" dir="2700000" algn="ctr" rotWithShape="0">
+                      <a:schemeClr val="bg2"/>
+                    </a:outerShdw>
+                  </a:effectLst>
+                </a14:hiddenEffects>
+              </a:ext>
+            </a:extLst>
+          </p:spPr>
+        </p:pic>
+        <p:grpSp>
+          <p:nvGrpSpPr>
+            <p:cNvPr id="14" name="组合 13"/>
+            <p:cNvGrpSpPr/>
+            <p:nvPr/>
+          </p:nvGrpSpPr>
+          <p:grpSpPr>
+            <a:xfrm>
+              <a:off x="4735660" y="3310625"/>
+              <a:ext cx="4709949" cy="3708000"/>
+              <a:chOff x="4735660" y="3295385"/>
+              <a:chExt cx="4709949" cy="3708000"/>
+            </a:xfrm>
+          </p:grpSpPr>
+          <p:pic>
+            <p:nvPicPr>
+              <p:cNvPr id="13" name="图片 12"/>
+              <p:cNvPicPr>
+                <a:picLocks noChangeAspect="1"/>
+              </p:cNvPicPr>
+              <p:nvPr/>
+            </p:nvPicPr>
+            <p:blipFill>
+              <a:blip r:embed="rId5"/>
+              <a:stretch>
+                <a:fillRect/>
+              </a:stretch>
+            </p:blipFill>
+            <p:spPr>
+              <a:xfrm>
+                <a:off x="4735660" y="3295385"/>
+                <a:ext cx="4709949" cy="3708000"/>
+              </a:xfrm>
+              <a:prstGeom prst="rect">
+                <a:avLst/>
+              </a:prstGeom>
+            </p:spPr>
+          </p:pic>
+          <p:pic>
+            <p:nvPicPr>
+              <p:cNvPr id="2" name="图片 1"/>
+              <p:cNvPicPr>
+                <a:picLocks noChangeAspect="1"/>
+              </p:cNvPicPr>
+              <p:nvPr/>
+            </p:nvPicPr>
+            <p:blipFill>
+              <a:blip r:embed="rId6"/>
+              <a:stretch>
+                <a:fillRect/>
+              </a:stretch>
+            </p:blipFill>
+            <p:spPr>
+              <a:xfrm>
+                <a:off x="5197464" y="3905796"/>
+                <a:ext cx="2194927" cy="1728000"/>
+              </a:xfrm>
+              <a:prstGeom prst="rect">
+                <a:avLst/>
+              </a:prstGeom>
+            </p:spPr>
+          </p:pic>
+        </p:grpSp>
+        <p:pic>
+          <p:nvPicPr>
+            <p:cNvPr id="11" name="图片 10"/>
             <p:cNvPicPr>
               <a:picLocks noChangeAspect="1"/>
             </p:cNvPicPr>
             <p:nvPr/>
           </p:nvPicPr>
           <p:blipFill>
-            <a:blip r:embed="rId5"/>
+            <a:blip r:embed="rId7"/>
             <a:stretch>
               <a:fillRect/>
             </a:stretch>
           </p:blipFill>
           <p:spPr>
             <a:xfrm>
-              <a:off x="4552780" y="3310625"/>
-              <a:ext cx="4680000" cy="3684422"/>
+              <a:off x="4790745" y="389687"/>
+              <a:ext cx="4680000" cy="3464118"/>
             </a:xfrm>
             <a:prstGeom prst="rect">
               <a:avLst/>
             </a:prstGeom>
           </p:spPr>
         </p:pic>
-        <p:pic>
-          <p:nvPicPr>
-            <p:cNvPr id="2" name="图片 1"/>
-            <p:cNvPicPr>
-              <a:picLocks noChangeAspect="1"/>
-            </p:cNvPicPr>
+        <p:sp>
+          <p:nvSpPr>
+            <p:cNvPr id="3" name="矩形 2"/>
+            <p:cNvSpPr/>
             <p:nvPr/>
-          </p:nvPicPr>
-          <p:blipFill>
-            <a:blip r:embed="rId6"/>
-            <a:stretch>
-              <a:fillRect/>
-            </a:stretch>
-          </p:blipFill>
+          </p:nvSpPr>
           <p:spPr>
             <a:xfrm>
-              <a:off x="5014584" y="3905797"/>
-              <a:ext cx="2160000" cy="1700503"/>
+              <a:off x="2729868" y="3291897"/>
+              <a:ext cx="308098" cy="400110"/>
             </a:xfrm>
             <a:prstGeom prst="rect">
               <a:avLst/>
             </a:prstGeom>
+            <a:noFill/>
           </p:spPr>
-        </p:pic>
+          <p:txBody>
+            <a:bodyPr wrap="none" lIns="91440" tIns="45720" rIns="91440" bIns="45720">
+              <a:spAutoFit/>
+            </a:bodyPr>
+            <a:lstStyle/>
+            <a:p>
+              <a:pPr algn="ctr"/>
+              <a:r>
+                <a:rPr lang="en-US" altLang="zh-CN" sz="2000" b="0" cap="none" spc="0" dirty="0" smtClean="0">
+                  <a:ln w="0"/>
+                  <a:solidFill>
+                    <a:schemeClr val="tx1"/>
+                  </a:solidFill>
+                </a:rPr>
+                <a:t>a</a:t>
+              </a:r>
+              <a:endParaRPr lang="zh-CN" altLang="en-US" sz="1600" b="0" cap="none" spc="0" dirty="0">
+                <a:ln w="0"/>
+                <a:solidFill>
+                  <a:schemeClr val="tx1"/>
+                </a:solidFill>
+              </a:endParaRPr>
+            </a:p>
+          </p:txBody>
+        </p:sp>
+        <p:sp>
+          <p:nvSpPr>
+            <p:cNvPr id="12" name="矩形 11"/>
+            <p:cNvSpPr/>
+            <p:nvPr/>
+          </p:nvSpPr>
+          <p:spPr>
+            <a:xfrm>
+              <a:off x="7117190" y="3313967"/>
+              <a:ext cx="319319" cy="400110"/>
+            </a:xfrm>
+            <a:prstGeom prst="rect">
+              <a:avLst/>
+            </a:prstGeom>
+            <a:noFill/>
+          </p:spPr>
+          <p:txBody>
+            <a:bodyPr wrap="none" lIns="91440" tIns="45720" rIns="91440" bIns="45720">
+              <a:spAutoFit/>
+            </a:bodyPr>
+            <a:lstStyle/>
+            <a:p>
+              <a:pPr algn="ctr"/>
+              <a:r>
+                <a:rPr lang="en-US" altLang="zh-CN" sz="2000" dirty="0">
+                  <a:ln w="0"/>
+                </a:rPr>
+                <a:t>b</a:t>
+              </a:r>
+              <a:endParaRPr lang="zh-CN" altLang="en-US" sz="1600" b="0" cap="none" spc="0" dirty="0">
+                <a:ln w="0"/>
+                <a:solidFill>
+                  <a:schemeClr val="tx1"/>
+                </a:solidFill>
+              </a:endParaRPr>
+            </a:p>
+          </p:txBody>
+        </p:sp>
+        <p:sp>
+          <p:nvSpPr>
+            <p:cNvPr id="15" name="矩形 14"/>
+            <p:cNvSpPr/>
+            <p:nvPr/>
+          </p:nvSpPr>
+          <p:spPr>
+            <a:xfrm>
+              <a:off x="7117190" y="6535461"/>
+              <a:ext cx="319319" cy="400110"/>
+            </a:xfrm>
+            <a:prstGeom prst="rect">
+              <a:avLst/>
+            </a:prstGeom>
+            <a:noFill/>
+          </p:spPr>
+          <p:txBody>
+            <a:bodyPr wrap="none" lIns="91440" tIns="45720" rIns="91440" bIns="45720">
+              <a:spAutoFit/>
+            </a:bodyPr>
+            <a:lstStyle/>
+            <a:p>
+              <a:pPr algn="ctr"/>
+              <a:r>
+                <a:rPr lang="en-US" altLang="zh-CN" sz="2000" dirty="0">
+                  <a:ln w="0"/>
+                </a:rPr>
+                <a:t>d</a:t>
+              </a:r>
+              <a:endParaRPr lang="zh-CN" altLang="en-US" sz="1600" b="0" cap="none" spc="0" dirty="0">
+                <a:ln w="0"/>
+                <a:solidFill>
+                  <a:schemeClr val="tx1"/>
+                </a:solidFill>
+              </a:endParaRPr>
+            </a:p>
+          </p:txBody>
+        </p:sp>
+        <p:sp>
+          <p:nvSpPr>
+            <p:cNvPr id="16" name="矩形 15"/>
+            <p:cNvSpPr/>
+            <p:nvPr/>
+          </p:nvSpPr>
+          <p:spPr>
+            <a:xfrm>
+              <a:off x="2729868" y="6535461"/>
+              <a:ext cx="293670" cy="400110"/>
+            </a:xfrm>
+            <a:prstGeom prst="rect">
+              <a:avLst/>
+            </a:prstGeom>
+            <a:noFill/>
+          </p:spPr>
+          <p:txBody>
+            <a:bodyPr wrap="none" lIns="91440" tIns="45720" rIns="91440" bIns="45720">
+              <a:spAutoFit/>
+            </a:bodyPr>
+            <a:lstStyle/>
+            <a:p>
+              <a:pPr algn="ctr"/>
+              <a:r>
+                <a:rPr lang="en-US" altLang="zh-CN" sz="2000" dirty="0" smtClean="0">
+                  <a:ln w="0"/>
+                </a:rPr>
+                <a:t>c</a:t>
+              </a:r>
+              <a:endParaRPr lang="zh-CN" altLang="en-US" sz="1600" b="0" cap="none" spc="0" dirty="0">
+                <a:ln w="0"/>
+                <a:solidFill>
+                  <a:schemeClr val="tx1"/>
+                </a:solidFill>
+              </a:endParaRPr>
+            </a:p>
+          </p:txBody>
+        </p:sp>
       </p:grpSp>
-      <p:pic>
-        <p:nvPicPr>
-          <p:cNvPr id="11" name="图片 10"/>
-          <p:cNvPicPr>
-            <a:picLocks noChangeAspect="1"/>
-          </p:cNvPicPr>
-          <p:nvPr/>
-        </p:nvPicPr>
-        <p:blipFill>
-          <a:blip r:embed="rId7"/>
-          <a:stretch>
-            <a:fillRect/>
-          </a:stretch>
-        </p:blipFill>
-        <p:spPr>
-          <a:xfrm>
-            <a:off x="4607865" y="389687"/>
-            <a:ext cx="4680000" cy="3464118"/>
-          </a:xfrm>
-          <a:prstGeom prst="rect">
-            <a:avLst/>
-          </a:prstGeom>
-        </p:spPr>
-      </p:pic>
     </p:spTree>
     <p:extLst>
       <p:ext uri="{BB962C8B-B14F-4D97-AF65-F5344CB8AC3E}">
@@ -7368,11 +8553,7 @@
             </a:r>
             <a:r>
               <a:rPr lang="zh-CN" altLang="en-US" dirty="0" smtClean="0"/>
-              <a:t>为基准归一化前后</a:t>
-            </a:r>
-            <a:r>
-              <a:rPr lang="zh-CN" altLang="en-US" dirty="0" smtClean="0"/>
-              <a:t>。</a:t>
+              <a:t>为基准归一化前后。</a:t>
             </a:r>
             <a:r>
               <a:rPr lang="en-US" altLang="zh-CN" dirty="0" smtClean="0"/>

--- a/毕业论文/论文用图.pptx
+++ b/毕业论文/论文用图.pptx
@@ -16,10 +16,12 @@
     <p:sldId id="263" r:id="rId10"/>
     <p:sldId id="258" r:id="rId11"/>
     <p:sldId id="262" r:id="rId12"/>
-    <p:sldId id="260" r:id="rId13"/>
-    <p:sldId id="261" r:id="rId14"/>
-    <p:sldId id="259" r:id="rId15"/>
-    <p:sldId id="270" r:id="rId16"/>
+    <p:sldId id="271" r:id="rId13"/>
+    <p:sldId id="272" r:id="rId14"/>
+    <p:sldId id="260" r:id="rId15"/>
+    <p:sldId id="261" r:id="rId16"/>
+    <p:sldId id="259" r:id="rId17"/>
+    <p:sldId id="270" r:id="rId18"/>
   </p:sldIdLst>
   <p:sldSz cx="12192000" cy="6858000"/>
   <p:notesSz cx="6858000" cy="9144000"/>
@@ -257,7 +259,7 @@
           <a:p>
             <a:fld id="{2434905A-E1A4-4744-B5A9-97B0F93BB70A}" type="datetimeFigureOut">
               <a:rPr lang="zh-CN" altLang="en-US" smtClean="0"/>
-              <a:t>2016/3/11</a:t>
+              <a:t>2016/3/16</a:t>
             </a:fld>
             <a:endParaRPr lang="zh-CN" altLang="en-US"/>
           </a:p>
@@ -427,7 +429,7 @@
           <a:p>
             <a:fld id="{2434905A-E1A4-4744-B5A9-97B0F93BB70A}" type="datetimeFigureOut">
               <a:rPr lang="zh-CN" altLang="en-US" smtClean="0"/>
-              <a:t>2016/3/11</a:t>
+              <a:t>2016/3/16</a:t>
             </a:fld>
             <a:endParaRPr lang="zh-CN" altLang="en-US"/>
           </a:p>
@@ -607,7 +609,7 @@
           <a:p>
             <a:fld id="{2434905A-E1A4-4744-B5A9-97B0F93BB70A}" type="datetimeFigureOut">
               <a:rPr lang="zh-CN" altLang="en-US" smtClean="0"/>
-              <a:t>2016/3/11</a:t>
+              <a:t>2016/3/16</a:t>
             </a:fld>
             <a:endParaRPr lang="zh-CN" altLang="en-US"/>
           </a:p>
@@ -777,7 +779,7 @@
           <a:p>
             <a:fld id="{2434905A-E1A4-4744-B5A9-97B0F93BB70A}" type="datetimeFigureOut">
               <a:rPr lang="zh-CN" altLang="en-US" smtClean="0"/>
-              <a:t>2016/3/11</a:t>
+              <a:t>2016/3/16</a:t>
             </a:fld>
             <a:endParaRPr lang="zh-CN" altLang="en-US"/>
           </a:p>
@@ -1023,7 +1025,7 @@
           <a:p>
             <a:fld id="{2434905A-E1A4-4744-B5A9-97B0F93BB70A}" type="datetimeFigureOut">
               <a:rPr lang="zh-CN" altLang="en-US" smtClean="0"/>
-              <a:t>2016/3/11</a:t>
+              <a:t>2016/3/16</a:t>
             </a:fld>
             <a:endParaRPr lang="zh-CN" altLang="en-US"/>
           </a:p>
@@ -1255,7 +1257,7 @@
           <a:p>
             <a:fld id="{2434905A-E1A4-4744-B5A9-97B0F93BB70A}" type="datetimeFigureOut">
               <a:rPr lang="zh-CN" altLang="en-US" smtClean="0"/>
-              <a:t>2016/3/11</a:t>
+              <a:t>2016/3/16</a:t>
             </a:fld>
             <a:endParaRPr lang="zh-CN" altLang="en-US"/>
           </a:p>
@@ -1622,7 +1624,7 @@
           <a:p>
             <a:fld id="{2434905A-E1A4-4744-B5A9-97B0F93BB70A}" type="datetimeFigureOut">
               <a:rPr lang="zh-CN" altLang="en-US" smtClean="0"/>
-              <a:t>2016/3/11</a:t>
+              <a:t>2016/3/16</a:t>
             </a:fld>
             <a:endParaRPr lang="zh-CN" altLang="en-US"/>
           </a:p>
@@ -1740,7 +1742,7 @@
           <a:p>
             <a:fld id="{2434905A-E1A4-4744-B5A9-97B0F93BB70A}" type="datetimeFigureOut">
               <a:rPr lang="zh-CN" altLang="en-US" smtClean="0"/>
-              <a:t>2016/3/11</a:t>
+              <a:t>2016/3/16</a:t>
             </a:fld>
             <a:endParaRPr lang="zh-CN" altLang="en-US"/>
           </a:p>
@@ -1835,7 +1837,7 @@
           <a:p>
             <a:fld id="{2434905A-E1A4-4744-B5A9-97B0F93BB70A}" type="datetimeFigureOut">
               <a:rPr lang="zh-CN" altLang="en-US" smtClean="0"/>
-              <a:t>2016/3/11</a:t>
+              <a:t>2016/3/16</a:t>
             </a:fld>
             <a:endParaRPr lang="zh-CN" altLang="en-US"/>
           </a:p>
@@ -2112,7 +2114,7 @@
           <a:p>
             <a:fld id="{2434905A-E1A4-4744-B5A9-97B0F93BB70A}" type="datetimeFigureOut">
               <a:rPr lang="zh-CN" altLang="en-US" smtClean="0"/>
-              <a:t>2016/3/11</a:t>
+              <a:t>2016/3/16</a:t>
             </a:fld>
             <a:endParaRPr lang="zh-CN" altLang="en-US"/>
           </a:p>
@@ -2365,7 +2367,7 @@
           <a:p>
             <a:fld id="{2434905A-E1A4-4744-B5A9-97B0F93BB70A}" type="datetimeFigureOut">
               <a:rPr lang="zh-CN" altLang="en-US" smtClean="0"/>
-              <a:t>2016/3/11</a:t>
+              <a:t>2016/3/16</a:t>
             </a:fld>
             <a:endParaRPr lang="zh-CN" altLang="en-US"/>
           </a:p>
@@ -2578,7 +2580,7 @@
           <a:p>
             <a:fld id="{2434905A-E1A4-4744-B5A9-97B0F93BB70A}" type="datetimeFigureOut">
               <a:rPr lang="zh-CN" altLang="en-US" smtClean="0"/>
-              <a:t>2016/3/11</a:t>
+              <a:t>2016/3/16</a:t>
             </a:fld>
             <a:endParaRPr lang="zh-CN" altLang="en-US"/>
           </a:p>
@@ -3332,6 +3334,682 @@
           <a:chExt cx="0" cy="0"/>
         </a:xfrm>
       </p:grpSpPr>
+      <p:pic>
+        <p:nvPicPr>
+          <p:cNvPr id="5" name="图片 4"/>
+          <p:cNvPicPr>
+            <a:picLocks noChangeAspect="1"/>
+          </p:cNvPicPr>
+          <p:nvPr/>
+        </p:nvPicPr>
+        <p:blipFill>
+          <a:blip r:embed="rId2"/>
+          <a:stretch>
+            <a:fillRect/>
+          </a:stretch>
+        </p:blipFill>
+        <p:spPr>
+          <a:xfrm>
+            <a:off x="1864180" y="1473231"/>
+            <a:ext cx="5276303" cy="1481846"/>
+          </a:xfrm>
+          <a:prstGeom prst="rect">
+            <a:avLst/>
+          </a:prstGeom>
+        </p:spPr>
+      </p:pic>
+      <p:pic>
+        <p:nvPicPr>
+          <p:cNvPr id="7" name="图片 6"/>
+          <p:cNvPicPr>
+            <a:picLocks noChangeAspect="1"/>
+          </p:cNvPicPr>
+          <p:nvPr/>
+        </p:nvPicPr>
+        <p:blipFill>
+          <a:blip r:embed="rId3"/>
+          <a:stretch>
+            <a:fillRect/>
+          </a:stretch>
+        </p:blipFill>
+        <p:spPr>
+          <a:xfrm>
+            <a:off x="1868763" y="2955077"/>
+            <a:ext cx="5271720" cy="1417816"/>
+          </a:xfrm>
+          <a:prstGeom prst="rect">
+            <a:avLst/>
+          </a:prstGeom>
+        </p:spPr>
+      </p:pic>
+    </p:spTree>
+    <p:extLst>
+      <p:ext uri="{BB962C8B-B14F-4D97-AF65-F5344CB8AC3E}">
+        <p14:creationId xmlns:p14="http://schemas.microsoft.com/office/powerpoint/2010/main" val="1695871924"/>
+      </p:ext>
+    </p:extLst>
+  </p:cSld>
+  <p:clrMapOvr>
+    <a:masterClrMapping/>
+  </p:clrMapOvr>
+</p:sld>
+</file>
+
+<file path=ppt/slides/slide13.xml><?xml version="1.0" encoding="utf-8"?>
+<p:sld xmlns:a="http://schemas.openxmlformats.org/drawingml/2006/main" xmlns:r="http://schemas.openxmlformats.org/officeDocument/2006/relationships" xmlns:p="http://schemas.openxmlformats.org/presentationml/2006/main">
+  <p:cSld>
+    <p:spTree>
+      <p:nvGrpSpPr>
+        <p:cNvPr id="1" name=""/>
+        <p:cNvGrpSpPr/>
+        <p:nvPr/>
+      </p:nvGrpSpPr>
+      <p:grpSpPr>
+        <a:xfrm>
+          <a:off x="0" y="0"/>
+          <a:ext cx="0" cy="0"/>
+          <a:chOff x="0" y="0"/>
+          <a:chExt cx="0" cy="0"/>
+        </a:xfrm>
+      </p:grpSpPr>
+      <p:grpSp>
+        <p:nvGrpSpPr>
+          <p:cNvPr id="36" name="组合 35"/>
+          <p:cNvGrpSpPr/>
+          <p:nvPr/>
+        </p:nvGrpSpPr>
+        <p:grpSpPr>
+          <a:xfrm>
+            <a:off x="3731623" y="950579"/>
+            <a:ext cx="6015857" cy="4865401"/>
+            <a:chOff x="3053443" y="996299"/>
+            <a:chExt cx="6015857" cy="4865401"/>
+          </a:xfrm>
+        </p:grpSpPr>
+        <p:pic>
+          <p:nvPicPr>
+            <p:cNvPr id="6" name="图片 5"/>
+            <p:cNvPicPr>
+              <a:picLocks noChangeAspect="1"/>
+            </p:cNvPicPr>
+            <p:nvPr/>
+          </p:nvPicPr>
+          <p:blipFill>
+            <a:blip r:embed="rId2"/>
+            <a:stretch>
+              <a:fillRect/>
+            </a:stretch>
+          </p:blipFill>
+          <p:spPr>
+            <a:xfrm>
+              <a:off x="3122699" y="996299"/>
+              <a:ext cx="5946601" cy="4865401"/>
+            </a:xfrm>
+            <a:prstGeom prst="rect">
+              <a:avLst/>
+            </a:prstGeom>
+          </p:spPr>
+        </p:pic>
+        <p:cxnSp>
+          <p:nvCxnSpPr>
+            <p:cNvPr id="8" name="直接连接符 7"/>
+            <p:cNvCxnSpPr/>
+            <p:nvPr/>
+          </p:nvCxnSpPr>
+          <p:spPr>
+            <a:xfrm>
+              <a:off x="3670663" y="4428309"/>
+              <a:ext cx="5042263" cy="0"/>
+            </a:xfrm>
+            <a:prstGeom prst="line">
+              <a:avLst/>
+            </a:prstGeom>
+            <a:ln>
+              <a:solidFill>
+                <a:schemeClr val="tx1"/>
+              </a:solidFill>
+              <a:prstDash val="dash"/>
+            </a:ln>
+          </p:spPr>
+          <p:style>
+            <a:lnRef idx="1">
+              <a:schemeClr val="accent1"/>
+            </a:lnRef>
+            <a:fillRef idx="0">
+              <a:schemeClr val="accent1"/>
+            </a:fillRef>
+            <a:effectRef idx="0">
+              <a:schemeClr val="accent1"/>
+            </a:effectRef>
+            <a:fontRef idx="minor">
+              <a:schemeClr val="tx1"/>
+            </a:fontRef>
+          </p:style>
+        </p:cxnSp>
+        <p:cxnSp>
+          <p:nvCxnSpPr>
+            <p:cNvPr id="9" name="直接连接符 8"/>
+            <p:cNvCxnSpPr/>
+            <p:nvPr/>
+          </p:nvCxnSpPr>
+          <p:spPr>
+            <a:xfrm>
+              <a:off x="3670663" y="3914503"/>
+              <a:ext cx="5042263" cy="0"/>
+            </a:xfrm>
+            <a:prstGeom prst="line">
+              <a:avLst/>
+            </a:prstGeom>
+            <a:ln>
+              <a:solidFill>
+                <a:schemeClr val="tx1"/>
+              </a:solidFill>
+              <a:prstDash val="dash"/>
+            </a:ln>
+          </p:spPr>
+          <p:style>
+            <a:lnRef idx="1">
+              <a:schemeClr val="accent1"/>
+            </a:lnRef>
+            <a:fillRef idx="0">
+              <a:schemeClr val="accent1"/>
+            </a:fillRef>
+            <a:effectRef idx="0">
+              <a:schemeClr val="accent1"/>
+            </a:effectRef>
+            <a:fontRef idx="minor">
+              <a:schemeClr val="tx1"/>
+            </a:fontRef>
+          </p:style>
+        </p:cxnSp>
+        <p:cxnSp>
+          <p:nvCxnSpPr>
+            <p:cNvPr id="10" name="直接连接符 9"/>
+            <p:cNvCxnSpPr/>
+            <p:nvPr/>
+          </p:nvCxnSpPr>
+          <p:spPr>
+            <a:xfrm>
+              <a:off x="3670663" y="3400698"/>
+              <a:ext cx="5042263" cy="0"/>
+            </a:xfrm>
+            <a:prstGeom prst="line">
+              <a:avLst/>
+            </a:prstGeom>
+            <a:ln>
+              <a:solidFill>
+                <a:schemeClr val="tx1"/>
+              </a:solidFill>
+              <a:prstDash val="dash"/>
+            </a:ln>
+          </p:spPr>
+          <p:style>
+            <a:lnRef idx="1">
+              <a:schemeClr val="accent1"/>
+            </a:lnRef>
+            <a:fillRef idx="0">
+              <a:schemeClr val="accent1"/>
+            </a:fillRef>
+            <a:effectRef idx="0">
+              <a:schemeClr val="accent1"/>
+            </a:effectRef>
+            <a:fontRef idx="minor">
+              <a:schemeClr val="tx1"/>
+            </a:fontRef>
+          </p:style>
+        </p:cxnSp>
+        <p:cxnSp>
+          <p:nvCxnSpPr>
+            <p:cNvPr id="11" name="直接连接符 10"/>
+            <p:cNvCxnSpPr/>
+            <p:nvPr/>
+          </p:nvCxnSpPr>
+          <p:spPr>
+            <a:xfrm>
+              <a:off x="3670663" y="2891246"/>
+              <a:ext cx="5042263" cy="0"/>
+            </a:xfrm>
+            <a:prstGeom prst="line">
+              <a:avLst/>
+            </a:prstGeom>
+            <a:ln>
+              <a:solidFill>
+                <a:schemeClr val="tx1"/>
+              </a:solidFill>
+              <a:prstDash val="dash"/>
+            </a:ln>
+          </p:spPr>
+          <p:style>
+            <a:lnRef idx="1">
+              <a:schemeClr val="accent1"/>
+            </a:lnRef>
+            <a:fillRef idx="0">
+              <a:schemeClr val="accent1"/>
+            </a:fillRef>
+            <a:effectRef idx="0">
+              <a:schemeClr val="accent1"/>
+            </a:effectRef>
+            <a:fontRef idx="minor">
+              <a:schemeClr val="tx1"/>
+            </a:fontRef>
+          </p:style>
+        </p:cxnSp>
+        <p:cxnSp>
+          <p:nvCxnSpPr>
+            <p:cNvPr id="12" name="直接连接符 11"/>
+            <p:cNvCxnSpPr/>
+            <p:nvPr/>
+          </p:nvCxnSpPr>
+          <p:spPr>
+            <a:xfrm>
+              <a:off x="3670663" y="2381795"/>
+              <a:ext cx="5042263" cy="0"/>
+            </a:xfrm>
+            <a:prstGeom prst="line">
+              <a:avLst/>
+            </a:prstGeom>
+            <a:ln>
+              <a:solidFill>
+                <a:schemeClr val="tx1"/>
+              </a:solidFill>
+              <a:prstDash val="dash"/>
+            </a:ln>
+          </p:spPr>
+          <p:style>
+            <a:lnRef idx="1">
+              <a:schemeClr val="accent1"/>
+            </a:lnRef>
+            <a:fillRef idx="0">
+              <a:schemeClr val="accent1"/>
+            </a:fillRef>
+            <a:effectRef idx="0">
+              <a:schemeClr val="accent1"/>
+            </a:effectRef>
+            <a:fontRef idx="minor">
+              <a:schemeClr val="tx1"/>
+            </a:fontRef>
+          </p:style>
+        </p:cxnSp>
+        <p:cxnSp>
+          <p:nvCxnSpPr>
+            <p:cNvPr id="13" name="直接连接符 12"/>
+            <p:cNvCxnSpPr/>
+            <p:nvPr/>
+          </p:nvCxnSpPr>
+          <p:spPr>
+            <a:xfrm>
+              <a:off x="3670663" y="1872343"/>
+              <a:ext cx="5042263" cy="0"/>
+            </a:xfrm>
+            <a:prstGeom prst="line">
+              <a:avLst/>
+            </a:prstGeom>
+            <a:ln>
+              <a:solidFill>
+                <a:schemeClr val="tx1"/>
+              </a:solidFill>
+              <a:prstDash val="dash"/>
+            </a:ln>
+          </p:spPr>
+          <p:style>
+            <a:lnRef idx="1">
+              <a:schemeClr val="accent1"/>
+            </a:lnRef>
+            <a:fillRef idx="0">
+              <a:schemeClr val="accent1"/>
+            </a:fillRef>
+            <a:effectRef idx="0">
+              <a:schemeClr val="accent1"/>
+            </a:effectRef>
+            <a:fontRef idx="minor">
+              <a:schemeClr val="tx1"/>
+            </a:fontRef>
+          </p:style>
+        </p:cxnSp>
+        <p:sp>
+          <p:nvSpPr>
+            <p:cNvPr id="26" name="椭圆 25"/>
+            <p:cNvSpPr/>
+            <p:nvPr/>
+          </p:nvSpPr>
+          <p:spPr>
+            <a:xfrm>
+              <a:off x="3436620" y="4785360"/>
+              <a:ext cx="211183" cy="251460"/>
+            </a:xfrm>
+            <a:prstGeom prst="ellipse">
+              <a:avLst/>
+            </a:prstGeom>
+            <a:solidFill>
+              <a:schemeClr val="bg1"/>
+            </a:solidFill>
+            <a:ln>
+              <a:solidFill>
+                <a:schemeClr val="bg1"/>
+              </a:solidFill>
+            </a:ln>
+          </p:spPr>
+          <p:style>
+            <a:lnRef idx="2">
+              <a:schemeClr val="accent1">
+                <a:shade val="50000"/>
+              </a:schemeClr>
+            </a:lnRef>
+            <a:fillRef idx="1">
+              <a:schemeClr val="accent1"/>
+            </a:fillRef>
+            <a:effectRef idx="0">
+              <a:schemeClr val="accent1"/>
+            </a:effectRef>
+            <a:fontRef idx="minor">
+              <a:schemeClr val="lt1"/>
+            </a:fontRef>
+          </p:style>
+          <p:txBody>
+            <a:bodyPr rtlCol="0" anchor="ctr"/>
+            <a:lstStyle/>
+            <a:p>
+              <a:pPr algn="ctr"/>
+              <a:endParaRPr lang="zh-CN" altLang="en-US"/>
+            </a:p>
+          </p:txBody>
+        </p:sp>
+        <p:sp>
+          <p:nvSpPr>
+            <p:cNvPr id="27" name="文本框 26"/>
+            <p:cNvSpPr txBox="1"/>
+            <p:nvPr/>
+          </p:nvSpPr>
+          <p:spPr>
+            <a:xfrm>
+              <a:off x="3061063" y="1687677"/>
+              <a:ext cx="708660" cy="369332"/>
+            </a:xfrm>
+            <a:prstGeom prst="rect">
+              <a:avLst/>
+            </a:prstGeom>
+            <a:noFill/>
+          </p:spPr>
+          <p:txBody>
+            <a:bodyPr wrap="square" rtlCol="0">
+              <a:spAutoFit/>
+            </a:bodyPr>
+            <a:lstStyle/>
+            <a:p>
+              <a:r>
+                <a:rPr lang="en-US" altLang="zh-CN" dirty="0" smtClean="0">
+                  <a:latin typeface="Times New Roman" panose="02020603050405020304" pitchFamily="18" charset="0"/>
+                  <a:cs typeface="Times New Roman" panose="02020603050405020304" pitchFamily="18" charset="0"/>
+                </a:rPr>
+                <a:t>CH</a:t>
+              </a:r>
+              <a:r>
+                <a:rPr lang="en-US" altLang="zh-CN" baseline="-25000" dirty="0" smtClean="0">
+                  <a:latin typeface="Times New Roman" panose="02020603050405020304" pitchFamily="18" charset="0"/>
+                  <a:cs typeface="Times New Roman" panose="02020603050405020304" pitchFamily="18" charset="0"/>
+                </a:rPr>
+                <a:t>4</a:t>
+              </a:r>
+              <a:endParaRPr lang="zh-CN" altLang="en-US" baseline="-25000" dirty="0">
+                <a:latin typeface="Times New Roman" panose="02020603050405020304" pitchFamily="18" charset="0"/>
+                <a:cs typeface="Times New Roman" panose="02020603050405020304" pitchFamily="18" charset="0"/>
+              </a:endParaRPr>
+            </a:p>
+          </p:txBody>
+        </p:sp>
+        <p:sp>
+          <p:nvSpPr>
+            <p:cNvPr id="28" name="文本框 27"/>
+            <p:cNvSpPr txBox="1"/>
+            <p:nvPr/>
+          </p:nvSpPr>
+          <p:spPr>
+            <a:xfrm>
+              <a:off x="3061063" y="2197129"/>
+              <a:ext cx="708660" cy="369332"/>
+            </a:xfrm>
+            <a:prstGeom prst="rect">
+              <a:avLst/>
+            </a:prstGeom>
+            <a:noFill/>
+          </p:spPr>
+          <p:txBody>
+            <a:bodyPr wrap="square" rtlCol="0">
+              <a:spAutoFit/>
+            </a:bodyPr>
+            <a:lstStyle/>
+            <a:p>
+              <a:r>
+                <a:rPr lang="en-US" altLang="zh-CN" dirty="0" smtClean="0">
+                  <a:latin typeface="Times New Roman" panose="02020603050405020304" pitchFamily="18" charset="0"/>
+                  <a:cs typeface="Times New Roman" panose="02020603050405020304" pitchFamily="18" charset="0"/>
+                </a:rPr>
+                <a:t>CO</a:t>
+              </a:r>
+              <a:endParaRPr lang="zh-CN" altLang="en-US" baseline="-25000" dirty="0">
+                <a:latin typeface="Times New Roman" panose="02020603050405020304" pitchFamily="18" charset="0"/>
+                <a:cs typeface="Times New Roman" panose="02020603050405020304" pitchFamily="18" charset="0"/>
+              </a:endParaRPr>
+            </a:p>
+          </p:txBody>
+        </p:sp>
+        <p:sp>
+          <p:nvSpPr>
+            <p:cNvPr id="29" name="文本框 28"/>
+            <p:cNvSpPr txBox="1"/>
+            <p:nvPr/>
+          </p:nvSpPr>
+          <p:spPr>
+            <a:xfrm>
+              <a:off x="3061063" y="2706581"/>
+              <a:ext cx="708660" cy="369332"/>
+            </a:xfrm>
+            <a:prstGeom prst="rect">
+              <a:avLst/>
+            </a:prstGeom>
+            <a:noFill/>
+          </p:spPr>
+          <p:txBody>
+            <a:bodyPr wrap="square" rtlCol="0">
+              <a:spAutoFit/>
+            </a:bodyPr>
+            <a:lstStyle/>
+            <a:p>
+              <a:r>
+                <a:rPr lang="en-US" altLang="zh-CN" dirty="0" smtClean="0">
+                  <a:latin typeface="Times New Roman" panose="02020603050405020304" pitchFamily="18" charset="0"/>
+                  <a:cs typeface="Times New Roman" panose="02020603050405020304" pitchFamily="18" charset="0"/>
+                </a:rPr>
+                <a:t>N</a:t>
+              </a:r>
+              <a:r>
+                <a:rPr lang="en-US" altLang="zh-CN" baseline="-25000" dirty="0" smtClean="0">
+                  <a:latin typeface="Times New Roman" panose="02020603050405020304" pitchFamily="18" charset="0"/>
+                  <a:cs typeface="Times New Roman" panose="02020603050405020304" pitchFamily="18" charset="0"/>
+                </a:rPr>
+                <a:t>2</a:t>
+              </a:r>
+              <a:r>
+                <a:rPr lang="en-US" altLang="zh-CN" dirty="0" smtClean="0">
+                  <a:latin typeface="Times New Roman" panose="02020603050405020304" pitchFamily="18" charset="0"/>
+                  <a:cs typeface="Times New Roman" panose="02020603050405020304" pitchFamily="18" charset="0"/>
+                </a:rPr>
+                <a:t>O</a:t>
+              </a:r>
+              <a:endParaRPr lang="zh-CN" altLang="en-US" baseline="-25000" dirty="0">
+                <a:latin typeface="Times New Roman" panose="02020603050405020304" pitchFamily="18" charset="0"/>
+                <a:cs typeface="Times New Roman" panose="02020603050405020304" pitchFamily="18" charset="0"/>
+              </a:endParaRPr>
+            </a:p>
+          </p:txBody>
+        </p:sp>
+        <p:sp>
+          <p:nvSpPr>
+            <p:cNvPr id="31" name="文本框 30"/>
+            <p:cNvSpPr txBox="1"/>
+            <p:nvPr/>
+          </p:nvSpPr>
+          <p:spPr>
+            <a:xfrm>
+              <a:off x="3061063" y="3216033"/>
+              <a:ext cx="708660" cy="369332"/>
+            </a:xfrm>
+            <a:prstGeom prst="rect">
+              <a:avLst/>
+            </a:prstGeom>
+            <a:noFill/>
+          </p:spPr>
+          <p:txBody>
+            <a:bodyPr wrap="square" rtlCol="0">
+              <a:spAutoFit/>
+            </a:bodyPr>
+            <a:lstStyle/>
+            <a:p>
+              <a:r>
+                <a:rPr lang="en-US" altLang="zh-CN" dirty="0" smtClean="0">
+                  <a:latin typeface="Times New Roman" panose="02020603050405020304" pitchFamily="18" charset="0"/>
+                  <a:cs typeface="Times New Roman" panose="02020603050405020304" pitchFamily="18" charset="0"/>
+                </a:rPr>
+                <a:t>O</a:t>
+              </a:r>
+              <a:r>
+                <a:rPr lang="en-US" altLang="zh-CN" baseline="-25000" dirty="0" smtClean="0">
+                  <a:latin typeface="Times New Roman" panose="02020603050405020304" pitchFamily="18" charset="0"/>
+                  <a:cs typeface="Times New Roman" panose="02020603050405020304" pitchFamily="18" charset="0"/>
+                </a:rPr>
+                <a:t>3</a:t>
+              </a:r>
+              <a:endParaRPr lang="zh-CN" altLang="en-US" baseline="-25000" dirty="0">
+                <a:latin typeface="Times New Roman" panose="02020603050405020304" pitchFamily="18" charset="0"/>
+                <a:cs typeface="Times New Roman" panose="02020603050405020304" pitchFamily="18" charset="0"/>
+              </a:endParaRPr>
+            </a:p>
+          </p:txBody>
+        </p:sp>
+        <p:sp>
+          <p:nvSpPr>
+            <p:cNvPr id="32" name="文本框 31"/>
+            <p:cNvSpPr txBox="1"/>
+            <p:nvPr/>
+          </p:nvSpPr>
+          <p:spPr>
+            <a:xfrm>
+              <a:off x="3061063" y="3725485"/>
+              <a:ext cx="708660" cy="369332"/>
+            </a:xfrm>
+            <a:prstGeom prst="rect">
+              <a:avLst/>
+            </a:prstGeom>
+            <a:noFill/>
+          </p:spPr>
+          <p:txBody>
+            <a:bodyPr wrap="square" rtlCol="0">
+              <a:spAutoFit/>
+            </a:bodyPr>
+            <a:lstStyle/>
+            <a:p>
+              <a:r>
+                <a:rPr lang="en-US" altLang="zh-CN" dirty="0" smtClean="0">
+                  <a:latin typeface="Times New Roman" panose="02020603050405020304" pitchFamily="18" charset="0"/>
+                  <a:cs typeface="Times New Roman" panose="02020603050405020304" pitchFamily="18" charset="0"/>
+                </a:rPr>
+                <a:t>CO</a:t>
+              </a:r>
+              <a:r>
+                <a:rPr lang="en-US" altLang="zh-CN" baseline="-25000" dirty="0" smtClean="0">
+                  <a:latin typeface="Times New Roman" panose="02020603050405020304" pitchFamily="18" charset="0"/>
+                  <a:cs typeface="Times New Roman" panose="02020603050405020304" pitchFamily="18" charset="0"/>
+                </a:rPr>
+                <a:t>2</a:t>
+              </a:r>
+              <a:endParaRPr lang="zh-CN" altLang="en-US" baseline="-25000" dirty="0">
+                <a:latin typeface="Times New Roman" panose="02020603050405020304" pitchFamily="18" charset="0"/>
+                <a:cs typeface="Times New Roman" panose="02020603050405020304" pitchFamily="18" charset="0"/>
+              </a:endParaRPr>
+            </a:p>
+          </p:txBody>
+        </p:sp>
+        <p:sp>
+          <p:nvSpPr>
+            <p:cNvPr id="33" name="文本框 32"/>
+            <p:cNvSpPr txBox="1"/>
+            <p:nvPr/>
+          </p:nvSpPr>
+          <p:spPr>
+            <a:xfrm>
+              <a:off x="3053443" y="4243643"/>
+              <a:ext cx="708660" cy="369332"/>
+            </a:xfrm>
+            <a:prstGeom prst="rect">
+              <a:avLst/>
+            </a:prstGeom>
+            <a:noFill/>
+          </p:spPr>
+          <p:txBody>
+            <a:bodyPr wrap="square" rtlCol="0">
+              <a:spAutoFit/>
+            </a:bodyPr>
+            <a:lstStyle/>
+            <a:p>
+              <a:r>
+                <a:rPr lang="en-US" altLang="zh-CN" dirty="0" smtClean="0">
+                  <a:latin typeface="Times New Roman" panose="02020603050405020304" pitchFamily="18" charset="0"/>
+                  <a:cs typeface="Times New Roman" panose="02020603050405020304" pitchFamily="18" charset="0"/>
+                </a:rPr>
+                <a:t>H</a:t>
+              </a:r>
+              <a:r>
+                <a:rPr lang="en-US" altLang="zh-CN" baseline="-25000" dirty="0" smtClean="0">
+                  <a:latin typeface="Times New Roman" panose="02020603050405020304" pitchFamily="18" charset="0"/>
+                  <a:cs typeface="Times New Roman" panose="02020603050405020304" pitchFamily="18" charset="0"/>
+                </a:rPr>
+                <a:t>2</a:t>
+              </a:r>
+              <a:r>
+                <a:rPr lang="en-US" altLang="zh-CN" dirty="0" smtClean="0">
+                  <a:latin typeface="Times New Roman" panose="02020603050405020304" pitchFamily="18" charset="0"/>
+                  <a:cs typeface="Times New Roman" panose="02020603050405020304" pitchFamily="18" charset="0"/>
+                </a:rPr>
+                <a:t>O</a:t>
+              </a:r>
+              <a:endParaRPr lang="zh-CN" altLang="en-US" baseline="-25000" dirty="0">
+                <a:latin typeface="Times New Roman" panose="02020603050405020304" pitchFamily="18" charset="0"/>
+                <a:cs typeface="Times New Roman" panose="02020603050405020304" pitchFamily="18" charset="0"/>
+              </a:endParaRPr>
+            </a:p>
+          </p:txBody>
+        </p:sp>
+      </p:grpSp>
+    </p:spTree>
+    <p:extLst>
+      <p:ext uri="{BB962C8B-B14F-4D97-AF65-F5344CB8AC3E}">
+        <p14:creationId xmlns:p14="http://schemas.microsoft.com/office/powerpoint/2010/main" val="3962611149"/>
+      </p:ext>
+    </p:extLst>
+  </p:cSld>
+  <p:clrMapOvr>
+    <a:masterClrMapping/>
+  </p:clrMapOvr>
+</p:sld>
+</file>
+
+<file path=ppt/slides/slide14.xml><?xml version="1.0" encoding="utf-8"?>
+<p:sld xmlns:a="http://schemas.openxmlformats.org/drawingml/2006/main" xmlns:r="http://schemas.openxmlformats.org/officeDocument/2006/relationships" xmlns:p="http://schemas.openxmlformats.org/presentationml/2006/main">
+  <p:cSld>
+    <p:spTree>
+      <p:nvGrpSpPr>
+        <p:cNvPr id="1" name=""/>
+        <p:cNvGrpSpPr/>
+        <p:nvPr/>
+      </p:nvGrpSpPr>
+      <p:grpSpPr>
+        <a:xfrm>
+          <a:off x="0" y="0"/>
+          <a:ext cx="0" cy="0"/>
+          <a:chOff x="0" y="0"/>
+          <a:chExt cx="0" cy="0"/>
+        </a:xfrm>
+      </p:grpSpPr>
       <p:sp>
         <p:nvSpPr>
           <p:cNvPr id="2" name="竖排标题 1"/>
@@ -3484,7 +4162,7 @@
 </p:sld>
 </file>
 
-<file path=ppt/slides/slide13.xml><?xml version="1.0" encoding="utf-8"?>
+<file path=ppt/slides/slide15.xml><?xml version="1.0" encoding="utf-8"?>
 <p:sld xmlns:a="http://schemas.openxmlformats.org/drawingml/2006/main" xmlns:r="http://schemas.openxmlformats.org/officeDocument/2006/relationships" xmlns:p="http://schemas.openxmlformats.org/presentationml/2006/main">
   <p:cSld>
     <p:spTree>
@@ -3728,7 +4406,7 @@
 </p:sld>
 </file>
 
-<file path=ppt/slides/slide14.xml><?xml version="1.0" encoding="utf-8"?>
+<file path=ppt/slides/slide16.xml><?xml version="1.0" encoding="utf-8"?>
 <p:sld xmlns:a="http://schemas.openxmlformats.org/drawingml/2006/main" xmlns:r="http://schemas.openxmlformats.org/officeDocument/2006/relationships" xmlns:p="http://schemas.openxmlformats.org/presentationml/2006/main">
   <p:cSld>
     <p:spTree>
@@ -3818,7 +4496,7 @@
 </p:sld>
 </file>
 
-<file path=ppt/slides/slide15.xml><?xml version="1.0" encoding="utf-8"?>
+<file path=ppt/slides/slide17.xml><?xml version="1.0" encoding="utf-8"?>
 <p:sld xmlns:a="http://schemas.openxmlformats.org/drawingml/2006/main" xmlns:r="http://schemas.openxmlformats.org/officeDocument/2006/relationships" xmlns:p="http://schemas.openxmlformats.org/presentationml/2006/main">
   <p:cSld>
     <p:spTree>
@@ -8586,7 +9264,7 @@
         </p:blipFill>
         <p:spPr>
           <a:xfrm>
-            <a:off x="287068" y="3402277"/>
+            <a:off x="287068" y="3376151"/>
             <a:ext cx="4680000" cy="3399691"/>
           </a:xfrm>
           <a:prstGeom prst="rect">

--- a/毕业论文/论文用图.pptx
+++ b/毕业论文/论文用图.pptx
@@ -18,10 +18,14 @@
     <p:sldId id="262" r:id="rId12"/>
     <p:sldId id="271" r:id="rId13"/>
     <p:sldId id="272" r:id="rId14"/>
-    <p:sldId id="260" r:id="rId15"/>
-    <p:sldId id="261" r:id="rId16"/>
-    <p:sldId id="259" r:id="rId17"/>
-    <p:sldId id="270" r:id="rId18"/>
+    <p:sldId id="273" r:id="rId15"/>
+    <p:sldId id="275" r:id="rId16"/>
+    <p:sldId id="276" r:id="rId17"/>
+    <p:sldId id="274" r:id="rId18"/>
+    <p:sldId id="260" r:id="rId19"/>
+    <p:sldId id="261" r:id="rId20"/>
+    <p:sldId id="259" r:id="rId21"/>
+    <p:sldId id="270" r:id="rId22"/>
   </p:sldIdLst>
   <p:sldSz cx="12192000" cy="6858000"/>
   <p:notesSz cx="6858000" cy="9144000"/>
@@ -259,7 +263,7 @@
           <a:p>
             <a:fld id="{2434905A-E1A4-4744-B5A9-97B0F93BB70A}" type="datetimeFigureOut">
               <a:rPr lang="zh-CN" altLang="en-US" smtClean="0"/>
-              <a:t>2016/3/16</a:t>
+              <a:t>2016/3/17</a:t>
             </a:fld>
             <a:endParaRPr lang="zh-CN" altLang="en-US"/>
           </a:p>
@@ -429,7 +433,7 @@
           <a:p>
             <a:fld id="{2434905A-E1A4-4744-B5A9-97B0F93BB70A}" type="datetimeFigureOut">
               <a:rPr lang="zh-CN" altLang="en-US" smtClean="0"/>
-              <a:t>2016/3/16</a:t>
+              <a:t>2016/3/17</a:t>
             </a:fld>
             <a:endParaRPr lang="zh-CN" altLang="en-US"/>
           </a:p>
@@ -609,7 +613,7 @@
           <a:p>
             <a:fld id="{2434905A-E1A4-4744-B5A9-97B0F93BB70A}" type="datetimeFigureOut">
               <a:rPr lang="zh-CN" altLang="en-US" smtClean="0"/>
-              <a:t>2016/3/16</a:t>
+              <a:t>2016/3/17</a:t>
             </a:fld>
             <a:endParaRPr lang="zh-CN" altLang="en-US"/>
           </a:p>
@@ -779,7 +783,7 @@
           <a:p>
             <a:fld id="{2434905A-E1A4-4744-B5A9-97B0F93BB70A}" type="datetimeFigureOut">
               <a:rPr lang="zh-CN" altLang="en-US" smtClean="0"/>
-              <a:t>2016/3/16</a:t>
+              <a:t>2016/3/17</a:t>
             </a:fld>
             <a:endParaRPr lang="zh-CN" altLang="en-US"/>
           </a:p>
@@ -1025,7 +1029,7 @@
           <a:p>
             <a:fld id="{2434905A-E1A4-4744-B5A9-97B0F93BB70A}" type="datetimeFigureOut">
               <a:rPr lang="zh-CN" altLang="en-US" smtClean="0"/>
-              <a:t>2016/3/16</a:t>
+              <a:t>2016/3/17</a:t>
             </a:fld>
             <a:endParaRPr lang="zh-CN" altLang="en-US"/>
           </a:p>
@@ -1257,7 +1261,7 @@
           <a:p>
             <a:fld id="{2434905A-E1A4-4744-B5A9-97B0F93BB70A}" type="datetimeFigureOut">
               <a:rPr lang="zh-CN" altLang="en-US" smtClean="0"/>
-              <a:t>2016/3/16</a:t>
+              <a:t>2016/3/17</a:t>
             </a:fld>
             <a:endParaRPr lang="zh-CN" altLang="en-US"/>
           </a:p>
@@ -1624,7 +1628,7 @@
           <a:p>
             <a:fld id="{2434905A-E1A4-4744-B5A9-97B0F93BB70A}" type="datetimeFigureOut">
               <a:rPr lang="zh-CN" altLang="en-US" smtClean="0"/>
-              <a:t>2016/3/16</a:t>
+              <a:t>2016/3/17</a:t>
             </a:fld>
             <a:endParaRPr lang="zh-CN" altLang="en-US"/>
           </a:p>
@@ -1742,7 +1746,7 @@
           <a:p>
             <a:fld id="{2434905A-E1A4-4744-B5A9-97B0F93BB70A}" type="datetimeFigureOut">
               <a:rPr lang="zh-CN" altLang="en-US" smtClean="0"/>
-              <a:t>2016/3/16</a:t>
+              <a:t>2016/3/17</a:t>
             </a:fld>
             <a:endParaRPr lang="zh-CN" altLang="en-US"/>
           </a:p>
@@ -1837,7 +1841,7 @@
           <a:p>
             <a:fld id="{2434905A-E1A4-4744-B5A9-97B0F93BB70A}" type="datetimeFigureOut">
               <a:rPr lang="zh-CN" altLang="en-US" smtClean="0"/>
-              <a:t>2016/3/16</a:t>
+              <a:t>2016/3/17</a:t>
             </a:fld>
             <a:endParaRPr lang="zh-CN" altLang="en-US"/>
           </a:p>
@@ -2114,7 +2118,7 @@
           <a:p>
             <a:fld id="{2434905A-E1A4-4744-B5A9-97B0F93BB70A}" type="datetimeFigureOut">
               <a:rPr lang="zh-CN" altLang="en-US" smtClean="0"/>
-              <a:t>2016/3/16</a:t>
+              <a:t>2016/3/17</a:t>
             </a:fld>
             <a:endParaRPr lang="zh-CN" altLang="en-US"/>
           </a:p>
@@ -2367,7 +2371,7 @@
           <a:p>
             <a:fld id="{2434905A-E1A4-4744-B5A9-97B0F93BB70A}" type="datetimeFigureOut">
               <a:rPr lang="zh-CN" altLang="en-US" smtClean="0"/>
-              <a:t>2016/3/16</a:t>
+              <a:t>2016/3/17</a:t>
             </a:fld>
             <a:endParaRPr lang="zh-CN" altLang="en-US"/>
           </a:p>
@@ -2580,7 +2584,7 @@
           <a:p>
             <a:fld id="{2434905A-E1A4-4744-B5A9-97B0F93BB70A}" type="datetimeFigureOut">
               <a:rPr lang="zh-CN" altLang="en-US" smtClean="0"/>
-              <a:t>2016/3/16</a:t>
+              <a:t>2016/3/17</a:t>
             </a:fld>
             <a:endParaRPr lang="zh-CN" altLang="en-US"/>
           </a:p>
@@ -4010,6 +4014,2540 @@
           <a:chExt cx="0" cy="0"/>
         </a:xfrm>
       </p:grpSpPr>
+      <p:cxnSp>
+        <p:nvCxnSpPr>
+          <p:cNvPr id="9" name="直接连接符 8"/>
+          <p:cNvCxnSpPr>
+            <a:stCxn id="2" idx="4"/>
+            <a:endCxn id="5" idx="4"/>
+          </p:cNvCxnSpPr>
+          <p:nvPr/>
+        </p:nvCxnSpPr>
+        <p:spPr>
+          <a:xfrm flipV="1">
+            <a:off x="3409721" y="2996588"/>
+            <a:ext cx="848068" cy="649994"/>
+          </a:xfrm>
+          <a:prstGeom prst="line">
+            <a:avLst/>
+          </a:prstGeom>
+          <a:ln>
+            <a:solidFill>
+              <a:schemeClr val="tx1"/>
+            </a:solidFill>
+          </a:ln>
+        </p:spPr>
+        <p:style>
+          <a:lnRef idx="1">
+            <a:schemeClr val="accent1"/>
+          </a:lnRef>
+          <a:fillRef idx="0">
+            <a:schemeClr val="accent1"/>
+          </a:fillRef>
+          <a:effectRef idx="0">
+            <a:schemeClr val="accent1"/>
+          </a:effectRef>
+          <a:fontRef idx="minor">
+            <a:schemeClr val="tx1"/>
+          </a:fontRef>
+        </p:style>
+      </p:cxnSp>
+      <p:sp>
+        <p:nvSpPr>
+          <p:cNvPr id="5" name="椭圆 4"/>
+          <p:cNvSpPr/>
+          <p:nvPr/>
+        </p:nvSpPr>
+        <p:spPr>
+          <a:xfrm>
+            <a:off x="3491885" y="1464780"/>
+            <a:ext cx="1531808" cy="1531808"/>
+          </a:xfrm>
+          <a:prstGeom prst="ellipse">
+            <a:avLst/>
+          </a:prstGeom>
+          <a:solidFill>
+            <a:schemeClr val="tx1"/>
+          </a:solidFill>
+          <a:ln>
+            <a:solidFill>
+              <a:schemeClr val="tx1"/>
+            </a:solidFill>
+          </a:ln>
+        </p:spPr>
+        <p:style>
+          <a:lnRef idx="2">
+            <a:schemeClr val="accent1">
+              <a:shade val="50000"/>
+            </a:schemeClr>
+          </a:lnRef>
+          <a:fillRef idx="1">
+            <a:schemeClr val="accent1"/>
+          </a:fillRef>
+          <a:effectRef idx="0">
+            <a:schemeClr val="accent1"/>
+          </a:effectRef>
+          <a:fontRef idx="minor">
+            <a:schemeClr val="lt1"/>
+          </a:fontRef>
+        </p:style>
+        <p:txBody>
+          <a:bodyPr rtlCol="0" anchor="ctr"/>
+          <a:lstStyle/>
+          <a:p>
+            <a:pPr algn="ctr"/>
+            <a:endParaRPr lang="zh-CN" altLang="en-US"/>
+          </a:p>
+        </p:txBody>
+      </p:sp>
+      <p:sp>
+        <p:nvSpPr>
+          <p:cNvPr id="2" name="椭圆 1"/>
+          <p:cNvSpPr/>
+          <p:nvPr/>
+        </p:nvSpPr>
+        <p:spPr>
+          <a:xfrm>
+            <a:off x="2357610" y="1542361"/>
+            <a:ext cx="2104221" cy="2104221"/>
+          </a:xfrm>
+          <a:prstGeom prst="ellipse">
+            <a:avLst/>
+          </a:prstGeom>
+          <a:solidFill>
+            <a:schemeClr val="bg2">
+              <a:lumMod val="90000"/>
+            </a:schemeClr>
+          </a:solidFill>
+          <a:ln>
+            <a:solidFill>
+              <a:schemeClr val="tx1"/>
+            </a:solidFill>
+          </a:ln>
+        </p:spPr>
+        <p:style>
+          <a:lnRef idx="2">
+            <a:schemeClr val="accent1">
+              <a:shade val="50000"/>
+            </a:schemeClr>
+          </a:lnRef>
+          <a:fillRef idx="1">
+            <a:schemeClr val="accent1"/>
+          </a:fillRef>
+          <a:effectRef idx="0">
+            <a:schemeClr val="accent1"/>
+          </a:effectRef>
+          <a:fontRef idx="minor">
+            <a:schemeClr val="lt1"/>
+          </a:fontRef>
+        </p:style>
+        <p:txBody>
+          <a:bodyPr rtlCol="0" anchor="ctr"/>
+          <a:lstStyle/>
+          <a:p>
+            <a:pPr algn="ctr"/>
+            <a:endParaRPr lang="zh-CN" altLang="en-US"/>
+          </a:p>
+        </p:txBody>
+      </p:sp>
+      <p:cxnSp>
+        <p:nvCxnSpPr>
+          <p:cNvPr id="7" name="直接连接符 6"/>
+          <p:cNvCxnSpPr>
+            <a:stCxn id="2" idx="0"/>
+            <a:endCxn id="5" idx="0"/>
+          </p:cNvCxnSpPr>
+          <p:nvPr/>
+        </p:nvCxnSpPr>
+        <p:spPr>
+          <a:xfrm flipV="1">
+            <a:off x="3409721" y="1464780"/>
+            <a:ext cx="848068" cy="77581"/>
+          </a:xfrm>
+          <a:prstGeom prst="line">
+            <a:avLst/>
+          </a:prstGeom>
+          <a:ln>
+            <a:solidFill>
+              <a:schemeClr val="tx1"/>
+            </a:solidFill>
+          </a:ln>
+        </p:spPr>
+        <p:style>
+          <a:lnRef idx="1">
+            <a:schemeClr val="accent1"/>
+          </a:lnRef>
+          <a:fillRef idx="0">
+            <a:schemeClr val="accent1"/>
+          </a:fillRef>
+          <a:effectRef idx="0">
+            <a:schemeClr val="accent1"/>
+          </a:effectRef>
+          <a:fontRef idx="minor">
+            <a:schemeClr val="tx1"/>
+          </a:fontRef>
+        </p:style>
+      </p:cxnSp>
+      <p:cxnSp>
+        <p:nvCxnSpPr>
+          <p:cNvPr id="11" name="直接连接符 10"/>
+          <p:cNvCxnSpPr>
+            <a:stCxn id="2" idx="5"/>
+            <a:endCxn id="5" idx="5"/>
+          </p:cNvCxnSpPr>
+          <p:nvPr/>
+        </p:nvCxnSpPr>
+        <p:spPr>
+          <a:xfrm flipV="1">
+            <a:off x="4153675" y="2772260"/>
+            <a:ext cx="645690" cy="566166"/>
+          </a:xfrm>
+          <a:prstGeom prst="line">
+            <a:avLst/>
+          </a:prstGeom>
+          <a:ln>
+            <a:solidFill>
+              <a:schemeClr val="tx1"/>
+            </a:solidFill>
+          </a:ln>
+        </p:spPr>
+        <p:style>
+          <a:lnRef idx="1">
+            <a:schemeClr val="accent1"/>
+          </a:lnRef>
+          <a:fillRef idx="0">
+            <a:schemeClr val="accent1"/>
+          </a:fillRef>
+          <a:effectRef idx="0">
+            <a:schemeClr val="accent1"/>
+          </a:effectRef>
+          <a:fontRef idx="minor">
+            <a:schemeClr val="tx1"/>
+          </a:fontRef>
+        </p:style>
+      </p:cxnSp>
+      <p:sp>
+        <p:nvSpPr>
+          <p:cNvPr id="15" name="椭圆 14"/>
+          <p:cNvSpPr/>
+          <p:nvPr/>
+        </p:nvSpPr>
+        <p:spPr>
+          <a:xfrm>
+            <a:off x="2635720" y="1820471"/>
+            <a:ext cx="1548000" cy="1548000"/>
+          </a:xfrm>
+          <a:prstGeom prst="ellipse">
+            <a:avLst/>
+          </a:prstGeom>
+          <a:solidFill>
+            <a:schemeClr val="bg1"/>
+          </a:solidFill>
+          <a:ln>
+            <a:solidFill>
+              <a:schemeClr val="tx1"/>
+            </a:solidFill>
+          </a:ln>
+        </p:spPr>
+        <p:style>
+          <a:lnRef idx="2">
+            <a:schemeClr val="accent1">
+              <a:shade val="50000"/>
+            </a:schemeClr>
+          </a:lnRef>
+          <a:fillRef idx="1">
+            <a:schemeClr val="accent1"/>
+          </a:fillRef>
+          <a:effectRef idx="0">
+            <a:schemeClr val="accent1"/>
+          </a:effectRef>
+          <a:fontRef idx="minor">
+            <a:schemeClr val="lt1"/>
+          </a:fontRef>
+        </p:style>
+        <p:txBody>
+          <a:bodyPr rtlCol="0" anchor="ctr"/>
+          <a:lstStyle/>
+          <a:p>
+            <a:pPr algn="ctr"/>
+            <a:endParaRPr lang="zh-CN" altLang="en-US"/>
+          </a:p>
+        </p:txBody>
+      </p:sp>
+      <p:grpSp>
+        <p:nvGrpSpPr>
+          <p:cNvPr id="25" name="组合 24"/>
+          <p:cNvGrpSpPr/>
+          <p:nvPr/>
+        </p:nvGrpSpPr>
+        <p:grpSpPr>
+          <a:xfrm>
+            <a:off x="6157968" y="1464780"/>
+            <a:ext cx="2666083" cy="2181802"/>
+            <a:chOff x="6157968" y="1464780"/>
+            <a:chExt cx="2666083" cy="2181802"/>
+          </a:xfrm>
+        </p:grpSpPr>
+        <p:cxnSp>
+          <p:nvCxnSpPr>
+            <p:cNvPr id="19" name="直接连接符 18"/>
+            <p:cNvCxnSpPr>
+              <a:stCxn id="21" idx="4"/>
+              <a:endCxn id="20" idx="4"/>
+            </p:cNvCxnSpPr>
+            <p:nvPr/>
+          </p:nvCxnSpPr>
+          <p:spPr>
+            <a:xfrm flipV="1">
+              <a:off x="7210079" y="2996588"/>
+              <a:ext cx="848068" cy="649994"/>
+            </a:xfrm>
+            <a:prstGeom prst="line">
+              <a:avLst/>
+            </a:prstGeom>
+            <a:ln>
+              <a:solidFill>
+                <a:schemeClr val="tx1"/>
+              </a:solidFill>
+            </a:ln>
+          </p:spPr>
+          <p:style>
+            <a:lnRef idx="1">
+              <a:schemeClr val="accent1"/>
+            </a:lnRef>
+            <a:fillRef idx="0">
+              <a:schemeClr val="accent1"/>
+            </a:fillRef>
+            <a:effectRef idx="0">
+              <a:schemeClr val="accent1"/>
+            </a:effectRef>
+            <a:fontRef idx="minor">
+              <a:schemeClr val="tx1"/>
+            </a:fontRef>
+          </p:style>
+        </p:cxnSp>
+        <p:sp>
+          <p:nvSpPr>
+            <p:cNvPr id="20" name="椭圆 19"/>
+            <p:cNvSpPr/>
+            <p:nvPr/>
+          </p:nvSpPr>
+          <p:spPr>
+            <a:xfrm>
+              <a:off x="7292243" y="1464780"/>
+              <a:ext cx="1531808" cy="1531808"/>
+            </a:xfrm>
+            <a:prstGeom prst="ellipse">
+              <a:avLst/>
+            </a:prstGeom>
+            <a:solidFill>
+              <a:schemeClr val="tx1"/>
+            </a:solidFill>
+            <a:ln>
+              <a:solidFill>
+                <a:schemeClr val="tx1"/>
+              </a:solidFill>
+            </a:ln>
+          </p:spPr>
+          <p:style>
+            <a:lnRef idx="2">
+              <a:schemeClr val="accent1">
+                <a:shade val="50000"/>
+              </a:schemeClr>
+            </a:lnRef>
+            <a:fillRef idx="1">
+              <a:schemeClr val="accent1"/>
+            </a:fillRef>
+            <a:effectRef idx="0">
+              <a:schemeClr val="accent1"/>
+            </a:effectRef>
+            <a:fontRef idx="minor">
+              <a:schemeClr val="lt1"/>
+            </a:fontRef>
+          </p:style>
+          <p:txBody>
+            <a:bodyPr rtlCol="0" anchor="ctr"/>
+            <a:lstStyle/>
+            <a:p>
+              <a:pPr algn="ctr"/>
+              <a:endParaRPr lang="zh-CN" altLang="en-US"/>
+            </a:p>
+          </p:txBody>
+        </p:sp>
+        <p:sp>
+          <p:nvSpPr>
+            <p:cNvPr id="21" name="椭圆 20"/>
+            <p:cNvSpPr/>
+            <p:nvPr/>
+          </p:nvSpPr>
+          <p:spPr>
+            <a:xfrm>
+              <a:off x="6157968" y="1542361"/>
+              <a:ext cx="2104221" cy="2104221"/>
+            </a:xfrm>
+            <a:prstGeom prst="ellipse">
+              <a:avLst/>
+            </a:prstGeom>
+            <a:solidFill>
+              <a:schemeClr val="bg2">
+                <a:lumMod val="90000"/>
+              </a:schemeClr>
+            </a:solidFill>
+            <a:ln>
+              <a:solidFill>
+                <a:schemeClr val="tx1"/>
+              </a:solidFill>
+            </a:ln>
+          </p:spPr>
+          <p:style>
+            <a:lnRef idx="2">
+              <a:schemeClr val="accent1">
+                <a:shade val="50000"/>
+              </a:schemeClr>
+            </a:lnRef>
+            <a:fillRef idx="1">
+              <a:schemeClr val="accent1"/>
+            </a:fillRef>
+            <a:effectRef idx="0">
+              <a:schemeClr val="accent1"/>
+            </a:effectRef>
+            <a:fontRef idx="minor">
+              <a:schemeClr val="lt1"/>
+            </a:fontRef>
+          </p:style>
+          <p:txBody>
+            <a:bodyPr rtlCol="0" anchor="ctr"/>
+            <a:lstStyle/>
+            <a:p>
+              <a:pPr algn="ctr"/>
+              <a:endParaRPr lang="zh-CN" altLang="en-US"/>
+            </a:p>
+          </p:txBody>
+        </p:sp>
+        <p:cxnSp>
+          <p:nvCxnSpPr>
+            <p:cNvPr id="22" name="直接连接符 21"/>
+            <p:cNvCxnSpPr>
+              <a:stCxn id="21" idx="0"/>
+              <a:endCxn id="20" idx="0"/>
+            </p:cNvCxnSpPr>
+            <p:nvPr/>
+          </p:nvCxnSpPr>
+          <p:spPr>
+            <a:xfrm flipV="1">
+              <a:off x="7210079" y="1464780"/>
+              <a:ext cx="848068" cy="77581"/>
+            </a:xfrm>
+            <a:prstGeom prst="line">
+              <a:avLst/>
+            </a:prstGeom>
+            <a:ln>
+              <a:solidFill>
+                <a:schemeClr val="tx1"/>
+              </a:solidFill>
+            </a:ln>
+          </p:spPr>
+          <p:style>
+            <a:lnRef idx="1">
+              <a:schemeClr val="accent1"/>
+            </a:lnRef>
+            <a:fillRef idx="0">
+              <a:schemeClr val="accent1"/>
+            </a:fillRef>
+            <a:effectRef idx="0">
+              <a:schemeClr val="accent1"/>
+            </a:effectRef>
+            <a:fontRef idx="minor">
+              <a:schemeClr val="tx1"/>
+            </a:fontRef>
+          </p:style>
+        </p:cxnSp>
+        <p:cxnSp>
+          <p:nvCxnSpPr>
+            <p:cNvPr id="23" name="直接连接符 22"/>
+            <p:cNvCxnSpPr>
+              <a:stCxn id="21" idx="5"/>
+              <a:endCxn id="20" idx="5"/>
+            </p:cNvCxnSpPr>
+            <p:nvPr/>
+          </p:nvCxnSpPr>
+          <p:spPr>
+            <a:xfrm flipV="1">
+              <a:off x="7954033" y="2772260"/>
+              <a:ext cx="645690" cy="566166"/>
+            </a:xfrm>
+            <a:prstGeom prst="line">
+              <a:avLst/>
+            </a:prstGeom>
+            <a:ln>
+              <a:solidFill>
+                <a:schemeClr val="tx1"/>
+              </a:solidFill>
+            </a:ln>
+          </p:spPr>
+          <p:style>
+            <a:lnRef idx="1">
+              <a:schemeClr val="accent1"/>
+            </a:lnRef>
+            <a:fillRef idx="0">
+              <a:schemeClr val="accent1"/>
+            </a:fillRef>
+            <a:effectRef idx="0">
+              <a:schemeClr val="accent1"/>
+            </a:effectRef>
+            <a:fontRef idx="minor">
+              <a:schemeClr val="tx1"/>
+            </a:fontRef>
+          </p:style>
+        </p:cxnSp>
+      </p:grpSp>
+    </p:spTree>
+    <p:extLst>
+      <p:ext uri="{BB962C8B-B14F-4D97-AF65-F5344CB8AC3E}">
+        <p14:creationId xmlns:p14="http://schemas.microsoft.com/office/powerpoint/2010/main" val="422144496"/>
+      </p:ext>
+    </p:extLst>
+  </p:cSld>
+  <p:clrMapOvr>
+    <a:masterClrMapping/>
+  </p:clrMapOvr>
+</p:sld>
+</file>
+
+<file path=ppt/slides/slide15.xml><?xml version="1.0" encoding="utf-8"?>
+<p:sld xmlns:a="http://schemas.openxmlformats.org/drawingml/2006/main" xmlns:r="http://schemas.openxmlformats.org/officeDocument/2006/relationships" xmlns:p="http://schemas.openxmlformats.org/presentationml/2006/main">
+  <p:cSld>
+    <p:spTree>
+      <p:nvGrpSpPr>
+        <p:cNvPr id="1" name=""/>
+        <p:cNvGrpSpPr/>
+        <p:nvPr/>
+      </p:nvGrpSpPr>
+      <p:grpSpPr>
+        <a:xfrm>
+          <a:off x="0" y="0"/>
+          <a:ext cx="0" cy="0"/>
+          <a:chOff x="0" y="0"/>
+          <a:chExt cx="0" cy="0"/>
+        </a:xfrm>
+      </p:grpSpPr>
+      <p:pic>
+        <p:nvPicPr>
+          <p:cNvPr id="2" name="Picture 15"/>
+          <p:cNvPicPr>
+            <a:picLocks noChangeAspect="1"/>
+          </p:cNvPicPr>
+          <p:nvPr/>
+        </p:nvPicPr>
+        <p:blipFill>
+          <a:blip r:embed="rId2">
+            <a:extLst>
+              <a:ext uri="{28A0092B-C50C-407E-A947-70E740481C1C}">
+                <a14:useLocalDpi xmlns:a14="http://schemas.microsoft.com/office/drawing/2010/main" val="0"/>
+              </a:ext>
+            </a:extLst>
+          </a:blip>
+          <a:stretch>
+            <a:fillRect/>
+          </a:stretch>
+        </p:blipFill>
+        <p:spPr bwMode="auto">
+          <a:xfrm>
+            <a:off x="815074" y="1675591"/>
+            <a:ext cx="5400000" cy="2253475"/>
+          </a:xfrm>
+          <a:prstGeom prst="rect">
+            <a:avLst/>
+          </a:prstGeom>
+          <a:noFill/>
+          <a:ln>
+            <a:noFill/>
+          </a:ln>
+        </p:spPr>
+      </p:pic>
+    </p:spTree>
+    <p:extLst>
+      <p:ext uri="{BB962C8B-B14F-4D97-AF65-F5344CB8AC3E}">
+        <p14:creationId xmlns:p14="http://schemas.microsoft.com/office/powerpoint/2010/main" val="2598777741"/>
+      </p:ext>
+    </p:extLst>
+  </p:cSld>
+  <p:clrMapOvr>
+    <a:masterClrMapping/>
+  </p:clrMapOvr>
+</p:sld>
+</file>
+
+<file path=ppt/slides/slide16.xml><?xml version="1.0" encoding="utf-8"?>
+<p:sld xmlns:a="http://schemas.openxmlformats.org/drawingml/2006/main" xmlns:r="http://schemas.openxmlformats.org/officeDocument/2006/relationships" xmlns:p="http://schemas.openxmlformats.org/presentationml/2006/main">
+  <p:cSld>
+    <p:spTree>
+      <p:nvGrpSpPr>
+        <p:cNvPr id="1" name=""/>
+        <p:cNvGrpSpPr/>
+        <p:nvPr/>
+      </p:nvGrpSpPr>
+      <p:grpSpPr>
+        <a:xfrm>
+          <a:off x="0" y="0"/>
+          <a:ext cx="0" cy="0"/>
+          <a:chOff x="0" y="0"/>
+          <a:chExt cx="0" cy="0"/>
+        </a:xfrm>
+      </p:grpSpPr>
+      <p:pic>
+        <p:nvPicPr>
+          <p:cNvPr id="2" name="图片 1"/>
+          <p:cNvPicPr>
+            <a:picLocks noChangeAspect="1"/>
+          </p:cNvPicPr>
+          <p:nvPr/>
+        </p:nvPicPr>
+        <p:blipFill>
+          <a:blip r:embed="rId2"/>
+          <a:srcRect/>
+          <a:stretch>
+            <a:fillRect/>
+          </a:stretch>
+        </p:blipFill>
+        <p:spPr bwMode="auto">
+          <a:xfrm>
+            <a:off x="1340850" y="337379"/>
+            <a:ext cx="7200000" cy="1906991"/>
+          </a:xfrm>
+          <a:prstGeom prst="rect">
+            <a:avLst/>
+          </a:prstGeom>
+          <a:noFill/>
+        </p:spPr>
+      </p:pic>
+      <p:grpSp>
+        <p:nvGrpSpPr>
+          <p:cNvPr id="62" name="组合 61"/>
+          <p:cNvGrpSpPr/>
+          <p:nvPr/>
+        </p:nvGrpSpPr>
+        <p:grpSpPr>
+          <a:xfrm>
+            <a:off x="1845817" y="3159210"/>
+            <a:ext cx="8442115" cy="2104221"/>
+            <a:chOff x="1845817" y="3159210"/>
+            <a:chExt cx="8442115" cy="2104221"/>
+          </a:xfrm>
+        </p:grpSpPr>
+        <p:grpSp>
+          <p:nvGrpSpPr>
+            <p:cNvPr id="43" name="组合 42"/>
+            <p:cNvGrpSpPr/>
+            <p:nvPr/>
+          </p:nvGrpSpPr>
+          <p:grpSpPr>
+            <a:xfrm>
+              <a:off x="5760007" y="3159210"/>
+              <a:ext cx="4527925" cy="2104221"/>
+              <a:chOff x="4340646" y="3172857"/>
+              <a:chExt cx="4527925" cy="2104221"/>
+            </a:xfrm>
+          </p:grpSpPr>
+          <p:sp>
+            <p:nvSpPr>
+              <p:cNvPr id="7" name="矩形 6"/>
+              <p:cNvSpPr/>
+              <p:nvPr/>
+            </p:nvSpPr>
+            <p:spPr>
+              <a:xfrm>
+                <a:off x="4340646" y="3172857"/>
+                <a:ext cx="4200204" cy="319489"/>
+              </a:xfrm>
+              <a:prstGeom prst="rect">
+                <a:avLst/>
+              </a:prstGeom>
+              <a:solidFill>
+                <a:schemeClr val="tx1">
+                  <a:lumMod val="65000"/>
+                  <a:lumOff val="35000"/>
+                </a:schemeClr>
+              </a:solidFill>
+              <a:ln>
+                <a:solidFill>
+                  <a:schemeClr val="tx1"/>
+                </a:solidFill>
+              </a:ln>
+            </p:spPr>
+            <p:style>
+              <a:lnRef idx="2">
+                <a:schemeClr val="accent1">
+                  <a:shade val="50000"/>
+                </a:schemeClr>
+              </a:lnRef>
+              <a:fillRef idx="1">
+                <a:schemeClr val="accent1"/>
+              </a:fillRef>
+              <a:effectRef idx="0">
+                <a:schemeClr val="accent1"/>
+              </a:effectRef>
+              <a:fontRef idx="minor">
+                <a:schemeClr val="lt1"/>
+              </a:fontRef>
+            </p:style>
+            <p:txBody>
+              <a:bodyPr rtlCol="0" anchor="ctr"/>
+              <a:lstStyle/>
+              <a:p>
+                <a:pPr algn="ctr"/>
+                <a:endParaRPr lang="zh-CN" altLang="en-US"/>
+              </a:p>
+            </p:txBody>
+          </p:sp>
+          <p:sp>
+            <p:nvSpPr>
+              <p:cNvPr id="8" name="矩形 7"/>
+              <p:cNvSpPr/>
+              <p:nvPr/>
+            </p:nvSpPr>
+            <p:spPr>
+              <a:xfrm>
+                <a:off x="4340646" y="3404212"/>
+                <a:ext cx="4200204" cy="242369"/>
+              </a:xfrm>
+              <a:prstGeom prst="rect">
+                <a:avLst/>
+              </a:prstGeom>
+              <a:solidFill>
+                <a:schemeClr val="bg2"/>
+              </a:solidFill>
+              <a:ln>
+                <a:solidFill>
+                  <a:schemeClr val="tx1"/>
+                </a:solidFill>
+              </a:ln>
+            </p:spPr>
+            <p:style>
+              <a:lnRef idx="2">
+                <a:schemeClr val="accent1">
+                  <a:shade val="50000"/>
+                </a:schemeClr>
+              </a:lnRef>
+              <a:fillRef idx="1">
+                <a:schemeClr val="accent1"/>
+              </a:fillRef>
+              <a:effectRef idx="0">
+                <a:schemeClr val="accent1"/>
+              </a:effectRef>
+              <a:fontRef idx="minor">
+                <a:schemeClr val="lt1"/>
+              </a:fontRef>
+            </p:style>
+            <p:txBody>
+              <a:bodyPr rtlCol="0" anchor="ctr"/>
+              <a:lstStyle/>
+              <a:p>
+                <a:pPr algn="ctr"/>
+                <a:endParaRPr lang="zh-CN" altLang="en-US"/>
+              </a:p>
+            </p:txBody>
+          </p:sp>
+          <p:sp>
+            <p:nvSpPr>
+              <p:cNvPr id="9" name="矩形 8"/>
+              <p:cNvSpPr/>
+              <p:nvPr/>
+            </p:nvSpPr>
+            <p:spPr>
+              <a:xfrm>
+                <a:off x="4340646" y="4957589"/>
+                <a:ext cx="4200204" cy="319489"/>
+              </a:xfrm>
+              <a:prstGeom prst="rect">
+                <a:avLst/>
+              </a:prstGeom>
+              <a:solidFill>
+                <a:schemeClr val="tx1">
+                  <a:lumMod val="65000"/>
+                  <a:lumOff val="35000"/>
+                </a:schemeClr>
+              </a:solidFill>
+              <a:ln>
+                <a:solidFill>
+                  <a:schemeClr val="tx1"/>
+                </a:solidFill>
+              </a:ln>
+            </p:spPr>
+            <p:style>
+              <a:lnRef idx="2">
+                <a:schemeClr val="accent1">
+                  <a:shade val="50000"/>
+                </a:schemeClr>
+              </a:lnRef>
+              <a:fillRef idx="1">
+                <a:schemeClr val="accent1"/>
+              </a:fillRef>
+              <a:effectRef idx="0">
+                <a:schemeClr val="accent1"/>
+              </a:effectRef>
+              <a:fontRef idx="minor">
+                <a:schemeClr val="lt1"/>
+              </a:fontRef>
+            </p:style>
+            <p:txBody>
+              <a:bodyPr rtlCol="0" anchor="ctr"/>
+              <a:lstStyle/>
+              <a:p>
+                <a:pPr algn="ctr"/>
+                <a:endParaRPr lang="zh-CN" altLang="en-US"/>
+              </a:p>
+            </p:txBody>
+          </p:sp>
+          <p:sp>
+            <p:nvSpPr>
+              <p:cNvPr id="10" name="矩形 9"/>
+              <p:cNvSpPr/>
+              <p:nvPr/>
+            </p:nvSpPr>
+            <p:spPr>
+              <a:xfrm>
+                <a:off x="4340646" y="4822699"/>
+                <a:ext cx="4200204" cy="242369"/>
+              </a:xfrm>
+              <a:prstGeom prst="rect">
+                <a:avLst/>
+              </a:prstGeom>
+              <a:solidFill>
+                <a:schemeClr val="bg2"/>
+              </a:solidFill>
+              <a:ln>
+                <a:solidFill>
+                  <a:schemeClr val="tx1"/>
+                </a:solidFill>
+              </a:ln>
+            </p:spPr>
+            <p:style>
+              <a:lnRef idx="2">
+                <a:schemeClr val="accent1">
+                  <a:shade val="50000"/>
+                </a:schemeClr>
+              </a:lnRef>
+              <a:fillRef idx="1">
+                <a:schemeClr val="accent1"/>
+              </a:fillRef>
+              <a:effectRef idx="0">
+                <a:schemeClr val="accent1"/>
+              </a:effectRef>
+              <a:fontRef idx="minor">
+                <a:schemeClr val="lt1"/>
+              </a:fontRef>
+            </p:style>
+            <p:txBody>
+              <a:bodyPr rtlCol="0" anchor="ctr"/>
+              <a:lstStyle/>
+              <a:p>
+                <a:pPr algn="ctr"/>
+                <a:endParaRPr lang="zh-CN" altLang="en-US"/>
+              </a:p>
+            </p:txBody>
+          </p:sp>
+          <p:sp>
+            <p:nvSpPr>
+              <p:cNvPr id="11" name="矩形 10"/>
+              <p:cNvSpPr/>
+              <p:nvPr/>
+            </p:nvSpPr>
+            <p:spPr>
+              <a:xfrm>
+                <a:off x="4340646" y="3610323"/>
+                <a:ext cx="4200204" cy="198306"/>
+              </a:xfrm>
+              <a:prstGeom prst="rect">
+                <a:avLst/>
+              </a:prstGeom>
+              <a:solidFill>
+                <a:schemeClr val="bg2">
+                  <a:lumMod val="75000"/>
+                </a:schemeClr>
+              </a:solidFill>
+              <a:ln>
+                <a:solidFill>
+                  <a:schemeClr val="tx1"/>
+                </a:solidFill>
+              </a:ln>
+            </p:spPr>
+            <p:style>
+              <a:lnRef idx="2">
+                <a:schemeClr val="accent1">
+                  <a:shade val="50000"/>
+                </a:schemeClr>
+              </a:lnRef>
+              <a:fillRef idx="1">
+                <a:schemeClr val="accent1"/>
+              </a:fillRef>
+              <a:effectRef idx="0">
+                <a:schemeClr val="accent1"/>
+              </a:effectRef>
+              <a:fontRef idx="minor">
+                <a:schemeClr val="lt1"/>
+              </a:fontRef>
+            </p:style>
+            <p:txBody>
+              <a:bodyPr rtlCol="0" anchor="ctr"/>
+              <a:lstStyle/>
+              <a:p>
+                <a:pPr algn="ctr"/>
+                <a:endParaRPr lang="zh-CN" altLang="en-US"/>
+              </a:p>
+            </p:txBody>
+          </p:sp>
+          <p:sp>
+            <p:nvSpPr>
+              <p:cNvPr id="12" name="矩形 11"/>
+              <p:cNvSpPr/>
+              <p:nvPr/>
+            </p:nvSpPr>
+            <p:spPr>
+              <a:xfrm>
+                <a:off x="4340646" y="4649374"/>
+                <a:ext cx="4200204" cy="198306"/>
+              </a:xfrm>
+              <a:prstGeom prst="rect">
+                <a:avLst/>
+              </a:prstGeom>
+              <a:solidFill>
+                <a:schemeClr val="bg2">
+                  <a:lumMod val="75000"/>
+                </a:schemeClr>
+              </a:solidFill>
+              <a:ln>
+                <a:solidFill>
+                  <a:schemeClr val="tx1"/>
+                </a:solidFill>
+              </a:ln>
+            </p:spPr>
+            <p:style>
+              <a:lnRef idx="2">
+                <a:schemeClr val="accent1">
+                  <a:shade val="50000"/>
+                </a:schemeClr>
+              </a:lnRef>
+              <a:fillRef idx="1">
+                <a:schemeClr val="accent1"/>
+              </a:fillRef>
+              <a:effectRef idx="0">
+                <a:schemeClr val="accent1"/>
+              </a:effectRef>
+              <a:fontRef idx="minor">
+                <a:schemeClr val="lt1"/>
+              </a:fontRef>
+            </p:style>
+            <p:txBody>
+              <a:bodyPr rtlCol="0" anchor="ctr"/>
+              <a:lstStyle/>
+              <a:p>
+                <a:pPr algn="ctr"/>
+                <a:endParaRPr lang="zh-CN" altLang="en-US"/>
+              </a:p>
+            </p:txBody>
+          </p:sp>
+          <p:sp>
+            <p:nvSpPr>
+              <p:cNvPr id="13" name="矩形 12"/>
+              <p:cNvSpPr/>
+              <p:nvPr/>
+            </p:nvSpPr>
+            <p:spPr>
+              <a:xfrm>
+                <a:off x="4340646" y="3731509"/>
+                <a:ext cx="4200204" cy="1008000"/>
+              </a:xfrm>
+              <a:prstGeom prst="rect">
+                <a:avLst/>
+              </a:prstGeom>
+              <a:solidFill>
+                <a:schemeClr val="bg1"/>
+              </a:solidFill>
+              <a:ln w="6350">
+                <a:solidFill>
+                  <a:schemeClr val="tx1"/>
+                </a:solidFill>
+              </a:ln>
+            </p:spPr>
+            <p:style>
+              <a:lnRef idx="2">
+                <a:schemeClr val="accent1">
+                  <a:shade val="50000"/>
+                </a:schemeClr>
+              </a:lnRef>
+              <a:fillRef idx="1">
+                <a:schemeClr val="accent1"/>
+              </a:fillRef>
+              <a:effectRef idx="0">
+                <a:schemeClr val="accent1"/>
+              </a:effectRef>
+              <a:fontRef idx="minor">
+                <a:schemeClr val="lt1"/>
+              </a:fontRef>
+            </p:style>
+            <p:txBody>
+              <a:bodyPr rtlCol="0" anchor="ctr"/>
+              <a:lstStyle/>
+              <a:p>
+                <a:pPr algn="ctr"/>
+                <a:endParaRPr lang="zh-CN" altLang="en-US"/>
+              </a:p>
+            </p:txBody>
+          </p:sp>
+          <p:cxnSp>
+            <p:nvCxnSpPr>
+              <p:cNvPr id="15" name="直接连接符 14"/>
+              <p:cNvCxnSpPr>
+                <a:stCxn id="13" idx="1"/>
+                <a:endCxn id="13" idx="3"/>
+              </p:cNvCxnSpPr>
+              <p:nvPr/>
+            </p:nvCxnSpPr>
+            <p:spPr>
+              <a:xfrm>
+                <a:off x="4340646" y="4235509"/>
+                <a:ext cx="4200204" cy="0"/>
+              </a:xfrm>
+              <a:prstGeom prst="line">
+                <a:avLst/>
+              </a:prstGeom>
+              <a:ln>
+                <a:solidFill>
+                  <a:schemeClr val="tx1"/>
+                </a:solidFill>
+                <a:prstDash val="dash"/>
+              </a:ln>
+            </p:spPr>
+            <p:style>
+              <a:lnRef idx="1">
+                <a:schemeClr val="accent1"/>
+              </a:lnRef>
+              <a:fillRef idx="0">
+                <a:schemeClr val="accent1"/>
+              </a:fillRef>
+              <a:effectRef idx="0">
+                <a:schemeClr val="accent1"/>
+              </a:effectRef>
+              <a:fontRef idx="minor">
+                <a:schemeClr val="tx1"/>
+              </a:fontRef>
+            </p:style>
+          </p:cxnSp>
+          <p:cxnSp>
+            <p:nvCxnSpPr>
+              <p:cNvPr id="18" name="直接箭头连接符 17"/>
+              <p:cNvCxnSpPr/>
+              <p:nvPr/>
+            </p:nvCxnSpPr>
+            <p:spPr>
+              <a:xfrm rot="-2700000">
+                <a:off x="4646116" y="4099011"/>
+                <a:ext cx="0" cy="864000"/>
+              </a:xfrm>
+              <a:prstGeom prst="straightConnector1">
+                <a:avLst/>
+              </a:prstGeom>
+              <a:ln>
+                <a:solidFill>
+                  <a:srgbClr val="C00000"/>
+                </a:solidFill>
+                <a:tailEnd type="triangle"/>
+              </a:ln>
+            </p:spPr>
+            <p:style>
+              <a:lnRef idx="1">
+                <a:schemeClr val="accent1"/>
+              </a:lnRef>
+              <a:fillRef idx="0">
+                <a:schemeClr val="accent1"/>
+              </a:fillRef>
+              <a:effectRef idx="0">
+                <a:schemeClr val="accent1"/>
+              </a:effectRef>
+              <a:fontRef idx="minor">
+                <a:schemeClr val="tx1"/>
+              </a:fontRef>
+            </p:style>
+          </p:cxnSp>
+          <p:cxnSp>
+            <p:nvCxnSpPr>
+              <p:cNvPr id="27" name="直接箭头连接符 26"/>
+              <p:cNvCxnSpPr/>
+              <p:nvPr/>
+            </p:nvCxnSpPr>
+            <p:spPr>
+              <a:xfrm rot="-8100000">
+                <a:off x="5562098" y="3361543"/>
+                <a:ext cx="0" cy="1728000"/>
+              </a:xfrm>
+              <a:prstGeom prst="straightConnector1">
+                <a:avLst/>
+              </a:prstGeom>
+              <a:ln>
+                <a:solidFill>
+                  <a:srgbClr val="C00000"/>
+                </a:solidFill>
+                <a:tailEnd type="triangle"/>
+              </a:ln>
+            </p:spPr>
+            <p:style>
+              <a:lnRef idx="1">
+                <a:schemeClr val="accent1"/>
+              </a:lnRef>
+              <a:fillRef idx="0">
+                <a:schemeClr val="accent1"/>
+              </a:fillRef>
+              <a:effectRef idx="0">
+                <a:schemeClr val="accent1"/>
+              </a:effectRef>
+              <a:fontRef idx="minor">
+                <a:schemeClr val="tx1"/>
+              </a:fontRef>
+            </p:style>
+          </p:cxnSp>
+          <p:cxnSp>
+            <p:nvCxnSpPr>
+              <p:cNvPr id="28" name="直接箭头连接符 27"/>
+              <p:cNvCxnSpPr/>
+              <p:nvPr/>
+            </p:nvCxnSpPr>
+            <p:spPr>
+              <a:xfrm rot="18900000">
+                <a:off x="6783550" y="3375411"/>
+                <a:ext cx="0" cy="1728000"/>
+              </a:xfrm>
+              <a:prstGeom prst="straightConnector1">
+                <a:avLst/>
+              </a:prstGeom>
+              <a:ln>
+                <a:solidFill>
+                  <a:srgbClr val="C00000"/>
+                </a:solidFill>
+                <a:tailEnd type="triangle"/>
+              </a:ln>
+            </p:spPr>
+            <p:style>
+              <a:lnRef idx="1">
+                <a:schemeClr val="accent1"/>
+              </a:lnRef>
+              <a:fillRef idx="0">
+                <a:schemeClr val="accent1"/>
+              </a:fillRef>
+              <a:effectRef idx="0">
+                <a:schemeClr val="accent1"/>
+              </a:effectRef>
+              <a:fontRef idx="minor">
+                <a:schemeClr val="tx1"/>
+              </a:fontRef>
+            </p:style>
+          </p:cxnSp>
+          <p:cxnSp>
+            <p:nvCxnSpPr>
+              <p:cNvPr id="29" name="直接箭头连接符 28"/>
+              <p:cNvCxnSpPr/>
+              <p:nvPr/>
+            </p:nvCxnSpPr>
+            <p:spPr>
+              <a:xfrm rot="13500000">
+                <a:off x="8004571" y="3376803"/>
+                <a:ext cx="0" cy="1728000"/>
+              </a:xfrm>
+              <a:prstGeom prst="straightConnector1">
+                <a:avLst/>
+              </a:prstGeom>
+              <a:ln>
+                <a:solidFill>
+                  <a:srgbClr val="C00000"/>
+                </a:solidFill>
+                <a:tailEnd type="triangle"/>
+              </a:ln>
+            </p:spPr>
+            <p:style>
+              <a:lnRef idx="1">
+                <a:schemeClr val="accent1"/>
+              </a:lnRef>
+              <a:fillRef idx="0">
+                <a:schemeClr val="accent1"/>
+              </a:fillRef>
+              <a:effectRef idx="0">
+                <a:schemeClr val="accent1"/>
+              </a:effectRef>
+              <a:fontRef idx="minor">
+                <a:schemeClr val="tx1"/>
+              </a:fontRef>
+            </p:style>
+          </p:cxnSp>
+        </p:grpSp>
+        <p:grpSp>
+          <p:nvGrpSpPr>
+            <p:cNvPr id="46" name="组合 45"/>
+            <p:cNvGrpSpPr/>
+            <p:nvPr/>
+          </p:nvGrpSpPr>
+          <p:grpSpPr>
+            <a:xfrm>
+              <a:off x="1845817" y="3159210"/>
+              <a:ext cx="3857626" cy="2104221"/>
+              <a:chOff x="1340850" y="3172857"/>
+              <a:chExt cx="3857626" cy="2104221"/>
+            </a:xfrm>
+          </p:grpSpPr>
+          <p:sp>
+            <p:nvSpPr>
+              <p:cNvPr id="3" name="椭圆 2"/>
+              <p:cNvSpPr/>
+              <p:nvPr/>
+            </p:nvSpPr>
+            <p:spPr>
+              <a:xfrm>
+                <a:off x="1340850" y="3172857"/>
+                <a:ext cx="2104221" cy="2104221"/>
+              </a:xfrm>
+              <a:prstGeom prst="ellipse">
+                <a:avLst/>
+              </a:prstGeom>
+              <a:solidFill>
+                <a:schemeClr val="tx1">
+                  <a:lumMod val="65000"/>
+                  <a:lumOff val="35000"/>
+                </a:schemeClr>
+              </a:solidFill>
+              <a:ln>
+                <a:solidFill>
+                  <a:schemeClr val="tx1"/>
+                </a:solidFill>
+              </a:ln>
+            </p:spPr>
+            <p:style>
+              <a:lnRef idx="2">
+                <a:schemeClr val="accent1">
+                  <a:shade val="50000"/>
+                </a:schemeClr>
+              </a:lnRef>
+              <a:fillRef idx="1">
+                <a:schemeClr val="accent1"/>
+              </a:fillRef>
+              <a:effectRef idx="0">
+                <a:schemeClr val="accent1"/>
+              </a:effectRef>
+              <a:fontRef idx="minor">
+                <a:schemeClr val="lt1"/>
+              </a:fontRef>
+            </p:style>
+            <p:txBody>
+              <a:bodyPr rtlCol="0" anchor="ctr"/>
+              <a:lstStyle/>
+              <a:p>
+                <a:pPr algn="ctr"/>
+                <a:endParaRPr lang="zh-CN" altLang="en-US"/>
+              </a:p>
+            </p:txBody>
+          </p:sp>
+          <p:sp>
+            <p:nvSpPr>
+              <p:cNvPr id="4" name="椭圆 3"/>
+              <p:cNvSpPr/>
+              <p:nvPr/>
+            </p:nvSpPr>
+            <p:spPr>
+              <a:xfrm>
+                <a:off x="1563875" y="3404212"/>
+                <a:ext cx="1660856" cy="1660856"/>
+              </a:xfrm>
+              <a:prstGeom prst="ellipse">
+                <a:avLst/>
+              </a:prstGeom>
+              <a:solidFill>
+                <a:schemeClr val="bg2"/>
+              </a:solidFill>
+              <a:ln>
+                <a:solidFill>
+                  <a:schemeClr val="tx1"/>
+                </a:solidFill>
+              </a:ln>
+            </p:spPr>
+            <p:style>
+              <a:lnRef idx="2">
+                <a:schemeClr val="accent1">
+                  <a:shade val="50000"/>
+                </a:schemeClr>
+              </a:lnRef>
+              <a:fillRef idx="1">
+                <a:schemeClr val="accent1"/>
+              </a:fillRef>
+              <a:effectRef idx="0">
+                <a:schemeClr val="accent1"/>
+              </a:effectRef>
+              <a:fontRef idx="minor">
+                <a:schemeClr val="lt1"/>
+              </a:fontRef>
+            </p:style>
+            <p:txBody>
+              <a:bodyPr rtlCol="0" anchor="ctr"/>
+              <a:lstStyle/>
+              <a:p>
+                <a:pPr algn="ctr"/>
+                <a:endParaRPr lang="zh-CN" altLang="en-US"/>
+              </a:p>
+            </p:txBody>
+          </p:sp>
+          <p:sp>
+            <p:nvSpPr>
+              <p:cNvPr id="5" name="椭圆 4"/>
+              <p:cNvSpPr/>
+              <p:nvPr/>
+            </p:nvSpPr>
+            <p:spPr>
+              <a:xfrm>
+                <a:off x="1770247" y="3610323"/>
+                <a:ext cx="1237357" cy="1237357"/>
+              </a:xfrm>
+              <a:prstGeom prst="ellipse">
+                <a:avLst/>
+              </a:prstGeom>
+              <a:solidFill>
+                <a:schemeClr val="bg2">
+                  <a:lumMod val="75000"/>
+                </a:schemeClr>
+              </a:solidFill>
+              <a:ln>
+                <a:solidFill>
+                  <a:schemeClr val="bg2">
+                    <a:lumMod val="75000"/>
+                  </a:schemeClr>
+                </a:solidFill>
+              </a:ln>
+            </p:spPr>
+            <p:style>
+              <a:lnRef idx="2">
+                <a:schemeClr val="accent1">
+                  <a:shade val="50000"/>
+                </a:schemeClr>
+              </a:lnRef>
+              <a:fillRef idx="1">
+                <a:schemeClr val="accent1"/>
+              </a:fillRef>
+              <a:effectRef idx="0">
+                <a:schemeClr val="accent1"/>
+              </a:effectRef>
+              <a:fontRef idx="minor">
+                <a:schemeClr val="lt1"/>
+              </a:fontRef>
+            </p:style>
+            <p:txBody>
+              <a:bodyPr rtlCol="0" anchor="ctr"/>
+              <a:lstStyle/>
+              <a:p>
+                <a:pPr algn="ctr"/>
+                <a:endParaRPr lang="zh-CN" altLang="en-US"/>
+              </a:p>
+            </p:txBody>
+          </p:sp>
+          <p:sp>
+            <p:nvSpPr>
+              <p:cNvPr id="6" name="椭圆 5"/>
+              <p:cNvSpPr/>
+              <p:nvPr/>
+            </p:nvSpPr>
+            <p:spPr>
+              <a:xfrm>
+                <a:off x="1888484" y="3731509"/>
+                <a:ext cx="1008000" cy="1008000"/>
+              </a:xfrm>
+              <a:prstGeom prst="ellipse">
+                <a:avLst/>
+              </a:prstGeom>
+              <a:solidFill>
+                <a:schemeClr val="bg1"/>
+              </a:solidFill>
+              <a:ln>
+                <a:solidFill>
+                  <a:schemeClr val="tx1"/>
+                </a:solidFill>
+              </a:ln>
+            </p:spPr>
+            <p:style>
+              <a:lnRef idx="2">
+                <a:schemeClr val="accent1">
+                  <a:shade val="50000"/>
+                </a:schemeClr>
+              </a:lnRef>
+              <a:fillRef idx="1">
+                <a:schemeClr val="accent1"/>
+              </a:fillRef>
+              <a:effectRef idx="0">
+                <a:schemeClr val="accent1"/>
+              </a:effectRef>
+              <a:fontRef idx="minor">
+                <a:schemeClr val="lt1"/>
+              </a:fontRef>
+            </p:style>
+            <p:txBody>
+              <a:bodyPr rtlCol="0" anchor="ctr"/>
+              <a:lstStyle/>
+              <a:p>
+                <a:pPr algn="ctr"/>
+                <a:endParaRPr lang="zh-CN" altLang="en-US"/>
+              </a:p>
+            </p:txBody>
+          </p:sp>
+          <p:cxnSp>
+            <p:nvCxnSpPr>
+              <p:cNvPr id="33" name="直接箭头连接符 32"/>
+              <p:cNvCxnSpPr>
+                <a:stCxn id="40" idx="1"/>
+              </p:cNvCxnSpPr>
+              <p:nvPr/>
+            </p:nvCxnSpPr>
+            <p:spPr>
+              <a:xfrm flipH="1">
+                <a:off x="2506073" y="3643546"/>
+                <a:ext cx="1014654" cy="33372"/>
+              </a:xfrm>
+              <a:prstGeom prst="straightConnector1">
+                <a:avLst/>
+              </a:prstGeom>
+              <a:ln>
+                <a:solidFill>
+                  <a:schemeClr val="tx1"/>
+                </a:solidFill>
+                <a:tailEnd type="triangle"/>
+              </a:ln>
+            </p:spPr>
+            <p:style>
+              <a:lnRef idx="1">
+                <a:schemeClr val="accent1"/>
+              </a:lnRef>
+              <a:fillRef idx="0">
+                <a:schemeClr val="accent1"/>
+              </a:fillRef>
+              <a:effectRef idx="0">
+                <a:schemeClr val="accent1"/>
+              </a:effectRef>
+              <a:fontRef idx="minor">
+                <a:schemeClr val="tx1"/>
+              </a:fontRef>
+            </p:style>
+          </p:cxnSp>
+          <p:cxnSp>
+            <p:nvCxnSpPr>
+              <p:cNvPr id="34" name="直接箭头连接符 33"/>
+              <p:cNvCxnSpPr>
+                <a:stCxn id="41" idx="1"/>
+              </p:cNvCxnSpPr>
+              <p:nvPr/>
+            </p:nvCxnSpPr>
+            <p:spPr>
+              <a:xfrm flipH="1" flipV="1">
+                <a:off x="3007605" y="4040301"/>
+                <a:ext cx="513122" cy="12660"/>
+              </a:xfrm>
+              <a:prstGeom prst="straightConnector1">
+                <a:avLst/>
+              </a:prstGeom>
+              <a:ln>
+                <a:solidFill>
+                  <a:schemeClr val="tx1"/>
+                </a:solidFill>
+                <a:tailEnd type="triangle"/>
+              </a:ln>
+            </p:spPr>
+            <p:style>
+              <a:lnRef idx="1">
+                <a:schemeClr val="accent1"/>
+              </a:lnRef>
+              <a:fillRef idx="0">
+                <a:schemeClr val="accent1"/>
+              </a:fillRef>
+              <a:effectRef idx="0">
+                <a:schemeClr val="accent1"/>
+              </a:effectRef>
+              <a:fontRef idx="minor">
+                <a:schemeClr val="tx1"/>
+              </a:fontRef>
+            </p:style>
+          </p:cxnSp>
+          <p:cxnSp>
+            <p:nvCxnSpPr>
+              <p:cNvPr id="37" name="直接箭头连接符 36"/>
+              <p:cNvCxnSpPr>
+                <a:stCxn id="42" idx="1"/>
+              </p:cNvCxnSpPr>
+              <p:nvPr/>
+            </p:nvCxnSpPr>
+            <p:spPr>
+              <a:xfrm flipH="1">
+                <a:off x="3234125" y="4464708"/>
+                <a:ext cx="286602" cy="26404"/>
+              </a:xfrm>
+              <a:prstGeom prst="straightConnector1">
+                <a:avLst/>
+              </a:prstGeom>
+              <a:ln>
+                <a:solidFill>
+                  <a:schemeClr val="tx1"/>
+                </a:solidFill>
+                <a:tailEnd type="triangle"/>
+              </a:ln>
+            </p:spPr>
+            <p:style>
+              <a:lnRef idx="1">
+                <a:schemeClr val="accent1"/>
+              </a:lnRef>
+              <a:fillRef idx="0">
+                <a:schemeClr val="accent1"/>
+              </a:fillRef>
+              <a:effectRef idx="0">
+                <a:schemeClr val="accent1"/>
+              </a:effectRef>
+              <a:fontRef idx="minor">
+                <a:schemeClr val="tx1"/>
+              </a:fontRef>
+            </p:style>
+          </p:cxnSp>
+          <p:sp>
+            <p:nvSpPr>
+              <p:cNvPr id="40" name="文本框 39"/>
+              <p:cNvSpPr txBox="1"/>
+              <p:nvPr/>
+            </p:nvSpPr>
+            <p:spPr>
+              <a:xfrm>
+                <a:off x="3520727" y="3458880"/>
+                <a:ext cx="1677749" cy="369332"/>
+              </a:xfrm>
+              <a:prstGeom prst="rect">
+                <a:avLst/>
+              </a:prstGeom>
+              <a:noFill/>
+            </p:spPr>
+            <p:txBody>
+              <a:bodyPr wrap="square" rtlCol="0">
+                <a:spAutoFit/>
+              </a:bodyPr>
+              <a:lstStyle/>
+              <a:p>
+                <a:r>
+                  <a:rPr lang="en-US" altLang="zh-CN" dirty="0" smtClean="0">
+                    <a:latin typeface="Times New Roman" panose="02020603050405020304" pitchFamily="18" charset="0"/>
+                    <a:cs typeface="Times New Roman" panose="02020603050405020304" pitchFamily="18" charset="0"/>
+                  </a:rPr>
+                  <a:t>Dielectric Layer</a:t>
+                </a:r>
+                <a:endParaRPr lang="zh-CN" altLang="en-US" dirty="0">
+                  <a:latin typeface="Times New Roman" panose="02020603050405020304" pitchFamily="18" charset="0"/>
+                  <a:cs typeface="Times New Roman" panose="02020603050405020304" pitchFamily="18" charset="0"/>
+                </a:endParaRPr>
+              </a:p>
+            </p:txBody>
+          </p:sp>
+          <p:sp>
+            <p:nvSpPr>
+              <p:cNvPr id="41" name="文本框 40"/>
+              <p:cNvSpPr txBox="1"/>
+              <p:nvPr/>
+            </p:nvSpPr>
+            <p:spPr>
+              <a:xfrm>
+                <a:off x="3520727" y="3868295"/>
+                <a:ext cx="1588173" cy="369332"/>
+              </a:xfrm>
+              <a:prstGeom prst="rect">
+                <a:avLst/>
+              </a:prstGeom>
+              <a:noFill/>
+            </p:spPr>
+            <p:txBody>
+              <a:bodyPr wrap="square" rtlCol="0">
+                <a:spAutoFit/>
+              </a:bodyPr>
+              <a:lstStyle/>
+              <a:p>
+                <a:r>
+                  <a:rPr lang="en-US" altLang="zh-CN" dirty="0" smtClean="0">
+                    <a:latin typeface="Times New Roman" panose="02020603050405020304" pitchFamily="18" charset="0"/>
+                    <a:cs typeface="Times New Roman" panose="02020603050405020304" pitchFamily="18" charset="0"/>
+                  </a:rPr>
+                  <a:t>Metallic Layer</a:t>
+                </a:r>
+                <a:endParaRPr lang="zh-CN" altLang="en-US" dirty="0">
+                  <a:latin typeface="Times New Roman" panose="02020603050405020304" pitchFamily="18" charset="0"/>
+                  <a:cs typeface="Times New Roman" panose="02020603050405020304" pitchFamily="18" charset="0"/>
+                </a:endParaRPr>
+              </a:p>
+            </p:txBody>
+          </p:sp>
+          <p:sp>
+            <p:nvSpPr>
+              <p:cNvPr id="42" name="文本框 41"/>
+              <p:cNvSpPr txBox="1"/>
+              <p:nvPr/>
+            </p:nvSpPr>
+            <p:spPr>
+              <a:xfrm>
+                <a:off x="3520727" y="4280042"/>
+                <a:ext cx="1228613" cy="369332"/>
+              </a:xfrm>
+              <a:prstGeom prst="rect">
+                <a:avLst/>
+              </a:prstGeom>
+              <a:noFill/>
+            </p:spPr>
+            <p:txBody>
+              <a:bodyPr wrap="square" rtlCol="0">
+                <a:spAutoFit/>
+              </a:bodyPr>
+              <a:lstStyle/>
+              <a:p>
+                <a:r>
+                  <a:rPr lang="en-US" altLang="zh-CN" dirty="0" smtClean="0">
+                    <a:latin typeface="Times New Roman" panose="02020603050405020304" pitchFamily="18" charset="0"/>
+                    <a:cs typeface="Times New Roman" panose="02020603050405020304" pitchFamily="18" charset="0"/>
+                  </a:rPr>
+                  <a:t>Glass Tube</a:t>
+                </a:r>
+                <a:endParaRPr lang="zh-CN" altLang="en-US" dirty="0">
+                  <a:latin typeface="Times New Roman" panose="02020603050405020304" pitchFamily="18" charset="0"/>
+                  <a:cs typeface="Times New Roman" panose="02020603050405020304" pitchFamily="18" charset="0"/>
+                </a:endParaRPr>
+              </a:p>
+            </p:txBody>
+          </p:sp>
+          <p:sp>
+            <p:nvSpPr>
+              <p:cNvPr id="45" name="文本框 44"/>
+              <p:cNvSpPr txBox="1"/>
+              <p:nvPr/>
+            </p:nvSpPr>
+            <p:spPr>
+              <a:xfrm>
+                <a:off x="2120227" y="4040301"/>
+                <a:ext cx="859809" cy="369332"/>
+              </a:xfrm>
+              <a:prstGeom prst="rect">
+                <a:avLst/>
+              </a:prstGeom>
+              <a:noFill/>
+            </p:spPr>
+            <p:txBody>
+              <a:bodyPr wrap="square" rtlCol="0">
+                <a:spAutoFit/>
+              </a:bodyPr>
+              <a:lstStyle/>
+              <a:p>
+                <a:r>
+                  <a:rPr lang="en-US" altLang="zh-CN" dirty="0" smtClean="0">
+                    <a:latin typeface="Times New Roman" panose="02020603050405020304" pitchFamily="18" charset="0"/>
+                    <a:cs typeface="Times New Roman" panose="02020603050405020304" pitchFamily="18" charset="0"/>
+                  </a:rPr>
+                  <a:t>Air</a:t>
+                </a:r>
+                <a:endParaRPr lang="zh-CN" altLang="en-US" dirty="0">
+                  <a:latin typeface="Times New Roman" panose="02020603050405020304" pitchFamily="18" charset="0"/>
+                  <a:cs typeface="Times New Roman" panose="02020603050405020304" pitchFamily="18" charset="0"/>
+                </a:endParaRPr>
+              </a:p>
+            </p:txBody>
+          </p:sp>
+        </p:grpSp>
+      </p:grpSp>
+    </p:spTree>
+    <p:extLst>
+      <p:ext uri="{BB962C8B-B14F-4D97-AF65-F5344CB8AC3E}">
+        <p14:creationId xmlns:p14="http://schemas.microsoft.com/office/powerpoint/2010/main" val="2541696995"/>
+      </p:ext>
+    </p:extLst>
+  </p:cSld>
+  <p:clrMapOvr>
+    <a:masterClrMapping/>
+  </p:clrMapOvr>
+</p:sld>
+</file>
+
+<file path=ppt/slides/slide17.xml><?xml version="1.0" encoding="utf-8"?>
+<p:sld xmlns:a="http://schemas.openxmlformats.org/drawingml/2006/main" xmlns:r="http://schemas.openxmlformats.org/officeDocument/2006/relationships" xmlns:p="http://schemas.openxmlformats.org/presentationml/2006/main">
+  <p:cSld>
+    <p:spTree>
+      <p:nvGrpSpPr>
+        <p:cNvPr id="1" name=""/>
+        <p:cNvGrpSpPr/>
+        <p:nvPr/>
+      </p:nvGrpSpPr>
+      <p:grpSpPr>
+        <a:xfrm>
+          <a:off x="0" y="0"/>
+          <a:ext cx="0" cy="0"/>
+          <a:chOff x="0" y="0"/>
+          <a:chExt cx="0" cy="0"/>
+        </a:xfrm>
+      </p:grpSpPr>
+      <p:pic>
+        <p:nvPicPr>
+          <p:cNvPr id="2" name="图片 1"/>
+          <p:cNvPicPr>
+            <a:picLocks noChangeAspect="1"/>
+          </p:cNvPicPr>
+          <p:nvPr/>
+        </p:nvPicPr>
+        <p:blipFill>
+          <a:blip r:embed="rId2"/>
+          <a:stretch>
+            <a:fillRect/>
+          </a:stretch>
+        </p:blipFill>
+        <p:spPr>
+          <a:xfrm>
+            <a:off x="3161754" y="4657725"/>
+            <a:ext cx="2838450" cy="2200275"/>
+          </a:xfrm>
+          <a:prstGeom prst="rect">
+            <a:avLst/>
+          </a:prstGeom>
+        </p:spPr>
+      </p:pic>
+      <p:grpSp>
+        <p:nvGrpSpPr>
+          <p:cNvPr id="41" name="组合 40"/>
+          <p:cNvGrpSpPr/>
+          <p:nvPr/>
+        </p:nvGrpSpPr>
+        <p:grpSpPr>
+          <a:xfrm>
+            <a:off x="2006447" y="1493155"/>
+            <a:ext cx="9220027" cy="2602627"/>
+            <a:chOff x="2006447" y="1493155"/>
+            <a:chExt cx="9220027" cy="2602627"/>
+          </a:xfrm>
+        </p:grpSpPr>
+        <p:grpSp>
+          <p:nvGrpSpPr>
+            <p:cNvPr id="38" name="组合 37"/>
+            <p:cNvGrpSpPr/>
+            <p:nvPr/>
+          </p:nvGrpSpPr>
+          <p:grpSpPr>
+            <a:xfrm>
+              <a:off x="2006447" y="1493155"/>
+              <a:ext cx="9220027" cy="2496152"/>
+              <a:chOff x="2006447" y="1493155"/>
+              <a:chExt cx="9220027" cy="2496152"/>
+            </a:xfrm>
+          </p:grpSpPr>
+          <p:grpSp>
+            <p:nvGrpSpPr>
+              <p:cNvPr id="37" name="组合 36"/>
+              <p:cNvGrpSpPr/>
+              <p:nvPr/>
+            </p:nvGrpSpPr>
+            <p:grpSpPr>
+              <a:xfrm>
+                <a:off x="2006447" y="1493155"/>
+                <a:ext cx="4240116" cy="2496152"/>
+                <a:chOff x="2006447" y="1493155"/>
+                <a:chExt cx="4240116" cy="2496152"/>
+              </a:xfrm>
+            </p:grpSpPr>
+            <p:grpSp>
+              <p:nvGrpSpPr>
+                <p:cNvPr id="7" name="组合 6"/>
+                <p:cNvGrpSpPr/>
+                <p:nvPr/>
+              </p:nvGrpSpPr>
+              <p:grpSpPr>
+                <a:xfrm>
+                  <a:off x="2006447" y="1789032"/>
+                  <a:ext cx="2667000" cy="2200275"/>
+                  <a:chOff x="2667459" y="1767000"/>
+                  <a:chExt cx="2667000" cy="2200275"/>
+                </a:xfrm>
+              </p:grpSpPr>
+              <p:pic>
+                <p:nvPicPr>
+                  <p:cNvPr id="5" name="图片 4"/>
+                  <p:cNvPicPr>
+                    <a:picLocks noChangeAspect="1"/>
+                  </p:cNvPicPr>
+                  <p:nvPr/>
+                </p:nvPicPr>
+                <p:blipFill>
+                  <a:blip r:embed="rId3"/>
+                  <a:stretch>
+                    <a:fillRect/>
+                  </a:stretch>
+                </p:blipFill>
+                <p:spPr>
+                  <a:xfrm>
+                    <a:off x="2667459" y="1767000"/>
+                    <a:ext cx="2667000" cy="2200275"/>
+                  </a:xfrm>
+                  <a:prstGeom prst="rect">
+                    <a:avLst/>
+                  </a:prstGeom>
+                </p:spPr>
+              </p:pic>
+              <p:sp>
+                <p:nvSpPr>
+                  <p:cNvPr id="6" name="椭圆 5"/>
+                  <p:cNvSpPr/>
+                  <p:nvPr/>
+                </p:nvSpPr>
+                <p:spPr>
+                  <a:xfrm>
+                    <a:off x="3086731" y="2283242"/>
+                    <a:ext cx="1211856" cy="1211856"/>
+                  </a:xfrm>
+                  <a:prstGeom prst="ellipse">
+                    <a:avLst/>
+                  </a:prstGeom>
+                  <a:solidFill>
+                    <a:schemeClr val="bg1"/>
+                  </a:solidFill>
+                  <a:ln>
+                    <a:solidFill>
+                      <a:schemeClr val="tx1"/>
+                    </a:solidFill>
+                  </a:ln>
+                </p:spPr>
+                <p:style>
+                  <a:lnRef idx="2">
+                    <a:schemeClr val="accent1">
+                      <a:shade val="50000"/>
+                    </a:schemeClr>
+                  </a:lnRef>
+                  <a:fillRef idx="1">
+                    <a:schemeClr val="accent1"/>
+                  </a:fillRef>
+                  <a:effectRef idx="0">
+                    <a:schemeClr val="accent1"/>
+                  </a:effectRef>
+                  <a:fontRef idx="minor">
+                    <a:schemeClr val="lt1"/>
+                  </a:fontRef>
+                </p:style>
+                <p:txBody>
+                  <a:bodyPr rtlCol="0" anchor="ctr"/>
+                  <a:lstStyle/>
+                  <a:p>
+                    <a:pPr algn="ctr"/>
+                    <a:endParaRPr lang="zh-CN" altLang="en-US"/>
+                  </a:p>
+                </p:txBody>
+              </p:sp>
+            </p:grpSp>
+            <p:cxnSp>
+              <p:nvCxnSpPr>
+                <p:cNvPr id="11" name="直接箭头连接符 10"/>
+                <p:cNvCxnSpPr>
+                  <a:stCxn id="14" idx="1"/>
+                </p:cNvCxnSpPr>
+                <p:nvPr/>
+              </p:nvCxnSpPr>
+              <p:spPr>
+                <a:xfrm flipH="1">
+                  <a:off x="3161841" y="1677821"/>
+                  <a:ext cx="1652817" cy="999278"/>
+                </a:xfrm>
+                <a:prstGeom prst="straightConnector1">
+                  <a:avLst/>
+                </a:prstGeom>
+                <a:ln>
+                  <a:solidFill>
+                    <a:schemeClr val="bg2">
+                      <a:lumMod val="25000"/>
+                    </a:schemeClr>
+                  </a:solidFill>
+                  <a:tailEnd type="triangle"/>
+                </a:ln>
+              </p:spPr>
+              <p:style>
+                <a:lnRef idx="1">
+                  <a:schemeClr val="accent1"/>
+                </a:lnRef>
+                <a:fillRef idx="0">
+                  <a:schemeClr val="accent1"/>
+                </a:fillRef>
+                <a:effectRef idx="0">
+                  <a:schemeClr val="accent1"/>
+                </a:effectRef>
+                <a:fontRef idx="minor">
+                  <a:schemeClr val="tx1"/>
+                </a:fontRef>
+              </p:style>
+            </p:cxnSp>
+            <p:cxnSp>
+              <p:nvCxnSpPr>
+                <p:cNvPr id="13" name="直接箭头连接符 12"/>
+                <p:cNvCxnSpPr>
+                  <a:stCxn id="16" idx="1"/>
+                </p:cNvCxnSpPr>
+                <p:nvPr/>
+              </p:nvCxnSpPr>
+              <p:spPr>
+                <a:xfrm flipH="1">
+                  <a:off x="3855905" y="2282502"/>
+                  <a:ext cx="958293" cy="628700"/>
+                </a:xfrm>
+                <a:prstGeom prst="straightConnector1">
+                  <a:avLst/>
+                </a:prstGeom>
+                <a:ln>
+                  <a:solidFill>
+                    <a:schemeClr val="bg2">
+                      <a:lumMod val="25000"/>
+                    </a:schemeClr>
+                  </a:solidFill>
+                  <a:tailEnd type="triangle"/>
+                </a:ln>
+              </p:spPr>
+              <p:style>
+                <a:lnRef idx="1">
+                  <a:schemeClr val="accent1"/>
+                </a:lnRef>
+                <a:fillRef idx="0">
+                  <a:schemeClr val="accent1"/>
+                </a:fillRef>
+                <a:effectRef idx="0">
+                  <a:schemeClr val="accent1"/>
+                </a:effectRef>
+                <a:fontRef idx="minor">
+                  <a:schemeClr val="tx1"/>
+                </a:fontRef>
+              </p:style>
+            </p:cxnSp>
+            <p:sp>
+              <p:nvSpPr>
+                <p:cNvPr id="14" name="文本框 13"/>
+                <p:cNvSpPr txBox="1"/>
+                <p:nvPr/>
+              </p:nvSpPr>
+              <p:spPr>
+                <a:xfrm>
+                  <a:off x="4814658" y="1493155"/>
+                  <a:ext cx="1189822" cy="369332"/>
+                </a:xfrm>
+                <a:prstGeom prst="rect">
+                  <a:avLst/>
+                </a:prstGeom>
+                <a:noFill/>
+              </p:spPr>
+              <p:txBody>
+                <a:bodyPr wrap="square" rtlCol="0">
+                  <a:spAutoFit/>
+                </a:bodyPr>
+                <a:lstStyle/>
+                <a:p>
+                  <a:r>
+                    <a:rPr lang="en-US" altLang="zh-CN" dirty="0" smtClean="0">
+                      <a:latin typeface="Times New Roman" panose="02020603050405020304" pitchFamily="18" charset="0"/>
+                      <a:cs typeface="Times New Roman" panose="02020603050405020304" pitchFamily="18" charset="0"/>
+                    </a:rPr>
+                    <a:t>Air Core</a:t>
+                  </a:r>
+                  <a:endParaRPr lang="zh-CN" altLang="en-US" dirty="0">
+                    <a:latin typeface="Times New Roman" panose="02020603050405020304" pitchFamily="18" charset="0"/>
+                    <a:cs typeface="Times New Roman" panose="02020603050405020304" pitchFamily="18" charset="0"/>
+                  </a:endParaRPr>
+                </a:p>
+              </p:txBody>
+            </p:sp>
+            <p:sp>
+              <p:nvSpPr>
+                <p:cNvPr id="16" name="文本框 15"/>
+                <p:cNvSpPr txBox="1"/>
+                <p:nvPr/>
+              </p:nvSpPr>
+              <p:spPr>
+                <a:xfrm>
+                  <a:off x="4814198" y="2097836"/>
+                  <a:ext cx="1432365" cy="369332"/>
+                </a:xfrm>
+                <a:prstGeom prst="rect">
+                  <a:avLst/>
+                </a:prstGeom>
+                <a:noFill/>
+              </p:spPr>
+              <p:txBody>
+                <a:bodyPr wrap="square" rtlCol="0">
+                  <a:spAutoFit/>
+                </a:bodyPr>
+                <a:lstStyle/>
+                <a:p>
+                  <a:r>
+                    <a:rPr lang="en-US" altLang="zh-CN" dirty="0" smtClean="0">
+                      <a:latin typeface="Times New Roman" panose="02020603050405020304" pitchFamily="18" charset="0"/>
+                      <a:cs typeface="Times New Roman" panose="02020603050405020304" pitchFamily="18" charset="0"/>
+                    </a:rPr>
+                    <a:t>N&lt;1 material</a:t>
+                  </a:r>
+                  <a:endParaRPr lang="zh-CN" altLang="en-US" dirty="0">
+                    <a:latin typeface="Times New Roman" panose="02020603050405020304" pitchFamily="18" charset="0"/>
+                    <a:cs typeface="Times New Roman" panose="02020603050405020304" pitchFamily="18" charset="0"/>
+                  </a:endParaRPr>
+                </a:p>
+              </p:txBody>
+            </p:sp>
+          </p:grpSp>
+          <p:grpSp>
+            <p:nvGrpSpPr>
+              <p:cNvPr id="36" name="组合 35"/>
+              <p:cNvGrpSpPr/>
+              <p:nvPr/>
+            </p:nvGrpSpPr>
+            <p:grpSpPr>
+              <a:xfrm>
+                <a:off x="6213798" y="1493155"/>
+                <a:ext cx="5012676" cy="2454833"/>
+                <a:chOff x="6246563" y="1493155"/>
+                <a:chExt cx="5012676" cy="2454833"/>
+              </a:xfrm>
+            </p:grpSpPr>
+            <p:grpSp>
+              <p:nvGrpSpPr>
+                <p:cNvPr id="21" name="组合 20"/>
+                <p:cNvGrpSpPr/>
+                <p:nvPr/>
+              </p:nvGrpSpPr>
+              <p:grpSpPr>
+                <a:xfrm>
+                  <a:off x="6246563" y="1747713"/>
+                  <a:ext cx="2667000" cy="2200275"/>
+                  <a:chOff x="6822654" y="1789032"/>
+                  <a:chExt cx="2667000" cy="2200275"/>
+                </a:xfrm>
+              </p:grpSpPr>
+              <p:pic>
+                <p:nvPicPr>
+                  <p:cNvPr id="4" name="图片 3"/>
+                  <p:cNvPicPr>
+                    <a:picLocks noChangeAspect="1"/>
+                  </p:cNvPicPr>
+                  <p:nvPr/>
+                </p:nvPicPr>
+                <p:blipFill>
+                  <a:blip r:embed="rId3"/>
+                  <a:stretch>
+                    <a:fillRect/>
+                  </a:stretch>
+                </p:blipFill>
+                <p:spPr>
+                  <a:xfrm>
+                    <a:off x="6822654" y="1789032"/>
+                    <a:ext cx="2667000" cy="2200275"/>
+                  </a:xfrm>
+                  <a:prstGeom prst="rect">
+                    <a:avLst/>
+                  </a:prstGeom>
+                </p:spPr>
+              </p:pic>
+              <p:sp>
+                <p:nvSpPr>
+                  <p:cNvPr id="20" name="椭圆 19"/>
+                  <p:cNvSpPr/>
+                  <p:nvPr/>
+                </p:nvSpPr>
+                <p:spPr>
+                  <a:xfrm>
+                    <a:off x="7018776" y="2082169"/>
+                    <a:ext cx="1717600" cy="1685600"/>
+                  </a:xfrm>
+                  <a:prstGeom prst="ellipse">
+                    <a:avLst/>
+                  </a:prstGeom>
+                  <a:solidFill>
+                    <a:schemeClr val="bg2">
+                      <a:lumMod val="75000"/>
+                    </a:schemeClr>
+                  </a:solidFill>
+                  <a:ln>
+                    <a:solidFill>
+                      <a:schemeClr val="tx1"/>
+                    </a:solidFill>
+                  </a:ln>
+                </p:spPr>
+                <p:style>
+                  <a:lnRef idx="2">
+                    <a:schemeClr val="accent1">
+                      <a:shade val="50000"/>
+                    </a:schemeClr>
+                  </a:lnRef>
+                  <a:fillRef idx="1">
+                    <a:schemeClr val="accent1"/>
+                  </a:fillRef>
+                  <a:effectRef idx="0">
+                    <a:schemeClr val="accent1"/>
+                  </a:effectRef>
+                  <a:fontRef idx="minor">
+                    <a:schemeClr val="lt1"/>
+                  </a:fontRef>
+                </p:style>
+                <p:txBody>
+                  <a:bodyPr rtlCol="0" anchor="ctr"/>
+                  <a:lstStyle/>
+                  <a:p>
+                    <a:pPr algn="ctr"/>
+                    <a:endParaRPr lang="zh-CN" altLang="en-US"/>
+                  </a:p>
+                </p:txBody>
+              </p:sp>
+              <p:sp>
+                <p:nvSpPr>
+                  <p:cNvPr id="19" name="椭圆 18"/>
+                  <p:cNvSpPr/>
+                  <p:nvPr/>
+                </p:nvSpPr>
+                <p:spPr>
+                  <a:xfrm>
+                    <a:off x="7206063" y="2239689"/>
+                    <a:ext cx="1343026" cy="1343026"/>
+                  </a:xfrm>
+                  <a:prstGeom prst="ellipse">
+                    <a:avLst/>
+                  </a:prstGeom>
+                  <a:solidFill>
+                    <a:schemeClr val="bg1"/>
+                  </a:solidFill>
+                  <a:ln>
+                    <a:solidFill>
+                      <a:schemeClr val="tx1"/>
+                    </a:solidFill>
+                  </a:ln>
+                </p:spPr>
+                <p:style>
+                  <a:lnRef idx="2">
+                    <a:schemeClr val="accent1">
+                      <a:shade val="50000"/>
+                    </a:schemeClr>
+                  </a:lnRef>
+                  <a:fillRef idx="1">
+                    <a:schemeClr val="accent1"/>
+                  </a:fillRef>
+                  <a:effectRef idx="0">
+                    <a:schemeClr val="accent1"/>
+                  </a:effectRef>
+                  <a:fontRef idx="minor">
+                    <a:schemeClr val="lt1"/>
+                  </a:fontRef>
+                </p:style>
+                <p:txBody>
+                  <a:bodyPr rtlCol="0" anchor="ctr"/>
+                  <a:lstStyle/>
+                  <a:p>
+                    <a:pPr algn="ctr"/>
+                    <a:endParaRPr lang="zh-CN" altLang="en-US"/>
+                  </a:p>
+                </p:txBody>
+              </p:sp>
+            </p:grpSp>
+            <p:sp>
+              <p:nvSpPr>
+                <p:cNvPr id="22" name="文本框 21"/>
+                <p:cNvSpPr txBox="1"/>
+                <p:nvPr/>
+              </p:nvSpPr>
+              <p:spPr>
+                <a:xfrm>
+                  <a:off x="9155646" y="1493155"/>
+                  <a:ext cx="1189822" cy="369332"/>
+                </a:xfrm>
+                <a:prstGeom prst="rect">
+                  <a:avLst/>
+                </a:prstGeom>
+                <a:noFill/>
+              </p:spPr>
+              <p:txBody>
+                <a:bodyPr wrap="square" rtlCol="0">
+                  <a:spAutoFit/>
+                </a:bodyPr>
+                <a:lstStyle/>
+                <a:p>
+                  <a:r>
+                    <a:rPr lang="en-US" altLang="zh-CN" dirty="0" smtClean="0">
+                      <a:latin typeface="Times New Roman" panose="02020603050405020304" pitchFamily="18" charset="0"/>
+                      <a:cs typeface="Times New Roman" panose="02020603050405020304" pitchFamily="18" charset="0"/>
+                    </a:rPr>
+                    <a:t>Air Core</a:t>
+                  </a:r>
+                  <a:endParaRPr lang="zh-CN" altLang="en-US" dirty="0">
+                    <a:latin typeface="Times New Roman" panose="02020603050405020304" pitchFamily="18" charset="0"/>
+                    <a:cs typeface="Times New Roman" panose="02020603050405020304" pitchFamily="18" charset="0"/>
+                  </a:endParaRPr>
+                </a:p>
+              </p:txBody>
+            </p:sp>
+            <p:sp>
+              <p:nvSpPr>
+                <p:cNvPr id="23" name="文本框 22"/>
+                <p:cNvSpPr txBox="1"/>
+                <p:nvPr/>
+              </p:nvSpPr>
+              <p:spPr>
+                <a:xfrm>
+                  <a:off x="9155645" y="1913170"/>
+                  <a:ext cx="2103594" cy="369332"/>
+                </a:xfrm>
+                <a:prstGeom prst="rect">
+                  <a:avLst/>
+                </a:prstGeom>
+                <a:noFill/>
+              </p:spPr>
+              <p:txBody>
+                <a:bodyPr wrap="square" rtlCol="0">
+                  <a:spAutoFit/>
+                </a:bodyPr>
+                <a:lstStyle/>
+                <a:p>
+                  <a:r>
+                    <a:rPr lang="en-US" altLang="zh-CN" dirty="0" smtClean="0">
+                      <a:latin typeface="Times New Roman" panose="02020603050405020304" pitchFamily="18" charset="0"/>
+                      <a:cs typeface="Times New Roman" panose="02020603050405020304" pitchFamily="18" charset="0"/>
+                    </a:rPr>
+                    <a:t>Dielectric Coating</a:t>
+                  </a:r>
+                  <a:endParaRPr lang="zh-CN" altLang="en-US" dirty="0">
+                    <a:latin typeface="Times New Roman" panose="02020603050405020304" pitchFamily="18" charset="0"/>
+                    <a:cs typeface="Times New Roman" panose="02020603050405020304" pitchFamily="18" charset="0"/>
+                  </a:endParaRPr>
+                </a:p>
+              </p:txBody>
+            </p:sp>
+            <p:sp>
+              <p:nvSpPr>
+                <p:cNvPr id="24" name="文本框 23"/>
+                <p:cNvSpPr txBox="1"/>
+                <p:nvPr/>
+              </p:nvSpPr>
+              <p:spPr>
+                <a:xfrm>
+                  <a:off x="9155645" y="2331939"/>
+                  <a:ext cx="2103594" cy="369332"/>
+                </a:xfrm>
+                <a:prstGeom prst="rect">
+                  <a:avLst/>
+                </a:prstGeom>
+                <a:noFill/>
+              </p:spPr>
+              <p:txBody>
+                <a:bodyPr wrap="square" rtlCol="0">
+                  <a:spAutoFit/>
+                </a:bodyPr>
+                <a:lstStyle/>
+                <a:p>
+                  <a:r>
+                    <a:rPr lang="en-US" altLang="zh-CN" dirty="0" smtClean="0">
+                      <a:latin typeface="Times New Roman" panose="02020603050405020304" pitchFamily="18" charset="0"/>
+                      <a:cs typeface="Times New Roman" panose="02020603050405020304" pitchFamily="18" charset="0"/>
+                    </a:rPr>
+                    <a:t>Metallic film</a:t>
+                  </a:r>
+                  <a:endParaRPr lang="zh-CN" altLang="en-US" dirty="0">
+                    <a:latin typeface="Times New Roman" panose="02020603050405020304" pitchFamily="18" charset="0"/>
+                    <a:cs typeface="Times New Roman" panose="02020603050405020304" pitchFamily="18" charset="0"/>
+                  </a:endParaRPr>
+                </a:p>
+              </p:txBody>
+            </p:sp>
+            <p:sp>
+              <p:nvSpPr>
+                <p:cNvPr id="25" name="文本框 24"/>
+                <p:cNvSpPr txBox="1"/>
+                <p:nvPr/>
+              </p:nvSpPr>
+              <p:spPr>
+                <a:xfrm>
+                  <a:off x="9155645" y="2750708"/>
+                  <a:ext cx="2103594" cy="369332"/>
+                </a:xfrm>
+                <a:prstGeom prst="rect">
+                  <a:avLst/>
+                </a:prstGeom>
+                <a:noFill/>
+              </p:spPr>
+              <p:txBody>
+                <a:bodyPr wrap="square" rtlCol="0">
+                  <a:spAutoFit/>
+                </a:bodyPr>
+                <a:lstStyle/>
+                <a:p>
+                  <a:r>
+                    <a:rPr lang="en-US" altLang="zh-CN" dirty="0" smtClean="0">
+                      <a:latin typeface="Times New Roman" panose="02020603050405020304" pitchFamily="18" charset="0"/>
+                      <a:cs typeface="Times New Roman" panose="02020603050405020304" pitchFamily="18" charset="0"/>
+                    </a:rPr>
+                    <a:t>Structural tube</a:t>
+                  </a:r>
+                  <a:endParaRPr lang="zh-CN" altLang="en-US" dirty="0">
+                    <a:latin typeface="Times New Roman" panose="02020603050405020304" pitchFamily="18" charset="0"/>
+                    <a:cs typeface="Times New Roman" panose="02020603050405020304" pitchFamily="18" charset="0"/>
+                  </a:endParaRPr>
+                </a:p>
+              </p:txBody>
+            </p:sp>
+            <p:cxnSp>
+              <p:nvCxnSpPr>
+                <p:cNvPr id="26" name="直接箭头连接符 25"/>
+                <p:cNvCxnSpPr>
+                  <a:stCxn id="22" idx="1"/>
+                </p:cNvCxnSpPr>
+                <p:nvPr/>
+              </p:nvCxnSpPr>
+              <p:spPr>
+                <a:xfrm flipH="1">
+                  <a:off x="7301486" y="1677821"/>
+                  <a:ext cx="1854160" cy="1069170"/>
+                </a:xfrm>
+                <a:prstGeom prst="straightConnector1">
+                  <a:avLst/>
+                </a:prstGeom>
+                <a:ln>
+                  <a:solidFill>
+                    <a:schemeClr val="bg2">
+                      <a:lumMod val="25000"/>
+                    </a:schemeClr>
+                  </a:solidFill>
+                  <a:tailEnd type="triangle"/>
+                </a:ln>
+              </p:spPr>
+              <p:style>
+                <a:lnRef idx="1">
+                  <a:schemeClr val="accent1"/>
+                </a:lnRef>
+                <a:fillRef idx="0">
+                  <a:schemeClr val="accent1"/>
+                </a:fillRef>
+                <a:effectRef idx="0">
+                  <a:schemeClr val="accent1"/>
+                </a:effectRef>
+                <a:fontRef idx="minor">
+                  <a:schemeClr val="tx1"/>
+                </a:fontRef>
+              </p:style>
+            </p:cxnSp>
+            <p:cxnSp>
+              <p:nvCxnSpPr>
+                <p:cNvPr id="28" name="直接箭头连接符 27"/>
+                <p:cNvCxnSpPr>
+                  <a:stCxn id="23" idx="1"/>
+                </p:cNvCxnSpPr>
+                <p:nvPr/>
+              </p:nvCxnSpPr>
+              <p:spPr>
+                <a:xfrm flipH="1">
+                  <a:off x="7997613" y="2097836"/>
+                  <a:ext cx="1158032" cy="547150"/>
+                </a:xfrm>
+                <a:prstGeom prst="straightConnector1">
+                  <a:avLst/>
+                </a:prstGeom>
+                <a:ln>
+                  <a:solidFill>
+                    <a:schemeClr val="bg2">
+                      <a:lumMod val="25000"/>
+                    </a:schemeClr>
+                  </a:solidFill>
+                  <a:tailEnd type="triangle"/>
+                </a:ln>
+              </p:spPr>
+              <p:style>
+                <a:lnRef idx="1">
+                  <a:schemeClr val="accent1"/>
+                </a:lnRef>
+                <a:fillRef idx="0">
+                  <a:schemeClr val="accent1"/>
+                </a:fillRef>
+                <a:effectRef idx="0">
+                  <a:schemeClr val="accent1"/>
+                </a:effectRef>
+                <a:fontRef idx="minor">
+                  <a:schemeClr val="tx1"/>
+                </a:fontRef>
+              </p:style>
+            </p:cxnSp>
+            <p:cxnSp>
+              <p:nvCxnSpPr>
+                <p:cNvPr id="30" name="直接箭头连接符 29"/>
+                <p:cNvCxnSpPr>
+                  <a:stCxn id="24" idx="1"/>
+                </p:cNvCxnSpPr>
+                <p:nvPr/>
+              </p:nvCxnSpPr>
+              <p:spPr>
+                <a:xfrm flipH="1">
+                  <a:off x="8215080" y="2516605"/>
+                  <a:ext cx="940565" cy="415052"/>
+                </a:xfrm>
+                <a:prstGeom prst="straightConnector1">
+                  <a:avLst/>
+                </a:prstGeom>
+                <a:ln>
+                  <a:solidFill>
+                    <a:schemeClr val="bg2">
+                      <a:lumMod val="25000"/>
+                    </a:schemeClr>
+                  </a:solidFill>
+                  <a:tailEnd type="triangle"/>
+                </a:ln>
+              </p:spPr>
+              <p:style>
+                <a:lnRef idx="1">
+                  <a:schemeClr val="accent1"/>
+                </a:lnRef>
+                <a:fillRef idx="0">
+                  <a:schemeClr val="accent1"/>
+                </a:fillRef>
+                <a:effectRef idx="0">
+                  <a:schemeClr val="accent1"/>
+                </a:effectRef>
+                <a:fontRef idx="minor">
+                  <a:schemeClr val="tx1"/>
+                </a:fontRef>
+              </p:style>
+            </p:cxnSp>
+            <p:cxnSp>
+              <p:nvCxnSpPr>
+                <p:cNvPr id="32" name="直接箭头连接符 31"/>
+                <p:cNvCxnSpPr>
+                  <a:stCxn id="25" idx="1"/>
+                </p:cNvCxnSpPr>
+                <p:nvPr/>
+              </p:nvCxnSpPr>
+              <p:spPr>
+                <a:xfrm flipH="1">
+                  <a:off x="8531789" y="2935374"/>
+                  <a:ext cx="623856" cy="45720"/>
+                </a:xfrm>
+                <a:prstGeom prst="straightConnector1">
+                  <a:avLst/>
+                </a:prstGeom>
+                <a:ln>
+                  <a:solidFill>
+                    <a:schemeClr val="bg2">
+                      <a:lumMod val="25000"/>
+                    </a:schemeClr>
+                  </a:solidFill>
+                  <a:tailEnd type="triangle"/>
+                </a:ln>
+              </p:spPr>
+              <p:style>
+                <a:lnRef idx="1">
+                  <a:schemeClr val="accent1"/>
+                </a:lnRef>
+                <a:fillRef idx="0">
+                  <a:schemeClr val="accent1"/>
+                </a:fillRef>
+                <a:effectRef idx="0">
+                  <a:schemeClr val="accent1"/>
+                </a:effectRef>
+                <a:fontRef idx="minor">
+                  <a:schemeClr val="tx1"/>
+                </a:fontRef>
+              </p:style>
+            </p:cxnSp>
+          </p:grpSp>
+        </p:grpSp>
+        <p:sp>
+          <p:nvSpPr>
+            <p:cNvPr id="39" name="文本框 38"/>
+            <p:cNvSpPr txBox="1"/>
+            <p:nvPr/>
+          </p:nvSpPr>
+          <p:spPr>
+            <a:xfrm>
+              <a:off x="4120308" y="3726450"/>
+              <a:ext cx="553139" cy="369332"/>
+            </a:xfrm>
+            <a:prstGeom prst="rect">
+              <a:avLst/>
+            </a:prstGeom>
+            <a:noFill/>
+          </p:spPr>
+          <p:txBody>
+            <a:bodyPr wrap="square" rtlCol="0">
+              <a:spAutoFit/>
+            </a:bodyPr>
+            <a:lstStyle/>
+            <a:p>
+              <a:r>
+                <a:rPr lang="en-US" altLang="zh-CN" dirty="0" smtClean="0">
+                  <a:latin typeface="Times New Roman" panose="02020603050405020304" pitchFamily="18" charset="0"/>
+                  <a:cs typeface="Times New Roman" panose="02020603050405020304" pitchFamily="18" charset="0"/>
+                </a:rPr>
+                <a:t>(a)</a:t>
+              </a:r>
+              <a:endParaRPr lang="zh-CN" altLang="en-US" dirty="0">
+                <a:latin typeface="Times New Roman" panose="02020603050405020304" pitchFamily="18" charset="0"/>
+                <a:cs typeface="Times New Roman" panose="02020603050405020304" pitchFamily="18" charset="0"/>
+              </a:endParaRPr>
+            </a:p>
+          </p:txBody>
+        </p:sp>
+        <p:sp>
+          <p:nvSpPr>
+            <p:cNvPr id="40" name="文本框 39"/>
+            <p:cNvSpPr txBox="1"/>
+            <p:nvPr/>
+          </p:nvSpPr>
+          <p:spPr>
+            <a:xfrm>
+              <a:off x="8536977" y="3726450"/>
+              <a:ext cx="553139" cy="369332"/>
+            </a:xfrm>
+            <a:prstGeom prst="rect">
+              <a:avLst/>
+            </a:prstGeom>
+            <a:noFill/>
+          </p:spPr>
+          <p:txBody>
+            <a:bodyPr wrap="square" rtlCol="0">
+              <a:spAutoFit/>
+            </a:bodyPr>
+            <a:lstStyle/>
+            <a:p>
+              <a:r>
+                <a:rPr lang="en-US" altLang="zh-CN" dirty="0" smtClean="0">
+                  <a:latin typeface="Times New Roman" panose="02020603050405020304" pitchFamily="18" charset="0"/>
+                  <a:cs typeface="Times New Roman" panose="02020603050405020304" pitchFamily="18" charset="0"/>
+                </a:rPr>
+                <a:t>(b)</a:t>
+              </a:r>
+              <a:endParaRPr lang="zh-CN" altLang="en-US" dirty="0">
+                <a:latin typeface="Times New Roman" panose="02020603050405020304" pitchFamily="18" charset="0"/>
+                <a:cs typeface="Times New Roman" panose="02020603050405020304" pitchFamily="18" charset="0"/>
+              </a:endParaRPr>
+            </a:p>
+          </p:txBody>
+        </p:sp>
+      </p:grpSp>
+    </p:spTree>
+    <p:extLst>
+      <p:ext uri="{BB962C8B-B14F-4D97-AF65-F5344CB8AC3E}">
+        <p14:creationId xmlns:p14="http://schemas.microsoft.com/office/powerpoint/2010/main" val="78342086"/>
+      </p:ext>
+    </p:extLst>
+  </p:cSld>
+  <p:clrMapOvr>
+    <a:masterClrMapping/>
+  </p:clrMapOvr>
+</p:sld>
+</file>
+
+<file path=ppt/slides/slide18.xml><?xml version="1.0" encoding="utf-8"?>
+<p:sld xmlns:a="http://schemas.openxmlformats.org/drawingml/2006/main" xmlns:r="http://schemas.openxmlformats.org/officeDocument/2006/relationships" xmlns:p="http://schemas.openxmlformats.org/presentationml/2006/main">
+  <p:cSld>
+    <p:spTree>
+      <p:nvGrpSpPr>
+        <p:cNvPr id="1" name=""/>
+        <p:cNvGrpSpPr/>
+        <p:nvPr/>
+      </p:nvGrpSpPr>
+      <p:grpSpPr>
+        <a:xfrm>
+          <a:off x="0" y="0"/>
+          <a:ext cx="0" cy="0"/>
+          <a:chOff x="0" y="0"/>
+          <a:chExt cx="0" cy="0"/>
+        </a:xfrm>
+      </p:grpSpPr>
       <p:sp>
         <p:nvSpPr>
           <p:cNvPr id="2" name="竖排标题 1"/>
@@ -4162,7 +6700,7 @@
 </p:sld>
 </file>
 
-<file path=ppt/slides/slide15.xml><?xml version="1.0" encoding="utf-8"?>
+<file path=ppt/slides/slide19.xml><?xml version="1.0" encoding="utf-8"?>
 <p:sld xmlns:a="http://schemas.openxmlformats.org/drawingml/2006/main" xmlns:r="http://schemas.openxmlformats.org/officeDocument/2006/relationships" xmlns:p="http://schemas.openxmlformats.org/presentationml/2006/main">
   <p:cSld>
     <p:spTree>
@@ -4406,7 +6944,114 @@
 </p:sld>
 </file>
 
-<file path=ppt/slides/slide16.xml><?xml version="1.0" encoding="utf-8"?>
+<file path=ppt/slides/slide2.xml><?xml version="1.0" encoding="utf-8"?>
+<p:sld xmlns:a="http://schemas.openxmlformats.org/drawingml/2006/main" xmlns:r="http://schemas.openxmlformats.org/officeDocument/2006/relationships" xmlns:p="http://schemas.openxmlformats.org/presentationml/2006/main">
+  <p:cSld>
+    <p:spTree>
+      <p:nvGrpSpPr>
+        <p:cNvPr id="1" name=""/>
+        <p:cNvGrpSpPr/>
+        <p:nvPr/>
+      </p:nvGrpSpPr>
+      <p:grpSpPr>
+        <a:xfrm>
+          <a:off x="0" y="0"/>
+          <a:ext cx="0" cy="0"/>
+          <a:chOff x="0" y="0"/>
+          <a:chExt cx="0" cy="0"/>
+        </a:xfrm>
+      </p:grpSpPr>
+      <p:sp>
+        <p:nvSpPr>
+          <p:cNvPr id="2" name="标题 1"/>
+          <p:cNvSpPr>
+            <a:spLocks noGrp="1"/>
+          </p:cNvSpPr>
+          <p:nvPr>
+            <p:ph type="ctrTitle"/>
+          </p:nvPr>
+        </p:nvSpPr>
+        <p:spPr/>
+        <p:txBody>
+          <a:bodyPr/>
+          <a:lstStyle/>
+          <a:p>
+            <a:endParaRPr lang="zh-CN" altLang="en-US" dirty="0"/>
+          </a:p>
+        </p:txBody>
+      </p:sp>
+      <p:sp>
+        <p:nvSpPr>
+          <p:cNvPr id="3" name="副标题 2"/>
+          <p:cNvSpPr>
+            <a:spLocks noGrp="1"/>
+          </p:cNvSpPr>
+          <p:nvPr>
+            <p:ph type="subTitle" idx="1"/>
+          </p:nvPr>
+        </p:nvSpPr>
+        <p:spPr/>
+        <p:txBody>
+          <a:bodyPr/>
+          <a:lstStyle/>
+          <a:p>
+            <a:endParaRPr lang="zh-CN" altLang="en-US"/>
+          </a:p>
+        </p:txBody>
+      </p:sp>
+      <p:pic>
+        <p:nvPicPr>
+          <p:cNvPr id="4" name="图片 3" descr="C:\Users\Alwee\Desktop\AgVsAgI.emf"/>
+          <p:cNvPicPr>
+            <a:picLocks noChangeAspect="1"/>
+          </p:cNvPicPr>
+          <p:nvPr/>
+        </p:nvPicPr>
+        <p:blipFill>
+          <a:blip r:embed="rId2"/>
+          <a:srcRect/>
+          <a:stretch>
+            <a:fillRect/>
+          </a:stretch>
+        </p:blipFill>
+        <p:spPr bwMode="auto">
+          <a:xfrm>
+            <a:off x="428400" y="1569463"/>
+            <a:ext cx="5400000" cy="4145553"/>
+          </a:xfrm>
+          <a:prstGeom prst="rect">
+            <a:avLst/>
+          </a:prstGeom>
+          <a:noFill/>
+          <a:ln w="9525">
+            <a:noFill/>
+            <a:miter lim="800000"/>
+            <a:headEnd/>
+            <a:tailEnd/>
+          </a:ln>
+        </p:spPr>
+      </p:pic>
+    </p:spTree>
+    <p:extLst>
+      <p:ext uri="{BB962C8B-B14F-4D97-AF65-F5344CB8AC3E}">
+        <p14:creationId xmlns:p14="http://schemas.microsoft.com/office/powerpoint/2010/main" val="3393202541"/>
+      </p:ext>
+    </p:extLst>
+  </p:cSld>
+  <p:clrMapOvr>
+    <a:masterClrMapping/>
+  </p:clrMapOvr>
+  <p:timing>
+    <p:tnLst>
+      <p:par>
+        <p:cTn id="1" dur="indefinite" restart="never" nodeType="tmRoot"/>
+      </p:par>
+    </p:tnLst>
+  </p:timing>
+</p:sld>
+</file>
+
+<file path=ppt/slides/slide20.xml><?xml version="1.0" encoding="utf-8"?>
 <p:sld xmlns:a="http://schemas.openxmlformats.org/drawingml/2006/main" xmlns:r="http://schemas.openxmlformats.org/officeDocument/2006/relationships" xmlns:p="http://schemas.openxmlformats.org/presentationml/2006/main">
   <p:cSld>
     <p:spTree>
@@ -4496,7 +7141,7 @@
 </p:sld>
 </file>
 
-<file path=ppt/slides/slide17.xml><?xml version="1.0" encoding="utf-8"?>
+<file path=ppt/slides/slide21.xml><?xml version="1.0" encoding="utf-8"?>
 <p:sld xmlns:a="http://schemas.openxmlformats.org/drawingml/2006/main" xmlns:r="http://schemas.openxmlformats.org/officeDocument/2006/relationships" xmlns:p="http://schemas.openxmlformats.org/presentationml/2006/main">
   <p:cSld>
     <p:spTree>
@@ -5502,113 +8147,6 @@
   <p:clrMapOvr>
     <a:masterClrMapping/>
   </p:clrMapOvr>
-</p:sld>
-</file>
-
-<file path=ppt/slides/slide2.xml><?xml version="1.0" encoding="utf-8"?>
-<p:sld xmlns:a="http://schemas.openxmlformats.org/drawingml/2006/main" xmlns:r="http://schemas.openxmlformats.org/officeDocument/2006/relationships" xmlns:p="http://schemas.openxmlformats.org/presentationml/2006/main">
-  <p:cSld>
-    <p:spTree>
-      <p:nvGrpSpPr>
-        <p:cNvPr id="1" name=""/>
-        <p:cNvGrpSpPr/>
-        <p:nvPr/>
-      </p:nvGrpSpPr>
-      <p:grpSpPr>
-        <a:xfrm>
-          <a:off x="0" y="0"/>
-          <a:ext cx="0" cy="0"/>
-          <a:chOff x="0" y="0"/>
-          <a:chExt cx="0" cy="0"/>
-        </a:xfrm>
-      </p:grpSpPr>
-      <p:sp>
-        <p:nvSpPr>
-          <p:cNvPr id="2" name="标题 1"/>
-          <p:cNvSpPr>
-            <a:spLocks noGrp="1"/>
-          </p:cNvSpPr>
-          <p:nvPr>
-            <p:ph type="ctrTitle"/>
-          </p:nvPr>
-        </p:nvSpPr>
-        <p:spPr/>
-        <p:txBody>
-          <a:bodyPr/>
-          <a:lstStyle/>
-          <a:p>
-            <a:endParaRPr lang="zh-CN" altLang="en-US" dirty="0"/>
-          </a:p>
-        </p:txBody>
-      </p:sp>
-      <p:sp>
-        <p:nvSpPr>
-          <p:cNvPr id="3" name="副标题 2"/>
-          <p:cNvSpPr>
-            <a:spLocks noGrp="1"/>
-          </p:cNvSpPr>
-          <p:nvPr>
-            <p:ph type="subTitle" idx="1"/>
-          </p:nvPr>
-        </p:nvSpPr>
-        <p:spPr/>
-        <p:txBody>
-          <a:bodyPr/>
-          <a:lstStyle/>
-          <a:p>
-            <a:endParaRPr lang="zh-CN" altLang="en-US"/>
-          </a:p>
-        </p:txBody>
-      </p:sp>
-      <p:pic>
-        <p:nvPicPr>
-          <p:cNvPr id="4" name="图片 3" descr="C:\Users\Alwee\Desktop\AgVsAgI.emf"/>
-          <p:cNvPicPr>
-            <a:picLocks noChangeAspect="1"/>
-          </p:cNvPicPr>
-          <p:nvPr/>
-        </p:nvPicPr>
-        <p:blipFill>
-          <a:blip r:embed="rId2"/>
-          <a:srcRect/>
-          <a:stretch>
-            <a:fillRect/>
-          </a:stretch>
-        </p:blipFill>
-        <p:spPr bwMode="auto">
-          <a:xfrm>
-            <a:off x="428400" y="1569463"/>
-            <a:ext cx="5400000" cy="4145553"/>
-          </a:xfrm>
-          <a:prstGeom prst="rect">
-            <a:avLst/>
-          </a:prstGeom>
-          <a:noFill/>
-          <a:ln w="9525">
-            <a:noFill/>
-            <a:miter lim="800000"/>
-            <a:headEnd/>
-            <a:tailEnd/>
-          </a:ln>
-        </p:spPr>
-      </p:pic>
-    </p:spTree>
-    <p:extLst>
-      <p:ext uri="{BB962C8B-B14F-4D97-AF65-F5344CB8AC3E}">
-        <p14:creationId xmlns:p14="http://schemas.microsoft.com/office/powerpoint/2010/main" val="3393202541"/>
-      </p:ext>
-    </p:extLst>
-  </p:cSld>
-  <p:clrMapOvr>
-    <a:masterClrMapping/>
-  </p:clrMapOvr>
-  <p:timing>
-    <p:tnLst>
-      <p:par>
-        <p:cTn id="1" dur="indefinite" restart="never" nodeType="tmRoot"/>
-      </p:par>
-    </p:tnLst>
-  </p:timing>
 </p:sld>
 </file>
 

--- a/毕业论文/论文用图.pptx
+++ b/毕业论文/论文用图.pptx
@@ -21,11 +21,17 @@
     <p:sldId id="273" r:id="rId15"/>
     <p:sldId id="275" r:id="rId16"/>
     <p:sldId id="276" r:id="rId17"/>
-    <p:sldId id="274" r:id="rId18"/>
-    <p:sldId id="260" r:id="rId19"/>
-    <p:sldId id="261" r:id="rId20"/>
-    <p:sldId id="259" r:id="rId21"/>
-    <p:sldId id="270" r:id="rId22"/>
+    <p:sldId id="277" r:id="rId18"/>
+    <p:sldId id="278" r:id="rId19"/>
+    <p:sldId id="279" r:id="rId20"/>
+    <p:sldId id="280" r:id="rId21"/>
+    <p:sldId id="281" r:id="rId22"/>
+    <p:sldId id="282" r:id="rId23"/>
+    <p:sldId id="274" r:id="rId24"/>
+    <p:sldId id="260" r:id="rId25"/>
+    <p:sldId id="261" r:id="rId26"/>
+    <p:sldId id="259" r:id="rId27"/>
+    <p:sldId id="270" r:id="rId28"/>
   </p:sldIdLst>
   <p:sldSz cx="12192000" cy="6858000"/>
   <p:notesSz cx="6858000" cy="9144000"/>
@@ -263,7 +269,7 @@
           <a:p>
             <a:fld id="{2434905A-E1A4-4744-B5A9-97B0F93BB70A}" type="datetimeFigureOut">
               <a:rPr lang="zh-CN" altLang="en-US" smtClean="0"/>
-              <a:t>2016/3/17</a:t>
+              <a:t>2016/3/18</a:t>
             </a:fld>
             <a:endParaRPr lang="zh-CN" altLang="en-US"/>
           </a:p>
@@ -433,7 +439,7 @@
           <a:p>
             <a:fld id="{2434905A-E1A4-4744-B5A9-97B0F93BB70A}" type="datetimeFigureOut">
               <a:rPr lang="zh-CN" altLang="en-US" smtClean="0"/>
-              <a:t>2016/3/17</a:t>
+              <a:t>2016/3/18</a:t>
             </a:fld>
             <a:endParaRPr lang="zh-CN" altLang="en-US"/>
           </a:p>
@@ -613,7 +619,7 @@
           <a:p>
             <a:fld id="{2434905A-E1A4-4744-B5A9-97B0F93BB70A}" type="datetimeFigureOut">
               <a:rPr lang="zh-CN" altLang="en-US" smtClean="0"/>
-              <a:t>2016/3/17</a:t>
+              <a:t>2016/3/18</a:t>
             </a:fld>
             <a:endParaRPr lang="zh-CN" altLang="en-US"/>
           </a:p>
@@ -783,7 +789,7 @@
           <a:p>
             <a:fld id="{2434905A-E1A4-4744-B5A9-97B0F93BB70A}" type="datetimeFigureOut">
               <a:rPr lang="zh-CN" altLang="en-US" smtClean="0"/>
-              <a:t>2016/3/17</a:t>
+              <a:t>2016/3/18</a:t>
             </a:fld>
             <a:endParaRPr lang="zh-CN" altLang="en-US"/>
           </a:p>
@@ -1029,7 +1035,7 @@
           <a:p>
             <a:fld id="{2434905A-E1A4-4744-B5A9-97B0F93BB70A}" type="datetimeFigureOut">
               <a:rPr lang="zh-CN" altLang="en-US" smtClean="0"/>
-              <a:t>2016/3/17</a:t>
+              <a:t>2016/3/18</a:t>
             </a:fld>
             <a:endParaRPr lang="zh-CN" altLang="en-US"/>
           </a:p>
@@ -1261,7 +1267,7 @@
           <a:p>
             <a:fld id="{2434905A-E1A4-4744-B5A9-97B0F93BB70A}" type="datetimeFigureOut">
               <a:rPr lang="zh-CN" altLang="en-US" smtClean="0"/>
-              <a:t>2016/3/17</a:t>
+              <a:t>2016/3/18</a:t>
             </a:fld>
             <a:endParaRPr lang="zh-CN" altLang="en-US"/>
           </a:p>
@@ -1628,7 +1634,7 @@
           <a:p>
             <a:fld id="{2434905A-E1A4-4744-B5A9-97B0F93BB70A}" type="datetimeFigureOut">
               <a:rPr lang="zh-CN" altLang="en-US" smtClean="0"/>
-              <a:t>2016/3/17</a:t>
+              <a:t>2016/3/18</a:t>
             </a:fld>
             <a:endParaRPr lang="zh-CN" altLang="en-US"/>
           </a:p>
@@ -1746,7 +1752,7 @@
           <a:p>
             <a:fld id="{2434905A-E1A4-4744-B5A9-97B0F93BB70A}" type="datetimeFigureOut">
               <a:rPr lang="zh-CN" altLang="en-US" smtClean="0"/>
-              <a:t>2016/3/17</a:t>
+              <a:t>2016/3/18</a:t>
             </a:fld>
             <a:endParaRPr lang="zh-CN" altLang="en-US"/>
           </a:p>
@@ -1841,7 +1847,7 @@
           <a:p>
             <a:fld id="{2434905A-E1A4-4744-B5A9-97B0F93BB70A}" type="datetimeFigureOut">
               <a:rPr lang="zh-CN" altLang="en-US" smtClean="0"/>
-              <a:t>2016/3/17</a:t>
+              <a:t>2016/3/18</a:t>
             </a:fld>
             <a:endParaRPr lang="zh-CN" altLang="en-US"/>
           </a:p>
@@ -2118,7 +2124,7 @@
           <a:p>
             <a:fld id="{2434905A-E1A4-4744-B5A9-97B0F93BB70A}" type="datetimeFigureOut">
               <a:rPr lang="zh-CN" altLang="en-US" smtClean="0"/>
-              <a:t>2016/3/17</a:t>
+              <a:t>2016/3/18</a:t>
             </a:fld>
             <a:endParaRPr lang="zh-CN" altLang="en-US"/>
           </a:p>
@@ -2371,7 +2377,7 @@
           <a:p>
             <a:fld id="{2434905A-E1A4-4744-B5A9-97B0F93BB70A}" type="datetimeFigureOut">
               <a:rPr lang="zh-CN" altLang="en-US" smtClean="0"/>
-              <a:t>2016/3/17</a:t>
+              <a:t>2016/3/18</a:t>
             </a:fld>
             <a:endParaRPr lang="zh-CN" altLang="en-US"/>
           </a:p>
@@ -2584,7 +2590,7 @@
           <a:p>
             <a:fld id="{2434905A-E1A4-4744-B5A9-97B0F93BB70A}" type="datetimeFigureOut">
               <a:rPr lang="zh-CN" altLang="en-US" smtClean="0"/>
-              <a:t>2016/3/17</a:t>
+              <a:t>2016/3/18</a:t>
             </a:fld>
             <a:endParaRPr lang="zh-CN" altLang="en-US"/>
           </a:p>
@@ -3379,6 +3385,54 @@
         <p:spPr>
           <a:xfrm>
             <a:off x="1868763" y="2955077"/>
+            <a:ext cx="5271720" cy="1417816"/>
+          </a:xfrm>
+          <a:prstGeom prst="rect">
+            <a:avLst/>
+          </a:prstGeom>
+        </p:spPr>
+      </p:pic>
+      <p:pic>
+        <p:nvPicPr>
+          <p:cNvPr id="3" name="图片 2"/>
+          <p:cNvPicPr>
+            <a:picLocks noChangeAspect="1"/>
+          </p:cNvPicPr>
+          <p:nvPr/>
+        </p:nvPicPr>
+        <p:blipFill>
+          <a:blip r:embed="rId4"/>
+          <a:stretch>
+            <a:fillRect/>
+          </a:stretch>
+        </p:blipFill>
+        <p:spPr>
+          <a:xfrm>
+            <a:off x="3458936" y="4436923"/>
+            <a:ext cx="5296162" cy="1969696"/>
+          </a:xfrm>
+          <a:prstGeom prst="rect">
+            <a:avLst/>
+          </a:prstGeom>
+        </p:spPr>
+      </p:pic>
+      <p:pic>
+        <p:nvPicPr>
+          <p:cNvPr id="6" name="图片 5"/>
+          <p:cNvPicPr>
+            <a:picLocks noChangeAspect="1"/>
+          </p:cNvPicPr>
+          <p:nvPr/>
+        </p:nvPicPr>
+        <p:blipFill>
+          <a:blip r:embed="rId5"/>
+          <a:stretch>
+            <a:fillRect/>
+          </a:stretch>
+        </p:blipFill>
+        <p:spPr>
+          <a:xfrm>
+            <a:off x="7238925" y="2422637"/>
             <a:ext cx="5271720" cy="1417816"/>
           </a:xfrm>
           <a:prstGeom prst="rect">
@@ -5682,6 +5736,6764 @@
           <a:chExt cx="0" cy="0"/>
         </a:xfrm>
       </p:grpSpPr>
+      <p:grpSp>
+        <p:nvGrpSpPr>
+          <p:cNvPr id="86" name="组合 85"/>
+          <p:cNvGrpSpPr/>
+          <p:nvPr/>
+        </p:nvGrpSpPr>
+        <p:grpSpPr>
+          <a:xfrm>
+            <a:off x="1972808" y="1798716"/>
+            <a:ext cx="7352501" cy="2589419"/>
+            <a:chOff x="1972808" y="1798716"/>
+            <a:chExt cx="7352501" cy="2589419"/>
+          </a:xfrm>
+        </p:grpSpPr>
+        <p:grpSp>
+          <p:nvGrpSpPr>
+            <p:cNvPr id="46" name="组合 45"/>
+            <p:cNvGrpSpPr/>
+            <p:nvPr/>
+          </p:nvGrpSpPr>
+          <p:grpSpPr>
+            <a:xfrm>
+              <a:off x="1972808" y="1798716"/>
+              <a:ext cx="4002082" cy="2589419"/>
+              <a:chOff x="3592287" y="1886851"/>
+              <a:chExt cx="4002082" cy="2589419"/>
+            </a:xfrm>
+          </p:grpSpPr>
+          <p:cxnSp>
+            <p:nvCxnSpPr>
+              <p:cNvPr id="3" name="直接连接符 2"/>
+              <p:cNvCxnSpPr/>
+              <p:nvPr/>
+            </p:nvCxnSpPr>
+            <p:spPr>
+              <a:xfrm flipV="1">
+                <a:off x="3945030" y="3800821"/>
+                <a:ext cx="3392204" cy="11015"/>
+              </a:xfrm>
+              <a:prstGeom prst="line">
+                <a:avLst/>
+              </a:prstGeom>
+              <a:ln>
+                <a:solidFill>
+                  <a:schemeClr val="tx1"/>
+                </a:solidFill>
+              </a:ln>
+            </p:spPr>
+            <p:style>
+              <a:lnRef idx="1">
+                <a:schemeClr val="accent1"/>
+              </a:lnRef>
+              <a:fillRef idx="0">
+                <a:schemeClr val="accent1"/>
+              </a:fillRef>
+              <a:effectRef idx="0">
+                <a:schemeClr val="accent1"/>
+              </a:effectRef>
+              <a:fontRef idx="minor">
+                <a:schemeClr val="tx1"/>
+              </a:fontRef>
+            </p:style>
+          </p:cxnSp>
+          <p:cxnSp>
+            <p:nvCxnSpPr>
+              <p:cNvPr id="4" name="直接箭头连接符 3"/>
+              <p:cNvCxnSpPr/>
+              <p:nvPr/>
+            </p:nvCxnSpPr>
+            <p:spPr>
+              <a:xfrm rot="13500000">
+                <a:off x="4555970" y="2336894"/>
+                <a:ext cx="0" cy="1728000"/>
+              </a:xfrm>
+              <a:prstGeom prst="straightConnector1">
+                <a:avLst/>
+              </a:prstGeom>
+              <a:ln>
+                <a:solidFill>
+                  <a:srgbClr val="C00000"/>
+                </a:solidFill>
+                <a:tailEnd type="triangle"/>
+              </a:ln>
+            </p:spPr>
+            <p:style>
+              <a:lnRef idx="1">
+                <a:schemeClr val="accent1"/>
+              </a:lnRef>
+              <a:fillRef idx="0">
+                <a:schemeClr val="accent1"/>
+              </a:fillRef>
+              <a:effectRef idx="0">
+                <a:schemeClr val="accent1"/>
+              </a:effectRef>
+              <a:fontRef idx="minor">
+                <a:schemeClr val="tx1"/>
+              </a:fontRef>
+            </p:style>
+          </p:cxnSp>
+          <p:cxnSp>
+            <p:nvCxnSpPr>
+              <p:cNvPr id="5" name="直接箭头连接符 4"/>
+              <p:cNvCxnSpPr/>
+              <p:nvPr/>
+            </p:nvCxnSpPr>
+            <p:spPr>
+              <a:xfrm rot="18900000">
+                <a:off x="6531166" y="2336895"/>
+                <a:ext cx="0" cy="1728000"/>
+              </a:xfrm>
+              <a:prstGeom prst="straightConnector1">
+                <a:avLst/>
+              </a:prstGeom>
+              <a:ln>
+                <a:solidFill>
+                  <a:srgbClr val="C00000"/>
+                </a:solidFill>
+                <a:tailEnd type="triangle"/>
+              </a:ln>
+            </p:spPr>
+            <p:style>
+              <a:lnRef idx="1">
+                <a:schemeClr val="accent1"/>
+              </a:lnRef>
+              <a:fillRef idx="0">
+                <a:schemeClr val="accent1"/>
+              </a:fillRef>
+              <a:effectRef idx="0">
+                <a:schemeClr val="accent1"/>
+              </a:effectRef>
+              <a:fontRef idx="minor">
+                <a:schemeClr val="tx1"/>
+              </a:fontRef>
+            </p:style>
+          </p:cxnSp>
+          <p:cxnSp>
+            <p:nvCxnSpPr>
+              <p:cNvPr id="7" name="直接连接符 6"/>
+              <p:cNvCxnSpPr/>
+              <p:nvPr/>
+            </p:nvCxnSpPr>
+            <p:spPr>
+              <a:xfrm>
+                <a:off x="5144877" y="2589953"/>
+                <a:ext cx="760659" cy="0"/>
+              </a:xfrm>
+              <a:prstGeom prst="line">
+                <a:avLst/>
+              </a:prstGeom>
+              <a:ln>
+                <a:solidFill>
+                  <a:srgbClr val="C00000"/>
+                </a:solidFill>
+              </a:ln>
+            </p:spPr>
+            <p:style>
+              <a:lnRef idx="1">
+                <a:schemeClr val="accent1"/>
+              </a:lnRef>
+              <a:fillRef idx="0">
+                <a:schemeClr val="accent1"/>
+              </a:fillRef>
+              <a:effectRef idx="0">
+                <a:schemeClr val="accent1"/>
+              </a:effectRef>
+              <a:fontRef idx="minor">
+                <a:schemeClr val="tx1"/>
+              </a:fontRef>
+            </p:style>
+          </p:cxnSp>
+          <p:cxnSp>
+            <p:nvCxnSpPr>
+              <p:cNvPr id="9" name="直接连接符 8"/>
+              <p:cNvCxnSpPr/>
+              <p:nvPr/>
+            </p:nvCxnSpPr>
+            <p:spPr>
+              <a:xfrm>
+                <a:off x="5144877" y="2589953"/>
+                <a:ext cx="0" cy="1221882"/>
+              </a:xfrm>
+              <a:prstGeom prst="line">
+                <a:avLst/>
+              </a:prstGeom>
+              <a:ln>
+                <a:solidFill>
+                  <a:schemeClr val="tx1"/>
+                </a:solidFill>
+                <a:prstDash val="dash"/>
+              </a:ln>
+            </p:spPr>
+            <p:style>
+              <a:lnRef idx="1">
+                <a:schemeClr val="accent1"/>
+              </a:lnRef>
+              <a:fillRef idx="0">
+                <a:schemeClr val="accent1"/>
+              </a:fillRef>
+              <a:effectRef idx="0">
+                <a:schemeClr val="accent1"/>
+              </a:effectRef>
+              <a:fontRef idx="minor">
+                <a:schemeClr val="tx1"/>
+              </a:fontRef>
+            </p:style>
+          </p:cxnSp>
+          <p:cxnSp>
+            <p:nvCxnSpPr>
+              <p:cNvPr id="10" name="直接连接符 9"/>
+              <p:cNvCxnSpPr/>
+              <p:nvPr/>
+            </p:nvCxnSpPr>
+            <p:spPr>
+              <a:xfrm>
+                <a:off x="5905536" y="2589953"/>
+                <a:ext cx="0" cy="1221882"/>
+              </a:xfrm>
+              <a:prstGeom prst="line">
+                <a:avLst/>
+              </a:prstGeom>
+              <a:ln>
+                <a:solidFill>
+                  <a:schemeClr val="tx1"/>
+                </a:solidFill>
+                <a:prstDash val="dash"/>
+              </a:ln>
+            </p:spPr>
+            <p:style>
+              <a:lnRef idx="1">
+                <a:schemeClr val="accent1"/>
+              </a:lnRef>
+              <a:fillRef idx="0">
+                <a:schemeClr val="accent1"/>
+              </a:fillRef>
+              <a:effectRef idx="0">
+                <a:schemeClr val="accent1"/>
+              </a:effectRef>
+              <a:fontRef idx="minor">
+                <a:schemeClr val="tx1"/>
+              </a:fontRef>
+            </p:style>
+          </p:cxnSp>
+          <p:cxnSp>
+            <p:nvCxnSpPr>
+              <p:cNvPr id="12" name="直接连接符 11"/>
+              <p:cNvCxnSpPr/>
+              <p:nvPr/>
+            </p:nvCxnSpPr>
+            <p:spPr>
+              <a:xfrm flipV="1">
+                <a:off x="3945030" y="2115239"/>
+                <a:ext cx="0" cy="1696598"/>
+              </a:xfrm>
+              <a:prstGeom prst="line">
+                <a:avLst/>
+              </a:prstGeom>
+              <a:ln>
+                <a:solidFill>
+                  <a:schemeClr val="tx1"/>
+                </a:solidFill>
+              </a:ln>
+            </p:spPr>
+            <p:style>
+              <a:lnRef idx="1">
+                <a:schemeClr val="accent1"/>
+              </a:lnRef>
+              <a:fillRef idx="0">
+                <a:schemeClr val="accent1"/>
+              </a:fillRef>
+              <a:effectRef idx="0">
+                <a:schemeClr val="accent1"/>
+              </a:effectRef>
+              <a:fontRef idx="minor">
+                <a:schemeClr val="tx1"/>
+              </a:fontRef>
+            </p:style>
+          </p:cxnSp>
+          <p:sp>
+            <p:nvSpPr>
+              <p:cNvPr id="14" name="弧形 13"/>
+              <p:cNvSpPr/>
+              <p:nvPr/>
+            </p:nvSpPr>
+            <p:spPr>
+              <a:xfrm>
+                <a:off x="3844886" y="3492348"/>
+                <a:ext cx="296960" cy="517792"/>
+              </a:xfrm>
+              <a:prstGeom prst="arc">
+                <a:avLst>
+                  <a:gd name="adj1" fmla="val 19204915"/>
+                  <a:gd name="adj2" fmla="val 926708"/>
+                </a:avLst>
+              </a:prstGeom>
+              <a:ln>
+                <a:solidFill>
+                  <a:schemeClr val="tx1"/>
+                </a:solidFill>
+              </a:ln>
+            </p:spPr>
+            <p:style>
+              <a:lnRef idx="1">
+                <a:schemeClr val="accent1"/>
+              </a:lnRef>
+              <a:fillRef idx="0">
+                <a:schemeClr val="accent1"/>
+              </a:fillRef>
+              <a:effectRef idx="0">
+                <a:schemeClr val="accent1"/>
+              </a:effectRef>
+              <a:fontRef idx="minor">
+                <a:schemeClr val="tx1"/>
+              </a:fontRef>
+            </p:style>
+            <p:txBody>
+              <a:bodyPr rtlCol="0" anchor="ctr"/>
+              <a:lstStyle/>
+              <a:p>
+                <a:pPr algn="ctr"/>
+                <a:endParaRPr lang="zh-CN" altLang="en-US"/>
+              </a:p>
+            </p:txBody>
+          </p:sp>
+          <mc:AlternateContent xmlns:mc="http://schemas.openxmlformats.org/markup-compatibility/2006">
+            <mc:Choice xmlns:a14="http://schemas.microsoft.com/office/drawing/2010/main" Requires="a14">
+              <p:sp>
+                <p:nvSpPr>
+                  <p:cNvPr id="15" name="文本框 14"/>
+                  <p:cNvSpPr txBox="1"/>
+                  <p:nvPr/>
+                </p:nvSpPr>
+                <p:spPr>
+                  <a:xfrm>
+                    <a:off x="4120803" y="3492348"/>
+                    <a:ext cx="436508" cy="369332"/>
+                  </a:xfrm>
+                  <a:prstGeom prst="rect">
+                    <a:avLst/>
+                  </a:prstGeom>
+                  <a:noFill/>
+                </p:spPr>
+                <p:txBody>
+                  <a:bodyPr wrap="square" rtlCol="0">
+                    <a:spAutoFit/>
+                  </a:bodyPr>
+                  <a:lstStyle/>
+                  <a:p>
+                    <a14:m>
+                      <m:oMathPara xmlns:m="http://schemas.openxmlformats.org/officeDocument/2006/math">
+                        <m:oMathParaPr>
+                          <m:jc m:val="centerGroup"/>
+                        </m:oMathParaPr>
+                        <m:oMath xmlns:m="http://schemas.openxmlformats.org/officeDocument/2006/math">
+                          <m:sSub>
+                            <m:sSubPr>
+                              <m:ctrlPr>
+                                <a:rPr lang="en-US" altLang="zh-CN" i="1" smtClean="0">
+                                  <a:latin typeface="Cambria Math" panose="02040503050406030204" pitchFamily="18" charset="0"/>
+                                </a:rPr>
+                              </m:ctrlPr>
+                            </m:sSubPr>
+                            <m:e>
+                              <m:r>
+                                <a:rPr lang="zh-CN" altLang="en-US" i="1" smtClean="0">
+                                  <a:latin typeface="Cambria Math" panose="02040503050406030204" pitchFamily="18" charset="0"/>
+                                </a:rPr>
+                                <m:t>𝜃</m:t>
+                              </m:r>
+                            </m:e>
+                            <m:sub>
+                              <m:r>
+                                <m:rPr>
+                                  <m:sty m:val="p"/>
+                                </m:rPr>
+                                <a:rPr lang="en-US" altLang="zh-CN" i="1">
+                                  <a:latin typeface="Cambria Math" panose="02040503050406030204" pitchFamily="18" charset="0"/>
+                                </a:rPr>
+                                <m:t>z</m:t>
+                              </m:r>
+                            </m:sub>
+                          </m:sSub>
+                        </m:oMath>
+                      </m:oMathPara>
+                    </a14:m>
+                    <a:endParaRPr lang="zh-CN" altLang="en-US" dirty="0"/>
+                  </a:p>
+                </p:txBody>
+              </p:sp>
+            </mc:Choice>
+            <mc:Fallback>
+              <p:sp>
+                <p:nvSpPr>
+                  <p:cNvPr id="15" name="文本框 14"/>
+                  <p:cNvSpPr txBox="1">
+                    <a:spLocks noRot="1" noChangeAspect="1" noMove="1" noResize="1" noEditPoints="1" noAdjustHandles="1" noChangeArrowheads="1" noChangeShapeType="1" noTextEdit="1"/>
+                  </p:cNvSpPr>
+                  <p:nvPr/>
+                </p:nvSpPr>
+                <p:spPr>
+                  <a:xfrm>
+                    <a:off x="4120803" y="3492348"/>
+                    <a:ext cx="436508" cy="369332"/>
+                  </a:xfrm>
+                  <a:prstGeom prst="rect">
+                    <a:avLst/>
+                  </a:prstGeom>
+                  <a:blipFill rotWithShape="0">
+                    <a:blip r:embed="rId2"/>
+                    <a:stretch>
+                      <a:fillRect/>
+                    </a:stretch>
+                  </a:blipFill>
+                </p:spPr>
+                <p:txBody>
+                  <a:bodyPr/>
+                  <a:lstStyle/>
+                  <a:p>
+                    <a:r>
+                      <a:rPr lang="zh-CN" altLang="en-US">
+                        <a:noFill/>
+                      </a:rPr>
+                      <a:t> </a:t>
+                    </a:r>
+                  </a:p>
+                </p:txBody>
+              </p:sp>
+            </mc:Fallback>
+          </mc:AlternateContent>
+          <p:cxnSp>
+            <p:nvCxnSpPr>
+              <p:cNvPr id="18" name="直接连接符 17"/>
+              <p:cNvCxnSpPr/>
+              <p:nvPr/>
+            </p:nvCxnSpPr>
+            <p:spPr>
+              <a:xfrm>
+                <a:off x="3945030" y="2589953"/>
+                <a:ext cx="3392204" cy="0"/>
+              </a:xfrm>
+              <a:prstGeom prst="line">
+                <a:avLst/>
+              </a:prstGeom>
+              <a:ln>
+                <a:solidFill>
+                  <a:schemeClr val="tx1"/>
+                </a:solidFill>
+              </a:ln>
+            </p:spPr>
+            <p:style>
+              <a:lnRef idx="1">
+                <a:schemeClr val="accent1"/>
+              </a:lnRef>
+              <a:fillRef idx="0">
+                <a:schemeClr val="accent1"/>
+              </a:fillRef>
+              <a:effectRef idx="0">
+                <a:schemeClr val="accent1"/>
+              </a:effectRef>
+              <a:fontRef idx="minor">
+                <a:schemeClr val="tx1"/>
+              </a:fontRef>
+            </p:style>
+          </p:cxnSp>
+          <mc:AlternateContent xmlns:mc="http://schemas.openxmlformats.org/markup-compatibility/2006">
+            <mc:Choice xmlns:a14="http://schemas.microsoft.com/office/drawing/2010/main" Requires="a14">
+              <p:sp>
+                <p:nvSpPr>
+                  <p:cNvPr id="19" name="文本框 18"/>
+                  <p:cNvSpPr txBox="1"/>
+                  <p:nvPr/>
+                </p:nvSpPr>
+                <p:spPr>
+                  <a:xfrm>
+                    <a:off x="3592287" y="3566578"/>
+                    <a:ext cx="436508" cy="369332"/>
+                  </a:xfrm>
+                  <a:prstGeom prst="rect">
+                    <a:avLst/>
+                  </a:prstGeom>
+                  <a:noFill/>
+                </p:spPr>
+                <p:txBody>
+                  <a:bodyPr wrap="square" rtlCol="0">
+                    <a:spAutoFit/>
+                  </a:bodyPr>
+                  <a:lstStyle/>
+                  <a:p>
+                    <a14:m>
+                      <m:oMathPara xmlns:m="http://schemas.openxmlformats.org/officeDocument/2006/math">
+                        <m:oMathParaPr>
+                          <m:jc m:val="centerGroup"/>
+                        </m:oMathParaPr>
+                        <m:oMath xmlns:m="http://schemas.openxmlformats.org/officeDocument/2006/math">
+                          <m:r>
+                            <a:rPr lang="en-US" altLang="zh-CN" b="0" i="1" smtClean="0">
+                              <a:latin typeface="Cambria Math" panose="02040503050406030204" pitchFamily="18" charset="0"/>
+                            </a:rPr>
+                            <m:t>0</m:t>
+                          </m:r>
+                        </m:oMath>
+                      </m:oMathPara>
+                    </a14:m>
+                    <a:endParaRPr lang="zh-CN" altLang="en-US" dirty="0"/>
+                  </a:p>
+                </p:txBody>
+              </p:sp>
+            </mc:Choice>
+            <mc:Fallback>
+              <p:sp>
+                <p:nvSpPr>
+                  <p:cNvPr id="19" name="文本框 18"/>
+                  <p:cNvSpPr txBox="1">
+                    <a:spLocks noRot="1" noChangeAspect="1" noMove="1" noResize="1" noEditPoints="1" noAdjustHandles="1" noChangeArrowheads="1" noChangeShapeType="1" noTextEdit="1"/>
+                  </p:cNvSpPr>
+                  <p:nvPr/>
+                </p:nvSpPr>
+                <p:spPr>
+                  <a:xfrm>
+                    <a:off x="3592287" y="3566578"/>
+                    <a:ext cx="436508" cy="369332"/>
+                  </a:xfrm>
+                  <a:prstGeom prst="rect">
+                    <a:avLst/>
+                  </a:prstGeom>
+                  <a:blipFill rotWithShape="0">
+                    <a:blip r:embed="rId3"/>
+                    <a:stretch>
+                      <a:fillRect/>
+                    </a:stretch>
+                  </a:blipFill>
+                </p:spPr>
+                <p:txBody>
+                  <a:bodyPr/>
+                  <a:lstStyle/>
+                  <a:p>
+                    <a:r>
+                      <a:rPr lang="zh-CN" altLang="en-US">
+                        <a:noFill/>
+                      </a:rPr>
+                      <a:t> </a:t>
+                    </a:r>
+                  </a:p>
+                </p:txBody>
+              </p:sp>
+            </mc:Fallback>
+          </mc:AlternateContent>
+          <mc:AlternateContent xmlns:mc="http://schemas.openxmlformats.org/markup-compatibility/2006">
+            <mc:Choice xmlns:a14="http://schemas.microsoft.com/office/drawing/2010/main" Requires="a14">
+              <p:sp>
+                <p:nvSpPr>
+                  <p:cNvPr id="20" name="文本框 19"/>
+                  <p:cNvSpPr txBox="1"/>
+                  <p:nvPr/>
+                </p:nvSpPr>
+                <p:spPr>
+                  <a:xfrm>
+                    <a:off x="7157861" y="3726321"/>
+                    <a:ext cx="436508" cy="369332"/>
+                  </a:xfrm>
+                  <a:prstGeom prst="rect">
+                    <a:avLst/>
+                  </a:prstGeom>
+                  <a:noFill/>
+                </p:spPr>
+                <p:txBody>
+                  <a:bodyPr wrap="square" rtlCol="0">
+                    <a:spAutoFit/>
+                  </a:bodyPr>
+                  <a:lstStyle/>
+                  <a:p>
+                    <a14:m>
+                      <m:oMathPara xmlns:m="http://schemas.openxmlformats.org/officeDocument/2006/math">
+                        <m:oMathParaPr>
+                          <m:jc m:val="centerGroup"/>
+                        </m:oMathParaPr>
+                        <m:oMath xmlns:m="http://schemas.openxmlformats.org/officeDocument/2006/math">
+                          <m:r>
+                            <m:rPr>
+                              <m:sty m:val="p"/>
+                            </m:rPr>
+                            <a:rPr lang="en-US" altLang="zh-CN" b="0" i="0" smtClean="0">
+                              <a:latin typeface="Cambria Math" panose="02040503050406030204" pitchFamily="18" charset="0"/>
+                            </a:rPr>
+                            <m:t>z</m:t>
+                          </m:r>
+                        </m:oMath>
+                      </m:oMathPara>
+                    </a14:m>
+                    <a:endParaRPr lang="zh-CN" altLang="en-US" dirty="0"/>
+                  </a:p>
+                </p:txBody>
+              </p:sp>
+            </mc:Choice>
+            <mc:Fallback>
+              <p:sp>
+                <p:nvSpPr>
+                  <p:cNvPr id="20" name="文本框 19"/>
+                  <p:cNvSpPr txBox="1">
+                    <a:spLocks noRot="1" noChangeAspect="1" noMove="1" noResize="1" noEditPoints="1" noAdjustHandles="1" noChangeArrowheads="1" noChangeShapeType="1" noTextEdit="1"/>
+                  </p:cNvSpPr>
+                  <p:nvPr/>
+                </p:nvSpPr>
+                <p:spPr>
+                  <a:xfrm>
+                    <a:off x="7157861" y="3726321"/>
+                    <a:ext cx="436508" cy="369332"/>
+                  </a:xfrm>
+                  <a:prstGeom prst="rect">
+                    <a:avLst/>
+                  </a:prstGeom>
+                  <a:blipFill rotWithShape="0">
+                    <a:blip r:embed="rId4"/>
+                    <a:stretch>
+                      <a:fillRect/>
+                    </a:stretch>
+                  </a:blipFill>
+                </p:spPr>
+                <p:txBody>
+                  <a:bodyPr/>
+                  <a:lstStyle/>
+                  <a:p>
+                    <a:r>
+                      <a:rPr lang="zh-CN" altLang="en-US">
+                        <a:noFill/>
+                      </a:rPr>
+                      <a:t> </a:t>
+                    </a:r>
+                  </a:p>
+                </p:txBody>
+              </p:sp>
+            </mc:Fallback>
+          </mc:AlternateContent>
+          <p:cxnSp>
+            <p:nvCxnSpPr>
+              <p:cNvPr id="27" name="直接连接符 26"/>
+              <p:cNvCxnSpPr/>
+              <p:nvPr/>
+            </p:nvCxnSpPr>
+            <p:spPr>
+              <a:xfrm>
+                <a:off x="3945029" y="3800821"/>
+                <a:ext cx="0" cy="506776"/>
+              </a:xfrm>
+              <a:prstGeom prst="line">
+                <a:avLst/>
+              </a:prstGeom>
+              <a:ln>
+                <a:solidFill>
+                  <a:schemeClr val="tx1"/>
+                </a:solidFill>
+              </a:ln>
+            </p:spPr>
+            <p:style>
+              <a:lnRef idx="1">
+                <a:schemeClr val="accent1"/>
+              </a:lnRef>
+              <a:fillRef idx="0">
+                <a:schemeClr val="accent1"/>
+              </a:fillRef>
+              <a:effectRef idx="0">
+                <a:schemeClr val="accent1"/>
+              </a:effectRef>
+              <a:fontRef idx="minor">
+                <a:schemeClr val="tx1"/>
+              </a:fontRef>
+            </p:style>
+          </p:cxnSp>
+          <p:cxnSp>
+            <p:nvCxnSpPr>
+              <p:cNvPr id="28" name="直接连接符 27"/>
+              <p:cNvCxnSpPr/>
+              <p:nvPr/>
+            </p:nvCxnSpPr>
+            <p:spPr>
+              <a:xfrm>
+                <a:off x="5144877" y="3800821"/>
+                <a:ext cx="0" cy="253388"/>
+              </a:xfrm>
+              <a:prstGeom prst="line">
+                <a:avLst/>
+              </a:prstGeom>
+              <a:ln>
+                <a:solidFill>
+                  <a:schemeClr val="tx1"/>
+                </a:solidFill>
+              </a:ln>
+            </p:spPr>
+            <p:style>
+              <a:lnRef idx="1">
+                <a:schemeClr val="accent1"/>
+              </a:lnRef>
+              <a:fillRef idx="0">
+                <a:schemeClr val="accent1"/>
+              </a:fillRef>
+              <a:effectRef idx="0">
+                <a:schemeClr val="accent1"/>
+              </a:effectRef>
+              <a:fontRef idx="minor">
+                <a:schemeClr val="tx1"/>
+              </a:fontRef>
+            </p:style>
+          </p:cxnSp>
+          <p:cxnSp>
+            <p:nvCxnSpPr>
+              <p:cNvPr id="29" name="直接连接符 28"/>
+              <p:cNvCxnSpPr/>
+              <p:nvPr/>
+            </p:nvCxnSpPr>
+            <p:spPr>
+              <a:xfrm>
+                <a:off x="5905536" y="3800821"/>
+                <a:ext cx="0" cy="253388"/>
+              </a:xfrm>
+              <a:prstGeom prst="line">
+                <a:avLst/>
+              </a:prstGeom>
+              <a:ln>
+                <a:solidFill>
+                  <a:schemeClr val="tx1"/>
+                </a:solidFill>
+              </a:ln>
+            </p:spPr>
+            <p:style>
+              <a:lnRef idx="1">
+                <a:schemeClr val="accent1"/>
+              </a:lnRef>
+              <a:fillRef idx="0">
+                <a:schemeClr val="accent1"/>
+              </a:fillRef>
+              <a:effectRef idx="0">
+                <a:schemeClr val="accent1"/>
+              </a:effectRef>
+              <a:fontRef idx="minor">
+                <a:schemeClr val="tx1"/>
+              </a:fontRef>
+            </p:style>
+          </p:cxnSp>
+          <p:cxnSp>
+            <p:nvCxnSpPr>
+              <p:cNvPr id="30" name="直接连接符 29"/>
+              <p:cNvCxnSpPr/>
+              <p:nvPr/>
+            </p:nvCxnSpPr>
+            <p:spPr>
+              <a:xfrm>
+                <a:off x="7119228" y="3800821"/>
+                <a:ext cx="0" cy="506776"/>
+              </a:xfrm>
+              <a:prstGeom prst="line">
+                <a:avLst/>
+              </a:prstGeom>
+              <a:ln>
+                <a:solidFill>
+                  <a:schemeClr val="tx1"/>
+                </a:solidFill>
+              </a:ln>
+            </p:spPr>
+            <p:style>
+              <a:lnRef idx="1">
+                <a:schemeClr val="accent1"/>
+              </a:lnRef>
+              <a:fillRef idx="0">
+                <a:schemeClr val="accent1"/>
+              </a:fillRef>
+              <a:effectRef idx="0">
+                <a:schemeClr val="accent1"/>
+              </a:effectRef>
+              <a:fontRef idx="minor">
+                <a:schemeClr val="tx1"/>
+              </a:fontRef>
+            </p:style>
+          </p:cxnSp>
+          <mc:AlternateContent xmlns:mc="http://schemas.openxmlformats.org/markup-compatibility/2006">
+            <mc:Choice xmlns:a14="http://schemas.microsoft.com/office/drawing/2010/main" Requires="a14">
+              <p:sp>
+                <p:nvSpPr>
+                  <p:cNvPr id="31" name="文本框 30"/>
+                  <p:cNvSpPr txBox="1"/>
+                  <p:nvPr/>
+                </p:nvSpPr>
+                <p:spPr>
+                  <a:xfrm>
+                    <a:off x="4028573" y="3762527"/>
+                    <a:ext cx="1054793" cy="369332"/>
+                  </a:xfrm>
+                  <a:prstGeom prst="rect">
+                    <a:avLst/>
+                  </a:prstGeom>
+                  <a:noFill/>
+                </p:spPr>
+                <p:txBody>
+                  <a:bodyPr wrap="square" rtlCol="0">
+                    <a:spAutoFit/>
+                  </a:bodyPr>
+                  <a:lstStyle/>
+                  <a:p>
+                    <a14:m>
+                      <m:oMathPara xmlns:m="http://schemas.openxmlformats.org/officeDocument/2006/math">
+                        <m:oMathParaPr>
+                          <m:jc m:val="centerGroup"/>
+                        </m:oMathParaPr>
+                        <m:oMath xmlns:m="http://schemas.openxmlformats.org/officeDocument/2006/math">
+                          <m:r>
+                            <a:rPr lang="en-US" altLang="zh-CN" b="0" i="1" smtClean="0">
+                              <a:latin typeface="Cambria Math" panose="02040503050406030204" pitchFamily="18" charset="0"/>
+                            </a:rPr>
+                            <m:t>𝑇</m:t>
+                          </m:r>
+                          <m:func>
+                            <m:funcPr>
+                              <m:ctrlPr>
+                                <a:rPr lang="en-US" altLang="zh-CN" b="0" i="1" smtClean="0">
+                                  <a:latin typeface="Cambria Math" panose="02040503050406030204" pitchFamily="18" charset="0"/>
+                                </a:rPr>
+                              </m:ctrlPr>
+                            </m:funcPr>
+                            <m:fName>
+                              <m:r>
+                                <m:rPr>
+                                  <m:sty m:val="p"/>
+                                </m:rPr>
+                                <a:rPr lang="en-US" altLang="zh-CN" b="0" i="0" smtClean="0">
+                                  <a:latin typeface="Cambria Math" panose="02040503050406030204" pitchFamily="18" charset="0"/>
+                                </a:rPr>
+                                <m:t>cot</m:t>
+                              </m:r>
+                            </m:fName>
+                            <m:e>
+                              <m:sSub>
+                                <m:sSubPr>
+                                  <m:ctrlPr>
+                                    <a:rPr lang="en-US" altLang="zh-CN" b="0" i="1" smtClean="0">
+                                      <a:latin typeface="Cambria Math" panose="02040503050406030204" pitchFamily="18" charset="0"/>
+                                    </a:rPr>
+                                  </m:ctrlPr>
+                                </m:sSubPr>
+                                <m:e>
+                                  <m:r>
+                                    <a:rPr lang="zh-CN" altLang="en-US" b="0" i="1" smtClean="0">
+                                      <a:latin typeface="Cambria Math" panose="02040503050406030204" pitchFamily="18" charset="0"/>
+                                    </a:rPr>
+                                    <m:t>𝜃</m:t>
+                                  </m:r>
+                                </m:e>
+                                <m:sub>
+                                  <m:r>
+                                    <a:rPr lang="en-US" altLang="zh-CN" b="0" i="1" smtClean="0">
+                                      <a:latin typeface="Cambria Math" panose="02040503050406030204" pitchFamily="18" charset="0"/>
+                                    </a:rPr>
+                                    <m:t>𝑧</m:t>
+                                  </m:r>
+                                </m:sub>
+                              </m:sSub>
+                            </m:e>
+                          </m:func>
+                        </m:oMath>
+                      </m:oMathPara>
+                    </a14:m>
+                    <a:endParaRPr lang="zh-CN" altLang="en-US" dirty="0"/>
+                  </a:p>
+                </p:txBody>
+              </p:sp>
+            </mc:Choice>
+            <mc:Fallback>
+              <p:sp>
+                <p:nvSpPr>
+                  <p:cNvPr id="31" name="文本框 30"/>
+                  <p:cNvSpPr txBox="1">
+                    <a:spLocks noRot="1" noChangeAspect="1" noMove="1" noResize="1" noEditPoints="1" noAdjustHandles="1" noChangeArrowheads="1" noChangeShapeType="1" noTextEdit="1"/>
+                  </p:cNvSpPr>
+                  <p:nvPr/>
+                </p:nvSpPr>
+                <p:spPr>
+                  <a:xfrm>
+                    <a:off x="4028573" y="3762527"/>
+                    <a:ext cx="1054793" cy="369332"/>
+                  </a:xfrm>
+                  <a:prstGeom prst="rect">
+                    <a:avLst/>
+                  </a:prstGeom>
+                  <a:blipFill rotWithShape="0">
+                    <a:blip r:embed="rId5"/>
+                    <a:stretch>
+                      <a:fillRect/>
+                    </a:stretch>
+                  </a:blipFill>
+                </p:spPr>
+                <p:txBody>
+                  <a:bodyPr/>
+                  <a:lstStyle/>
+                  <a:p>
+                    <a:r>
+                      <a:rPr lang="zh-CN" altLang="en-US">
+                        <a:noFill/>
+                      </a:rPr>
+                      <a:t> </a:t>
+                    </a:r>
+                  </a:p>
+                </p:txBody>
+              </p:sp>
+            </mc:Fallback>
+          </mc:AlternateContent>
+          <mc:AlternateContent xmlns:mc="http://schemas.openxmlformats.org/markup-compatibility/2006">
+            <mc:Choice xmlns:a14="http://schemas.microsoft.com/office/drawing/2010/main" Requires="a14">
+              <p:sp>
+                <p:nvSpPr>
+                  <p:cNvPr id="32" name="文本框 31"/>
+                  <p:cNvSpPr txBox="1"/>
+                  <p:nvPr/>
+                </p:nvSpPr>
+                <p:spPr>
+                  <a:xfrm>
+                    <a:off x="6003769" y="3762527"/>
+                    <a:ext cx="1054793" cy="369332"/>
+                  </a:xfrm>
+                  <a:prstGeom prst="rect">
+                    <a:avLst/>
+                  </a:prstGeom>
+                  <a:noFill/>
+                </p:spPr>
+                <p:txBody>
+                  <a:bodyPr wrap="square" rtlCol="0">
+                    <a:spAutoFit/>
+                  </a:bodyPr>
+                  <a:lstStyle/>
+                  <a:p>
+                    <a14:m>
+                      <m:oMathPara xmlns:m="http://schemas.openxmlformats.org/officeDocument/2006/math">
+                        <m:oMathParaPr>
+                          <m:jc m:val="centerGroup"/>
+                        </m:oMathParaPr>
+                        <m:oMath xmlns:m="http://schemas.openxmlformats.org/officeDocument/2006/math">
+                          <m:r>
+                            <a:rPr lang="en-US" altLang="zh-CN" b="0" i="1" smtClean="0">
+                              <a:latin typeface="Cambria Math" panose="02040503050406030204" pitchFamily="18" charset="0"/>
+                            </a:rPr>
+                            <m:t>𝑇</m:t>
+                          </m:r>
+                          <m:func>
+                            <m:funcPr>
+                              <m:ctrlPr>
+                                <a:rPr lang="en-US" altLang="zh-CN" b="0" i="1" smtClean="0">
+                                  <a:latin typeface="Cambria Math" panose="02040503050406030204" pitchFamily="18" charset="0"/>
+                                </a:rPr>
+                              </m:ctrlPr>
+                            </m:funcPr>
+                            <m:fName>
+                              <m:r>
+                                <m:rPr>
+                                  <m:sty m:val="p"/>
+                                </m:rPr>
+                                <a:rPr lang="en-US" altLang="zh-CN" b="0" i="0" smtClean="0">
+                                  <a:latin typeface="Cambria Math" panose="02040503050406030204" pitchFamily="18" charset="0"/>
+                                </a:rPr>
+                                <m:t>cot</m:t>
+                              </m:r>
+                            </m:fName>
+                            <m:e>
+                              <m:sSub>
+                                <m:sSubPr>
+                                  <m:ctrlPr>
+                                    <a:rPr lang="en-US" altLang="zh-CN" b="0" i="1" smtClean="0">
+                                      <a:latin typeface="Cambria Math" panose="02040503050406030204" pitchFamily="18" charset="0"/>
+                                    </a:rPr>
+                                  </m:ctrlPr>
+                                </m:sSubPr>
+                                <m:e>
+                                  <m:r>
+                                    <a:rPr lang="zh-CN" altLang="en-US" b="0" i="1" smtClean="0">
+                                      <a:latin typeface="Cambria Math" panose="02040503050406030204" pitchFamily="18" charset="0"/>
+                                    </a:rPr>
+                                    <m:t>𝜃</m:t>
+                                  </m:r>
+                                </m:e>
+                                <m:sub>
+                                  <m:r>
+                                    <a:rPr lang="en-US" altLang="zh-CN" b="0" i="1" smtClean="0">
+                                      <a:latin typeface="Cambria Math" panose="02040503050406030204" pitchFamily="18" charset="0"/>
+                                    </a:rPr>
+                                    <m:t>𝑧</m:t>
+                                  </m:r>
+                                </m:sub>
+                              </m:sSub>
+                            </m:e>
+                          </m:func>
+                        </m:oMath>
+                      </m:oMathPara>
+                    </a14:m>
+                    <a:endParaRPr lang="zh-CN" altLang="en-US" dirty="0"/>
+                  </a:p>
+                </p:txBody>
+              </p:sp>
+            </mc:Choice>
+            <mc:Fallback>
+              <p:sp>
+                <p:nvSpPr>
+                  <p:cNvPr id="32" name="文本框 31"/>
+                  <p:cNvSpPr txBox="1">
+                    <a:spLocks noRot="1" noChangeAspect="1" noMove="1" noResize="1" noEditPoints="1" noAdjustHandles="1" noChangeArrowheads="1" noChangeShapeType="1" noTextEdit="1"/>
+                  </p:cNvSpPr>
+                  <p:nvPr/>
+                </p:nvSpPr>
+                <p:spPr>
+                  <a:xfrm>
+                    <a:off x="6003769" y="3762527"/>
+                    <a:ext cx="1054793" cy="369332"/>
+                  </a:xfrm>
+                  <a:prstGeom prst="rect">
+                    <a:avLst/>
+                  </a:prstGeom>
+                  <a:blipFill rotWithShape="0">
+                    <a:blip r:embed="rId6"/>
+                    <a:stretch>
+                      <a:fillRect/>
+                    </a:stretch>
+                  </a:blipFill>
+                </p:spPr>
+                <p:txBody>
+                  <a:bodyPr/>
+                  <a:lstStyle/>
+                  <a:p>
+                    <a:r>
+                      <a:rPr lang="zh-CN" altLang="en-US">
+                        <a:noFill/>
+                      </a:rPr>
+                      <a:t> </a:t>
+                    </a:r>
+                  </a:p>
+                </p:txBody>
+              </p:sp>
+            </mc:Fallback>
+          </mc:AlternateContent>
+          <mc:AlternateContent xmlns:mc="http://schemas.openxmlformats.org/markup-compatibility/2006">
+            <mc:Choice xmlns:a14="http://schemas.microsoft.com/office/drawing/2010/main" Requires="a14">
+              <p:sp>
+                <p:nvSpPr>
+                  <p:cNvPr id="33" name="文本框 32"/>
+                  <p:cNvSpPr txBox="1"/>
+                  <p:nvPr/>
+                </p:nvSpPr>
+                <p:spPr>
+                  <a:xfrm>
+                    <a:off x="5276954" y="3762527"/>
+                    <a:ext cx="449505" cy="369332"/>
+                  </a:xfrm>
+                  <a:prstGeom prst="rect">
+                    <a:avLst/>
+                  </a:prstGeom>
+                  <a:noFill/>
+                </p:spPr>
+                <p:txBody>
+                  <a:bodyPr wrap="square" rtlCol="0">
+                    <a:spAutoFit/>
+                  </a:bodyPr>
+                  <a:lstStyle/>
+                  <a:p>
+                    <a14:m>
+                      <m:oMathPara xmlns:m="http://schemas.openxmlformats.org/officeDocument/2006/math">
+                        <m:oMathParaPr>
+                          <m:jc m:val="centerGroup"/>
+                        </m:oMathParaPr>
+                        <m:oMath xmlns:m="http://schemas.openxmlformats.org/officeDocument/2006/math">
+                          <m:sSub>
+                            <m:sSubPr>
+                              <m:ctrlPr>
+                                <a:rPr lang="en-US" altLang="zh-CN" i="1" smtClean="0">
+                                  <a:latin typeface="Cambria Math" panose="02040503050406030204" pitchFamily="18" charset="0"/>
+                                </a:rPr>
+                              </m:ctrlPr>
+                            </m:sSubPr>
+                            <m:e>
+                              <m:r>
+                                <a:rPr lang="en-US" altLang="zh-CN" b="0" i="1" smtClean="0">
+                                  <a:latin typeface="Cambria Math" panose="02040503050406030204" pitchFamily="18" charset="0"/>
+                                </a:rPr>
+                                <m:t>𝐿</m:t>
+                              </m:r>
+                            </m:e>
+                            <m:sub>
+                              <m:r>
+                                <a:rPr lang="en-US" altLang="zh-CN" b="0" i="1" smtClean="0">
+                                  <a:latin typeface="Cambria Math" panose="02040503050406030204" pitchFamily="18" charset="0"/>
+                                </a:rPr>
+                                <m:t>𝐺</m:t>
+                              </m:r>
+                            </m:sub>
+                          </m:sSub>
+                        </m:oMath>
+                      </m:oMathPara>
+                    </a14:m>
+                    <a:endParaRPr lang="zh-CN" altLang="en-US" dirty="0"/>
+                  </a:p>
+                </p:txBody>
+              </p:sp>
+            </mc:Choice>
+            <mc:Fallback>
+              <p:sp>
+                <p:nvSpPr>
+                  <p:cNvPr id="33" name="文本框 32"/>
+                  <p:cNvSpPr txBox="1">
+                    <a:spLocks noRot="1" noChangeAspect="1" noMove="1" noResize="1" noEditPoints="1" noAdjustHandles="1" noChangeArrowheads="1" noChangeShapeType="1" noTextEdit="1"/>
+                  </p:cNvSpPr>
+                  <p:nvPr/>
+                </p:nvSpPr>
+                <p:spPr>
+                  <a:xfrm>
+                    <a:off x="5276954" y="3762527"/>
+                    <a:ext cx="449505" cy="369332"/>
+                  </a:xfrm>
+                  <a:prstGeom prst="rect">
+                    <a:avLst/>
+                  </a:prstGeom>
+                  <a:blipFill rotWithShape="0">
+                    <a:blip r:embed="rId7"/>
+                    <a:stretch>
+                      <a:fillRect/>
+                    </a:stretch>
+                  </a:blipFill>
+                </p:spPr>
+                <p:txBody>
+                  <a:bodyPr/>
+                  <a:lstStyle/>
+                  <a:p>
+                    <a:r>
+                      <a:rPr lang="zh-CN" altLang="en-US">
+                        <a:noFill/>
+                      </a:rPr>
+                      <a:t> </a:t>
+                    </a:r>
+                  </a:p>
+                </p:txBody>
+              </p:sp>
+            </mc:Fallback>
+          </mc:AlternateContent>
+          <p:cxnSp>
+            <p:nvCxnSpPr>
+              <p:cNvPr id="38" name="直接箭头连接符 37"/>
+              <p:cNvCxnSpPr>
+                <a:stCxn id="39" idx="1"/>
+              </p:cNvCxnSpPr>
+              <p:nvPr/>
+            </p:nvCxnSpPr>
+            <p:spPr>
+              <a:xfrm flipH="1">
+                <a:off x="3952374" y="4291604"/>
+                <a:ext cx="1324580" cy="0"/>
+              </a:xfrm>
+              <a:prstGeom prst="straightConnector1">
+                <a:avLst/>
+              </a:prstGeom>
+              <a:ln>
+                <a:tailEnd type="triangle"/>
+              </a:ln>
+            </p:spPr>
+            <p:style>
+              <a:lnRef idx="1">
+                <a:schemeClr val="dk1"/>
+              </a:lnRef>
+              <a:fillRef idx="0">
+                <a:schemeClr val="dk1"/>
+              </a:fillRef>
+              <a:effectRef idx="0">
+                <a:schemeClr val="dk1"/>
+              </a:effectRef>
+              <a:fontRef idx="minor">
+                <a:schemeClr val="tx1"/>
+              </a:fontRef>
+            </p:style>
+          </p:cxnSp>
+          <mc:AlternateContent xmlns:mc="http://schemas.openxmlformats.org/markup-compatibility/2006">
+            <mc:Choice xmlns:a14="http://schemas.microsoft.com/office/drawing/2010/main" Requires="a14">
+              <p:sp>
+                <p:nvSpPr>
+                  <p:cNvPr id="39" name="文本框 38"/>
+                  <p:cNvSpPr txBox="1"/>
+                  <p:nvPr/>
+                </p:nvSpPr>
+                <p:spPr>
+                  <a:xfrm>
+                    <a:off x="5276954" y="4106938"/>
+                    <a:ext cx="449505" cy="369332"/>
+                  </a:xfrm>
+                  <a:prstGeom prst="rect">
+                    <a:avLst/>
+                  </a:prstGeom>
+                  <a:noFill/>
+                </p:spPr>
+                <p:txBody>
+                  <a:bodyPr wrap="square" rtlCol="0">
+                    <a:spAutoFit/>
+                  </a:bodyPr>
+                  <a:lstStyle/>
+                  <a:p>
+                    <a14:m>
+                      <m:oMathPara xmlns:m="http://schemas.openxmlformats.org/officeDocument/2006/math">
+                        <m:oMathParaPr>
+                          <m:jc m:val="centerGroup"/>
+                        </m:oMathParaPr>
+                        <m:oMath xmlns:m="http://schemas.openxmlformats.org/officeDocument/2006/math">
+                          <m:sSub>
+                            <m:sSubPr>
+                              <m:ctrlPr>
+                                <a:rPr lang="en-US" altLang="zh-CN" i="1" smtClean="0">
+                                  <a:latin typeface="Cambria Math" panose="02040503050406030204" pitchFamily="18" charset="0"/>
+                                </a:rPr>
+                              </m:ctrlPr>
+                            </m:sSubPr>
+                            <m:e>
+                              <m:r>
+                                <a:rPr lang="en-US" altLang="zh-CN" b="0" i="1" smtClean="0">
+                                  <a:latin typeface="Cambria Math" panose="02040503050406030204" pitchFamily="18" charset="0"/>
+                                </a:rPr>
+                                <m:t>𝐿</m:t>
+                              </m:r>
+                            </m:e>
+                            <m:sub>
+                              <m:r>
+                                <a:rPr lang="en-US" altLang="zh-CN" b="0" i="1" smtClean="0">
+                                  <a:latin typeface="Cambria Math" panose="02040503050406030204" pitchFamily="18" charset="0"/>
+                                </a:rPr>
+                                <m:t>𝑒</m:t>
+                              </m:r>
+                              <m:r>
+                                <m:rPr>
+                                  <m:sty m:val="p"/>
+                                </m:rPr>
+                                <a:rPr lang="en-US" altLang="zh-CN" i="1">
+                                  <a:latin typeface="Cambria Math" panose="02040503050406030204" pitchFamily="18" charset="0"/>
+                                </a:rPr>
+                                <m:t>ff</m:t>
+                              </m:r>
+                            </m:sub>
+                          </m:sSub>
+                        </m:oMath>
+                      </m:oMathPara>
+                    </a14:m>
+                    <a:endParaRPr lang="zh-CN" altLang="en-US" dirty="0"/>
+                  </a:p>
+                </p:txBody>
+              </p:sp>
+            </mc:Choice>
+            <mc:Fallback>
+              <p:sp>
+                <p:nvSpPr>
+                  <p:cNvPr id="39" name="文本框 38"/>
+                  <p:cNvSpPr txBox="1">
+                    <a:spLocks noRot="1" noChangeAspect="1" noMove="1" noResize="1" noEditPoints="1" noAdjustHandles="1" noChangeArrowheads="1" noChangeShapeType="1" noTextEdit="1"/>
+                  </p:cNvSpPr>
+                  <p:nvPr/>
+                </p:nvSpPr>
+                <p:spPr>
+                  <a:xfrm>
+                    <a:off x="5276954" y="4106938"/>
+                    <a:ext cx="449505" cy="369332"/>
+                  </a:xfrm>
+                  <a:prstGeom prst="rect">
+                    <a:avLst/>
+                  </a:prstGeom>
+                  <a:blipFill rotWithShape="0">
+                    <a:blip r:embed="rId8"/>
+                    <a:stretch>
+                      <a:fillRect r="-8108"/>
+                    </a:stretch>
+                  </a:blipFill>
+                </p:spPr>
+                <p:txBody>
+                  <a:bodyPr/>
+                  <a:lstStyle/>
+                  <a:p>
+                    <a:r>
+                      <a:rPr lang="zh-CN" altLang="en-US">
+                        <a:noFill/>
+                      </a:rPr>
+                      <a:t> </a:t>
+                    </a:r>
+                  </a:p>
+                </p:txBody>
+              </p:sp>
+            </mc:Fallback>
+          </mc:AlternateContent>
+          <p:cxnSp>
+            <p:nvCxnSpPr>
+              <p:cNvPr id="41" name="直接箭头连接符 40"/>
+              <p:cNvCxnSpPr/>
+              <p:nvPr/>
+            </p:nvCxnSpPr>
+            <p:spPr>
+              <a:xfrm flipV="1">
+                <a:off x="5818806" y="4282947"/>
+                <a:ext cx="1298874" cy="6039"/>
+              </a:xfrm>
+              <a:prstGeom prst="straightConnector1">
+                <a:avLst/>
+              </a:prstGeom>
+              <a:ln>
+                <a:tailEnd type="triangle"/>
+              </a:ln>
+            </p:spPr>
+            <p:style>
+              <a:lnRef idx="1">
+                <a:schemeClr val="dk1"/>
+              </a:lnRef>
+              <a:fillRef idx="0">
+                <a:schemeClr val="dk1"/>
+              </a:fillRef>
+              <a:effectRef idx="0">
+                <a:schemeClr val="dk1"/>
+              </a:effectRef>
+              <a:fontRef idx="minor">
+                <a:schemeClr val="tx1"/>
+              </a:fontRef>
+            </p:style>
+          </p:cxnSp>
+          <mc:AlternateContent xmlns:mc="http://schemas.openxmlformats.org/markup-compatibility/2006">
+            <mc:Choice xmlns:a14="http://schemas.microsoft.com/office/drawing/2010/main" Requires="a14">
+              <p:sp>
+                <p:nvSpPr>
+                  <p:cNvPr id="43" name="文本框 42"/>
+                  <p:cNvSpPr txBox="1"/>
+                  <p:nvPr/>
+                </p:nvSpPr>
+                <p:spPr>
+                  <a:xfrm>
+                    <a:off x="3592287" y="2405287"/>
+                    <a:ext cx="436508" cy="369332"/>
+                  </a:xfrm>
+                  <a:prstGeom prst="rect">
+                    <a:avLst/>
+                  </a:prstGeom>
+                  <a:noFill/>
+                </p:spPr>
+                <p:txBody>
+                  <a:bodyPr wrap="square" rtlCol="0">
+                    <a:spAutoFit/>
+                  </a:bodyPr>
+                  <a:lstStyle/>
+                  <a:p>
+                    <a14:m>
+                      <m:oMathPara xmlns:m="http://schemas.openxmlformats.org/officeDocument/2006/math">
+                        <m:oMathParaPr>
+                          <m:jc m:val="centerGroup"/>
+                        </m:oMathParaPr>
+                        <m:oMath xmlns:m="http://schemas.openxmlformats.org/officeDocument/2006/math">
+                          <m:r>
+                            <m:rPr>
+                              <m:sty m:val="p"/>
+                            </m:rPr>
+                            <a:rPr lang="en-US" altLang="zh-CN" b="0" i="0" smtClean="0">
+                              <a:latin typeface="Cambria Math" panose="02040503050406030204" pitchFamily="18" charset="0"/>
+                            </a:rPr>
+                            <m:t>T</m:t>
+                          </m:r>
+                        </m:oMath>
+                      </m:oMathPara>
+                    </a14:m>
+                    <a:endParaRPr lang="zh-CN" altLang="en-US" dirty="0"/>
+                  </a:p>
+                </p:txBody>
+              </p:sp>
+            </mc:Choice>
+            <mc:Fallback>
+              <p:sp>
+                <p:nvSpPr>
+                  <p:cNvPr id="43" name="文本框 42"/>
+                  <p:cNvSpPr txBox="1">
+                    <a:spLocks noRot="1" noChangeAspect="1" noMove="1" noResize="1" noEditPoints="1" noAdjustHandles="1" noChangeArrowheads="1" noChangeShapeType="1" noTextEdit="1"/>
+                  </p:cNvSpPr>
+                  <p:nvPr/>
+                </p:nvSpPr>
+                <p:spPr>
+                  <a:xfrm>
+                    <a:off x="3592287" y="2405287"/>
+                    <a:ext cx="436508" cy="369332"/>
+                  </a:xfrm>
+                  <a:prstGeom prst="rect">
+                    <a:avLst/>
+                  </a:prstGeom>
+                  <a:blipFill rotWithShape="0">
+                    <a:blip r:embed="rId9"/>
+                    <a:stretch>
+                      <a:fillRect/>
+                    </a:stretch>
+                  </a:blipFill>
+                </p:spPr>
+                <p:txBody>
+                  <a:bodyPr/>
+                  <a:lstStyle/>
+                  <a:p>
+                    <a:r>
+                      <a:rPr lang="zh-CN" altLang="en-US">
+                        <a:noFill/>
+                      </a:rPr>
+                      <a:t> </a:t>
+                    </a:r>
+                  </a:p>
+                </p:txBody>
+              </p:sp>
+            </mc:Fallback>
+          </mc:AlternateContent>
+          <mc:AlternateContent xmlns:mc="http://schemas.openxmlformats.org/markup-compatibility/2006">
+            <mc:Choice xmlns:a14="http://schemas.microsoft.com/office/drawing/2010/main" Requires="a14">
+              <p:sp>
+                <p:nvSpPr>
+                  <p:cNvPr id="44" name="文本框 43"/>
+                  <p:cNvSpPr txBox="1"/>
+                  <p:nvPr/>
+                </p:nvSpPr>
+                <p:spPr>
+                  <a:xfrm>
+                    <a:off x="3592287" y="1886851"/>
+                    <a:ext cx="436508" cy="369332"/>
+                  </a:xfrm>
+                  <a:prstGeom prst="rect">
+                    <a:avLst/>
+                  </a:prstGeom>
+                  <a:noFill/>
+                </p:spPr>
+                <p:txBody>
+                  <a:bodyPr wrap="square" rtlCol="0">
+                    <a:spAutoFit/>
+                  </a:bodyPr>
+                  <a:lstStyle/>
+                  <a:p>
+                    <a14:m>
+                      <m:oMathPara xmlns:m="http://schemas.openxmlformats.org/officeDocument/2006/math">
+                        <m:oMathParaPr>
+                          <m:jc m:val="centerGroup"/>
+                        </m:oMathParaPr>
+                        <m:oMath xmlns:m="http://schemas.openxmlformats.org/officeDocument/2006/math">
+                          <m:r>
+                            <m:rPr>
+                              <m:sty m:val="p"/>
+                            </m:rPr>
+                            <a:rPr lang="en-US" altLang="zh-CN" b="0" i="0" smtClean="0">
+                              <a:latin typeface="Cambria Math" panose="02040503050406030204" pitchFamily="18" charset="0"/>
+                            </a:rPr>
+                            <m:t>r</m:t>
+                          </m:r>
+                        </m:oMath>
+                      </m:oMathPara>
+                    </a14:m>
+                    <a:endParaRPr lang="zh-CN" altLang="en-US" dirty="0"/>
+                  </a:p>
+                </p:txBody>
+              </p:sp>
+            </mc:Choice>
+            <mc:Fallback>
+              <p:sp>
+                <p:nvSpPr>
+                  <p:cNvPr id="44" name="文本框 43"/>
+                  <p:cNvSpPr txBox="1">
+                    <a:spLocks noRot="1" noChangeAspect="1" noMove="1" noResize="1" noEditPoints="1" noAdjustHandles="1" noChangeArrowheads="1" noChangeShapeType="1" noTextEdit="1"/>
+                  </p:cNvSpPr>
+                  <p:nvPr/>
+                </p:nvSpPr>
+                <p:spPr>
+                  <a:xfrm>
+                    <a:off x="3592287" y="1886851"/>
+                    <a:ext cx="436508" cy="369332"/>
+                  </a:xfrm>
+                  <a:prstGeom prst="rect">
+                    <a:avLst/>
+                  </a:prstGeom>
+                  <a:blipFill rotWithShape="0">
+                    <a:blip r:embed="rId10"/>
+                    <a:stretch>
+                      <a:fillRect/>
+                    </a:stretch>
+                  </a:blipFill>
+                </p:spPr>
+                <p:txBody>
+                  <a:bodyPr/>
+                  <a:lstStyle/>
+                  <a:p>
+                    <a:r>
+                      <a:rPr lang="zh-CN" altLang="en-US">
+                        <a:noFill/>
+                      </a:rPr>
+                      <a:t> </a:t>
+                    </a:r>
+                  </a:p>
+                </p:txBody>
+              </p:sp>
+            </mc:Fallback>
+          </mc:AlternateContent>
+        </p:grpSp>
+        <p:grpSp>
+          <p:nvGrpSpPr>
+            <p:cNvPr id="83" name="组合 82"/>
+            <p:cNvGrpSpPr/>
+            <p:nvPr/>
+          </p:nvGrpSpPr>
+          <p:grpSpPr>
+            <a:xfrm>
+              <a:off x="6236826" y="2168048"/>
+              <a:ext cx="3012045" cy="2074807"/>
+              <a:chOff x="6392410" y="2018531"/>
+              <a:chExt cx="3012045" cy="2074807"/>
+            </a:xfrm>
+          </p:grpSpPr>
+          <p:sp>
+            <p:nvSpPr>
+              <p:cNvPr id="47" name="椭圆 46"/>
+              <p:cNvSpPr/>
+              <p:nvPr/>
+            </p:nvSpPr>
+            <p:spPr>
+              <a:xfrm>
+                <a:off x="7776099" y="2365338"/>
+                <a:ext cx="1053999" cy="1728000"/>
+              </a:xfrm>
+              <a:prstGeom prst="ellipse">
+                <a:avLst/>
+              </a:prstGeom>
+              <a:pattFill prst="wdUpDiag">
+                <a:fgClr>
+                  <a:schemeClr val="tx1"/>
+                </a:fgClr>
+                <a:bgClr>
+                  <a:schemeClr val="bg1"/>
+                </a:bgClr>
+              </a:pattFill>
+              <a:ln>
+                <a:solidFill>
+                  <a:schemeClr val="tx1"/>
+                </a:solidFill>
+              </a:ln>
+            </p:spPr>
+            <p:style>
+              <a:lnRef idx="2">
+                <a:schemeClr val="accent1">
+                  <a:shade val="50000"/>
+                </a:schemeClr>
+              </a:lnRef>
+              <a:fillRef idx="1">
+                <a:schemeClr val="accent1"/>
+              </a:fillRef>
+              <a:effectRef idx="0">
+                <a:schemeClr val="accent1"/>
+              </a:effectRef>
+              <a:fontRef idx="minor">
+                <a:schemeClr val="lt1"/>
+              </a:fontRef>
+            </p:style>
+            <p:txBody>
+              <a:bodyPr rtlCol="0" anchor="ctr"/>
+              <a:lstStyle/>
+              <a:p>
+                <a:pPr algn="ctr"/>
+                <a:endParaRPr lang="zh-CN" altLang="en-US"/>
+              </a:p>
+            </p:txBody>
+          </p:sp>
+          <p:sp>
+            <p:nvSpPr>
+              <p:cNvPr id="48" name="椭圆 47"/>
+              <p:cNvSpPr>
+                <a:spLocks noChangeAspect="1"/>
+              </p:cNvSpPr>
+              <p:nvPr/>
+            </p:nvSpPr>
+            <p:spPr>
+              <a:xfrm>
+                <a:off x="7863931" y="2509338"/>
+                <a:ext cx="878333" cy="1440000"/>
+              </a:xfrm>
+              <a:prstGeom prst="ellipse">
+                <a:avLst/>
+              </a:prstGeom>
+              <a:solidFill>
+                <a:schemeClr val="bg1"/>
+              </a:solidFill>
+              <a:ln>
+                <a:solidFill>
+                  <a:schemeClr val="tx1"/>
+                </a:solidFill>
+              </a:ln>
+            </p:spPr>
+            <p:style>
+              <a:lnRef idx="2">
+                <a:schemeClr val="accent1">
+                  <a:shade val="50000"/>
+                </a:schemeClr>
+              </a:lnRef>
+              <a:fillRef idx="1">
+                <a:schemeClr val="accent1"/>
+              </a:fillRef>
+              <a:effectRef idx="0">
+                <a:schemeClr val="accent1"/>
+              </a:effectRef>
+              <a:fontRef idx="minor">
+                <a:schemeClr val="lt1"/>
+              </a:fontRef>
+            </p:style>
+            <p:txBody>
+              <a:bodyPr rtlCol="0" anchor="ctr"/>
+              <a:lstStyle/>
+              <a:p>
+                <a:pPr algn="ctr"/>
+                <a:endParaRPr lang="zh-CN" altLang="en-US"/>
+              </a:p>
+            </p:txBody>
+          </p:sp>
+          <p:cxnSp>
+            <p:nvCxnSpPr>
+              <p:cNvPr id="50" name="直接连接符 49"/>
+              <p:cNvCxnSpPr>
+                <a:endCxn id="48" idx="6"/>
+              </p:cNvCxnSpPr>
+              <p:nvPr/>
+            </p:nvCxnSpPr>
+            <p:spPr>
+              <a:xfrm>
+                <a:off x="6392410" y="3229338"/>
+                <a:ext cx="2349854" cy="0"/>
+              </a:xfrm>
+              <a:prstGeom prst="line">
+                <a:avLst/>
+              </a:prstGeom>
+            </p:spPr>
+            <p:style>
+              <a:lnRef idx="1">
+                <a:schemeClr val="dk1"/>
+              </a:lnRef>
+              <a:fillRef idx="0">
+                <a:schemeClr val="dk1"/>
+              </a:fillRef>
+              <a:effectRef idx="0">
+                <a:schemeClr val="dk1"/>
+              </a:effectRef>
+              <a:fontRef idx="minor">
+                <a:schemeClr val="tx1"/>
+              </a:fontRef>
+            </p:style>
+          </p:cxnSp>
+          <p:cxnSp>
+            <p:nvCxnSpPr>
+              <p:cNvPr id="52" name="直接连接符 51"/>
+              <p:cNvCxnSpPr>
+                <a:stCxn id="47" idx="0"/>
+                <a:endCxn id="47" idx="4"/>
+              </p:cNvCxnSpPr>
+              <p:nvPr/>
+            </p:nvCxnSpPr>
+            <p:spPr>
+              <a:xfrm>
+                <a:off x="8303099" y="2365338"/>
+                <a:ext cx="0" cy="1728000"/>
+              </a:xfrm>
+              <a:prstGeom prst="line">
+                <a:avLst/>
+              </a:prstGeom>
+            </p:spPr>
+            <p:style>
+              <a:lnRef idx="1">
+                <a:schemeClr val="dk1"/>
+              </a:lnRef>
+              <a:fillRef idx="0">
+                <a:schemeClr val="dk1"/>
+              </a:fillRef>
+              <a:effectRef idx="0">
+                <a:schemeClr val="dk1"/>
+              </a:effectRef>
+              <a:fontRef idx="minor">
+                <a:schemeClr val="tx1"/>
+              </a:fontRef>
+            </p:style>
+          </p:cxnSp>
+          <p:cxnSp>
+            <p:nvCxnSpPr>
+              <p:cNvPr id="57" name="直接连接符 56"/>
+              <p:cNvCxnSpPr>
+                <a:endCxn id="47" idx="0"/>
+              </p:cNvCxnSpPr>
+              <p:nvPr/>
+            </p:nvCxnSpPr>
+            <p:spPr>
+              <a:xfrm flipV="1">
+                <a:off x="6591866" y="2365338"/>
+                <a:ext cx="1711233" cy="864000"/>
+              </a:xfrm>
+              <a:prstGeom prst="line">
+                <a:avLst/>
+              </a:prstGeom>
+            </p:spPr>
+            <p:style>
+              <a:lnRef idx="1">
+                <a:schemeClr val="dk1"/>
+              </a:lnRef>
+              <a:fillRef idx="0">
+                <a:schemeClr val="dk1"/>
+              </a:fillRef>
+              <a:effectRef idx="0">
+                <a:schemeClr val="dk1"/>
+              </a:effectRef>
+              <a:fontRef idx="minor">
+                <a:schemeClr val="tx1"/>
+              </a:fontRef>
+            </p:style>
+          </p:cxnSp>
+          <p:cxnSp>
+            <p:nvCxnSpPr>
+              <p:cNvPr id="59" name="直接连接符 58"/>
+              <p:cNvCxnSpPr>
+                <a:endCxn id="48" idx="0"/>
+              </p:cNvCxnSpPr>
+              <p:nvPr/>
+            </p:nvCxnSpPr>
+            <p:spPr>
+              <a:xfrm flipV="1">
+                <a:off x="6539528" y="2509338"/>
+                <a:ext cx="1763570" cy="720000"/>
+              </a:xfrm>
+              <a:prstGeom prst="line">
+                <a:avLst/>
+              </a:prstGeom>
+            </p:spPr>
+            <p:style>
+              <a:lnRef idx="1">
+                <a:schemeClr val="dk1"/>
+              </a:lnRef>
+              <a:fillRef idx="0">
+                <a:schemeClr val="dk1"/>
+              </a:fillRef>
+              <a:effectRef idx="0">
+                <a:schemeClr val="dk1"/>
+              </a:effectRef>
+              <a:fontRef idx="minor">
+                <a:schemeClr val="tx1"/>
+              </a:fontRef>
+            </p:style>
+          </p:cxnSp>
+          <p:cxnSp>
+            <p:nvCxnSpPr>
+              <p:cNvPr id="66" name="直接连接符 65"/>
+              <p:cNvCxnSpPr>
+                <a:endCxn id="47" idx="4"/>
+              </p:cNvCxnSpPr>
+              <p:nvPr/>
+            </p:nvCxnSpPr>
+            <p:spPr>
+              <a:xfrm>
+                <a:off x="6562407" y="3229338"/>
+                <a:ext cx="1740692" cy="864000"/>
+              </a:xfrm>
+              <a:prstGeom prst="line">
+                <a:avLst/>
+              </a:prstGeom>
+            </p:spPr>
+            <p:style>
+              <a:lnRef idx="1">
+                <a:schemeClr val="dk1"/>
+              </a:lnRef>
+              <a:fillRef idx="0">
+                <a:schemeClr val="dk1"/>
+              </a:fillRef>
+              <a:effectRef idx="0">
+                <a:schemeClr val="dk1"/>
+              </a:effectRef>
+              <a:fontRef idx="minor">
+                <a:schemeClr val="tx1"/>
+              </a:fontRef>
+            </p:style>
+          </p:cxnSp>
+          <p:sp>
+            <p:nvSpPr>
+              <p:cNvPr id="70" name="弧形 69"/>
+              <p:cNvSpPr/>
+              <p:nvPr/>
+            </p:nvSpPr>
+            <p:spPr>
+              <a:xfrm>
+                <a:off x="6960806" y="3002505"/>
+                <a:ext cx="131751" cy="464024"/>
+              </a:xfrm>
+              <a:prstGeom prst="arc">
+                <a:avLst/>
+              </a:prstGeom>
+            </p:spPr>
+            <p:style>
+              <a:lnRef idx="1">
+                <a:schemeClr val="dk1"/>
+              </a:lnRef>
+              <a:fillRef idx="0">
+                <a:schemeClr val="dk1"/>
+              </a:fillRef>
+              <a:effectRef idx="0">
+                <a:schemeClr val="dk1"/>
+              </a:effectRef>
+              <a:fontRef idx="minor">
+                <a:schemeClr val="tx1"/>
+              </a:fontRef>
+            </p:style>
+            <p:txBody>
+              <a:bodyPr rtlCol="0" anchor="ctr"/>
+              <a:lstStyle/>
+              <a:p>
+                <a:pPr algn="ctr"/>
+                <a:endParaRPr lang="zh-CN" altLang="en-US"/>
+              </a:p>
+            </p:txBody>
+          </p:sp>
+          <mc:AlternateContent xmlns:mc="http://schemas.openxmlformats.org/markup-compatibility/2006">
+            <mc:Choice xmlns:a14="http://schemas.microsoft.com/office/drawing/2010/main" Requires="a14">
+              <p:sp>
+                <p:nvSpPr>
+                  <p:cNvPr id="71" name="文本框 70"/>
+                  <p:cNvSpPr txBox="1"/>
+                  <p:nvPr/>
+                </p:nvSpPr>
+                <p:spPr>
+                  <a:xfrm>
+                    <a:off x="7036339" y="2897820"/>
+                    <a:ext cx="436508" cy="369332"/>
+                  </a:xfrm>
+                  <a:prstGeom prst="rect">
+                    <a:avLst/>
+                  </a:prstGeom>
+                  <a:noFill/>
+                </p:spPr>
+                <p:txBody>
+                  <a:bodyPr wrap="square" rtlCol="0">
+                    <a:spAutoFit/>
+                  </a:bodyPr>
+                  <a:lstStyle/>
+                  <a:p>
+                    <a14:m>
+                      <m:oMathPara xmlns:m="http://schemas.openxmlformats.org/officeDocument/2006/math">
+                        <m:oMathParaPr>
+                          <m:jc m:val="centerGroup"/>
+                        </m:oMathParaPr>
+                        <m:oMath xmlns:m="http://schemas.openxmlformats.org/officeDocument/2006/math">
+                          <m:sSub>
+                            <m:sSubPr>
+                              <m:ctrlPr>
+                                <a:rPr lang="en-US" altLang="zh-CN" i="1" smtClean="0">
+                                  <a:latin typeface="Cambria Math" panose="02040503050406030204" pitchFamily="18" charset="0"/>
+                                </a:rPr>
+                              </m:ctrlPr>
+                            </m:sSubPr>
+                            <m:e>
+                              <m:r>
+                                <a:rPr lang="zh-CN" altLang="en-US" i="1" smtClean="0">
+                                  <a:latin typeface="Cambria Math" panose="02040503050406030204" pitchFamily="18" charset="0"/>
+                                </a:rPr>
+                                <m:t>𝜃</m:t>
+                              </m:r>
+                            </m:e>
+                            <m:sub>
+                              <m:r>
+                                <m:rPr>
+                                  <m:sty m:val="p"/>
+                                </m:rPr>
+                                <a:rPr lang="en-US" altLang="zh-CN" i="1">
+                                  <a:latin typeface="Cambria Math" panose="02040503050406030204" pitchFamily="18" charset="0"/>
+                                </a:rPr>
+                                <m:t>z</m:t>
+                              </m:r>
+                            </m:sub>
+                          </m:sSub>
+                        </m:oMath>
+                      </m:oMathPara>
+                    </a14:m>
+                    <a:endParaRPr lang="zh-CN" altLang="en-US" dirty="0"/>
+                  </a:p>
+                </p:txBody>
+              </p:sp>
+            </mc:Choice>
+            <mc:Fallback>
+              <p:sp>
+                <p:nvSpPr>
+                  <p:cNvPr id="71" name="文本框 70"/>
+                  <p:cNvSpPr txBox="1">
+                    <a:spLocks noRot="1" noChangeAspect="1" noMove="1" noResize="1" noEditPoints="1" noAdjustHandles="1" noChangeArrowheads="1" noChangeShapeType="1" noTextEdit="1"/>
+                  </p:cNvSpPr>
+                  <p:nvPr/>
+                </p:nvSpPr>
+                <p:spPr>
+                  <a:xfrm>
+                    <a:off x="7036339" y="2897820"/>
+                    <a:ext cx="436508" cy="369332"/>
+                  </a:xfrm>
+                  <a:prstGeom prst="rect">
+                    <a:avLst/>
+                  </a:prstGeom>
+                  <a:blipFill rotWithShape="0">
+                    <a:blip r:embed="rId11"/>
+                    <a:stretch>
+                      <a:fillRect/>
+                    </a:stretch>
+                  </a:blipFill>
+                </p:spPr>
+                <p:txBody>
+                  <a:bodyPr/>
+                  <a:lstStyle/>
+                  <a:p>
+                    <a:r>
+                      <a:rPr lang="zh-CN" altLang="en-US">
+                        <a:noFill/>
+                      </a:rPr>
+                      <a:t> </a:t>
+                    </a:r>
+                  </a:p>
+                </p:txBody>
+              </p:sp>
+            </mc:Fallback>
+          </mc:AlternateContent>
+          <p:cxnSp>
+            <p:nvCxnSpPr>
+              <p:cNvPr id="73" name="曲线连接符 72"/>
+              <p:cNvCxnSpPr/>
+              <p:nvPr/>
+            </p:nvCxnSpPr>
+            <p:spPr>
+              <a:xfrm rot="16200000" flipH="1">
+                <a:off x="7229167" y="2665752"/>
+                <a:ext cx="223518" cy="183654"/>
+              </a:xfrm>
+              <a:prstGeom prst="curvedConnector3">
+                <a:avLst/>
+              </a:prstGeom>
+              <a:ln>
+                <a:tailEnd type="triangle"/>
+              </a:ln>
+            </p:spPr>
+            <p:style>
+              <a:lnRef idx="1">
+                <a:schemeClr val="dk1"/>
+              </a:lnRef>
+              <a:fillRef idx="0">
+                <a:schemeClr val="dk1"/>
+              </a:fillRef>
+              <a:effectRef idx="0">
+                <a:schemeClr val="dk1"/>
+              </a:effectRef>
+              <a:fontRef idx="minor">
+                <a:schemeClr val="tx1"/>
+              </a:fontRef>
+            </p:style>
+          </p:cxnSp>
+          <mc:AlternateContent xmlns:mc="http://schemas.openxmlformats.org/markup-compatibility/2006">
+            <mc:Choice xmlns:a14="http://schemas.microsoft.com/office/drawing/2010/main" Requires="a14">
+              <p:sp>
+                <p:nvSpPr>
+                  <p:cNvPr id="75" name="文本框 74"/>
+                  <p:cNvSpPr txBox="1"/>
+                  <p:nvPr/>
+                </p:nvSpPr>
+                <p:spPr>
+                  <a:xfrm>
+                    <a:off x="7010655" y="2365615"/>
+                    <a:ext cx="436508" cy="369332"/>
+                  </a:xfrm>
+                  <a:prstGeom prst="rect">
+                    <a:avLst/>
+                  </a:prstGeom>
+                  <a:noFill/>
+                </p:spPr>
+                <p:txBody>
+                  <a:bodyPr wrap="square" rtlCol="0">
+                    <a:spAutoFit/>
+                  </a:bodyPr>
+                  <a:lstStyle/>
+                  <a:p>
+                    <a14:m>
+                      <m:oMathPara xmlns:m="http://schemas.openxmlformats.org/officeDocument/2006/math">
+                        <m:oMathParaPr>
+                          <m:jc m:val="centerGroup"/>
+                        </m:oMathParaPr>
+                        <m:oMath xmlns:m="http://schemas.openxmlformats.org/officeDocument/2006/math">
+                          <m:r>
+                            <a:rPr lang="en-US" altLang="zh-CN" b="0" i="1" smtClean="0">
+                              <a:latin typeface="Cambria Math" panose="02040503050406030204" pitchFamily="18" charset="0"/>
+                            </a:rPr>
+                            <m:t>𝑑</m:t>
+                          </m:r>
+                          <m:r>
+                            <a:rPr lang="zh-CN" altLang="en-US" b="0" i="1" smtClean="0">
+                              <a:latin typeface="Cambria Math" panose="02040503050406030204" pitchFamily="18" charset="0"/>
+                            </a:rPr>
+                            <m:t>𝜃</m:t>
+                          </m:r>
+                        </m:oMath>
+                      </m:oMathPara>
+                    </a14:m>
+                    <a:endParaRPr lang="zh-CN" altLang="en-US" dirty="0"/>
+                  </a:p>
+                </p:txBody>
+              </p:sp>
+            </mc:Choice>
+            <mc:Fallback>
+              <p:sp>
+                <p:nvSpPr>
+                  <p:cNvPr id="75" name="文本框 74"/>
+                  <p:cNvSpPr txBox="1">
+                    <a:spLocks noRot="1" noChangeAspect="1" noMove="1" noResize="1" noEditPoints="1" noAdjustHandles="1" noChangeArrowheads="1" noChangeShapeType="1" noTextEdit="1"/>
+                  </p:cNvSpPr>
+                  <p:nvPr/>
+                </p:nvSpPr>
+                <p:spPr>
+                  <a:xfrm>
+                    <a:off x="7010655" y="2365615"/>
+                    <a:ext cx="436508" cy="369332"/>
+                  </a:xfrm>
+                  <a:prstGeom prst="rect">
+                    <a:avLst/>
+                  </a:prstGeom>
+                  <a:blipFill rotWithShape="0">
+                    <a:blip r:embed="rId12"/>
+                    <a:stretch>
+                      <a:fillRect/>
+                    </a:stretch>
+                  </a:blipFill>
+                </p:spPr>
+                <p:txBody>
+                  <a:bodyPr/>
+                  <a:lstStyle/>
+                  <a:p>
+                    <a:r>
+                      <a:rPr lang="zh-CN" altLang="en-US">
+                        <a:noFill/>
+                      </a:rPr>
+                      <a:t> </a:t>
+                    </a:r>
+                  </a:p>
+                </p:txBody>
+              </p:sp>
+            </mc:Fallback>
+          </mc:AlternateContent>
+          <mc:AlternateContent xmlns:mc="http://schemas.openxmlformats.org/markup-compatibility/2006">
+            <mc:Choice xmlns:a14="http://schemas.microsoft.com/office/drawing/2010/main" Requires="a14">
+              <p:sp>
+                <p:nvSpPr>
+                  <p:cNvPr id="76" name="文本框 75"/>
+                  <p:cNvSpPr txBox="1"/>
+                  <p:nvPr/>
+                </p:nvSpPr>
+                <p:spPr>
+                  <a:xfrm>
+                    <a:off x="7474459" y="2018531"/>
+                    <a:ext cx="1870015" cy="369332"/>
+                  </a:xfrm>
+                  <a:prstGeom prst="rect">
+                    <a:avLst/>
+                  </a:prstGeom>
+                  <a:noFill/>
+                </p:spPr>
+                <p:txBody>
+                  <a:bodyPr wrap="square" rtlCol="0">
+                    <a:spAutoFit/>
+                  </a:bodyPr>
+                  <a:lstStyle/>
+                  <a:p>
+                    <a14:m>
+                      <m:oMathPara xmlns:m="http://schemas.openxmlformats.org/officeDocument/2006/math">
+                        <m:oMathParaPr>
+                          <m:jc m:val="centerGroup"/>
+                        </m:oMathParaPr>
+                        <m:oMath xmlns:m="http://schemas.openxmlformats.org/officeDocument/2006/math">
+                          <m:r>
+                            <a:rPr lang="en-US" altLang="zh-CN" b="0" i="1" smtClean="0">
+                              <a:latin typeface="Cambria Math" panose="02040503050406030204" pitchFamily="18" charset="0"/>
+                            </a:rPr>
+                            <m:t>𝑑𝑆</m:t>
+                          </m:r>
+                          <m:r>
+                            <a:rPr lang="en-US" altLang="zh-CN" b="0" i="1" smtClean="0">
+                              <a:latin typeface="Cambria Math" panose="02040503050406030204" pitchFamily="18" charset="0"/>
+                            </a:rPr>
+                            <m:t>=2</m:t>
+                          </m:r>
+                          <m:r>
+                            <a:rPr lang="zh-CN" altLang="en-US" b="0" i="1" smtClean="0">
+                              <a:latin typeface="Cambria Math" panose="02040503050406030204" pitchFamily="18" charset="0"/>
+                            </a:rPr>
+                            <m:t>𝜋</m:t>
+                          </m:r>
+                          <m:func>
+                            <m:funcPr>
+                              <m:ctrlPr>
+                                <a:rPr lang="en-US" altLang="zh-CN" b="0" i="1" smtClean="0">
+                                  <a:latin typeface="Cambria Math" panose="02040503050406030204" pitchFamily="18" charset="0"/>
+                                </a:rPr>
+                              </m:ctrlPr>
+                            </m:funcPr>
+                            <m:fName>
+                              <m:r>
+                                <m:rPr>
+                                  <m:sty m:val="p"/>
+                                </m:rPr>
+                                <a:rPr lang="en-US" altLang="zh-CN" b="0" i="0" smtClean="0">
+                                  <a:latin typeface="Cambria Math" panose="02040503050406030204" pitchFamily="18" charset="0"/>
+                                </a:rPr>
+                                <m:t>sin</m:t>
+                              </m:r>
+                            </m:fName>
+                            <m:e>
+                              <m:r>
+                                <a:rPr lang="zh-CN" altLang="en-US" b="0" i="1" smtClean="0">
+                                  <a:latin typeface="Cambria Math" panose="02040503050406030204" pitchFamily="18" charset="0"/>
+                                </a:rPr>
+                                <m:t>𝜃</m:t>
+                              </m:r>
+                            </m:e>
+                          </m:func>
+                          <m:r>
+                            <a:rPr lang="en-US" altLang="zh-CN" b="0" i="1" smtClean="0">
+                              <a:latin typeface="Cambria Math" panose="02040503050406030204" pitchFamily="18" charset="0"/>
+                            </a:rPr>
+                            <m:t>𝑑</m:t>
+                          </m:r>
+                          <m:r>
+                            <a:rPr lang="zh-CN" altLang="en-US" b="0" i="1" smtClean="0">
+                              <a:latin typeface="Cambria Math" panose="02040503050406030204" pitchFamily="18" charset="0"/>
+                            </a:rPr>
+                            <m:t>𝜃</m:t>
+                          </m:r>
+                        </m:oMath>
+                      </m:oMathPara>
+                    </a14:m>
+                    <a:endParaRPr lang="zh-CN" altLang="en-US" dirty="0"/>
+                  </a:p>
+                </p:txBody>
+              </p:sp>
+            </mc:Choice>
+            <mc:Fallback>
+              <p:sp>
+                <p:nvSpPr>
+                  <p:cNvPr id="76" name="文本框 75"/>
+                  <p:cNvSpPr txBox="1">
+                    <a:spLocks noRot="1" noChangeAspect="1" noMove="1" noResize="1" noEditPoints="1" noAdjustHandles="1" noChangeArrowheads="1" noChangeShapeType="1" noTextEdit="1"/>
+                  </p:cNvSpPr>
+                  <p:nvPr/>
+                </p:nvSpPr>
+                <p:spPr>
+                  <a:xfrm>
+                    <a:off x="7474459" y="2018531"/>
+                    <a:ext cx="1870015" cy="369332"/>
+                  </a:xfrm>
+                  <a:prstGeom prst="rect">
+                    <a:avLst/>
+                  </a:prstGeom>
+                  <a:blipFill rotWithShape="0">
+                    <a:blip r:embed="rId13"/>
+                    <a:stretch>
+                      <a:fillRect/>
+                    </a:stretch>
+                  </a:blipFill>
+                </p:spPr>
+                <p:txBody>
+                  <a:bodyPr/>
+                  <a:lstStyle/>
+                  <a:p>
+                    <a:r>
+                      <a:rPr lang="zh-CN" altLang="en-US">
+                        <a:noFill/>
+                      </a:rPr>
+                      <a:t> </a:t>
+                    </a:r>
+                  </a:p>
+                </p:txBody>
+              </p:sp>
+            </mc:Fallback>
+          </mc:AlternateContent>
+          <p:cxnSp>
+            <p:nvCxnSpPr>
+              <p:cNvPr id="79" name="曲线连接符 78"/>
+              <p:cNvCxnSpPr/>
+              <p:nvPr/>
+            </p:nvCxnSpPr>
+            <p:spPr>
+              <a:xfrm rot="10800000" flipV="1">
+                <a:off x="8413868" y="2305603"/>
+                <a:ext cx="273805" cy="176438"/>
+              </a:xfrm>
+              <a:prstGeom prst="curvedConnector3">
+                <a:avLst/>
+              </a:prstGeom>
+              <a:ln>
+                <a:tailEnd type="triangle"/>
+              </a:ln>
+            </p:spPr>
+            <p:style>
+              <a:lnRef idx="1">
+                <a:schemeClr val="dk1"/>
+              </a:lnRef>
+              <a:fillRef idx="0">
+                <a:schemeClr val="dk1"/>
+              </a:fillRef>
+              <a:effectRef idx="0">
+                <a:schemeClr val="dk1"/>
+              </a:effectRef>
+              <a:fontRef idx="minor">
+                <a:schemeClr val="tx1"/>
+              </a:fontRef>
+            </p:style>
+          </p:cxnSp>
+          <mc:AlternateContent xmlns:mc="http://schemas.openxmlformats.org/markup-compatibility/2006">
+            <mc:Choice xmlns:a14="http://schemas.microsoft.com/office/drawing/2010/main" Requires="a14">
+              <p:sp>
+                <p:nvSpPr>
+                  <p:cNvPr id="82" name="文本框 81"/>
+                  <p:cNvSpPr txBox="1"/>
+                  <p:nvPr/>
+                </p:nvSpPr>
+                <p:spPr>
+                  <a:xfrm>
+                    <a:off x="8720698" y="2482041"/>
+                    <a:ext cx="683757" cy="369332"/>
+                  </a:xfrm>
+                  <a:prstGeom prst="rect">
+                    <a:avLst/>
+                  </a:prstGeom>
+                  <a:noFill/>
+                </p:spPr>
+                <p:txBody>
+                  <a:bodyPr wrap="square" rtlCol="0">
+                    <a:spAutoFit/>
+                  </a:bodyPr>
+                  <a:lstStyle/>
+                  <a:p>
+                    <a14:m>
+                      <m:oMathPara xmlns:m="http://schemas.openxmlformats.org/officeDocument/2006/math">
+                        <m:oMathParaPr>
+                          <m:jc m:val="centerGroup"/>
+                        </m:oMathParaPr>
+                        <m:oMath xmlns:m="http://schemas.openxmlformats.org/officeDocument/2006/math">
+                          <m:sSub>
+                            <m:sSubPr>
+                              <m:ctrlPr>
+                                <a:rPr lang="en-US" altLang="zh-CN" b="0" i="1" smtClean="0">
+                                  <a:latin typeface="Cambria Math" panose="02040503050406030204" pitchFamily="18" charset="0"/>
+                                </a:rPr>
+                              </m:ctrlPr>
+                            </m:sSubPr>
+                            <m:e>
+                              <m:r>
+                                <a:rPr lang="en-US" altLang="zh-CN" b="0" i="1" smtClean="0">
+                                  <a:latin typeface="Cambria Math" panose="02040503050406030204" pitchFamily="18" charset="0"/>
+                                </a:rPr>
+                                <m:t>𝑃</m:t>
+                              </m:r>
+                            </m:e>
+                            <m:sub>
+                              <m:r>
+                                <a:rPr lang="en-US" altLang="zh-CN" b="0" i="1" smtClean="0">
+                                  <a:latin typeface="Cambria Math" panose="02040503050406030204" pitchFamily="18" charset="0"/>
+                                </a:rPr>
+                                <m:t>0</m:t>
+                              </m:r>
+                            </m:sub>
+                          </m:sSub>
+                          <m:r>
+                            <a:rPr lang="en-US" altLang="zh-CN" b="0" i="1" smtClean="0">
+                              <a:latin typeface="Cambria Math" panose="02040503050406030204" pitchFamily="18" charset="0"/>
+                            </a:rPr>
+                            <m:t>(</m:t>
+                          </m:r>
+                          <m:r>
+                            <a:rPr lang="zh-CN" altLang="en-US" b="0" i="1" smtClean="0">
+                              <a:latin typeface="Cambria Math" panose="02040503050406030204" pitchFamily="18" charset="0"/>
+                            </a:rPr>
+                            <m:t>𝜃</m:t>
+                          </m:r>
+                          <m:r>
+                            <a:rPr lang="en-US" altLang="zh-CN" b="0" i="1" smtClean="0">
+                              <a:latin typeface="Cambria Math" panose="02040503050406030204" pitchFamily="18" charset="0"/>
+                            </a:rPr>
+                            <m:t>)</m:t>
+                          </m:r>
+                        </m:oMath>
+                      </m:oMathPara>
+                    </a14:m>
+                    <a:endParaRPr lang="zh-CN" altLang="en-US" dirty="0"/>
+                  </a:p>
+                </p:txBody>
+              </p:sp>
+            </mc:Choice>
+            <mc:Fallback>
+              <p:sp>
+                <p:nvSpPr>
+                  <p:cNvPr id="82" name="文本框 81"/>
+                  <p:cNvSpPr txBox="1">
+                    <a:spLocks noRot="1" noChangeAspect="1" noMove="1" noResize="1" noEditPoints="1" noAdjustHandles="1" noChangeArrowheads="1" noChangeShapeType="1" noTextEdit="1"/>
+                  </p:cNvSpPr>
+                  <p:nvPr/>
+                </p:nvSpPr>
+                <p:spPr>
+                  <a:xfrm>
+                    <a:off x="8720698" y="2482041"/>
+                    <a:ext cx="683757" cy="369332"/>
+                  </a:xfrm>
+                  <a:prstGeom prst="rect">
+                    <a:avLst/>
+                  </a:prstGeom>
+                  <a:blipFill rotWithShape="0">
+                    <a:blip r:embed="rId14"/>
+                    <a:stretch>
+                      <a:fillRect r="-9821" b="-13333"/>
+                    </a:stretch>
+                  </a:blipFill>
+                </p:spPr>
+                <p:txBody>
+                  <a:bodyPr/>
+                  <a:lstStyle/>
+                  <a:p>
+                    <a:r>
+                      <a:rPr lang="zh-CN" altLang="en-US">
+                        <a:noFill/>
+                      </a:rPr>
+                      <a:t> </a:t>
+                    </a:r>
+                  </a:p>
+                </p:txBody>
+              </p:sp>
+            </mc:Fallback>
+          </mc:AlternateContent>
+        </p:grpSp>
+        <mc:AlternateContent xmlns:mc="http://schemas.openxmlformats.org/markup-compatibility/2006">
+          <mc:Choice xmlns:a14="http://schemas.microsoft.com/office/drawing/2010/main" Requires="a14">
+            <p:sp>
+              <p:nvSpPr>
+                <p:cNvPr id="84" name="文本框 83"/>
+                <p:cNvSpPr txBox="1"/>
+                <p:nvPr/>
+              </p:nvSpPr>
+              <p:spPr>
+                <a:xfrm>
+                  <a:off x="5782429" y="4004403"/>
+                  <a:ext cx="436508" cy="369332"/>
+                </a:xfrm>
+                <a:prstGeom prst="rect">
+                  <a:avLst/>
+                </a:prstGeom>
+                <a:noFill/>
+              </p:spPr>
+              <p:txBody>
+                <a:bodyPr wrap="square" rtlCol="0">
+                  <a:spAutoFit/>
+                </a:bodyPr>
+                <a:lstStyle/>
+                <a:p>
+                  <a14:m>
+                    <m:oMathPara xmlns:m="http://schemas.openxmlformats.org/officeDocument/2006/math">
+                      <m:oMathParaPr>
+                        <m:jc m:val="centerGroup"/>
+                      </m:oMathParaPr>
+                      <m:oMath xmlns:m="http://schemas.openxmlformats.org/officeDocument/2006/math">
+                        <m:r>
+                          <a:rPr lang="en-US" altLang="zh-CN" b="0" i="1" smtClean="0">
+                            <a:latin typeface="Cambria Math" panose="02040503050406030204" pitchFamily="18" charset="0"/>
+                          </a:rPr>
+                          <m:t>(</m:t>
+                        </m:r>
+                        <m:r>
+                          <a:rPr lang="en-US" altLang="zh-CN" b="0" i="1" smtClean="0">
+                            <a:latin typeface="Cambria Math" panose="02040503050406030204" pitchFamily="18" charset="0"/>
+                          </a:rPr>
+                          <m:t>𝑎</m:t>
+                        </m:r>
+                        <m:r>
+                          <a:rPr lang="en-US" altLang="zh-CN" b="0" i="1" smtClean="0">
+                            <a:latin typeface="Cambria Math" panose="02040503050406030204" pitchFamily="18" charset="0"/>
+                          </a:rPr>
+                          <m:t>)</m:t>
+                        </m:r>
+                      </m:oMath>
+                    </m:oMathPara>
+                  </a14:m>
+                  <a:endParaRPr lang="zh-CN" altLang="en-US" dirty="0"/>
+                </a:p>
+              </p:txBody>
+            </p:sp>
+          </mc:Choice>
+          <mc:Fallback>
+            <p:sp>
+              <p:nvSpPr>
+                <p:cNvPr id="84" name="文本框 83"/>
+                <p:cNvSpPr txBox="1">
+                  <a:spLocks noRot="1" noChangeAspect="1" noMove="1" noResize="1" noEditPoints="1" noAdjustHandles="1" noChangeArrowheads="1" noChangeShapeType="1" noTextEdit="1"/>
+                </p:cNvSpPr>
+                <p:nvPr/>
+              </p:nvSpPr>
+              <p:spPr>
+                <a:xfrm>
+                  <a:off x="5782429" y="4004403"/>
+                  <a:ext cx="436508" cy="369332"/>
+                </a:xfrm>
+                <a:prstGeom prst="rect">
+                  <a:avLst/>
+                </a:prstGeom>
+                <a:blipFill rotWithShape="0">
+                  <a:blip r:embed="rId15"/>
+                  <a:stretch>
+                    <a:fillRect l="-4225" r="-21127" b="-13333"/>
+                  </a:stretch>
+                </a:blipFill>
+              </p:spPr>
+              <p:txBody>
+                <a:bodyPr/>
+                <a:lstStyle/>
+                <a:p>
+                  <a:r>
+                    <a:rPr lang="zh-CN" altLang="en-US">
+                      <a:noFill/>
+                    </a:rPr>
+                    <a:t> </a:t>
+                  </a:r>
+                </a:p>
+              </p:txBody>
+            </p:sp>
+          </mc:Fallback>
+        </mc:AlternateContent>
+        <mc:AlternateContent xmlns:mc="http://schemas.openxmlformats.org/markup-compatibility/2006">
+          <mc:Choice xmlns:a14="http://schemas.microsoft.com/office/drawing/2010/main" Requires="a14">
+            <p:sp>
+              <p:nvSpPr>
+                <p:cNvPr id="85" name="文本框 84"/>
+                <p:cNvSpPr txBox="1"/>
+                <p:nvPr/>
+              </p:nvSpPr>
+              <p:spPr>
+                <a:xfrm>
+                  <a:off x="8888801" y="4018803"/>
+                  <a:ext cx="436508" cy="369332"/>
+                </a:xfrm>
+                <a:prstGeom prst="rect">
+                  <a:avLst/>
+                </a:prstGeom>
+                <a:noFill/>
+              </p:spPr>
+              <p:txBody>
+                <a:bodyPr wrap="square" rtlCol="0">
+                  <a:spAutoFit/>
+                </a:bodyPr>
+                <a:lstStyle/>
+                <a:p>
+                  <a14:m>
+                    <m:oMathPara xmlns:m="http://schemas.openxmlformats.org/officeDocument/2006/math">
+                      <m:oMathParaPr>
+                        <m:jc m:val="centerGroup"/>
+                      </m:oMathParaPr>
+                      <m:oMath xmlns:m="http://schemas.openxmlformats.org/officeDocument/2006/math">
+                        <m:r>
+                          <a:rPr lang="en-US" altLang="zh-CN" b="0" i="1" smtClean="0">
+                            <a:latin typeface="Cambria Math" panose="02040503050406030204" pitchFamily="18" charset="0"/>
+                          </a:rPr>
+                          <m:t>(</m:t>
+                        </m:r>
+                        <m:r>
+                          <a:rPr lang="en-US" altLang="zh-CN" b="0" i="1" smtClean="0">
+                            <a:latin typeface="Cambria Math" panose="02040503050406030204" pitchFamily="18" charset="0"/>
+                          </a:rPr>
+                          <m:t>𝑏</m:t>
+                        </m:r>
+                        <m:r>
+                          <a:rPr lang="en-US" altLang="zh-CN" b="0" i="1" smtClean="0">
+                            <a:latin typeface="Cambria Math" panose="02040503050406030204" pitchFamily="18" charset="0"/>
+                          </a:rPr>
+                          <m:t>)</m:t>
+                        </m:r>
+                      </m:oMath>
+                    </m:oMathPara>
+                  </a14:m>
+                  <a:endParaRPr lang="zh-CN" altLang="en-US" dirty="0"/>
+                </a:p>
+              </p:txBody>
+            </p:sp>
+          </mc:Choice>
+          <mc:Fallback>
+            <p:sp>
+              <p:nvSpPr>
+                <p:cNvPr id="85" name="文本框 84"/>
+                <p:cNvSpPr txBox="1">
+                  <a:spLocks noRot="1" noChangeAspect="1" noMove="1" noResize="1" noEditPoints="1" noAdjustHandles="1" noChangeArrowheads="1" noChangeShapeType="1" noTextEdit="1"/>
+                </p:cNvSpPr>
+                <p:nvPr/>
+              </p:nvSpPr>
+              <p:spPr>
+                <a:xfrm>
+                  <a:off x="8888801" y="4018803"/>
+                  <a:ext cx="436508" cy="369332"/>
+                </a:xfrm>
+                <a:prstGeom prst="rect">
+                  <a:avLst/>
+                </a:prstGeom>
+                <a:blipFill rotWithShape="0">
+                  <a:blip r:embed="rId16"/>
+                  <a:stretch>
+                    <a:fillRect l="-4167" r="-19444" b="-13115"/>
+                  </a:stretch>
+                </a:blipFill>
+              </p:spPr>
+              <p:txBody>
+                <a:bodyPr/>
+                <a:lstStyle/>
+                <a:p>
+                  <a:r>
+                    <a:rPr lang="zh-CN" altLang="en-US">
+                      <a:noFill/>
+                    </a:rPr>
+                    <a:t> </a:t>
+                  </a:r>
+                </a:p>
+              </p:txBody>
+            </p:sp>
+          </mc:Fallback>
+        </mc:AlternateContent>
+      </p:grpSp>
+    </p:spTree>
+    <p:extLst>
+      <p:ext uri="{BB962C8B-B14F-4D97-AF65-F5344CB8AC3E}">
+        <p14:creationId xmlns:p14="http://schemas.microsoft.com/office/powerpoint/2010/main" val="4086518086"/>
+      </p:ext>
+    </p:extLst>
+  </p:cSld>
+  <p:clrMapOvr>
+    <a:masterClrMapping/>
+  </p:clrMapOvr>
+  <p:timing>
+    <p:tnLst>
+      <p:par>
+        <p:cTn id="1" dur="indefinite" restart="never" nodeType="tmRoot"/>
+      </p:par>
+    </p:tnLst>
+  </p:timing>
+</p:sld>
+</file>
+
+<file path=ppt/slides/slide18.xml><?xml version="1.0" encoding="utf-8"?>
+<p:sld xmlns:a="http://schemas.openxmlformats.org/drawingml/2006/main" xmlns:r="http://schemas.openxmlformats.org/officeDocument/2006/relationships" xmlns:p="http://schemas.openxmlformats.org/presentationml/2006/main">
+  <p:cSld>
+    <p:spTree>
+      <p:nvGrpSpPr>
+        <p:cNvPr id="1" name=""/>
+        <p:cNvGrpSpPr/>
+        <p:nvPr/>
+      </p:nvGrpSpPr>
+      <p:grpSpPr>
+        <a:xfrm>
+          <a:off x="0" y="0"/>
+          <a:ext cx="0" cy="0"/>
+          <a:chOff x="0" y="0"/>
+          <a:chExt cx="0" cy="0"/>
+        </a:xfrm>
+      </p:grpSpPr>
+      <p:grpSp>
+        <p:nvGrpSpPr>
+          <p:cNvPr id="55" name="组合 54"/>
+          <p:cNvGrpSpPr>
+            <a:grpSpLocks noChangeAspect="1"/>
+          </p:cNvGrpSpPr>
+          <p:nvPr/>
+        </p:nvGrpSpPr>
+        <p:grpSpPr>
+          <a:xfrm>
+            <a:off x="-444489" y="969965"/>
+            <a:ext cx="5982164" cy="6221130"/>
+            <a:chOff x="490941" y="1603716"/>
+            <a:chExt cx="8094052" cy="8417380"/>
+          </a:xfrm>
+        </p:grpSpPr>
+        <p:sp>
+          <p:nvSpPr>
+            <p:cNvPr id="2" name="弧形 1"/>
+            <p:cNvSpPr>
+              <a:spLocks noChangeAspect="1"/>
+            </p:cNvSpPr>
+            <p:nvPr/>
+          </p:nvSpPr>
+          <p:spPr>
+            <a:xfrm rot="19911955">
+              <a:off x="1242876" y="2414825"/>
+              <a:ext cx="6840000" cy="6840000"/>
+            </a:xfrm>
+            <a:prstGeom prst="arc">
+              <a:avLst>
+                <a:gd name="adj1" fmla="val 17694545"/>
+                <a:gd name="adj2" fmla="val 0"/>
+              </a:avLst>
+            </a:prstGeom>
+          </p:spPr>
+          <p:style>
+            <a:lnRef idx="1">
+              <a:schemeClr val="dk1"/>
+            </a:lnRef>
+            <a:fillRef idx="0">
+              <a:schemeClr val="dk1"/>
+            </a:fillRef>
+            <a:effectRef idx="0">
+              <a:schemeClr val="dk1"/>
+            </a:effectRef>
+            <a:fontRef idx="minor">
+              <a:schemeClr val="tx1"/>
+            </a:fontRef>
+          </p:style>
+          <p:txBody>
+            <a:bodyPr rtlCol="0" anchor="ctr"/>
+            <a:lstStyle/>
+            <a:p>
+              <a:pPr algn="ctr"/>
+              <a:endParaRPr lang="zh-CN" altLang="en-US"/>
+            </a:p>
+          </p:txBody>
+        </p:sp>
+        <p:sp>
+          <p:nvSpPr>
+            <p:cNvPr id="3" name="弧形 2"/>
+            <p:cNvSpPr>
+              <a:spLocks noChangeAspect="1"/>
+            </p:cNvSpPr>
+            <p:nvPr/>
+          </p:nvSpPr>
+          <p:spPr>
+            <a:xfrm rot="19773607">
+              <a:off x="490941" y="3433096"/>
+              <a:ext cx="6588000" cy="6588000"/>
+            </a:xfrm>
+            <a:prstGeom prst="arc">
+              <a:avLst>
+                <a:gd name="adj1" fmla="val 18710735"/>
+                <a:gd name="adj2" fmla="val 0"/>
+              </a:avLst>
+            </a:prstGeom>
+          </p:spPr>
+          <p:style>
+            <a:lnRef idx="1">
+              <a:schemeClr val="dk1"/>
+            </a:lnRef>
+            <a:fillRef idx="0">
+              <a:schemeClr val="dk1"/>
+            </a:fillRef>
+            <a:effectRef idx="0">
+              <a:schemeClr val="dk1"/>
+            </a:effectRef>
+            <a:fontRef idx="minor">
+              <a:schemeClr val="tx1"/>
+            </a:fontRef>
+          </p:style>
+          <p:txBody>
+            <a:bodyPr rtlCol="0" anchor="ctr"/>
+            <a:lstStyle/>
+            <a:p>
+              <a:pPr algn="ctr"/>
+              <a:endParaRPr lang="zh-CN" altLang="en-US"/>
+            </a:p>
+          </p:txBody>
+        </p:sp>
+        <p:grpSp>
+          <p:nvGrpSpPr>
+            <p:cNvPr id="54" name="组合 53"/>
+            <p:cNvGrpSpPr/>
+            <p:nvPr/>
+          </p:nvGrpSpPr>
+          <p:grpSpPr>
+            <a:xfrm>
+              <a:off x="2833262" y="1603716"/>
+              <a:ext cx="5751731" cy="4053704"/>
+              <a:chOff x="2833262" y="1603716"/>
+              <a:chExt cx="5751731" cy="4053704"/>
+            </a:xfrm>
+          </p:grpSpPr>
+          <p:sp>
+            <p:nvSpPr>
+              <p:cNvPr id="22" name="椭圆 21"/>
+              <p:cNvSpPr/>
+              <p:nvPr/>
+            </p:nvSpPr>
+            <p:spPr>
+              <a:xfrm rot="1549688">
+                <a:off x="5445623" y="2649756"/>
+                <a:ext cx="612000" cy="1296000"/>
+              </a:xfrm>
+              <a:prstGeom prst="ellipse">
+                <a:avLst/>
+              </a:prstGeom>
+              <a:solidFill>
+                <a:schemeClr val="bg1"/>
+              </a:solidFill>
+              <a:ln>
+                <a:solidFill>
+                  <a:schemeClr val="tx1"/>
+                </a:solidFill>
+              </a:ln>
+            </p:spPr>
+            <p:style>
+              <a:lnRef idx="2">
+                <a:schemeClr val="accent1">
+                  <a:shade val="50000"/>
+                </a:schemeClr>
+              </a:lnRef>
+              <a:fillRef idx="1">
+                <a:schemeClr val="accent1"/>
+              </a:fillRef>
+              <a:effectRef idx="0">
+                <a:schemeClr val="accent1"/>
+              </a:effectRef>
+              <a:fontRef idx="minor">
+                <a:schemeClr val="lt1"/>
+              </a:fontRef>
+            </p:style>
+            <p:txBody>
+              <a:bodyPr rtlCol="0" anchor="ctr"/>
+              <a:lstStyle/>
+              <a:p>
+                <a:pPr algn="ctr"/>
+                <a:endParaRPr lang="zh-CN" altLang="en-US" dirty="0"/>
+              </a:p>
+            </p:txBody>
+          </p:sp>
+          <p:sp>
+            <p:nvSpPr>
+              <p:cNvPr id="4" name="椭圆 3"/>
+              <p:cNvSpPr/>
+              <p:nvPr/>
+            </p:nvSpPr>
+            <p:spPr>
+              <a:xfrm>
+                <a:off x="6400796" y="3875966"/>
+                <a:ext cx="1351129" cy="1351129"/>
+              </a:xfrm>
+              <a:prstGeom prst="ellipse">
+                <a:avLst/>
+              </a:prstGeom>
+              <a:solidFill>
+                <a:schemeClr val="bg1"/>
+              </a:solidFill>
+              <a:ln>
+                <a:solidFill>
+                  <a:schemeClr val="tx1"/>
+                </a:solidFill>
+              </a:ln>
+            </p:spPr>
+            <p:style>
+              <a:lnRef idx="2">
+                <a:schemeClr val="accent1">
+                  <a:shade val="50000"/>
+                </a:schemeClr>
+              </a:lnRef>
+              <a:fillRef idx="1">
+                <a:schemeClr val="accent1"/>
+              </a:fillRef>
+              <a:effectRef idx="0">
+                <a:schemeClr val="accent1"/>
+              </a:effectRef>
+              <a:fontRef idx="minor">
+                <a:schemeClr val="lt1"/>
+              </a:fontRef>
+            </p:style>
+            <p:txBody>
+              <a:bodyPr rtlCol="0" anchor="ctr"/>
+              <a:lstStyle/>
+              <a:p>
+                <a:pPr algn="ctr"/>
+                <a:endParaRPr lang="zh-CN" altLang="en-US"/>
+              </a:p>
+            </p:txBody>
+          </p:sp>
+          <p:sp>
+            <p:nvSpPr>
+              <p:cNvPr id="5" name="椭圆 4"/>
+              <p:cNvSpPr/>
+              <p:nvPr/>
+            </p:nvSpPr>
+            <p:spPr>
+              <a:xfrm>
+                <a:off x="4176211" y="2429304"/>
+                <a:ext cx="595847" cy="1050878"/>
+              </a:xfrm>
+              <a:prstGeom prst="ellipse">
+                <a:avLst/>
+              </a:prstGeom>
+              <a:solidFill>
+                <a:schemeClr val="bg1"/>
+              </a:solidFill>
+              <a:ln>
+                <a:solidFill>
+                  <a:schemeClr val="tx1"/>
+                </a:solidFill>
+              </a:ln>
+            </p:spPr>
+            <p:style>
+              <a:lnRef idx="2">
+                <a:schemeClr val="accent1">
+                  <a:shade val="50000"/>
+                </a:schemeClr>
+              </a:lnRef>
+              <a:fillRef idx="1">
+                <a:schemeClr val="accent1"/>
+              </a:fillRef>
+              <a:effectRef idx="0">
+                <a:schemeClr val="accent1"/>
+              </a:effectRef>
+              <a:fontRef idx="minor">
+                <a:schemeClr val="lt1"/>
+              </a:fontRef>
+            </p:style>
+            <p:txBody>
+              <a:bodyPr rtlCol="0" anchor="ctr"/>
+              <a:lstStyle/>
+              <a:p>
+                <a:pPr algn="ctr"/>
+                <a:endParaRPr lang="zh-CN" altLang="en-US"/>
+              </a:p>
+            </p:txBody>
+          </p:sp>
+          <p:grpSp>
+            <p:nvGrpSpPr>
+              <p:cNvPr id="39" name="组合 38"/>
+              <p:cNvGrpSpPr>
+                <a:grpSpLocks noChangeAspect="1"/>
+              </p:cNvGrpSpPr>
+              <p:nvPr/>
+            </p:nvGrpSpPr>
+            <p:grpSpPr>
+              <a:xfrm>
+                <a:off x="2921395" y="1701694"/>
+                <a:ext cx="5267258" cy="3771060"/>
+                <a:chOff x="2921395" y="1701694"/>
+                <a:chExt cx="5267258" cy="3771060"/>
+              </a:xfrm>
+            </p:grpSpPr>
+            <p:cxnSp>
+              <p:nvCxnSpPr>
+                <p:cNvPr id="10" name="直接箭头连接符 9"/>
+                <p:cNvCxnSpPr/>
+                <p:nvPr/>
+              </p:nvCxnSpPr>
+              <p:spPr>
+                <a:xfrm>
+                  <a:off x="3275459" y="5472754"/>
+                  <a:ext cx="4913194" cy="0"/>
+                </a:xfrm>
+                <a:prstGeom prst="straightConnector1">
+                  <a:avLst/>
+                </a:prstGeom>
+                <a:ln w="9525">
+                  <a:tailEnd type="triangle"/>
+                </a:ln>
+              </p:spPr>
+              <p:style>
+                <a:lnRef idx="1">
+                  <a:schemeClr val="dk1"/>
+                </a:lnRef>
+                <a:fillRef idx="0">
+                  <a:schemeClr val="dk1"/>
+                </a:fillRef>
+                <a:effectRef idx="0">
+                  <a:schemeClr val="dk1"/>
+                </a:effectRef>
+                <a:fontRef idx="minor">
+                  <a:schemeClr val="tx1"/>
+                </a:fontRef>
+              </p:style>
+            </p:cxnSp>
+            <p:cxnSp>
+              <p:nvCxnSpPr>
+                <p:cNvPr id="11" name="直接箭头连接符 10"/>
+                <p:cNvCxnSpPr/>
+                <p:nvPr/>
+              </p:nvCxnSpPr>
+              <p:spPr>
+                <a:xfrm flipV="1">
+                  <a:off x="3264086" y="1701694"/>
+                  <a:ext cx="0" cy="3771060"/>
+                </a:xfrm>
+                <a:prstGeom prst="straightConnector1">
+                  <a:avLst/>
+                </a:prstGeom>
+                <a:ln w="9525">
+                  <a:tailEnd type="triangle"/>
+                </a:ln>
+              </p:spPr>
+              <p:style>
+                <a:lnRef idx="1">
+                  <a:schemeClr val="dk1"/>
+                </a:lnRef>
+                <a:fillRef idx="0">
+                  <a:schemeClr val="dk1"/>
+                </a:fillRef>
+                <a:effectRef idx="0">
+                  <a:schemeClr val="dk1"/>
+                </a:effectRef>
+                <a:fontRef idx="minor">
+                  <a:schemeClr val="tx1"/>
+                </a:fontRef>
+              </p:style>
+            </p:cxnSp>
+            <p:cxnSp>
+              <p:nvCxnSpPr>
+                <p:cNvPr id="13" name="直接箭头连接符 12"/>
+                <p:cNvCxnSpPr/>
+                <p:nvPr/>
+              </p:nvCxnSpPr>
+              <p:spPr>
+                <a:xfrm rot="-2700000">
+                  <a:off x="2921395" y="4645444"/>
+                  <a:ext cx="2340000" cy="0"/>
+                </a:xfrm>
+                <a:prstGeom prst="straightConnector1">
+                  <a:avLst/>
+                </a:prstGeom>
+                <a:ln w="9525">
+                  <a:tailEnd type="triangle"/>
+                </a:ln>
+              </p:spPr>
+              <p:style>
+                <a:lnRef idx="1">
+                  <a:schemeClr val="dk1"/>
+                </a:lnRef>
+                <a:fillRef idx="0">
+                  <a:schemeClr val="dk1"/>
+                </a:fillRef>
+                <a:effectRef idx="0">
+                  <a:schemeClr val="dk1"/>
+                </a:effectRef>
+                <a:fontRef idx="minor">
+                  <a:schemeClr val="tx1"/>
+                </a:fontRef>
+              </p:style>
+            </p:cxnSp>
+          </p:grpSp>
+          <p:cxnSp>
+            <p:nvCxnSpPr>
+              <p:cNvPr id="16" name="直接箭头连接符 15"/>
+              <p:cNvCxnSpPr>
+                <a:endCxn id="6" idx="2"/>
+              </p:cNvCxnSpPr>
+              <p:nvPr/>
+            </p:nvCxnSpPr>
+            <p:spPr>
+              <a:xfrm flipV="1">
+                <a:off x="3275459" y="4577048"/>
+                <a:ext cx="3825003" cy="882058"/>
+              </a:xfrm>
+              <a:prstGeom prst="straightConnector1">
+                <a:avLst/>
+              </a:prstGeom>
+              <a:ln>
+                <a:prstDash val="dashDot"/>
+                <a:tailEnd type="triangle"/>
+              </a:ln>
+            </p:spPr>
+            <p:style>
+              <a:lnRef idx="1">
+                <a:schemeClr val="dk1"/>
+              </a:lnRef>
+              <a:fillRef idx="0">
+                <a:schemeClr val="dk1"/>
+              </a:fillRef>
+              <a:effectRef idx="0">
+                <a:schemeClr val="dk1"/>
+              </a:effectRef>
+              <a:fontRef idx="minor">
+                <a:schemeClr val="tx1"/>
+              </a:fontRef>
+            </p:style>
+          </p:cxnSp>
+          <p:cxnSp>
+            <p:nvCxnSpPr>
+              <p:cNvPr id="18" name="直接箭头连接符 17"/>
+              <p:cNvCxnSpPr>
+                <a:stCxn id="6" idx="2"/>
+                <a:endCxn id="4" idx="7"/>
+              </p:cNvCxnSpPr>
+              <p:nvPr/>
+            </p:nvCxnSpPr>
+            <p:spPr>
+              <a:xfrm flipV="1">
+                <a:off x="7100462" y="4073834"/>
+                <a:ext cx="453595" cy="503214"/>
+              </a:xfrm>
+              <a:prstGeom prst="straightConnector1">
+                <a:avLst/>
+              </a:prstGeom>
+              <a:ln>
+                <a:prstDash val="dashDot"/>
+                <a:tailEnd type="triangle"/>
+              </a:ln>
+            </p:spPr>
+            <p:style>
+              <a:lnRef idx="1">
+                <a:schemeClr val="dk1"/>
+              </a:lnRef>
+              <a:fillRef idx="0">
+                <a:schemeClr val="dk1"/>
+              </a:fillRef>
+              <a:effectRef idx="0">
+                <a:schemeClr val="dk1"/>
+              </a:effectRef>
+              <a:fontRef idx="minor">
+                <a:schemeClr val="tx1"/>
+              </a:fontRef>
+            </p:style>
+          </p:cxnSp>
+          <p:cxnSp>
+            <p:nvCxnSpPr>
+              <p:cNvPr id="21" name="直接箭头连接符 20"/>
+              <p:cNvCxnSpPr/>
+              <p:nvPr/>
+            </p:nvCxnSpPr>
+            <p:spPr>
+              <a:xfrm flipV="1">
+                <a:off x="3275459" y="3289109"/>
+                <a:ext cx="2473874" cy="2183646"/>
+              </a:xfrm>
+              <a:prstGeom prst="straightConnector1">
+                <a:avLst/>
+              </a:prstGeom>
+              <a:ln>
+                <a:prstDash val="dashDot"/>
+                <a:tailEnd type="triangle"/>
+              </a:ln>
+            </p:spPr>
+            <p:style>
+              <a:lnRef idx="1">
+                <a:schemeClr val="dk1"/>
+              </a:lnRef>
+              <a:fillRef idx="0">
+                <a:schemeClr val="dk1"/>
+              </a:fillRef>
+              <a:effectRef idx="0">
+                <a:schemeClr val="dk1"/>
+              </a:effectRef>
+              <a:fontRef idx="minor">
+                <a:schemeClr val="tx1"/>
+              </a:fontRef>
+            </p:style>
+          </p:cxnSp>
+          <mc:AlternateContent xmlns:mc="http://schemas.openxmlformats.org/markup-compatibility/2006">
+            <mc:Choice xmlns:a14="http://schemas.microsoft.com/office/drawing/2010/main" Requires="a14">
+              <p:sp>
+                <p:nvSpPr>
+                  <p:cNvPr id="26" name="文本框 25"/>
+                  <p:cNvSpPr txBox="1"/>
+                  <p:nvPr/>
+                </p:nvSpPr>
+                <p:spPr>
+                  <a:xfrm>
+                    <a:off x="2833262" y="5288088"/>
+                    <a:ext cx="436508" cy="369332"/>
+                  </a:xfrm>
+                  <a:prstGeom prst="rect">
+                    <a:avLst/>
+                  </a:prstGeom>
+                  <a:noFill/>
+                </p:spPr>
+                <p:txBody>
+                  <a:bodyPr wrap="square" rtlCol="0">
+                    <a:spAutoFit/>
+                  </a:bodyPr>
+                  <a:lstStyle/>
+                  <a:p>
+                    <a14:m>
+                      <m:oMathPara xmlns:m="http://schemas.openxmlformats.org/officeDocument/2006/math">
+                        <m:oMathParaPr>
+                          <m:jc m:val="centerGroup"/>
+                        </m:oMathParaPr>
+                        <m:oMath xmlns:m="http://schemas.openxmlformats.org/officeDocument/2006/math">
+                          <m:r>
+                            <a:rPr lang="en-US" altLang="zh-CN" b="0" i="1" smtClean="0">
+                              <a:latin typeface="Cambria Math" panose="02040503050406030204" pitchFamily="18" charset="0"/>
+                            </a:rPr>
+                            <m:t>0</m:t>
+                          </m:r>
+                        </m:oMath>
+                      </m:oMathPara>
+                    </a14:m>
+                    <a:endParaRPr lang="zh-CN" altLang="en-US" dirty="0"/>
+                  </a:p>
+                </p:txBody>
+              </p:sp>
+            </mc:Choice>
+            <mc:Fallback>
+              <p:sp>
+                <p:nvSpPr>
+                  <p:cNvPr id="26" name="文本框 25"/>
+                  <p:cNvSpPr txBox="1">
+                    <a:spLocks noRot="1" noChangeAspect="1" noMove="1" noResize="1" noEditPoints="1" noAdjustHandles="1" noChangeArrowheads="1" noChangeShapeType="1" noTextEdit="1"/>
+                  </p:cNvSpPr>
+                  <p:nvPr/>
+                </p:nvSpPr>
+                <p:spPr>
+                  <a:xfrm>
+                    <a:off x="2833262" y="5288088"/>
+                    <a:ext cx="436508" cy="369332"/>
+                  </a:xfrm>
+                  <a:prstGeom prst="rect">
+                    <a:avLst/>
+                  </a:prstGeom>
+                  <a:blipFill rotWithShape="0">
+                    <a:blip r:embed="rId2"/>
+                    <a:stretch>
+                      <a:fillRect b="-24444"/>
+                    </a:stretch>
+                  </a:blipFill>
+                </p:spPr>
+                <p:txBody>
+                  <a:bodyPr/>
+                  <a:lstStyle/>
+                  <a:p>
+                    <a:r>
+                      <a:rPr lang="zh-CN" altLang="en-US">
+                        <a:noFill/>
+                      </a:rPr>
+                      <a:t> </a:t>
+                    </a:r>
+                  </a:p>
+                </p:txBody>
+              </p:sp>
+            </mc:Fallback>
+          </mc:AlternateContent>
+          <mc:AlternateContent xmlns:mc="http://schemas.openxmlformats.org/markup-compatibility/2006">
+            <mc:Choice xmlns:a14="http://schemas.microsoft.com/office/drawing/2010/main" Requires="a14">
+              <p:sp>
+                <p:nvSpPr>
+                  <p:cNvPr id="27" name="文本框 26"/>
+                  <p:cNvSpPr txBox="1"/>
+                  <p:nvPr/>
+                </p:nvSpPr>
+                <p:spPr>
+                  <a:xfrm>
+                    <a:off x="8148485" y="5288088"/>
+                    <a:ext cx="436508" cy="369332"/>
+                  </a:xfrm>
+                  <a:prstGeom prst="rect">
+                    <a:avLst/>
+                  </a:prstGeom>
+                  <a:noFill/>
+                </p:spPr>
+                <p:txBody>
+                  <a:bodyPr wrap="square" rtlCol="0">
+                    <a:spAutoFit/>
+                  </a:bodyPr>
+                  <a:lstStyle/>
+                  <a:p>
+                    <a14:m>
+                      <m:oMathPara xmlns:m="http://schemas.openxmlformats.org/officeDocument/2006/math">
+                        <m:oMathParaPr>
+                          <m:jc m:val="centerGroup"/>
+                        </m:oMathParaPr>
+                        <m:oMath xmlns:m="http://schemas.openxmlformats.org/officeDocument/2006/math">
+                          <m:r>
+                            <m:rPr>
+                              <m:sty m:val="p"/>
+                            </m:rPr>
+                            <a:rPr lang="en-US" altLang="zh-CN" b="0" i="0" smtClean="0">
+                              <a:latin typeface="Cambria Math" panose="02040503050406030204" pitchFamily="18" charset="0"/>
+                            </a:rPr>
+                            <m:t>z</m:t>
+                          </m:r>
+                        </m:oMath>
+                      </m:oMathPara>
+                    </a14:m>
+                    <a:endParaRPr lang="zh-CN" altLang="en-US" dirty="0"/>
+                  </a:p>
+                </p:txBody>
+              </p:sp>
+            </mc:Choice>
+            <mc:Fallback>
+              <p:sp>
+                <p:nvSpPr>
+                  <p:cNvPr id="27" name="文本框 26"/>
+                  <p:cNvSpPr txBox="1">
+                    <a:spLocks noRot="1" noChangeAspect="1" noMove="1" noResize="1" noEditPoints="1" noAdjustHandles="1" noChangeArrowheads="1" noChangeShapeType="1" noTextEdit="1"/>
+                  </p:cNvSpPr>
+                  <p:nvPr/>
+                </p:nvSpPr>
+                <p:spPr>
+                  <a:xfrm>
+                    <a:off x="8148485" y="5288088"/>
+                    <a:ext cx="436508" cy="369332"/>
+                  </a:xfrm>
+                  <a:prstGeom prst="rect">
+                    <a:avLst/>
+                  </a:prstGeom>
+                  <a:blipFill rotWithShape="0">
+                    <a:blip r:embed="rId3"/>
+                    <a:stretch>
+                      <a:fillRect b="-15556"/>
+                    </a:stretch>
+                  </a:blipFill>
+                </p:spPr>
+                <p:txBody>
+                  <a:bodyPr/>
+                  <a:lstStyle/>
+                  <a:p>
+                    <a:r>
+                      <a:rPr lang="zh-CN" altLang="en-US">
+                        <a:noFill/>
+                      </a:rPr>
+                      <a:t> </a:t>
+                    </a:r>
+                  </a:p>
+                </p:txBody>
+              </p:sp>
+            </mc:Fallback>
+          </mc:AlternateContent>
+          <mc:AlternateContent xmlns:mc="http://schemas.openxmlformats.org/markup-compatibility/2006">
+            <mc:Choice xmlns:a14="http://schemas.microsoft.com/office/drawing/2010/main" Requires="a14">
+              <p:sp>
+                <p:nvSpPr>
+                  <p:cNvPr id="28" name="文本框 27"/>
+                  <p:cNvSpPr txBox="1"/>
+                  <p:nvPr/>
+                </p:nvSpPr>
+                <p:spPr>
+                  <a:xfrm>
+                    <a:off x="4459818" y="3690856"/>
+                    <a:ext cx="436508" cy="369332"/>
+                  </a:xfrm>
+                  <a:prstGeom prst="rect">
+                    <a:avLst/>
+                  </a:prstGeom>
+                  <a:noFill/>
+                </p:spPr>
+                <p:txBody>
+                  <a:bodyPr wrap="square" rtlCol="0">
+                    <a:spAutoFit/>
+                  </a:bodyPr>
+                  <a:lstStyle/>
+                  <a:p>
+                    <a14:m>
+                      <m:oMathPara xmlns:m="http://schemas.openxmlformats.org/officeDocument/2006/math">
+                        <m:oMathParaPr>
+                          <m:jc m:val="centerGroup"/>
+                        </m:oMathParaPr>
+                        <m:oMath xmlns:m="http://schemas.openxmlformats.org/officeDocument/2006/math">
+                          <m:r>
+                            <m:rPr>
+                              <m:sty m:val="p"/>
+                            </m:rPr>
+                            <a:rPr lang="en-US" altLang="zh-CN" b="0" i="0" smtClean="0">
+                              <a:latin typeface="Cambria Math" panose="02040503050406030204" pitchFamily="18" charset="0"/>
+                            </a:rPr>
+                            <m:t>x</m:t>
+                          </m:r>
+                        </m:oMath>
+                      </m:oMathPara>
+                    </a14:m>
+                    <a:endParaRPr lang="zh-CN" altLang="en-US" dirty="0"/>
+                  </a:p>
+                </p:txBody>
+              </p:sp>
+            </mc:Choice>
+            <mc:Fallback>
+              <p:sp>
+                <p:nvSpPr>
+                  <p:cNvPr id="28" name="文本框 27"/>
+                  <p:cNvSpPr txBox="1">
+                    <a:spLocks noRot="1" noChangeAspect="1" noMove="1" noResize="1" noEditPoints="1" noAdjustHandles="1" noChangeArrowheads="1" noChangeShapeType="1" noTextEdit="1"/>
+                  </p:cNvSpPr>
+                  <p:nvPr/>
+                </p:nvSpPr>
+                <p:spPr>
+                  <a:xfrm>
+                    <a:off x="4459818" y="3690856"/>
+                    <a:ext cx="436508" cy="369332"/>
+                  </a:xfrm>
+                  <a:prstGeom prst="rect">
+                    <a:avLst/>
+                  </a:prstGeom>
+                  <a:blipFill rotWithShape="0">
+                    <a:blip r:embed="rId4"/>
+                    <a:stretch>
+                      <a:fillRect b="-17778"/>
+                    </a:stretch>
+                  </a:blipFill>
+                </p:spPr>
+                <p:txBody>
+                  <a:bodyPr/>
+                  <a:lstStyle/>
+                  <a:p>
+                    <a:r>
+                      <a:rPr lang="zh-CN" altLang="en-US">
+                        <a:noFill/>
+                      </a:rPr>
+                      <a:t> </a:t>
+                    </a:r>
+                  </a:p>
+                </p:txBody>
+              </p:sp>
+            </mc:Fallback>
+          </mc:AlternateContent>
+          <mc:AlternateContent xmlns:mc="http://schemas.openxmlformats.org/markup-compatibility/2006">
+            <mc:Choice xmlns:a14="http://schemas.microsoft.com/office/drawing/2010/main" Requires="a14">
+              <p:sp>
+                <p:nvSpPr>
+                  <p:cNvPr id="29" name="文本框 28"/>
+                  <p:cNvSpPr txBox="1"/>
+                  <p:nvPr/>
+                </p:nvSpPr>
+                <p:spPr>
+                  <a:xfrm>
+                    <a:off x="2838951" y="1603716"/>
+                    <a:ext cx="436508" cy="369332"/>
+                  </a:xfrm>
+                  <a:prstGeom prst="rect">
+                    <a:avLst/>
+                  </a:prstGeom>
+                  <a:noFill/>
+                </p:spPr>
+                <p:txBody>
+                  <a:bodyPr wrap="square" rtlCol="0">
+                    <a:spAutoFit/>
+                  </a:bodyPr>
+                  <a:lstStyle/>
+                  <a:p>
+                    <a14:m>
+                      <m:oMathPara xmlns:m="http://schemas.openxmlformats.org/officeDocument/2006/math">
+                        <m:oMathParaPr>
+                          <m:jc m:val="centerGroup"/>
+                        </m:oMathParaPr>
+                        <m:oMath xmlns:m="http://schemas.openxmlformats.org/officeDocument/2006/math">
+                          <m:r>
+                            <m:rPr>
+                              <m:sty m:val="p"/>
+                            </m:rPr>
+                            <a:rPr lang="en-US" altLang="zh-CN" b="0" i="0" smtClean="0">
+                              <a:latin typeface="Cambria Math" panose="02040503050406030204" pitchFamily="18" charset="0"/>
+                            </a:rPr>
+                            <m:t>y</m:t>
+                          </m:r>
+                        </m:oMath>
+                      </m:oMathPara>
+                    </a14:m>
+                    <a:endParaRPr lang="zh-CN" altLang="en-US" dirty="0"/>
+                  </a:p>
+                </p:txBody>
+              </p:sp>
+            </mc:Choice>
+            <mc:Fallback>
+              <p:sp>
+                <p:nvSpPr>
+                  <p:cNvPr id="29" name="文本框 28"/>
+                  <p:cNvSpPr txBox="1">
+                    <a:spLocks noRot="1" noChangeAspect="1" noMove="1" noResize="1" noEditPoints="1" noAdjustHandles="1" noChangeArrowheads="1" noChangeShapeType="1" noTextEdit="1"/>
+                  </p:cNvSpPr>
+                  <p:nvPr/>
+                </p:nvSpPr>
+                <p:spPr>
+                  <a:xfrm>
+                    <a:off x="2838951" y="1603716"/>
+                    <a:ext cx="436508" cy="369332"/>
+                  </a:xfrm>
+                  <a:prstGeom prst="rect">
+                    <a:avLst/>
+                  </a:prstGeom>
+                  <a:blipFill rotWithShape="0">
+                    <a:blip r:embed="rId5"/>
+                    <a:stretch>
+                      <a:fillRect b="-44444"/>
+                    </a:stretch>
+                  </a:blipFill>
+                </p:spPr>
+                <p:txBody>
+                  <a:bodyPr/>
+                  <a:lstStyle/>
+                  <a:p>
+                    <a:r>
+                      <a:rPr lang="zh-CN" altLang="en-US">
+                        <a:noFill/>
+                      </a:rPr>
+                      <a:t> </a:t>
+                    </a:r>
+                  </a:p>
+                </p:txBody>
+              </p:sp>
+            </mc:Fallback>
+          </mc:AlternateContent>
+          <p:sp>
+            <p:nvSpPr>
+              <p:cNvPr id="30" name="弧形 29"/>
+              <p:cNvSpPr/>
+              <p:nvPr/>
+            </p:nvSpPr>
+            <p:spPr>
+              <a:xfrm>
+                <a:off x="3784941" y="4885899"/>
+                <a:ext cx="108000" cy="132178"/>
+              </a:xfrm>
+              <a:prstGeom prst="arc">
+                <a:avLst/>
+              </a:prstGeom>
+              <a:ln>
+                <a:solidFill>
+                  <a:schemeClr val="tx1"/>
+                </a:solidFill>
+              </a:ln>
+            </p:spPr>
+            <p:style>
+              <a:lnRef idx="1">
+                <a:schemeClr val="accent1"/>
+              </a:lnRef>
+              <a:fillRef idx="0">
+                <a:schemeClr val="accent1"/>
+              </a:fillRef>
+              <a:effectRef idx="0">
+                <a:schemeClr val="accent1"/>
+              </a:effectRef>
+              <a:fontRef idx="minor">
+                <a:schemeClr val="tx1"/>
+              </a:fontRef>
+            </p:style>
+            <p:txBody>
+              <a:bodyPr rtlCol="0" anchor="ctr"/>
+              <a:lstStyle/>
+              <a:p>
+                <a:pPr algn="ctr"/>
+                <a:endParaRPr lang="zh-CN" altLang="en-US"/>
+              </a:p>
+            </p:txBody>
+          </p:sp>
+          <mc:AlternateContent xmlns:mc="http://schemas.openxmlformats.org/markup-compatibility/2006">
+            <mc:Choice xmlns:a14="http://schemas.microsoft.com/office/drawing/2010/main" Requires="a14">
+              <p:sp>
+                <p:nvSpPr>
+                  <p:cNvPr id="31" name="文本框 30"/>
+                  <p:cNvSpPr txBox="1"/>
+                  <p:nvPr/>
+                </p:nvSpPr>
+                <p:spPr>
+                  <a:xfrm>
+                    <a:off x="3793119" y="4673520"/>
+                    <a:ext cx="436508" cy="369332"/>
+                  </a:xfrm>
+                  <a:prstGeom prst="rect">
+                    <a:avLst/>
+                  </a:prstGeom>
+                  <a:noFill/>
+                </p:spPr>
+                <p:txBody>
+                  <a:bodyPr wrap="square" rtlCol="0">
+                    <a:spAutoFit/>
+                  </a:bodyPr>
+                  <a:lstStyle/>
+                  <a:p>
+                    <a14:m>
+                      <m:oMathPara xmlns:m="http://schemas.openxmlformats.org/officeDocument/2006/math">
+                        <m:oMathParaPr>
+                          <m:jc m:val="centerGroup"/>
+                        </m:oMathParaPr>
+                        <m:oMath xmlns:m="http://schemas.openxmlformats.org/officeDocument/2006/math">
+                          <m:r>
+                            <a:rPr lang="el-GR" altLang="zh-CN" b="0" i="1" smtClean="0">
+                              <a:latin typeface="Cambria Math" panose="02040503050406030204" pitchFamily="18" charset="0"/>
+                              <a:ea typeface="Cambria Math" panose="02040503050406030204" pitchFamily="18" charset="0"/>
+                            </a:rPr>
+                            <m:t>𝜃</m:t>
+                          </m:r>
+                        </m:oMath>
+                      </m:oMathPara>
+                    </a14:m>
+                    <a:endParaRPr lang="zh-CN" altLang="en-US" i="1" dirty="0"/>
+                  </a:p>
+                </p:txBody>
+              </p:sp>
+            </mc:Choice>
+            <mc:Fallback>
+              <p:sp>
+                <p:nvSpPr>
+                  <p:cNvPr id="31" name="文本框 30"/>
+                  <p:cNvSpPr txBox="1">
+                    <a:spLocks noRot="1" noChangeAspect="1" noMove="1" noResize="1" noEditPoints="1" noAdjustHandles="1" noChangeArrowheads="1" noChangeShapeType="1" noTextEdit="1"/>
+                  </p:cNvSpPr>
+                  <p:nvPr/>
+                </p:nvSpPr>
+                <p:spPr>
+                  <a:xfrm>
+                    <a:off x="3793119" y="4673520"/>
+                    <a:ext cx="436508" cy="369332"/>
+                  </a:xfrm>
+                  <a:prstGeom prst="rect">
+                    <a:avLst/>
+                  </a:prstGeom>
+                  <a:blipFill rotWithShape="0">
+                    <a:blip r:embed="rId6"/>
+                    <a:stretch>
+                      <a:fillRect b="-24444"/>
+                    </a:stretch>
+                  </a:blipFill>
+                </p:spPr>
+                <p:txBody>
+                  <a:bodyPr/>
+                  <a:lstStyle/>
+                  <a:p>
+                    <a:r>
+                      <a:rPr lang="zh-CN" altLang="en-US">
+                        <a:noFill/>
+                      </a:rPr>
+                      <a:t> </a:t>
+                    </a:r>
+                  </a:p>
+                </p:txBody>
+              </p:sp>
+            </mc:Fallback>
+          </mc:AlternateContent>
+          <p:cxnSp>
+            <p:nvCxnSpPr>
+              <p:cNvPr id="37" name="直接箭头连接符 36"/>
+              <p:cNvCxnSpPr/>
+              <p:nvPr/>
+            </p:nvCxnSpPr>
+            <p:spPr>
+              <a:xfrm flipV="1">
+                <a:off x="5665130" y="2823944"/>
+                <a:ext cx="625190" cy="219506"/>
+              </a:xfrm>
+              <a:prstGeom prst="straightConnector1">
+                <a:avLst/>
+              </a:prstGeom>
+              <a:ln w="12700">
+                <a:solidFill>
+                  <a:srgbClr val="C00000"/>
+                </a:solidFill>
+                <a:tailEnd type="triangle"/>
+              </a:ln>
+            </p:spPr>
+            <p:style>
+              <a:lnRef idx="1">
+                <a:schemeClr val="accent1"/>
+              </a:lnRef>
+              <a:fillRef idx="0">
+                <a:schemeClr val="accent1"/>
+              </a:fillRef>
+              <a:effectRef idx="0">
+                <a:schemeClr val="accent1"/>
+              </a:effectRef>
+              <a:fontRef idx="minor">
+                <a:schemeClr val="tx1"/>
+              </a:fontRef>
+            </p:style>
+          </p:cxnSp>
+          <p:grpSp>
+            <p:nvGrpSpPr>
+              <p:cNvPr id="44" name="组合 43"/>
+              <p:cNvGrpSpPr>
+                <a:grpSpLocks noChangeAspect="1"/>
+              </p:cNvGrpSpPr>
+              <p:nvPr/>
+            </p:nvGrpSpPr>
+            <p:grpSpPr>
+              <a:xfrm>
+                <a:off x="5590380" y="2681288"/>
+                <a:ext cx="467520" cy="374667"/>
+                <a:chOff x="2921395" y="3364338"/>
+                <a:chExt cx="2630928" cy="2108416"/>
+              </a:xfrm>
+            </p:grpSpPr>
+            <p:cxnSp>
+              <p:nvCxnSpPr>
+                <p:cNvPr id="45" name="直接箭头连接符 44"/>
+                <p:cNvCxnSpPr/>
+                <p:nvPr/>
+              </p:nvCxnSpPr>
+              <p:spPr>
+                <a:xfrm>
+                  <a:off x="3275461" y="5472754"/>
+                  <a:ext cx="2276862" cy="0"/>
+                </a:xfrm>
+                <a:prstGeom prst="straightConnector1">
+                  <a:avLst/>
+                </a:prstGeom>
+                <a:ln w="9525">
+                  <a:tailEnd type="triangle"/>
+                </a:ln>
+              </p:spPr>
+              <p:style>
+                <a:lnRef idx="1">
+                  <a:schemeClr val="dk1"/>
+                </a:lnRef>
+                <a:fillRef idx="0">
+                  <a:schemeClr val="dk1"/>
+                </a:fillRef>
+                <a:effectRef idx="0">
+                  <a:schemeClr val="dk1"/>
+                </a:effectRef>
+                <a:fontRef idx="minor">
+                  <a:schemeClr val="tx1"/>
+                </a:fontRef>
+              </p:style>
+            </p:cxnSp>
+            <p:cxnSp>
+              <p:nvCxnSpPr>
+                <p:cNvPr id="46" name="直接箭头连接符 45"/>
+                <p:cNvCxnSpPr/>
+                <p:nvPr/>
+              </p:nvCxnSpPr>
+              <p:spPr>
+                <a:xfrm flipV="1">
+                  <a:off x="3264088" y="3364338"/>
+                  <a:ext cx="77957" cy="2108416"/>
+                </a:xfrm>
+                <a:prstGeom prst="straightConnector1">
+                  <a:avLst/>
+                </a:prstGeom>
+                <a:ln w="9525">
+                  <a:tailEnd type="triangle"/>
+                </a:ln>
+              </p:spPr>
+              <p:style>
+                <a:lnRef idx="1">
+                  <a:schemeClr val="dk1"/>
+                </a:lnRef>
+                <a:fillRef idx="0">
+                  <a:schemeClr val="dk1"/>
+                </a:fillRef>
+                <a:effectRef idx="0">
+                  <a:schemeClr val="dk1"/>
+                </a:effectRef>
+                <a:fontRef idx="minor">
+                  <a:schemeClr val="tx1"/>
+                </a:fontRef>
+              </p:style>
+            </p:cxnSp>
+            <p:cxnSp>
+              <p:nvCxnSpPr>
+                <p:cNvPr id="47" name="直接箭头连接符 46"/>
+                <p:cNvCxnSpPr/>
+                <p:nvPr/>
+              </p:nvCxnSpPr>
+              <p:spPr>
+                <a:xfrm rot="-2700000">
+                  <a:off x="2921395" y="4645444"/>
+                  <a:ext cx="2340000" cy="0"/>
+                </a:xfrm>
+                <a:prstGeom prst="straightConnector1">
+                  <a:avLst/>
+                </a:prstGeom>
+                <a:ln w="9525">
+                  <a:tailEnd type="triangle"/>
+                </a:ln>
+              </p:spPr>
+              <p:style>
+                <a:lnRef idx="1">
+                  <a:schemeClr val="dk1"/>
+                </a:lnRef>
+                <a:fillRef idx="0">
+                  <a:schemeClr val="dk1"/>
+                </a:fillRef>
+                <a:effectRef idx="0">
+                  <a:schemeClr val="dk1"/>
+                </a:effectRef>
+                <a:fontRef idx="minor">
+                  <a:schemeClr val="tx1"/>
+                </a:fontRef>
+              </p:style>
+            </p:cxnSp>
+          </p:grpSp>
+          <mc:AlternateContent xmlns:mc="http://schemas.openxmlformats.org/markup-compatibility/2006">
+            <mc:Choice xmlns:a14="http://schemas.microsoft.com/office/drawing/2010/main" Requires="a14">
+              <p:sp>
+                <p:nvSpPr>
+                  <p:cNvPr id="52" name="文本框 51"/>
+                  <p:cNvSpPr txBox="1"/>
+                  <p:nvPr/>
+                </p:nvSpPr>
+                <p:spPr>
+                  <a:xfrm>
+                    <a:off x="6081062" y="2411419"/>
+                    <a:ext cx="2258403" cy="381515"/>
+                  </a:xfrm>
+                  <a:prstGeom prst="rect">
+                    <a:avLst/>
+                  </a:prstGeom>
+                  <a:noFill/>
+                </p:spPr>
+                <p:txBody>
+                  <a:bodyPr wrap="square" rtlCol="0">
+                    <a:spAutoFit/>
+                  </a:bodyPr>
+                  <a:lstStyle/>
+                  <a:p>
+                    <a14:m>
+                      <m:oMath xmlns:m="http://schemas.openxmlformats.org/officeDocument/2006/math">
+                        <m:r>
+                          <a:rPr lang="zh-CN" altLang="en-US" i="1" smtClean="0">
+                            <a:latin typeface="Cambria Math" panose="02040503050406030204" pitchFamily="18" charset="0"/>
+                          </a:rPr>
+                          <m:t>光线</m:t>
+                        </m:r>
+                      </m:oMath>
+                    </a14:m>
+                    <a:r>
+                      <a:rPr lang="zh-CN" altLang="en-US" dirty="0" smtClean="0"/>
+                      <a:t>（</a:t>
+                    </a:r>
+                    <a14:m>
+                      <m:oMath xmlns:m="http://schemas.openxmlformats.org/officeDocument/2006/math">
+                        <m:sSub>
+                          <m:sSubPr>
+                            <m:ctrlPr>
+                              <a:rPr lang="en-US" altLang="zh-CN" i="1" dirty="0" smtClean="0">
+                                <a:latin typeface="Cambria Math" panose="02040503050406030204" pitchFamily="18" charset="0"/>
+                              </a:rPr>
+                            </m:ctrlPr>
+                          </m:sSubPr>
+                          <m:e>
+                            <m:r>
+                              <a:rPr lang="zh-CN" altLang="en-US" i="1" dirty="0" smtClean="0">
+                                <a:latin typeface="Cambria Math" panose="02040503050406030204" pitchFamily="18" charset="0"/>
+                              </a:rPr>
+                              <m:t>𝜙</m:t>
+                            </m:r>
+                          </m:e>
+                          <m:sub>
+                            <m:r>
+                              <a:rPr lang="en-US" altLang="zh-CN" b="0" i="1" dirty="0" smtClean="0">
+                                <a:latin typeface="Cambria Math" panose="02040503050406030204" pitchFamily="18" charset="0"/>
+                              </a:rPr>
+                              <m:t>1</m:t>
+                            </m:r>
+                          </m:sub>
+                        </m:sSub>
+                        <m:r>
+                          <a:rPr lang="en-US" altLang="zh-CN" b="0" i="1" dirty="0" smtClean="0">
+                            <a:latin typeface="Cambria Math" panose="02040503050406030204" pitchFamily="18" charset="0"/>
+                          </a:rPr>
+                          <m:t>,</m:t>
+                        </m:r>
+                        <m:sSub>
+                          <m:sSubPr>
+                            <m:ctrlPr>
+                              <a:rPr lang="en-US" altLang="zh-CN" b="0" i="1" dirty="0" smtClean="0">
+                                <a:latin typeface="Cambria Math" panose="02040503050406030204" pitchFamily="18" charset="0"/>
+                              </a:rPr>
+                            </m:ctrlPr>
+                          </m:sSubPr>
+                          <m:e>
+                            <m:r>
+                              <a:rPr lang="zh-CN" altLang="en-US" b="0" i="1" dirty="0" smtClean="0">
+                                <a:latin typeface="Cambria Math" panose="02040503050406030204" pitchFamily="18" charset="0"/>
+                              </a:rPr>
+                              <m:t>𝜃</m:t>
+                            </m:r>
+                          </m:e>
+                          <m:sub>
+                            <m:r>
+                              <a:rPr lang="en-US" altLang="zh-CN" b="0" i="1" dirty="0" smtClean="0">
+                                <a:latin typeface="Cambria Math" panose="02040503050406030204" pitchFamily="18" charset="0"/>
+                              </a:rPr>
+                              <m:t>1</m:t>
+                            </m:r>
+                          </m:sub>
+                        </m:sSub>
+                        <m:r>
+                          <a:rPr lang="en-US" altLang="zh-CN" b="0" i="1" dirty="0" smtClean="0">
+                            <a:latin typeface="Cambria Math" panose="02040503050406030204" pitchFamily="18" charset="0"/>
+                          </a:rPr>
+                          <m:t>,</m:t>
+                        </m:r>
+                        <m:sSub>
+                          <m:sSubPr>
+                            <m:ctrlPr>
+                              <a:rPr lang="en-US" altLang="zh-CN" b="0" i="1" dirty="0" smtClean="0">
+                                <a:latin typeface="Cambria Math" panose="02040503050406030204" pitchFamily="18" charset="0"/>
+                              </a:rPr>
+                            </m:ctrlPr>
+                          </m:sSubPr>
+                          <m:e>
+                            <m:r>
+                              <a:rPr lang="zh-CN" altLang="en-US" b="0" i="1" dirty="0" smtClean="0">
+                                <a:latin typeface="Cambria Math" panose="02040503050406030204" pitchFamily="18" charset="0"/>
+                              </a:rPr>
+                              <m:t>𝜑</m:t>
+                            </m:r>
+                          </m:e>
+                          <m:sub>
+                            <m:r>
+                              <a:rPr lang="en-US" altLang="zh-CN" b="0" i="1" dirty="0" smtClean="0">
+                                <a:latin typeface="Cambria Math" panose="02040503050406030204" pitchFamily="18" charset="0"/>
+                              </a:rPr>
+                              <m:t>1</m:t>
+                            </m:r>
+                          </m:sub>
+                        </m:sSub>
+                      </m:oMath>
+                    </a14:m>
+                    <a:r>
+                      <a:rPr lang="zh-CN" altLang="en-US" dirty="0" smtClean="0"/>
+                      <a:t>）</a:t>
+                    </a:r>
+                    <a:endParaRPr lang="zh-CN" altLang="en-US" dirty="0"/>
+                  </a:p>
+                </p:txBody>
+              </p:sp>
+            </mc:Choice>
+            <mc:Fallback>
+              <p:sp>
+                <p:nvSpPr>
+                  <p:cNvPr id="52" name="文本框 51"/>
+                  <p:cNvSpPr txBox="1">
+                    <a:spLocks noRot="1" noChangeAspect="1" noMove="1" noResize="1" noEditPoints="1" noAdjustHandles="1" noChangeArrowheads="1" noChangeShapeType="1" noTextEdit="1"/>
+                  </p:cNvSpPr>
+                  <p:nvPr/>
+                </p:nvSpPr>
+                <p:spPr>
+                  <a:xfrm>
+                    <a:off x="6081062" y="2411419"/>
+                    <a:ext cx="2258403" cy="381515"/>
+                  </a:xfrm>
+                  <a:prstGeom prst="rect">
+                    <a:avLst/>
+                  </a:prstGeom>
+                  <a:blipFill rotWithShape="0">
+                    <a:blip r:embed="rId7"/>
+                    <a:stretch>
+                      <a:fillRect l="-3285" b="-154348"/>
+                    </a:stretch>
+                  </a:blipFill>
+                </p:spPr>
+                <p:txBody>
+                  <a:bodyPr/>
+                  <a:lstStyle/>
+                  <a:p>
+                    <a:r>
+                      <a:rPr lang="zh-CN" altLang="en-US">
+                        <a:noFill/>
+                      </a:rPr>
+                      <a:t> </a:t>
+                    </a:r>
+                  </a:p>
+                </p:txBody>
+              </p:sp>
+            </mc:Fallback>
+          </mc:AlternateContent>
+        </p:grpSp>
+        <p:sp>
+          <p:nvSpPr>
+            <p:cNvPr id="6" name="弧形 5"/>
+            <p:cNvSpPr>
+              <a:spLocks noChangeAspect="1"/>
+            </p:cNvSpPr>
+            <p:nvPr/>
+          </p:nvSpPr>
+          <p:spPr>
+            <a:xfrm rot="19911955">
+              <a:off x="744030" y="2910265"/>
+              <a:ext cx="6840000" cy="6840000"/>
+            </a:xfrm>
+            <a:prstGeom prst="arc">
+              <a:avLst>
+                <a:gd name="adj1" fmla="val 17694545"/>
+                <a:gd name="adj2" fmla="val 21437669"/>
+              </a:avLst>
+            </a:prstGeom>
+            <a:ln>
+              <a:prstDash val="dash"/>
+            </a:ln>
+          </p:spPr>
+          <p:style>
+            <a:lnRef idx="1">
+              <a:schemeClr val="dk1"/>
+            </a:lnRef>
+            <a:fillRef idx="0">
+              <a:schemeClr val="dk1"/>
+            </a:fillRef>
+            <a:effectRef idx="0">
+              <a:schemeClr val="dk1"/>
+            </a:effectRef>
+            <a:fontRef idx="minor">
+              <a:schemeClr val="tx1"/>
+            </a:fontRef>
+          </p:style>
+          <p:txBody>
+            <a:bodyPr rtlCol="0" anchor="ctr"/>
+            <a:lstStyle/>
+            <a:p>
+              <a:pPr algn="ctr"/>
+              <a:endParaRPr lang="zh-CN" altLang="en-US"/>
+            </a:p>
+          </p:txBody>
+        </p:sp>
+      </p:grpSp>
+      <p:grpSp>
+        <p:nvGrpSpPr>
+          <p:cNvPr id="94" name="组合 93"/>
+          <p:cNvGrpSpPr/>
+          <p:nvPr/>
+        </p:nvGrpSpPr>
+        <p:grpSpPr>
+          <a:xfrm>
+            <a:off x="5467928" y="1657108"/>
+            <a:ext cx="3852000" cy="1742800"/>
+            <a:chOff x="7011841" y="1523697"/>
+            <a:chExt cx="3989944" cy="1908993"/>
+          </a:xfrm>
+        </p:grpSpPr>
+        <p:cxnSp>
+          <p:nvCxnSpPr>
+            <p:cNvPr id="57" name="直接连接符 56"/>
+            <p:cNvCxnSpPr/>
+            <p:nvPr/>
+          </p:nvCxnSpPr>
+          <p:spPr>
+            <a:xfrm>
+              <a:off x="7226300" y="1974359"/>
+              <a:ext cx="3416300" cy="0"/>
+            </a:xfrm>
+            <a:prstGeom prst="line">
+              <a:avLst/>
+            </a:prstGeom>
+          </p:spPr>
+          <p:style>
+            <a:lnRef idx="1">
+              <a:schemeClr val="dk1"/>
+            </a:lnRef>
+            <a:fillRef idx="0">
+              <a:schemeClr val="dk1"/>
+            </a:fillRef>
+            <a:effectRef idx="0">
+              <a:schemeClr val="dk1"/>
+            </a:effectRef>
+            <a:fontRef idx="minor">
+              <a:schemeClr val="tx1"/>
+            </a:fontRef>
+          </p:style>
+        </p:cxnSp>
+        <p:cxnSp>
+          <p:nvCxnSpPr>
+            <p:cNvPr id="58" name="直接连接符 57"/>
+            <p:cNvCxnSpPr/>
+            <p:nvPr/>
+          </p:nvCxnSpPr>
+          <p:spPr>
+            <a:xfrm>
+              <a:off x="7226300" y="2396469"/>
+              <a:ext cx="3416300" cy="0"/>
+            </a:xfrm>
+            <a:prstGeom prst="line">
+              <a:avLst/>
+            </a:prstGeom>
+          </p:spPr>
+          <p:style>
+            <a:lnRef idx="1">
+              <a:schemeClr val="dk1"/>
+            </a:lnRef>
+            <a:fillRef idx="0">
+              <a:schemeClr val="dk1"/>
+            </a:fillRef>
+            <a:effectRef idx="0">
+              <a:schemeClr val="dk1"/>
+            </a:effectRef>
+            <a:fontRef idx="minor">
+              <a:schemeClr val="tx1"/>
+            </a:fontRef>
+          </p:style>
+        </p:cxnSp>
+        <mc:AlternateContent xmlns:mc="http://schemas.openxmlformats.org/markup-compatibility/2006">
+          <mc:Choice xmlns:a14="http://schemas.microsoft.com/office/drawing/2010/main" Requires="a14">
+            <p:sp>
+              <p:nvSpPr>
+                <p:cNvPr id="59" name="文本框 58"/>
+                <p:cNvSpPr txBox="1"/>
+                <p:nvPr/>
+              </p:nvSpPr>
+              <p:spPr>
+                <a:xfrm>
+                  <a:off x="7029427" y="2015727"/>
+                  <a:ext cx="1063766" cy="369332"/>
+                </a:xfrm>
+                <a:prstGeom prst="rect">
+                  <a:avLst/>
+                </a:prstGeom>
+                <a:noFill/>
+              </p:spPr>
+              <p:txBody>
+                <a:bodyPr wrap="square" rtlCol="0">
+                  <a:spAutoFit/>
+                </a:bodyPr>
+                <a:lstStyle/>
+                <a:p>
+                  <a14:m>
+                    <m:oMathPara xmlns:m="http://schemas.openxmlformats.org/officeDocument/2006/math">
+                      <m:oMathParaPr>
+                        <m:jc m:val="centerGroup"/>
+                      </m:oMathParaPr>
+                      <m:oMath xmlns:m="http://schemas.openxmlformats.org/officeDocument/2006/math">
+                        <m:r>
+                          <a:rPr lang="zh-CN" altLang="en-US" i="1" smtClean="0">
+                            <a:latin typeface="Cambria Math" panose="02040503050406030204" pitchFamily="18" charset="0"/>
+                          </a:rPr>
+                          <m:t>膜</m:t>
+                        </m:r>
+                      </m:oMath>
+                    </m:oMathPara>
+                  </a14:m>
+                  <a:endParaRPr lang="zh-CN" altLang="en-US" dirty="0"/>
+                </a:p>
+              </p:txBody>
+            </p:sp>
+          </mc:Choice>
+          <mc:Fallback>
+            <p:sp>
+              <p:nvSpPr>
+                <p:cNvPr id="59" name="文本框 58"/>
+                <p:cNvSpPr txBox="1">
+                  <a:spLocks noRot="1" noChangeAspect="1" noMove="1" noResize="1" noEditPoints="1" noAdjustHandles="1" noChangeArrowheads="1" noChangeShapeType="1" noTextEdit="1"/>
+                </p:cNvSpPr>
+                <p:nvPr/>
+              </p:nvSpPr>
+              <p:spPr>
+                <a:xfrm>
+                  <a:off x="7029427" y="2015727"/>
+                  <a:ext cx="1063766" cy="369332"/>
+                </a:xfrm>
+                <a:prstGeom prst="rect">
+                  <a:avLst/>
+                </a:prstGeom>
+                <a:blipFill rotWithShape="0">
+                  <a:blip r:embed="rId8"/>
+                  <a:stretch>
+                    <a:fillRect b="-16364"/>
+                  </a:stretch>
+                </a:blipFill>
+              </p:spPr>
+              <p:txBody>
+                <a:bodyPr/>
+                <a:lstStyle/>
+                <a:p>
+                  <a:r>
+                    <a:rPr lang="zh-CN" altLang="en-US">
+                      <a:noFill/>
+                    </a:rPr>
+                    <a:t> </a:t>
+                  </a:r>
+                </a:p>
+              </p:txBody>
+            </p:sp>
+          </mc:Fallback>
+        </mc:AlternateContent>
+        <mc:AlternateContent xmlns:mc="http://schemas.openxmlformats.org/markup-compatibility/2006">
+          <mc:Choice xmlns:a14="http://schemas.microsoft.com/office/drawing/2010/main" Requires="a14">
+            <p:sp>
+              <p:nvSpPr>
+                <p:cNvPr id="61" name="文本框 60"/>
+                <p:cNvSpPr txBox="1"/>
+                <p:nvPr/>
+              </p:nvSpPr>
+              <p:spPr>
+                <a:xfrm>
+                  <a:off x="7029427" y="2519636"/>
+                  <a:ext cx="1063766" cy="369332"/>
+                </a:xfrm>
+                <a:prstGeom prst="rect">
+                  <a:avLst/>
+                </a:prstGeom>
+                <a:noFill/>
+              </p:spPr>
+              <p:txBody>
+                <a:bodyPr wrap="square" rtlCol="0">
+                  <a:spAutoFit/>
+                </a:bodyPr>
+                <a:lstStyle/>
+                <a:p>
+                  <a14:m>
+                    <m:oMathPara xmlns:m="http://schemas.openxmlformats.org/officeDocument/2006/math">
+                      <m:oMathParaPr>
+                        <m:jc m:val="centerGroup"/>
+                      </m:oMathParaPr>
+                      <m:oMath xmlns:m="http://schemas.openxmlformats.org/officeDocument/2006/math">
+                        <m:r>
+                          <a:rPr lang="zh-CN" altLang="en-US" i="1">
+                            <a:latin typeface="Cambria Math" panose="02040503050406030204" pitchFamily="18" charset="0"/>
+                          </a:rPr>
+                          <m:t>空气</m:t>
+                        </m:r>
+                      </m:oMath>
+                    </m:oMathPara>
+                  </a14:m>
+                  <a:endParaRPr lang="zh-CN" altLang="en-US" dirty="0"/>
+                </a:p>
+              </p:txBody>
+            </p:sp>
+          </mc:Choice>
+          <mc:Fallback>
+            <p:sp>
+              <p:nvSpPr>
+                <p:cNvPr id="61" name="文本框 60"/>
+                <p:cNvSpPr txBox="1">
+                  <a:spLocks noRot="1" noChangeAspect="1" noMove="1" noResize="1" noEditPoints="1" noAdjustHandles="1" noChangeArrowheads="1" noChangeShapeType="1" noTextEdit="1"/>
+                </p:cNvSpPr>
+                <p:nvPr/>
+              </p:nvSpPr>
+              <p:spPr>
+                <a:xfrm>
+                  <a:off x="7029427" y="2519636"/>
+                  <a:ext cx="1063766" cy="369332"/>
+                </a:xfrm>
+                <a:prstGeom prst="rect">
+                  <a:avLst/>
+                </a:prstGeom>
+                <a:blipFill rotWithShape="0">
+                  <a:blip r:embed="rId9"/>
+                  <a:stretch>
+                    <a:fillRect b="-16364"/>
+                  </a:stretch>
+                </a:blipFill>
+              </p:spPr>
+              <p:txBody>
+                <a:bodyPr/>
+                <a:lstStyle/>
+                <a:p>
+                  <a:r>
+                    <a:rPr lang="zh-CN" altLang="en-US">
+                      <a:noFill/>
+                    </a:rPr>
+                    <a:t> </a:t>
+                  </a:r>
+                </a:p>
+              </p:txBody>
+            </p:sp>
+          </mc:Fallback>
+        </mc:AlternateContent>
+        <p:sp>
+          <p:nvSpPr>
+            <p:cNvPr id="63" name="矩形 62"/>
+            <p:cNvSpPr/>
+            <p:nvPr/>
+          </p:nvSpPr>
+          <p:spPr>
+            <a:xfrm>
+              <a:off x="7226300" y="1881149"/>
+              <a:ext cx="3416300" cy="88661"/>
+            </a:xfrm>
+            <a:prstGeom prst="rect">
+              <a:avLst/>
+            </a:prstGeom>
+            <a:pattFill prst="wdUpDiag">
+              <a:fgClr>
+                <a:schemeClr val="tx1"/>
+              </a:fgClr>
+              <a:bgClr>
+                <a:schemeClr val="bg1"/>
+              </a:bgClr>
+            </a:pattFill>
+            <a:ln>
+              <a:noFill/>
+            </a:ln>
+          </p:spPr>
+          <p:style>
+            <a:lnRef idx="2">
+              <a:schemeClr val="accent1">
+                <a:shade val="50000"/>
+              </a:schemeClr>
+            </a:lnRef>
+            <a:fillRef idx="1">
+              <a:schemeClr val="accent1"/>
+            </a:fillRef>
+            <a:effectRef idx="0">
+              <a:schemeClr val="accent1"/>
+            </a:effectRef>
+            <a:fontRef idx="minor">
+              <a:schemeClr val="lt1"/>
+            </a:fontRef>
+          </p:style>
+          <p:txBody>
+            <a:bodyPr rtlCol="0" anchor="ctr"/>
+            <a:lstStyle/>
+            <a:p>
+              <a:pPr algn="ctr"/>
+              <a:endParaRPr lang="zh-CN" altLang="en-US"/>
+            </a:p>
+          </p:txBody>
+        </p:sp>
+        <mc:AlternateContent xmlns:mc="http://schemas.openxmlformats.org/markup-compatibility/2006">
+          <mc:Choice xmlns:a14="http://schemas.microsoft.com/office/drawing/2010/main" Requires="a14">
+            <p:sp>
+              <p:nvSpPr>
+                <p:cNvPr id="62" name="文本框 61"/>
+                <p:cNvSpPr txBox="1"/>
+                <p:nvPr/>
+              </p:nvSpPr>
+              <p:spPr>
+                <a:xfrm>
+                  <a:off x="7011841" y="1523697"/>
+                  <a:ext cx="1063767" cy="369332"/>
+                </a:xfrm>
+                <a:prstGeom prst="rect">
+                  <a:avLst/>
+                </a:prstGeom>
+                <a:noFill/>
+              </p:spPr>
+              <p:txBody>
+                <a:bodyPr wrap="square" rtlCol="0">
+                  <a:spAutoFit/>
+                </a:bodyPr>
+                <a:lstStyle/>
+                <a:p>
+                  <a14:m>
+                    <m:oMathPara xmlns:m="http://schemas.openxmlformats.org/officeDocument/2006/math">
+                      <m:oMathParaPr>
+                        <m:jc m:val="centerGroup"/>
+                      </m:oMathParaPr>
+                      <m:oMath xmlns:m="http://schemas.openxmlformats.org/officeDocument/2006/math">
+                        <m:r>
+                          <a:rPr lang="zh-CN" altLang="en-US" i="1" smtClean="0">
+                            <a:latin typeface="Cambria Math" panose="02040503050406030204" pitchFamily="18" charset="0"/>
+                          </a:rPr>
+                          <m:t>波导</m:t>
+                        </m:r>
+                      </m:oMath>
+                    </m:oMathPara>
+                  </a14:m>
+                  <a:endParaRPr lang="zh-CN" altLang="en-US" dirty="0"/>
+                </a:p>
+              </p:txBody>
+            </p:sp>
+          </mc:Choice>
+          <mc:Fallback>
+            <p:sp>
+              <p:nvSpPr>
+                <p:cNvPr id="62" name="文本框 61"/>
+                <p:cNvSpPr txBox="1">
+                  <a:spLocks noRot="1" noChangeAspect="1" noMove="1" noResize="1" noEditPoints="1" noAdjustHandles="1" noChangeArrowheads="1" noChangeShapeType="1" noTextEdit="1"/>
+                </p:cNvSpPr>
+                <p:nvPr/>
+              </p:nvSpPr>
+              <p:spPr>
+                <a:xfrm>
+                  <a:off x="7011841" y="1523697"/>
+                  <a:ext cx="1063767" cy="369332"/>
+                </a:xfrm>
+                <a:prstGeom prst="rect">
+                  <a:avLst/>
+                </a:prstGeom>
+                <a:blipFill rotWithShape="0">
+                  <a:blip r:embed="rId10"/>
+                  <a:stretch>
+                    <a:fillRect b="-18182"/>
+                  </a:stretch>
+                </a:blipFill>
+              </p:spPr>
+              <p:txBody>
+                <a:bodyPr/>
+                <a:lstStyle/>
+                <a:p>
+                  <a:r>
+                    <a:rPr lang="zh-CN" altLang="en-US">
+                      <a:noFill/>
+                    </a:rPr>
+                    <a:t> </a:t>
+                  </a:r>
+                </a:p>
+              </p:txBody>
+            </p:sp>
+          </mc:Fallback>
+        </mc:AlternateContent>
+        <p:cxnSp>
+          <p:nvCxnSpPr>
+            <p:cNvPr id="65" name="直接箭头连接符 64"/>
+            <p:cNvCxnSpPr/>
+            <p:nvPr/>
+          </p:nvCxnSpPr>
+          <p:spPr>
+            <a:xfrm flipV="1">
+              <a:off x="7302500" y="2383770"/>
+              <a:ext cx="1498600" cy="983298"/>
+            </a:xfrm>
+            <a:prstGeom prst="straightConnector1">
+              <a:avLst/>
+            </a:prstGeom>
+            <a:ln>
+              <a:tailEnd type="triangle"/>
+            </a:ln>
+          </p:spPr>
+          <p:style>
+            <a:lnRef idx="1">
+              <a:schemeClr val="dk1"/>
+            </a:lnRef>
+            <a:fillRef idx="0">
+              <a:schemeClr val="dk1"/>
+            </a:fillRef>
+            <a:effectRef idx="0">
+              <a:schemeClr val="dk1"/>
+            </a:effectRef>
+            <a:fontRef idx="minor">
+              <a:schemeClr val="tx1"/>
+            </a:fontRef>
+          </p:style>
+        </p:cxnSp>
+        <p:cxnSp>
+          <p:nvCxnSpPr>
+            <p:cNvPr id="68" name="直接箭头连接符 67"/>
+            <p:cNvCxnSpPr/>
+            <p:nvPr/>
+          </p:nvCxnSpPr>
+          <p:spPr>
+            <a:xfrm>
+              <a:off x="9160380" y="2418490"/>
+              <a:ext cx="1393320" cy="1014200"/>
+            </a:xfrm>
+            <a:prstGeom prst="straightConnector1">
+              <a:avLst/>
+            </a:prstGeom>
+            <a:ln>
+              <a:tailEnd type="triangle"/>
+            </a:ln>
+          </p:spPr>
+          <p:style>
+            <a:lnRef idx="1">
+              <a:schemeClr val="dk1"/>
+            </a:lnRef>
+            <a:fillRef idx="0">
+              <a:schemeClr val="dk1"/>
+            </a:fillRef>
+            <a:effectRef idx="0">
+              <a:schemeClr val="dk1"/>
+            </a:effectRef>
+            <a:fontRef idx="minor">
+              <a:schemeClr val="tx1"/>
+            </a:fontRef>
+          </p:style>
+        </p:cxnSp>
+        <p:cxnSp>
+          <p:nvCxnSpPr>
+            <p:cNvPr id="72" name="直接箭头连接符 71"/>
+            <p:cNvCxnSpPr>
+              <a:endCxn id="63" idx="2"/>
+            </p:cNvCxnSpPr>
+            <p:nvPr/>
+          </p:nvCxnSpPr>
+          <p:spPr>
+            <a:xfrm flipV="1">
+              <a:off x="8793179" y="1969810"/>
+              <a:ext cx="141271" cy="415249"/>
+            </a:xfrm>
+            <a:prstGeom prst="straightConnector1">
+              <a:avLst/>
+            </a:prstGeom>
+            <a:ln>
+              <a:tailEnd type="triangle"/>
+            </a:ln>
+          </p:spPr>
+          <p:style>
+            <a:lnRef idx="1">
+              <a:schemeClr val="dk1"/>
+            </a:lnRef>
+            <a:fillRef idx="0">
+              <a:schemeClr val="dk1"/>
+            </a:fillRef>
+            <a:effectRef idx="0">
+              <a:schemeClr val="dk1"/>
+            </a:effectRef>
+            <a:fontRef idx="minor">
+              <a:schemeClr val="tx1"/>
+            </a:fontRef>
+          </p:style>
+        </p:cxnSp>
+        <p:cxnSp>
+          <p:nvCxnSpPr>
+            <p:cNvPr id="76" name="直接箭头连接符 75"/>
+            <p:cNvCxnSpPr>
+              <a:stCxn id="63" idx="2"/>
+            </p:cNvCxnSpPr>
+            <p:nvPr/>
+          </p:nvCxnSpPr>
+          <p:spPr>
+            <a:xfrm>
+              <a:off x="8934450" y="1969810"/>
+              <a:ext cx="225930" cy="467401"/>
+            </a:xfrm>
+            <a:prstGeom prst="straightConnector1">
+              <a:avLst/>
+            </a:prstGeom>
+            <a:ln>
+              <a:tailEnd type="triangle"/>
+            </a:ln>
+          </p:spPr>
+          <p:style>
+            <a:lnRef idx="1">
+              <a:schemeClr val="dk1"/>
+            </a:lnRef>
+            <a:fillRef idx="0">
+              <a:schemeClr val="dk1"/>
+            </a:fillRef>
+            <a:effectRef idx="0">
+              <a:schemeClr val="dk1"/>
+            </a:effectRef>
+            <a:fontRef idx="minor">
+              <a:schemeClr val="tx1"/>
+            </a:fontRef>
+          </p:style>
+        </p:cxnSp>
+        <p:cxnSp>
+          <p:nvCxnSpPr>
+            <p:cNvPr id="84" name="直接连接符 83"/>
+            <p:cNvCxnSpPr/>
+            <p:nvPr/>
+          </p:nvCxnSpPr>
+          <p:spPr>
+            <a:xfrm>
+              <a:off x="8780479" y="2162293"/>
+              <a:ext cx="0" cy="688575"/>
+            </a:xfrm>
+            <a:prstGeom prst="line">
+              <a:avLst/>
+            </a:prstGeom>
+            <a:ln>
+              <a:solidFill>
+                <a:schemeClr val="tx1"/>
+              </a:solidFill>
+              <a:prstDash val="dash"/>
+            </a:ln>
+          </p:spPr>
+          <p:style>
+            <a:lnRef idx="1">
+              <a:schemeClr val="accent1"/>
+            </a:lnRef>
+            <a:fillRef idx="0">
+              <a:schemeClr val="accent1"/>
+            </a:fillRef>
+            <a:effectRef idx="0">
+              <a:schemeClr val="accent1"/>
+            </a:effectRef>
+            <a:fontRef idx="minor">
+              <a:schemeClr val="tx1"/>
+            </a:fontRef>
+          </p:style>
+        </p:cxnSp>
+        <p:cxnSp>
+          <p:nvCxnSpPr>
+            <p:cNvPr id="86" name="直接连接符 85"/>
+            <p:cNvCxnSpPr/>
+            <p:nvPr/>
+          </p:nvCxnSpPr>
+          <p:spPr>
+            <a:xfrm>
+              <a:off x="9160380" y="2174992"/>
+              <a:ext cx="0" cy="688575"/>
+            </a:xfrm>
+            <a:prstGeom prst="line">
+              <a:avLst/>
+            </a:prstGeom>
+            <a:ln>
+              <a:solidFill>
+                <a:schemeClr val="tx1"/>
+              </a:solidFill>
+              <a:prstDash val="dash"/>
+            </a:ln>
+          </p:spPr>
+          <p:style>
+            <a:lnRef idx="1">
+              <a:schemeClr val="accent1"/>
+            </a:lnRef>
+            <a:fillRef idx="0">
+              <a:schemeClr val="accent1"/>
+            </a:fillRef>
+            <a:effectRef idx="0">
+              <a:schemeClr val="accent1"/>
+            </a:effectRef>
+            <a:fontRef idx="minor">
+              <a:schemeClr val="tx1"/>
+            </a:fontRef>
+          </p:style>
+        </p:cxnSp>
+        <mc:AlternateContent xmlns:mc="http://schemas.openxmlformats.org/markup-compatibility/2006">
+          <mc:Choice xmlns:a14="http://schemas.microsoft.com/office/drawing/2010/main" Requires="a14">
+            <p:sp>
+              <p:nvSpPr>
+                <p:cNvPr id="87" name="文本框 86"/>
+                <p:cNvSpPr txBox="1"/>
+                <p:nvPr/>
+              </p:nvSpPr>
+              <p:spPr>
+                <a:xfrm>
+                  <a:off x="8367852" y="2657581"/>
+                  <a:ext cx="388292" cy="369332"/>
+                </a:xfrm>
+                <a:prstGeom prst="rect">
+                  <a:avLst/>
+                </a:prstGeom>
+                <a:noFill/>
+              </p:spPr>
+              <p:txBody>
+                <a:bodyPr wrap="square" rtlCol="0">
+                  <a:spAutoFit/>
+                </a:bodyPr>
+                <a:lstStyle/>
+                <a:p>
+                  <a14:m>
+                    <m:oMathPara xmlns:m="http://schemas.openxmlformats.org/officeDocument/2006/math">
+                      <m:oMathParaPr>
+                        <m:jc m:val="centerGroup"/>
+                      </m:oMathParaPr>
+                      <m:oMath xmlns:m="http://schemas.openxmlformats.org/officeDocument/2006/math">
+                        <m:r>
+                          <a:rPr lang="zh-CN" altLang="el-GR" b="0" i="1" smtClean="0">
+                            <a:latin typeface="Cambria Math" panose="02040503050406030204" pitchFamily="18" charset="0"/>
+                            <a:ea typeface="Cambria Math" panose="02040503050406030204" pitchFamily="18" charset="0"/>
+                          </a:rPr>
+                          <m:t>𝜓</m:t>
+                        </m:r>
+                      </m:oMath>
+                    </m:oMathPara>
+                  </a14:m>
+                  <a:endParaRPr lang="zh-CN" altLang="en-US" i="1" dirty="0"/>
+                </a:p>
+              </p:txBody>
+            </p:sp>
+          </mc:Choice>
+          <mc:Fallback>
+            <p:sp>
+              <p:nvSpPr>
+                <p:cNvPr id="87" name="文本框 86"/>
+                <p:cNvSpPr txBox="1">
+                  <a:spLocks noRot="1" noChangeAspect="1" noMove="1" noResize="1" noEditPoints="1" noAdjustHandles="1" noChangeArrowheads="1" noChangeShapeType="1" noTextEdit="1"/>
+                </p:cNvSpPr>
+                <p:nvPr/>
+              </p:nvSpPr>
+              <p:spPr>
+                <a:xfrm>
+                  <a:off x="8367852" y="2657581"/>
+                  <a:ext cx="388292" cy="369332"/>
+                </a:xfrm>
+                <a:prstGeom prst="rect">
+                  <a:avLst/>
+                </a:prstGeom>
+                <a:blipFill rotWithShape="0">
+                  <a:blip r:embed="rId11"/>
+                  <a:stretch>
+                    <a:fillRect l="-1639" r="-1639" b="-23636"/>
+                  </a:stretch>
+                </a:blipFill>
+              </p:spPr>
+              <p:txBody>
+                <a:bodyPr/>
+                <a:lstStyle/>
+                <a:p>
+                  <a:r>
+                    <a:rPr lang="zh-CN" altLang="en-US">
+                      <a:noFill/>
+                    </a:rPr>
+                    <a:t> </a:t>
+                  </a:r>
+                </a:p>
+              </p:txBody>
+            </p:sp>
+          </mc:Fallback>
+        </mc:AlternateContent>
+        <mc:AlternateContent xmlns:mc="http://schemas.openxmlformats.org/markup-compatibility/2006">
+          <mc:Choice xmlns:a14="http://schemas.microsoft.com/office/drawing/2010/main" Requires="a14">
+            <p:sp>
+              <p:nvSpPr>
+                <p:cNvPr id="88" name="文本框 87"/>
+                <p:cNvSpPr txBox="1"/>
+                <p:nvPr/>
+              </p:nvSpPr>
+              <p:spPr>
+                <a:xfrm>
+                  <a:off x="9192165" y="2657581"/>
+                  <a:ext cx="388292" cy="369332"/>
+                </a:xfrm>
+                <a:prstGeom prst="rect">
+                  <a:avLst/>
+                </a:prstGeom>
+                <a:noFill/>
+              </p:spPr>
+              <p:txBody>
+                <a:bodyPr wrap="square" rtlCol="0">
+                  <a:spAutoFit/>
+                </a:bodyPr>
+                <a:lstStyle/>
+                <a:p>
+                  <a14:m>
+                    <m:oMathPara xmlns:m="http://schemas.openxmlformats.org/officeDocument/2006/math">
+                      <m:oMathParaPr>
+                        <m:jc m:val="centerGroup"/>
+                      </m:oMathParaPr>
+                      <m:oMath xmlns:m="http://schemas.openxmlformats.org/officeDocument/2006/math">
+                        <m:r>
+                          <a:rPr lang="zh-CN" altLang="el-GR" b="0" i="1" smtClean="0">
+                            <a:latin typeface="Cambria Math" panose="02040503050406030204" pitchFamily="18" charset="0"/>
+                            <a:ea typeface="Cambria Math" panose="02040503050406030204" pitchFamily="18" charset="0"/>
+                          </a:rPr>
+                          <m:t>𝜓</m:t>
+                        </m:r>
+                      </m:oMath>
+                    </m:oMathPara>
+                  </a14:m>
+                  <a:endParaRPr lang="zh-CN" altLang="en-US" i="1" dirty="0"/>
+                </a:p>
+              </p:txBody>
+            </p:sp>
+          </mc:Choice>
+          <mc:Fallback>
+            <p:sp>
+              <p:nvSpPr>
+                <p:cNvPr id="88" name="文本框 87"/>
+                <p:cNvSpPr txBox="1">
+                  <a:spLocks noRot="1" noChangeAspect="1" noMove="1" noResize="1" noEditPoints="1" noAdjustHandles="1" noChangeArrowheads="1" noChangeShapeType="1" noTextEdit="1"/>
+                </p:cNvSpPr>
+                <p:nvPr/>
+              </p:nvSpPr>
+              <p:spPr>
+                <a:xfrm>
+                  <a:off x="9192165" y="2657581"/>
+                  <a:ext cx="388292" cy="369332"/>
+                </a:xfrm>
+                <a:prstGeom prst="rect">
+                  <a:avLst/>
+                </a:prstGeom>
+                <a:blipFill rotWithShape="0">
+                  <a:blip r:embed="rId12"/>
+                  <a:stretch>
+                    <a:fillRect l="-1613" b="-23636"/>
+                  </a:stretch>
+                </a:blipFill>
+              </p:spPr>
+              <p:txBody>
+                <a:bodyPr/>
+                <a:lstStyle/>
+                <a:p>
+                  <a:r>
+                    <a:rPr lang="zh-CN" altLang="en-US">
+                      <a:noFill/>
+                    </a:rPr>
+                    <a:t> </a:t>
+                  </a:r>
+                </a:p>
+              </p:txBody>
+            </p:sp>
+          </mc:Fallback>
+        </mc:AlternateContent>
+        <p:sp>
+          <p:nvSpPr>
+            <p:cNvPr id="90" name="弧形 89"/>
+            <p:cNvSpPr/>
+            <p:nvPr/>
+          </p:nvSpPr>
+          <p:spPr>
+            <a:xfrm rot="11541442">
+              <a:off x="8496060" y="2583707"/>
+              <a:ext cx="620852" cy="176408"/>
+            </a:xfrm>
+            <a:prstGeom prst="arc">
+              <a:avLst/>
+            </a:prstGeom>
+          </p:spPr>
+          <p:style>
+            <a:lnRef idx="1">
+              <a:schemeClr val="dk1"/>
+            </a:lnRef>
+            <a:fillRef idx="0">
+              <a:schemeClr val="dk1"/>
+            </a:fillRef>
+            <a:effectRef idx="0">
+              <a:schemeClr val="dk1"/>
+            </a:effectRef>
+            <a:fontRef idx="minor">
+              <a:schemeClr val="tx1"/>
+            </a:fontRef>
+          </p:style>
+          <p:txBody>
+            <a:bodyPr rtlCol="0" anchor="ctr"/>
+            <a:lstStyle/>
+            <a:p>
+              <a:pPr algn="ctr"/>
+              <a:endParaRPr lang="zh-CN" altLang="en-US"/>
+            </a:p>
+          </p:txBody>
+        </p:sp>
+        <p:sp>
+          <p:nvSpPr>
+            <p:cNvPr id="91" name="弧形 90"/>
+            <p:cNvSpPr/>
+            <p:nvPr/>
+          </p:nvSpPr>
+          <p:spPr>
+            <a:xfrm rot="7685150">
+              <a:off x="9047686" y="2437562"/>
+              <a:ext cx="620852" cy="176408"/>
+            </a:xfrm>
+            <a:prstGeom prst="arc">
+              <a:avLst/>
+            </a:prstGeom>
+          </p:spPr>
+          <p:style>
+            <a:lnRef idx="1">
+              <a:schemeClr val="dk1"/>
+            </a:lnRef>
+            <a:fillRef idx="0">
+              <a:schemeClr val="dk1"/>
+            </a:fillRef>
+            <a:effectRef idx="0">
+              <a:schemeClr val="dk1"/>
+            </a:effectRef>
+            <a:fontRef idx="minor">
+              <a:schemeClr val="tx1"/>
+            </a:fontRef>
+          </p:style>
+          <p:txBody>
+            <a:bodyPr rtlCol="0" anchor="ctr"/>
+            <a:lstStyle/>
+            <a:p>
+              <a:pPr algn="ctr"/>
+              <a:endParaRPr lang="zh-CN" altLang="en-US"/>
+            </a:p>
+          </p:txBody>
+        </p:sp>
+        <mc:AlternateContent xmlns:mc="http://schemas.openxmlformats.org/markup-compatibility/2006">
+          <mc:Choice xmlns:a14="http://schemas.microsoft.com/office/drawing/2010/main" Requires="a14">
+            <p:sp>
+              <p:nvSpPr>
+                <p:cNvPr id="92" name="文本框 91"/>
+                <p:cNvSpPr txBox="1"/>
+                <p:nvPr/>
+              </p:nvSpPr>
+              <p:spPr>
+                <a:xfrm>
+                  <a:off x="9938019" y="2449247"/>
+                  <a:ext cx="1063766" cy="369332"/>
+                </a:xfrm>
+                <a:prstGeom prst="rect">
+                  <a:avLst/>
+                </a:prstGeom>
+                <a:noFill/>
+              </p:spPr>
+              <p:txBody>
+                <a:bodyPr wrap="square" rtlCol="0">
+                  <a:spAutoFit/>
+                </a:bodyPr>
+                <a:lstStyle/>
+                <a:p>
+                  <a14:m>
+                    <m:oMath xmlns:m="http://schemas.openxmlformats.org/officeDocument/2006/math">
+                      <m:sSub>
+                        <m:sSubPr>
+                          <m:ctrlPr>
+                            <a:rPr lang="en-US" altLang="zh-CN" i="1" smtClean="0">
+                              <a:latin typeface="Cambria Math" panose="02040503050406030204" pitchFamily="18" charset="0"/>
+                            </a:rPr>
+                          </m:ctrlPr>
+                        </m:sSubPr>
+                        <m:e>
+                          <m:r>
+                            <a:rPr lang="en-US" altLang="zh-CN" b="0" i="1" smtClean="0">
+                              <a:latin typeface="Cambria Math" panose="02040503050406030204" pitchFamily="18" charset="0"/>
+                            </a:rPr>
+                            <m:t>𝑛</m:t>
+                          </m:r>
+                        </m:e>
+                        <m:sub>
+                          <m:r>
+                            <a:rPr lang="en-US" altLang="zh-CN" b="0" i="1" smtClean="0">
+                              <a:latin typeface="Cambria Math" panose="02040503050406030204" pitchFamily="18" charset="0"/>
+                            </a:rPr>
+                            <m:t>0</m:t>
+                          </m:r>
+                        </m:sub>
+                      </m:sSub>
+                    </m:oMath>
+                  </a14:m>
+                  <a:r>
+                    <a:rPr lang="en-US" altLang="zh-CN" dirty="0" smtClean="0"/>
+                    <a:t>=1</a:t>
+                  </a:r>
+                  <a:endParaRPr lang="zh-CN" altLang="en-US" dirty="0"/>
+                </a:p>
+              </p:txBody>
+            </p:sp>
+          </mc:Choice>
+          <mc:Fallback>
+            <p:sp>
+              <p:nvSpPr>
+                <p:cNvPr id="92" name="文本框 91"/>
+                <p:cNvSpPr txBox="1">
+                  <a:spLocks noRot="1" noChangeAspect="1" noMove="1" noResize="1" noEditPoints="1" noAdjustHandles="1" noChangeArrowheads="1" noChangeShapeType="1" noTextEdit="1"/>
+                </p:cNvSpPr>
+                <p:nvPr/>
+              </p:nvSpPr>
+              <p:spPr>
+                <a:xfrm>
+                  <a:off x="9938019" y="2449247"/>
+                  <a:ext cx="1063766" cy="369332"/>
+                </a:xfrm>
+                <a:prstGeom prst="rect">
+                  <a:avLst/>
+                </a:prstGeom>
+                <a:blipFill rotWithShape="0">
+                  <a:blip r:embed="rId13"/>
+                  <a:stretch>
+                    <a:fillRect t="-8929" b="-35714"/>
+                  </a:stretch>
+                </a:blipFill>
+              </p:spPr>
+              <p:txBody>
+                <a:bodyPr/>
+                <a:lstStyle/>
+                <a:p>
+                  <a:r>
+                    <a:rPr lang="zh-CN" altLang="en-US">
+                      <a:noFill/>
+                    </a:rPr>
+                    <a:t> </a:t>
+                  </a:r>
+                </a:p>
+              </p:txBody>
+            </p:sp>
+          </mc:Fallback>
+        </mc:AlternateContent>
+        <mc:AlternateContent xmlns:mc="http://schemas.openxmlformats.org/markup-compatibility/2006">
+          <mc:Choice xmlns:a14="http://schemas.microsoft.com/office/drawing/2010/main" Requires="a14">
+            <p:sp>
+              <p:nvSpPr>
+                <p:cNvPr id="93" name="文本框 92"/>
+                <p:cNvSpPr txBox="1"/>
+                <p:nvPr/>
+              </p:nvSpPr>
+              <p:spPr>
+                <a:xfrm>
+                  <a:off x="9660072" y="2003159"/>
+                  <a:ext cx="1063766" cy="369332"/>
+                </a:xfrm>
+                <a:prstGeom prst="rect">
+                  <a:avLst/>
+                </a:prstGeom>
+                <a:noFill/>
+              </p:spPr>
+              <p:txBody>
+                <a:bodyPr wrap="square" rtlCol="0">
+                  <a:spAutoFit/>
+                </a:bodyPr>
+                <a:lstStyle/>
+                <a:p>
+                  <a14:m>
+                    <m:oMathPara xmlns:m="http://schemas.openxmlformats.org/officeDocument/2006/math">
+                      <m:oMathParaPr>
+                        <m:jc m:val="centerGroup"/>
+                      </m:oMathParaPr>
+                      <m:oMath xmlns:m="http://schemas.openxmlformats.org/officeDocument/2006/math">
+                        <m:sSub>
+                          <m:sSubPr>
+                            <m:ctrlPr>
+                              <a:rPr lang="en-US" altLang="zh-CN" i="1" smtClean="0">
+                                <a:latin typeface="Cambria Math" panose="02040503050406030204" pitchFamily="18" charset="0"/>
+                              </a:rPr>
+                            </m:ctrlPr>
+                          </m:sSubPr>
+                          <m:e>
+                            <m:r>
+                              <a:rPr lang="en-US" altLang="zh-CN" b="0" i="1" smtClean="0">
+                                <a:latin typeface="Cambria Math" panose="02040503050406030204" pitchFamily="18" charset="0"/>
+                              </a:rPr>
+                              <m:t>𝑛</m:t>
+                            </m:r>
+                          </m:e>
+                          <m:sub>
+                            <m:r>
+                              <a:rPr lang="en-US" altLang="zh-CN" b="0" i="1" smtClean="0">
+                                <a:latin typeface="Cambria Math" panose="02040503050406030204" pitchFamily="18" charset="0"/>
+                              </a:rPr>
+                              <m:t>𝐹</m:t>
+                            </m:r>
+                          </m:sub>
+                        </m:sSub>
+                      </m:oMath>
+                    </m:oMathPara>
+                  </a14:m>
+                  <a:endParaRPr lang="zh-CN" altLang="en-US" dirty="0"/>
+                </a:p>
+              </p:txBody>
+            </p:sp>
+          </mc:Choice>
+          <mc:Fallback>
+            <p:sp>
+              <p:nvSpPr>
+                <p:cNvPr id="93" name="文本框 92"/>
+                <p:cNvSpPr txBox="1">
+                  <a:spLocks noRot="1" noChangeAspect="1" noMove="1" noResize="1" noEditPoints="1" noAdjustHandles="1" noChangeArrowheads="1" noChangeShapeType="1" noTextEdit="1"/>
+                </p:cNvSpPr>
+                <p:nvPr/>
+              </p:nvSpPr>
+              <p:spPr>
+                <a:xfrm>
+                  <a:off x="9660072" y="2003159"/>
+                  <a:ext cx="1063766" cy="369332"/>
+                </a:xfrm>
+                <a:prstGeom prst="rect">
+                  <a:avLst/>
+                </a:prstGeom>
+                <a:blipFill rotWithShape="0">
+                  <a:blip r:embed="rId14"/>
+                  <a:stretch>
+                    <a:fillRect b="-9091"/>
+                  </a:stretch>
+                </a:blipFill>
+              </p:spPr>
+              <p:txBody>
+                <a:bodyPr/>
+                <a:lstStyle/>
+                <a:p>
+                  <a:r>
+                    <a:rPr lang="zh-CN" altLang="en-US">
+                      <a:noFill/>
+                    </a:rPr>
+                    <a:t> </a:t>
+                  </a:r>
+                </a:p>
+              </p:txBody>
+            </p:sp>
+          </mc:Fallback>
+        </mc:AlternateContent>
+      </p:grpSp>
+    </p:spTree>
+    <p:extLst>
+      <p:ext uri="{BB962C8B-B14F-4D97-AF65-F5344CB8AC3E}">
+        <p14:creationId xmlns:p14="http://schemas.microsoft.com/office/powerpoint/2010/main" val="2900774599"/>
+      </p:ext>
+    </p:extLst>
+  </p:cSld>
+  <p:clrMapOvr>
+    <a:masterClrMapping/>
+  </p:clrMapOvr>
+  <p:timing>
+    <p:tnLst>
+      <p:par>
+        <p:cTn id="1" dur="indefinite" restart="never" nodeType="tmRoot"/>
+      </p:par>
+    </p:tnLst>
+  </p:timing>
+</p:sld>
+</file>
+
+<file path=ppt/slides/slide19.xml><?xml version="1.0" encoding="utf-8"?>
+<p:sld xmlns:a="http://schemas.openxmlformats.org/drawingml/2006/main" xmlns:r="http://schemas.openxmlformats.org/officeDocument/2006/relationships" xmlns:p="http://schemas.openxmlformats.org/presentationml/2006/main">
+  <p:cSld>
+    <p:spTree>
+      <p:nvGrpSpPr>
+        <p:cNvPr id="1" name=""/>
+        <p:cNvGrpSpPr/>
+        <p:nvPr/>
+      </p:nvGrpSpPr>
+      <p:grpSpPr>
+        <a:xfrm>
+          <a:off x="0" y="0"/>
+          <a:ext cx="0" cy="0"/>
+          <a:chOff x="0" y="0"/>
+          <a:chExt cx="0" cy="0"/>
+        </a:xfrm>
+      </p:grpSpPr>
+      <p:pic>
+        <p:nvPicPr>
+          <p:cNvPr id="3" name="图片 2"/>
+          <p:cNvPicPr/>
+          <p:nvPr/>
+        </p:nvPicPr>
+        <p:blipFill>
+          <a:blip r:embed="rId2"/>
+          <a:srcRect/>
+          <a:stretch>
+            <a:fillRect/>
+          </a:stretch>
+        </p:blipFill>
+        <p:spPr bwMode="auto">
+          <a:xfrm>
+            <a:off x="4296092" y="2709862"/>
+            <a:ext cx="3599815" cy="1438275"/>
+          </a:xfrm>
+          <a:prstGeom prst="rect">
+            <a:avLst/>
+          </a:prstGeom>
+          <a:noFill/>
+        </p:spPr>
+      </p:pic>
+    </p:spTree>
+    <p:extLst>
+      <p:ext uri="{BB962C8B-B14F-4D97-AF65-F5344CB8AC3E}">
+        <p14:creationId xmlns:p14="http://schemas.microsoft.com/office/powerpoint/2010/main" val="3692548599"/>
+      </p:ext>
+    </p:extLst>
+  </p:cSld>
+  <p:clrMapOvr>
+    <a:masterClrMapping/>
+  </p:clrMapOvr>
+  <p:timing>
+    <p:tnLst>
+      <p:par>
+        <p:cTn id="1" dur="indefinite" restart="never" nodeType="tmRoot"/>
+      </p:par>
+    </p:tnLst>
+  </p:timing>
+</p:sld>
+</file>
+
+<file path=ppt/slides/slide2.xml><?xml version="1.0" encoding="utf-8"?>
+<p:sld xmlns:a="http://schemas.openxmlformats.org/drawingml/2006/main" xmlns:r="http://schemas.openxmlformats.org/officeDocument/2006/relationships" xmlns:p="http://schemas.openxmlformats.org/presentationml/2006/main">
+  <p:cSld>
+    <p:spTree>
+      <p:nvGrpSpPr>
+        <p:cNvPr id="1" name=""/>
+        <p:cNvGrpSpPr/>
+        <p:nvPr/>
+      </p:nvGrpSpPr>
+      <p:grpSpPr>
+        <a:xfrm>
+          <a:off x="0" y="0"/>
+          <a:ext cx="0" cy="0"/>
+          <a:chOff x="0" y="0"/>
+          <a:chExt cx="0" cy="0"/>
+        </a:xfrm>
+      </p:grpSpPr>
+      <p:sp>
+        <p:nvSpPr>
+          <p:cNvPr id="2" name="标题 1"/>
+          <p:cNvSpPr>
+            <a:spLocks noGrp="1"/>
+          </p:cNvSpPr>
+          <p:nvPr>
+            <p:ph type="ctrTitle"/>
+          </p:nvPr>
+        </p:nvSpPr>
+        <p:spPr/>
+        <p:txBody>
+          <a:bodyPr/>
+          <a:lstStyle/>
+          <a:p>
+            <a:endParaRPr lang="zh-CN" altLang="en-US" dirty="0"/>
+          </a:p>
+        </p:txBody>
+      </p:sp>
+      <p:sp>
+        <p:nvSpPr>
+          <p:cNvPr id="3" name="副标题 2"/>
+          <p:cNvSpPr>
+            <a:spLocks noGrp="1"/>
+          </p:cNvSpPr>
+          <p:nvPr>
+            <p:ph type="subTitle" idx="1"/>
+          </p:nvPr>
+        </p:nvSpPr>
+        <p:spPr/>
+        <p:txBody>
+          <a:bodyPr/>
+          <a:lstStyle/>
+          <a:p>
+            <a:endParaRPr lang="zh-CN" altLang="en-US"/>
+          </a:p>
+        </p:txBody>
+      </p:sp>
+      <p:pic>
+        <p:nvPicPr>
+          <p:cNvPr id="4" name="图片 3" descr="C:\Users\Alwee\Desktop\AgVsAgI.emf"/>
+          <p:cNvPicPr>
+            <a:picLocks noChangeAspect="1"/>
+          </p:cNvPicPr>
+          <p:nvPr/>
+        </p:nvPicPr>
+        <p:blipFill>
+          <a:blip r:embed="rId2"/>
+          <a:srcRect/>
+          <a:stretch>
+            <a:fillRect/>
+          </a:stretch>
+        </p:blipFill>
+        <p:spPr bwMode="auto">
+          <a:xfrm>
+            <a:off x="428400" y="1569463"/>
+            <a:ext cx="5400000" cy="4145553"/>
+          </a:xfrm>
+          <a:prstGeom prst="rect">
+            <a:avLst/>
+          </a:prstGeom>
+          <a:noFill/>
+          <a:ln w="9525">
+            <a:noFill/>
+            <a:miter lim="800000"/>
+            <a:headEnd/>
+            <a:tailEnd/>
+          </a:ln>
+        </p:spPr>
+      </p:pic>
+    </p:spTree>
+    <p:extLst>
+      <p:ext uri="{BB962C8B-B14F-4D97-AF65-F5344CB8AC3E}">
+        <p14:creationId xmlns:p14="http://schemas.microsoft.com/office/powerpoint/2010/main" val="3393202541"/>
+      </p:ext>
+    </p:extLst>
+  </p:cSld>
+  <p:clrMapOvr>
+    <a:masterClrMapping/>
+  </p:clrMapOvr>
+  <p:timing>
+    <p:tnLst>
+      <p:par>
+        <p:cTn id="1" dur="indefinite" restart="never" nodeType="tmRoot"/>
+      </p:par>
+    </p:tnLst>
+  </p:timing>
+</p:sld>
+</file>
+
+<file path=ppt/slides/slide20.xml><?xml version="1.0" encoding="utf-8"?>
+<p:sld xmlns:a="http://schemas.openxmlformats.org/drawingml/2006/main" xmlns:r="http://schemas.openxmlformats.org/officeDocument/2006/relationships" xmlns:p="http://schemas.openxmlformats.org/presentationml/2006/main">
+  <p:cSld>
+    <p:spTree>
+      <p:nvGrpSpPr>
+        <p:cNvPr id="1" name=""/>
+        <p:cNvGrpSpPr/>
+        <p:nvPr/>
+      </p:nvGrpSpPr>
+      <p:grpSpPr>
+        <a:xfrm>
+          <a:off x="0" y="0"/>
+          <a:ext cx="0" cy="0"/>
+          <a:chOff x="0" y="0"/>
+          <a:chExt cx="0" cy="0"/>
+        </a:xfrm>
+      </p:grpSpPr>
+      <p:grpSp>
+        <p:nvGrpSpPr>
+          <p:cNvPr id="27" name="组合 26"/>
+          <p:cNvGrpSpPr/>
+          <p:nvPr/>
+        </p:nvGrpSpPr>
+        <p:grpSpPr>
+          <a:xfrm>
+            <a:off x="2689485" y="2568847"/>
+            <a:ext cx="6803257" cy="1762815"/>
+            <a:chOff x="2689485" y="2568847"/>
+            <a:chExt cx="6803257" cy="1762815"/>
+          </a:xfrm>
+        </p:grpSpPr>
+        <p:pic>
+          <p:nvPicPr>
+            <p:cNvPr id="2" name="图片 1"/>
+            <p:cNvPicPr>
+              <a:picLocks noChangeAspect="1"/>
+            </p:cNvPicPr>
+            <p:nvPr/>
+          </p:nvPicPr>
+          <p:blipFill>
+            <a:blip r:embed="rId2">
+              <a:extLst>
+                <a:ext uri="{28A0092B-C50C-407E-A947-70E740481C1C}">
+                  <a14:useLocalDpi xmlns:a14="http://schemas.microsoft.com/office/drawing/2010/main" val="0"/>
+                </a:ext>
+              </a:extLst>
+            </a:blip>
+            <a:srcRect/>
+            <a:stretch>
+              <a:fillRect/>
+            </a:stretch>
+          </p:blipFill>
+          <p:spPr bwMode="auto">
+            <a:xfrm>
+              <a:off x="5748742" y="2568847"/>
+              <a:ext cx="3744000" cy="1760058"/>
+            </a:xfrm>
+            <a:prstGeom prst="rect">
+              <a:avLst/>
+            </a:prstGeom>
+            <a:noFill/>
+          </p:spPr>
+        </p:pic>
+        <p:grpSp>
+          <p:nvGrpSpPr>
+            <p:cNvPr id="4" name="组合 3"/>
+            <p:cNvGrpSpPr>
+              <a:grpSpLocks noChangeAspect="1"/>
+            </p:cNvGrpSpPr>
+            <p:nvPr/>
+          </p:nvGrpSpPr>
+          <p:grpSpPr>
+            <a:xfrm>
+              <a:off x="2689485" y="2731183"/>
+              <a:ext cx="3240000" cy="1465904"/>
+              <a:chOff x="7011841" y="1523697"/>
+              <a:chExt cx="3989944" cy="1908993"/>
+            </a:xfrm>
+          </p:grpSpPr>
+          <p:cxnSp>
+            <p:nvCxnSpPr>
+              <p:cNvPr id="5" name="直接连接符 4"/>
+              <p:cNvCxnSpPr/>
+              <p:nvPr/>
+            </p:nvCxnSpPr>
+            <p:spPr>
+              <a:xfrm>
+                <a:off x="7226300" y="1974359"/>
+                <a:ext cx="3416300" cy="0"/>
+              </a:xfrm>
+              <a:prstGeom prst="line">
+                <a:avLst/>
+              </a:prstGeom>
+            </p:spPr>
+            <p:style>
+              <a:lnRef idx="1">
+                <a:schemeClr val="dk1"/>
+              </a:lnRef>
+              <a:fillRef idx="0">
+                <a:schemeClr val="dk1"/>
+              </a:fillRef>
+              <a:effectRef idx="0">
+                <a:schemeClr val="dk1"/>
+              </a:effectRef>
+              <a:fontRef idx="minor">
+                <a:schemeClr val="tx1"/>
+              </a:fontRef>
+            </p:style>
+          </p:cxnSp>
+          <p:cxnSp>
+            <p:nvCxnSpPr>
+              <p:cNvPr id="6" name="直接连接符 5"/>
+              <p:cNvCxnSpPr/>
+              <p:nvPr/>
+            </p:nvCxnSpPr>
+            <p:spPr>
+              <a:xfrm>
+                <a:off x="7226300" y="2396469"/>
+                <a:ext cx="3416300" cy="0"/>
+              </a:xfrm>
+              <a:prstGeom prst="line">
+                <a:avLst/>
+              </a:prstGeom>
+            </p:spPr>
+            <p:style>
+              <a:lnRef idx="1">
+                <a:schemeClr val="dk1"/>
+              </a:lnRef>
+              <a:fillRef idx="0">
+                <a:schemeClr val="dk1"/>
+              </a:fillRef>
+              <a:effectRef idx="0">
+                <a:schemeClr val="dk1"/>
+              </a:effectRef>
+              <a:fontRef idx="minor">
+                <a:schemeClr val="tx1"/>
+              </a:fontRef>
+            </p:style>
+          </p:cxnSp>
+          <mc:AlternateContent xmlns:mc="http://schemas.openxmlformats.org/markup-compatibility/2006">
+            <mc:Choice xmlns:a14="http://schemas.microsoft.com/office/drawing/2010/main" Requires="a14">
+              <p:sp>
+                <p:nvSpPr>
+                  <p:cNvPr id="7" name="文本框 6"/>
+                  <p:cNvSpPr txBox="1"/>
+                  <p:nvPr/>
+                </p:nvSpPr>
+                <p:spPr>
+                  <a:xfrm>
+                    <a:off x="7029427" y="2015727"/>
+                    <a:ext cx="1063766" cy="369332"/>
+                  </a:xfrm>
+                  <a:prstGeom prst="rect">
+                    <a:avLst/>
+                  </a:prstGeom>
+                  <a:noFill/>
+                </p:spPr>
+                <p:txBody>
+                  <a:bodyPr wrap="square" rtlCol="0">
+                    <a:spAutoFit/>
+                  </a:bodyPr>
+                  <a:lstStyle/>
+                  <a:p>
+                    <a14:m>
+                      <m:oMathPara xmlns:m="http://schemas.openxmlformats.org/officeDocument/2006/math">
+                        <m:oMathParaPr>
+                          <m:jc m:val="centerGroup"/>
+                        </m:oMathParaPr>
+                        <m:oMath xmlns:m="http://schemas.openxmlformats.org/officeDocument/2006/math">
+                          <m:r>
+                            <a:rPr lang="zh-CN" altLang="en-US" i="1" smtClean="0">
+                              <a:latin typeface="Cambria Math" panose="02040503050406030204" pitchFamily="18" charset="0"/>
+                            </a:rPr>
+                            <m:t>膜</m:t>
+                          </m:r>
+                        </m:oMath>
+                      </m:oMathPara>
+                    </a14:m>
+                    <a:endParaRPr lang="zh-CN" altLang="en-US" dirty="0"/>
+                  </a:p>
+                </p:txBody>
+              </p:sp>
+            </mc:Choice>
+            <mc:Fallback>
+              <p:sp>
+                <p:nvSpPr>
+                  <p:cNvPr id="7" name="文本框 6"/>
+                  <p:cNvSpPr txBox="1">
+                    <a:spLocks noRot="1" noChangeAspect="1" noMove="1" noResize="1" noEditPoints="1" noAdjustHandles="1" noChangeArrowheads="1" noChangeShapeType="1" noTextEdit="1"/>
+                  </p:cNvSpPr>
+                  <p:nvPr/>
+                </p:nvSpPr>
+                <p:spPr>
+                  <a:xfrm>
+                    <a:off x="7029427" y="2015727"/>
+                    <a:ext cx="1063766" cy="369332"/>
+                  </a:xfrm>
+                  <a:prstGeom prst="rect">
+                    <a:avLst/>
+                  </a:prstGeom>
+                  <a:blipFill rotWithShape="0">
+                    <a:blip r:embed="rId3"/>
+                    <a:stretch>
+                      <a:fillRect b="-38298"/>
+                    </a:stretch>
+                  </a:blipFill>
+                </p:spPr>
+                <p:txBody>
+                  <a:bodyPr/>
+                  <a:lstStyle/>
+                  <a:p>
+                    <a:r>
+                      <a:rPr lang="zh-CN" altLang="en-US">
+                        <a:noFill/>
+                      </a:rPr>
+                      <a:t> </a:t>
+                    </a:r>
+                  </a:p>
+                </p:txBody>
+              </p:sp>
+            </mc:Fallback>
+          </mc:AlternateContent>
+          <mc:AlternateContent xmlns:mc="http://schemas.openxmlformats.org/markup-compatibility/2006">
+            <mc:Choice xmlns:a14="http://schemas.microsoft.com/office/drawing/2010/main" Requires="a14">
+              <p:sp>
+                <p:nvSpPr>
+                  <p:cNvPr id="8" name="文本框 7"/>
+                  <p:cNvSpPr txBox="1"/>
+                  <p:nvPr/>
+                </p:nvSpPr>
+                <p:spPr>
+                  <a:xfrm>
+                    <a:off x="7029427" y="2519636"/>
+                    <a:ext cx="1063766" cy="369332"/>
+                  </a:xfrm>
+                  <a:prstGeom prst="rect">
+                    <a:avLst/>
+                  </a:prstGeom>
+                  <a:noFill/>
+                </p:spPr>
+                <p:txBody>
+                  <a:bodyPr wrap="square" rtlCol="0">
+                    <a:spAutoFit/>
+                  </a:bodyPr>
+                  <a:lstStyle/>
+                  <a:p>
+                    <a14:m>
+                      <m:oMathPara xmlns:m="http://schemas.openxmlformats.org/officeDocument/2006/math">
+                        <m:oMathParaPr>
+                          <m:jc m:val="centerGroup"/>
+                        </m:oMathParaPr>
+                        <m:oMath xmlns:m="http://schemas.openxmlformats.org/officeDocument/2006/math">
+                          <m:r>
+                            <a:rPr lang="zh-CN" altLang="en-US" i="1">
+                              <a:latin typeface="Cambria Math" panose="02040503050406030204" pitchFamily="18" charset="0"/>
+                            </a:rPr>
+                            <m:t>空气</m:t>
+                          </m:r>
+                        </m:oMath>
+                      </m:oMathPara>
+                    </a14:m>
+                    <a:endParaRPr lang="zh-CN" altLang="en-US" dirty="0"/>
+                  </a:p>
+                </p:txBody>
+              </p:sp>
+            </mc:Choice>
+            <mc:Fallback>
+              <p:sp>
+                <p:nvSpPr>
+                  <p:cNvPr id="8" name="文本框 7"/>
+                  <p:cNvSpPr txBox="1">
+                    <a:spLocks noRot="1" noChangeAspect="1" noMove="1" noResize="1" noEditPoints="1" noAdjustHandles="1" noChangeArrowheads="1" noChangeShapeType="1" noTextEdit="1"/>
+                  </p:cNvSpPr>
+                  <p:nvPr/>
+                </p:nvSpPr>
+                <p:spPr>
+                  <a:xfrm>
+                    <a:off x="7029427" y="2519636"/>
+                    <a:ext cx="1063766" cy="369332"/>
+                  </a:xfrm>
+                  <a:prstGeom prst="rect">
+                    <a:avLst/>
+                  </a:prstGeom>
+                  <a:blipFill rotWithShape="0">
+                    <a:blip r:embed="rId4"/>
+                    <a:stretch>
+                      <a:fillRect b="-38298"/>
+                    </a:stretch>
+                  </a:blipFill>
+                </p:spPr>
+                <p:txBody>
+                  <a:bodyPr/>
+                  <a:lstStyle/>
+                  <a:p>
+                    <a:r>
+                      <a:rPr lang="zh-CN" altLang="en-US">
+                        <a:noFill/>
+                      </a:rPr>
+                      <a:t> </a:t>
+                    </a:r>
+                  </a:p>
+                </p:txBody>
+              </p:sp>
+            </mc:Fallback>
+          </mc:AlternateContent>
+          <p:sp>
+            <p:nvSpPr>
+              <p:cNvPr id="9" name="矩形 8"/>
+              <p:cNvSpPr/>
+              <p:nvPr/>
+            </p:nvSpPr>
+            <p:spPr>
+              <a:xfrm>
+                <a:off x="7226300" y="1881149"/>
+                <a:ext cx="3416300" cy="88661"/>
+              </a:xfrm>
+              <a:prstGeom prst="rect">
+                <a:avLst/>
+              </a:prstGeom>
+              <a:pattFill prst="wdUpDiag">
+                <a:fgClr>
+                  <a:schemeClr val="tx1"/>
+                </a:fgClr>
+                <a:bgClr>
+                  <a:schemeClr val="bg1"/>
+                </a:bgClr>
+              </a:pattFill>
+              <a:ln>
+                <a:noFill/>
+              </a:ln>
+            </p:spPr>
+            <p:style>
+              <a:lnRef idx="2">
+                <a:schemeClr val="accent1">
+                  <a:shade val="50000"/>
+                </a:schemeClr>
+              </a:lnRef>
+              <a:fillRef idx="1">
+                <a:schemeClr val="accent1"/>
+              </a:fillRef>
+              <a:effectRef idx="0">
+                <a:schemeClr val="accent1"/>
+              </a:effectRef>
+              <a:fontRef idx="minor">
+                <a:schemeClr val="lt1"/>
+              </a:fontRef>
+            </p:style>
+            <p:txBody>
+              <a:bodyPr rtlCol="0" anchor="ctr"/>
+              <a:lstStyle/>
+              <a:p>
+                <a:pPr algn="ctr"/>
+                <a:endParaRPr lang="zh-CN" altLang="en-US"/>
+              </a:p>
+            </p:txBody>
+          </p:sp>
+          <mc:AlternateContent xmlns:mc="http://schemas.openxmlformats.org/markup-compatibility/2006">
+            <mc:Choice xmlns:a14="http://schemas.microsoft.com/office/drawing/2010/main" Requires="a14">
+              <p:sp>
+                <p:nvSpPr>
+                  <p:cNvPr id="10" name="文本框 9"/>
+                  <p:cNvSpPr txBox="1">
+                    <a:spLocks noChangeAspect="1"/>
+                  </p:cNvSpPr>
+                  <p:nvPr/>
+                </p:nvSpPr>
+                <p:spPr>
+                  <a:xfrm>
+                    <a:off x="7011841" y="1523697"/>
+                    <a:ext cx="1063767" cy="369332"/>
+                  </a:xfrm>
+                  <a:prstGeom prst="rect">
+                    <a:avLst/>
+                  </a:prstGeom>
+                  <a:noFill/>
+                </p:spPr>
+                <p:txBody>
+                  <a:bodyPr wrap="square" rtlCol="0">
+                    <a:spAutoFit/>
+                  </a:bodyPr>
+                  <a:lstStyle/>
+                  <a:p>
+                    <a14:m>
+                      <m:oMathPara xmlns:m="http://schemas.openxmlformats.org/officeDocument/2006/math">
+                        <m:oMathParaPr>
+                          <m:jc m:val="centerGroup"/>
+                        </m:oMathParaPr>
+                        <m:oMath xmlns:m="http://schemas.openxmlformats.org/officeDocument/2006/math">
+                          <m:r>
+                            <a:rPr lang="zh-CN" altLang="en-US" i="1" smtClean="0">
+                              <a:latin typeface="Cambria Math" panose="02040503050406030204" pitchFamily="18" charset="0"/>
+                            </a:rPr>
+                            <m:t>波导</m:t>
+                          </m:r>
+                        </m:oMath>
+                      </m:oMathPara>
+                    </a14:m>
+                    <a:endParaRPr lang="zh-CN" altLang="en-US" dirty="0"/>
+                  </a:p>
+                </p:txBody>
+              </p:sp>
+            </mc:Choice>
+            <mc:Fallback>
+              <p:sp>
+                <p:nvSpPr>
+                  <p:cNvPr id="10" name="文本框 9"/>
+                  <p:cNvSpPr txBox="1">
+                    <a:spLocks noRot="1" noChangeAspect="1" noMove="1" noResize="1" noEditPoints="1" noAdjustHandles="1" noChangeArrowheads="1" noChangeShapeType="1" noTextEdit="1"/>
+                  </p:cNvSpPr>
+                  <p:nvPr/>
+                </p:nvSpPr>
+                <p:spPr>
+                  <a:xfrm>
+                    <a:off x="7011841" y="1523697"/>
+                    <a:ext cx="1063767" cy="369332"/>
+                  </a:xfrm>
+                  <a:prstGeom prst="rect">
+                    <a:avLst/>
+                  </a:prstGeom>
+                  <a:blipFill rotWithShape="0">
+                    <a:blip r:embed="rId5"/>
+                    <a:stretch>
+                      <a:fillRect b="-38298"/>
+                    </a:stretch>
+                  </a:blipFill>
+                </p:spPr>
+                <p:txBody>
+                  <a:bodyPr/>
+                  <a:lstStyle/>
+                  <a:p>
+                    <a:r>
+                      <a:rPr lang="zh-CN" altLang="en-US">
+                        <a:noFill/>
+                      </a:rPr>
+                      <a:t> </a:t>
+                    </a:r>
+                  </a:p>
+                </p:txBody>
+              </p:sp>
+            </mc:Fallback>
+          </mc:AlternateContent>
+          <p:cxnSp>
+            <p:nvCxnSpPr>
+              <p:cNvPr id="11" name="直接箭头连接符 10"/>
+              <p:cNvCxnSpPr/>
+              <p:nvPr/>
+            </p:nvCxnSpPr>
+            <p:spPr>
+              <a:xfrm flipV="1">
+                <a:off x="7302500" y="2383770"/>
+                <a:ext cx="1498600" cy="983298"/>
+              </a:xfrm>
+              <a:prstGeom prst="straightConnector1">
+                <a:avLst/>
+              </a:prstGeom>
+              <a:ln>
+                <a:tailEnd type="triangle"/>
+              </a:ln>
+            </p:spPr>
+            <p:style>
+              <a:lnRef idx="1">
+                <a:schemeClr val="dk1"/>
+              </a:lnRef>
+              <a:fillRef idx="0">
+                <a:schemeClr val="dk1"/>
+              </a:fillRef>
+              <a:effectRef idx="0">
+                <a:schemeClr val="dk1"/>
+              </a:effectRef>
+              <a:fontRef idx="minor">
+                <a:schemeClr val="tx1"/>
+              </a:fontRef>
+            </p:style>
+          </p:cxnSp>
+          <p:cxnSp>
+            <p:nvCxnSpPr>
+              <p:cNvPr id="12" name="直接箭头连接符 11"/>
+              <p:cNvCxnSpPr/>
+              <p:nvPr/>
+            </p:nvCxnSpPr>
+            <p:spPr>
+              <a:xfrm>
+                <a:off x="9160380" y="2418490"/>
+                <a:ext cx="1393320" cy="1014200"/>
+              </a:xfrm>
+              <a:prstGeom prst="straightConnector1">
+                <a:avLst/>
+              </a:prstGeom>
+              <a:ln>
+                <a:tailEnd type="triangle"/>
+              </a:ln>
+            </p:spPr>
+            <p:style>
+              <a:lnRef idx="1">
+                <a:schemeClr val="dk1"/>
+              </a:lnRef>
+              <a:fillRef idx="0">
+                <a:schemeClr val="dk1"/>
+              </a:fillRef>
+              <a:effectRef idx="0">
+                <a:schemeClr val="dk1"/>
+              </a:effectRef>
+              <a:fontRef idx="minor">
+                <a:schemeClr val="tx1"/>
+              </a:fontRef>
+            </p:style>
+          </p:cxnSp>
+          <p:cxnSp>
+            <p:nvCxnSpPr>
+              <p:cNvPr id="13" name="直接箭头连接符 12"/>
+              <p:cNvCxnSpPr>
+                <a:endCxn id="9" idx="2"/>
+              </p:cNvCxnSpPr>
+              <p:nvPr/>
+            </p:nvCxnSpPr>
+            <p:spPr>
+              <a:xfrm flipV="1">
+                <a:off x="8793179" y="1969810"/>
+                <a:ext cx="141271" cy="415249"/>
+              </a:xfrm>
+              <a:prstGeom prst="straightConnector1">
+                <a:avLst/>
+              </a:prstGeom>
+              <a:ln>
+                <a:tailEnd type="triangle"/>
+              </a:ln>
+            </p:spPr>
+            <p:style>
+              <a:lnRef idx="1">
+                <a:schemeClr val="dk1"/>
+              </a:lnRef>
+              <a:fillRef idx="0">
+                <a:schemeClr val="dk1"/>
+              </a:fillRef>
+              <a:effectRef idx="0">
+                <a:schemeClr val="dk1"/>
+              </a:effectRef>
+              <a:fontRef idx="minor">
+                <a:schemeClr val="tx1"/>
+              </a:fontRef>
+            </p:style>
+          </p:cxnSp>
+          <p:cxnSp>
+            <p:nvCxnSpPr>
+              <p:cNvPr id="14" name="直接箭头连接符 13"/>
+              <p:cNvCxnSpPr>
+                <a:stCxn id="9" idx="2"/>
+              </p:cNvCxnSpPr>
+              <p:nvPr/>
+            </p:nvCxnSpPr>
+            <p:spPr>
+              <a:xfrm>
+                <a:off x="8934450" y="1969810"/>
+                <a:ext cx="225930" cy="467401"/>
+              </a:xfrm>
+              <a:prstGeom prst="straightConnector1">
+                <a:avLst/>
+              </a:prstGeom>
+              <a:ln>
+                <a:tailEnd type="triangle"/>
+              </a:ln>
+            </p:spPr>
+            <p:style>
+              <a:lnRef idx="1">
+                <a:schemeClr val="dk1"/>
+              </a:lnRef>
+              <a:fillRef idx="0">
+                <a:schemeClr val="dk1"/>
+              </a:fillRef>
+              <a:effectRef idx="0">
+                <a:schemeClr val="dk1"/>
+              </a:effectRef>
+              <a:fontRef idx="minor">
+                <a:schemeClr val="tx1"/>
+              </a:fontRef>
+            </p:style>
+          </p:cxnSp>
+          <p:cxnSp>
+            <p:nvCxnSpPr>
+              <p:cNvPr id="15" name="直接连接符 14"/>
+              <p:cNvCxnSpPr/>
+              <p:nvPr/>
+            </p:nvCxnSpPr>
+            <p:spPr>
+              <a:xfrm>
+                <a:off x="8780479" y="2162293"/>
+                <a:ext cx="0" cy="688575"/>
+              </a:xfrm>
+              <a:prstGeom prst="line">
+                <a:avLst/>
+              </a:prstGeom>
+              <a:ln>
+                <a:solidFill>
+                  <a:schemeClr val="tx1"/>
+                </a:solidFill>
+                <a:prstDash val="dash"/>
+              </a:ln>
+            </p:spPr>
+            <p:style>
+              <a:lnRef idx="1">
+                <a:schemeClr val="accent1"/>
+              </a:lnRef>
+              <a:fillRef idx="0">
+                <a:schemeClr val="accent1"/>
+              </a:fillRef>
+              <a:effectRef idx="0">
+                <a:schemeClr val="accent1"/>
+              </a:effectRef>
+              <a:fontRef idx="minor">
+                <a:schemeClr val="tx1"/>
+              </a:fontRef>
+            </p:style>
+          </p:cxnSp>
+          <p:cxnSp>
+            <p:nvCxnSpPr>
+              <p:cNvPr id="16" name="直接连接符 15"/>
+              <p:cNvCxnSpPr/>
+              <p:nvPr/>
+            </p:nvCxnSpPr>
+            <p:spPr>
+              <a:xfrm>
+                <a:off x="9160380" y="2174992"/>
+                <a:ext cx="0" cy="688575"/>
+              </a:xfrm>
+              <a:prstGeom prst="line">
+                <a:avLst/>
+              </a:prstGeom>
+              <a:ln>
+                <a:solidFill>
+                  <a:schemeClr val="tx1"/>
+                </a:solidFill>
+                <a:prstDash val="dash"/>
+              </a:ln>
+            </p:spPr>
+            <p:style>
+              <a:lnRef idx="1">
+                <a:schemeClr val="accent1"/>
+              </a:lnRef>
+              <a:fillRef idx="0">
+                <a:schemeClr val="accent1"/>
+              </a:fillRef>
+              <a:effectRef idx="0">
+                <a:schemeClr val="accent1"/>
+              </a:effectRef>
+              <a:fontRef idx="minor">
+                <a:schemeClr val="tx1"/>
+              </a:fontRef>
+            </p:style>
+          </p:cxnSp>
+          <mc:AlternateContent xmlns:mc="http://schemas.openxmlformats.org/markup-compatibility/2006">
+            <mc:Choice xmlns:a14="http://schemas.microsoft.com/office/drawing/2010/main" Requires="a14">
+              <p:sp>
+                <p:nvSpPr>
+                  <p:cNvPr id="17" name="文本框 16"/>
+                  <p:cNvSpPr txBox="1"/>
+                  <p:nvPr/>
+                </p:nvSpPr>
+                <p:spPr>
+                  <a:xfrm>
+                    <a:off x="8367852" y="2657581"/>
+                    <a:ext cx="388292" cy="369332"/>
+                  </a:xfrm>
+                  <a:prstGeom prst="rect">
+                    <a:avLst/>
+                  </a:prstGeom>
+                  <a:noFill/>
+                </p:spPr>
+                <p:txBody>
+                  <a:bodyPr wrap="square" rtlCol="0">
+                    <a:spAutoFit/>
+                  </a:bodyPr>
+                  <a:lstStyle/>
+                  <a:p>
+                    <a14:m>
+                      <m:oMathPara xmlns:m="http://schemas.openxmlformats.org/officeDocument/2006/math">
+                        <m:oMathParaPr>
+                          <m:jc m:val="centerGroup"/>
+                        </m:oMathParaPr>
+                        <m:oMath xmlns:m="http://schemas.openxmlformats.org/officeDocument/2006/math">
+                          <m:r>
+                            <a:rPr lang="zh-CN" altLang="el-GR" b="0" i="1" smtClean="0">
+                              <a:latin typeface="Cambria Math" panose="02040503050406030204" pitchFamily="18" charset="0"/>
+                              <a:ea typeface="Cambria Math" panose="02040503050406030204" pitchFamily="18" charset="0"/>
+                            </a:rPr>
+                            <m:t>𝜓</m:t>
+                          </m:r>
+                        </m:oMath>
+                      </m:oMathPara>
+                    </a14:m>
+                    <a:endParaRPr lang="zh-CN" altLang="en-US" i="1" dirty="0"/>
+                  </a:p>
+                </p:txBody>
+              </p:sp>
+            </mc:Choice>
+            <mc:Fallback>
+              <p:sp>
+                <p:nvSpPr>
+                  <p:cNvPr id="17" name="文本框 16"/>
+                  <p:cNvSpPr txBox="1">
+                    <a:spLocks noRot="1" noChangeAspect="1" noMove="1" noResize="1" noEditPoints="1" noAdjustHandles="1" noChangeArrowheads="1" noChangeShapeType="1" noTextEdit="1"/>
+                  </p:cNvSpPr>
+                  <p:nvPr/>
+                </p:nvSpPr>
+                <p:spPr>
+                  <a:xfrm>
+                    <a:off x="8367852" y="2657581"/>
+                    <a:ext cx="388292" cy="369332"/>
+                  </a:xfrm>
+                  <a:prstGeom prst="rect">
+                    <a:avLst/>
+                  </a:prstGeom>
+                  <a:blipFill rotWithShape="0">
+                    <a:blip r:embed="rId6"/>
+                    <a:stretch>
+                      <a:fillRect l="-5769" r="-15385" b="-47826"/>
+                    </a:stretch>
+                  </a:blipFill>
+                </p:spPr>
+                <p:txBody>
+                  <a:bodyPr/>
+                  <a:lstStyle/>
+                  <a:p>
+                    <a:r>
+                      <a:rPr lang="zh-CN" altLang="en-US">
+                        <a:noFill/>
+                      </a:rPr>
+                      <a:t> </a:t>
+                    </a:r>
+                  </a:p>
+                </p:txBody>
+              </p:sp>
+            </mc:Fallback>
+          </mc:AlternateContent>
+          <mc:AlternateContent xmlns:mc="http://schemas.openxmlformats.org/markup-compatibility/2006">
+            <mc:Choice xmlns:a14="http://schemas.microsoft.com/office/drawing/2010/main" Requires="a14">
+              <p:sp>
+                <p:nvSpPr>
+                  <p:cNvPr id="18" name="文本框 17"/>
+                  <p:cNvSpPr txBox="1"/>
+                  <p:nvPr/>
+                </p:nvSpPr>
+                <p:spPr>
+                  <a:xfrm>
+                    <a:off x="9192165" y="2657581"/>
+                    <a:ext cx="388292" cy="369332"/>
+                  </a:xfrm>
+                  <a:prstGeom prst="rect">
+                    <a:avLst/>
+                  </a:prstGeom>
+                  <a:noFill/>
+                </p:spPr>
+                <p:txBody>
+                  <a:bodyPr wrap="square" rtlCol="0">
+                    <a:spAutoFit/>
+                  </a:bodyPr>
+                  <a:lstStyle/>
+                  <a:p>
+                    <a14:m>
+                      <m:oMathPara xmlns:m="http://schemas.openxmlformats.org/officeDocument/2006/math">
+                        <m:oMathParaPr>
+                          <m:jc m:val="centerGroup"/>
+                        </m:oMathParaPr>
+                        <m:oMath xmlns:m="http://schemas.openxmlformats.org/officeDocument/2006/math">
+                          <m:r>
+                            <a:rPr lang="zh-CN" altLang="el-GR" b="0" i="1" smtClean="0">
+                              <a:latin typeface="Cambria Math" panose="02040503050406030204" pitchFamily="18" charset="0"/>
+                              <a:ea typeface="Cambria Math" panose="02040503050406030204" pitchFamily="18" charset="0"/>
+                            </a:rPr>
+                            <m:t>𝜓</m:t>
+                          </m:r>
+                        </m:oMath>
+                      </m:oMathPara>
+                    </a14:m>
+                    <a:endParaRPr lang="zh-CN" altLang="en-US" i="1" dirty="0"/>
+                  </a:p>
+                </p:txBody>
+              </p:sp>
+            </mc:Choice>
+            <mc:Fallback>
+              <p:sp>
+                <p:nvSpPr>
+                  <p:cNvPr id="18" name="文本框 17"/>
+                  <p:cNvSpPr txBox="1">
+                    <a:spLocks noRot="1" noChangeAspect="1" noMove="1" noResize="1" noEditPoints="1" noAdjustHandles="1" noChangeArrowheads="1" noChangeShapeType="1" noTextEdit="1"/>
+                  </p:cNvSpPr>
+                  <p:nvPr/>
+                </p:nvSpPr>
+                <p:spPr>
+                  <a:xfrm>
+                    <a:off x="9192165" y="2657581"/>
+                    <a:ext cx="388292" cy="369332"/>
+                  </a:xfrm>
+                  <a:prstGeom prst="rect">
+                    <a:avLst/>
+                  </a:prstGeom>
+                  <a:blipFill rotWithShape="0">
+                    <a:blip r:embed="rId7"/>
+                    <a:stretch>
+                      <a:fillRect l="-5882" r="-17647" b="-47826"/>
+                    </a:stretch>
+                  </a:blipFill>
+                </p:spPr>
+                <p:txBody>
+                  <a:bodyPr/>
+                  <a:lstStyle/>
+                  <a:p>
+                    <a:r>
+                      <a:rPr lang="zh-CN" altLang="en-US">
+                        <a:noFill/>
+                      </a:rPr>
+                      <a:t> </a:t>
+                    </a:r>
+                  </a:p>
+                </p:txBody>
+              </p:sp>
+            </mc:Fallback>
+          </mc:AlternateContent>
+          <p:sp>
+            <p:nvSpPr>
+              <p:cNvPr id="19" name="弧形 18"/>
+              <p:cNvSpPr/>
+              <p:nvPr/>
+            </p:nvSpPr>
+            <p:spPr>
+              <a:xfrm rot="11541442">
+                <a:off x="8496060" y="2583707"/>
+                <a:ext cx="620852" cy="176408"/>
+              </a:xfrm>
+              <a:prstGeom prst="arc">
+                <a:avLst/>
+              </a:prstGeom>
+            </p:spPr>
+            <p:style>
+              <a:lnRef idx="1">
+                <a:schemeClr val="dk1"/>
+              </a:lnRef>
+              <a:fillRef idx="0">
+                <a:schemeClr val="dk1"/>
+              </a:fillRef>
+              <a:effectRef idx="0">
+                <a:schemeClr val="dk1"/>
+              </a:effectRef>
+              <a:fontRef idx="minor">
+                <a:schemeClr val="tx1"/>
+              </a:fontRef>
+            </p:style>
+            <p:txBody>
+              <a:bodyPr rtlCol="0" anchor="ctr"/>
+              <a:lstStyle/>
+              <a:p>
+                <a:pPr algn="ctr"/>
+                <a:endParaRPr lang="zh-CN" altLang="en-US"/>
+              </a:p>
+            </p:txBody>
+          </p:sp>
+          <p:sp>
+            <p:nvSpPr>
+              <p:cNvPr id="20" name="弧形 19"/>
+              <p:cNvSpPr/>
+              <p:nvPr/>
+            </p:nvSpPr>
+            <p:spPr>
+              <a:xfrm rot="7685150">
+                <a:off x="9047686" y="2437562"/>
+                <a:ext cx="620852" cy="176408"/>
+              </a:xfrm>
+              <a:prstGeom prst="arc">
+                <a:avLst/>
+              </a:prstGeom>
+            </p:spPr>
+            <p:style>
+              <a:lnRef idx="1">
+                <a:schemeClr val="dk1"/>
+              </a:lnRef>
+              <a:fillRef idx="0">
+                <a:schemeClr val="dk1"/>
+              </a:fillRef>
+              <a:effectRef idx="0">
+                <a:schemeClr val="dk1"/>
+              </a:effectRef>
+              <a:fontRef idx="minor">
+                <a:schemeClr val="tx1"/>
+              </a:fontRef>
+            </p:style>
+            <p:txBody>
+              <a:bodyPr rtlCol="0" anchor="ctr"/>
+              <a:lstStyle/>
+              <a:p>
+                <a:pPr algn="ctr"/>
+                <a:endParaRPr lang="zh-CN" altLang="en-US"/>
+              </a:p>
+            </p:txBody>
+          </p:sp>
+          <mc:AlternateContent xmlns:mc="http://schemas.openxmlformats.org/markup-compatibility/2006">
+            <mc:Choice xmlns:a14="http://schemas.microsoft.com/office/drawing/2010/main" Requires="a14">
+              <p:sp>
+                <p:nvSpPr>
+                  <p:cNvPr id="21" name="文本框 20"/>
+                  <p:cNvSpPr txBox="1"/>
+                  <p:nvPr/>
+                </p:nvSpPr>
+                <p:spPr>
+                  <a:xfrm>
+                    <a:off x="9938019" y="2449247"/>
+                    <a:ext cx="1063766" cy="369332"/>
+                  </a:xfrm>
+                  <a:prstGeom prst="rect">
+                    <a:avLst/>
+                  </a:prstGeom>
+                  <a:noFill/>
+                </p:spPr>
+                <p:txBody>
+                  <a:bodyPr wrap="square" rtlCol="0">
+                    <a:spAutoFit/>
+                  </a:bodyPr>
+                  <a:lstStyle/>
+                  <a:p>
+                    <a14:m>
+                      <m:oMath xmlns:m="http://schemas.openxmlformats.org/officeDocument/2006/math">
+                        <m:sSub>
+                          <m:sSubPr>
+                            <m:ctrlPr>
+                              <a:rPr lang="en-US" altLang="zh-CN" i="1" smtClean="0">
+                                <a:latin typeface="Cambria Math" panose="02040503050406030204" pitchFamily="18" charset="0"/>
+                              </a:rPr>
+                            </m:ctrlPr>
+                          </m:sSubPr>
+                          <m:e>
+                            <m:r>
+                              <a:rPr lang="en-US" altLang="zh-CN" b="0" i="1" smtClean="0">
+                                <a:latin typeface="Cambria Math" panose="02040503050406030204" pitchFamily="18" charset="0"/>
+                              </a:rPr>
+                              <m:t>𝑛</m:t>
+                            </m:r>
+                          </m:e>
+                          <m:sub>
+                            <m:r>
+                              <a:rPr lang="en-US" altLang="zh-CN" b="0" i="1" smtClean="0">
+                                <a:latin typeface="Cambria Math" panose="02040503050406030204" pitchFamily="18" charset="0"/>
+                              </a:rPr>
+                              <m:t>0</m:t>
+                            </m:r>
+                          </m:sub>
+                        </m:sSub>
+                      </m:oMath>
+                    </a14:m>
+                    <a:r>
+                      <a:rPr lang="en-US" altLang="zh-CN" dirty="0" smtClean="0"/>
+                      <a:t>=1</a:t>
+                    </a:r>
+                    <a:endParaRPr lang="zh-CN" altLang="en-US" dirty="0"/>
+                  </a:p>
+                </p:txBody>
+              </p:sp>
+            </mc:Choice>
+            <mc:Fallback>
+              <p:sp>
+                <p:nvSpPr>
+                  <p:cNvPr id="21" name="文本框 20"/>
+                  <p:cNvSpPr txBox="1">
+                    <a:spLocks noRot="1" noChangeAspect="1" noMove="1" noResize="1" noEditPoints="1" noAdjustHandles="1" noChangeArrowheads="1" noChangeShapeType="1" noTextEdit="1"/>
+                  </p:cNvSpPr>
+                  <p:nvPr/>
+                </p:nvSpPr>
+                <p:spPr>
+                  <a:xfrm>
+                    <a:off x="9938019" y="2449247"/>
+                    <a:ext cx="1063766" cy="369332"/>
+                  </a:xfrm>
+                  <a:prstGeom prst="rect">
+                    <a:avLst/>
+                  </a:prstGeom>
+                  <a:blipFill rotWithShape="0">
+                    <a:blip r:embed="rId8"/>
+                    <a:stretch>
+                      <a:fillRect t="-13043" b="-65217"/>
+                    </a:stretch>
+                  </a:blipFill>
+                </p:spPr>
+                <p:txBody>
+                  <a:bodyPr/>
+                  <a:lstStyle/>
+                  <a:p>
+                    <a:r>
+                      <a:rPr lang="zh-CN" altLang="en-US">
+                        <a:noFill/>
+                      </a:rPr>
+                      <a:t> </a:t>
+                    </a:r>
+                  </a:p>
+                </p:txBody>
+              </p:sp>
+            </mc:Fallback>
+          </mc:AlternateContent>
+          <mc:AlternateContent xmlns:mc="http://schemas.openxmlformats.org/markup-compatibility/2006">
+            <mc:Choice xmlns:a14="http://schemas.microsoft.com/office/drawing/2010/main" Requires="a14">
+              <p:sp>
+                <p:nvSpPr>
+                  <p:cNvPr id="22" name="文本框 21"/>
+                  <p:cNvSpPr txBox="1"/>
+                  <p:nvPr/>
+                </p:nvSpPr>
+                <p:spPr>
+                  <a:xfrm>
+                    <a:off x="9660072" y="2003159"/>
+                    <a:ext cx="1063766" cy="369332"/>
+                  </a:xfrm>
+                  <a:prstGeom prst="rect">
+                    <a:avLst/>
+                  </a:prstGeom>
+                  <a:noFill/>
+                </p:spPr>
+                <p:txBody>
+                  <a:bodyPr wrap="square" rtlCol="0">
+                    <a:spAutoFit/>
+                  </a:bodyPr>
+                  <a:lstStyle/>
+                  <a:p>
+                    <a14:m>
+                      <m:oMathPara xmlns:m="http://schemas.openxmlformats.org/officeDocument/2006/math">
+                        <m:oMathParaPr>
+                          <m:jc m:val="centerGroup"/>
+                        </m:oMathParaPr>
+                        <m:oMath xmlns:m="http://schemas.openxmlformats.org/officeDocument/2006/math">
+                          <m:sSub>
+                            <m:sSubPr>
+                              <m:ctrlPr>
+                                <a:rPr lang="en-US" altLang="zh-CN" i="1" smtClean="0">
+                                  <a:latin typeface="Cambria Math" panose="02040503050406030204" pitchFamily="18" charset="0"/>
+                                </a:rPr>
+                              </m:ctrlPr>
+                            </m:sSubPr>
+                            <m:e>
+                              <m:r>
+                                <a:rPr lang="en-US" altLang="zh-CN" b="0" i="1" smtClean="0">
+                                  <a:latin typeface="Cambria Math" panose="02040503050406030204" pitchFamily="18" charset="0"/>
+                                </a:rPr>
+                                <m:t>𝑛</m:t>
+                              </m:r>
+                            </m:e>
+                            <m:sub>
+                              <m:r>
+                                <a:rPr lang="en-US" altLang="zh-CN" b="0" i="1" smtClean="0">
+                                  <a:latin typeface="Cambria Math" panose="02040503050406030204" pitchFamily="18" charset="0"/>
+                                </a:rPr>
+                                <m:t>𝐹</m:t>
+                              </m:r>
+                            </m:sub>
+                          </m:sSub>
+                        </m:oMath>
+                      </m:oMathPara>
+                    </a14:m>
+                    <a:endParaRPr lang="zh-CN" altLang="en-US" dirty="0"/>
+                  </a:p>
+                </p:txBody>
+              </p:sp>
+            </mc:Choice>
+            <mc:Fallback>
+              <p:sp>
+                <p:nvSpPr>
+                  <p:cNvPr id="22" name="文本框 21"/>
+                  <p:cNvSpPr txBox="1">
+                    <a:spLocks noRot="1" noChangeAspect="1" noMove="1" noResize="1" noEditPoints="1" noAdjustHandles="1" noChangeArrowheads="1" noChangeShapeType="1" noTextEdit="1"/>
+                  </p:cNvSpPr>
+                  <p:nvPr/>
+                </p:nvSpPr>
+                <p:spPr>
+                  <a:xfrm>
+                    <a:off x="9660072" y="2003159"/>
+                    <a:ext cx="1063766" cy="369332"/>
+                  </a:xfrm>
+                  <a:prstGeom prst="rect">
+                    <a:avLst/>
+                  </a:prstGeom>
+                  <a:blipFill rotWithShape="0">
+                    <a:blip r:embed="rId9"/>
+                    <a:stretch>
+                      <a:fillRect b="-27660"/>
+                    </a:stretch>
+                  </a:blipFill>
+                </p:spPr>
+                <p:txBody>
+                  <a:bodyPr/>
+                  <a:lstStyle/>
+                  <a:p>
+                    <a:r>
+                      <a:rPr lang="zh-CN" altLang="en-US">
+                        <a:noFill/>
+                      </a:rPr>
+                      <a:t> </a:t>
+                    </a:r>
+                  </a:p>
+                </p:txBody>
+              </p:sp>
+            </mc:Fallback>
+          </mc:AlternateContent>
+        </p:grpSp>
+        <p:sp>
+          <p:nvSpPr>
+            <p:cNvPr id="23" name="文本框 22"/>
+            <p:cNvSpPr txBox="1"/>
+            <p:nvPr/>
+          </p:nvSpPr>
+          <p:spPr>
+            <a:xfrm>
+              <a:off x="4150119" y="4023885"/>
+              <a:ext cx="382426" cy="307777"/>
+            </a:xfrm>
+            <a:prstGeom prst="rect">
+              <a:avLst/>
+            </a:prstGeom>
+            <a:solidFill>
+              <a:schemeClr val="bg1"/>
+            </a:solidFill>
+          </p:spPr>
+          <p:txBody>
+            <a:bodyPr wrap="square" rtlCol="0">
+              <a:spAutoFit/>
+            </a:bodyPr>
+            <a:lstStyle/>
+            <a:p>
+              <a:r>
+                <a:rPr lang="en-US" altLang="zh-CN" sz="1400" dirty="0" smtClean="0">
+                  <a:latin typeface="Times New Roman" panose="02020603050405020304" pitchFamily="18" charset="0"/>
+                  <a:ea typeface="Tahoma" panose="020B0604030504040204" pitchFamily="34" charset="0"/>
+                  <a:cs typeface="Times New Roman" panose="02020603050405020304" pitchFamily="18" charset="0"/>
+                </a:rPr>
+                <a:t>(a)</a:t>
+              </a:r>
+              <a:endParaRPr lang="zh-CN" altLang="en-US" sz="1400" dirty="0">
+                <a:latin typeface="Times New Roman" panose="02020603050405020304" pitchFamily="18" charset="0"/>
+                <a:cs typeface="Times New Roman" panose="02020603050405020304" pitchFamily="18" charset="0"/>
+              </a:endParaRPr>
+            </a:p>
+          </p:txBody>
+        </p:sp>
+        <p:sp>
+          <p:nvSpPr>
+            <p:cNvPr id="24" name="文本框 23"/>
+            <p:cNvSpPr txBox="1"/>
+            <p:nvPr/>
+          </p:nvSpPr>
+          <p:spPr>
+            <a:xfrm>
+              <a:off x="7268779" y="4023885"/>
+              <a:ext cx="382426" cy="307777"/>
+            </a:xfrm>
+            <a:prstGeom prst="rect">
+              <a:avLst/>
+            </a:prstGeom>
+            <a:solidFill>
+              <a:schemeClr val="bg1"/>
+            </a:solidFill>
+          </p:spPr>
+          <p:txBody>
+            <a:bodyPr wrap="square" rtlCol="0">
+              <a:spAutoFit/>
+            </a:bodyPr>
+            <a:lstStyle/>
+            <a:p>
+              <a:r>
+                <a:rPr lang="en-US" altLang="zh-CN" sz="1400" dirty="0" smtClean="0">
+                  <a:latin typeface="Times New Roman" panose="02020603050405020304" pitchFamily="18" charset="0"/>
+                  <a:ea typeface="Tahoma" panose="020B0604030504040204" pitchFamily="34" charset="0"/>
+                  <a:cs typeface="Times New Roman" panose="02020603050405020304" pitchFamily="18" charset="0"/>
+                </a:rPr>
+                <a:t>(b)</a:t>
+              </a:r>
+              <a:endParaRPr lang="zh-CN" altLang="en-US" sz="1400" dirty="0">
+                <a:latin typeface="Times New Roman" panose="02020603050405020304" pitchFamily="18" charset="0"/>
+                <a:cs typeface="Times New Roman" panose="02020603050405020304" pitchFamily="18" charset="0"/>
+              </a:endParaRPr>
+            </a:p>
+          </p:txBody>
+        </p:sp>
+        <p:sp>
+          <p:nvSpPr>
+            <p:cNvPr id="25" name="文本框 24"/>
+            <p:cNvSpPr txBox="1"/>
+            <p:nvPr/>
+          </p:nvSpPr>
+          <p:spPr>
+            <a:xfrm>
+              <a:off x="9110316" y="4023885"/>
+              <a:ext cx="382426" cy="307777"/>
+            </a:xfrm>
+            <a:prstGeom prst="rect">
+              <a:avLst/>
+            </a:prstGeom>
+            <a:solidFill>
+              <a:schemeClr val="bg1"/>
+            </a:solidFill>
+          </p:spPr>
+          <p:txBody>
+            <a:bodyPr wrap="square" rtlCol="0">
+              <a:spAutoFit/>
+            </a:bodyPr>
+            <a:lstStyle/>
+            <a:p>
+              <a:r>
+                <a:rPr lang="en-US" altLang="zh-CN" sz="1400" dirty="0" smtClean="0">
+                  <a:latin typeface="Times New Roman" panose="02020603050405020304" pitchFamily="18" charset="0"/>
+                  <a:ea typeface="Tahoma" panose="020B0604030504040204" pitchFamily="34" charset="0"/>
+                  <a:cs typeface="Times New Roman" panose="02020603050405020304" pitchFamily="18" charset="0"/>
+                </a:rPr>
+                <a:t>(c)</a:t>
+              </a:r>
+              <a:endParaRPr lang="zh-CN" altLang="en-US" sz="1400" dirty="0">
+                <a:latin typeface="Times New Roman" panose="02020603050405020304" pitchFamily="18" charset="0"/>
+                <a:cs typeface="Times New Roman" panose="02020603050405020304" pitchFamily="18" charset="0"/>
+              </a:endParaRPr>
+            </a:p>
+          </p:txBody>
+        </p:sp>
+      </p:grpSp>
+    </p:spTree>
+    <p:extLst>
+      <p:ext uri="{BB962C8B-B14F-4D97-AF65-F5344CB8AC3E}">
+        <p14:creationId xmlns:p14="http://schemas.microsoft.com/office/powerpoint/2010/main" val="2164027331"/>
+      </p:ext>
+    </p:extLst>
+  </p:cSld>
+  <p:clrMapOvr>
+    <a:masterClrMapping/>
+  </p:clrMapOvr>
+  <p:timing>
+    <p:tnLst>
+      <p:par>
+        <p:cTn id="1" dur="indefinite" restart="never" nodeType="tmRoot"/>
+      </p:par>
+    </p:tnLst>
+  </p:timing>
+</p:sld>
+</file>
+
+<file path=ppt/slides/slide21.xml><?xml version="1.0" encoding="utf-8"?>
+<p:sld xmlns:a="http://schemas.openxmlformats.org/drawingml/2006/main" xmlns:r="http://schemas.openxmlformats.org/officeDocument/2006/relationships" xmlns:p="http://schemas.openxmlformats.org/presentationml/2006/main">
+  <p:cSld>
+    <p:spTree>
+      <p:nvGrpSpPr>
+        <p:cNvPr id="1" name=""/>
+        <p:cNvGrpSpPr/>
+        <p:nvPr/>
+      </p:nvGrpSpPr>
+      <p:grpSpPr>
+        <a:xfrm>
+          <a:off x="0" y="0"/>
+          <a:ext cx="0" cy="0"/>
+          <a:chOff x="0" y="0"/>
+          <a:chExt cx="0" cy="0"/>
+        </a:xfrm>
+      </p:grpSpPr>
+      <p:pic>
+        <p:nvPicPr>
+          <p:cNvPr id="2" name="图片 1"/>
+          <p:cNvPicPr>
+            <a:picLocks noChangeAspect="1"/>
+          </p:cNvPicPr>
+          <p:nvPr/>
+        </p:nvPicPr>
+        <p:blipFill>
+          <a:blip r:embed="rId2">
+            <a:extLst>
+              <a:ext uri="{28A0092B-C50C-407E-A947-70E740481C1C}">
+                <a14:useLocalDpi xmlns:a14="http://schemas.microsoft.com/office/drawing/2010/main" val="0"/>
+              </a:ext>
+            </a:extLst>
+          </a:blip>
+          <a:stretch>
+            <a:fillRect/>
+          </a:stretch>
+        </p:blipFill>
+        <p:spPr>
+          <a:xfrm>
+            <a:off x="1513113" y="325663"/>
+            <a:ext cx="4068000" cy="3051000"/>
+          </a:xfrm>
+          <a:prstGeom prst="rect">
+            <a:avLst/>
+          </a:prstGeom>
+        </p:spPr>
+      </p:pic>
+      <p:pic>
+        <p:nvPicPr>
+          <p:cNvPr id="3" name="图片 2"/>
+          <p:cNvPicPr>
+            <a:picLocks noChangeAspect="1"/>
+          </p:cNvPicPr>
+          <p:nvPr/>
+        </p:nvPicPr>
+        <p:blipFill>
+          <a:blip r:embed="rId3">
+            <a:extLst>
+              <a:ext uri="{28A0092B-C50C-407E-A947-70E740481C1C}">
+                <a14:useLocalDpi xmlns:a14="http://schemas.microsoft.com/office/drawing/2010/main" val="0"/>
+              </a:ext>
+            </a:extLst>
+          </a:blip>
+          <a:stretch>
+            <a:fillRect/>
+          </a:stretch>
+        </p:blipFill>
+        <p:spPr>
+          <a:xfrm>
+            <a:off x="5613770" y="325663"/>
+            <a:ext cx="4068000" cy="3051000"/>
+          </a:xfrm>
+          <a:prstGeom prst="rect">
+            <a:avLst/>
+          </a:prstGeom>
+        </p:spPr>
+      </p:pic>
+      <p:pic>
+        <p:nvPicPr>
+          <p:cNvPr id="4" name="图片 3"/>
+          <p:cNvPicPr>
+            <a:picLocks noChangeAspect="1"/>
+          </p:cNvPicPr>
+          <p:nvPr/>
+        </p:nvPicPr>
+        <p:blipFill>
+          <a:blip r:embed="rId4">
+            <a:extLst>
+              <a:ext uri="{28A0092B-C50C-407E-A947-70E740481C1C}">
+                <a14:useLocalDpi xmlns:a14="http://schemas.microsoft.com/office/drawing/2010/main" val="0"/>
+              </a:ext>
+            </a:extLst>
+          </a:blip>
+          <a:stretch>
+            <a:fillRect/>
+          </a:stretch>
+        </p:blipFill>
+        <p:spPr>
+          <a:xfrm>
+            <a:off x="1545770" y="3376663"/>
+            <a:ext cx="4068000" cy="3051000"/>
+          </a:xfrm>
+          <a:prstGeom prst="rect">
+            <a:avLst/>
+          </a:prstGeom>
+        </p:spPr>
+      </p:pic>
+      <p:graphicFrame>
+        <p:nvGraphicFramePr>
+          <p:cNvPr id="5" name="表格 4"/>
+          <p:cNvGraphicFramePr>
+            <a:graphicFrameLocks noGrp="1"/>
+          </p:cNvGraphicFramePr>
+          <p:nvPr>
+            <p:extLst>
+              <p:ext uri="{D42A27DB-BD31-4B8C-83A1-F6EECF244321}">
+                <p14:modId xmlns:p14="http://schemas.microsoft.com/office/powerpoint/2010/main" val="1764531225"/>
+              </p:ext>
+            </p:extLst>
+          </p:nvPr>
+        </p:nvGraphicFramePr>
+        <p:xfrm>
+          <a:off x="5613770" y="3738638"/>
+          <a:ext cx="6199823" cy="1483360"/>
+        </p:xfrm>
+        <a:graphic>
+          <a:graphicData uri="http://schemas.openxmlformats.org/drawingml/2006/table">
+            <a:tbl>
+              <a:tblPr firstRow="1" bandRow="1">
+                <a:tableStyleId>{9D7B26C5-4107-4FEC-AEDC-1716B250A1EF}</a:tableStyleId>
+              </a:tblPr>
+              <a:tblGrid>
+                <a:gridCol w="695643"/>
+                <a:gridCol w="1440180"/>
+                <a:gridCol w="2032000"/>
+                <a:gridCol w="2032000"/>
+              </a:tblGrid>
+              <a:tr h="370840">
+                <a:tc>
+                  <a:txBody>
+                    <a:bodyPr/>
+                    <a:lstStyle/>
+                    <a:p>
+                      <a:r>
+                        <a:rPr lang="zh-CN" altLang="en-US" dirty="0" smtClean="0"/>
+                        <a:t>编号</a:t>
+                      </a:r>
+                      <a:endParaRPr lang="zh-CN" altLang="en-US" dirty="0"/>
+                    </a:p>
+                  </a:txBody>
+                  <a:tcPr/>
+                </a:tc>
+                <a:tc>
+                  <a:txBody>
+                    <a:bodyPr/>
+                    <a:lstStyle/>
+                    <a:p>
+                      <a:r>
+                        <a:rPr lang="zh-CN" altLang="en-US" dirty="0" smtClean="0"/>
+                        <a:t>弯曲</a:t>
+                      </a:r>
+                      <a:r>
+                        <a:rPr lang="en-US" altLang="zh-CN" dirty="0" smtClean="0"/>
+                        <a:t>j/m</a:t>
+                      </a:r>
+                      <a:endParaRPr lang="zh-CN" altLang="en-US" dirty="0"/>
+                    </a:p>
+                  </a:txBody>
+                  <a:tcPr/>
+                </a:tc>
+                <a:tc>
+                  <a:txBody>
+                    <a:bodyPr/>
+                    <a:lstStyle/>
+                    <a:p>
+                      <a:r>
+                        <a:rPr lang="zh-CN" altLang="en-US" dirty="0" smtClean="0"/>
+                        <a:t>气体浓度</a:t>
+                      </a:r>
+                      <a:r>
+                        <a:rPr lang="en-US" altLang="zh-CN" dirty="0" smtClean="0"/>
+                        <a:t>/ppm</a:t>
+                      </a:r>
+                      <a:endParaRPr lang="zh-CN" altLang="en-US" dirty="0"/>
+                    </a:p>
+                  </a:txBody>
+                  <a:tcPr/>
+                </a:tc>
+                <a:tc>
+                  <a:txBody>
+                    <a:bodyPr/>
+                    <a:lstStyle/>
+                    <a:p>
+                      <a:r>
+                        <a:rPr lang="zh-CN" altLang="en-US" dirty="0" smtClean="0"/>
+                        <a:t>最优孔径</a:t>
+                      </a:r>
+                      <a:r>
+                        <a:rPr lang="en-US" altLang="zh-CN" dirty="0" smtClean="0"/>
+                        <a:t>/mm</a:t>
+                      </a:r>
+                      <a:endParaRPr lang="zh-CN" altLang="en-US" dirty="0"/>
+                    </a:p>
+                  </a:txBody>
+                  <a:tcPr/>
+                </a:tc>
+              </a:tr>
+              <a:tr h="370840">
+                <a:tc>
+                  <a:txBody>
+                    <a:bodyPr/>
+                    <a:lstStyle/>
+                    <a:p>
+                      <a:r>
+                        <a:rPr lang="en-US" altLang="zh-CN" dirty="0" smtClean="0"/>
+                        <a:t>a-1</a:t>
+                      </a:r>
+                      <a:endParaRPr lang="zh-CN" altLang="en-US" dirty="0"/>
+                    </a:p>
+                  </a:txBody>
+                  <a:tcPr/>
+                </a:tc>
+                <a:tc>
+                  <a:txBody>
+                    <a:bodyPr/>
+                    <a:lstStyle/>
+                    <a:p>
+                      <a:endParaRPr lang="zh-CN" altLang="en-US" dirty="0"/>
+                    </a:p>
+                  </a:txBody>
+                  <a:tcPr/>
+                </a:tc>
+                <a:tc>
+                  <a:txBody>
+                    <a:bodyPr/>
+                    <a:lstStyle/>
+                    <a:p>
+                      <a:r>
+                        <a:rPr lang="en-US" altLang="zh-CN" dirty="0" smtClean="0"/>
+                        <a:t>100ppm</a:t>
+                      </a:r>
+                      <a:endParaRPr lang="zh-CN" altLang="en-US" dirty="0"/>
+                    </a:p>
+                  </a:txBody>
+                  <a:tcPr/>
+                </a:tc>
+                <a:tc>
+                  <a:txBody>
+                    <a:bodyPr/>
+                    <a:lstStyle/>
+                    <a:p>
+                      <a:r>
+                        <a:rPr lang="en-US" altLang="zh-CN" dirty="0" smtClean="0"/>
+                        <a:t>1.565</a:t>
+                      </a:r>
+                      <a:endParaRPr lang="zh-CN" altLang="en-US" dirty="0"/>
+                    </a:p>
+                  </a:txBody>
+                  <a:tcPr/>
+                </a:tc>
+              </a:tr>
+              <a:tr h="370840">
+                <a:tc>
+                  <a:txBody>
+                    <a:bodyPr/>
+                    <a:lstStyle/>
+                    <a:p>
+                      <a:r>
+                        <a:rPr lang="en-US" altLang="zh-CN" dirty="0" smtClean="0"/>
+                        <a:t>B</a:t>
+                      </a:r>
+                      <a:endParaRPr lang="zh-CN" altLang="en-US" dirty="0"/>
+                    </a:p>
+                  </a:txBody>
+                  <a:tcPr/>
+                </a:tc>
+                <a:tc>
+                  <a:txBody>
+                    <a:bodyPr/>
+                    <a:lstStyle/>
+                    <a:p>
+                      <a:endParaRPr lang="zh-CN" altLang="en-US" dirty="0"/>
+                    </a:p>
+                  </a:txBody>
+                  <a:tcPr/>
+                </a:tc>
+                <a:tc>
+                  <a:txBody>
+                    <a:bodyPr/>
+                    <a:lstStyle/>
+                    <a:p>
+                      <a:endParaRPr lang="zh-CN" altLang="en-US"/>
+                    </a:p>
+                  </a:txBody>
+                  <a:tcPr/>
+                </a:tc>
+                <a:tc>
+                  <a:txBody>
+                    <a:bodyPr/>
+                    <a:lstStyle/>
+                    <a:p>
+                      <a:endParaRPr lang="zh-CN" altLang="en-US"/>
+                    </a:p>
+                  </a:txBody>
+                  <a:tcPr/>
+                </a:tc>
+              </a:tr>
+              <a:tr h="370840">
+                <a:tc>
+                  <a:txBody>
+                    <a:bodyPr/>
+                    <a:lstStyle/>
+                    <a:p>
+                      <a:r>
+                        <a:rPr lang="en-US" altLang="zh-CN" dirty="0" smtClean="0"/>
+                        <a:t>c</a:t>
+                      </a:r>
+                      <a:endParaRPr lang="zh-CN" altLang="en-US" dirty="0"/>
+                    </a:p>
+                  </a:txBody>
+                  <a:tcPr/>
+                </a:tc>
+                <a:tc>
+                  <a:txBody>
+                    <a:bodyPr/>
+                    <a:lstStyle/>
+                    <a:p>
+                      <a:endParaRPr lang="zh-CN" altLang="en-US" dirty="0"/>
+                    </a:p>
+                  </a:txBody>
+                  <a:tcPr/>
+                </a:tc>
+                <a:tc>
+                  <a:txBody>
+                    <a:bodyPr/>
+                    <a:lstStyle/>
+                    <a:p>
+                      <a:endParaRPr lang="zh-CN" altLang="en-US"/>
+                    </a:p>
+                  </a:txBody>
+                  <a:tcPr/>
+                </a:tc>
+                <a:tc>
+                  <a:txBody>
+                    <a:bodyPr/>
+                    <a:lstStyle/>
+                    <a:p>
+                      <a:endParaRPr lang="zh-CN" altLang="en-US" dirty="0"/>
+                    </a:p>
+                  </a:txBody>
+                  <a:tcPr/>
+                </a:tc>
+              </a:tr>
+            </a:tbl>
+          </a:graphicData>
+        </a:graphic>
+      </p:graphicFrame>
+    </p:spTree>
+    <p:extLst>
+      <p:ext uri="{BB962C8B-B14F-4D97-AF65-F5344CB8AC3E}">
+        <p14:creationId xmlns:p14="http://schemas.microsoft.com/office/powerpoint/2010/main" val="1663002543"/>
+      </p:ext>
+    </p:extLst>
+  </p:cSld>
+  <p:clrMapOvr>
+    <a:masterClrMapping/>
+  </p:clrMapOvr>
+  <p:timing>
+    <p:tnLst>
+      <p:par>
+        <p:cTn id="1" dur="indefinite" restart="never" nodeType="tmRoot"/>
+      </p:par>
+    </p:tnLst>
+  </p:timing>
+</p:sld>
+</file>
+
+<file path=ppt/slides/slide22.xml><?xml version="1.0" encoding="utf-8"?>
+<p:sld xmlns:a="http://schemas.openxmlformats.org/drawingml/2006/main" xmlns:r="http://schemas.openxmlformats.org/officeDocument/2006/relationships" xmlns:p="http://schemas.openxmlformats.org/presentationml/2006/main">
+  <p:cSld>
+    <p:spTree>
+      <p:nvGrpSpPr>
+        <p:cNvPr id="1" name=""/>
+        <p:cNvGrpSpPr/>
+        <p:nvPr/>
+      </p:nvGrpSpPr>
+      <p:grpSpPr>
+        <a:xfrm>
+          <a:off x="0" y="0"/>
+          <a:ext cx="0" cy="0"/>
+          <a:chOff x="0" y="0"/>
+          <a:chExt cx="0" cy="0"/>
+        </a:xfrm>
+      </p:grpSpPr>
+    </p:spTree>
+    <p:extLst>
+      <p:ext uri="{BB962C8B-B14F-4D97-AF65-F5344CB8AC3E}">
+        <p14:creationId xmlns:p14="http://schemas.microsoft.com/office/powerpoint/2010/main" val="504400290"/>
+      </p:ext>
+    </p:extLst>
+  </p:cSld>
+  <p:clrMapOvr>
+    <a:masterClrMapping/>
+  </p:clrMapOvr>
+  <p:timing>
+    <p:tnLst>
+      <p:par>
+        <p:cTn id="1" dur="indefinite" restart="never" nodeType="tmRoot"/>
+      </p:par>
+    </p:tnLst>
+  </p:timing>
+</p:sld>
+</file>
+
+<file path=ppt/slides/slide23.xml><?xml version="1.0" encoding="utf-8"?>
+<p:sld xmlns:a="http://schemas.openxmlformats.org/drawingml/2006/main" xmlns:r="http://schemas.openxmlformats.org/officeDocument/2006/relationships" xmlns:p="http://schemas.openxmlformats.org/presentationml/2006/main">
+  <p:cSld>
+    <p:spTree>
+      <p:nvGrpSpPr>
+        <p:cNvPr id="1" name=""/>
+        <p:cNvGrpSpPr/>
+        <p:nvPr/>
+      </p:nvGrpSpPr>
+      <p:grpSpPr>
+        <a:xfrm>
+          <a:off x="0" y="0"/>
+          <a:ext cx="0" cy="0"/>
+          <a:chOff x="0" y="0"/>
+          <a:chExt cx="0" cy="0"/>
+        </a:xfrm>
+      </p:grpSpPr>
       <p:pic>
         <p:nvPicPr>
           <p:cNvPr id="2" name="图片 1"/>
@@ -6531,7 +13343,7 @@
 </p:sld>
 </file>
 
-<file path=ppt/slides/slide18.xml><?xml version="1.0" encoding="utf-8"?>
+<file path=ppt/slides/slide24.xml><?xml version="1.0" encoding="utf-8"?>
 <p:sld xmlns:a="http://schemas.openxmlformats.org/drawingml/2006/main" xmlns:r="http://schemas.openxmlformats.org/officeDocument/2006/relationships" xmlns:p="http://schemas.openxmlformats.org/presentationml/2006/main">
   <p:cSld>
     <p:spTree>
@@ -6700,7 +13512,7 @@
 </p:sld>
 </file>
 
-<file path=ppt/slides/slide19.xml><?xml version="1.0" encoding="utf-8"?>
+<file path=ppt/slides/slide25.xml><?xml version="1.0" encoding="utf-8"?>
 <p:sld xmlns:a="http://schemas.openxmlformats.org/drawingml/2006/main" xmlns:r="http://schemas.openxmlformats.org/officeDocument/2006/relationships" xmlns:p="http://schemas.openxmlformats.org/presentationml/2006/main">
   <p:cSld>
     <p:spTree>
@@ -6944,114 +13756,7 @@
 </p:sld>
 </file>
 
-<file path=ppt/slides/slide2.xml><?xml version="1.0" encoding="utf-8"?>
-<p:sld xmlns:a="http://schemas.openxmlformats.org/drawingml/2006/main" xmlns:r="http://schemas.openxmlformats.org/officeDocument/2006/relationships" xmlns:p="http://schemas.openxmlformats.org/presentationml/2006/main">
-  <p:cSld>
-    <p:spTree>
-      <p:nvGrpSpPr>
-        <p:cNvPr id="1" name=""/>
-        <p:cNvGrpSpPr/>
-        <p:nvPr/>
-      </p:nvGrpSpPr>
-      <p:grpSpPr>
-        <a:xfrm>
-          <a:off x="0" y="0"/>
-          <a:ext cx="0" cy="0"/>
-          <a:chOff x="0" y="0"/>
-          <a:chExt cx="0" cy="0"/>
-        </a:xfrm>
-      </p:grpSpPr>
-      <p:sp>
-        <p:nvSpPr>
-          <p:cNvPr id="2" name="标题 1"/>
-          <p:cNvSpPr>
-            <a:spLocks noGrp="1"/>
-          </p:cNvSpPr>
-          <p:nvPr>
-            <p:ph type="ctrTitle"/>
-          </p:nvPr>
-        </p:nvSpPr>
-        <p:spPr/>
-        <p:txBody>
-          <a:bodyPr/>
-          <a:lstStyle/>
-          <a:p>
-            <a:endParaRPr lang="zh-CN" altLang="en-US" dirty="0"/>
-          </a:p>
-        </p:txBody>
-      </p:sp>
-      <p:sp>
-        <p:nvSpPr>
-          <p:cNvPr id="3" name="副标题 2"/>
-          <p:cNvSpPr>
-            <a:spLocks noGrp="1"/>
-          </p:cNvSpPr>
-          <p:nvPr>
-            <p:ph type="subTitle" idx="1"/>
-          </p:nvPr>
-        </p:nvSpPr>
-        <p:spPr/>
-        <p:txBody>
-          <a:bodyPr/>
-          <a:lstStyle/>
-          <a:p>
-            <a:endParaRPr lang="zh-CN" altLang="en-US"/>
-          </a:p>
-        </p:txBody>
-      </p:sp>
-      <p:pic>
-        <p:nvPicPr>
-          <p:cNvPr id="4" name="图片 3" descr="C:\Users\Alwee\Desktop\AgVsAgI.emf"/>
-          <p:cNvPicPr>
-            <a:picLocks noChangeAspect="1"/>
-          </p:cNvPicPr>
-          <p:nvPr/>
-        </p:nvPicPr>
-        <p:blipFill>
-          <a:blip r:embed="rId2"/>
-          <a:srcRect/>
-          <a:stretch>
-            <a:fillRect/>
-          </a:stretch>
-        </p:blipFill>
-        <p:spPr bwMode="auto">
-          <a:xfrm>
-            <a:off x="428400" y="1569463"/>
-            <a:ext cx="5400000" cy="4145553"/>
-          </a:xfrm>
-          <a:prstGeom prst="rect">
-            <a:avLst/>
-          </a:prstGeom>
-          <a:noFill/>
-          <a:ln w="9525">
-            <a:noFill/>
-            <a:miter lim="800000"/>
-            <a:headEnd/>
-            <a:tailEnd/>
-          </a:ln>
-        </p:spPr>
-      </p:pic>
-    </p:spTree>
-    <p:extLst>
-      <p:ext uri="{BB962C8B-B14F-4D97-AF65-F5344CB8AC3E}">
-        <p14:creationId xmlns:p14="http://schemas.microsoft.com/office/powerpoint/2010/main" val="3393202541"/>
-      </p:ext>
-    </p:extLst>
-  </p:cSld>
-  <p:clrMapOvr>
-    <a:masterClrMapping/>
-  </p:clrMapOvr>
-  <p:timing>
-    <p:tnLst>
-      <p:par>
-        <p:cTn id="1" dur="indefinite" restart="never" nodeType="tmRoot"/>
-      </p:par>
-    </p:tnLst>
-  </p:timing>
-</p:sld>
-</file>
-
-<file path=ppt/slides/slide20.xml><?xml version="1.0" encoding="utf-8"?>
+<file path=ppt/slides/slide26.xml><?xml version="1.0" encoding="utf-8"?>
 <p:sld xmlns:a="http://schemas.openxmlformats.org/drawingml/2006/main" xmlns:r="http://schemas.openxmlformats.org/officeDocument/2006/relationships" xmlns:p="http://schemas.openxmlformats.org/presentationml/2006/main">
   <p:cSld>
     <p:spTree>
@@ -7141,7 +13846,7 @@
 </p:sld>
 </file>
 
-<file path=ppt/slides/slide21.xml><?xml version="1.0" encoding="utf-8"?>
+<file path=ppt/slides/slide27.xml><?xml version="1.0" encoding="utf-8"?>
 <p:sld xmlns:a="http://schemas.openxmlformats.org/drawingml/2006/main" xmlns:r="http://schemas.openxmlformats.org/officeDocument/2006/relationships" xmlns:p="http://schemas.openxmlformats.org/presentationml/2006/main">
   <p:cSld>
     <p:spTree>

--- a/毕业论文/论文用图.pptx
+++ b/毕业论文/论文用图.pptx
@@ -29,9 +29,15 @@
     <p:sldId id="282" r:id="rId23"/>
     <p:sldId id="274" r:id="rId24"/>
     <p:sldId id="260" r:id="rId25"/>
-    <p:sldId id="261" r:id="rId26"/>
-    <p:sldId id="259" r:id="rId27"/>
-    <p:sldId id="270" r:id="rId28"/>
+    <p:sldId id="287" r:id="rId26"/>
+    <p:sldId id="288" r:id="rId27"/>
+    <p:sldId id="261" r:id="rId28"/>
+    <p:sldId id="259" r:id="rId29"/>
+    <p:sldId id="270" r:id="rId30"/>
+    <p:sldId id="286" r:id="rId31"/>
+    <p:sldId id="283" r:id="rId32"/>
+    <p:sldId id="284" r:id="rId33"/>
+    <p:sldId id="285" r:id="rId34"/>
   </p:sldIdLst>
   <p:sldSz cx="12192000" cy="6858000"/>
   <p:notesSz cx="6858000" cy="9144000"/>
@@ -269,7 +275,7 @@
           <a:p>
             <a:fld id="{2434905A-E1A4-4744-B5A9-97B0F93BB70A}" type="datetimeFigureOut">
               <a:rPr lang="zh-CN" altLang="en-US" smtClean="0"/>
-              <a:t>2016/3/18</a:t>
+              <a:t>2016/3/19</a:t>
             </a:fld>
             <a:endParaRPr lang="zh-CN" altLang="en-US"/>
           </a:p>
@@ -439,7 +445,7 @@
           <a:p>
             <a:fld id="{2434905A-E1A4-4744-B5A9-97B0F93BB70A}" type="datetimeFigureOut">
               <a:rPr lang="zh-CN" altLang="en-US" smtClean="0"/>
-              <a:t>2016/3/18</a:t>
+              <a:t>2016/3/19</a:t>
             </a:fld>
             <a:endParaRPr lang="zh-CN" altLang="en-US"/>
           </a:p>
@@ -619,7 +625,7 @@
           <a:p>
             <a:fld id="{2434905A-E1A4-4744-B5A9-97B0F93BB70A}" type="datetimeFigureOut">
               <a:rPr lang="zh-CN" altLang="en-US" smtClean="0"/>
-              <a:t>2016/3/18</a:t>
+              <a:t>2016/3/19</a:t>
             </a:fld>
             <a:endParaRPr lang="zh-CN" altLang="en-US"/>
           </a:p>
@@ -789,7 +795,7 @@
           <a:p>
             <a:fld id="{2434905A-E1A4-4744-B5A9-97B0F93BB70A}" type="datetimeFigureOut">
               <a:rPr lang="zh-CN" altLang="en-US" smtClean="0"/>
-              <a:t>2016/3/18</a:t>
+              <a:t>2016/3/19</a:t>
             </a:fld>
             <a:endParaRPr lang="zh-CN" altLang="en-US"/>
           </a:p>
@@ -1035,7 +1041,7 @@
           <a:p>
             <a:fld id="{2434905A-E1A4-4744-B5A9-97B0F93BB70A}" type="datetimeFigureOut">
               <a:rPr lang="zh-CN" altLang="en-US" smtClean="0"/>
-              <a:t>2016/3/18</a:t>
+              <a:t>2016/3/19</a:t>
             </a:fld>
             <a:endParaRPr lang="zh-CN" altLang="en-US"/>
           </a:p>
@@ -1267,7 +1273,7 @@
           <a:p>
             <a:fld id="{2434905A-E1A4-4744-B5A9-97B0F93BB70A}" type="datetimeFigureOut">
               <a:rPr lang="zh-CN" altLang="en-US" smtClean="0"/>
-              <a:t>2016/3/18</a:t>
+              <a:t>2016/3/19</a:t>
             </a:fld>
             <a:endParaRPr lang="zh-CN" altLang="en-US"/>
           </a:p>
@@ -1634,7 +1640,7 @@
           <a:p>
             <a:fld id="{2434905A-E1A4-4744-B5A9-97B0F93BB70A}" type="datetimeFigureOut">
               <a:rPr lang="zh-CN" altLang="en-US" smtClean="0"/>
-              <a:t>2016/3/18</a:t>
+              <a:t>2016/3/19</a:t>
             </a:fld>
             <a:endParaRPr lang="zh-CN" altLang="en-US"/>
           </a:p>
@@ -1752,7 +1758,7 @@
           <a:p>
             <a:fld id="{2434905A-E1A4-4744-B5A9-97B0F93BB70A}" type="datetimeFigureOut">
               <a:rPr lang="zh-CN" altLang="en-US" smtClean="0"/>
-              <a:t>2016/3/18</a:t>
+              <a:t>2016/3/19</a:t>
             </a:fld>
             <a:endParaRPr lang="zh-CN" altLang="en-US"/>
           </a:p>
@@ -1847,7 +1853,7 @@
           <a:p>
             <a:fld id="{2434905A-E1A4-4744-B5A9-97B0F93BB70A}" type="datetimeFigureOut">
               <a:rPr lang="zh-CN" altLang="en-US" smtClean="0"/>
-              <a:t>2016/3/18</a:t>
+              <a:t>2016/3/19</a:t>
             </a:fld>
             <a:endParaRPr lang="zh-CN" altLang="en-US"/>
           </a:p>
@@ -2124,7 +2130,7 @@
           <a:p>
             <a:fld id="{2434905A-E1A4-4744-B5A9-97B0F93BB70A}" type="datetimeFigureOut">
               <a:rPr lang="zh-CN" altLang="en-US" smtClean="0"/>
-              <a:t>2016/3/18</a:t>
+              <a:t>2016/3/19</a:t>
             </a:fld>
             <a:endParaRPr lang="zh-CN" altLang="en-US"/>
           </a:p>
@@ -2377,7 +2383,7 @@
           <a:p>
             <a:fld id="{2434905A-E1A4-4744-B5A9-97B0F93BB70A}" type="datetimeFigureOut">
               <a:rPr lang="zh-CN" altLang="en-US" smtClean="0"/>
-              <a:t>2016/3/18</a:t>
+              <a:t>2016/3/19</a:t>
             </a:fld>
             <a:endParaRPr lang="zh-CN" altLang="en-US"/>
           </a:p>
@@ -2590,7 +2596,7 @@
           <a:p>
             <a:fld id="{2434905A-E1A4-4744-B5A9-97B0F93BB70A}" type="datetimeFigureOut">
               <a:rPr lang="zh-CN" altLang="en-US" smtClean="0"/>
-              <a:t>2016/3/18</a:t>
+              <a:t>2016/3/19</a:t>
             </a:fld>
             <a:endParaRPr lang="zh-CN" altLang="en-US"/>
           </a:p>
@@ -6059,8 +6065,8 @@
               </a:p>
             </p:txBody>
           </p:sp>
-          <mc:AlternateContent xmlns:mc="http://schemas.openxmlformats.org/markup-compatibility/2006">
-            <mc:Choice xmlns:a14="http://schemas.microsoft.com/office/drawing/2010/main" Requires="a14">
+          <mc:AlternateContent xmlns:mc="http://schemas.openxmlformats.org/markup-compatibility/2006" xmlns:a14="http://schemas.microsoft.com/office/drawing/2010/main">
+            <mc:Choice Requires="a14">
               <p:sp>
                 <p:nvSpPr>
                   <p:cNvPr id="15" name="文本框 14"/>
@@ -6083,6 +6089,7 @@
                   </a:bodyPr>
                   <a:lstStyle/>
                   <a:p>
+                    <a:pPr/>
                     <a14:m>
                       <m:oMathPara xmlns:m="http://schemas.openxmlformats.org/officeDocument/2006/math">
                         <m:oMathParaPr>
@@ -6125,7 +6132,7 @@
                 </p:txBody>
               </p:sp>
             </mc:Choice>
-            <mc:Fallback>
+            <mc:Fallback xmlns="">
               <p:sp>
                 <p:nvSpPr>
                   <p:cNvPr id="15" name="文本框 14"/>
@@ -6199,8 +6206,8 @@
               </a:fontRef>
             </p:style>
           </p:cxnSp>
-          <mc:AlternateContent xmlns:mc="http://schemas.openxmlformats.org/markup-compatibility/2006">
-            <mc:Choice xmlns:a14="http://schemas.microsoft.com/office/drawing/2010/main" Requires="a14">
+          <mc:AlternateContent xmlns:mc="http://schemas.openxmlformats.org/markup-compatibility/2006" xmlns:a14="http://schemas.microsoft.com/office/drawing/2010/main">
+            <mc:Choice Requires="a14">
               <p:sp>
                 <p:nvSpPr>
                   <p:cNvPr id="19" name="文本框 18"/>
@@ -6223,6 +6230,7 @@
                   </a:bodyPr>
                   <a:lstStyle/>
                   <a:p>
+                    <a:pPr/>
                     <a14:m>
                       <m:oMathPara xmlns:m="http://schemas.openxmlformats.org/officeDocument/2006/math">
                         <m:oMathParaPr>
@@ -6243,7 +6251,7 @@
                 </p:txBody>
               </p:sp>
             </mc:Choice>
-            <mc:Fallback>
+            <mc:Fallback xmlns="">
               <p:sp>
                 <p:nvSpPr>
                   <p:cNvPr id="19" name="文本框 18"/>
@@ -6282,8 +6290,8 @@
               </p:sp>
             </mc:Fallback>
           </mc:AlternateContent>
-          <mc:AlternateContent xmlns:mc="http://schemas.openxmlformats.org/markup-compatibility/2006">
-            <mc:Choice xmlns:a14="http://schemas.microsoft.com/office/drawing/2010/main" Requires="a14">
+          <mc:AlternateContent xmlns:mc="http://schemas.openxmlformats.org/markup-compatibility/2006" xmlns:a14="http://schemas.microsoft.com/office/drawing/2010/main">
+            <mc:Choice Requires="a14">
               <p:sp>
                 <p:nvSpPr>
                   <p:cNvPr id="20" name="文本框 19"/>
@@ -6306,6 +6314,7 @@
                   </a:bodyPr>
                   <a:lstStyle/>
                   <a:p>
+                    <a:pPr/>
                     <a14:m>
                       <m:oMathPara xmlns:m="http://schemas.openxmlformats.org/officeDocument/2006/math">
                         <m:oMathParaPr>
@@ -6329,7 +6338,7 @@
                 </p:txBody>
               </p:sp>
             </mc:Choice>
-            <mc:Fallback>
+            <mc:Fallback xmlns="">
               <p:sp>
                 <p:nvSpPr>
                   <p:cNvPr id="20" name="文本框 19"/>
@@ -6508,8 +6517,8 @@
               </a:fontRef>
             </p:style>
           </p:cxnSp>
-          <mc:AlternateContent xmlns:mc="http://schemas.openxmlformats.org/markup-compatibility/2006">
-            <mc:Choice xmlns:a14="http://schemas.microsoft.com/office/drawing/2010/main" Requires="a14">
+          <mc:AlternateContent xmlns:mc="http://schemas.openxmlformats.org/markup-compatibility/2006" xmlns:a14="http://schemas.microsoft.com/office/drawing/2010/main">
+            <mc:Choice Requires="a14">
               <p:sp>
                 <p:nvSpPr>
                   <p:cNvPr id="31" name="文本框 30"/>
@@ -6532,6 +6541,7 @@
                   </a:bodyPr>
                   <a:lstStyle/>
                   <a:p>
+                    <a:pPr/>
                     <a14:m>
                       <m:oMathPara xmlns:m="http://schemas.openxmlformats.org/officeDocument/2006/math">
                         <m:oMathParaPr>
@@ -6599,7 +6609,7 @@
                 </p:txBody>
               </p:sp>
             </mc:Choice>
-            <mc:Fallback>
+            <mc:Fallback xmlns="">
               <p:sp>
                 <p:nvSpPr>
                   <p:cNvPr id="31" name="文本框 30"/>
@@ -6638,8 +6648,8 @@
               </p:sp>
             </mc:Fallback>
           </mc:AlternateContent>
-          <mc:AlternateContent xmlns:mc="http://schemas.openxmlformats.org/markup-compatibility/2006">
-            <mc:Choice xmlns:a14="http://schemas.microsoft.com/office/drawing/2010/main" Requires="a14">
+          <mc:AlternateContent xmlns:mc="http://schemas.openxmlformats.org/markup-compatibility/2006" xmlns:a14="http://schemas.microsoft.com/office/drawing/2010/main">
+            <mc:Choice Requires="a14">
               <p:sp>
                 <p:nvSpPr>
                   <p:cNvPr id="32" name="文本框 31"/>
@@ -6662,6 +6672,7 @@
                   </a:bodyPr>
                   <a:lstStyle/>
                   <a:p>
+                    <a:pPr/>
                     <a14:m>
                       <m:oMathPara xmlns:m="http://schemas.openxmlformats.org/officeDocument/2006/math">
                         <m:oMathParaPr>
@@ -6729,7 +6740,7 @@
                 </p:txBody>
               </p:sp>
             </mc:Choice>
-            <mc:Fallback>
+            <mc:Fallback xmlns="">
               <p:sp>
                 <p:nvSpPr>
                   <p:cNvPr id="32" name="文本框 31"/>
@@ -6768,8 +6779,8 @@
               </p:sp>
             </mc:Fallback>
           </mc:AlternateContent>
-          <mc:AlternateContent xmlns:mc="http://schemas.openxmlformats.org/markup-compatibility/2006">
-            <mc:Choice xmlns:a14="http://schemas.microsoft.com/office/drawing/2010/main" Requires="a14">
+          <mc:AlternateContent xmlns:mc="http://schemas.openxmlformats.org/markup-compatibility/2006" xmlns:a14="http://schemas.microsoft.com/office/drawing/2010/main">
+            <mc:Choice Requires="a14">
               <p:sp>
                 <p:nvSpPr>
                   <p:cNvPr id="33" name="文本框 32"/>
@@ -6792,6 +6803,7 @@
                   </a:bodyPr>
                   <a:lstStyle/>
                   <a:p>
+                    <a:pPr/>
                     <a14:m>
                       <m:oMathPara xmlns:m="http://schemas.openxmlformats.org/officeDocument/2006/math">
                         <m:oMathParaPr>
@@ -6831,7 +6843,7 @@
                 </p:txBody>
               </p:sp>
             </mc:Choice>
-            <mc:Fallback>
+            <mc:Fallback xmlns="">
               <p:sp>
                 <p:nvSpPr>
                   <p:cNvPr id="33" name="文本框 32"/>
@@ -6905,8 +6917,8 @@
               </a:fontRef>
             </p:style>
           </p:cxnSp>
-          <mc:AlternateContent xmlns:mc="http://schemas.openxmlformats.org/markup-compatibility/2006">
-            <mc:Choice xmlns:a14="http://schemas.microsoft.com/office/drawing/2010/main" Requires="a14">
+          <mc:AlternateContent xmlns:mc="http://schemas.openxmlformats.org/markup-compatibility/2006" xmlns:a14="http://schemas.microsoft.com/office/drawing/2010/main">
+            <mc:Choice Requires="a14">
               <p:sp>
                 <p:nvSpPr>
                   <p:cNvPr id="39" name="文本框 38"/>
@@ -6929,6 +6941,7 @@
                   </a:bodyPr>
                   <a:lstStyle/>
                   <a:p>
+                    <a:pPr/>
                     <a14:m>
                       <m:oMathPara xmlns:m="http://schemas.openxmlformats.org/officeDocument/2006/math">
                         <m:oMathParaPr>
@@ -6977,7 +6990,7 @@
                 </p:txBody>
               </p:sp>
             </mc:Choice>
-            <mc:Fallback>
+            <mc:Fallback xmlns="">
               <p:sp>
                 <p:nvSpPr>
                   <p:cNvPr id="39" name="文本框 38"/>
@@ -7049,8 +7062,8 @@
               </a:fontRef>
             </p:style>
           </p:cxnSp>
-          <mc:AlternateContent xmlns:mc="http://schemas.openxmlformats.org/markup-compatibility/2006">
-            <mc:Choice xmlns:a14="http://schemas.microsoft.com/office/drawing/2010/main" Requires="a14">
+          <mc:AlternateContent xmlns:mc="http://schemas.openxmlformats.org/markup-compatibility/2006" xmlns:a14="http://schemas.microsoft.com/office/drawing/2010/main">
+            <mc:Choice Requires="a14">
               <p:sp>
                 <p:nvSpPr>
                   <p:cNvPr id="43" name="文本框 42"/>
@@ -7073,6 +7086,7 @@
                   </a:bodyPr>
                   <a:lstStyle/>
                   <a:p>
+                    <a:pPr/>
                     <a14:m>
                       <m:oMathPara xmlns:m="http://schemas.openxmlformats.org/officeDocument/2006/math">
                         <m:oMathParaPr>
@@ -7096,7 +7110,7 @@
                 </p:txBody>
               </p:sp>
             </mc:Choice>
-            <mc:Fallback>
+            <mc:Fallback xmlns="">
               <p:sp>
                 <p:nvSpPr>
                   <p:cNvPr id="43" name="文本框 42"/>
@@ -7135,8 +7149,8 @@
               </p:sp>
             </mc:Fallback>
           </mc:AlternateContent>
-          <mc:AlternateContent xmlns:mc="http://schemas.openxmlformats.org/markup-compatibility/2006">
-            <mc:Choice xmlns:a14="http://schemas.microsoft.com/office/drawing/2010/main" Requires="a14">
+          <mc:AlternateContent xmlns:mc="http://schemas.openxmlformats.org/markup-compatibility/2006" xmlns:a14="http://schemas.microsoft.com/office/drawing/2010/main">
+            <mc:Choice Requires="a14">
               <p:sp>
                 <p:nvSpPr>
                   <p:cNvPr id="44" name="文本框 43"/>
@@ -7159,6 +7173,7 @@
                   </a:bodyPr>
                   <a:lstStyle/>
                   <a:p>
+                    <a:pPr/>
                     <a14:m>
                       <m:oMathPara xmlns:m="http://schemas.openxmlformats.org/officeDocument/2006/math">
                         <m:oMathParaPr>
@@ -7182,7 +7197,7 @@
                 </p:txBody>
               </p:sp>
             </mc:Choice>
-            <mc:Fallback>
+            <mc:Fallback xmlns="">
               <p:sp>
                 <p:nvSpPr>
                   <p:cNvPr id="44" name="文本框 43"/>
@@ -7538,8 +7553,8 @@
               </a:p>
             </p:txBody>
           </p:sp>
-          <mc:AlternateContent xmlns:mc="http://schemas.openxmlformats.org/markup-compatibility/2006">
-            <mc:Choice xmlns:a14="http://schemas.microsoft.com/office/drawing/2010/main" Requires="a14">
+          <mc:AlternateContent xmlns:mc="http://schemas.openxmlformats.org/markup-compatibility/2006" xmlns:a14="http://schemas.microsoft.com/office/drawing/2010/main">
+            <mc:Choice Requires="a14">
               <p:sp>
                 <p:nvSpPr>
                   <p:cNvPr id="71" name="文本框 70"/>
@@ -7562,6 +7577,7 @@
                   </a:bodyPr>
                   <a:lstStyle/>
                   <a:p>
+                    <a:pPr/>
                     <a14:m>
                       <m:oMathPara xmlns:m="http://schemas.openxmlformats.org/officeDocument/2006/math">
                         <m:oMathParaPr>
@@ -7604,7 +7620,7 @@
                 </p:txBody>
               </p:sp>
             </mc:Choice>
-            <mc:Fallback>
+            <mc:Fallback xmlns="">
               <p:sp>
                 <p:nvSpPr>
                   <p:cNvPr id="71" name="文本框 70"/>
@@ -7676,8 +7692,8 @@
               </a:fontRef>
             </p:style>
           </p:cxnSp>
-          <mc:AlternateContent xmlns:mc="http://schemas.openxmlformats.org/markup-compatibility/2006">
-            <mc:Choice xmlns:a14="http://schemas.microsoft.com/office/drawing/2010/main" Requires="a14">
+          <mc:AlternateContent xmlns:mc="http://schemas.openxmlformats.org/markup-compatibility/2006" xmlns:a14="http://schemas.microsoft.com/office/drawing/2010/main">
+            <mc:Choice Requires="a14">
               <p:sp>
                 <p:nvSpPr>
                   <p:cNvPr id="75" name="文本框 74"/>
@@ -7700,6 +7716,7 @@
                   </a:bodyPr>
                   <a:lstStyle/>
                   <a:p>
+                    <a:pPr/>
                     <a14:m>
                       <m:oMathPara xmlns:m="http://schemas.openxmlformats.org/officeDocument/2006/math">
                         <m:oMathParaPr>
@@ -7726,7 +7743,7 @@
                 </p:txBody>
               </p:sp>
             </mc:Choice>
-            <mc:Fallback>
+            <mc:Fallback xmlns="">
               <p:sp>
                 <p:nvSpPr>
                   <p:cNvPr id="75" name="文本框 74"/>
@@ -7765,8 +7782,8 @@
               </p:sp>
             </mc:Fallback>
           </mc:AlternateContent>
-          <mc:AlternateContent xmlns:mc="http://schemas.openxmlformats.org/markup-compatibility/2006">
-            <mc:Choice xmlns:a14="http://schemas.microsoft.com/office/drawing/2010/main" Requires="a14">
+          <mc:AlternateContent xmlns:mc="http://schemas.openxmlformats.org/markup-compatibility/2006" xmlns:a14="http://schemas.microsoft.com/office/drawing/2010/main">
+            <mc:Choice Requires="a14">
               <p:sp>
                 <p:nvSpPr>
                   <p:cNvPr id="76" name="文本框 75"/>
@@ -7789,6 +7806,7 @@
                   </a:bodyPr>
                   <a:lstStyle/>
                   <a:p>
+                    <a:pPr/>
                     <a14:m>
                       <m:oMathPara xmlns:m="http://schemas.openxmlformats.org/officeDocument/2006/math">
                         <m:oMathParaPr>
@@ -7861,7 +7879,7 @@
                 </p:txBody>
               </p:sp>
             </mc:Choice>
-            <mc:Fallback>
+            <mc:Fallback xmlns="">
               <p:sp>
                 <p:nvSpPr>
                   <p:cNvPr id="76" name="文本框 75"/>
@@ -7933,8 +7951,8 @@
               </a:fontRef>
             </p:style>
           </p:cxnSp>
-          <mc:AlternateContent xmlns:mc="http://schemas.openxmlformats.org/markup-compatibility/2006">
-            <mc:Choice xmlns:a14="http://schemas.microsoft.com/office/drawing/2010/main" Requires="a14">
+          <mc:AlternateContent xmlns:mc="http://schemas.openxmlformats.org/markup-compatibility/2006" xmlns:a14="http://schemas.microsoft.com/office/drawing/2010/main">
+            <mc:Choice Requires="a14">
               <p:sp>
                 <p:nvSpPr>
                   <p:cNvPr id="82" name="文本框 81"/>
@@ -7957,6 +7975,7 @@
                   </a:bodyPr>
                   <a:lstStyle/>
                   <a:p>
+                    <a:pPr/>
                     <a14:m>
                       <m:oMathPara xmlns:m="http://schemas.openxmlformats.org/officeDocument/2006/math">
                         <m:oMathParaPr>
@@ -8014,7 +8033,7 @@
                 </p:txBody>
               </p:sp>
             </mc:Choice>
-            <mc:Fallback>
+            <mc:Fallback xmlns="">
               <p:sp>
                 <p:nvSpPr>
                   <p:cNvPr id="82" name="文本框 81"/>
@@ -8054,8 +8073,8 @@
             </mc:Fallback>
           </mc:AlternateContent>
         </p:grpSp>
-        <mc:AlternateContent xmlns:mc="http://schemas.openxmlformats.org/markup-compatibility/2006">
-          <mc:Choice xmlns:a14="http://schemas.microsoft.com/office/drawing/2010/main" Requires="a14">
+        <mc:AlternateContent xmlns:mc="http://schemas.openxmlformats.org/markup-compatibility/2006" xmlns:a14="http://schemas.microsoft.com/office/drawing/2010/main">
+          <mc:Choice Requires="a14">
             <p:sp>
               <p:nvSpPr>
                 <p:cNvPr id="84" name="文本框 83"/>
@@ -8078,6 +8097,7 @@
                 </a:bodyPr>
                 <a:lstStyle/>
                 <a:p>
+                  <a:pPr/>
                   <a14:m>
                     <m:oMathPara xmlns:m="http://schemas.openxmlformats.org/officeDocument/2006/math">
                       <m:oMathParaPr>
@@ -8110,7 +8130,7 @@
               </p:txBody>
             </p:sp>
           </mc:Choice>
-          <mc:Fallback>
+          <mc:Fallback xmlns="">
             <p:sp>
               <p:nvSpPr>
                 <p:cNvPr id="84" name="文本框 83"/>
@@ -8149,8 +8169,8 @@
             </p:sp>
           </mc:Fallback>
         </mc:AlternateContent>
-        <mc:AlternateContent xmlns:mc="http://schemas.openxmlformats.org/markup-compatibility/2006">
-          <mc:Choice xmlns:a14="http://schemas.microsoft.com/office/drawing/2010/main" Requires="a14">
+        <mc:AlternateContent xmlns:mc="http://schemas.openxmlformats.org/markup-compatibility/2006" xmlns:a14="http://schemas.microsoft.com/office/drawing/2010/main">
+          <mc:Choice Requires="a14">
             <p:sp>
               <p:nvSpPr>
                 <p:cNvPr id="85" name="文本框 84"/>
@@ -8173,6 +8193,7 @@
                 </a:bodyPr>
                 <a:lstStyle/>
                 <a:p>
+                  <a:pPr/>
                   <a14:m>
                     <m:oMathPara xmlns:m="http://schemas.openxmlformats.org/officeDocument/2006/math">
                       <m:oMathParaPr>
@@ -8205,7 +8226,7 @@
               </p:txBody>
             </p:sp>
           </mc:Choice>
-          <mc:Fallback>
+          <mc:Fallback xmlns="">
             <p:sp>
               <p:nvSpPr>
                 <p:cNvPr id="85" name="文本框 84"/>
@@ -8765,8 +8786,8 @@
               </a:fontRef>
             </p:style>
           </p:cxnSp>
-          <mc:AlternateContent xmlns:mc="http://schemas.openxmlformats.org/markup-compatibility/2006">
-            <mc:Choice xmlns:a14="http://schemas.microsoft.com/office/drawing/2010/main" Requires="a14">
+          <mc:AlternateContent xmlns:mc="http://schemas.openxmlformats.org/markup-compatibility/2006" xmlns:a14="http://schemas.microsoft.com/office/drawing/2010/main">
+            <mc:Choice Requires="a14">
               <p:sp>
                 <p:nvSpPr>
                   <p:cNvPr id="26" name="文本框 25"/>
@@ -8789,6 +8810,7 @@
                   </a:bodyPr>
                   <a:lstStyle/>
                   <a:p>
+                    <a:pPr/>
                     <a14:m>
                       <m:oMathPara xmlns:m="http://schemas.openxmlformats.org/officeDocument/2006/math">
                         <m:oMathParaPr>
@@ -8809,7 +8831,7 @@
                 </p:txBody>
               </p:sp>
             </mc:Choice>
-            <mc:Fallback>
+            <mc:Fallback xmlns="">
               <p:sp>
                 <p:nvSpPr>
                   <p:cNvPr id="26" name="文本框 25"/>
@@ -8848,8 +8870,8 @@
               </p:sp>
             </mc:Fallback>
           </mc:AlternateContent>
-          <mc:AlternateContent xmlns:mc="http://schemas.openxmlformats.org/markup-compatibility/2006">
-            <mc:Choice xmlns:a14="http://schemas.microsoft.com/office/drawing/2010/main" Requires="a14">
+          <mc:AlternateContent xmlns:mc="http://schemas.openxmlformats.org/markup-compatibility/2006" xmlns:a14="http://schemas.microsoft.com/office/drawing/2010/main">
+            <mc:Choice Requires="a14">
               <p:sp>
                 <p:nvSpPr>
                   <p:cNvPr id="27" name="文本框 26"/>
@@ -8872,6 +8894,7 @@
                   </a:bodyPr>
                   <a:lstStyle/>
                   <a:p>
+                    <a:pPr/>
                     <a14:m>
                       <m:oMathPara xmlns:m="http://schemas.openxmlformats.org/officeDocument/2006/math">
                         <m:oMathParaPr>
@@ -8895,7 +8918,7 @@
                 </p:txBody>
               </p:sp>
             </mc:Choice>
-            <mc:Fallback>
+            <mc:Fallback xmlns="">
               <p:sp>
                 <p:nvSpPr>
                   <p:cNvPr id="27" name="文本框 26"/>
@@ -8934,8 +8957,8 @@
               </p:sp>
             </mc:Fallback>
           </mc:AlternateContent>
-          <mc:AlternateContent xmlns:mc="http://schemas.openxmlformats.org/markup-compatibility/2006">
-            <mc:Choice xmlns:a14="http://schemas.microsoft.com/office/drawing/2010/main" Requires="a14">
+          <mc:AlternateContent xmlns:mc="http://schemas.openxmlformats.org/markup-compatibility/2006" xmlns:a14="http://schemas.microsoft.com/office/drawing/2010/main">
+            <mc:Choice Requires="a14">
               <p:sp>
                 <p:nvSpPr>
                   <p:cNvPr id="28" name="文本框 27"/>
@@ -8958,6 +8981,7 @@
                   </a:bodyPr>
                   <a:lstStyle/>
                   <a:p>
+                    <a:pPr/>
                     <a14:m>
                       <m:oMathPara xmlns:m="http://schemas.openxmlformats.org/officeDocument/2006/math">
                         <m:oMathParaPr>
@@ -8981,7 +9005,7 @@
                 </p:txBody>
               </p:sp>
             </mc:Choice>
-            <mc:Fallback>
+            <mc:Fallback xmlns="">
               <p:sp>
                 <p:nvSpPr>
                   <p:cNvPr id="28" name="文本框 27"/>
@@ -9020,8 +9044,8 @@
               </p:sp>
             </mc:Fallback>
           </mc:AlternateContent>
-          <mc:AlternateContent xmlns:mc="http://schemas.openxmlformats.org/markup-compatibility/2006">
-            <mc:Choice xmlns:a14="http://schemas.microsoft.com/office/drawing/2010/main" Requires="a14">
+          <mc:AlternateContent xmlns:mc="http://schemas.openxmlformats.org/markup-compatibility/2006" xmlns:a14="http://schemas.microsoft.com/office/drawing/2010/main">
+            <mc:Choice Requires="a14">
               <p:sp>
                 <p:nvSpPr>
                   <p:cNvPr id="29" name="文本框 28"/>
@@ -9044,6 +9068,7 @@
                   </a:bodyPr>
                   <a:lstStyle/>
                   <a:p>
+                    <a:pPr/>
                     <a14:m>
                       <m:oMathPara xmlns:m="http://schemas.openxmlformats.org/officeDocument/2006/math">
                         <m:oMathParaPr>
@@ -9067,7 +9092,7 @@
                 </p:txBody>
               </p:sp>
             </mc:Choice>
-            <mc:Fallback>
+            <mc:Fallback xmlns="">
               <p:sp>
                 <p:nvSpPr>
                   <p:cNvPr id="29" name="文本框 28"/>
@@ -9149,8 +9174,8 @@
               </a:p>
             </p:txBody>
           </p:sp>
-          <mc:AlternateContent xmlns:mc="http://schemas.openxmlformats.org/markup-compatibility/2006">
-            <mc:Choice xmlns:a14="http://schemas.microsoft.com/office/drawing/2010/main" Requires="a14">
+          <mc:AlternateContent xmlns:mc="http://schemas.openxmlformats.org/markup-compatibility/2006" xmlns:a14="http://schemas.microsoft.com/office/drawing/2010/main">
+            <mc:Choice Requires="a14">
               <p:sp>
                 <p:nvSpPr>
                   <p:cNvPr id="31" name="文本框 30"/>
@@ -9173,6 +9198,7 @@
                   </a:bodyPr>
                   <a:lstStyle/>
                   <a:p>
+                    <a:pPr/>
                     <a14:m>
                       <m:oMathPara xmlns:m="http://schemas.openxmlformats.org/officeDocument/2006/math">
                         <m:oMathParaPr>
@@ -9194,7 +9220,7 @@
                 </p:txBody>
               </p:sp>
             </mc:Choice>
-            <mc:Fallback>
+            <mc:Fallback xmlns="">
               <p:sp>
                 <p:nvSpPr>
                   <p:cNvPr id="31" name="文本框 30"/>
@@ -9385,8 +9411,8 @@
               </p:style>
             </p:cxnSp>
           </p:grpSp>
-          <mc:AlternateContent xmlns:mc="http://schemas.openxmlformats.org/markup-compatibility/2006">
-            <mc:Choice xmlns:a14="http://schemas.microsoft.com/office/drawing/2010/main" Requires="a14">
+          <mc:AlternateContent xmlns:mc="http://schemas.openxmlformats.org/markup-compatibility/2006" xmlns:a14="http://schemas.microsoft.com/office/drawing/2010/main">
+            <mc:Choice Requires="a14">
               <p:sp>
                 <p:nvSpPr>
                   <p:cNvPr id="52" name="文本框 51"/>
@@ -9523,7 +9549,7 @@
                 </p:txBody>
               </p:sp>
             </mc:Choice>
-            <mc:Fallback>
+            <mc:Fallback xmlns="">
               <p:sp>
                 <p:nvSpPr>
                   <p:cNvPr id="52" name="文本框 51"/>
@@ -9684,8 +9710,8 @@
             </a:fontRef>
           </p:style>
         </p:cxnSp>
-        <mc:AlternateContent xmlns:mc="http://schemas.openxmlformats.org/markup-compatibility/2006">
-          <mc:Choice xmlns:a14="http://schemas.microsoft.com/office/drawing/2010/main" Requires="a14">
+        <mc:AlternateContent xmlns:mc="http://schemas.openxmlformats.org/markup-compatibility/2006" xmlns:a14="http://schemas.microsoft.com/office/drawing/2010/main">
+          <mc:Choice Requires="a14">
             <p:sp>
               <p:nvSpPr>
                 <p:cNvPr id="59" name="文本框 58"/>
@@ -9708,6 +9734,7 @@
                 </a:bodyPr>
                 <a:lstStyle/>
                 <a:p>
+                  <a:pPr/>
                   <a14:m>
                     <m:oMathPara xmlns:m="http://schemas.openxmlformats.org/officeDocument/2006/math">
                       <m:oMathParaPr>
@@ -9728,7 +9755,7 @@
               </p:txBody>
             </p:sp>
           </mc:Choice>
-          <mc:Fallback>
+          <mc:Fallback xmlns="">
             <p:sp>
               <p:nvSpPr>
                 <p:cNvPr id="59" name="文本框 58"/>
@@ -9767,8 +9794,8 @@
             </p:sp>
           </mc:Fallback>
         </mc:AlternateContent>
-        <mc:AlternateContent xmlns:mc="http://schemas.openxmlformats.org/markup-compatibility/2006">
-          <mc:Choice xmlns:a14="http://schemas.microsoft.com/office/drawing/2010/main" Requires="a14">
+        <mc:AlternateContent xmlns:mc="http://schemas.openxmlformats.org/markup-compatibility/2006" xmlns:a14="http://schemas.microsoft.com/office/drawing/2010/main">
+          <mc:Choice Requires="a14">
             <p:sp>
               <p:nvSpPr>
                 <p:cNvPr id="61" name="文本框 60"/>
@@ -9791,6 +9818,7 @@
                 </a:bodyPr>
                 <a:lstStyle/>
                 <a:p>
+                  <a:pPr/>
                   <a14:m>
                     <m:oMathPara xmlns:m="http://schemas.openxmlformats.org/officeDocument/2006/math">
                       <m:oMathParaPr>
@@ -9811,7 +9839,7 @@
               </p:txBody>
             </p:sp>
           </mc:Choice>
-          <mc:Fallback>
+          <mc:Fallback xmlns="">
             <p:sp>
               <p:nvSpPr>
                 <p:cNvPr id="61" name="文本框 60"/>
@@ -9901,8 +9929,8 @@
             </a:p>
           </p:txBody>
         </p:sp>
-        <mc:AlternateContent xmlns:mc="http://schemas.openxmlformats.org/markup-compatibility/2006">
-          <mc:Choice xmlns:a14="http://schemas.microsoft.com/office/drawing/2010/main" Requires="a14">
+        <mc:AlternateContent xmlns:mc="http://schemas.openxmlformats.org/markup-compatibility/2006" xmlns:a14="http://schemas.microsoft.com/office/drawing/2010/main">
+          <mc:Choice Requires="a14">
             <p:sp>
               <p:nvSpPr>
                 <p:cNvPr id="62" name="文本框 61"/>
@@ -9925,6 +9953,7 @@
                 </a:bodyPr>
                 <a:lstStyle/>
                 <a:p>
+                  <a:pPr/>
                   <a14:m>
                     <m:oMathPara xmlns:m="http://schemas.openxmlformats.org/officeDocument/2006/math">
                       <m:oMathParaPr>
@@ -9945,7 +9974,7 @@
               </p:txBody>
             </p:sp>
           </mc:Choice>
-          <mc:Fallback>
+          <mc:Fallback xmlns="">
             <p:sp>
               <p:nvSpPr>
                 <p:cNvPr id="62" name="文本框 61"/>
@@ -10192,8 +10221,8 @@
             </a:fontRef>
           </p:style>
         </p:cxnSp>
-        <mc:AlternateContent xmlns:mc="http://schemas.openxmlformats.org/markup-compatibility/2006">
-          <mc:Choice xmlns:a14="http://schemas.microsoft.com/office/drawing/2010/main" Requires="a14">
+        <mc:AlternateContent xmlns:mc="http://schemas.openxmlformats.org/markup-compatibility/2006" xmlns:a14="http://schemas.microsoft.com/office/drawing/2010/main">
+          <mc:Choice Requires="a14">
             <p:sp>
               <p:nvSpPr>
                 <p:cNvPr id="87" name="文本框 86"/>
@@ -10216,6 +10245,7 @@
                 </a:bodyPr>
                 <a:lstStyle/>
                 <a:p>
+                  <a:pPr/>
                   <a14:m>
                     <m:oMathPara xmlns:m="http://schemas.openxmlformats.org/officeDocument/2006/math">
                       <m:oMathParaPr>
@@ -10237,7 +10267,7 @@
               </p:txBody>
             </p:sp>
           </mc:Choice>
-          <mc:Fallback>
+          <mc:Fallback xmlns="">
             <p:sp>
               <p:nvSpPr>
                 <p:cNvPr id="87" name="文本框 86"/>
@@ -10276,8 +10306,8 @@
             </p:sp>
           </mc:Fallback>
         </mc:AlternateContent>
-        <mc:AlternateContent xmlns:mc="http://schemas.openxmlformats.org/markup-compatibility/2006">
-          <mc:Choice xmlns:a14="http://schemas.microsoft.com/office/drawing/2010/main" Requires="a14">
+        <mc:AlternateContent xmlns:mc="http://schemas.openxmlformats.org/markup-compatibility/2006" xmlns:a14="http://schemas.microsoft.com/office/drawing/2010/main">
+          <mc:Choice Requires="a14">
             <p:sp>
               <p:nvSpPr>
                 <p:cNvPr id="88" name="文本框 87"/>
@@ -10300,6 +10330,7 @@
                 </a:bodyPr>
                 <a:lstStyle/>
                 <a:p>
+                  <a:pPr/>
                   <a14:m>
                     <m:oMathPara xmlns:m="http://schemas.openxmlformats.org/officeDocument/2006/math">
                       <m:oMathParaPr>
@@ -10321,7 +10352,7 @@
               </p:txBody>
             </p:sp>
           </mc:Choice>
-          <mc:Fallback>
+          <mc:Fallback xmlns="">
             <p:sp>
               <p:nvSpPr>
                 <p:cNvPr id="88" name="文本框 87"/>
@@ -10436,8 +10467,8 @@
             </a:p>
           </p:txBody>
         </p:sp>
-        <mc:AlternateContent xmlns:mc="http://schemas.openxmlformats.org/markup-compatibility/2006">
-          <mc:Choice xmlns:a14="http://schemas.microsoft.com/office/drawing/2010/main" Requires="a14">
+        <mc:AlternateContent xmlns:mc="http://schemas.openxmlformats.org/markup-compatibility/2006" xmlns:a14="http://schemas.microsoft.com/office/drawing/2010/main">
+          <mc:Choice Requires="a14">
             <p:sp>
               <p:nvSpPr>
                 <p:cNvPr id="92" name="文本框 91"/>
@@ -10498,7 +10529,7 @@
               </p:txBody>
             </p:sp>
           </mc:Choice>
-          <mc:Fallback>
+          <mc:Fallback xmlns="">
             <p:sp>
               <p:nvSpPr>
                 <p:cNvPr id="92" name="文本框 91"/>
@@ -10537,8 +10568,8 @@
             </p:sp>
           </mc:Fallback>
         </mc:AlternateContent>
-        <mc:AlternateContent xmlns:mc="http://schemas.openxmlformats.org/markup-compatibility/2006">
-          <mc:Choice xmlns:a14="http://schemas.microsoft.com/office/drawing/2010/main" Requires="a14">
+        <mc:AlternateContent xmlns:mc="http://schemas.openxmlformats.org/markup-compatibility/2006" xmlns:a14="http://schemas.microsoft.com/office/drawing/2010/main">
+          <mc:Choice Requires="a14">
             <p:sp>
               <p:nvSpPr>
                 <p:cNvPr id="93" name="文本框 92"/>
@@ -10561,6 +10592,7 @@
                 </a:bodyPr>
                 <a:lstStyle/>
                 <a:p>
+                  <a:pPr/>
                   <a14:m>
                     <m:oMathPara xmlns:m="http://schemas.openxmlformats.org/officeDocument/2006/math">
                       <m:oMathParaPr>
@@ -10600,7 +10632,7 @@
               </p:txBody>
             </p:sp>
           </mc:Choice>
-          <mc:Fallback>
+          <mc:Fallback xmlns="">
             <p:sp>
               <p:nvSpPr>
                 <p:cNvPr id="93" name="文本框 92"/>
@@ -10967,8 +10999,8 @@
               </a:fontRef>
             </p:style>
           </p:cxnSp>
-          <mc:AlternateContent xmlns:mc="http://schemas.openxmlformats.org/markup-compatibility/2006">
-            <mc:Choice xmlns:a14="http://schemas.microsoft.com/office/drawing/2010/main" Requires="a14">
+          <mc:AlternateContent xmlns:mc="http://schemas.openxmlformats.org/markup-compatibility/2006" xmlns:a14="http://schemas.microsoft.com/office/drawing/2010/main">
+            <mc:Choice Requires="a14">
               <p:sp>
                 <p:nvSpPr>
                   <p:cNvPr id="7" name="文本框 6"/>
@@ -10991,6 +11023,7 @@
                   </a:bodyPr>
                   <a:lstStyle/>
                   <a:p>
+                    <a:pPr/>
                     <a14:m>
                       <m:oMathPara xmlns:m="http://schemas.openxmlformats.org/officeDocument/2006/math">
                         <m:oMathParaPr>
@@ -11011,7 +11044,7 @@
                 </p:txBody>
               </p:sp>
             </mc:Choice>
-            <mc:Fallback>
+            <mc:Fallback xmlns="">
               <p:sp>
                 <p:nvSpPr>
                   <p:cNvPr id="7" name="文本框 6"/>
@@ -11050,8 +11083,8 @@
               </p:sp>
             </mc:Fallback>
           </mc:AlternateContent>
-          <mc:AlternateContent xmlns:mc="http://schemas.openxmlformats.org/markup-compatibility/2006">
-            <mc:Choice xmlns:a14="http://schemas.microsoft.com/office/drawing/2010/main" Requires="a14">
+          <mc:AlternateContent xmlns:mc="http://schemas.openxmlformats.org/markup-compatibility/2006" xmlns:a14="http://schemas.microsoft.com/office/drawing/2010/main">
+            <mc:Choice Requires="a14">
               <p:sp>
                 <p:nvSpPr>
                   <p:cNvPr id="8" name="文本框 7"/>
@@ -11074,6 +11107,7 @@
                   </a:bodyPr>
                   <a:lstStyle/>
                   <a:p>
+                    <a:pPr/>
                     <a14:m>
                       <m:oMathPara xmlns:m="http://schemas.openxmlformats.org/officeDocument/2006/math">
                         <m:oMathParaPr>
@@ -11094,7 +11128,7 @@
                 </p:txBody>
               </p:sp>
             </mc:Choice>
-            <mc:Fallback>
+            <mc:Fallback xmlns="">
               <p:sp>
                 <p:nvSpPr>
                   <p:cNvPr id="8" name="文本框 7"/>
@@ -11184,8 +11218,8 @@
               </a:p>
             </p:txBody>
           </p:sp>
-          <mc:AlternateContent xmlns:mc="http://schemas.openxmlformats.org/markup-compatibility/2006">
-            <mc:Choice xmlns:a14="http://schemas.microsoft.com/office/drawing/2010/main" Requires="a14">
+          <mc:AlternateContent xmlns:mc="http://schemas.openxmlformats.org/markup-compatibility/2006" xmlns:a14="http://schemas.microsoft.com/office/drawing/2010/main">
+            <mc:Choice Requires="a14">
               <p:sp>
                 <p:nvSpPr>
                   <p:cNvPr id="10" name="文本框 9"/>
@@ -11210,6 +11244,7 @@
                   </a:bodyPr>
                   <a:lstStyle/>
                   <a:p>
+                    <a:pPr/>
                     <a14:m>
                       <m:oMathPara xmlns:m="http://schemas.openxmlformats.org/officeDocument/2006/math">
                         <m:oMathParaPr>
@@ -11230,7 +11265,7 @@
                 </p:txBody>
               </p:sp>
             </mc:Choice>
-            <mc:Fallback>
+            <mc:Fallback xmlns="">
               <p:sp>
                 <p:nvSpPr>
                   <p:cNvPr id="10" name="文本框 9"/>
@@ -11477,8 +11512,8 @@
               </a:fontRef>
             </p:style>
           </p:cxnSp>
-          <mc:AlternateContent xmlns:mc="http://schemas.openxmlformats.org/markup-compatibility/2006">
-            <mc:Choice xmlns:a14="http://schemas.microsoft.com/office/drawing/2010/main" Requires="a14">
+          <mc:AlternateContent xmlns:mc="http://schemas.openxmlformats.org/markup-compatibility/2006" xmlns:a14="http://schemas.microsoft.com/office/drawing/2010/main">
+            <mc:Choice Requires="a14">
               <p:sp>
                 <p:nvSpPr>
                   <p:cNvPr id="17" name="文本框 16"/>
@@ -11501,6 +11536,7 @@
                   </a:bodyPr>
                   <a:lstStyle/>
                   <a:p>
+                    <a:pPr/>
                     <a14:m>
                       <m:oMathPara xmlns:m="http://schemas.openxmlformats.org/officeDocument/2006/math">
                         <m:oMathParaPr>
@@ -11522,7 +11558,7 @@
                 </p:txBody>
               </p:sp>
             </mc:Choice>
-            <mc:Fallback>
+            <mc:Fallback xmlns="">
               <p:sp>
                 <p:nvSpPr>
                   <p:cNvPr id="17" name="文本框 16"/>
@@ -11561,8 +11597,8 @@
               </p:sp>
             </mc:Fallback>
           </mc:AlternateContent>
-          <mc:AlternateContent xmlns:mc="http://schemas.openxmlformats.org/markup-compatibility/2006">
-            <mc:Choice xmlns:a14="http://schemas.microsoft.com/office/drawing/2010/main" Requires="a14">
+          <mc:AlternateContent xmlns:mc="http://schemas.openxmlformats.org/markup-compatibility/2006" xmlns:a14="http://schemas.microsoft.com/office/drawing/2010/main">
+            <mc:Choice Requires="a14">
               <p:sp>
                 <p:nvSpPr>
                   <p:cNvPr id="18" name="文本框 17"/>
@@ -11585,6 +11621,7 @@
                   </a:bodyPr>
                   <a:lstStyle/>
                   <a:p>
+                    <a:pPr/>
                     <a14:m>
                       <m:oMathPara xmlns:m="http://schemas.openxmlformats.org/officeDocument/2006/math">
                         <m:oMathParaPr>
@@ -11606,7 +11643,7 @@
                 </p:txBody>
               </p:sp>
             </mc:Choice>
-            <mc:Fallback>
+            <mc:Fallback xmlns="">
               <p:sp>
                 <p:nvSpPr>
                   <p:cNvPr id="18" name="文本框 17"/>
@@ -11721,8 +11758,8 @@
               </a:p>
             </p:txBody>
           </p:sp>
-          <mc:AlternateContent xmlns:mc="http://schemas.openxmlformats.org/markup-compatibility/2006">
-            <mc:Choice xmlns:a14="http://schemas.microsoft.com/office/drawing/2010/main" Requires="a14">
+          <mc:AlternateContent xmlns:mc="http://schemas.openxmlformats.org/markup-compatibility/2006" xmlns:a14="http://schemas.microsoft.com/office/drawing/2010/main">
+            <mc:Choice Requires="a14">
               <p:sp>
                 <p:nvSpPr>
                   <p:cNvPr id="21" name="文本框 20"/>
@@ -11783,7 +11820,7 @@
                 </p:txBody>
               </p:sp>
             </mc:Choice>
-            <mc:Fallback>
+            <mc:Fallback xmlns="">
               <p:sp>
                 <p:nvSpPr>
                   <p:cNvPr id="21" name="文本框 20"/>
@@ -11822,8 +11859,8 @@
               </p:sp>
             </mc:Fallback>
           </mc:AlternateContent>
-          <mc:AlternateContent xmlns:mc="http://schemas.openxmlformats.org/markup-compatibility/2006">
-            <mc:Choice xmlns:a14="http://schemas.microsoft.com/office/drawing/2010/main" Requires="a14">
+          <mc:AlternateContent xmlns:mc="http://schemas.openxmlformats.org/markup-compatibility/2006" xmlns:a14="http://schemas.microsoft.com/office/drawing/2010/main">
+            <mc:Choice Requires="a14">
               <p:sp>
                 <p:nvSpPr>
                   <p:cNvPr id="22" name="文本框 21"/>
@@ -11846,6 +11883,7 @@
                   </a:bodyPr>
                   <a:lstStyle/>
                   <a:p>
+                    <a:pPr/>
                     <a14:m>
                       <m:oMathPara xmlns:m="http://schemas.openxmlformats.org/officeDocument/2006/math">
                         <m:oMathParaPr>
@@ -11885,7 +11923,7 @@
                 </p:txBody>
               </p:sp>
             </mc:Choice>
-            <mc:Fallback>
+            <mc:Fallback xmlns="">
               <p:sp>
                 <p:nvSpPr>
                   <p:cNvPr id="22" name="文本框 21"/>
@@ -13360,52 +13398,9 @@
           <a:chExt cx="0" cy="0"/>
         </a:xfrm>
       </p:grpSpPr>
-      <p:sp>
-        <p:nvSpPr>
-          <p:cNvPr id="2" name="竖排标题 1"/>
-          <p:cNvSpPr>
-            <a:spLocks noGrp="1"/>
-          </p:cNvSpPr>
-          <p:nvPr>
-            <p:ph type="title" orient="vert"/>
-          </p:nvPr>
-        </p:nvSpPr>
-        <p:spPr/>
-        <p:txBody>
-          <a:bodyPr vert="horz"/>
-          <a:lstStyle/>
-          <a:p>
-            <a:r>
-              <a:rPr lang="en-US" altLang="zh-CN" dirty="0" smtClean="0"/>
-              <a:t>40</a:t>
-            </a:r>
-            <a:r>
-              <a:rPr lang="zh-CN" altLang="en-US" dirty="0" smtClean="0"/>
-              <a:t>；</a:t>
-            </a:r>
-            <a:r>
-              <a:rPr lang="en-US" altLang="zh-CN" dirty="0" smtClean="0"/>
-              <a:t>30</a:t>
-            </a:r>
-            <a:r>
-              <a:rPr lang="zh-CN" altLang="en-US" dirty="0" smtClean="0"/>
-              <a:t>度，</a:t>
-            </a:r>
-            <a:r>
-              <a:rPr lang="en-US" altLang="zh-CN" dirty="0" smtClean="0"/>
-              <a:t>30cm</a:t>
-            </a:r>
-            <a:r>
-              <a:rPr lang="zh-CN" altLang="en-US" dirty="0" smtClean="0"/>
-              <a:t>，信噪比比较。通过恶化耦合情况，降低系统信噪比。</a:t>
-            </a:r>
-            <a:endParaRPr lang="zh-CN" altLang="en-US" dirty="0"/>
-          </a:p>
-        </p:txBody>
-      </p:sp>
       <p:pic>
         <p:nvPicPr>
-          <p:cNvPr id="4" name="图片 3"/>
+          <p:cNvPr id="5" name="图片 4"/>
           <p:cNvPicPr>
             <a:picLocks noChangeAspect="1"/>
           </p:cNvPicPr>
@@ -13419,31 +13414,7 @@
         </p:blipFill>
         <p:spPr>
           <a:xfrm>
-            <a:off x="4631024" y="665761"/>
-            <a:ext cx="3703048" cy="2679682"/>
-          </a:xfrm>
-          <a:prstGeom prst="rect">
-            <a:avLst/>
-          </a:prstGeom>
-        </p:spPr>
-      </p:pic>
-      <p:pic>
-        <p:nvPicPr>
-          <p:cNvPr id="5" name="图片 4"/>
-          <p:cNvPicPr>
-            <a:picLocks noChangeAspect="1"/>
-          </p:cNvPicPr>
-          <p:nvPr/>
-        </p:nvPicPr>
-        <p:blipFill>
-          <a:blip r:embed="rId3"/>
-          <a:stretch>
-            <a:fillRect/>
-          </a:stretch>
-        </p:blipFill>
-        <p:spPr>
-          <a:xfrm>
-            <a:off x="1044049" y="545203"/>
+            <a:off x="1077610" y="2948177"/>
             <a:ext cx="3857207" cy="2772000"/>
           </a:xfrm>
           <a:prstGeom prst="rect">
@@ -13460,6 +13431,178 @@
           <p:nvPr/>
         </p:nvPicPr>
         <p:blipFill>
+          <a:blip r:embed="rId3"/>
+          <a:stretch>
+            <a:fillRect/>
+          </a:stretch>
+        </p:blipFill>
+        <p:spPr>
+          <a:xfrm>
+            <a:off x="1077609" y="525661"/>
+            <a:ext cx="3857208" cy="2772000"/>
+          </a:xfrm>
+          <a:prstGeom prst="rect">
+            <a:avLst/>
+          </a:prstGeom>
+        </p:spPr>
+      </p:pic>
+      <p:sp>
+        <p:nvSpPr>
+          <p:cNvPr id="8" name="文本框 7"/>
+          <p:cNvSpPr txBox="1"/>
+          <p:nvPr/>
+        </p:nvSpPr>
+        <p:spPr>
+          <a:xfrm>
+            <a:off x="2815001" y="3009425"/>
+            <a:ext cx="382426" cy="307777"/>
+          </a:xfrm>
+          <a:prstGeom prst="rect">
+            <a:avLst/>
+          </a:prstGeom>
+          <a:noFill/>
+        </p:spPr>
+        <p:txBody>
+          <a:bodyPr wrap="square" rtlCol="0">
+            <a:spAutoFit/>
+          </a:bodyPr>
+          <a:lstStyle/>
+          <a:p>
+            <a:r>
+              <a:rPr lang="en-US" altLang="zh-CN" sz="1400" dirty="0" smtClean="0">
+                <a:latin typeface="Times New Roman" panose="02020603050405020304" pitchFamily="18" charset="0"/>
+                <a:ea typeface="Tahoma" panose="020B0604030504040204" pitchFamily="34" charset="0"/>
+                <a:cs typeface="Times New Roman" panose="02020603050405020304" pitchFamily="18" charset="0"/>
+              </a:rPr>
+              <a:t>(a)</a:t>
+            </a:r>
+            <a:endParaRPr lang="zh-CN" altLang="en-US" sz="1400" dirty="0">
+              <a:latin typeface="Times New Roman" panose="02020603050405020304" pitchFamily="18" charset="0"/>
+              <a:cs typeface="Times New Roman" panose="02020603050405020304" pitchFamily="18" charset="0"/>
+            </a:endParaRPr>
+          </a:p>
+        </p:txBody>
+      </p:sp>
+      <p:sp>
+        <p:nvSpPr>
+          <p:cNvPr id="9" name="文本框 8"/>
+          <p:cNvSpPr txBox="1"/>
+          <p:nvPr/>
+        </p:nvSpPr>
+        <p:spPr>
+          <a:xfrm>
+            <a:off x="6199260" y="3009425"/>
+            <a:ext cx="382426" cy="307777"/>
+          </a:xfrm>
+          <a:prstGeom prst="rect">
+            <a:avLst/>
+          </a:prstGeom>
+          <a:noFill/>
+        </p:spPr>
+        <p:txBody>
+          <a:bodyPr wrap="square" rtlCol="0">
+            <a:spAutoFit/>
+          </a:bodyPr>
+          <a:lstStyle/>
+          <a:p>
+            <a:r>
+              <a:rPr lang="en-US" altLang="zh-CN" sz="1400" dirty="0" smtClean="0">
+                <a:latin typeface="Times New Roman" panose="02020603050405020304" pitchFamily="18" charset="0"/>
+                <a:ea typeface="Tahoma" panose="020B0604030504040204" pitchFamily="34" charset="0"/>
+                <a:cs typeface="Times New Roman" panose="02020603050405020304" pitchFamily="18" charset="0"/>
+              </a:rPr>
+              <a:t>(b)</a:t>
+            </a:r>
+            <a:endParaRPr lang="zh-CN" altLang="en-US" sz="1400" dirty="0">
+              <a:latin typeface="Times New Roman" panose="02020603050405020304" pitchFamily="18" charset="0"/>
+              <a:cs typeface="Times New Roman" panose="02020603050405020304" pitchFamily="18" charset="0"/>
+            </a:endParaRPr>
+          </a:p>
+        </p:txBody>
+      </p:sp>
+      <p:sp>
+        <p:nvSpPr>
+          <p:cNvPr id="10" name="文本框 9"/>
+          <p:cNvSpPr txBox="1"/>
+          <p:nvPr/>
+        </p:nvSpPr>
+        <p:spPr>
+          <a:xfrm>
+            <a:off x="2815001" y="5460845"/>
+            <a:ext cx="382426" cy="307777"/>
+          </a:xfrm>
+          <a:prstGeom prst="rect">
+            <a:avLst/>
+          </a:prstGeom>
+          <a:noFill/>
+        </p:spPr>
+        <p:txBody>
+          <a:bodyPr wrap="square" rtlCol="0">
+            <a:spAutoFit/>
+          </a:bodyPr>
+          <a:lstStyle/>
+          <a:p>
+            <a:r>
+              <a:rPr lang="en-US" altLang="zh-CN" sz="1400" dirty="0" smtClean="0">
+                <a:latin typeface="Times New Roman" panose="02020603050405020304" pitchFamily="18" charset="0"/>
+                <a:ea typeface="Tahoma" panose="020B0604030504040204" pitchFamily="34" charset="0"/>
+                <a:cs typeface="Times New Roman" panose="02020603050405020304" pitchFamily="18" charset="0"/>
+              </a:rPr>
+              <a:t>(c)</a:t>
+            </a:r>
+            <a:endParaRPr lang="zh-CN" altLang="en-US" sz="1400" dirty="0">
+              <a:latin typeface="Times New Roman" panose="02020603050405020304" pitchFamily="18" charset="0"/>
+              <a:cs typeface="Times New Roman" panose="02020603050405020304" pitchFamily="18" charset="0"/>
+            </a:endParaRPr>
+          </a:p>
+        </p:txBody>
+      </p:sp>
+      <p:sp>
+        <p:nvSpPr>
+          <p:cNvPr id="11" name="文本框 10"/>
+          <p:cNvSpPr txBox="1"/>
+          <p:nvPr/>
+        </p:nvSpPr>
+        <p:spPr>
+          <a:xfrm>
+            <a:off x="6199260" y="5460845"/>
+            <a:ext cx="382426" cy="307777"/>
+          </a:xfrm>
+          <a:prstGeom prst="rect">
+            <a:avLst/>
+          </a:prstGeom>
+          <a:noFill/>
+        </p:spPr>
+        <p:txBody>
+          <a:bodyPr wrap="square" rtlCol="0">
+            <a:spAutoFit/>
+          </a:bodyPr>
+          <a:lstStyle/>
+          <a:p>
+            <a:r>
+              <a:rPr lang="en-US" altLang="zh-CN" sz="1400" dirty="0" smtClean="0">
+                <a:latin typeface="Times New Roman" panose="02020603050405020304" pitchFamily="18" charset="0"/>
+                <a:ea typeface="Tahoma" panose="020B0604030504040204" pitchFamily="34" charset="0"/>
+                <a:cs typeface="Times New Roman" panose="02020603050405020304" pitchFamily="18" charset="0"/>
+              </a:rPr>
+              <a:t>(d)</a:t>
+            </a:r>
+            <a:endParaRPr lang="zh-CN" altLang="en-US" sz="1400" dirty="0">
+              <a:latin typeface="Times New Roman" panose="02020603050405020304" pitchFamily="18" charset="0"/>
+              <a:cs typeface="Times New Roman" panose="02020603050405020304" pitchFamily="18" charset="0"/>
+            </a:endParaRPr>
+          </a:p>
+        </p:txBody>
+      </p:sp>
+      <p:pic>
+        <p:nvPicPr>
+          <p:cNvPr id="12" name="图片 11"/>
+          <p:cNvPicPr>
+            <a:picLocks noChangeAspect="1"/>
+          </p:cNvPicPr>
+          <p:nvPr/>
+        </p:nvPicPr>
+        <p:blipFill>
           <a:blip r:embed="rId4"/>
           <a:stretch>
             <a:fillRect/>
@@ -13467,8 +13610,8 @@
         </p:blipFill>
         <p:spPr>
           <a:xfrm>
-            <a:off x="1077610" y="2996622"/>
-            <a:ext cx="3857208" cy="2772000"/>
+            <a:off x="4538949" y="3063740"/>
+            <a:ext cx="3704400" cy="2680660"/>
           </a:xfrm>
           <a:prstGeom prst="rect">
             <a:avLst/>
@@ -13477,7 +13620,7 @@
       </p:pic>
       <p:pic>
         <p:nvPicPr>
-          <p:cNvPr id="7" name="图片 6"/>
+          <p:cNvPr id="14" name="图片 13"/>
           <p:cNvPicPr>
             <a:picLocks noChangeAspect="1"/>
           </p:cNvPicPr>
@@ -13491,8 +13634,32 @@
         </p:blipFill>
         <p:spPr>
           <a:xfrm>
-            <a:off x="4538949" y="3088940"/>
-            <a:ext cx="3703048" cy="2679682"/>
+            <a:off x="7846129" y="591763"/>
+            <a:ext cx="3704400" cy="2680660"/>
+          </a:xfrm>
+          <a:prstGeom prst="rect">
+            <a:avLst/>
+          </a:prstGeom>
+        </p:spPr>
+      </p:pic>
+      <p:pic>
+        <p:nvPicPr>
+          <p:cNvPr id="15" name="图片 14"/>
+          <p:cNvPicPr>
+            <a:picLocks noChangeAspect="1"/>
+          </p:cNvPicPr>
+          <p:nvPr/>
+        </p:nvPicPr>
+        <p:blipFill>
+          <a:blip r:embed="rId6"/>
+          <a:stretch>
+            <a:fillRect/>
+          </a:stretch>
+        </p:blipFill>
+        <p:spPr>
+          <a:xfrm>
+            <a:off x="4538949" y="602780"/>
+            <a:ext cx="3704400" cy="2680660"/>
           </a:xfrm>
           <a:prstGeom prst="rect">
             <a:avLst/>
@@ -13513,6 +13680,672 @@
 </file>
 
 <file path=ppt/slides/slide25.xml><?xml version="1.0" encoding="utf-8"?>
+<p:sld xmlns:a="http://schemas.openxmlformats.org/drawingml/2006/main" xmlns:r="http://schemas.openxmlformats.org/officeDocument/2006/relationships" xmlns:p="http://schemas.openxmlformats.org/presentationml/2006/main">
+  <p:cSld>
+    <p:spTree>
+      <p:nvGrpSpPr>
+        <p:cNvPr id="1" name=""/>
+        <p:cNvGrpSpPr/>
+        <p:nvPr/>
+      </p:nvGrpSpPr>
+      <p:grpSpPr>
+        <a:xfrm>
+          <a:off x="0" y="0"/>
+          <a:ext cx="0" cy="0"/>
+          <a:chOff x="0" y="0"/>
+          <a:chExt cx="0" cy="0"/>
+        </a:xfrm>
+      </p:grpSpPr>
+      <p:grpSp>
+        <p:nvGrpSpPr>
+          <p:cNvPr id="20" name="组合 19"/>
+          <p:cNvGrpSpPr/>
+          <p:nvPr/>
+        </p:nvGrpSpPr>
+        <p:grpSpPr>
+          <a:xfrm>
+            <a:off x="180120" y="1698873"/>
+            <a:ext cx="10179680" cy="2790106"/>
+            <a:chOff x="180120" y="1698873"/>
+            <a:chExt cx="10179680" cy="2790106"/>
+          </a:xfrm>
+        </p:grpSpPr>
+        <p:grpSp>
+          <p:nvGrpSpPr>
+            <p:cNvPr id="18" name="组合 17"/>
+            <p:cNvGrpSpPr/>
+            <p:nvPr/>
+          </p:nvGrpSpPr>
+          <p:grpSpPr>
+            <a:xfrm>
+              <a:off x="180120" y="1698873"/>
+              <a:ext cx="10179680" cy="2790106"/>
+              <a:chOff x="180120" y="1698873"/>
+              <a:chExt cx="10179680" cy="2790106"/>
+            </a:xfrm>
+          </p:grpSpPr>
+          <p:pic>
+            <p:nvPicPr>
+              <p:cNvPr id="7" name="图片 6"/>
+              <p:cNvPicPr>
+                <a:picLocks noChangeAspect="1"/>
+              </p:cNvPicPr>
+              <p:nvPr/>
+            </p:nvPicPr>
+            <p:blipFill>
+              <a:blip r:embed="rId2"/>
+              <a:stretch>
+                <a:fillRect/>
+              </a:stretch>
+            </p:blipFill>
+            <p:spPr>
+              <a:xfrm>
+                <a:off x="3533599" y="1698873"/>
+                <a:ext cx="3600000" cy="2764706"/>
+              </a:xfrm>
+              <a:prstGeom prst="rect">
+                <a:avLst/>
+              </a:prstGeom>
+            </p:spPr>
+          </p:pic>
+          <p:pic>
+            <p:nvPicPr>
+              <p:cNvPr id="8" name="图片 7"/>
+              <p:cNvPicPr>
+                <a:picLocks noChangeAspect="1"/>
+              </p:cNvPicPr>
+              <p:nvPr/>
+            </p:nvPicPr>
+            <p:blipFill>
+              <a:blip r:embed="rId3"/>
+              <a:stretch>
+                <a:fillRect/>
+              </a:stretch>
+            </p:blipFill>
+            <p:spPr>
+              <a:xfrm>
+                <a:off x="6759800" y="1724273"/>
+                <a:ext cx="3600000" cy="2764706"/>
+              </a:xfrm>
+              <a:prstGeom prst="rect">
+                <a:avLst/>
+              </a:prstGeom>
+            </p:spPr>
+          </p:pic>
+          <p:sp>
+            <p:nvSpPr>
+              <p:cNvPr id="9" name="文本框 8"/>
+              <p:cNvSpPr txBox="1"/>
+              <p:nvPr/>
+            </p:nvSpPr>
+            <p:spPr>
+              <a:xfrm>
+                <a:off x="653199" y="2085702"/>
+                <a:ext cx="382426" cy="307777"/>
+              </a:xfrm>
+              <a:prstGeom prst="rect">
+                <a:avLst/>
+              </a:prstGeom>
+              <a:noFill/>
+            </p:spPr>
+            <p:txBody>
+              <a:bodyPr wrap="square" rtlCol="0">
+                <a:spAutoFit/>
+              </a:bodyPr>
+              <a:lstStyle/>
+              <a:p>
+                <a:r>
+                  <a:rPr lang="en-US" altLang="zh-CN" sz="1400" dirty="0" smtClean="0">
+                    <a:latin typeface="Times New Roman" panose="02020603050405020304" pitchFamily="18" charset="0"/>
+                    <a:ea typeface="Tahoma" panose="020B0604030504040204" pitchFamily="34" charset="0"/>
+                    <a:cs typeface="Times New Roman" panose="02020603050405020304" pitchFamily="18" charset="0"/>
+                  </a:rPr>
+                  <a:t>(a)</a:t>
+                </a:r>
+                <a:endParaRPr lang="zh-CN" altLang="en-US" sz="1400" dirty="0">
+                  <a:latin typeface="Times New Roman" panose="02020603050405020304" pitchFamily="18" charset="0"/>
+                  <a:cs typeface="Times New Roman" panose="02020603050405020304" pitchFamily="18" charset="0"/>
+                </a:endParaRPr>
+              </a:p>
+            </p:txBody>
+          </p:sp>
+          <p:sp>
+            <p:nvSpPr>
+              <p:cNvPr id="10" name="文本框 9"/>
+              <p:cNvSpPr txBox="1"/>
+              <p:nvPr/>
+            </p:nvSpPr>
+            <p:spPr>
+              <a:xfrm>
+                <a:off x="3978680" y="2085702"/>
+                <a:ext cx="382426" cy="307777"/>
+              </a:xfrm>
+              <a:prstGeom prst="rect">
+                <a:avLst/>
+              </a:prstGeom>
+              <a:noFill/>
+            </p:spPr>
+            <p:txBody>
+              <a:bodyPr wrap="square" rtlCol="0">
+                <a:spAutoFit/>
+              </a:bodyPr>
+              <a:lstStyle/>
+              <a:p>
+                <a:r>
+                  <a:rPr lang="en-US" altLang="zh-CN" sz="1400" dirty="0" smtClean="0">
+                    <a:latin typeface="Times New Roman" panose="02020603050405020304" pitchFamily="18" charset="0"/>
+                    <a:ea typeface="Tahoma" panose="020B0604030504040204" pitchFamily="34" charset="0"/>
+                    <a:cs typeface="Times New Roman" panose="02020603050405020304" pitchFamily="18" charset="0"/>
+                  </a:rPr>
+                  <a:t>(b)</a:t>
+                </a:r>
+                <a:endParaRPr lang="zh-CN" altLang="en-US" sz="1400" dirty="0">
+                  <a:latin typeface="Times New Roman" panose="02020603050405020304" pitchFamily="18" charset="0"/>
+                  <a:cs typeface="Times New Roman" panose="02020603050405020304" pitchFamily="18" charset="0"/>
+                </a:endParaRPr>
+              </a:p>
+            </p:txBody>
+          </p:sp>
+          <p:sp>
+            <p:nvSpPr>
+              <p:cNvPr id="11" name="文本框 10"/>
+              <p:cNvSpPr txBox="1"/>
+              <p:nvPr/>
+            </p:nvSpPr>
+            <p:spPr>
+              <a:xfrm>
+                <a:off x="7241506" y="2085701"/>
+                <a:ext cx="382426" cy="307777"/>
+              </a:xfrm>
+              <a:prstGeom prst="rect">
+                <a:avLst/>
+              </a:prstGeom>
+              <a:noFill/>
+            </p:spPr>
+            <p:txBody>
+              <a:bodyPr wrap="square" rtlCol="0">
+                <a:spAutoFit/>
+              </a:bodyPr>
+              <a:lstStyle/>
+              <a:p>
+                <a:r>
+                  <a:rPr lang="en-US" altLang="zh-CN" sz="1400" dirty="0" smtClean="0">
+                    <a:latin typeface="Times New Roman" panose="02020603050405020304" pitchFamily="18" charset="0"/>
+                    <a:ea typeface="Tahoma" panose="020B0604030504040204" pitchFamily="34" charset="0"/>
+                    <a:cs typeface="Times New Roman" panose="02020603050405020304" pitchFamily="18" charset="0"/>
+                  </a:rPr>
+                  <a:t>(c)</a:t>
+                </a:r>
+                <a:endParaRPr lang="zh-CN" altLang="en-US" sz="1400" dirty="0">
+                  <a:latin typeface="Times New Roman" panose="02020603050405020304" pitchFamily="18" charset="0"/>
+                  <a:cs typeface="Times New Roman" panose="02020603050405020304" pitchFamily="18" charset="0"/>
+                </a:endParaRPr>
+              </a:p>
+            </p:txBody>
+          </p:sp>
+          <p:sp>
+            <p:nvSpPr>
+              <p:cNvPr id="12" name="文本框 11"/>
+              <p:cNvSpPr txBox="1"/>
+              <p:nvPr/>
+            </p:nvSpPr>
+            <p:spPr>
+              <a:xfrm>
+                <a:off x="1035625" y="4155802"/>
+                <a:ext cx="1986975" cy="307777"/>
+              </a:xfrm>
+              <a:prstGeom prst="rect">
+                <a:avLst/>
+              </a:prstGeom>
+              <a:noFill/>
+            </p:spPr>
+            <p:txBody>
+              <a:bodyPr wrap="square" rtlCol="0">
+                <a:spAutoFit/>
+              </a:bodyPr>
+              <a:lstStyle/>
+              <a:p>
+                <a:r>
+                  <a:rPr lang="en-US" altLang="zh-CN" sz="1400" dirty="0" smtClean="0">
+                    <a:latin typeface="Times New Roman" panose="02020603050405020304" pitchFamily="18" charset="0"/>
+                    <a:ea typeface="Tahoma" panose="020B0604030504040204" pitchFamily="34" charset="0"/>
+                    <a:cs typeface="Times New Roman" panose="02020603050405020304" pitchFamily="18" charset="0"/>
+                  </a:rPr>
+                  <a:t>Gas Concentration /ppm</a:t>
+                </a:r>
+                <a:endParaRPr lang="zh-CN" altLang="en-US" sz="1400" dirty="0">
+                  <a:latin typeface="Times New Roman" panose="02020603050405020304" pitchFamily="18" charset="0"/>
+                  <a:cs typeface="Times New Roman" panose="02020603050405020304" pitchFamily="18" charset="0"/>
+                </a:endParaRPr>
+              </a:p>
+            </p:txBody>
+          </p:sp>
+          <p:sp>
+            <p:nvSpPr>
+              <p:cNvPr id="13" name="文本框 12"/>
+              <p:cNvSpPr txBox="1"/>
+              <p:nvPr/>
+            </p:nvSpPr>
+            <p:spPr>
+              <a:xfrm>
+                <a:off x="4261826" y="4155801"/>
+                <a:ext cx="1986975" cy="307777"/>
+              </a:xfrm>
+              <a:prstGeom prst="rect">
+                <a:avLst/>
+              </a:prstGeom>
+              <a:noFill/>
+            </p:spPr>
+            <p:txBody>
+              <a:bodyPr wrap="square" rtlCol="0">
+                <a:spAutoFit/>
+              </a:bodyPr>
+              <a:lstStyle/>
+              <a:p>
+                <a:r>
+                  <a:rPr lang="en-US" altLang="zh-CN" sz="1400" dirty="0" smtClean="0">
+                    <a:latin typeface="Times New Roman" panose="02020603050405020304" pitchFamily="18" charset="0"/>
+                    <a:ea typeface="Tahoma" panose="020B0604030504040204" pitchFamily="34" charset="0"/>
+                    <a:cs typeface="Times New Roman" panose="02020603050405020304" pitchFamily="18" charset="0"/>
+                  </a:rPr>
+                  <a:t>Gas Concentration /ppm</a:t>
+                </a:r>
+                <a:endParaRPr lang="zh-CN" altLang="en-US" sz="1400" dirty="0">
+                  <a:latin typeface="Times New Roman" panose="02020603050405020304" pitchFamily="18" charset="0"/>
+                  <a:cs typeface="Times New Roman" panose="02020603050405020304" pitchFamily="18" charset="0"/>
+                </a:endParaRPr>
+              </a:p>
+            </p:txBody>
+          </p:sp>
+          <p:sp>
+            <p:nvSpPr>
+              <p:cNvPr id="14" name="文本框 13"/>
+              <p:cNvSpPr txBox="1"/>
+              <p:nvPr/>
+            </p:nvSpPr>
+            <p:spPr>
+              <a:xfrm>
+                <a:off x="7516025" y="4155801"/>
+                <a:ext cx="1986975" cy="307777"/>
+              </a:xfrm>
+              <a:prstGeom prst="rect">
+                <a:avLst/>
+              </a:prstGeom>
+              <a:noFill/>
+            </p:spPr>
+            <p:txBody>
+              <a:bodyPr wrap="square" rtlCol="0">
+                <a:spAutoFit/>
+              </a:bodyPr>
+              <a:lstStyle/>
+              <a:p>
+                <a:r>
+                  <a:rPr lang="en-US" altLang="zh-CN" sz="1400" dirty="0" smtClean="0">
+                    <a:latin typeface="Times New Roman" panose="02020603050405020304" pitchFamily="18" charset="0"/>
+                    <a:ea typeface="Tahoma" panose="020B0604030504040204" pitchFamily="34" charset="0"/>
+                    <a:cs typeface="Times New Roman" panose="02020603050405020304" pitchFamily="18" charset="0"/>
+                  </a:rPr>
+                  <a:t>Gas Concentration /ppm</a:t>
+                </a:r>
+                <a:endParaRPr lang="zh-CN" altLang="en-US" sz="1400" dirty="0">
+                  <a:latin typeface="Times New Roman" panose="02020603050405020304" pitchFamily="18" charset="0"/>
+                  <a:cs typeface="Times New Roman" panose="02020603050405020304" pitchFamily="18" charset="0"/>
+                </a:endParaRPr>
+              </a:p>
+            </p:txBody>
+          </p:sp>
+          <p:sp>
+            <p:nvSpPr>
+              <p:cNvPr id="15" name="文本框 14"/>
+              <p:cNvSpPr txBox="1"/>
+              <p:nvPr/>
+            </p:nvSpPr>
+            <p:spPr>
+              <a:xfrm rot="16200000">
+                <a:off x="-659479" y="2563872"/>
+                <a:ext cx="1986975" cy="307777"/>
+              </a:xfrm>
+              <a:prstGeom prst="rect">
+                <a:avLst/>
+              </a:prstGeom>
+              <a:noFill/>
+            </p:spPr>
+            <p:txBody>
+              <a:bodyPr wrap="square" rtlCol="0">
+                <a:spAutoFit/>
+              </a:bodyPr>
+              <a:lstStyle/>
+              <a:p>
+                <a:r>
+                  <a:rPr lang="en-US" altLang="zh-CN" sz="1400" dirty="0" smtClean="0">
+                    <a:latin typeface="Times New Roman" panose="02020603050405020304" pitchFamily="18" charset="0"/>
+                    <a:ea typeface="Tahoma" panose="020B0604030504040204" pitchFamily="34" charset="0"/>
+                    <a:cs typeface="Times New Roman" panose="02020603050405020304" pitchFamily="18" charset="0"/>
+                  </a:rPr>
+                  <a:t>Absorption /a.u.</a:t>
+                </a:r>
+                <a:endParaRPr lang="zh-CN" altLang="en-US" sz="1400" dirty="0">
+                  <a:latin typeface="Times New Roman" panose="02020603050405020304" pitchFamily="18" charset="0"/>
+                  <a:cs typeface="Times New Roman" panose="02020603050405020304" pitchFamily="18" charset="0"/>
+                </a:endParaRPr>
+              </a:p>
+            </p:txBody>
+          </p:sp>
+          <p:sp>
+            <p:nvSpPr>
+              <p:cNvPr id="16" name="文本框 15"/>
+              <p:cNvSpPr txBox="1"/>
+              <p:nvPr/>
+            </p:nvSpPr>
+            <p:spPr>
+              <a:xfrm rot="16200000">
+                <a:off x="2632089" y="2563871"/>
+                <a:ext cx="1986975" cy="307777"/>
+              </a:xfrm>
+              <a:prstGeom prst="rect">
+                <a:avLst/>
+              </a:prstGeom>
+              <a:noFill/>
+            </p:spPr>
+            <p:txBody>
+              <a:bodyPr wrap="square" rtlCol="0">
+                <a:spAutoFit/>
+              </a:bodyPr>
+              <a:lstStyle/>
+              <a:p>
+                <a:r>
+                  <a:rPr lang="en-US" altLang="zh-CN" sz="1400" dirty="0" smtClean="0">
+                    <a:latin typeface="Times New Roman" panose="02020603050405020304" pitchFamily="18" charset="0"/>
+                    <a:ea typeface="Tahoma" panose="020B0604030504040204" pitchFamily="34" charset="0"/>
+                    <a:cs typeface="Times New Roman" panose="02020603050405020304" pitchFamily="18" charset="0"/>
+                  </a:rPr>
+                  <a:t>Absorption /a.u.</a:t>
+                </a:r>
+                <a:endParaRPr lang="zh-CN" altLang="en-US" sz="1400" dirty="0">
+                  <a:latin typeface="Times New Roman" panose="02020603050405020304" pitchFamily="18" charset="0"/>
+                  <a:cs typeface="Times New Roman" panose="02020603050405020304" pitchFamily="18" charset="0"/>
+                </a:endParaRPr>
+              </a:p>
+            </p:txBody>
+          </p:sp>
+          <p:sp>
+            <p:nvSpPr>
+              <p:cNvPr id="17" name="文本框 16"/>
+              <p:cNvSpPr txBox="1"/>
+              <p:nvPr/>
+            </p:nvSpPr>
+            <p:spPr>
+              <a:xfrm rot="16200000">
+                <a:off x="5869702" y="2563871"/>
+                <a:ext cx="1986975" cy="307777"/>
+              </a:xfrm>
+              <a:prstGeom prst="rect">
+                <a:avLst/>
+              </a:prstGeom>
+              <a:noFill/>
+            </p:spPr>
+            <p:txBody>
+              <a:bodyPr wrap="square" rtlCol="0">
+                <a:spAutoFit/>
+              </a:bodyPr>
+              <a:lstStyle/>
+              <a:p>
+                <a:r>
+                  <a:rPr lang="en-US" altLang="zh-CN" sz="1400" dirty="0" smtClean="0">
+                    <a:latin typeface="Times New Roman" panose="02020603050405020304" pitchFamily="18" charset="0"/>
+                    <a:ea typeface="Tahoma" panose="020B0604030504040204" pitchFamily="34" charset="0"/>
+                    <a:cs typeface="Times New Roman" panose="02020603050405020304" pitchFamily="18" charset="0"/>
+                  </a:rPr>
+                  <a:t>Absorption /a.u.</a:t>
+                </a:r>
+                <a:endParaRPr lang="zh-CN" altLang="en-US" sz="1400" dirty="0">
+                  <a:latin typeface="Times New Roman" panose="02020603050405020304" pitchFamily="18" charset="0"/>
+                  <a:cs typeface="Times New Roman" panose="02020603050405020304" pitchFamily="18" charset="0"/>
+                </a:endParaRPr>
+              </a:p>
+            </p:txBody>
+          </p:sp>
+        </p:grpSp>
+        <p:pic>
+          <p:nvPicPr>
+            <p:cNvPr id="19" name="图片 18"/>
+            <p:cNvPicPr>
+              <a:picLocks noChangeAspect="1"/>
+            </p:cNvPicPr>
+            <p:nvPr/>
+          </p:nvPicPr>
+          <p:blipFill>
+            <a:blip r:embed="rId4"/>
+            <a:stretch>
+              <a:fillRect/>
+            </a:stretch>
+          </p:blipFill>
+          <p:spPr>
+            <a:xfrm>
+              <a:off x="229112" y="1724273"/>
+              <a:ext cx="3600000" cy="2764706"/>
+            </a:xfrm>
+            <a:prstGeom prst="rect">
+              <a:avLst/>
+            </a:prstGeom>
+          </p:spPr>
+        </p:pic>
+      </p:grpSp>
+    </p:spTree>
+    <p:extLst>
+      <p:ext uri="{BB962C8B-B14F-4D97-AF65-F5344CB8AC3E}">
+        <p14:creationId xmlns:p14="http://schemas.microsoft.com/office/powerpoint/2010/main" val="3919968546"/>
+      </p:ext>
+    </p:extLst>
+  </p:cSld>
+  <p:clrMapOvr>
+    <a:masterClrMapping/>
+  </p:clrMapOvr>
+</p:sld>
+</file>
+
+<file path=ppt/slides/slide26.xml><?xml version="1.0" encoding="utf-8"?>
+<p:sld xmlns:a="http://schemas.openxmlformats.org/drawingml/2006/main" xmlns:r="http://schemas.openxmlformats.org/officeDocument/2006/relationships" xmlns:p="http://schemas.openxmlformats.org/presentationml/2006/main">
+  <p:cSld>
+    <p:spTree>
+      <p:nvGrpSpPr>
+        <p:cNvPr id="1" name=""/>
+        <p:cNvGrpSpPr/>
+        <p:nvPr/>
+      </p:nvGrpSpPr>
+      <p:grpSpPr>
+        <a:xfrm>
+          <a:off x="0" y="0"/>
+          <a:ext cx="0" cy="0"/>
+          <a:chOff x="0" y="0"/>
+          <a:chExt cx="0" cy="0"/>
+        </a:xfrm>
+      </p:grpSpPr>
+      <p:grpSp>
+        <p:nvGrpSpPr>
+          <p:cNvPr id="5" name="组合 4"/>
+          <p:cNvGrpSpPr/>
+          <p:nvPr/>
+        </p:nvGrpSpPr>
+        <p:grpSpPr>
+          <a:xfrm>
+            <a:off x="571500" y="609600"/>
+            <a:ext cx="10557700" cy="2588355"/>
+            <a:chOff x="571500" y="609600"/>
+            <a:chExt cx="10557700" cy="2588355"/>
+          </a:xfrm>
+        </p:grpSpPr>
+        <p:pic>
+          <p:nvPicPr>
+            <p:cNvPr id="1028" name="Picture 4"/>
+            <p:cNvPicPr>
+              <a:picLocks noChangeAspect="1" noChangeArrowheads="1"/>
+            </p:cNvPicPr>
+            <p:nvPr/>
+          </p:nvPicPr>
+          <p:blipFill rotWithShape="1">
+            <a:blip r:embed="rId2" cstate="print">
+              <a:extLst>
+                <a:ext uri="{28A0092B-C50C-407E-A947-70E740481C1C}">
+                  <a14:useLocalDpi xmlns:a14="http://schemas.microsoft.com/office/drawing/2010/main" val="0"/>
+                </a:ext>
+              </a:extLst>
+            </a:blip>
+            <a:srcRect l="28361" t="28606" r="33303" b="43104"/>
+            <a:stretch/>
+          </p:blipFill>
+          <p:spPr bwMode="auto">
+            <a:xfrm>
+              <a:off x="6809200" y="635000"/>
+              <a:ext cx="4320000" cy="2549946"/>
+            </a:xfrm>
+            <a:prstGeom prst="rect">
+              <a:avLst/>
+            </a:prstGeom>
+            <a:noFill/>
+            <a:ln>
+              <a:noFill/>
+            </a:ln>
+            <a:extLst>
+              <a:ext uri="{909E8E84-426E-40DD-AFC4-6F175D3DCCD1}">
+                <a14:hiddenFill xmlns:a14="http://schemas.microsoft.com/office/drawing/2010/main">
+                  <a:solidFill>
+                    <a:srgbClr val="FFFFFF"/>
+                  </a:solidFill>
+                </a14:hiddenFill>
+              </a:ext>
+              <a:ext uri="{91240B29-F687-4F45-9708-019B960494DF}">
+                <a14:hiddenLine xmlns:a14="http://schemas.microsoft.com/office/drawing/2010/main" w="9525">
+                  <a:solidFill>
+                    <a:srgbClr val="000000"/>
+                  </a:solidFill>
+                  <a:miter lim="800000"/>
+                  <a:headEnd/>
+                  <a:tailEnd/>
+                </a14:hiddenLine>
+              </a:ext>
+            </a:extLst>
+          </p:spPr>
+        </p:pic>
+        <p:pic>
+          <p:nvPicPr>
+            <p:cNvPr id="1027" name="Picture 3"/>
+            <p:cNvPicPr>
+              <a:picLocks noChangeAspect="1" noChangeArrowheads="1"/>
+            </p:cNvPicPr>
+            <p:nvPr/>
+          </p:nvPicPr>
+          <p:blipFill rotWithShape="1">
+            <a:blip r:embed="rId3">
+              <a:extLst>
+                <a:ext uri="{28A0092B-C50C-407E-A947-70E740481C1C}">
+                  <a14:useLocalDpi xmlns:a14="http://schemas.microsoft.com/office/drawing/2010/main" val="0"/>
+                </a:ext>
+              </a:extLst>
+            </a:blip>
+            <a:srcRect l="28735" t="28515" r="33170" b="43003"/>
+            <a:stretch/>
+          </p:blipFill>
+          <p:spPr bwMode="auto">
+            <a:xfrm>
+              <a:off x="3723100" y="609600"/>
+              <a:ext cx="4320000" cy="2583600"/>
+            </a:xfrm>
+            <a:prstGeom prst="rect">
+              <a:avLst/>
+            </a:prstGeom>
+            <a:noFill/>
+            <a:ln>
+              <a:noFill/>
+            </a:ln>
+            <a:extLst>
+              <a:ext uri="{909E8E84-426E-40DD-AFC4-6F175D3DCCD1}">
+                <a14:hiddenFill xmlns:a14="http://schemas.microsoft.com/office/drawing/2010/main">
+                  <a:solidFill>
+                    <a:srgbClr val="FFFFFF"/>
+                  </a:solidFill>
+                </a14:hiddenFill>
+              </a:ext>
+              <a:ext uri="{91240B29-F687-4F45-9708-019B960494DF}">
+                <a14:hiddenLine xmlns:a14="http://schemas.microsoft.com/office/drawing/2010/main" w="9525">
+                  <a:solidFill>
+                    <a:srgbClr val="000000"/>
+                  </a:solidFill>
+                  <a:miter lim="800000"/>
+                  <a:headEnd/>
+                  <a:tailEnd/>
+                </a14:hiddenLine>
+              </a:ext>
+            </a:extLst>
+          </p:spPr>
+        </p:pic>
+        <p:pic>
+          <p:nvPicPr>
+            <p:cNvPr id="1026" name="Picture 2"/>
+            <p:cNvPicPr>
+              <a:picLocks noChangeAspect="1" noChangeArrowheads="1"/>
+            </p:cNvPicPr>
+            <p:nvPr/>
+          </p:nvPicPr>
+          <p:blipFill rotWithShape="1">
+            <a:blip r:embed="rId4">
+              <a:extLst>
+                <a:ext uri="{28A0092B-C50C-407E-A947-70E740481C1C}">
+                  <a14:useLocalDpi xmlns:a14="http://schemas.microsoft.com/office/drawing/2010/main" val="0"/>
+                </a:ext>
+              </a:extLst>
+            </a:blip>
+            <a:srcRect l="28119" t="28420" r="33063" b="42502"/>
+            <a:stretch/>
+          </p:blipFill>
+          <p:spPr bwMode="auto">
+            <a:xfrm>
+              <a:off x="571500" y="609600"/>
+              <a:ext cx="4320000" cy="2588355"/>
+            </a:xfrm>
+            <a:prstGeom prst="rect">
+              <a:avLst/>
+            </a:prstGeom>
+            <a:noFill/>
+            <a:ln>
+              <a:noFill/>
+            </a:ln>
+            <a:extLst>
+              <a:ext uri="{909E8E84-426E-40DD-AFC4-6F175D3DCCD1}">
+                <a14:hiddenFill xmlns:a14="http://schemas.microsoft.com/office/drawing/2010/main">
+                  <a:solidFill>
+                    <a:srgbClr val="FFFFFF"/>
+                  </a:solidFill>
+                </a14:hiddenFill>
+              </a:ext>
+              <a:ext uri="{91240B29-F687-4F45-9708-019B960494DF}">
+                <a14:hiddenLine xmlns:a14="http://schemas.microsoft.com/office/drawing/2010/main" w="9525">
+                  <a:solidFill>
+                    <a:srgbClr val="000000"/>
+                  </a:solidFill>
+                  <a:miter lim="800000"/>
+                  <a:headEnd/>
+                  <a:tailEnd/>
+                </a14:hiddenLine>
+              </a:ext>
+            </a:extLst>
+          </p:spPr>
+        </p:pic>
+      </p:grpSp>
+    </p:spTree>
+    <p:extLst>
+      <p:ext uri="{BB962C8B-B14F-4D97-AF65-F5344CB8AC3E}">
+        <p14:creationId xmlns:p14="http://schemas.microsoft.com/office/powerpoint/2010/main" val="739262184"/>
+      </p:ext>
+    </p:extLst>
+  </p:cSld>
+  <p:clrMapOvr>
+    <a:masterClrMapping/>
+  </p:clrMapOvr>
+</p:sld>
+</file>
+
+<file path=ppt/slides/slide27.xml><?xml version="1.0" encoding="utf-8"?>
 <p:sld xmlns:a="http://schemas.openxmlformats.org/drawingml/2006/main" xmlns:r="http://schemas.openxmlformats.org/officeDocument/2006/relationships" xmlns:p="http://schemas.openxmlformats.org/presentationml/2006/main">
   <p:cSld>
     <p:spTree>
@@ -13756,7 +14589,7 @@
 </p:sld>
 </file>
 
-<file path=ppt/slides/slide26.xml><?xml version="1.0" encoding="utf-8"?>
+<file path=ppt/slides/slide28.xml><?xml version="1.0" encoding="utf-8"?>
 <p:sld xmlns:a="http://schemas.openxmlformats.org/drawingml/2006/main" xmlns:r="http://schemas.openxmlformats.org/officeDocument/2006/relationships" xmlns:p="http://schemas.openxmlformats.org/presentationml/2006/main">
   <p:cSld>
     <p:spTree>
@@ -13846,7 +14679,7 @@
 </p:sld>
 </file>
 
-<file path=ppt/slides/slide27.xml><?xml version="1.0" encoding="utf-8"?>
+<file path=ppt/slides/slide29.xml><?xml version="1.0" encoding="utf-8"?>
 <p:sld xmlns:a="http://schemas.openxmlformats.org/drawingml/2006/main" xmlns:r="http://schemas.openxmlformats.org/officeDocument/2006/relationships" xmlns:p="http://schemas.openxmlformats.org/presentationml/2006/main">
   <p:cSld>
     <p:spTree>
@@ -14947,6 +15780,1952 @@
     <p:extLst>
       <p:ext uri="{BB962C8B-B14F-4D97-AF65-F5344CB8AC3E}">
         <p14:creationId xmlns:p14="http://schemas.microsoft.com/office/powerpoint/2010/main" val="203774570"/>
+      </p:ext>
+    </p:extLst>
+  </p:cSld>
+  <p:clrMapOvr>
+    <a:masterClrMapping/>
+  </p:clrMapOvr>
+</p:sld>
+</file>
+
+<file path=ppt/slides/slide30.xml><?xml version="1.0" encoding="utf-8"?>
+<p:sld xmlns:a="http://schemas.openxmlformats.org/drawingml/2006/main" xmlns:r="http://schemas.openxmlformats.org/officeDocument/2006/relationships" xmlns:p="http://schemas.openxmlformats.org/presentationml/2006/main">
+  <p:cSld>
+    <p:spTree>
+      <p:nvGrpSpPr>
+        <p:cNvPr id="1" name=""/>
+        <p:cNvGrpSpPr/>
+        <p:nvPr/>
+      </p:nvGrpSpPr>
+      <p:grpSpPr>
+        <a:xfrm>
+          <a:off x="0" y="0"/>
+          <a:ext cx="0" cy="0"/>
+          <a:chOff x="0" y="0"/>
+          <a:chExt cx="0" cy="0"/>
+        </a:xfrm>
+      </p:grpSpPr>
+      <p:sp>
+        <p:nvSpPr>
+          <p:cNvPr id="2" name="竖排标题 1"/>
+          <p:cNvSpPr>
+            <a:spLocks noGrp="1"/>
+          </p:cNvSpPr>
+          <p:nvPr>
+            <p:ph type="title" orient="vert"/>
+          </p:nvPr>
+        </p:nvSpPr>
+        <p:spPr/>
+        <p:txBody>
+          <a:bodyPr/>
+          <a:lstStyle/>
+          <a:p>
+            <a:endParaRPr lang="zh-CN" altLang="en-US"/>
+          </a:p>
+        </p:txBody>
+      </p:sp>
+      <p:sp>
+        <p:nvSpPr>
+          <p:cNvPr id="3" name="竖排文字占位符 2"/>
+          <p:cNvSpPr>
+            <a:spLocks noGrp="1"/>
+          </p:cNvSpPr>
+          <p:nvPr>
+            <p:ph type="body" orient="vert" idx="1"/>
+          </p:nvPr>
+        </p:nvSpPr>
+        <p:spPr/>
+        <p:txBody>
+          <a:bodyPr/>
+          <a:lstStyle/>
+          <a:p>
+            <a:endParaRPr lang="zh-CN" altLang="en-US"/>
+          </a:p>
+        </p:txBody>
+      </p:sp>
+      <p:pic>
+        <p:nvPicPr>
+          <p:cNvPr id="4" name="图片 3"/>
+          <p:cNvPicPr/>
+          <p:nvPr/>
+        </p:nvPicPr>
+        <p:blipFill>
+          <a:blip r:embed="rId2" cstate="print">
+            <a:extLst>
+              <a:ext uri="{28A0092B-C50C-407E-A947-70E740481C1C}">
+                <a14:useLocalDpi xmlns:a14="http://schemas.microsoft.com/office/drawing/2010/main" val="0"/>
+              </a:ext>
+            </a:extLst>
+          </a:blip>
+          <a:srcRect/>
+          <a:stretch>
+            <a:fillRect/>
+          </a:stretch>
+        </p:blipFill>
+        <p:spPr bwMode="auto">
+          <a:xfrm>
+            <a:off x="3576002" y="2700337"/>
+            <a:ext cx="5039995" cy="1457325"/>
+          </a:xfrm>
+          <a:prstGeom prst="rect">
+            <a:avLst/>
+          </a:prstGeom>
+          <a:noFill/>
+        </p:spPr>
+      </p:pic>
+    </p:spTree>
+    <p:extLst>
+      <p:ext uri="{BB962C8B-B14F-4D97-AF65-F5344CB8AC3E}">
+        <p14:creationId xmlns:p14="http://schemas.microsoft.com/office/powerpoint/2010/main" val="2315309654"/>
+      </p:ext>
+    </p:extLst>
+  </p:cSld>
+  <p:clrMapOvr>
+    <a:masterClrMapping/>
+  </p:clrMapOvr>
+</p:sld>
+</file>
+
+<file path=ppt/slides/slide31.xml><?xml version="1.0" encoding="utf-8"?>
+<p:sld xmlns:a="http://schemas.openxmlformats.org/drawingml/2006/main" xmlns:r="http://schemas.openxmlformats.org/officeDocument/2006/relationships" xmlns:p="http://schemas.openxmlformats.org/presentationml/2006/main">
+  <p:cSld>
+    <p:spTree>
+      <p:nvGrpSpPr>
+        <p:cNvPr id="1" name=""/>
+        <p:cNvGrpSpPr/>
+        <p:nvPr/>
+      </p:nvGrpSpPr>
+      <p:grpSpPr>
+        <a:xfrm>
+          <a:off x="0" y="0"/>
+          <a:ext cx="0" cy="0"/>
+          <a:chOff x="0" y="0"/>
+          <a:chExt cx="0" cy="0"/>
+        </a:xfrm>
+      </p:grpSpPr>
+      <p:grpSp>
+        <p:nvGrpSpPr>
+          <p:cNvPr id="31" name="组合 30"/>
+          <p:cNvGrpSpPr/>
+          <p:nvPr/>
+        </p:nvGrpSpPr>
+        <p:grpSpPr>
+          <a:xfrm>
+            <a:off x="211306" y="-13705"/>
+            <a:ext cx="7639192" cy="6311834"/>
+            <a:chOff x="211306" y="-13705"/>
+            <a:chExt cx="7639192" cy="6311834"/>
+          </a:xfrm>
+        </p:grpSpPr>
+        <p:grpSp>
+          <p:nvGrpSpPr>
+            <p:cNvPr id="27" name="组合 26"/>
+            <p:cNvGrpSpPr/>
+            <p:nvPr/>
+          </p:nvGrpSpPr>
+          <p:grpSpPr>
+            <a:xfrm>
+              <a:off x="311314" y="0"/>
+              <a:ext cx="3746500" cy="3240000"/>
+              <a:chOff x="273050" y="0"/>
+              <a:chExt cx="3746500" cy="3240000"/>
+            </a:xfrm>
+          </p:grpSpPr>
+          <p:pic>
+            <p:nvPicPr>
+              <p:cNvPr id="5" name="图片 4"/>
+              <p:cNvPicPr>
+                <a:picLocks noChangeAspect="1"/>
+              </p:cNvPicPr>
+              <p:nvPr/>
+            </p:nvPicPr>
+            <p:blipFill rotWithShape="1">
+              <a:blip r:embed="rId2">
+                <a:extLst>
+                  <a:ext uri="{28A0092B-C50C-407E-A947-70E740481C1C}">
+                    <a14:useLocalDpi xmlns:a14="http://schemas.microsoft.com/office/drawing/2010/main" val="0"/>
+                  </a:ext>
+                </a:extLst>
+              </a:blip>
+              <a:srcRect l="6279" r="6996"/>
+              <a:stretch/>
+            </p:blipFill>
+            <p:spPr>
+              <a:xfrm>
+                <a:off x="273050" y="0"/>
+                <a:ext cx="3746500" cy="3240000"/>
+              </a:xfrm>
+              <a:prstGeom prst="rect">
+                <a:avLst/>
+              </a:prstGeom>
+            </p:spPr>
+          </p:pic>
+          <p:sp>
+            <p:nvSpPr>
+              <p:cNvPr id="6" name="文本框 5"/>
+              <p:cNvSpPr txBox="1"/>
+              <p:nvPr/>
+            </p:nvSpPr>
+            <p:spPr>
+              <a:xfrm>
+                <a:off x="3340637" y="2444078"/>
+                <a:ext cx="382426" cy="307777"/>
+              </a:xfrm>
+              <a:prstGeom prst="rect">
+                <a:avLst/>
+              </a:prstGeom>
+              <a:noFill/>
+            </p:spPr>
+            <p:txBody>
+              <a:bodyPr wrap="square" rtlCol="0">
+                <a:spAutoFit/>
+              </a:bodyPr>
+              <a:lstStyle/>
+              <a:p>
+                <a:r>
+                  <a:rPr lang="en-US" altLang="zh-CN" sz="1400" dirty="0" smtClean="0">
+                    <a:latin typeface="Times New Roman" panose="02020603050405020304" pitchFamily="18" charset="0"/>
+                    <a:ea typeface="Tahoma" panose="020B0604030504040204" pitchFamily="34" charset="0"/>
+                    <a:cs typeface="Times New Roman" panose="02020603050405020304" pitchFamily="18" charset="0"/>
+                  </a:rPr>
+                  <a:t>(a)</a:t>
+                </a:r>
+                <a:endParaRPr lang="zh-CN" altLang="en-US" sz="1400" dirty="0">
+                  <a:latin typeface="Times New Roman" panose="02020603050405020304" pitchFamily="18" charset="0"/>
+                  <a:cs typeface="Times New Roman" panose="02020603050405020304" pitchFamily="18" charset="0"/>
+                </a:endParaRPr>
+              </a:p>
+            </p:txBody>
+          </p:sp>
+          <p:sp>
+            <p:nvSpPr>
+              <p:cNvPr id="7" name="文本框 6"/>
+              <p:cNvSpPr txBox="1"/>
+              <p:nvPr/>
+            </p:nvSpPr>
+            <p:spPr>
+              <a:xfrm>
+                <a:off x="2106000" y="1949672"/>
+                <a:ext cx="438203" cy="307777"/>
+              </a:xfrm>
+              <a:prstGeom prst="rect">
+                <a:avLst/>
+              </a:prstGeom>
+              <a:noFill/>
+            </p:spPr>
+            <p:txBody>
+              <a:bodyPr wrap="square" rtlCol="0">
+                <a:spAutoFit/>
+              </a:bodyPr>
+              <a:lstStyle/>
+              <a:p>
+                <a:r>
+                  <a:rPr lang="en-US" altLang="zh-CN" sz="1400" dirty="0" smtClean="0">
+                    <a:latin typeface="Times New Roman" panose="02020603050405020304" pitchFamily="18" charset="0"/>
+                    <a:ea typeface="Tahoma" panose="020B0604030504040204" pitchFamily="34" charset="0"/>
+                    <a:cs typeface="Times New Roman" panose="02020603050405020304" pitchFamily="18" charset="0"/>
+                  </a:rPr>
+                  <a:t>1m</a:t>
+                </a:r>
+                <a:endParaRPr lang="zh-CN" altLang="en-US" sz="1400" dirty="0">
+                  <a:latin typeface="Times New Roman" panose="02020603050405020304" pitchFamily="18" charset="0"/>
+                  <a:cs typeface="Times New Roman" panose="02020603050405020304" pitchFamily="18" charset="0"/>
+                </a:endParaRPr>
+              </a:p>
+            </p:txBody>
+          </p:sp>
+          <p:sp>
+            <p:nvSpPr>
+              <p:cNvPr id="8" name="文本框 7"/>
+              <p:cNvSpPr txBox="1"/>
+              <p:nvPr/>
+            </p:nvSpPr>
+            <p:spPr>
+              <a:xfrm>
+                <a:off x="2105998" y="1114104"/>
+                <a:ext cx="438203" cy="307777"/>
+              </a:xfrm>
+              <a:prstGeom prst="rect">
+                <a:avLst/>
+              </a:prstGeom>
+              <a:noFill/>
+            </p:spPr>
+            <p:txBody>
+              <a:bodyPr wrap="square" rtlCol="0">
+                <a:spAutoFit/>
+              </a:bodyPr>
+              <a:lstStyle/>
+              <a:p>
+                <a:r>
+                  <a:rPr lang="en-US" altLang="zh-CN" sz="1400" dirty="0">
+                    <a:latin typeface="Times New Roman" panose="02020603050405020304" pitchFamily="18" charset="0"/>
+                    <a:ea typeface="Tahoma" panose="020B0604030504040204" pitchFamily="34" charset="0"/>
+                    <a:cs typeface="Times New Roman" panose="02020603050405020304" pitchFamily="18" charset="0"/>
+                  </a:rPr>
+                  <a:t>2</a:t>
+                </a:r>
+                <a:r>
+                  <a:rPr lang="en-US" altLang="zh-CN" sz="1400" dirty="0" smtClean="0">
+                    <a:latin typeface="Times New Roman" panose="02020603050405020304" pitchFamily="18" charset="0"/>
+                    <a:ea typeface="Tahoma" panose="020B0604030504040204" pitchFamily="34" charset="0"/>
+                    <a:cs typeface="Times New Roman" panose="02020603050405020304" pitchFamily="18" charset="0"/>
+                  </a:rPr>
+                  <a:t>m</a:t>
+                </a:r>
+                <a:endParaRPr lang="zh-CN" altLang="en-US" sz="1400" dirty="0">
+                  <a:latin typeface="Times New Roman" panose="02020603050405020304" pitchFamily="18" charset="0"/>
+                  <a:cs typeface="Times New Roman" panose="02020603050405020304" pitchFamily="18" charset="0"/>
+                </a:endParaRPr>
+              </a:p>
+            </p:txBody>
+          </p:sp>
+          <p:sp>
+            <p:nvSpPr>
+              <p:cNvPr id="9" name="文本框 8"/>
+              <p:cNvSpPr txBox="1"/>
+              <p:nvPr/>
+            </p:nvSpPr>
+            <p:spPr>
+              <a:xfrm>
+                <a:off x="2105998" y="245480"/>
+                <a:ext cx="438203" cy="307777"/>
+              </a:xfrm>
+              <a:prstGeom prst="rect">
+                <a:avLst/>
+              </a:prstGeom>
+              <a:noFill/>
+            </p:spPr>
+            <p:txBody>
+              <a:bodyPr wrap="square" rtlCol="0">
+                <a:spAutoFit/>
+              </a:bodyPr>
+              <a:lstStyle/>
+              <a:p>
+                <a:r>
+                  <a:rPr lang="en-US" altLang="zh-CN" sz="1400" dirty="0" smtClean="0">
+                    <a:latin typeface="Times New Roman" panose="02020603050405020304" pitchFamily="18" charset="0"/>
+                    <a:ea typeface="Tahoma" panose="020B0604030504040204" pitchFamily="34" charset="0"/>
+                    <a:cs typeface="Times New Roman" panose="02020603050405020304" pitchFamily="18" charset="0"/>
+                  </a:rPr>
+                  <a:t>3</a:t>
+                </a:r>
+                <a:r>
+                  <a:rPr lang="en-US" altLang="zh-CN" sz="1400" dirty="0" smtClean="0">
+                    <a:latin typeface="Times New Roman" panose="02020603050405020304" pitchFamily="18" charset="0"/>
+                    <a:ea typeface="Tahoma" panose="020B0604030504040204" pitchFamily="34" charset="0"/>
+                    <a:cs typeface="Times New Roman" panose="02020603050405020304" pitchFamily="18" charset="0"/>
+                  </a:rPr>
+                  <a:t>m</a:t>
+                </a:r>
+                <a:endParaRPr lang="zh-CN" altLang="en-US" sz="1400" dirty="0">
+                  <a:latin typeface="Times New Roman" panose="02020603050405020304" pitchFamily="18" charset="0"/>
+                  <a:cs typeface="Times New Roman" panose="02020603050405020304" pitchFamily="18" charset="0"/>
+                </a:endParaRPr>
+              </a:p>
+            </p:txBody>
+          </p:sp>
+          <p:sp>
+            <p:nvSpPr>
+              <p:cNvPr id="18" name="文本框 17"/>
+              <p:cNvSpPr txBox="1"/>
+              <p:nvPr/>
+            </p:nvSpPr>
+            <p:spPr>
+              <a:xfrm>
+                <a:off x="743802" y="2444079"/>
+                <a:ext cx="892426" cy="307777"/>
+              </a:xfrm>
+              <a:prstGeom prst="rect">
+                <a:avLst/>
+              </a:prstGeom>
+              <a:noFill/>
+            </p:spPr>
+            <p:txBody>
+              <a:bodyPr wrap="square" rtlCol="0">
+                <a:spAutoFit/>
+              </a:bodyPr>
+              <a:lstStyle/>
+              <a:p>
+                <a:r>
+                  <a:rPr lang="en-US" altLang="zh-CN" sz="1400" dirty="0" smtClean="0">
+                    <a:latin typeface="Times New Roman" panose="02020603050405020304" pitchFamily="18" charset="0"/>
+                    <a:ea typeface="Tahoma" panose="020B0604030504040204" pitchFamily="34" charset="0"/>
+                    <a:cs typeface="Times New Roman" panose="02020603050405020304" pitchFamily="18" charset="0"/>
+                  </a:rPr>
+                  <a:t>100ppm</a:t>
+                </a:r>
+                <a:endParaRPr lang="zh-CN" altLang="en-US" sz="1400" dirty="0">
+                  <a:latin typeface="Times New Roman" panose="02020603050405020304" pitchFamily="18" charset="0"/>
+                  <a:cs typeface="Times New Roman" panose="02020603050405020304" pitchFamily="18" charset="0"/>
+                </a:endParaRPr>
+              </a:p>
+            </p:txBody>
+          </p:sp>
+        </p:grpSp>
+        <p:grpSp>
+          <p:nvGrpSpPr>
+            <p:cNvPr id="26" name="组合 25"/>
+            <p:cNvGrpSpPr/>
+            <p:nvPr/>
+          </p:nvGrpSpPr>
+          <p:grpSpPr>
+            <a:xfrm>
+              <a:off x="3982423" y="-13705"/>
+              <a:ext cx="3740150" cy="3240000"/>
+              <a:chOff x="4178300" y="-21503"/>
+              <a:chExt cx="3740150" cy="3240000"/>
+            </a:xfrm>
+          </p:grpSpPr>
+          <p:pic>
+            <p:nvPicPr>
+              <p:cNvPr id="10" name="图片 9"/>
+              <p:cNvPicPr>
+                <a:picLocks noChangeAspect="1"/>
+              </p:cNvPicPr>
+              <p:nvPr/>
+            </p:nvPicPr>
+            <p:blipFill rotWithShape="1">
+              <a:blip r:embed="rId3">
+                <a:extLst>
+                  <a:ext uri="{28A0092B-C50C-407E-A947-70E740481C1C}">
+                    <a14:useLocalDpi xmlns:a14="http://schemas.microsoft.com/office/drawing/2010/main" val="0"/>
+                  </a:ext>
+                </a:extLst>
+              </a:blip>
+              <a:srcRect l="4860" r="8562"/>
+              <a:stretch/>
+            </p:blipFill>
+            <p:spPr>
+              <a:xfrm>
+                <a:off x="4178300" y="-21503"/>
+                <a:ext cx="3740150" cy="3240000"/>
+              </a:xfrm>
+              <a:prstGeom prst="rect">
+                <a:avLst/>
+              </a:prstGeom>
+            </p:spPr>
+          </p:pic>
+          <p:sp>
+            <p:nvSpPr>
+              <p:cNvPr id="11" name="文本框 10"/>
+              <p:cNvSpPr txBox="1"/>
+              <p:nvPr/>
+            </p:nvSpPr>
+            <p:spPr>
+              <a:xfrm>
+                <a:off x="5909273" y="1949358"/>
+                <a:ext cx="438203" cy="307777"/>
+              </a:xfrm>
+              <a:prstGeom prst="rect">
+                <a:avLst/>
+              </a:prstGeom>
+              <a:noFill/>
+            </p:spPr>
+            <p:txBody>
+              <a:bodyPr wrap="square" rtlCol="0">
+                <a:spAutoFit/>
+              </a:bodyPr>
+              <a:lstStyle/>
+              <a:p>
+                <a:r>
+                  <a:rPr lang="en-US" altLang="zh-CN" sz="1400" dirty="0" smtClean="0">
+                    <a:latin typeface="Times New Roman" panose="02020603050405020304" pitchFamily="18" charset="0"/>
+                    <a:ea typeface="Tahoma" panose="020B0604030504040204" pitchFamily="34" charset="0"/>
+                    <a:cs typeface="Times New Roman" panose="02020603050405020304" pitchFamily="18" charset="0"/>
+                  </a:rPr>
+                  <a:t>1m</a:t>
+                </a:r>
+                <a:endParaRPr lang="zh-CN" altLang="en-US" sz="1400" dirty="0">
+                  <a:latin typeface="Times New Roman" panose="02020603050405020304" pitchFamily="18" charset="0"/>
+                  <a:cs typeface="Times New Roman" panose="02020603050405020304" pitchFamily="18" charset="0"/>
+                </a:endParaRPr>
+              </a:p>
+            </p:txBody>
+          </p:sp>
+          <p:sp>
+            <p:nvSpPr>
+              <p:cNvPr id="12" name="文本框 11"/>
+              <p:cNvSpPr txBox="1"/>
+              <p:nvPr/>
+            </p:nvSpPr>
+            <p:spPr>
+              <a:xfrm>
+                <a:off x="5909273" y="1114104"/>
+                <a:ext cx="438203" cy="307777"/>
+              </a:xfrm>
+              <a:prstGeom prst="rect">
+                <a:avLst/>
+              </a:prstGeom>
+              <a:noFill/>
+            </p:spPr>
+            <p:txBody>
+              <a:bodyPr wrap="square" rtlCol="0">
+                <a:spAutoFit/>
+              </a:bodyPr>
+              <a:lstStyle/>
+              <a:p>
+                <a:r>
+                  <a:rPr lang="en-US" altLang="zh-CN" sz="1400" dirty="0">
+                    <a:latin typeface="Times New Roman" panose="02020603050405020304" pitchFamily="18" charset="0"/>
+                    <a:ea typeface="Tahoma" panose="020B0604030504040204" pitchFamily="34" charset="0"/>
+                    <a:cs typeface="Times New Roman" panose="02020603050405020304" pitchFamily="18" charset="0"/>
+                  </a:rPr>
+                  <a:t>2</a:t>
+                </a:r>
+                <a:r>
+                  <a:rPr lang="en-US" altLang="zh-CN" sz="1400" dirty="0" smtClean="0">
+                    <a:latin typeface="Times New Roman" panose="02020603050405020304" pitchFamily="18" charset="0"/>
+                    <a:ea typeface="Tahoma" panose="020B0604030504040204" pitchFamily="34" charset="0"/>
+                    <a:cs typeface="Times New Roman" panose="02020603050405020304" pitchFamily="18" charset="0"/>
+                  </a:rPr>
+                  <a:t>m</a:t>
+                </a:r>
+                <a:endParaRPr lang="zh-CN" altLang="en-US" sz="1400" dirty="0">
+                  <a:latin typeface="Times New Roman" panose="02020603050405020304" pitchFamily="18" charset="0"/>
+                  <a:cs typeface="Times New Roman" panose="02020603050405020304" pitchFamily="18" charset="0"/>
+                </a:endParaRPr>
+              </a:p>
+            </p:txBody>
+          </p:sp>
+          <p:sp>
+            <p:nvSpPr>
+              <p:cNvPr id="13" name="文本框 12"/>
+              <p:cNvSpPr txBox="1"/>
+              <p:nvPr/>
+            </p:nvSpPr>
+            <p:spPr>
+              <a:xfrm>
+                <a:off x="5909273" y="399368"/>
+                <a:ext cx="438203" cy="307777"/>
+              </a:xfrm>
+              <a:prstGeom prst="rect">
+                <a:avLst/>
+              </a:prstGeom>
+              <a:noFill/>
+            </p:spPr>
+            <p:txBody>
+              <a:bodyPr wrap="square" rtlCol="0">
+                <a:spAutoFit/>
+              </a:bodyPr>
+              <a:lstStyle/>
+              <a:p>
+                <a:r>
+                  <a:rPr lang="en-US" altLang="zh-CN" sz="1400" dirty="0" smtClean="0">
+                    <a:latin typeface="Times New Roman" panose="02020603050405020304" pitchFamily="18" charset="0"/>
+                    <a:ea typeface="Tahoma" panose="020B0604030504040204" pitchFamily="34" charset="0"/>
+                    <a:cs typeface="Times New Roman" panose="02020603050405020304" pitchFamily="18" charset="0"/>
+                  </a:rPr>
+                  <a:t>3</a:t>
+                </a:r>
+                <a:r>
+                  <a:rPr lang="en-US" altLang="zh-CN" sz="1400" dirty="0" smtClean="0">
+                    <a:latin typeface="Times New Roman" panose="02020603050405020304" pitchFamily="18" charset="0"/>
+                    <a:ea typeface="Tahoma" panose="020B0604030504040204" pitchFamily="34" charset="0"/>
+                    <a:cs typeface="Times New Roman" panose="02020603050405020304" pitchFamily="18" charset="0"/>
+                  </a:rPr>
+                  <a:t>m</a:t>
+                </a:r>
+                <a:endParaRPr lang="zh-CN" altLang="en-US" sz="1400" dirty="0">
+                  <a:latin typeface="Times New Roman" panose="02020603050405020304" pitchFamily="18" charset="0"/>
+                  <a:cs typeface="Times New Roman" panose="02020603050405020304" pitchFamily="18" charset="0"/>
+                </a:endParaRPr>
+              </a:p>
+            </p:txBody>
+          </p:sp>
+          <p:sp>
+            <p:nvSpPr>
+              <p:cNvPr id="15" name="文本框 14"/>
+              <p:cNvSpPr txBox="1"/>
+              <p:nvPr/>
+            </p:nvSpPr>
+            <p:spPr>
+              <a:xfrm>
+                <a:off x="4842518" y="2444079"/>
+                <a:ext cx="892426" cy="307777"/>
+              </a:xfrm>
+              <a:prstGeom prst="rect">
+                <a:avLst/>
+              </a:prstGeom>
+              <a:noFill/>
+            </p:spPr>
+            <p:txBody>
+              <a:bodyPr wrap="square" rtlCol="0">
+                <a:spAutoFit/>
+              </a:bodyPr>
+              <a:lstStyle/>
+              <a:p>
+                <a:r>
+                  <a:rPr lang="en-US" altLang="zh-CN" sz="1400" dirty="0" smtClean="0">
+                    <a:latin typeface="Times New Roman" panose="02020603050405020304" pitchFamily="18" charset="0"/>
+                    <a:ea typeface="Tahoma" panose="020B0604030504040204" pitchFamily="34" charset="0"/>
+                    <a:cs typeface="Times New Roman" panose="02020603050405020304" pitchFamily="18" charset="0"/>
+                  </a:rPr>
+                  <a:t>1000ppm</a:t>
+                </a:r>
+                <a:endParaRPr lang="zh-CN" altLang="en-US" sz="1400" dirty="0">
+                  <a:latin typeface="Times New Roman" panose="02020603050405020304" pitchFamily="18" charset="0"/>
+                  <a:cs typeface="Times New Roman" panose="02020603050405020304" pitchFamily="18" charset="0"/>
+                </a:endParaRPr>
+              </a:p>
+            </p:txBody>
+          </p:sp>
+          <p:sp>
+            <p:nvSpPr>
+              <p:cNvPr id="21" name="文本框 20"/>
+              <p:cNvSpPr txBox="1"/>
+              <p:nvPr/>
+            </p:nvSpPr>
+            <p:spPr>
+              <a:xfrm>
+                <a:off x="7320668" y="2444078"/>
+                <a:ext cx="382426" cy="307777"/>
+              </a:xfrm>
+              <a:prstGeom prst="rect">
+                <a:avLst/>
+              </a:prstGeom>
+              <a:noFill/>
+            </p:spPr>
+            <p:txBody>
+              <a:bodyPr wrap="square" rtlCol="0">
+                <a:spAutoFit/>
+              </a:bodyPr>
+              <a:lstStyle/>
+              <a:p>
+                <a:r>
+                  <a:rPr lang="en-US" altLang="zh-CN" sz="1400" dirty="0" smtClean="0">
+                    <a:latin typeface="Times New Roman" panose="02020603050405020304" pitchFamily="18" charset="0"/>
+                    <a:ea typeface="Tahoma" panose="020B0604030504040204" pitchFamily="34" charset="0"/>
+                    <a:cs typeface="Times New Roman" panose="02020603050405020304" pitchFamily="18" charset="0"/>
+                  </a:rPr>
+                  <a:t>(b)</a:t>
+                </a:r>
+                <a:endParaRPr lang="zh-CN" altLang="en-US" sz="1400" dirty="0">
+                  <a:latin typeface="Times New Roman" panose="02020603050405020304" pitchFamily="18" charset="0"/>
+                  <a:cs typeface="Times New Roman" panose="02020603050405020304" pitchFamily="18" charset="0"/>
+                </a:endParaRPr>
+              </a:p>
+            </p:txBody>
+          </p:sp>
+        </p:grpSp>
+        <p:grpSp>
+          <p:nvGrpSpPr>
+            <p:cNvPr id="25" name="组合 24"/>
+            <p:cNvGrpSpPr/>
+            <p:nvPr/>
+          </p:nvGrpSpPr>
+          <p:grpSpPr>
+            <a:xfrm>
+              <a:off x="211306" y="3162299"/>
+              <a:ext cx="3821727" cy="3125835"/>
+              <a:chOff x="199518" y="3332661"/>
+              <a:chExt cx="3821727" cy="3125835"/>
+            </a:xfrm>
+          </p:grpSpPr>
+          <p:pic>
+            <p:nvPicPr>
+              <p:cNvPr id="16" name="图片 15"/>
+              <p:cNvPicPr>
+                <a:picLocks noChangeAspect="1"/>
+              </p:cNvPicPr>
+              <p:nvPr/>
+            </p:nvPicPr>
+            <p:blipFill rotWithShape="1">
+              <a:blip r:embed="rId4">
+                <a:extLst>
+                  <a:ext uri="{28A0092B-C50C-407E-A947-70E740481C1C}">
+                    <a14:useLocalDpi xmlns:a14="http://schemas.microsoft.com/office/drawing/2010/main" val="0"/>
+                  </a:ext>
+                </a:extLst>
+              </a:blip>
+              <a:srcRect l="3601" t="3523" r="7933"/>
+              <a:stretch/>
+            </p:blipFill>
+            <p:spPr>
+              <a:xfrm>
+                <a:off x="199518" y="3332661"/>
+                <a:ext cx="3821727" cy="3125835"/>
+              </a:xfrm>
+              <a:prstGeom prst="rect">
+                <a:avLst/>
+              </a:prstGeom>
+            </p:spPr>
+          </p:pic>
+          <p:sp>
+            <p:nvSpPr>
+              <p:cNvPr id="14" name="文本框 13"/>
+              <p:cNvSpPr txBox="1"/>
+              <p:nvPr/>
+            </p:nvSpPr>
+            <p:spPr>
+              <a:xfrm>
+                <a:off x="2236305" y="5512981"/>
+                <a:ext cx="892426" cy="307777"/>
+              </a:xfrm>
+              <a:prstGeom prst="rect">
+                <a:avLst/>
+              </a:prstGeom>
+              <a:noFill/>
+            </p:spPr>
+            <p:txBody>
+              <a:bodyPr wrap="square" rtlCol="0">
+                <a:spAutoFit/>
+              </a:bodyPr>
+              <a:lstStyle/>
+              <a:p>
+                <a:r>
+                  <a:rPr lang="en-US" altLang="zh-CN" sz="1400" dirty="0" smtClean="0">
+                    <a:latin typeface="Times New Roman" panose="02020603050405020304" pitchFamily="18" charset="0"/>
+                    <a:ea typeface="Tahoma" panose="020B0604030504040204" pitchFamily="34" charset="0"/>
+                    <a:cs typeface="Times New Roman" panose="02020603050405020304" pitchFamily="18" charset="0"/>
+                  </a:rPr>
+                  <a:t>200ppm</a:t>
+                </a:r>
+                <a:endParaRPr lang="zh-CN" altLang="en-US" sz="1400" dirty="0">
+                  <a:latin typeface="Times New Roman" panose="02020603050405020304" pitchFamily="18" charset="0"/>
+                  <a:cs typeface="Times New Roman" panose="02020603050405020304" pitchFamily="18" charset="0"/>
+                </a:endParaRPr>
+              </a:p>
+            </p:txBody>
+          </p:sp>
+          <p:sp>
+            <p:nvSpPr>
+              <p:cNvPr id="17" name="文本框 16"/>
+              <p:cNvSpPr txBox="1"/>
+              <p:nvPr/>
+            </p:nvSpPr>
+            <p:spPr>
+              <a:xfrm>
+                <a:off x="921007" y="5685658"/>
+                <a:ext cx="438203" cy="307777"/>
+              </a:xfrm>
+              <a:prstGeom prst="rect">
+                <a:avLst/>
+              </a:prstGeom>
+              <a:noFill/>
+            </p:spPr>
+            <p:txBody>
+              <a:bodyPr wrap="square" rtlCol="0">
+                <a:spAutoFit/>
+              </a:bodyPr>
+              <a:lstStyle/>
+              <a:p>
+                <a:r>
+                  <a:rPr lang="en-US" altLang="zh-CN" sz="1400" dirty="0" smtClean="0">
+                    <a:latin typeface="Times New Roman" panose="02020603050405020304" pitchFamily="18" charset="0"/>
+                    <a:ea typeface="Tahoma" panose="020B0604030504040204" pitchFamily="34" charset="0"/>
+                    <a:cs typeface="Times New Roman" panose="02020603050405020304" pitchFamily="18" charset="0"/>
+                  </a:rPr>
+                  <a:t>1m</a:t>
+                </a:r>
+                <a:endParaRPr lang="zh-CN" altLang="en-US" sz="1400" dirty="0">
+                  <a:latin typeface="Times New Roman" panose="02020603050405020304" pitchFamily="18" charset="0"/>
+                  <a:cs typeface="Times New Roman" panose="02020603050405020304" pitchFamily="18" charset="0"/>
+                </a:endParaRPr>
+              </a:p>
+            </p:txBody>
+          </p:sp>
+          <p:sp>
+            <p:nvSpPr>
+              <p:cNvPr id="19" name="文本框 18"/>
+              <p:cNvSpPr txBox="1"/>
+              <p:nvPr/>
+            </p:nvSpPr>
+            <p:spPr>
+              <a:xfrm>
+                <a:off x="2245276" y="4984733"/>
+                <a:ext cx="892426" cy="307777"/>
+              </a:xfrm>
+              <a:prstGeom prst="rect">
+                <a:avLst/>
+              </a:prstGeom>
+              <a:noFill/>
+            </p:spPr>
+            <p:txBody>
+              <a:bodyPr wrap="square" rtlCol="0">
+                <a:spAutoFit/>
+              </a:bodyPr>
+              <a:lstStyle/>
+              <a:p>
+                <a:r>
+                  <a:rPr lang="en-US" altLang="zh-CN" sz="1400" dirty="0" smtClean="0">
+                    <a:latin typeface="Times New Roman" panose="02020603050405020304" pitchFamily="18" charset="0"/>
+                    <a:ea typeface="Tahoma" panose="020B0604030504040204" pitchFamily="34" charset="0"/>
+                    <a:cs typeface="Times New Roman" panose="02020603050405020304" pitchFamily="18" charset="0"/>
+                  </a:rPr>
+                  <a:t>400ppm</a:t>
+                </a:r>
+                <a:endParaRPr lang="zh-CN" altLang="en-US" sz="1400" dirty="0">
+                  <a:latin typeface="Times New Roman" panose="02020603050405020304" pitchFamily="18" charset="0"/>
+                  <a:cs typeface="Times New Roman" panose="02020603050405020304" pitchFamily="18" charset="0"/>
+                </a:endParaRPr>
+              </a:p>
+            </p:txBody>
+          </p:sp>
+          <p:sp>
+            <p:nvSpPr>
+              <p:cNvPr id="20" name="文本框 19"/>
+              <p:cNvSpPr txBox="1"/>
+              <p:nvPr/>
+            </p:nvSpPr>
+            <p:spPr>
+              <a:xfrm>
+                <a:off x="2236305" y="3498225"/>
+                <a:ext cx="892426" cy="307777"/>
+              </a:xfrm>
+              <a:prstGeom prst="rect">
+                <a:avLst/>
+              </a:prstGeom>
+              <a:noFill/>
+            </p:spPr>
+            <p:txBody>
+              <a:bodyPr wrap="square" rtlCol="0">
+                <a:spAutoFit/>
+              </a:bodyPr>
+              <a:lstStyle/>
+              <a:p>
+                <a:r>
+                  <a:rPr lang="en-US" altLang="zh-CN" sz="1400" dirty="0" smtClean="0">
+                    <a:latin typeface="Times New Roman" panose="02020603050405020304" pitchFamily="18" charset="0"/>
+                    <a:ea typeface="Tahoma" panose="020B0604030504040204" pitchFamily="34" charset="0"/>
+                    <a:cs typeface="Times New Roman" panose="02020603050405020304" pitchFamily="18" charset="0"/>
+                  </a:rPr>
+                  <a:t>1000ppm</a:t>
+                </a:r>
+                <a:endParaRPr lang="zh-CN" altLang="en-US" sz="1400" dirty="0">
+                  <a:latin typeface="Times New Roman" panose="02020603050405020304" pitchFamily="18" charset="0"/>
+                  <a:cs typeface="Times New Roman" panose="02020603050405020304" pitchFamily="18" charset="0"/>
+                </a:endParaRPr>
+              </a:p>
+            </p:txBody>
+          </p:sp>
+          <p:sp>
+            <p:nvSpPr>
+              <p:cNvPr id="22" name="文本框 21"/>
+              <p:cNvSpPr txBox="1"/>
+              <p:nvPr/>
+            </p:nvSpPr>
+            <p:spPr>
+              <a:xfrm>
+                <a:off x="3340637" y="5675961"/>
+                <a:ext cx="382426" cy="307777"/>
+              </a:xfrm>
+              <a:prstGeom prst="rect">
+                <a:avLst/>
+              </a:prstGeom>
+              <a:noFill/>
+            </p:spPr>
+            <p:txBody>
+              <a:bodyPr wrap="square" rtlCol="0">
+                <a:spAutoFit/>
+              </a:bodyPr>
+              <a:lstStyle/>
+              <a:p>
+                <a:r>
+                  <a:rPr lang="en-US" altLang="zh-CN" sz="1400" dirty="0" smtClean="0">
+                    <a:latin typeface="Times New Roman" panose="02020603050405020304" pitchFamily="18" charset="0"/>
+                    <a:ea typeface="Tahoma" panose="020B0604030504040204" pitchFamily="34" charset="0"/>
+                    <a:cs typeface="Times New Roman" panose="02020603050405020304" pitchFamily="18" charset="0"/>
+                  </a:rPr>
+                  <a:t>(c)</a:t>
+                </a:r>
+                <a:endParaRPr lang="zh-CN" altLang="en-US" sz="1400" dirty="0">
+                  <a:latin typeface="Times New Roman" panose="02020603050405020304" pitchFamily="18" charset="0"/>
+                  <a:cs typeface="Times New Roman" panose="02020603050405020304" pitchFamily="18" charset="0"/>
+                </a:endParaRPr>
+              </a:p>
+            </p:txBody>
+          </p:sp>
+          <p:sp>
+            <p:nvSpPr>
+              <p:cNvPr id="23" name="文本框 22"/>
+              <p:cNvSpPr txBox="1"/>
+              <p:nvPr/>
+            </p:nvSpPr>
+            <p:spPr>
+              <a:xfrm>
+                <a:off x="2245276" y="4056413"/>
+                <a:ext cx="892426" cy="307777"/>
+              </a:xfrm>
+              <a:prstGeom prst="rect">
+                <a:avLst/>
+              </a:prstGeom>
+              <a:noFill/>
+            </p:spPr>
+            <p:txBody>
+              <a:bodyPr wrap="square" rtlCol="0">
+                <a:spAutoFit/>
+              </a:bodyPr>
+              <a:lstStyle/>
+              <a:p>
+                <a:r>
+                  <a:rPr lang="en-US" altLang="zh-CN" sz="1400" dirty="0" smtClean="0">
+                    <a:latin typeface="Times New Roman" panose="02020603050405020304" pitchFamily="18" charset="0"/>
+                    <a:ea typeface="Tahoma" panose="020B0604030504040204" pitchFamily="34" charset="0"/>
+                    <a:cs typeface="Times New Roman" panose="02020603050405020304" pitchFamily="18" charset="0"/>
+                  </a:rPr>
+                  <a:t>800ppm</a:t>
+                </a:r>
+                <a:endParaRPr lang="zh-CN" altLang="en-US" sz="1400" dirty="0">
+                  <a:latin typeface="Times New Roman" panose="02020603050405020304" pitchFamily="18" charset="0"/>
+                  <a:cs typeface="Times New Roman" panose="02020603050405020304" pitchFamily="18" charset="0"/>
+                </a:endParaRPr>
+              </a:p>
+            </p:txBody>
+          </p:sp>
+          <p:sp>
+            <p:nvSpPr>
+              <p:cNvPr id="24" name="文本框 23"/>
+              <p:cNvSpPr txBox="1"/>
+              <p:nvPr/>
+            </p:nvSpPr>
+            <p:spPr>
+              <a:xfrm>
+                <a:off x="2245276" y="4538518"/>
+                <a:ext cx="892426" cy="307777"/>
+              </a:xfrm>
+              <a:prstGeom prst="rect">
+                <a:avLst/>
+              </a:prstGeom>
+              <a:noFill/>
+            </p:spPr>
+            <p:txBody>
+              <a:bodyPr wrap="square" rtlCol="0">
+                <a:spAutoFit/>
+              </a:bodyPr>
+              <a:lstStyle/>
+              <a:p>
+                <a:r>
+                  <a:rPr lang="en-US" altLang="zh-CN" sz="1400" dirty="0" smtClean="0">
+                    <a:latin typeface="Times New Roman" panose="02020603050405020304" pitchFamily="18" charset="0"/>
+                    <a:ea typeface="Tahoma" panose="020B0604030504040204" pitchFamily="34" charset="0"/>
+                    <a:cs typeface="Times New Roman" panose="02020603050405020304" pitchFamily="18" charset="0"/>
+                  </a:rPr>
+                  <a:t>600ppm</a:t>
+                </a:r>
+                <a:endParaRPr lang="zh-CN" altLang="en-US" sz="1400" dirty="0">
+                  <a:latin typeface="Times New Roman" panose="02020603050405020304" pitchFamily="18" charset="0"/>
+                  <a:cs typeface="Times New Roman" panose="02020603050405020304" pitchFamily="18" charset="0"/>
+                </a:endParaRPr>
+              </a:p>
+            </p:txBody>
+          </p:sp>
+        </p:grpSp>
+        <p:pic>
+          <p:nvPicPr>
+            <p:cNvPr id="29" name="图片 28"/>
+            <p:cNvPicPr>
+              <a:picLocks noChangeAspect="1"/>
+            </p:cNvPicPr>
+            <p:nvPr/>
+          </p:nvPicPr>
+          <p:blipFill rotWithShape="1">
+            <a:blip r:embed="rId5">
+              <a:extLst>
+                <a:ext uri="{28A0092B-C50C-407E-A947-70E740481C1C}">
+                  <a14:useLocalDpi xmlns:a14="http://schemas.microsoft.com/office/drawing/2010/main" val="0"/>
+                </a:ext>
+              </a:extLst>
+            </a:blip>
+            <a:srcRect l="5175" t="5563" r="6948"/>
+            <a:stretch/>
+          </p:blipFill>
+          <p:spPr>
+            <a:xfrm>
+              <a:off x="4076700" y="3256533"/>
+              <a:ext cx="3773798" cy="3041596"/>
+            </a:xfrm>
+            <a:prstGeom prst="rect">
+              <a:avLst/>
+            </a:prstGeom>
+          </p:spPr>
+        </p:pic>
+        <p:sp>
+          <p:nvSpPr>
+            <p:cNvPr id="30" name="文本框 29"/>
+            <p:cNvSpPr txBox="1"/>
+            <p:nvPr/>
+          </p:nvSpPr>
+          <p:spPr>
+            <a:xfrm>
+              <a:off x="7124791" y="5505599"/>
+              <a:ext cx="382426" cy="307777"/>
+            </a:xfrm>
+            <a:prstGeom prst="rect">
+              <a:avLst/>
+            </a:prstGeom>
+            <a:noFill/>
+          </p:spPr>
+          <p:txBody>
+            <a:bodyPr wrap="square" rtlCol="0">
+              <a:spAutoFit/>
+            </a:bodyPr>
+            <a:lstStyle/>
+            <a:p>
+              <a:r>
+                <a:rPr lang="en-US" altLang="zh-CN" sz="1400" dirty="0" smtClean="0">
+                  <a:latin typeface="Times New Roman" panose="02020603050405020304" pitchFamily="18" charset="0"/>
+                  <a:ea typeface="Tahoma" panose="020B0604030504040204" pitchFamily="34" charset="0"/>
+                  <a:cs typeface="Times New Roman" panose="02020603050405020304" pitchFamily="18" charset="0"/>
+                </a:rPr>
+                <a:t>(d)</a:t>
+              </a:r>
+              <a:endParaRPr lang="zh-CN" altLang="en-US" sz="1400" dirty="0">
+                <a:latin typeface="Times New Roman" panose="02020603050405020304" pitchFamily="18" charset="0"/>
+                <a:cs typeface="Times New Roman" panose="02020603050405020304" pitchFamily="18" charset="0"/>
+              </a:endParaRPr>
+            </a:p>
+          </p:txBody>
+        </p:sp>
+      </p:grpSp>
+    </p:spTree>
+    <p:extLst>
+      <p:ext uri="{BB962C8B-B14F-4D97-AF65-F5344CB8AC3E}">
+        <p14:creationId xmlns:p14="http://schemas.microsoft.com/office/powerpoint/2010/main" val="2788469962"/>
+      </p:ext>
+    </p:extLst>
+  </p:cSld>
+  <p:clrMapOvr>
+    <a:masterClrMapping/>
+  </p:clrMapOvr>
+</p:sld>
+</file>
+
+<file path=ppt/slides/slide32.xml><?xml version="1.0" encoding="utf-8"?>
+<p:sld xmlns:a="http://schemas.openxmlformats.org/drawingml/2006/main" xmlns:r="http://schemas.openxmlformats.org/officeDocument/2006/relationships" xmlns:p="http://schemas.openxmlformats.org/presentationml/2006/main">
+  <p:cSld>
+    <p:spTree>
+      <p:nvGrpSpPr>
+        <p:cNvPr id="1" name=""/>
+        <p:cNvGrpSpPr/>
+        <p:nvPr/>
+      </p:nvGrpSpPr>
+      <p:grpSpPr>
+        <a:xfrm>
+          <a:off x="0" y="0"/>
+          <a:ext cx="0" cy="0"/>
+          <a:chOff x="0" y="0"/>
+          <a:chExt cx="0" cy="0"/>
+        </a:xfrm>
+      </p:grpSpPr>
+      <p:sp>
+        <p:nvSpPr>
+          <p:cNvPr id="2" name="竖排标题 1"/>
+          <p:cNvSpPr>
+            <a:spLocks noGrp="1"/>
+          </p:cNvSpPr>
+          <p:nvPr>
+            <p:ph type="title" orient="vert"/>
+          </p:nvPr>
+        </p:nvSpPr>
+        <p:spPr/>
+        <p:txBody>
+          <a:bodyPr/>
+          <a:lstStyle/>
+          <a:p>
+            <a:endParaRPr lang="zh-CN" altLang="en-US"/>
+          </a:p>
+        </p:txBody>
+      </p:sp>
+      <p:pic>
+        <p:nvPicPr>
+          <p:cNvPr id="4" name="图片 3"/>
+          <p:cNvPicPr>
+            <a:picLocks noChangeAspect="1"/>
+          </p:cNvPicPr>
+          <p:nvPr/>
+        </p:nvPicPr>
+        <p:blipFill rotWithShape="1">
+          <a:blip r:embed="rId2">
+            <a:extLst>
+              <a:ext uri="{28A0092B-C50C-407E-A947-70E740481C1C}">
+                <a14:useLocalDpi xmlns:a14="http://schemas.microsoft.com/office/drawing/2010/main" val="0"/>
+              </a:ext>
+            </a:extLst>
+          </a:blip>
+          <a:srcRect t="5563" r="6948"/>
+          <a:stretch/>
+        </p:blipFill>
+        <p:spPr>
+          <a:xfrm>
+            <a:off x="421395" y="406400"/>
+            <a:ext cx="4963405" cy="3777944"/>
+          </a:xfrm>
+          <a:prstGeom prst="rect">
+            <a:avLst/>
+          </a:prstGeom>
+        </p:spPr>
+      </p:pic>
+      <p:sp>
+        <p:nvSpPr>
+          <p:cNvPr id="5" name="文本框 4"/>
+          <p:cNvSpPr txBox="1"/>
+          <p:nvPr/>
+        </p:nvSpPr>
+        <p:spPr>
+          <a:xfrm>
+            <a:off x="3721805" y="2346323"/>
+            <a:ext cx="892426" cy="738664"/>
+          </a:xfrm>
+          <a:prstGeom prst="rect">
+            <a:avLst/>
+          </a:prstGeom>
+          <a:noFill/>
+        </p:spPr>
+        <p:txBody>
+          <a:bodyPr wrap="square" rtlCol="0">
+            <a:spAutoFit/>
+          </a:bodyPr>
+          <a:lstStyle/>
+          <a:p>
+            <a:r>
+              <a:rPr lang="en-US" altLang="zh-CN" sz="1400" dirty="0" smtClean="0">
+                <a:latin typeface="Times New Roman" panose="02020603050405020304" pitchFamily="18" charset="0"/>
+                <a:ea typeface="Tahoma" panose="020B0604030504040204" pitchFamily="34" charset="0"/>
+                <a:cs typeface="Times New Roman" panose="02020603050405020304" pitchFamily="18" charset="0"/>
+              </a:rPr>
+              <a:t>2m;</a:t>
+            </a:r>
+          </a:p>
+          <a:p>
+            <a:r>
+              <a:rPr lang="en-US" altLang="zh-CN" sz="1400" dirty="0" smtClean="0">
+                <a:latin typeface="Times New Roman" panose="02020603050405020304" pitchFamily="18" charset="0"/>
+                <a:ea typeface="Tahoma" panose="020B0604030504040204" pitchFamily="34" charset="0"/>
+                <a:cs typeface="Times New Roman" panose="02020603050405020304" pitchFamily="18" charset="0"/>
+              </a:rPr>
+              <a:t>180du</a:t>
+            </a:r>
+          </a:p>
+          <a:p>
+            <a:endParaRPr lang="zh-CN" altLang="en-US" sz="1400" dirty="0">
+              <a:latin typeface="Times New Roman" panose="02020603050405020304" pitchFamily="18" charset="0"/>
+              <a:cs typeface="Times New Roman" panose="02020603050405020304" pitchFamily="18" charset="0"/>
+            </a:endParaRPr>
+          </a:p>
+        </p:txBody>
+      </p:sp>
+    </p:spTree>
+    <p:extLst>
+      <p:ext uri="{BB962C8B-B14F-4D97-AF65-F5344CB8AC3E}">
+        <p14:creationId xmlns:p14="http://schemas.microsoft.com/office/powerpoint/2010/main" val="1922430955"/>
+      </p:ext>
+    </p:extLst>
+  </p:cSld>
+  <p:clrMapOvr>
+    <a:masterClrMapping/>
+  </p:clrMapOvr>
+</p:sld>
+</file>
+
+<file path=ppt/slides/slide33.xml><?xml version="1.0" encoding="utf-8"?>
+<p:sld xmlns:a="http://schemas.openxmlformats.org/drawingml/2006/main" xmlns:r="http://schemas.openxmlformats.org/officeDocument/2006/relationships" xmlns:p="http://schemas.openxmlformats.org/presentationml/2006/main">
+  <p:cSld>
+    <p:spTree>
+      <p:nvGrpSpPr>
+        <p:cNvPr id="1" name=""/>
+        <p:cNvGrpSpPr/>
+        <p:nvPr/>
+      </p:nvGrpSpPr>
+      <p:grpSpPr>
+        <a:xfrm>
+          <a:off x="0" y="0"/>
+          <a:ext cx="0" cy="0"/>
+          <a:chOff x="0" y="0"/>
+          <a:chExt cx="0" cy="0"/>
+        </a:xfrm>
+      </p:grpSpPr>
+      <p:grpSp>
+        <p:nvGrpSpPr>
+          <p:cNvPr id="29" name="组合 28"/>
+          <p:cNvGrpSpPr/>
+          <p:nvPr/>
+        </p:nvGrpSpPr>
+        <p:grpSpPr>
+          <a:xfrm>
+            <a:off x="234448" y="0"/>
+            <a:ext cx="8441696" cy="6480000"/>
+            <a:chOff x="234448" y="0"/>
+            <a:chExt cx="8441696" cy="6480000"/>
+          </a:xfrm>
+        </p:grpSpPr>
+        <p:grpSp>
+          <p:nvGrpSpPr>
+            <p:cNvPr id="22" name="组合 21"/>
+            <p:cNvGrpSpPr/>
+            <p:nvPr/>
+          </p:nvGrpSpPr>
+          <p:grpSpPr>
+            <a:xfrm>
+              <a:off x="234448" y="0"/>
+              <a:ext cx="4320000" cy="3240000"/>
+              <a:chOff x="234448" y="0"/>
+              <a:chExt cx="4320000" cy="3240000"/>
+            </a:xfrm>
+          </p:grpSpPr>
+          <p:pic>
+            <p:nvPicPr>
+              <p:cNvPr id="6" name="图片 5"/>
+              <p:cNvPicPr>
+                <a:picLocks noChangeAspect="1"/>
+              </p:cNvPicPr>
+              <p:nvPr/>
+            </p:nvPicPr>
+            <p:blipFill>
+              <a:blip r:embed="rId2">
+                <a:extLst>
+                  <a:ext uri="{28A0092B-C50C-407E-A947-70E740481C1C}">
+                    <a14:useLocalDpi xmlns:a14="http://schemas.microsoft.com/office/drawing/2010/main" val="0"/>
+                  </a:ext>
+                </a:extLst>
+              </a:blip>
+              <a:stretch>
+                <a:fillRect/>
+              </a:stretch>
+            </p:blipFill>
+            <p:spPr>
+              <a:xfrm>
+                <a:off x="234448" y="0"/>
+                <a:ext cx="4320000" cy="3240000"/>
+              </a:xfrm>
+              <a:prstGeom prst="rect">
+                <a:avLst/>
+              </a:prstGeom>
+            </p:spPr>
+          </p:pic>
+          <p:sp>
+            <p:nvSpPr>
+              <p:cNvPr id="7" name="文本框 6"/>
+              <p:cNvSpPr txBox="1"/>
+              <p:nvPr/>
+            </p:nvSpPr>
+            <p:spPr>
+              <a:xfrm>
+                <a:off x="3578394" y="2474090"/>
+                <a:ext cx="382426" cy="307777"/>
+              </a:xfrm>
+              <a:prstGeom prst="rect">
+                <a:avLst/>
+              </a:prstGeom>
+              <a:noFill/>
+            </p:spPr>
+            <p:txBody>
+              <a:bodyPr wrap="square" rtlCol="0">
+                <a:spAutoFit/>
+              </a:bodyPr>
+              <a:lstStyle/>
+              <a:p>
+                <a:r>
+                  <a:rPr lang="en-US" altLang="zh-CN" sz="1400" dirty="0" smtClean="0">
+                    <a:latin typeface="Times New Roman" panose="02020603050405020304" pitchFamily="18" charset="0"/>
+                    <a:ea typeface="Tahoma" panose="020B0604030504040204" pitchFamily="34" charset="0"/>
+                    <a:cs typeface="Times New Roman" panose="02020603050405020304" pitchFamily="18" charset="0"/>
+                  </a:rPr>
+                  <a:t>(a)</a:t>
+                </a:r>
+                <a:endParaRPr lang="zh-CN" altLang="en-US" sz="1400" dirty="0">
+                  <a:latin typeface="Times New Roman" panose="02020603050405020304" pitchFamily="18" charset="0"/>
+                  <a:cs typeface="Times New Roman" panose="02020603050405020304" pitchFamily="18" charset="0"/>
+                </a:endParaRPr>
+              </a:p>
+            </p:txBody>
+          </p:sp>
+          <p:sp>
+            <p:nvSpPr>
+              <p:cNvPr id="10" name="文本框 9"/>
+              <p:cNvSpPr txBox="1"/>
+              <p:nvPr/>
+            </p:nvSpPr>
+            <p:spPr>
+              <a:xfrm>
+                <a:off x="1435983" y="2474090"/>
+                <a:ext cx="382426" cy="307777"/>
+              </a:xfrm>
+              <a:prstGeom prst="rect">
+                <a:avLst/>
+              </a:prstGeom>
+              <a:noFill/>
+            </p:spPr>
+            <p:txBody>
+              <a:bodyPr wrap="square" rtlCol="0">
+                <a:spAutoFit/>
+              </a:bodyPr>
+              <a:lstStyle/>
+              <a:p>
+                <a:r>
+                  <a:rPr lang="en-US" altLang="zh-CN" sz="1400" dirty="0" smtClean="0">
+                    <a:latin typeface="Times New Roman" panose="02020603050405020304" pitchFamily="18" charset="0"/>
+                    <a:ea typeface="Tahoma" panose="020B0604030504040204" pitchFamily="34" charset="0"/>
+                    <a:cs typeface="Times New Roman" panose="02020603050405020304" pitchFamily="18" charset="0"/>
+                  </a:rPr>
+                  <a:t>(1)</a:t>
+                </a:r>
+                <a:endParaRPr lang="zh-CN" altLang="en-US" sz="1400" dirty="0">
+                  <a:latin typeface="Times New Roman" panose="02020603050405020304" pitchFamily="18" charset="0"/>
+                  <a:cs typeface="Times New Roman" panose="02020603050405020304" pitchFamily="18" charset="0"/>
+                </a:endParaRPr>
+              </a:p>
+            </p:txBody>
+          </p:sp>
+          <p:sp>
+            <p:nvSpPr>
+              <p:cNvPr id="11" name="文本框 10"/>
+              <p:cNvSpPr txBox="1"/>
+              <p:nvPr/>
+            </p:nvSpPr>
+            <p:spPr>
+              <a:xfrm>
+                <a:off x="1435983" y="1466111"/>
+                <a:ext cx="382426" cy="307777"/>
+              </a:xfrm>
+              <a:prstGeom prst="rect">
+                <a:avLst/>
+              </a:prstGeom>
+              <a:noFill/>
+            </p:spPr>
+            <p:txBody>
+              <a:bodyPr wrap="square" rtlCol="0">
+                <a:spAutoFit/>
+              </a:bodyPr>
+              <a:lstStyle/>
+              <a:p>
+                <a:r>
+                  <a:rPr lang="en-US" altLang="zh-CN" sz="1400" dirty="0" smtClean="0">
+                    <a:latin typeface="Times New Roman" panose="02020603050405020304" pitchFamily="18" charset="0"/>
+                    <a:ea typeface="Tahoma" panose="020B0604030504040204" pitchFamily="34" charset="0"/>
+                    <a:cs typeface="Times New Roman" panose="02020603050405020304" pitchFamily="18" charset="0"/>
+                  </a:rPr>
+                  <a:t>(2)</a:t>
+                </a:r>
+                <a:endParaRPr lang="zh-CN" altLang="en-US" sz="1400" dirty="0">
+                  <a:latin typeface="Times New Roman" panose="02020603050405020304" pitchFamily="18" charset="0"/>
+                  <a:cs typeface="Times New Roman" panose="02020603050405020304" pitchFamily="18" charset="0"/>
+                </a:endParaRPr>
+              </a:p>
+            </p:txBody>
+          </p:sp>
+          <p:sp>
+            <p:nvSpPr>
+              <p:cNvPr id="12" name="文本框 11"/>
+              <p:cNvSpPr txBox="1"/>
+              <p:nvPr/>
+            </p:nvSpPr>
+            <p:spPr>
+              <a:xfrm>
+                <a:off x="1435983" y="381532"/>
+                <a:ext cx="382426" cy="307777"/>
+              </a:xfrm>
+              <a:prstGeom prst="rect">
+                <a:avLst/>
+              </a:prstGeom>
+              <a:noFill/>
+            </p:spPr>
+            <p:txBody>
+              <a:bodyPr wrap="square" rtlCol="0">
+                <a:spAutoFit/>
+              </a:bodyPr>
+              <a:lstStyle/>
+              <a:p>
+                <a:r>
+                  <a:rPr lang="en-US" altLang="zh-CN" sz="1400" dirty="0" smtClean="0">
+                    <a:latin typeface="Times New Roman" panose="02020603050405020304" pitchFamily="18" charset="0"/>
+                    <a:ea typeface="Tahoma" panose="020B0604030504040204" pitchFamily="34" charset="0"/>
+                    <a:cs typeface="Times New Roman" panose="02020603050405020304" pitchFamily="18" charset="0"/>
+                  </a:rPr>
+                  <a:t>(3)</a:t>
+                </a:r>
+                <a:endParaRPr lang="zh-CN" altLang="en-US" sz="1400" dirty="0">
+                  <a:latin typeface="Times New Roman" panose="02020603050405020304" pitchFamily="18" charset="0"/>
+                  <a:cs typeface="Times New Roman" panose="02020603050405020304" pitchFamily="18" charset="0"/>
+                </a:endParaRPr>
+              </a:p>
+            </p:txBody>
+          </p:sp>
+        </p:grpSp>
+        <p:grpSp>
+          <p:nvGrpSpPr>
+            <p:cNvPr id="23" name="组合 22"/>
+            <p:cNvGrpSpPr/>
+            <p:nvPr/>
+          </p:nvGrpSpPr>
+          <p:grpSpPr>
+            <a:xfrm>
+              <a:off x="4356144" y="0"/>
+              <a:ext cx="4320000" cy="3240000"/>
+              <a:chOff x="4356144" y="0"/>
+              <a:chExt cx="4320000" cy="3240000"/>
+            </a:xfrm>
+          </p:grpSpPr>
+          <p:pic>
+            <p:nvPicPr>
+              <p:cNvPr id="5" name="图片 4"/>
+              <p:cNvPicPr>
+                <a:picLocks noChangeAspect="1"/>
+              </p:cNvPicPr>
+              <p:nvPr/>
+            </p:nvPicPr>
+            <p:blipFill>
+              <a:blip r:embed="rId3">
+                <a:extLst>
+                  <a:ext uri="{28A0092B-C50C-407E-A947-70E740481C1C}">
+                    <a14:useLocalDpi xmlns:a14="http://schemas.microsoft.com/office/drawing/2010/main" val="0"/>
+                  </a:ext>
+                </a:extLst>
+              </a:blip>
+              <a:stretch>
+                <a:fillRect/>
+              </a:stretch>
+            </p:blipFill>
+            <p:spPr>
+              <a:xfrm>
+                <a:off x="4356144" y="0"/>
+                <a:ext cx="4320000" cy="3240000"/>
+              </a:xfrm>
+              <a:prstGeom prst="rect">
+                <a:avLst/>
+              </a:prstGeom>
+            </p:spPr>
+          </p:pic>
+          <p:sp>
+            <p:nvSpPr>
+              <p:cNvPr id="9" name="文本框 8"/>
+              <p:cNvSpPr txBox="1"/>
+              <p:nvPr/>
+            </p:nvSpPr>
+            <p:spPr>
+              <a:xfrm>
+                <a:off x="7707181" y="2474090"/>
+                <a:ext cx="382426" cy="307777"/>
+              </a:xfrm>
+              <a:prstGeom prst="rect">
+                <a:avLst/>
+              </a:prstGeom>
+              <a:noFill/>
+            </p:spPr>
+            <p:txBody>
+              <a:bodyPr wrap="square" rtlCol="0">
+                <a:spAutoFit/>
+              </a:bodyPr>
+              <a:lstStyle/>
+              <a:p>
+                <a:r>
+                  <a:rPr lang="en-US" altLang="zh-CN" sz="1400" dirty="0" smtClean="0">
+                    <a:latin typeface="Times New Roman" panose="02020603050405020304" pitchFamily="18" charset="0"/>
+                    <a:ea typeface="Tahoma" panose="020B0604030504040204" pitchFamily="34" charset="0"/>
+                    <a:cs typeface="Times New Roman" panose="02020603050405020304" pitchFamily="18" charset="0"/>
+                  </a:rPr>
+                  <a:t>(b)</a:t>
+                </a:r>
+                <a:endParaRPr lang="zh-CN" altLang="en-US" sz="1400" dirty="0">
+                  <a:latin typeface="Times New Roman" panose="02020603050405020304" pitchFamily="18" charset="0"/>
+                  <a:cs typeface="Times New Roman" panose="02020603050405020304" pitchFamily="18" charset="0"/>
+                </a:endParaRPr>
+              </a:p>
+            </p:txBody>
+          </p:sp>
+          <p:sp>
+            <p:nvSpPr>
+              <p:cNvPr id="13" name="文本框 12"/>
+              <p:cNvSpPr txBox="1"/>
+              <p:nvPr/>
+            </p:nvSpPr>
+            <p:spPr>
+              <a:xfrm>
+                <a:off x="5864675" y="2379782"/>
+                <a:ext cx="382426" cy="307777"/>
+              </a:xfrm>
+              <a:prstGeom prst="rect">
+                <a:avLst/>
+              </a:prstGeom>
+              <a:noFill/>
+            </p:spPr>
+            <p:txBody>
+              <a:bodyPr wrap="square" rtlCol="0">
+                <a:spAutoFit/>
+              </a:bodyPr>
+              <a:lstStyle/>
+              <a:p>
+                <a:r>
+                  <a:rPr lang="en-US" altLang="zh-CN" sz="1400" dirty="0" smtClean="0">
+                    <a:latin typeface="Times New Roman" panose="02020603050405020304" pitchFamily="18" charset="0"/>
+                    <a:ea typeface="Tahoma" panose="020B0604030504040204" pitchFamily="34" charset="0"/>
+                    <a:cs typeface="Times New Roman" panose="02020603050405020304" pitchFamily="18" charset="0"/>
+                  </a:rPr>
+                  <a:t>(1)</a:t>
+                </a:r>
+                <a:endParaRPr lang="zh-CN" altLang="en-US" sz="1400" dirty="0">
+                  <a:latin typeface="Times New Roman" panose="02020603050405020304" pitchFamily="18" charset="0"/>
+                  <a:cs typeface="Times New Roman" panose="02020603050405020304" pitchFamily="18" charset="0"/>
+                </a:endParaRPr>
+              </a:p>
+            </p:txBody>
+          </p:sp>
+          <p:sp>
+            <p:nvSpPr>
+              <p:cNvPr id="14" name="文本框 13"/>
+              <p:cNvSpPr txBox="1"/>
+              <p:nvPr/>
+            </p:nvSpPr>
+            <p:spPr>
+              <a:xfrm>
+                <a:off x="5864675" y="1773888"/>
+                <a:ext cx="382426" cy="307777"/>
+              </a:xfrm>
+              <a:prstGeom prst="rect">
+                <a:avLst/>
+              </a:prstGeom>
+              <a:noFill/>
+            </p:spPr>
+            <p:txBody>
+              <a:bodyPr wrap="square" rtlCol="0">
+                <a:spAutoFit/>
+              </a:bodyPr>
+              <a:lstStyle/>
+              <a:p>
+                <a:r>
+                  <a:rPr lang="en-US" altLang="zh-CN" sz="1400" dirty="0" smtClean="0">
+                    <a:latin typeface="Times New Roman" panose="02020603050405020304" pitchFamily="18" charset="0"/>
+                    <a:ea typeface="Tahoma" panose="020B0604030504040204" pitchFamily="34" charset="0"/>
+                    <a:cs typeface="Times New Roman" panose="02020603050405020304" pitchFamily="18" charset="0"/>
+                  </a:rPr>
+                  <a:t>(2)</a:t>
+                </a:r>
+                <a:endParaRPr lang="zh-CN" altLang="en-US" sz="1400" dirty="0">
+                  <a:latin typeface="Times New Roman" panose="02020603050405020304" pitchFamily="18" charset="0"/>
+                  <a:cs typeface="Times New Roman" panose="02020603050405020304" pitchFamily="18" charset="0"/>
+                </a:endParaRPr>
+              </a:p>
+            </p:txBody>
+          </p:sp>
+          <p:sp>
+            <p:nvSpPr>
+              <p:cNvPr id="15" name="文本框 14"/>
+              <p:cNvSpPr txBox="1"/>
+              <p:nvPr/>
+            </p:nvSpPr>
+            <p:spPr>
+              <a:xfrm>
+                <a:off x="5864675" y="1158334"/>
+                <a:ext cx="382426" cy="307777"/>
+              </a:xfrm>
+              <a:prstGeom prst="rect">
+                <a:avLst/>
+              </a:prstGeom>
+              <a:noFill/>
+            </p:spPr>
+            <p:txBody>
+              <a:bodyPr wrap="square" rtlCol="0">
+                <a:spAutoFit/>
+              </a:bodyPr>
+              <a:lstStyle/>
+              <a:p>
+                <a:r>
+                  <a:rPr lang="en-US" altLang="zh-CN" sz="1400" dirty="0" smtClean="0">
+                    <a:latin typeface="Times New Roman" panose="02020603050405020304" pitchFamily="18" charset="0"/>
+                    <a:ea typeface="Tahoma" panose="020B0604030504040204" pitchFamily="34" charset="0"/>
+                    <a:cs typeface="Times New Roman" panose="02020603050405020304" pitchFamily="18" charset="0"/>
+                  </a:rPr>
+                  <a:t>(3)</a:t>
+                </a:r>
+                <a:endParaRPr lang="zh-CN" altLang="en-US" sz="1400" dirty="0">
+                  <a:latin typeface="Times New Roman" panose="02020603050405020304" pitchFamily="18" charset="0"/>
+                  <a:cs typeface="Times New Roman" panose="02020603050405020304" pitchFamily="18" charset="0"/>
+                </a:endParaRPr>
+              </a:p>
+            </p:txBody>
+          </p:sp>
+        </p:grpSp>
+        <p:grpSp>
+          <p:nvGrpSpPr>
+            <p:cNvPr id="28" name="组合 27"/>
+            <p:cNvGrpSpPr/>
+            <p:nvPr/>
+          </p:nvGrpSpPr>
+          <p:grpSpPr>
+            <a:xfrm>
+              <a:off x="234448" y="3240000"/>
+              <a:ext cx="4320000" cy="3240000"/>
+              <a:chOff x="234448" y="3240000"/>
+              <a:chExt cx="4320000" cy="3240000"/>
+            </a:xfrm>
+          </p:grpSpPr>
+          <p:pic>
+            <p:nvPicPr>
+              <p:cNvPr id="4" name="图片 3"/>
+              <p:cNvPicPr>
+                <a:picLocks noChangeAspect="1"/>
+              </p:cNvPicPr>
+              <p:nvPr/>
+            </p:nvPicPr>
+            <p:blipFill>
+              <a:blip r:embed="rId4">
+                <a:extLst>
+                  <a:ext uri="{28A0092B-C50C-407E-A947-70E740481C1C}">
+                    <a14:useLocalDpi xmlns:a14="http://schemas.microsoft.com/office/drawing/2010/main" val="0"/>
+                  </a:ext>
+                </a:extLst>
+              </a:blip>
+              <a:stretch>
+                <a:fillRect/>
+              </a:stretch>
+            </p:blipFill>
+            <p:spPr>
+              <a:xfrm>
+                <a:off x="234448" y="3240000"/>
+                <a:ext cx="4320000" cy="3240000"/>
+              </a:xfrm>
+              <a:prstGeom prst="rect">
+                <a:avLst/>
+              </a:prstGeom>
+            </p:spPr>
+          </p:pic>
+          <p:sp>
+            <p:nvSpPr>
+              <p:cNvPr id="8" name="文本框 7"/>
+              <p:cNvSpPr txBox="1"/>
+              <p:nvPr/>
+            </p:nvSpPr>
+            <p:spPr>
+              <a:xfrm>
+                <a:off x="3578394" y="5714090"/>
+                <a:ext cx="382426" cy="307777"/>
+              </a:xfrm>
+              <a:prstGeom prst="rect">
+                <a:avLst/>
+              </a:prstGeom>
+              <a:noFill/>
+            </p:spPr>
+            <p:txBody>
+              <a:bodyPr wrap="square" rtlCol="0">
+                <a:spAutoFit/>
+              </a:bodyPr>
+              <a:lstStyle/>
+              <a:p>
+                <a:r>
+                  <a:rPr lang="en-US" altLang="zh-CN" sz="1400" dirty="0" smtClean="0">
+                    <a:latin typeface="Times New Roman" panose="02020603050405020304" pitchFamily="18" charset="0"/>
+                    <a:ea typeface="Tahoma" panose="020B0604030504040204" pitchFamily="34" charset="0"/>
+                    <a:cs typeface="Times New Roman" panose="02020603050405020304" pitchFamily="18" charset="0"/>
+                  </a:rPr>
+                  <a:t>(c)</a:t>
+                </a:r>
+                <a:endParaRPr lang="zh-CN" altLang="en-US" sz="1400" dirty="0">
+                  <a:latin typeface="Times New Roman" panose="02020603050405020304" pitchFamily="18" charset="0"/>
+                  <a:cs typeface="Times New Roman" panose="02020603050405020304" pitchFamily="18" charset="0"/>
+                </a:endParaRPr>
+              </a:p>
+            </p:txBody>
+          </p:sp>
+          <p:sp>
+            <p:nvSpPr>
+              <p:cNvPr id="16" name="文本框 15"/>
+              <p:cNvSpPr txBox="1"/>
+              <p:nvPr/>
+            </p:nvSpPr>
+            <p:spPr>
+              <a:xfrm>
+                <a:off x="1435983" y="5713572"/>
+                <a:ext cx="382426" cy="307777"/>
+              </a:xfrm>
+              <a:prstGeom prst="rect">
+                <a:avLst/>
+              </a:prstGeom>
+              <a:noFill/>
+            </p:spPr>
+            <p:txBody>
+              <a:bodyPr wrap="square" rtlCol="0">
+                <a:spAutoFit/>
+              </a:bodyPr>
+              <a:lstStyle/>
+              <a:p>
+                <a:r>
+                  <a:rPr lang="en-US" altLang="zh-CN" sz="1400" dirty="0" smtClean="0">
+                    <a:latin typeface="Times New Roman" panose="02020603050405020304" pitchFamily="18" charset="0"/>
+                    <a:ea typeface="Tahoma" panose="020B0604030504040204" pitchFamily="34" charset="0"/>
+                    <a:cs typeface="Times New Roman" panose="02020603050405020304" pitchFamily="18" charset="0"/>
+                  </a:rPr>
+                  <a:t>(1)</a:t>
+                </a:r>
+                <a:endParaRPr lang="zh-CN" altLang="en-US" sz="1400" dirty="0">
+                  <a:latin typeface="Times New Roman" panose="02020603050405020304" pitchFamily="18" charset="0"/>
+                  <a:cs typeface="Times New Roman" panose="02020603050405020304" pitchFamily="18" charset="0"/>
+                </a:endParaRPr>
+              </a:p>
+            </p:txBody>
+          </p:sp>
+          <p:sp>
+            <p:nvSpPr>
+              <p:cNvPr id="17" name="文本框 16"/>
+              <p:cNvSpPr txBox="1"/>
+              <p:nvPr/>
+            </p:nvSpPr>
+            <p:spPr>
+              <a:xfrm>
+                <a:off x="1435983" y="5101032"/>
+                <a:ext cx="382426" cy="307777"/>
+              </a:xfrm>
+              <a:prstGeom prst="rect">
+                <a:avLst/>
+              </a:prstGeom>
+              <a:noFill/>
+            </p:spPr>
+            <p:txBody>
+              <a:bodyPr wrap="square" rtlCol="0">
+                <a:spAutoFit/>
+              </a:bodyPr>
+              <a:lstStyle/>
+              <a:p>
+                <a:r>
+                  <a:rPr lang="en-US" altLang="zh-CN" sz="1400" dirty="0" smtClean="0">
+                    <a:latin typeface="Times New Roman" panose="02020603050405020304" pitchFamily="18" charset="0"/>
+                    <a:ea typeface="Tahoma" panose="020B0604030504040204" pitchFamily="34" charset="0"/>
+                    <a:cs typeface="Times New Roman" panose="02020603050405020304" pitchFamily="18" charset="0"/>
+                  </a:rPr>
+                  <a:t>(2)</a:t>
+                </a:r>
+                <a:endParaRPr lang="zh-CN" altLang="en-US" sz="1400" dirty="0">
+                  <a:latin typeface="Times New Roman" panose="02020603050405020304" pitchFamily="18" charset="0"/>
+                  <a:cs typeface="Times New Roman" panose="02020603050405020304" pitchFamily="18" charset="0"/>
+                </a:endParaRPr>
+              </a:p>
+            </p:txBody>
+          </p:sp>
+          <p:sp>
+            <p:nvSpPr>
+              <p:cNvPr id="18" name="文本框 17"/>
+              <p:cNvSpPr txBox="1"/>
+              <p:nvPr/>
+            </p:nvSpPr>
+            <p:spPr>
+              <a:xfrm>
+                <a:off x="1435983" y="4410300"/>
+                <a:ext cx="382426" cy="307777"/>
+              </a:xfrm>
+              <a:prstGeom prst="rect">
+                <a:avLst/>
+              </a:prstGeom>
+              <a:noFill/>
+            </p:spPr>
+            <p:txBody>
+              <a:bodyPr wrap="square" rtlCol="0">
+                <a:spAutoFit/>
+              </a:bodyPr>
+              <a:lstStyle/>
+              <a:p>
+                <a:r>
+                  <a:rPr lang="en-US" altLang="zh-CN" sz="1400" dirty="0" smtClean="0">
+                    <a:latin typeface="Times New Roman" panose="02020603050405020304" pitchFamily="18" charset="0"/>
+                    <a:ea typeface="Tahoma" panose="020B0604030504040204" pitchFamily="34" charset="0"/>
+                    <a:cs typeface="Times New Roman" panose="02020603050405020304" pitchFamily="18" charset="0"/>
+                  </a:rPr>
+                  <a:t>(3)</a:t>
+                </a:r>
+                <a:endParaRPr lang="zh-CN" altLang="en-US" sz="1400" dirty="0">
+                  <a:latin typeface="Times New Roman" panose="02020603050405020304" pitchFamily="18" charset="0"/>
+                  <a:cs typeface="Times New Roman" panose="02020603050405020304" pitchFamily="18" charset="0"/>
+                </a:endParaRPr>
+              </a:p>
+            </p:txBody>
+          </p:sp>
+        </p:grpSp>
+        <p:grpSp>
+          <p:nvGrpSpPr>
+            <p:cNvPr id="27" name="组合 26"/>
+            <p:cNvGrpSpPr/>
+            <p:nvPr/>
+          </p:nvGrpSpPr>
+          <p:grpSpPr>
+            <a:xfrm>
+              <a:off x="4356144" y="3240000"/>
+              <a:ext cx="4320000" cy="3240000"/>
+              <a:chOff x="4356144" y="3240000"/>
+              <a:chExt cx="4320000" cy="3240000"/>
+            </a:xfrm>
+          </p:grpSpPr>
+          <p:pic>
+            <p:nvPicPr>
+              <p:cNvPr id="20" name="图片 19"/>
+              <p:cNvPicPr>
+                <a:picLocks noChangeAspect="1"/>
+              </p:cNvPicPr>
+              <p:nvPr/>
+            </p:nvPicPr>
+            <p:blipFill>
+              <a:blip r:embed="rId5">
+                <a:extLst>
+                  <a:ext uri="{28A0092B-C50C-407E-A947-70E740481C1C}">
+                    <a14:useLocalDpi xmlns:a14="http://schemas.microsoft.com/office/drawing/2010/main" val="0"/>
+                  </a:ext>
+                </a:extLst>
+              </a:blip>
+              <a:stretch>
+                <a:fillRect/>
+              </a:stretch>
+            </p:blipFill>
+            <p:spPr>
+              <a:xfrm>
+                <a:off x="4356144" y="3240000"/>
+                <a:ext cx="4320000" cy="3240000"/>
+              </a:xfrm>
+              <a:prstGeom prst="rect">
+                <a:avLst/>
+              </a:prstGeom>
+            </p:spPr>
+          </p:pic>
+          <p:sp>
+            <p:nvSpPr>
+              <p:cNvPr id="21" name="文本框 20"/>
+              <p:cNvSpPr txBox="1"/>
+              <p:nvPr/>
+            </p:nvSpPr>
+            <p:spPr>
+              <a:xfrm>
+                <a:off x="7707181" y="5713632"/>
+                <a:ext cx="382426" cy="307777"/>
+              </a:xfrm>
+              <a:prstGeom prst="rect">
+                <a:avLst/>
+              </a:prstGeom>
+              <a:noFill/>
+            </p:spPr>
+            <p:txBody>
+              <a:bodyPr wrap="square" rtlCol="0">
+                <a:spAutoFit/>
+              </a:bodyPr>
+              <a:lstStyle/>
+              <a:p>
+                <a:r>
+                  <a:rPr lang="en-US" altLang="zh-CN" sz="1400" dirty="0" smtClean="0">
+                    <a:latin typeface="Times New Roman" panose="02020603050405020304" pitchFamily="18" charset="0"/>
+                    <a:ea typeface="Tahoma" panose="020B0604030504040204" pitchFamily="34" charset="0"/>
+                    <a:cs typeface="Times New Roman" panose="02020603050405020304" pitchFamily="18" charset="0"/>
+                  </a:rPr>
+                  <a:t>(d)</a:t>
+                </a:r>
+                <a:endParaRPr lang="zh-CN" altLang="en-US" sz="1400" dirty="0">
+                  <a:latin typeface="Times New Roman" panose="02020603050405020304" pitchFamily="18" charset="0"/>
+                  <a:cs typeface="Times New Roman" panose="02020603050405020304" pitchFamily="18" charset="0"/>
+                </a:endParaRPr>
+              </a:p>
+            </p:txBody>
+          </p:sp>
+          <p:sp>
+            <p:nvSpPr>
+              <p:cNvPr id="24" name="文本框 23"/>
+              <p:cNvSpPr txBox="1"/>
+              <p:nvPr/>
+            </p:nvSpPr>
+            <p:spPr>
+              <a:xfrm>
+                <a:off x="6012315" y="5610831"/>
+                <a:ext cx="382426" cy="307777"/>
+              </a:xfrm>
+              <a:prstGeom prst="rect">
+                <a:avLst/>
+              </a:prstGeom>
+              <a:noFill/>
+            </p:spPr>
+            <p:txBody>
+              <a:bodyPr wrap="square" rtlCol="0">
+                <a:spAutoFit/>
+              </a:bodyPr>
+              <a:lstStyle/>
+              <a:p>
+                <a:r>
+                  <a:rPr lang="en-US" altLang="zh-CN" sz="1400" dirty="0" smtClean="0">
+                    <a:latin typeface="Times New Roman" panose="02020603050405020304" pitchFamily="18" charset="0"/>
+                    <a:ea typeface="Tahoma" panose="020B0604030504040204" pitchFamily="34" charset="0"/>
+                    <a:cs typeface="Times New Roman" panose="02020603050405020304" pitchFamily="18" charset="0"/>
+                  </a:rPr>
+                  <a:t>(1)</a:t>
+                </a:r>
+                <a:endParaRPr lang="zh-CN" altLang="en-US" sz="1400" dirty="0">
+                  <a:latin typeface="Times New Roman" panose="02020603050405020304" pitchFamily="18" charset="0"/>
+                  <a:cs typeface="Times New Roman" panose="02020603050405020304" pitchFamily="18" charset="0"/>
+                </a:endParaRPr>
+              </a:p>
+            </p:txBody>
+          </p:sp>
+          <p:sp>
+            <p:nvSpPr>
+              <p:cNvPr id="25" name="文本框 24"/>
+              <p:cNvSpPr txBox="1"/>
+              <p:nvPr/>
+            </p:nvSpPr>
+            <p:spPr>
+              <a:xfrm>
+                <a:off x="6012315" y="4998291"/>
+                <a:ext cx="382426" cy="307777"/>
+              </a:xfrm>
+              <a:prstGeom prst="rect">
+                <a:avLst/>
+              </a:prstGeom>
+              <a:noFill/>
+            </p:spPr>
+            <p:txBody>
+              <a:bodyPr wrap="square" rtlCol="0">
+                <a:spAutoFit/>
+              </a:bodyPr>
+              <a:lstStyle/>
+              <a:p>
+                <a:r>
+                  <a:rPr lang="en-US" altLang="zh-CN" sz="1400" dirty="0" smtClean="0">
+                    <a:latin typeface="Times New Roman" panose="02020603050405020304" pitchFamily="18" charset="0"/>
+                    <a:ea typeface="Tahoma" panose="020B0604030504040204" pitchFamily="34" charset="0"/>
+                    <a:cs typeface="Times New Roman" panose="02020603050405020304" pitchFamily="18" charset="0"/>
+                  </a:rPr>
+                  <a:t>(2)</a:t>
+                </a:r>
+                <a:endParaRPr lang="zh-CN" altLang="en-US" sz="1400" dirty="0">
+                  <a:latin typeface="Times New Roman" panose="02020603050405020304" pitchFamily="18" charset="0"/>
+                  <a:cs typeface="Times New Roman" panose="02020603050405020304" pitchFamily="18" charset="0"/>
+                </a:endParaRPr>
+              </a:p>
+            </p:txBody>
+          </p:sp>
+          <p:sp>
+            <p:nvSpPr>
+              <p:cNvPr id="26" name="文本框 25"/>
+              <p:cNvSpPr txBox="1"/>
+              <p:nvPr/>
+            </p:nvSpPr>
+            <p:spPr>
+              <a:xfrm>
+                <a:off x="6012315" y="4307559"/>
+                <a:ext cx="382426" cy="307777"/>
+              </a:xfrm>
+              <a:prstGeom prst="rect">
+                <a:avLst/>
+              </a:prstGeom>
+              <a:noFill/>
+            </p:spPr>
+            <p:txBody>
+              <a:bodyPr wrap="square" rtlCol="0">
+                <a:spAutoFit/>
+              </a:bodyPr>
+              <a:lstStyle/>
+              <a:p>
+                <a:r>
+                  <a:rPr lang="en-US" altLang="zh-CN" sz="1400" dirty="0" smtClean="0">
+                    <a:latin typeface="Times New Roman" panose="02020603050405020304" pitchFamily="18" charset="0"/>
+                    <a:ea typeface="Tahoma" panose="020B0604030504040204" pitchFamily="34" charset="0"/>
+                    <a:cs typeface="Times New Roman" panose="02020603050405020304" pitchFamily="18" charset="0"/>
+                  </a:rPr>
+                  <a:t>(3)</a:t>
+                </a:r>
+                <a:endParaRPr lang="zh-CN" altLang="en-US" sz="1400" dirty="0">
+                  <a:latin typeface="Times New Roman" panose="02020603050405020304" pitchFamily="18" charset="0"/>
+                  <a:cs typeface="Times New Roman" panose="02020603050405020304" pitchFamily="18" charset="0"/>
+                </a:endParaRPr>
+              </a:p>
+            </p:txBody>
+          </p:sp>
+        </p:grpSp>
+      </p:grpSp>
+    </p:spTree>
+    <p:extLst>
+      <p:ext uri="{BB962C8B-B14F-4D97-AF65-F5344CB8AC3E}">
+        <p14:creationId xmlns:p14="http://schemas.microsoft.com/office/powerpoint/2010/main" val="910225665"/>
       </p:ext>
     </p:extLst>
   </p:cSld>
@@ -18166,6 +20945,8 @@
                   <a:solidFill>
                     <a:schemeClr val="tx1"/>
                   </a:solidFill>
+                  <a:latin typeface="Times New Roman" panose="02020603050405020304" pitchFamily="18" charset="0"/>
+                  <a:cs typeface="Times New Roman" panose="02020603050405020304" pitchFamily="18" charset="0"/>
                 </a:rPr>
                 <a:t>a</a:t>
               </a:r>
@@ -18174,6 +20955,8 @@
                 <a:solidFill>
                   <a:schemeClr val="tx1"/>
                 </a:solidFill>
+                <a:latin typeface="Times New Roman" panose="02020603050405020304" pitchFamily="18" charset="0"/>
+                <a:cs typeface="Times New Roman" panose="02020603050405020304" pitchFamily="18" charset="0"/>
               </a:endParaRPr>
             </a:p>
           </p:txBody>
@@ -18204,6 +20987,8 @@
               <a:r>
                 <a:rPr lang="en-US" altLang="zh-CN" sz="2000" dirty="0">
                   <a:ln w="0"/>
+                  <a:latin typeface="Times New Roman" panose="02020603050405020304" pitchFamily="18" charset="0"/>
+                  <a:cs typeface="Times New Roman" panose="02020603050405020304" pitchFamily="18" charset="0"/>
                 </a:rPr>
                 <a:t>b</a:t>
               </a:r>
@@ -18212,6 +20997,8 @@
                 <a:solidFill>
                   <a:schemeClr val="tx1"/>
                 </a:solidFill>
+                <a:latin typeface="Times New Roman" panose="02020603050405020304" pitchFamily="18" charset="0"/>
+                <a:cs typeface="Times New Roman" panose="02020603050405020304" pitchFamily="18" charset="0"/>
               </a:endParaRPr>
             </a:p>
           </p:txBody>
@@ -18242,6 +21029,8 @@
               <a:r>
                 <a:rPr lang="en-US" altLang="zh-CN" sz="2000" dirty="0">
                   <a:ln w="0"/>
+                  <a:latin typeface="Times New Roman" panose="02020603050405020304" pitchFamily="18" charset="0"/>
+                  <a:cs typeface="Times New Roman" panose="02020603050405020304" pitchFamily="18" charset="0"/>
                 </a:rPr>
                 <a:t>d</a:t>
               </a:r>
@@ -18250,6 +21039,8 @@
                 <a:solidFill>
                   <a:schemeClr val="tx1"/>
                 </a:solidFill>
+                <a:latin typeface="Times New Roman" panose="02020603050405020304" pitchFamily="18" charset="0"/>
+                <a:cs typeface="Times New Roman" panose="02020603050405020304" pitchFamily="18" charset="0"/>
               </a:endParaRPr>
             </a:p>
           </p:txBody>
@@ -18262,8 +21053,8 @@
           </p:nvSpPr>
           <p:spPr>
             <a:xfrm>
-              <a:off x="2729868" y="6535461"/>
-              <a:ext cx="293670" cy="400110"/>
+              <a:off x="2727463" y="6535461"/>
+              <a:ext cx="298480" cy="400110"/>
             </a:xfrm>
             <a:prstGeom prst="rect">
               <a:avLst/>
@@ -18280,6 +21071,8 @@
               <a:r>
                 <a:rPr lang="en-US" altLang="zh-CN" sz="2000" dirty="0" smtClean="0">
                   <a:ln w="0"/>
+                  <a:latin typeface="Times New Roman" panose="02020603050405020304" pitchFamily="18" charset="0"/>
+                  <a:cs typeface="Times New Roman" panose="02020603050405020304" pitchFamily="18" charset="0"/>
                 </a:rPr>
                 <a:t>c</a:t>
               </a:r>
@@ -18288,6 +21081,8 @@
                 <a:solidFill>
                   <a:schemeClr val="tx1"/>
                 </a:solidFill>
+                <a:latin typeface="Times New Roman" panose="02020603050405020304" pitchFamily="18" charset="0"/>
+                <a:cs typeface="Times New Roman" panose="02020603050405020304" pitchFamily="18" charset="0"/>
               </a:endParaRPr>
             </a:p>
           </p:txBody>

--- a/毕业论文/论文用图.pptx
+++ b/毕业论文/论文用图.pptx
@@ -15,29 +15,34 @@
     <p:sldId id="264" r:id="rId9"/>
     <p:sldId id="263" r:id="rId10"/>
     <p:sldId id="258" r:id="rId11"/>
-    <p:sldId id="262" r:id="rId12"/>
-    <p:sldId id="271" r:id="rId13"/>
-    <p:sldId id="272" r:id="rId14"/>
-    <p:sldId id="273" r:id="rId15"/>
-    <p:sldId id="275" r:id="rId16"/>
-    <p:sldId id="276" r:id="rId17"/>
-    <p:sldId id="277" r:id="rId18"/>
-    <p:sldId id="278" r:id="rId19"/>
-    <p:sldId id="279" r:id="rId20"/>
-    <p:sldId id="280" r:id="rId21"/>
-    <p:sldId id="281" r:id="rId22"/>
-    <p:sldId id="282" r:id="rId23"/>
-    <p:sldId id="274" r:id="rId24"/>
-    <p:sldId id="260" r:id="rId25"/>
-    <p:sldId id="287" r:id="rId26"/>
-    <p:sldId id="288" r:id="rId27"/>
-    <p:sldId id="261" r:id="rId28"/>
-    <p:sldId id="259" r:id="rId29"/>
-    <p:sldId id="270" r:id="rId30"/>
-    <p:sldId id="286" r:id="rId31"/>
-    <p:sldId id="283" r:id="rId32"/>
-    <p:sldId id="284" r:id="rId33"/>
-    <p:sldId id="285" r:id="rId34"/>
+    <p:sldId id="291" r:id="rId12"/>
+    <p:sldId id="293" r:id="rId13"/>
+    <p:sldId id="292" r:id="rId14"/>
+    <p:sldId id="262" r:id="rId15"/>
+    <p:sldId id="271" r:id="rId16"/>
+    <p:sldId id="272" r:id="rId17"/>
+    <p:sldId id="289" r:id="rId18"/>
+    <p:sldId id="273" r:id="rId19"/>
+    <p:sldId id="275" r:id="rId20"/>
+    <p:sldId id="276" r:id="rId21"/>
+    <p:sldId id="277" r:id="rId22"/>
+    <p:sldId id="278" r:id="rId23"/>
+    <p:sldId id="279" r:id="rId24"/>
+    <p:sldId id="280" r:id="rId25"/>
+    <p:sldId id="281" r:id="rId26"/>
+    <p:sldId id="282" r:id="rId27"/>
+    <p:sldId id="274" r:id="rId28"/>
+    <p:sldId id="260" r:id="rId29"/>
+    <p:sldId id="287" r:id="rId30"/>
+    <p:sldId id="288" r:id="rId31"/>
+    <p:sldId id="261" r:id="rId32"/>
+    <p:sldId id="259" r:id="rId33"/>
+    <p:sldId id="270" r:id="rId34"/>
+    <p:sldId id="286" r:id="rId35"/>
+    <p:sldId id="283" r:id="rId36"/>
+    <p:sldId id="284" r:id="rId37"/>
+    <p:sldId id="285" r:id="rId38"/>
+    <p:sldId id="290" r:id="rId39"/>
   </p:sldIdLst>
   <p:sldSz cx="12192000" cy="6858000"/>
   <p:notesSz cx="6858000" cy="9144000"/>
@@ -275,7 +280,7 @@
           <a:p>
             <a:fld id="{2434905A-E1A4-4744-B5A9-97B0F93BB70A}" type="datetimeFigureOut">
               <a:rPr lang="zh-CN" altLang="en-US" smtClean="0"/>
-              <a:t>2016/3/19</a:t>
+              <a:t>2016/3/20</a:t>
             </a:fld>
             <a:endParaRPr lang="zh-CN" altLang="en-US"/>
           </a:p>
@@ -445,7 +450,7 @@
           <a:p>
             <a:fld id="{2434905A-E1A4-4744-B5A9-97B0F93BB70A}" type="datetimeFigureOut">
               <a:rPr lang="zh-CN" altLang="en-US" smtClean="0"/>
-              <a:t>2016/3/19</a:t>
+              <a:t>2016/3/20</a:t>
             </a:fld>
             <a:endParaRPr lang="zh-CN" altLang="en-US"/>
           </a:p>
@@ -625,7 +630,7 @@
           <a:p>
             <a:fld id="{2434905A-E1A4-4744-B5A9-97B0F93BB70A}" type="datetimeFigureOut">
               <a:rPr lang="zh-CN" altLang="en-US" smtClean="0"/>
-              <a:t>2016/3/19</a:t>
+              <a:t>2016/3/20</a:t>
             </a:fld>
             <a:endParaRPr lang="zh-CN" altLang="en-US"/>
           </a:p>
@@ -795,7 +800,7 @@
           <a:p>
             <a:fld id="{2434905A-E1A4-4744-B5A9-97B0F93BB70A}" type="datetimeFigureOut">
               <a:rPr lang="zh-CN" altLang="en-US" smtClean="0"/>
-              <a:t>2016/3/19</a:t>
+              <a:t>2016/3/20</a:t>
             </a:fld>
             <a:endParaRPr lang="zh-CN" altLang="en-US"/>
           </a:p>
@@ -1041,7 +1046,7 @@
           <a:p>
             <a:fld id="{2434905A-E1A4-4744-B5A9-97B0F93BB70A}" type="datetimeFigureOut">
               <a:rPr lang="zh-CN" altLang="en-US" smtClean="0"/>
-              <a:t>2016/3/19</a:t>
+              <a:t>2016/3/20</a:t>
             </a:fld>
             <a:endParaRPr lang="zh-CN" altLang="en-US"/>
           </a:p>
@@ -1273,7 +1278,7 @@
           <a:p>
             <a:fld id="{2434905A-E1A4-4744-B5A9-97B0F93BB70A}" type="datetimeFigureOut">
               <a:rPr lang="zh-CN" altLang="en-US" smtClean="0"/>
-              <a:t>2016/3/19</a:t>
+              <a:t>2016/3/20</a:t>
             </a:fld>
             <a:endParaRPr lang="zh-CN" altLang="en-US"/>
           </a:p>
@@ -1640,7 +1645,7 @@
           <a:p>
             <a:fld id="{2434905A-E1A4-4744-B5A9-97B0F93BB70A}" type="datetimeFigureOut">
               <a:rPr lang="zh-CN" altLang="en-US" smtClean="0"/>
-              <a:t>2016/3/19</a:t>
+              <a:t>2016/3/20</a:t>
             </a:fld>
             <a:endParaRPr lang="zh-CN" altLang="en-US"/>
           </a:p>
@@ -1758,7 +1763,7 @@
           <a:p>
             <a:fld id="{2434905A-E1A4-4744-B5A9-97B0F93BB70A}" type="datetimeFigureOut">
               <a:rPr lang="zh-CN" altLang="en-US" smtClean="0"/>
-              <a:t>2016/3/19</a:t>
+              <a:t>2016/3/20</a:t>
             </a:fld>
             <a:endParaRPr lang="zh-CN" altLang="en-US"/>
           </a:p>
@@ -1853,7 +1858,7 @@
           <a:p>
             <a:fld id="{2434905A-E1A4-4744-B5A9-97B0F93BB70A}" type="datetimeFigureOut">
               <a:rPr lang="zh-CN" altLang="en-US" smtClean="0"/>
-              <a:t>2016/3/19</a:t>
+              <a:t>2016/3/20</a:t>
             </a:fld>
             <a:endParaRPr lang="zh-CN" altLang="en-US"/>
           </a:p>
@@ -2130,7 +2135,7 @@
           <a:p>
             <a:fld id="{2434905A-E1A4-4744-B5A9-97B0F93BB70A}" type="datetimeFigureOut">
               <a:rPr lang="zh-CN" altLang="en-US" smtClean="0"/>
-              <a:t>2016/3/19</a:t>
+              <a:t>2016/3/20</a:t>
             </a:fld>
             <a:endParaRPr lang="zh-CN" altLang="en-US"/>
           </a:p>
@@ -2383,7 +2388,7 @@
           <a:p>
             <a:fld id="{2434905A-E1A4-4744-B5A9-97B0F93BB70A}" type="datetimeFigureOut">
               <a:rPr lang="zh-CN" altLang="en-US" smtClean="0"/>
-              <a:t>2016/3/19</a:t>
+              <a:t>2016/3/20</a:t>
             </a:fld>
             <a:endParaRPr lang="zh-CN" altLang="en-US"/>
           </a:p>
@@ -2596,7 +2601,7 @@
           <a:p>
             <a:fld id="{2434905A-E1A4-4744-B5A9-97B0F93BB70A}" type="datetimeFigureOut">
               <a:rPr lang="zh-CN" altLang="en-US" smtClean="0"/>
-              <a:t>2016/3/19</a:t>
+              <a:t>2016/3/20</a:t>
             </a:fld>
             <a:endParaRPr lang="zh-CN" altLang="en-US"/>
           </a:p>
@@ -3278,6 +3283,1628 @@
           <a:chExt cx="0" cy="0"/>
         </a:xfrm>
       </p:grpSpPr>
+      <p:grpSp>
+        <p:nvGrpSpPr>
+          <p:cNvPr id="18" name="组合 17"/>
+          <p:cNvGrpSpPr/>
+          <p:nvPr/>
+        </p:nvGrpSpPr>
+        <p:grpSpPr>
+          <a:xfrm>
+            <a:off x="646568" y="591845"/>
+            <a:ext cx="10587623" cy="2916000"/>
+            <a:chOff x="619273" y="1315177"/>
+            <a:chExt cx="10587623" cy="2916000"/>
+          </a:xfrm>
+        </p:grpSpPr>
+        <p:grpSp>
+          <p:nvGrpSpPr>
+            <p:cNvPr id="10" name="组合 9"/>
+            <p:cNvGrpSpPr/>
+            <p:nvPr/>
+          </p:nvGrpSpPr>
+          <p:grpSpPr>
+            <a:xfrm>
+              <a:off x="4153171" y="1342444"/>
+              <a:ext cx="3600000" cy="2764706"/>
+              <a:chOff x="7003839" y="1593859"/>
+              <a:chExt cx="3600000" cy="2764706"/>
+            </a:xfrm>
+          </p:grpSpPr>
+          <p:pic>
+            <p:nvPicPr>
+              <p:cNvPr id="5" name="图片 4"/>
+              <p:cNvPicPr>
+                <a:picLocks noChangeAspect="1"/>
+              </p:cNvPicPr>
+              <p:nvPr/>
+            </p:nvPicPr>
+            <p:blipFill>
+              <a:blip r:embed="rId2"/>
+              <a:stretch>
+                <a:fillRect/>
+              </a:stretch>
+            </p:blipFill>
+            <p:spPr>
+              <a:xfrm>
+                <a:off x="7003839" y="1593859"/>
+                <a:ext cx="3600000" cy="2764706"/>
+              </a:xfrm>
+              <a:prstGeom prst="rect">
+                <a:avLst/>
+              </a:prstGeom>
+            </p:spPr>
+          </p:pic>
+          <p:sp>
+            <p:nvSpPr>
+              <p:cNvPr id="6" name="文本框 5"/>
+              <p:cNvSpPr txBox="1"/>
+              <p:nvPr/>
+            </p:nvSpPr>
+            <p:spPr>
+              <a:xfrm>
+                <a:off x="7810563" y="4050788"/>
+                <a:ext cx="1986975" cy="307777"/>
+              </a:xfrm>
+              <a:prstGeom prst="rect">
+                <a:avLst/>
+              </a:prstGeom>
+              <a:noFill/>
+            </p:spPr>
+            <p:txBody>
+              <a:bodyPr wrap="square" rtlCol="0">
+                <a:spAutoFit/>
+              </a:bodyPr>
+              <a:lstStyle/>
+              <a:p>
+                <a:r>
+                  <a:rPr lang="en-US" altLang="zh-CN" sz="1400" dirty="0" smtClean="0">
+                    <a:latin typeface="Times New Roman" panose="02020603050405020304" pitchFamily="18" charset="0"/>
+                    <a:ea typeface="Tahoma" panose="020B0604030504040204" pitchFamily="34" charset="0"/>
+                    <a:cs typeface="Times New Roman" panose="02020603050405020304" pitchFamily="18" charset="0"/>
+                  </a:rPr>
+                  <a:t>Gas Concentration /ppm</a:t>
+                </a:r>
+                <a:endParaRPr lang="zh-CN" altLang="en-US" sz="1400" dirty="0">
+                  <a:latin typeface="Times New Roman" panose="02020603050405020304" pitchFamily="18" charset="0"/>
+                  <a:cs typeface="Times New Roman" panose="02020603050405020304" pitchFamily="18" charset="0"/>
+                </a:endParaRPr>
+              </a:p>
+            </p:txBody>
+          </p:sp>
+          <p:sp>
+            <p:nvSpPr>
+              <p:cNvPr id="7" name="文本框 6"/>
+              <p:cNvSpPr txBox="1"/>
+              <p:nvPr/>
+            </p:nvSpPr>
+            <p:spPr>
+              <a:xfrm rot="16200000">
+                <a:off x="6164240" y="2458858"/>
+                <a:ext cx="1986975" cy="307777"/>
+              </a:xfrm>
+              <a:prstGeom prst="rect">
+                <a:avLst/>
+              </a:prstGeom>
+              <a:noFill/>
+            </p:spPr>
+            <p:txBody>
+              <a:bodyPr wrap="square" rtlCol="0">
+                <a:spAutoFit/>
+              </a:bodyPr>
+              <a:lstStyle/>
+              <a:p>
+                <a:r>
+                  <a:rPr lang="en-US" altLang="zh-CN" sz="1400" dirty="0" smtClean="0">
+                    <a:latin typeface="Times New Roman" panose="02020603050405020304" pitchFamily="18" charset="0"/>
+                    <a:ea typeface="Tahoma" panose="020B0604030504040204" pitchFamily="34" charset="0"/>
+                    <a:cs typeface="Times New Roman" panose="02020603050405020304" pitchFamily="18" charset="0"/>
+                  </a:rPr>
+                  <a:t>Absorption /a.u.</a:t>
+                </a:r>
+                <a:endParaRPr lang="zh-CN" altLang="en-US" sz="1400" dirty="0">
+                  <a:latin typeface="Times New Roman" panose="02020603050405020304" pitchFamily="18" charset="0"/>
+                  <a:cs typeface="Times New Roman" panose="02020603050405020304" pitchFamily="18" charset="0"/>
+                </a:endParaRPr>
+              </a:p>
+            </p:txBody>
+          </p:sp>
+        </p:grpSp>
+        <p:grpSp>
+          <p:nvGrpSpPr>
+            <p:cNvPr id="11" name="组合 10"/>
+            <p:cNvGrpSpPr/>
+            <p:nvPr/>
+          </p:nvGrpSpPr>
+          <p:grpSpPr>
+            <a:xfrm>
+              <a:off x="619273" y="1342444"/>
+              <a:ext cx="3666525" cy="2834171"/>
+              <a:chOff x="3403416" y="1560808"/>
+              <a:chExt cx="3666525" cy="2834171"/>
+            </a:xfrm>
+          </p:grpSpPr>
+          <p:pic>
+            <p:nvPicPr>
+              <p:cNvPr id="4" name="图片 3"/>
+              <p:cNvPicPr>
+                <a:picLocks noChangeAspect="1"/>
+              </p:cNvPicPr>
+              <p:nvPr/>
+            </p:nvPicPr>
+            <p:blipFill>
+              <a:blip r:embed="rId3"/>
+              <a:stretch>
+                <a:fillRect/>
+              </a:stretch>
+            </p:blipFill>
+            <p:spPr>
+              <a:xfrm>
+                <a:off x="3469941" y="1560808"/>
+                <a:ext cx="3600000" cy="2834171"/>
+              </a:xfrm>
+              <a:prstGeom prst="rect">
+                <a:avLst/>
+              </a:prstGeom>
+            </p:spPr>
+          </p:pic>
+          <p:sp>
+            <p:nvSpPr>
+              <p:cNvPr id="8" name="文本框 7"/>
+              <p:cNvSpPr txBox="1"/>
+              <p:nvPr/>
+            </p:nvSpPr>
+            <p:spPr>
+              <a:xfrm>
+                <a:off x="4210140" y="4050787"/>
+                <a:ext cx="1986975" cy="307777"/>
+              </a:xfrm>
+              <a:prstGeom prst="rect">
+                <a:avLst/>
+              </a:prstGeom>
+              <a:noFill/>
+            </p:spPr>
+            <p:txBody>
+              <a:bodyPr wrap="square" rtlCol="0">
+                <a:spAutoFit/>
+              </a:bodyPr>
+              <a:lstStyle/>
+              <a:p>
+                <a:r>
+                  <a:rPr lang="en-US" altLang="zh-CN" sz="1400" dirty="0" smtClean="0">
+                    <a:latin typeface="Times New Roman" panose="02020603050405020304" pitchFamily="18" charset="0"/>
+                    <a:ea typeface="Tahoma" panose="020B0604030504040204" pitchFamily="34" charset="0"/>
+                    <a:cs typeface="Times New Roman" panose="02020603050405020304" pitchFamily="18" charset="0"/>
+                  </a:rPr>
+                  <a:t>Gas Concentration /ppm</a:t>
+                </a:r>
+                <a:endParaRPr lang="zh-CN" altLang="en-US" sz="1400" dirty="0">
+                  <a:latin typeface="Times New Roman" panose="02020603050405020304" pitchFamily="18" charset="0"/>
+                  <a:cs typeface="Times New Roman" panose="02020603050405020304" pitchFamily="18" charset="0"/>
+                </a:endParaRPr>
+              </a:p>
+            </p:txBody>
+          </p:sp>
+          <p:sp>
+            <p:nvSpPr>
+              <p:cNvPr id="9" name="文本框 8"/>
+              <p:cNvSpPr txBox="1"/>
+              <p:nvPr/>
+            </p:nvSpPr>
+            <p:spPr>
+              <a:xfrm rot="16200000">
+                <a:off x="2563817" y="2458857"/>
+                <a:ext cx="1986975" cy="307777"/>
+              </a:xfrm>
+              <a:prstGeom prst="rect">
+                <a:avLst/>
+              </a:prstGeom>
+              <a:noFill/>
+            </p:spPr>
+            <p:txBody>
+              <a:bodyPr wrap="square" rtlCol="0">
+                <a:spAutoFit/>
+              </a:bodyPr>
+              <a:lstStyle/>
+              <a:p>
+                <a:r>
+                  <a:rPr lang="en-US" altLang="zh-CN" sz="1400" dirty="0" smtClean="0">
+                    <a:latin typeface="Times New Roman" panose="02020603050405020304" pitchFamily="18" charset="0"/>
+                    <a:ea typeface="Tahoma" panose="020B0604030504040204" pitchFamily="34" charset="0"/>
+                    <a:cs typeface="Times New Roman" panose="02020603050405020304" pitchFamily="18" charset="0"/>
+                  </a:rPr>
+                  <a:t>Absorption /a.u.</a:t>
+                </a:r>
+                <a:endParaRPr lang="zh-CN" altLang="en-US" sz="1400" dirty="0">
+                  <a:latin typeface="Times New Roman" panose="02020603050405020304" pitchFamily="18" charset="0"/>
+                  <a:cs typeface="Times New Roman" panose="02020603050405020304" pitchFamily="18" charset="0"/>
+                </a:endParaRPr>
+              </a:p>
+            </p:txBody>
+          </p:sp>
+        </p:grpSp>
+        <p:pic>
+          <p:nvPicPr>
+            <p:cNvPr id="12" name="图片 11"/>
+            <p:cNvPicPr>
+              <a:picLocks noChangeAspect="1"/>
+            </p:cNvPicPr>
+            <p:nvPr/>
+          </p:nvPicPr>
+          <p:blipFill>
+            <a:blip r:embed="rId4"/>
+            <a:stretch>
+              <a:fillRect/>
+            </a:stretch>
+          </p:blipFill>
+          <p:spPr>
+            <a:xfrm>
+              <a:off x="7462896" y="1315177"/>
+              <a:ext cx="3744000" cy="2916000"/>
+            </a:xfrm>
+            <a:prstGeom prst="rect">
+              <a:avLst/>
+            </a:prstGeom>
+          </p:spPr>
+        </p:pic>
+        <p:sp>
+          <p:nvSpPr>
+            <p:cNvPr id="15" name="文本框 14"/>
+            <p:cNvSpPr txBox="1"/>
+            <p:nvPr/>
+          </p:nvSpPr>
+          <p:spPr>
+            <a:xfrm>
+              <a:off x="1204223" y="1801504"/>
+              <a:ext cx="337632" cy="307777"/>
+            </a:xfrm>
+            <a:prstGeom prst="rect">
+              <a:avLst/>
+            </a:prstGeom>
+            <a:noFill/>
+          </p:spPr>
+          <p:txBody>
+            <a:bodyPr wrap="square" rtlCol="0">
+              <a:spAutoFit/>
+            </a:bodyPr>
+            <a:lstStyle/>
+            <a:p>
+              <a:r>
+                <a:rPr lang="en-US" altLang="zh-CN" sz="1400" dirty="0" smtClean="0">
+                  <a:latin typeface="Times New Roman" panose="02020603050405020304" pitchFamily="18" charset="0"/>
+                  <a:ea typeface="Tahoma" panose="020B0604030504040204" pitchFamily="34" charset="0"/>
+                  <a:cs typeface="Times New Roman" panose="02020603050405020304" pitchFamily="18" charset="0"/>
+                </a:rPr>
+                <a:t>(a)</a:t>
+              </a:r>
+              <a:endParaRPr lang="zh-CN" altLang="en-US" sz="1400" dirty="0">
+                <a:latin typeface="Times New Roman" panose="02020603050405020304" pitchFamily="18" charset="0"/>
+                <a:cs typeface="Times New Roman" panose="02020603050405020304" pitchFamily="18" charset="0"/>
+              </a:endParaRPr>
+            </a:p>
+          </p:txBody>
+        </p:sp>
+        <p:sp>
+          <p:nvSpPr>
+            <p:cNvPr id="16" name="文本框 15"/>
+            <p:cNvSpPr txBox="1"/>
+            <p:nvPr/>
+          </p:nvSpPr>
+          <p:spPr>
+            <a:xfrm>
+              <a:off x="4792642" y="1801504"/>
+              <a:ext cx="433172" cy="307778"/>
+            </a:xfrm>
+            <a:prstGeom prst="rect">
+              <a:avLst/>
+            </a:prstGeom>
+            <a:noFill/>
+          </p:spPr>
+          <p:txBody>
+            <a:bodyPr wrap="square" rtlCol="0">
+              <a:spAutoFit/>
+            </a:bodyPr>
+            <a:lstStyle/>
+            <a:p>
+              <a:r>
+                <a:rPr lang="en-US" altLang="zh-CN" sz="1400" dirty="0" smtClean="0">
+                  <a:latin typeface="Times New Roman" panose="02020603050405020304" pitchFamily="18" charset="0"/>
+                  <a:ea typeface="Tahoma" panose="020B0604030504040204" pitchFamily="34" charset="0"/>
+                  <a:cs typeface="Times New Roman" panose="02020603050405020304" pitchFamily="18" charset="0"/>
+                </a:rPr>
+                <a:t>(b)</a:t>
+              </a:r>
+              <a:endParaRPr lang="zh-CN" altLang="en-US" sz="1400" dirty="0">
+                <a:latin typeface="Times New Roman" panose="02020603050405020304" pitchFamily="18" charset="0"/>
+                <a:cs typeface="Times New Roman" panose="02020603050405020304" pitchFamily="18" charset="0"/>
+              </a:endParaRPr>
+            </a:p>
+          </p:txBody>
+        </p:sp>
+        <p:sp>
+          <p:nvSpPr>
+            <p:cNvPr id="17" name="文本框 16"/>
+            <p:cNvSpPr txBox="1"/>
+            <p:nvPr/>
+          </p:nvSpPr>
+          <p:spPr>
+            <a:xfrm>
+              <a:off x="8207231" y="1801504"/>
+              <a:ext cx="433172" cy="307778"/>
+            </a:xfrm>
+            <a:prstGeom prst="rect">
+              <a:avLst/>
+            </a:prstGeom>
+            <a:noFill/>
+          </p:spPr>
+          <p:txBody>
+            <a:bodyPr wrap="square" rtlCol="0">
+              <a:spAutoFit/>
+            </a:bodyPr>
+            <a:lstStyle/>
+            <a:p>
+              <a:r>
+                <a:rPr lang="en-US" altLang="zh-CN" sz="1400" dirty="0" smtClean="0">
+                  <a:latin typeface="Times New Roman" panose="02020603050405020304" pitchFamily="18" charset="0"/>
+                  <a:ea typeface="Tahoma" panose="020B0604030504040204" pitchFamily="34" charset="0"/>
+                  <a:cs typeface="Times New Roman" panose="02020603050405020304" pitchFamily="18" charset="0"/>
+                </a:rPr>
+                <a:t>(c)</a:t>
+              </a:r>
+              <a:endParaRPr lang="zh-CN" altLang="en-US" sz="1400" dirty="0">
+                <a:latin typeface="Times New Roman" panose="02020603050405020304" pitchFamily="18" charset="0"/>
+                <a:cs typeface="Times New Roman" panose="02020603050405020304" pitchFamily="18" charset="0"/>
+              </a:endParaRPr>
+            </a:p>
+          </p:txBody>
+        </p:sp>
+      </p:grpSp>
+      <p:pic>
+        <p:nvPicPr>
+          <p:cNvPr id="19" name="图片 18"/>
+          <p:cNvPicPr>
+            <a:picLocks noChangeAspect="1"/>
+          </p:cNvPicPr>
+          <p:nvPr/>
+        </p:nvPicPr>
+        <p:blipFill>
+          <a:blip r:embed="rId4"/>
+          <a:stretch>
+            <a:fillRect/>
+          </a:stretch>
+        </p:blipFill>
+        <p:spPr>
+          <a:xfrm>
+            <a:off x="2767164" y="4163731"/>
+            <a:ext cx="3744000" cy="2916000"/>
+          </a:xfrm>
+          <a:prstGeom prst="rect">
+            <a:avLst/>
+          </a:prstGeom>
+        </p:spPr>
+      </p:pic>
+      <p:sp>
+        <p:nvSpPr>
+          <p:cNvPr id="21" name="任意多边形 20"/>
+          <p:cNvSpPr/>
+          <p:nvPr/>
+        </p:nvSpPr>
+        <p:spPr>
+          <a:xfrm>
+            <a:off x="8609526" y="1009932"/>
+            <a:ext cx="2292824" cy="1659035"/>
+          </a:xfrm>
+          <a:custGeom>
+            <a:avLst/>
+            <a:gdLst>
+              <a:gd name="connsiteX0" fmla="*/ 0 w 2292824"/>
+              <a:gd name="connsiteY0" fmla="*/ 0 h 1697059"/>
+              <a:gd name="connsiteX1" fmla="*/ 68239 w 2292824"/>
+              <a:gd name="connsiteY1" fmla="*/ 518615 h 1697059"/>
+              <a:gd name="connsiteX2" fmla="*/ 327546 w 2292824"/>
+              <a:gd name="connsiteY2" fmla="*/ 1050877 h 1697059"/>
+              <a:gd name="connsiteX3" fmla="*/ 846161 w 2292824"/>
+              <a:gd name="connsiteY3" fmla="*/ 1487606 h 1697059"/>
+              <a:gd name="connsiteX4" fmla="*/ 1514901 w 2292824"/>
+              <a:gd name="connsiteY4" fmla="*/ 1678674 h 1697059"/>
+              <a:gd name="connsiteX5" fmla="*/ 2292824 w 2292824"/>
+              <a:gd name="connsiteY5" fmla="*/ 1678674 h 1697059"/>
+            </a:gdLst>
+            <a:ahLst/>
+            <a:cxnLst>
+              <a:cxn ang="0">
+                <a:pos x="connsiteX0" y="connsiteY0"/>
+              </a:cxn>
+              <a:cxn ang="0">
+                <a:pos x="connsiteX1" y="connsiteY1"/>
+              </a:cxn>
+              <a:cxn ang="0">
+                <a:pos x="connsiteX2" y="connsiteY2"/>
+              </a:cxn>
+              <a:cxn ang="0">
+                <a:pos x="connsiteX3" y="connsiteY3"/>
+              </a:cxn>
+              <a:cxn ang="0">
+                <a:pos x="connsiteX4" y="connsiteY4"/>
+              </a:cxn>
+              <a:cxn ang="0">
+                <a:pos x="connsiteX5" y="connsiteY5"/>
+              </a:cxn>
+            </a:cxnLst>
+            <a:rect l="l" t="t" r="r" b="b"/>
+            <a:pathLst>
+              <a:path w="2292824" h="1697059">
+                <a:moveTo>
+                  <a:pt x="0" y="0"/>
+                </a:moveTo>
+                <a:cubicBezTo>
+                  <a:pt x="6824" y="171734"/>
+                  <a:pt x="13648" y="343469"/>
+                  <a:pt x="68239" y="518615"/>
+                </a:cubicBezTo>
+                <a:cubicBezTo>
+                  <a:pt x="122830" y="693761"/>
+                  <a:pt x="197892" y="889379"/>
+                  <a:pt x="327546" y="1050877"/>
+                </a:cubicBezTo>
+                <a:cubicBezTo>
+                  <a:pt x="457200" y="1212376"/>
+                  <a:pt x="648269" y="1382973"/>
+                  <a:pt x="846161" y="1487606"/>
+                </a:cubicBezTo>
+                <a:cubicBezTo>
+                  <a:pt x="1044053" y="1592239"/>
+                  <a:pt x="1273791" y="1646829"/>
+                  <a:pt x="1514901" y="1678674"/>
+                </a:cubicBezTo>
+                <a:cubicBezTo>
+                  <a:pt x="1756011" y="1710519"/>
+                  <a:pt x="2024417" y="1694596"/>
+                  <a:pt x="2292824" y="1678674"/>
+                </a:cubicBezTo>
+              </a:path>
+            </a:pathLst>
+          </a:custGeom>
+          <a:ln>
+            <a:prstDash val="dashDot"/>
+          </a:ln>
+        </p:spPr>
+        <p:style>
+          <a:lnRef idx="1">
+            <a:schemeClr val="dk1"/>
+          </a:lnRef>
+          <a:fillRef idx="0">
+            <a:schemeClr val="dk1"/>
+          </a:fillRef>
+          <a:effectRef idx="0">
+            <a:schemeClr val="dk1"/>
+          </a:effectRef>
+          <a:fontRef idx="minor">
+            <a:schemeClr val="tx1"/>
+          </a:fontRef>
+        </p:style>
+        <p:txBody>
+          <a:bodyPr rtlCol="0" anchor="ctr"/>
+          <a:lstStyle/>
+          <a:p>
+            <a:pPr algn="ctr"/>
+            <a:endParaRPr lang="zh-CN" altLang="en-US"/>
+          </a:p>
+        </p:txBody>
+      </p:sp>
+    </p:spTree>
+    <p:extLst>
+      <p:ext uri="{BB962C8B-B14F-4D97-AF65-F5344CB8AC3E}">
+        <p14:creationId xmlns:p14="http://schemas.microsoft.com/office/powerpoint/2010/main" val="633108287"/>
+      </p:ext>
+    </p:extLst>
+  </p:cSld>
+  <p:clrMapOvr>
+    <a:masterClrMapping/>
+  </p:clrMapOvr>
+</p:sld>
+</file>
+
+<file path=ppt/slides/slide12.xml><?xml version="1.0" encoding="utf-8"?>
+<p:sld xmlns:a="http://schemas.openxmlformats.org/drawingml/2006/main" xmlns:r="http://schemas.openxmlformats.org/officeDocument/2006/relationships" xmlns:p="http://schemas.openxmlformats.org/presentationml/2006/main">
+  <p:cSld>
+    <p:spTree>
+      <p:nvGrpSpPr>
+        <p:cNvPr id="1" name=""/>
+        <p:cNvGrpSpPr/>
+        <p:nvPr/>
+      </p:nvGrpSpPr>
+      <p:grpSpPr>
+        <a:xfrm>
+          <a:off x="0" y="0"/>
+          <a:ext cx="0" cy="0"/>
+          <a:chOff x="0" y="0"/>
+          <a:chExt cx="0" cy="0"/>
+        </a:xfrm>
+      </p:grpSpPr>
+      <p:grpSp>
+        <p:nvGrpSpPr>
+          <p:cNvPr id="16" name="组合 15"/>
+          <p:cNvGrpSpPr/>
+          <p:nvPr/>
+        </p:nvGrpSpPr>
+        <p:grpSpPr>
+          <a:xfrm>
+            <a:off x="632614" y="524436"/>
+            <a:ext cx="9433112" cy="5284695"/>
+            <a:chOff x="632614" y="524436"/>
+            <a:chExt cx="9433112" cy="5284695"/>
+          </a:xfrm>
+        </p:grpSpPr>
+        <p:pic>
+          <p:nvPicPr>
+            <p:cNvPr id="2" name="图片 1"/>
+            <p:cNvPicPr>
+              <a:picLocks noChangeAspect="1"/>
+            </p:cNvPicPr>
+            <p:nvPr/>
+          </p:nvPicPr>
+          <p:blipFill rotWithShape="1">
+            <a:blip r:embed="rId2" cstate="print">
+              <a:extLst>
+                <a:ext uri="{28A0092B-C50C-407E-A947-70E740481C1C}">
+                  <a14:useLocalDpi xmlns:a14="http://schemas.microsoft.com/office/drawing/2010/main" val="0"/>
+                </a:ext>
+              </a:extLst>
+            </a:blip>
+            <a:srcRect t="55932" b="7990"/>
+            <a:stretch/>
+          </p:blipFill>
+          <p:spPr>
+            <a:xfrm>
+              <a:off x="2064728" y="3630706"/>
+              <a:ext cx="8000998" cy="2164977"/>
+            </a:xfrm>
+            <a:prstGeom prst="rect">
+              <a:avLst/>
+            </a:prstGeom>
+          </p:spPr>
+        </p:pic>
+        <p:pic>
+          <p:nvPicPr>
+            <p:cNvPr id="3" name="图片 2"/>
+            <p:cNvPicPr>
+              <a:picLocks noChangeAspect="1"/>
+            </p:cNvPicPr>
+            <p:nvPr/>
+          </p:nvPicPr>
+          <p:blipFill rotWithShape="1">
+            <a:blip r:embed="rId3" cstate="print">
+              <a:extLst>
+                <a:ext uri="{28A0092B-C50C-407E-A947-70E740481C1C}">
+                  <a14:useLocalDpi xmlns:a14="http://schemas.microsoft.com/office/drawing/2010/main" val="0"/>
+                </a:ext>
+              </a:extLst>
+            </a:blip>
+            <a:srcRect l="37059" t="-261" r="17647" b="261"/>
+            <a:stretch/>
+          </p:blipFill>
+          <p:spPr>
+            <a:xfrm rot="5400000">
+              <a:off x="5940841" y="-494179"/>
+              <a:ext cx="3106269" cy="5143500"/>
+            </a:xfrm>
+            <a:prstGeom prst="rect">
+              <a:avLst/>
+            </a:prstGeom>
+          </p:spPr>
+        </p:pic>
+        <p:pic>
+          <p:nvPicPr>
+            <p:cNvPr id="4" name="图片 3"/>
+            <p:cNvPicPr>
+              <a:picLocks noChangeAspect="1"/>
+            </p:cNvPicPr>
+            <p:nvPr/>
+          </p:nvPicPr>
+          <p:blipFill rotWithShape="1">
+            <a:blip r:embed="rId4" cstate="print">
+              <a:extLst>
+                <a:ext uri="{28A0092B-C50C-407E-A947-70E740481C1C}">
+                  <a14:useLocalDpi xmlns:a14="http://schemas.microsoft.com/office/drawing/2010/main" val="0"/>
+                </a:ext>
+              </a:extLst>
+            </a:blip>
+            <a:srcRect l="14216" t="13530" r="38872" b="9412"/>
+            <a:stretch/>
+          </p:blipFill>
+          <p:spPr>
+            <a:xfrm>
+              <a:off x="632614" y="524436"/>
+              <a:ext cx="4289612" cy="5284695"/>
+            </a:xfrm>
+            <a:prstGeom prst="rect">
+              <a:avLst/>
+            </a:prstGeom>
+          </p:spPr>
+        </p:pic>
+        <p:sp>
+          <p:nvSpPr>
+            <p:cNvPr id="6" name="弧形 5"/>
+            <p:cNvSpPr/>
+            <p:nvPr/>
+          </p:nvSpPr>
+          <p:spPr>
+            <a:xfrm rot="13230516">
+              <a:off x="8980233" y="2238231"/>
+              <a:ext cx="423080" cy="150125"/>
+            </a:xfrm>
+            <a:prstGeom prst="arc">
+              <a:avLst/>
+            </a:prstGeom>
+            <a:ln>
+              <a:solidFill>
+                <a:srgbClr val="C00000"/>
+              </a:solidFill>
+            </a:ln>
+          </p:spPr>
+          <p:style>
+            <a:lnRef idx="1">
+              <a:schemeClr val="accent1"/>
+            </a:lnRef>
+            <a:fillRef idx="0">
+              <a:schemeClr val="accent1"/>
+            </a:fillRef>
+            <a:effectRef idx="0">
+              <a:schemeClr val="accent1"/>
+            </a:effectRef>
+            <a:fontRef idx="minor">
+              <a:schemeClr val="tx1"/>
+            </a:fontRef>
+          </p:style>
+          <p:txBody>
+            <a:bodyPr rtlCol="0" anchor="ctr"/>
+            <a:lstStyle/>
+            <a:p>
+              <a:pPr algn="ctr"/>
+              <a:endParaRPr lang="zh-CN" altLang="en-US" dirty="0"/>
+            </a:p>
+          </p:txBody>
+        </p:sp>
+        <mc:AlternateContent xmlns:mc="http://schemas.openxmlformats.org/markup-compatibility/2006">
+          <mc:Choice xmlns:a14="http://schemas.microsoft.com/office/drawing/2010/main" Requires="a14">
+            <p:sp>
+              <p:nvSpPr>
+                <p:cNvPr id="7" name="文本框 6"/>
+                <p:cNvSpPr txBox="1"/>
+                <p:nvPr/>
+              </p:nvSpPr>
+              <p:spPr>
+                <a:xfrm>
+                  <a:off x="8858573" y="2304230"/>
+                  <a:ext cx="192617" cy="276999"/>
+                </a:xfrm>
+                <a:prstGeom prst="rect">
+                  <a:avLst/>
+                </a:prstGeom>
+                <a:noFill/>
+              </p:spPr>
+              <p:txBody>
+                <a:bodyPr wrap="none" lIns="0" tIns="0" rIns="0" bIns="0" rtlCol="0">
+                  <a:spAutoFit/>
+                </a:bodyPr>
+                <a:lstStyle/>
+                <a:p>
+                  <a14:m>
+                    <m:oMathPara xmlns:m="http://schemas.openxmlformats.org/officeDocument/2006/math">
+                      <m:oMathParaPr>
+                        <m:jc m:val="centerGroup"/>
+                      </m:oMathParaPr>
+                      <m:oMath xmlns:m="http://schemas.openxmlformats.org/officeDocument/2006/math">
+                        <m:r>
+                          <a:rPr lang="zh-CN" altLang="en-US" i="1" smtClean="0">
+                            <a:solidFill>
+                              <a:srgbClr val="C00000"/>
+                            </a:solidFill>
+                            <a:latin typeface="Cambria Math" panose="02040503050406030204" pitchFamily="18" charset="0"/>
+                          </a:rPr>
+                          <m:t>𝜗</m:t>
+                        </m:r>
+                      </m:oMath>
+                    </m:oMathPara>
+                  </a14:m>
+                  <a:endParaRPr lang="zh-CN" altLang="en-US" dirty="0">
+                    <a:solidFill>
+                      <a:srgbClr val="C00000"/>
+                    </a:solidFill>
+                  </a:endParaRPr>
+                </a:p>
+              </p:txBody>
+            </p:sp>
+          </mc:Choice>
+          <mc:Fallback>
+            <p:sp>
+              <p:nvSpPr>
+                <p:cNvPr id="7" name="文本框 6"/>
+                <p:cNvSpPr txBox="1">
+                  <a:spLocks noRot="1" noChangeAspect="1" noMove="1" noResize="1" noEditPoints="1" noAdjustHandles="1" noChangeArrowheads="1" noChangeShapeType="1" noTextEdit="1"/>
+                </p:cNvSpPr>
+                <p:nvPr/>
+              </p:nvSpPr>
+              <p:spPr>
+                <a:xfrm>
+                  <a:off x="8858573" y="2304230"/>
+                  <a:ext cx="192617" cy="276999"/>
+                </a:xfrm>
+                <a:prstGeom prst="rect">
+                  <a:avLst/>
+                </a:prstGeom>
+                <a:blipFill rotWithShape="0">
+                  <a:blip r:embed="rId5"/>
+                  <a:stretch>
+                    <a:fillRect l="-28125" r="-25000" b="-6667"/>
+                  </a:stretch>
+                </a:blipFill>
+              </p:spPr>
+              <p:txBody>
+                <a:bodyPr/>
+                <a:lstStyle/>
+                <a:p>
+                  <a:r>
+                    <a:rPr lang="zh-CN" altLang="en-US">
+                      <a:noFill/>
+                    </a:rPr>
+                    <a:t> </a:t>
+                  </a:r>
+                </a:p>
+              </p:txBody>
+            </p:sp>
+          </mc:Fallback>
+        </mc:AlternateContent>
+        <p:cxnSp>
+          <p:nvCxnSpPr>
+            <p:cNvPr id="9" name="直接连接符 8"/>
+            <p:cNvCxnSpPr/>
+            <p:nvPr/>
+          </p:nvCxnSpPr>
+          <p:spPr>
+            <a:xfrm flipH="1">
+              <a:off x="6065227" y="4367284"/>
+              <a:ext cx="2628397" cy="805218"/>
+            </a:xfrm>
+            <a:prstGeom prst="line">
+              <a:avLst/>
+            </a:prstGeom>
+            <a:ln>
+              <a:solidFill>
+                <a:srgbClr val="00B050"/>
+              </a:solidFill>
+              <a:prstDash val="dashDot"/>
+            </a:ln>
+          </p:spPr>
+          <p:style>
+            <a:lnRef idx="1">
+              <a:schemeClr val="accent1"/>
+            </a:lnRef>
+            <a:fillRef idx="0">
+              <a:schemeClr val="accent1"/>
+            </a:fillRef>
+            <a:effectRef idx="0">
+              <a:schemeClr val="accent1"/>
+            </a:effectRef>
+            <a:fontRef idx="minor">
+              <a:schemeClr val="tx1"/>
+            </a:fontRef>
+          </p:style>
+        </p:cxnSp>
+        <p:cxnSp>
+          <p:nvCxnSpPr>
+            <p:cNvPr id="11" name="直接连接符 10"/>
+            <p:cNvCxnSpPr/>
+            <p:nvPr/>
+          </p:nvCxnSpPr>
+          <p:spPr>
+            <a:xfrm>
+              <a:off x="5036024" y="4544704"/>
+              <a:ext cx="2457951" cy="518615"/>
+            </a:xfrm>
+            <a:prstGeom prst="line">
+              <a:avLst/>
+            </a:prstGeom>
+            <a:ln>
+              <a:solidFill>
+                <a:srgbClr val="00B050"/>
+              </a:solidFill>
+              <a:prstDash val="dashDot"/>
+            </a:ln>
+          </p:spPr>
+          <p:style>
+            <a:lnRef idx="1">
+              <a:schemeClr val="accent1"/>
+            </a:lnRef>
+            <a:fillRef idx="0">
+              <a:schemeClr val="accent1"/>
+            </a:fillRef>
+            <a:effectRef idx="0">
+              <a:schemeClr val="accent1"/>
+            </a:effectRef>
+            <a:fontRef idx="minor">
+              <a:schemeClr val="tx1"/>
+            </a:fontRef>
+          </p:style>
+        </p:cxnSp>
+        <p:sp>
+          <p:nvSpPr>
+            <p:cNvPr id="12" name="弧形 11"/>
+            <p:cNvSpPr/>
+            <p:nvPr/>
+          </p:nvSpPr>
+          <p:spPr>
+            <a:xfrm rot="13230516">
+              <a:off x="6314413" y="4902959"/>
+              <a:ext cx="423080" cy="150125"/>
+            </a:xfrm>
+            <a:prstGeom prst="arc">
+              <a:avLst/>
+            </a:prstGeom>
+            <a:ln>
+              <a:solidFill>
+                <a:srgbClr val="C00000"/>
+              </a:solidFill>
+            </a:ln>
+          </p:spPr>
+          <p:style>
+            <a:lnRef idx="1">
+              <a:schemeClr val="accent1"/>
+            </a:lnRef>
+            <a:fillRef idx="0">
+              <a:schemeClr val="accent1"/>
+            </a:fillRef>
+            <a:effectRef idx="0">
+              <a:schemeClr val="accent1"/>
+            </a:effectRef>
+            <a:fontRef idx="minor">
+              <a:schemeClr val="tx1"/>
+            </a:fontRef>
+          </p:style>
+          <p:txBody>
+            <a:bodyPr rtlCol="0" anchor="ctr"/>
+            <a:lstStyle/>
+            <a:p>
+              <a:pPr algn="ctr"/>
+              <a:endParaRPr lang="zh-CN" altLang="en-US" dirty="0"/>
+            </a:p>
+          </p:txBody>
+        </p:sp>
+        <mc:AlternateContent xmlns:mc="http://schemas.openxmlformats.org/markup-compatibility/2006">
+          <mc:Choice xmlns:a14="http://schemas.microsoft.com/office/drawing/2010/main" Requires="a14">
+            <p:sp>
+              <p:nvSpPr>
+                <p:cNvPr id="13" name="文本框 12"/>
+                <p:cNvSpPr txBox="1"/>
+                <p:nvPr/>
+              </p:nvSpPr>
+              <p:spPr>
+                <a:xfrm>
+                  <a:off x="6094485" y="4839521"/>
+                  <a:ext cx="192617" cy="276999"/>
+                </a:xfrm>
+                <a:prstGeom prst="rect">
+                  <a:avLst/>
+                </a:prstGeom>
+                <a:noFill/>
+              </p:spPr>
+              <p:txBody>
+                <a:bodyPr wrap="none" lIns="0" tIns="0" rIns="0" bIns="0" rtlCol="0">
+                  <a:spAutoFit/>
+                </a:bodyPr>
+                <a:lstStyle/>
+                <a:p>
+                  <a14:m>
+                    <m:oMathPara xmlns:m="http://schemas.openxmlformats.org/officeDocument/2006/math">
+                      <m:oMathParaPr>
+                        <m:jc m:val="centerGroup"/>
+                      </m:oMathParaPr>
+                      <m:oMath xmlns:m="http://schemas.openxmlformats.org/officeDocument/2006/math">
+                        <m:r>
+                          <a:rPr lang="zh-CN" altLang="en-US" i="1" smtClean="0">
+                            <a:solidFill>
+                              <a:srgbClr val="C00000"/>
+                            </a:solidFill>
+                            <a:latin typeface="Cambria Math" panose="02040503050406030204" pitchFamily="18" charset="0"/>
+                          </a:rPr>
+                          <m:t>𝜗</m:t>
+                        </m:r>
+                      </m:oMath>
+                    </m:oMathPara>
+                  </a14:m>
+                  <a:endParaRPr lang="zh-CN" altLang="en-US" dirty="0">
+                    <a:solidFill>
+                      <a:srgbClr val="C00000"/>
+                    </a:solidFill>
+                  </a:endParaRPr>
+                </a:p>
+              </p:txBody>
+            </p:sp>
+          </mc:Choice>
+          <mc:Fallback>
+            <p:sp>
+              <p:nvSpPr>
+                <p:cNvPr id="13" name="文本框 12"/>
+                <p:cNvSpPr txBox="1">
+                  <a:spLocks noRot="1" noChangeAspect="1" noMove="1" noResize="1" noEditPoints="1" noAdjustHandles="1" noChangeArrowheads="1" noChangeShapeType="1" noTextEdit="1"/>
+                </p:cNvSpPr>
+                <p:nvPr/>
+              </p:nvSpPr>
+              <p:spPr>
+                <a:xfrm>
+                  <a:off x="6094485" y="4839521"/>
+                  <a:ext cx="192617" cy="276999"/>
+                </a:xfrm>
+                <a:prstGeom prst="rect">
+                  <a:avLst/>
+                </a:prstGeom>
+                <a:blipFill rotWithShape="0">
+                  <a:blip r:embed="rId6"/>
+                  <a:stretch>
+                    <a:fillRect l="-32258" r="-25806" b="-6667"/>
+                  </a:stretch>
+                </a:blipFill>
+              </p:spPr>
+              <p:txBody>
+                <a:bodyPr/>
+                <a:lstStyle/>
+                <a:p>
+                  <a:r>
+                    <a:rPr lang="zh-CN" altLang="en-US">
+                      <a:noFill/>
+                    </a:rPr>
+                    <a:t> </a:t>
+                  </a:r>
+                </a:p>
+              </p:txBody>
+            </p:sp>
+          </mc:Fallback>
+        </mc:AlternateContent>
+        <p:sp>
+          <p:nvSpPr>
+            <p:cNvPr id="14" name="弧形 13"/>
+            <p:cNvSpPr/>
+            <p:nvPr/>
+          </p:nvSpPr>
+          <p:spPr>
+            <a:xfrm rot="13230516">
+              <a:off x="3657477" y="3542196"/>
+              <a:ext cx="423080" cy="150125"/>
+            </a:xfrm>
+            <a:prstGeom prst="arc">
+              <a:avLst/>
+            </a:prstGeom>
+            <a:ln>
+              <a:solidFill>
+                <a:srgbClr val="C00000"/>
+              </a:solidFill>
+            </a:ln>
+          </p:spPr>
+          <p:style>
+            <a:lnRef idx="1">
+              <a:schemeClr val="accent1"/>
+            </a:lnRef>
+            <a:fillRef idx="0">
+              <a:schemeClr val="accent1"/>
+            </a:fillRef>
+            <a:effectRef idx="0">
+              <a:schemeClr val="accent1"/>
+            </a:effectRef>
+            <a:fontRef idx="minor">
+              <a:schemeClr val="tx1"/>
+            </a:fontRef>
+          </p:style>
+          <p:txBody>
+            <a:bodyPr rtlCol="0" anchor="ctr"/>
+            <a:lstStyle/>
+            <a:p>
+              <a:pPr algn="ctr"/>
+              <a:endParaRPr lang="zh-CN" altLang="en-US" dirty="0"/>
+            </a:p>
+          </p:txBody>
+        </p:sp>
+        <mc:AlternateContent xmlns:mc="http://schemas.openxmlformats.org/markup-compatibility/2006">
+          <mc:Choice xmlns:a14="http://schemas.microsoft.com/office/drawing/2010/main" Requires="a14">
+            <p:sp>
+              <p:nvSpPr>
+                <p:cNvPr id="15" name="文本框 14"/>
+                <p:cNvSpPr txBox="1"/>
+                <p:nvPr/>
+              </p:nvSpPr>
+              <p:spPr>
+                <a:xfrm>
+                  <a:off x="3563114" y="3679963"/>
+                  <a:ext cx="192617" cy="276999"/>
+                </a:xfrm>
+                <a:prstGeom prst="rect">
+                  <a:avLst/>
+                </a:prstGeom>
+                <a:noFill/>
+              </p:spPr>
+              <p:txBody>
+                <a:bodyPr wrap="none" lIns="0" tIns="0" rIns="0" bIns="0" rtlCol="0">
+                  <a:spAutoFit/>
+                </a:bodyPr>
+                <a:lstStyle/>
+                <a:p>
+                  <a14:m>
+                    <m:oMathPara xmlns:m="http://schemas.openxmlformats.org/officeDocument/2006/math">
+                      <m:oMathParaPr>
+                        <m:jc m:val="centerGroup"/>
+                      </m:oMathParaPr>
+                      <m:oMath xmlns:m="http://schemas.openxmlformats.org/officeDocument/2006/math">
+                        <m:r>
+                          <a:rPr lang="zh-CN" altLang="en-US" i="1" smtClean="0">
+                            <a:solidFill>
+                              <a:srgbClr val="C00000"/>
+                            </a:solidFill>
+                            <a:latin typeface="Cambria Math" panose="02040503050406030204" pitchFamily="18" charset="0"/>
+                          </a:rPr>
+                          <m:t>𝜗</m:t>
+                        </m:r>
+                      </m:oMath>
+                    </m:oMathPara>
+                  </a14:m>
+                  <a:endParaRPr lang="zh-CN" altLang="en-US" dirty="0">
+                    <a:solidFill>
+                      <a:srgbClr val="C00000"/>
+                    </a:solidFill>
+                  </a:endParaRPr>
+                </a:p>
+              </p:txBody>
+            </p:sp>
+          </mc:Choice>
+          <mc:Fallback>
+            <p:sp>
+              <p:nvSpPr>
+                <p:cNvPr id="15" name="文本框 14"/>
+                <p:cNvSpPr txBox="1">
+                  <a:spLocks noRot="1" noChangeAspect="1" noMove="1" noResize="1" noEditPoints="1" noAdjustHandles="1" noChangeArrowheads="1" noChangeShapeType="1" noTextEdit="1"/>
+                </p:cNvSpPr>
+                <p:nvPr/>
+              </p:nvSpPr>
+              <p:spPr>
+                <a:xfrm>
+                  <a:off x="3563114" y="3679963"/>
+                  <a:ext cx="192617" cy="276999"/>
+                </a:xfrm>
+                <a:prstGeom prst="rect">
+                  <a:avLst/>
+                </a:prstGeom>
+                <a:blipFill rotWithShape="0">
+                  <a:blip r:embed="rId7"/>
+                  <a:stretch>
+                    <a:fillRect l="-32258" r="-25806" b="-6667"/>
+                  </a:stretch>
+                </a:blipFill>
+              </p:spPr>
+              <p:txBody>
+                <a:bodyPr/>
+                <a:lstStyle/>
+                <a:p>
+                  <a:r>
+                    <a:rPr lang="zh-CN" altLang="en-US">
+                      <a:noFill/>
+                    </a:rPr>
+                    <a:t> </a:t>
+                  </a:r>
+                </a:p>
+              </p:txBody>
+            </p:sp>
+          </mc:Fallback>
+        </mc:AlternateContent>
+      </p:grpSp>
+    </p:spTree>
+    <p:extLst>
+      <p:ext uri="{BB962C8B-B14F-4D97-AF65-F5344CB8AC3E}">
+        <p14:creationId xmlns:p14="http://schemas.microsoft.com/office/powerpoint/2010/main" val="275834901"/>
+      </p:ext>
+    </p:extLst>
+  </p:cSld>
+  <p:clrMapOvr>
+    <a:masterClrMapping/>
+  </p:clrMapOvr>
+</p:sld>
+</file>
+
+<file path=ppt/slides/slide13.xml><?xml version="1.0" encoding="utf-8"?>
+<p:sld xmlns:a="http://schemas.openxmlformats.org/drawingml/2006/main" xmlns:r="http://schemas.openxmlformats.org/officeDocument/2006/relationships" xmlns:p="http://schemas.openxmlformats.org/presentationml/2006/main">
+  <p:cSld>
+    <p:spTree>
+      <p:nvGrpSpPr>
+        <p:cNvPr id="1" name=""/>
+        <p:cNvGrpSpPr/>
+        <p:nvPr/>
+      </p:nvGrpSpPr>
+      <p:grpSpPr>
+        <a:xfrm>
+          <a:off x="0" y="0"/>
+          <a:ext cx="0" cy="0"/>
+          <a:chOff x="0" y="0"/>
+          <a:chExt cx="0" cy="0"/>
+        </a:xfrm>
+      </p:grpSpPr>
+      <p:pic>
+        <p:nvPicPr>
+          <p:cNvPr id="2" name="图片 1"/>
+          <p:cNvPicPr>
+            <a:picLocks noChangeAspect="1"/>
+          </p:cNvPicPr>
+          <p:nvPr/>
+        </p:nvPicPr>
+        <p:blipFill>
+          <a:blip r:embed="rId2"/>
+          <a:stretch>
+            <a:fillRect/>
+          </a:stretch>
+        </p:blipFill>
+        <p:spPr>
+          <a:xfrm>
+            <a:off x="2974799" y="1031999"/>
+            <a:ext cx="6242401" cy="4794001"/>
+          </a:xfrm>
+          <a:prstGeom prst="rect">
+            <a:avLst/>
+          </a:prstGeom>
+        </p:spPr>
+      </p:pic>
+      <p:sp>
+        <p:nvSpPr>
+          <p:cNvPr id="8" name="任意多边形 7"/>
+          <p:cNvSpPr/>
+          <p:nvPr/>
+        </p:nvSpPr>
+        <p:spPr>
+          <a:xfrm>
+            <a:off x="3877937" y="2082188"/>
+            <a:ext cx="4979624" cy="3084723"/>
+          </a:xfrm>
+          <a:custGeom>
+            <a:avLst/>
+            <a:gdLst>
+              <a:gd name="connsiteX0" fmla="*/ 0 w 4979624"/>
+              <a:gd name="connsiteY0" fmla="*/ 3084723 h 3084723"/>
+              <a:gd name="connsiteX1" fmla="*/ 804232 w 4979624"/>
+              <a:gd name="connsiteY1" fmla="*/ 2390660 h 3084723"/>
+              <a:gd name="connsiteX2" fmla="*/ 1586429 w 4979624"/>
+              <a:gd name="connsiteY2" fmla="*/ 1773716 h 3084723"/>
+              <a:gd name="connsiteX3" fmla="*/ 2390661 w 4979624"/>
+              <a:gd name="connsiteY3" fmla="*/ 1222872 h 3084723"/>
+              <a:gd name="connsiteX4" fmla="*/ 3238959 w 4979624"/>
+              <a:gd name="connsiteY4" fmla="*/ 727113 h 3084723"/>
+              <a:gd name="connsiteX5" fmla="*/ 4175393 w 4979624"/>
+              <a:gd name="connsiteY5" fmla="*/ 242371 h 3084723"/>
+              <a:gd name="connsiteX6" fmla="*/ 4979624 w 4979624"/>
+              <a:gd name="connsiteY6" fmla="*/ 0 h 3084723"/>
+            </a:gdLst>
+            <a:ahLst/>
+            <a:cxnLst>
+              <a:cxn ang="0">
+                <a:pos x="connsiteX0" y="connsiteY0"/>
+              </a:cxn>
+              <a:cxn ang="0">
+                <a:pos x="connsiteX1" y="connsiteY1"/>
+              </a:cxn>
+              <a:cxn ang="0">
+                <a:pos x="connsiteX2" y="connsiteY2"/>
+              </a:cxn>
+              <a:cxn ang="0">
+                <a:pos x="connsiteX3" y="connsiteY3"/>
+              </a:cxn>
+              <a:cxn ang="0">
+                <a:pos x="connsiteX4" y="connsiteY4"/>
+              </a:cxn>
+              <a:cxn ang="0">
+                <a:pos x="connsiteX5" y="connsiteY5"/>
+              </a:cxn>
+              <a:cxn ang="0">
+                <a:pos x="connsiteX6" y="connsiteY6"/>
+              </a:cxn>
+            </a:cxnLst>
+            <a:rect l="l" t="t" r="r" b="b"/>
+            <a:pathLst>
+              <a:path w="4979624" h="3084723">
+                <a:moveTo>
+                  <a:pt x="0" y="3084723"/>
+                </a:moveTo>
+                <a:cubicBezTo>
+                  <a:pt x="269913" y="2846942"/>
+                  <a:pt x="539827" y="2609161"/>
+                  <a:pt x="804232" y="2390660"/>
+                </a:cubicBezTo>
+                <a:cubicBezTo>
+                  <a:pt x="1068637" y="2172159"/>
+                  <a:pt x="1322024" y="1968347"/>
+                  <a:pt x="1586429" y="1773716"/>
+                </a:cubicBezTo>
+                <a:cubicBezTo>
+                  <a:pt x="1850834" y="1579085"/>
+                  <a:pt x="2115239" y="1397306"/>
+                  <a:pt x="2390661" y="1222872"/>
+                </a:cubicBezTo>
+                <a:cubicBezTo>
+                  <a:pt x="2666083" y="1048438"/>
+                  <a:pt x="2941504" y="890530"/>
+                  <a:pt x="3238959" y="727113"/>
+                </a:cubicBezTo>
+                <a:cubicBezTo>
+                  <a:pt x="3536414" y="563696"/>
+                  <a:pt x="3885282" y="363556"/>
+                  <a:pt x="4175393" y="242371"/>
+                </a:cubicBezTo>
+                <a:cubicBezTo>
+                  <a:pt x="4465504" y="121186"/>
+                  <a:pt x="4722564" y="60593"/>
+                  <a:pt x="4979624" y="0"/>
+                </a:cubicBezTo>
+              </a:path>
+            </a:pathLst>
+          </a:custGeom>
+        </p:spPr>
+        <p:style>
+          <a:lnRef idx="1">
+            <a:schemeClr val="dk1"/>
+          </a:lnRef>
+          <a:fillRef idx="0">
+            <a:schemeClr val="dk1"/>
+          </a:fillRef>
+          <a:effectRef idx="0">
+            <a:schemeClr val="dk1"/>
+          </a:effectRef>
+          <a:fontRef idx="minor">
+            <a:schemeClr val="tx1"/>
+          </a:fontRef>
+        </p:style>
+        <p:txBody>
+          <a:bodyPr rtlCol="0" anchor="ctr"/>
+          <a:lstStyle/>
+          <a:p>
+            <a:pPr algn="ctr"/>
+            <a:endParaRPr lang="zh-CN" altLang="en-US"/>
+          </a:p>
+        </p:txBody>
+      </p:sp>
+      <p:sp>
+        <p:nvSpPr>
+          <p:cNvPr id="9" name="任意多边形 8"/>
+          <p:cNvSpPr/>
+          <p:nvPr/>
+        </p:nvSpPr>
+        <p:spPr>
+          <a:xfrm>
+            <a:off x="3833870" y="1883884"/>
+            <a:ext cx="5045725" cy="3316077"/>
+          </a:xfrm>
+          <a:custGeom>
+            <a:avLst/>
+            <a:gdLst>
+              <a:gd name="connsiteX0" fmla="*/ 0 w 5045725"/>
+              <a:gd name="connsiteY0" fmla="*/ 3316077 h 3316077"/>
+              <a:gd name="connsiteX1" fmla="*/ 473725 w 5045725"/>
+              <a:gd name="connsiteY1" fmla="*/ 2831335 h 3316077"/>
+              <a:gd name="connsiteX2" fmla="*/ 1002535 w 5045725"/>
+              <a:gd name="connsiteY2" fmla="*/ 2401677 h 3316077"/>
+              <a:gd name="connsiteX3" fmla="*/ 1410159 w 5045725"/>
+              <a:gd name="connsiteY3" fmla="*/ 2060155 h 3316077"/>
+              <a:gd name="connsiteX4" fmla="*/ 1983036 w 5045725"/>
+              <a:gd name="connsiteY4" fmla="*/ 1641514 h 3316077"/>
+              <a:gd name="connsiteX5" fmla="*/ 2500829 w 5045725"/>
+              <a:gd name="connsiteY5" fmla="*/ 1333041 h 3316077"/>
+              <a:gd name="connsiteX6" fmla="*/ 2941503 w 5045725"/>
+              <a:gd name="connsiteY6" fmla="*/ 1068636 h 3316077"/>
+              <a:gd name="connsiteX7" fmla="*/ 3382178 w 5045725"/>
+              <a:gd name="connsiteY7" fmla="*/ 815249 h 3316077"/>
+              <a:gd name="connsiteX8" fmla="*/ 3866920 w 5045725"/>
+              <a:gd name="connsiteY8" fmla="*/ 528810 h 3316077"/>
+              <a:gd name="connsiteX9" fmla="*/ 4759287 w 5045725"/>
+              <a:gd name="connsiteY9" fmla="*/ 99152 h 3316077"/>
+              <a:gd name="connsiteX10" fmla="*/ 5045725 w 5045725"/>
+              <a:gd name="connsiteY10" fmla="*/ 0 h 3316077"/>
+            </a:gdLst>
+            <a:ahLst/>
+            <a:cxnLst>
+              <a:cxn ang="0">
+                <a:pos x="connsiteX0" y="connsiteY0"/>
+              </a:cxn>
+              <a:cxn ang="0">
+                <a:pos x="connsiteX1" y="connsiteY1"/>
+              </a:cxn>
+              <a:cxn ang="0">
+                <a:pos x="connsiteX2" y="connsiteY2"/>
+              </a:cxn>
+              <a:cxn ang="0">
+                <a:pos x="connsiteX3" y="connsiteY3"/>
+              </a:cxn>
+              <a:cxn ang="0">
+                <a:pos x="connsiteX4" y="connsiteY4"/>
+              </a:cxn>
+              <a:cxn ang="0">
+                <a:pos x="connsiteX5" y="connsiteY5"/>
+              </a:cxn>
+              <a:cxn ang="0">
+                <a:pos x="connsiteX6" y="connsiteY6"/>
+              </a:cxn>
+              <a:cxn ang="0">
+                <a:pos x="connsiteX7" y="connsiteY7"/>
+              </a:cxn>
+              <a:cxn ang="0">
+                <a:pos x="connsiteX8" y="connsiteY8"/>
+              </a:cxn>
+              <a:cxn ang="0">
+                <a:pos x="connsiteX9" y="connsiteY9"/>
+              </a:cxn>
+              <a:cxn ang="0">
+                <a:pos x="connsiteX10" y="connsiteY10"/>
+              </a:cxn>
+            </a:cxnLst>
+            <a:rect l="l" t="t" r="r" b="b"/>
+            <a:pathLst>
+              <a:path w="5045725" h="3316077">
+                <a:moveTo>
+                  <a:pt x="0" y="3316077"/>
+                </a:moveTo>
+                <a:cubicBezTo>
+                  <a:pt x="153318" y="3149906"/>
+                  <a:pt x="306636" y="2983735"/>
+                  <a:pt x="473725" y="2831335"/>
+                </a:cubicBezTo>
+                <a:cubicBezTo>
+                  <a:pt x="640814" y="2678935"/>
+                  <a:pt x="846463" y="2530207"/>
+                  <a:pt x="1002535" y="2401677"/>
+                </a:cubicBezTo>
+                <a:cubicBezTo>
+                  <a:pt x="1158607" y="2273147"/>
+                  <a:pt x="1246742" y="2186849"/>
+                  <a:pt x="1410159" y="2060155"/>
+                </a:cubicBezTo>
+                <a:cubicBezTo>
+                  <a:pt x="1573576" y="1933461"/>
+                  <a:pt x="1801258" y="1762700"/>
+                  <a:pt x="1983036" y="1641514"/>
+                </a:cubicBezTo>
+                <a:cubicBezTo>
+                  <a:pt x="2164814" y="1520328"/>
+                  <a:pt x="2500829" y="1333041"/>
+                  <a:pt x="2500829" y="1333041"/>
+                </a:cubicBezTo>
+                <a:lnTo>
+                  <a:pt x="2941503" y="1068636"/>
+                </a:lnTo>
+                <a:cubicBezTo>
+                  <a:pt x="3088394" y="982337"/>
+                  <a:pt x="3382178" y="815249"/>
+                  <a:pt x="3382178" y="815249"/>
+                </a:cubicBezTo>
+                <a:cubicBezTo>
+                  <a:pt x="3536414" y="725278"/>
+                  <a:pt x="3637402" y="648159"/>
+                  <a:pt x="3866920" y="528810"/>
+                </a:cubicBezTo>
+                <a:cubicBezTo>
+                  <a:pt x="4096438" y="409461"/>
+                  <a:pt x="4562820" y="187287"/>
+                  <a:pt x="4759287" y="99152"/>
+                </a:cubicBezTo>
+                <a:cubicBezTo>
+                  <a:pt x="4955754" y="11017"/>
+                  <a:pt x="5000739" y="5508"/>
+                  <a:pt x="5045725" y="0"/>
+                </a:cubicBezTo>
+              </a:path>
+            </a:pathLst>
+          </a:custGeom>
+        </p:spPr>
+        <p:style>
+          <a:lnRef idx="1">
+            <a:schemeClr val="dk1"/>
+          </a:lnRef>
+          <a:fillRef idx="0">
+            <a:schemeClr val="dk1"/>
+          </a:fillRef>
+          <a:effectRef idx="0">
+            <a:schemeClr val="dk1"/>
+          </a:effectRef>
+          <a:fontRef idx="minor">
+            <a:schemeClr val="tx1"/>
+          </a:fontRef>
+        </p:style>
+        <p:txBody>
+          <a:bodyPr rtlCol="0" anchor="ctr"/>
+          <a:lstStyle/>
+          <a:p>
+            <a:pPr algn="ctr"/>
+            <a:endParaRPr lang="zh-CN" altLang="en-US"/>
+          </a:p>
+        </p:txBody>
+      </p:sp>
+      <p:sp>
+        <p:nvSpPr>
+          <p:cNvPr id="10" name="任意多边形 9"/>
+          <p:cNvSpPr/>
+          <p:nvPr/>
+        </p:nvSpPr>
+        <p:spPr>
+          <a:xfrm>
+            <a:off x="3844887" y="2100481"/>
+            <a:ext cx="5050826" cy="3088464"/>
+          </a:xfrm>
+          <a:custGeom>
+            <a:avLst/>
+            <a:gdLst>
+              <a:gd name="connsiteX0" fmla="*/ 0 w 5050826"/>
+              <a:gd name="connsiteY0" fmla="*/ 3088464 h 3088464"/>
+              <a:gd name="connsiteX1" fmla="*/ 363556 w 5050826"/>
+              <a:gd name="connsiteY1" fmla="*/ 2625755 h 3088464"/>
+              <a:gd name="connsiteX2" fmla="*/ 837282 w 5050826"/>
+              <a:gd name="connsiteY2" fmla="*/ 2262199 h 3088464"/>
+              <a:gd name="connsiteX3" fmla="*/ 1487277 w 5050826"/>
+              <a:gd name="connsiteY3" fmla="*/ 1733389 h 3088464"/>
+              <a:gd name="connsiteX4" fmla="*/ 2016086 w 5050826"/>
+              <a:gd name="connsiteY4" fmla="*/ 1369832 h 3088464"/>
+              <a:gd name="connsiteX5" fmla="*/ 2842352 w 5050826"/>
+              <a:gd name="connsiteY5" fmla="*/ 874073 h 3088464"/>
+              <a:gd name="connsiteX6" fmla="*/ 3558448 w 5050826"/>
+              <a:gd name="connsiteY6" fmla="*/ 477466 h 3088464"/>
+              <a:gd name="connsiteX7" fmla="*/ 4329629 w 5050826"/>
+              <a:gd name="connsiteY7" fmla="*/ 113909 h 3088464"/>
+              <a:gd name="connsiteX8" fmla="*/ 4803354 w 5050826"/>
+              <a:gd name="connsiteY8" fmla="*/ 3741 h 3088464"/>
+              <a:gd name="connsiteX9" fmla="*/ 5034708 w 5050826"/>
+              <a:gd name="connsiteY9" fmla="*/ 25774 h 3088464"/>
+              <a:gd name="connsiteX10" fmla="*/ 5012674 w 5050826"/>
+              <a:gd name="connsiteY10" fmla="*/ 25774 h 3088464"/>
+            </a:gdLst>
+            <a:ahLst/>
+            <a:cxnLst>
+              <a:cxn ang="0">
+                <a:pos x="connsiteX0" y="connsiteY0"/>
+              </a:cxn>
+              <a:cxn ang="0">
+                <a:pos x="connsiteX1" y="connsiteY1"/>
+              </a:cxn>
+              <a:cxn ang="0">
+                <a:pos x="connsiteX2" y="connsiteY2"/>
+              </a:cxn>
+              <a:cxn ang="0">
+                <a:pos x="connsiteX3" y="connsiteY3"/>
+              </a:cxn>
+              <a:cxn ang="0">
+                <a:pos x="connsiteX4" y="connsiteY4"/>
+              </a:cxn>
+              <a:cxn ang="0">
+                <a:pos x="connsiteX5" y="connsiteY5"/>
+              </a:cxn>
+              <a:cxn ang="0">
+                <a:pos x="connsiteX6" y="connsiteY6"/>
+              </a:cxn>
+              <a:cxn ang="0">
+                <a:pos x="connsiteX7" y="connsiteY7"/>
+              </a:cxn>
+              <a:cxn ang="0">
+                <a:pos x="connsiteX8" y="connsiteY8"/>
+              </a:cxn>
+              <a:cxn ang="0">
+                <a:pos x="connsiteX9" y="connsiteY9"/>
+              </a:cxn>
+              <a:cxn ang="0">
+                <a:pos x="connsiteX10" y="connsiteY10"/>
+              </a:cxn>
+            </a:cxnLst>
+            <a:rect l="l" t="t" r="r" b="b"/>
+            <a:pathLst>
+              <a:path w="5050826" h="3088464">
+                <a:moveTo>
+                  <a:pt x="0" y="3088464"/>
+                </a:moveTo>
+                <a:cubicBezTo>
+                  <a:pt x="112004" y="2925965"/>
+                  <a:pt x="224009" y="2763466"/>
+                  <a:pt x="363556" y="2625755"/>
+                </a:cubicBezTo>
+                <a:cubicBezTo>
+                  <a:pt x="503103" y="2488044"/>
+                  <a:pt x="649995" y="2410927"/>
+                  <a:pt x="837282" y="2262199"/>
+                </a:cubicBezTo>
+                <a:cubicBezTo>
+                  <a:pt x="1024569" y="2113471"/>
+                  <a:pt x="1290810" y="1882117"/>
+                  <a:pt x="1487277" y="1733389"/>
+                </a:cubicBezTo>
+                <a:cubicBezTo>
+                  <a:pt x="1683744" y="1584661"/>
+                  <a:pt x="1790240" y="1513051"/>
+                  <a:pt x="2016086" y="1369832"/>
+                </a:cubicBezTo>
+                <a:cubicBezTo>
+                  <a:pt x="2241932" y="1226613"/>
+                  <a:pt x="2585292" y="1022801"/>
+                  <a:pt x="2842352" y="874073"/>
+                </a:cubicBezTo>
+                <a:cubicBezTo>
+                  <a:pt x="3099412" y="725345"/>
+                  <a:pt x="3310569" y="604160"/>
+                  <a:pt x="3558448" y="477466"/>
+                </a:cubicBezTo>
+                <a:cubicBezTo>
+                  <a:pt x="3806327" y="350772"/>
+                  <a:pt x="4122145" y="192863"/>
+                  <a:pt x="4329629" y="113909"/>
+                </a:cubicBezTo>
+                <a:cubicBezTo>
+                  <a:pt x="4537113" y="34955"/>
+                  <a:pt x="4685841" y="18430"/>
+                  <a:pt x="4803354" y="3741"/>
+                </a:cubicBezTo>
+                <a:cubicBezTo>
+                  <a:pt x="4920867" y="-10948"/>
+                  <a:pt x="4999821" y="22102"/>
+                  <a:pt x="5034708" y="25774"/>
+                </a:cubicBezTo>
+                <a:cubicBezTo>
+                  <a:pt x="5069595" y="29446"/>
+                  <a:pt x="5041134" y="27610"/>
+                  <a:pt x="5012674" y="25774"/>
+                </a:cubicBezTo>
+              </a:path>
+            </a:pathLst>
+          </a:custGeom>
+        </p:spPr>
+        <p:style>
+          <a:lnRef idx="1">
+            <a:schemeClr val="dk1"/>
+          </a:lnRef>
+          <a:fillRef idx="0">
+            <a:schemeClr val="dk1"/>
+          </a:fillRef>
+          <a:effectRef idx="0">
+            <a:schemeClr val="dk1"/>
+          </a:effectRef>
+          <a:fontRef idx="minor">
+            <a:schemeClr val="tx1"/>
+          </a:fontRef>
+        </p:style>
+        <p:txBody>
+          <a:bodyPr rtlCol="0" anchor="ctr"/>
+          <a:lstStyle/>
+          <a:p>
+            <a:pPr algn="ctr"/>
+            <a:endParaRPr lang="zh-CN" altLang="en-US"/>
+          </a:p>
+        </p:txBody>
+      </p:sp>
+    </p:spTree>
+    <p:extLst>
+      <p:ext uri="{BB962C8B-B14F-4D97-AF65-F5344CB8AC3E}">
+        <p14:creationId xmlns:p14="http://schemas.microsoft.com/office/powerpoint/2010/main" val="2493934211"/>
+      </p:ext>
+    </p:extLst>
+  </p:cSld>
+  <p:clrMapOvr>
+    <a:masterClrMapping/>
+  </p:clrMapOvr>
+</p:sld>
+</file>
+
+<file path=ppt/slides/slide14.xml><?xml version="1.0" encoding="utf-8"?>
+<p:sld xmlns:a="http://schemas.openxmlformats.org/drawingml/2006/main" xmlns:r="http://schemas.openxmlformats.org/officeDocument/2006/relationships" xmlns:p="http://schemas.openxmlformats.org/presentationml/2006/main">
+  <p:cSld>
+    <p:spTree>
+      <p:nvGrpSpPr>
+        <p:cNvPr id="1" name=""/>
+        <p:cNvGrpSpPr/>
+        <p:nvPr/>
+      </p:nvGrpSpPr>
+      <p:grpSpPr>
+        <a:xfrm>
+          <a:off x="0" y="0"/>
+          <a:ext cx="0" cy="0"/>
+          <a:chOff x="0" y="0"/>
+          <a:chExt cx="0" cy="0"/>
+        </a:xfrm>
+      </p:grpSpPr>
       <p:sp>
         <p:nvSpPr>
           <p:cNvPr id="2" name="竖排标题 1"/>
@@ -3333,7 +4960,7 @@
 </p:sld>
 </file>
 
-<file path=ppt/slides/slide12.xml><?xml version="1.0" encoding="utf-8"?>
+<file path=ppt/slides/slide15.xml><?xml version="1.0" encoding="utf-8"?>
 <p:sld xmlns:a="http://schemas.openxmlformats.org/drawingml/2006/main" xmlns:r="http://schemas.openxmlformats.org/officeDocument/2006/relationships" xmlns:p="http://schemas.openxmlformats.org/presentationml/2006/main">
   <p:cSld>
     <p:spTree>
@@ -3446,6 +5073,30 @@
           </a:prstGeom>
         </p:spPr>
       </p:pic>
+      <p:pic>
+        <p:nvPicPr>
+          <p:cNvPr id="4" name="图片 3"/>
+          <p:cNvPicPr>
+            <a:picLocks noChangeAspect="1"/>
+          </p:cNvPicPr>
+          <p:nvPr/>
+        </p:nvPicPr>
+        <p:blipFill>
+          <a:blip r:embed="rId6"/>
+          <a:stretch>
+            <a:fillRect/>
+          </a:stretch>
+        </p:blipFill>
+        <p:spPr>
+          <a:xfrm>
+            <a:off x="6401644" y="280095"/>
+            <a:ext cx="5271720" cy="2376747"/>
+          </a:xfrm>
+          <a:prstGeom prst="rect">
+            <a:avLst/>
+          </a:prstGeom>
+        </p:spPr>
+      </p:pic>
     </p:spTree>
     <p:extLst>
       <p:ext uri="{BB962C8B-B14F-4D97-AF65-F5344CB8AC3E}">
@@ -3459,7 +5110,7 @@
 </p:sld>
 </file>
 
-<file path=ppt/slides/slide13.xml><?xml version="1.0" encoding="utf-8"?>
+<file path=ppt/slides/slide16.xml><?xml version="1.0" encoding="utf-8"?>
 <p:sld xmlns:a="http://schemas.openxmlformats.org/drawingml/2006/main" xmlns:r="http://schemas.openxmlformats.org/officeDocument/2006/relationships" xmlns:p="http://schemas.openxmlformats.org/presentationml/2006/main">
   <p:cSld>
     <p:spTree>
@@ -4057,7 +5708,83 @@
 </p:sld>
 </file>
 
-<file path=ppt/slides/slide14.xml><?xml version="1.0" encoding="utf-8"?>
+<file path=ppt/slides/slide17.xml><?xml version="1.0" encoding="utf-8"?>
+<p:sld xmlns:a="http://schemas.openxmlformats.org/drawingml/2006/main" xmlns:r="http://schemas.openxmlformats.org/officeDocument/2006/relationships" xmlns:p="http://schemas.openxmlformats.org/presentationml/2006/main">
+  <p:cSld>
+    <p:spTree>
+      <p:nvGrpSpPr>
+        <p:cNvPr id="1" name=""/>
+        <p:cNvGrpSpPr/>
+        <p:nvPr/>
+      </p:nvGrpSpPr>
+      <p:grpSpPr>
+        <a:xfrm>
+          <a:off x="0" y="0"/>
+          <a:ext cx="0" cy="0"/>
+          <a:chOff x="0" y="0"/>
+          <a:chExt cx="0" cy="0"/>
+        </a:xfrm>
+      </p:grpSpPr>
+      <p:sp>
+        <p:nvSpPr>
+          <p:cNvPr id="2" name="矩形 1"/>
+          <p:cNvSpPr/>
+          <p:nvPr/>
+        </p:nvSpPr>
+        <p:spPr>
+          <a:xfrm>
+            <a:off x="2445745" y="1410159"/>
+            <a:ext cx="4560983" cy="2930487"/>
+          </a:xfrm>
+          <a:prstGeom prst="rect">
+            <a:avLst/>
+          </a:prstGeom>
+          <a:noFill/>
+          <a:ln>
+            <a:solidFill>
+              <a:schemeClr val="tx1"/>
+            </a:solidFill>
+          </a:ln>
+        </p:spPr>
+        <p:style>
+          <a:lnRef idx="2">
+            <a:schemeClr val="accent1">
+              <a:shade val="50000"/>
+            </a:schemeClr>
+          </a:lnRef>
+          <a:fillRef idx="1">
+            <a:schemeClr val="accent1"/>
+          </a:fillRef>
+          <a:effectRef idx="0">
+            <a:schemeClr val="accent1"/>
+          </a:effectRef>
+          <a:fontRef idx="minor">
+            <a:schemeClr val="lt1"/>
+          </a:fontRef>
+        </p:style>
+        <p:txBody>
+          <a:bodyPr rtlCol="0" anchor="ctr"/>
+          <a:lstStyle/>
+          <a:p>
+            <a:pPr algn="ctr"/>
+            <a:endParaRPr lang="zh-CN" altLang="en-US"/>
+          </a:p>
+        </p:txBody>
+      </p:sp>
+    </p:spTree>
+    <p:extLst>
+      <p:ext uri="{BB962C8B-B14F-4D97-AF65-F5344CB8AC3E}">
+        <p14:creationId xmlns:p14="http://schemas.microsoft.com/office/powerpoint/2010/main" val="2912997704"/>
+      </p:ext>
+    </p:extLst>
+  </p:cSld>
+  <p:clrMapOvr>
+    <a:masterClrMapping/>
+  </p:clrMapOvr>
+</p:sld>
+</file>
+
+<file path=ppt/slides/slide18.xml><?xml version="1.0" encoding="utf-8"?>
 <p:sld xmlns:a="http://schemas.openxmlformats.org/drawingml/2006/main" xmlns:r="http://schemas.openxmlformats.org/officeDocument/2006/relationships" xmlns:p="http://schemas.openxmlformats.org/presentationml/2006/main">
   <p:cSld>
     <p:spTree>
@@ -4574,7 +6301,7 @@
 </p:sld>
 </file>
 
-<file path=ppt/slides/slide15.xml><?xml version="1.0" encoding="utf-8"?>
+<file path=ppt/slides/slide19.xml><?xml version="1.0" encoding="utf-8"?>
 <p:sld xmlns:a="http://schemas.openxmlformats.org/drawingml/2006/main" xmlns:r="http://schemas.openxmlformats.org/officeDocument/2006/relationships" xmlns:p="http://schemas.openxmlformats.org/presentationml/2006/main">
   <p:cSld>
     <p:spTree>
@@ -4638,7 +6365,114 @@
 </p:sld>
 </file>
 
-<file path=ppt/slides/slide16.xml><?xml version="1.0" encoding="utf-8"?>
+<file path=ppt/slides/slide2.xml><?xml version="1.0" encoding="utf-8"?>
+<p:sld xmlns:a="http://schemas.openxmlformats.org/drawingml/2006/main" xmlns:r="http://schemas.openxmlformats.org/officeDocument/2006/relationships" xmlns:p="http://schemas.openxmlformats.org/presentationml/2006/main">
+  <p:cSld>
+    <p:spTree>
+      <p:nvGrpSpPr>
+        <p:cNvPr id="1" name=""/>
+        <p:cNvGrpSpPr/>
+        <p:nvPr/>
+      </p:nvGrpSpPr>
+      <p:grpSpPr>
+        <a:xfrm>
+          <a:off x="0" y="0"/>
+          <a:ext cx="0" cy="0"/>
+          <a:chOff x="0" y="0"/>
+          <a:chExt cx="0" cy="0"/>
+        </a:xfrm>
+      </p:grpSpPr>
+      <p:sp>
+        <p:nvSpPr>
+          <p:cNvPr id="2" name="标题 1"/>
+          <p:cNvSpPr>
+            <a:spLocks noGrp="1"/>
+          </p:cNvSpPr>
+          <p:nvPr>
+            <p:ph type="ctrTitle"/>
+          </p:nvPr>
+        </p:nvSpPr>
+        <p:spPr/>
+        <p:txBody>
+          <a:bodyPr/>
+          <a:lstStyle/>
+          <a:p>
+            <a:endParaRPr lang="zh-CN" altLang="en-US" dirty="0"/>
+          </a:p>
+        </p:txBody>
+      </p:sp>
+      <p:sp>
+        <p:nvSpPr>
+          <p:cNvPr id="3" name="副标题 2"/>
+          <p:cNvSpPr>
+            <a:spLocks noGrp="1"/>
+          </p:cNvSpPr>
+          <p:nvPr>
+            <p:ph type="subTitle" idx="1"/>
+          </p:nvPr>
+        </p:nvSpPr>
+        <p:spPr/>
+        <p:txBody>
+          <a:bodyPr/>
+          <a:lstStyle/>
+          <a:p>
+            <a:endParaRPr lang="zh-CN" altLang="en-US"/>
+          </a:p>
+        </p:txBody>
+      </p:sp>
+      <p:pic>
+        <p:nvPicPr>
+          <p:cNvPr id="4" name="图片 3" descr="C:\Users\Alwee\Desktop\AgVsAgI.emf"/>
+          <p:cNvPicPr>
+            <a:picLocks noChangeAspect="1"/>
+          </p:cNvPicPr>
+          <p:nvPr/>
+        </p:nvPicPr>
+        <p:blipFill>
+          <a:blip r:embed="rId2"/>
+          <a:srcRect/>
+          <a:stretch>
+            <a:fillRect/>
+          </a:stretch>
+        </p:blipFill>
+        <p:spPr bwMode="auto">
+          <a:xfrm>
+            <a:off x="428400" y="1569463"/>
+            <a:ext cx="5400000" cy="4145553"/>
+          </a:xfrm>
+          <a:prstGeom prst="rect">
+            <a:avLst/>
+          </a:prstGeom>
+          <a:noFill/>
+          <a:ln w="9525">
+            <a:noFill/>
+            <a:miter lim="800000"/>
+            <a:headEnd/>
+            <a:tailEnd/>
+          </a:ln>
+        </p:spPr>
+      </p:pic>
+    </p:spTree>
+    <p:extLst>
+      <p:ext uri="{BB962C8B-B14F-4D97-AF65-F5344CB8AC3E}">
+        <p14:creationId xmlns:p14="http://schemas.microsoft.com/office/powerpoint/2010/main" val="3393202541"/>
+      </p:ext>
+    </p:extLst>
+  </p:cSld>
+  <p:clrMapOvr>
+    <a:masterClrMapping/>
+  </p:clrMapOvr>
+  <p:timing>
+    <p:tnLst>
+      <p:par>
+        <p:cTn id="1" dur="indefinite" restart="never" nodeType="tmRoot"/>
+      </p:par>
+    </p:tnLst>
+  </p:timing>
+</p:sld>
+</file>
+
+<file path=ppt/slides/slide20.xml><?xml version="1.0" encoding="utf-8"?>
 <p:sld xmlns:a="http://schemas.openxmlformats.org/drawingml/2006/main" xmlns:r="http://schemas.openxmlformats.org/officeDocument/2006/relationships" xmlns:p="http://schemas.openxmlformats.org/presentationml/2006/main">
   <p:cSld>
     <p:spTree>
@@ -5725,7 +7559,7 @@
 </p:sld>
 </file>
 
-<file path=ppt/slides/slide17.xml><?xml version="1.0" encoding="utf-8"?>
+<file path=ppt/slides/slide21.xml><?xml version="1.0" encoding="utf-8"?>
 <p:sld xmlns:a="http://schemas.openxmlformats.org/drawingml/2006/main" xmlns:r="http://schemas.openxmlformats.org/officeDocument/2006/relationships" xmlns:p="http://schemas.openxmlformats.org/presentationml/2006/main">
   <p:cSld>
     <p:spTree>
@@ -8286,7 +10120,7 @@
 </p:sld>
 </file>
 
-<file path=ppt/slides/slide18.xml><?xml version="1.0" encoding="utf-8"?>
+<file path=ppt/slides/slide22.xml><?xml version="1.0" encoding="utf-8"?>
 <p:sld xmlns:a="http://schemas.openxmlformats.org/drawingml/2006/main" xmlns:r="http://schemas.openxmlformats.org/officeDocument/2006/relationships" xmlns:p="http://schemas.openxmlformats.org/presentationml/2006/main">
   <p:cSld>
     <p:spTree>
@@ -10692,7 +12526,7 @@
 </p:sld>
 </file>
 
-<file path=ppt/slides/slide19.xml><?xml version="1.0" encoding="utf-8"?>
+<file path=ppt/slides/slide23.xml><?xml version="1.0" encoding="utf-8"?>
 <p:sld xmlns:a="http://schemas.openxmlformats.org/drawingml/2006/main" xmlns:r="http://schemas.openxmlformats.org/officeDocument/2006/relationships" xmlns:p="http://schemas.openxmlformats.org/presentationml/2006/main">
   <p:cSld>
     <p:spTree>
@@ -10753,114 +12587,7 @@
 </p:sld>
 </file>
 
-<file path=ppt/slides/slide2.xml><?xml version="1.0" encoding="utf-8"?>
-<p:sld xmlns:a="http://schemas.openxmlformats.org/drawingml/2006/main" xmlns:r="http://schemas.openxmlformats.org/officeDocument/2006/relationships" xmlns:p="http://schemas.openxmlformats.org/presentationml/2006/main">
-  <p:cSld>
-    <p:spTree>
-      <p:nvGrpSpPr>
-        <p:cNvPr id="1" name=""/>
-        <p:cNvGrpSpPr/>
-        <p:nvPr/>
-      </p:nvGrpSpPr>
-      <p:grpSpPr>
-        <a:xfrm>
-          <a:off x="0" y="0"/>
-          <a:ext cx="0" cy="0"/>
-          <a:chOff x="0" y="0"/>
-          <a:chExt cx="0" cy="0"/>
-        </a:xfrm>
-      </p:grpSpPr>
-      <p:sp>
-        <p:nvSpPr>
-          <p:cNvPr id="2" name="标题 1"/>
-          <p:cNvSpPr>
-            <a:spLocks noGrp="1"/>
-          </p:cNvSpPr>
-          <p:nvPr>
-            <p:ph type="ctrTitle"/>
-          </p:nvPr>
-        </p:nvSpPr>
-        <p:spPr/>
-        <p:txBody>
-          <a:bodyPr/>
-          <a:lstStyle/>
-          <a:p>
-            <a:endParaRPr lang="zh-CN" altLang="en-US" dirty="0"/>
-          </a:p>
-        </p:txBody>
-      </p:sp>
-      <p:sp>
-        <p:nvSpPr>
-          <p:cNvPr id="3" name="副标题 2"/>
-          <p:cNvSpPr>
-            <a:spLocks noGrp="1"/>
-          </p:cNvSpPr>
-          <p:nvPr>
-            <p:ph type="subTitle" idx="1"/>
-          </p:nvPr>
-        </p:nvSpPr>
-        <p:spPr/>
-        <p:txBody>
-          <a:bodyPr/>
-          <a:lstStyle/>
-          <a:p>
-            <a:endParaRPr lang="zh-CN" altLang="en-US"/>
-          </a:p>
-        </p:txBody>
-      </p:sp>
-      <p:pic>
-        <p:nvPicPr>
-          <p:cNvPr id="4" name="图片 3" descr="C:\Users\Alwee\Desktop\AgVsAgI.emf"/>
-          <p:cNvPicPr>
-            <a:picLocks noChangeAspect="1"/>
-          </p:cNvPicPr>
-          <p:nvPr/>
-        </p:nvPicPr>
-        <p:blipFill>
-          <a:blip r:embed="rId2"/>
-          <a:srcRect/>
-          <a:stretch>
-            <a:fillRect/>
-          </a:stretch>
-        </p:blipFill>
-        <p:spPr bwMode="auto">
-          <a:xfrm>
-            <a:off x="428400" y="1569463"/>
-            <a:ext cx="5400000" cy="4145553"/>
-          </a:xfrm>
-          <a:prstGeom prst="rect">
-            <a:avLst/>
-          </a:prstGeom>
-          <a:noFill/>
-          <a:ln w="9525">
-            <a:noFill/>
-            <a:miter lim="800000"/>
-            <a:headEnd/>
-            <a:tailEnd/>
-          </a:ln>
-        </p:spPr>
-      </p:pic>
-    </p:spTree>
-    <p:extLst>
-      <p:ext uri="{BB962C8B-B14F-4D97-AF65-F5344CB8AC3E}">
-        <p14:creationId xmlns:p14="http://schemas.microsoft.com/office/powerpoint/2010/main" val="3393202541"/>
-      </p:ext>
-    </p:extLst>
-  </p:cSld>
-  <p:clrMapOvr>
-    <a:masterClrMapping/>
-  </p:clrMapOvr>
-  <p:timing>
-    <p:tnLst>
-      <p:par>
-        <p:cTn id="1" dur="indefinite" restart="never" nodeType="tmRoot"/>
-      </p:par>
-    </p:tnLst>
-  </p:timing>
-</p:sld>
-</file>
-
-<file path=ppt/slides/slide20.xml><?xml version="1.0" encoding="utf-8"?>
+<file path=ppt/slides/slide24.xml><?xml version="1.0" encoding="utf-8"?>
 <p:sld xmlns:a="http://schemas.openxmlformats.org/drawingml/2006/main" xmlns:r="http://schemas.openxmlformats.org/officeDocument/2006/relationships" xmlns:p="http://schemas.openxmlformats.org/presentationml/2006/main">
   <p:cSld>
     <p:spTree>
@@ -12101,7 +13828,7 @@
 </p:sld>
 </file>
 
-<file path=ppt/slides/slide21.xml><?xml version="1.0" encoding="utf-8"?>
+<file path=ppt/slides/slide25.xml><?xml version="1.0" encoding="utf-8"?>
 <p:sld xmlns:a="http://schemas.openxmlformats.org/drawingml/2006/main" xmlns:r="http://schemas.openxmlformats.org/officeDocument/2006/relationships" xmlns:p="http://schemas.openxmlformats.org/presentationml/2006/main">
   <p:cSld>
     <p:spTree>
@@ -12478,7 +14205,7 @@
 </p:sld>
 </file>
 
-<file path=ppt/slides/slide22.xml><?xml version="1.0" encoding="utf-8"?>
+<file path=ppt/slides/slide26.xml><?xml version="1.0" encoding="utf-8"?>
 <p:sld xmlns:a="http://schemas.openxmlformats.org/drawingml/2006/main" xmlns:r="http://schemas.openxmlformats.org/officeDocument/2006/relationships" xmlns:p="http://schemas.openxmlformats.org/presentationml/2006/main">
   <p:cSld>
     <p:spTree>
@@ -12495,6 +14222,416 @@
           <a:chExt cx="0" cy="0"/>
         </a:xfrm>
       </p:grpSpPr>
+      <p:grpSp>
+        <p:nvGrpSpPr>
+          <p:cNvPr id="11" name="组合 10"/>
+          <p:cNvGrpSpPr/>
+          <p:nvPr/>
+        </p:nvGrpSpPr>
+        <p:grpSpPr>
+          <a:xfrm>
+            <a:off x="3401999" y="689804"/>
+            <a:ext cx="1805395" cy="2169995"/>
+            <a:chOff x="3384645" y="996287"/>
+            <a:chExt cx="2402006" cy="2887092"/>
+          </a:xfrm>
+        </p:grpSpPr>
+        <p:sp>
+          <p:nvSpPr>
+            <p:cNvPr id="12" name="椭圆 11"/>
+            <p:cNvSpPr/>
+            <p:nvPr/>
+          </p:nvSpPr>
+          <p:spPr>
+            <a:xfrm>
+              <a:off x="3384645" y="996287"/>
+              <a:ext cx="2402006" cy="2402006"/>
+            </a:xfrm>
+            <a:prstGeom prst="ellipse">
+              <a:avLst/>
+            </a:prstGeom>
+            <a:noFill/>
+            <a:ln>
+              <a:solidFill>
+                <a:schemeClr val="tx1"/>
+              </a:solidFill>
+            </a:ln>
+          </p:spPr>
+          <p:style>
+            <a:lnRef idx="2">
+              <a:schemeClr val="accent1">
+                <a:shade val="50000"/>
+              </a:schemeClr>
+            </a:lnRef>
+            <a:fillRef idx="1">
+              <a:schemeClr val="accent1"/>
+            </a:fillRef>
+            <a:effectRef idx="0">
+              <a:schemeClr val="accent1"/>
+            </a:effectRef>
+            <a:fontRef idx="minor">
+              <a:schemeClr val="lt1"/>
+            </a:fontRef>
+          </p:style>
+          <p:txBody>
+            <a:bodyPr rtlCol="0" anchor="ctr"/>
+            <a:lstStyle/>
+            <a:p>
+              <a:pPr algn="ctr"/>
+              <a:endParaRPr lang="zh-CN" altLang="en-US"/>
+            </a:p>
+          </p:txBody>
+        </p:sp>
+        <p:sp>
+          <p:nvSpPr>
+            <p:cNvPr id="13" name="矩形 12"/>
+            <p:cNvSpPr/>
+            <p:nvPr/>
+          </p:nvSpPr>
+          <p:spPr>
+            <a:xfrm>
+              <a:off x="3402000" y="2232000"/>
+              <a:ext cx="2376000" cy="1651379"/>
+            </a:xfrm>
+            <a:prstGeom prst="rect">
+              <a:avLst/>
+            </a:prstGeom>
+            <a:solidFill>
+              <a:schemeClr val="bg1"/>
+            </a:solidFill>
+            <a:ln>
+              <a:noFill/>
+            </a:ln>
+          </p:spPr>
+          <p:style>
+            <a:lnRef idx="2">
+              <a:schemeClr val="accent1">
+                <a:shade val="50000"/>
+              </a:schemeClr>
+            </a:lnRef>
+            <a:fillRef idx="1">
+              <a:schemeClr val="accent1"/>
+            </a:fillRef>
+            <a:effectRef idx="0">
+              <a:schemeClr val="accent1"/>
+            </a:effectRef>
+            <a:fontRef idx="minor">
+              <a:schemeClr val="lt1"/>
+            </a:fontRef>
+          </p:style>
+          <p:txBody>
+            <a:bodyPr rtlCol="0" anchor="ctr"/>
+            <a:lstStyle/>
+            <a:p>
+              <a:pPr algn="ctr"/>
+              <a:endParaRPr lang="zh-CN" altLang="en-US"/>
+            </a:p>
+          </p:txBody>
+        </p:sp>
+      </p:grpSp>
+      <p:cxnSp>
+        <p:nvCxnSpPr>
+          <p:cNvPr id="5" name="直接连接符 4"/>
+          <p:cNvCxnSpPr>
+            <a:stCxn id="3" idx="2"/>
+          </p:cNvCxnSpPr>
+          <p:nvPr/>
+        </p:nvCxnSpPr>
+        <p:spPr>
+          <a:xfrm>
+            <a:off x="3384645" y="2197290"/>
+            <a:ext cx="0" cy="1487606"/>
+          </a:xfrm>
+          <a:prstGeom prst="line">
+            <a:avLst/>
+          </a:prstGeom>
+        </p:spPr>
+        <p:style>
+          <a:lnRef idx="1">
+            <a:schemeClr val="dk1"/>
+          </a:lnRef>
+          <a:fillRef idx="0">
+            <a:schemeClr val="dk1"/>
+          </a:fillRef>
+          <a:effectRef idx="0">
+            <a:schemeClr val="dk1"/>
+          </a:effectRef>
+          <a:fontRef idx="minor">
+            <a:schemeClr val="tx1"/>
+          </a:fontRef>
+        </p:style>
+      </p:cxnSp>
+      <p:cxnSp>
+        <p:nvCxnSpPr>
+          <p:cNvPr id="6" name="直接连接符 5"/>
+          <p:cNvCxnSpPr>
+            <a:stCxn id="3" idx="6"/>
+          </p:cNvCxnSpPr>
+          <p:nvPr/>
+        </p:nvCxnSpPr>
+        <p:spPr>
+          <a:xfrm>
+            <a:off x="5786651" y="2197290"/>
+            <a:ext cx="0" cy="1487606"/>
+          </a:xfrm>
+          <a:prstGeom prst="line">
+            <a:avLst/>
+          </a:prstGeom>
+        </p:spPr>
+        <p:style>
+          <a:lnRef idx="1">
+            <a:schemeClr val="dk1"/>
+          </a:lnRef>
+          <a:fillRef idx="0">
+            <a:schemeClr val="dk1"/>
+          </a:fillRef>
+          <a:effectRef idx="0">
+            <a:schemeClr val="dk1"/>
+          </a:effectRef>
+          <a:fontRef idx="minor">
+            <a:schemeClr val="tx1"/>
+          </a:fontRef>
+        </p:style>
+      </p:cxnSp>
+      <p:grpSp>
+        <p:nvGrpSpPr>
+          <p:cNvPr id="10" name="组合 9"/>
+          <p:cNvGrpSpPr/>
+          <p:nvPr/>
+        </p:nvGrpSpPr>
+        <p:grpSpPr>
+          <a:xfrm>
+            <a:off x="3384645" y="996287"/>
+            <a:ext cx="2402006" cy="2887092"/>
+            <a:chOff x="3384645" y="996287"/>
+            <a:chExt cx="2402006" cy="2887092"/>
+          </a:xfrm>
+        </p:grpSpPr>
+        <p:sp>
+          <p:nvSpPr>
+            <p:cNvPr id="3" name="椭圆 2"/>
+            <p:cNvSpPr/>
+            <p:nvPr/>
+          </p:nvSpPr>
+          <p:spPr>
+            <a:xfrm>
+              <a:off x="3384645" y="996287"/>
+              <a:ext cx="2402006" cy="2402006"/>
+            </a:xfrm>
+            <a:prstGeom prst="ellipse">
+              <a:avLst/>
+            </a:prstGeom>
+            <a:noFill/>
+            <a:ln>
+              <a:solidFill>
+                <a:schemeClr val="tx1"/>
+              </a:solidFill>
+            </a:ln>
+          </p:spPr>
+          <p:style>
+            <a:lnRef idx="2">
+              <a:schemeClr val="accent1">
+                <a:shade val="50000"/>
+              </a:schemeClr>
+            </a:lnRef>
+            <a:fillRef idx="1">
+              <a:schemeClr val="accent1"/>
+            </a:fillRef>
+            <a:effectRef idx="0">
+              <a:schemeClr val="accent1"/>
+            </a:effectRef>
+            <a:fontRef idx="minor">
+              <a:schemeClr val="lt1"/>
+            </a:fontRef>
+          </p:style>
+          <p:txBody>
+            <a:bodyPr rtlCol="0" anchor="ctr"/>
+            <a:lstStyle/>
+            <a:p>
+              <a:pPr algn="ctr"/>
+              <a:endParaRPr lang="zh-CN" altLang="en-US"/>
+            </a:p>
+          </p:txBody>
+        </p:sp>
+        <p:sp>
+          <p:nvSpPr>
+            <p:cNvPr id="8" name="矩形 7"/>
+            <p:cNvSpPr/>
+            <p:nvPr/>
+          </p:nvSpPr>
+          <p:spPr>
+            <a:xfrm>
+              <a:off x="3402000" y="2232000"/>
+              <a:ext cx="2376000" cy="1651379"/>
+            </a:xfrm>
+            <a:prstGeom prst="rect">
+              <a:avLst/>
+            </a:prstGeom>
+            <a:solidFill>
+              <a:schemeClr val="bg1"/>
+            </a:solidFill>
+            <a:ln>
+              <a:noFill/>
+            </a:ln>
+          </p:spPr>
+          <p:style>
+            <a:lnRef idx="2">
+              <a:schemeClr val="accent1">
+                <a:shade val="50000"/>
+              </a:schemeClr>
+            </a:lnRef>
+            <a:fillRef idx="1">
+              <a:schemeClr val="accent1"/>
+            </a:fillRef>
+            <a:effectRef idx="0">
+              <a:schemeClr val="accent1"/>
+            </a:effectRef>
+            <a:fontRef idx="minor">
+              <a:schemeClr val="lt1"/>
+            </a:fontRef>
+          </p:style>
+          <p:txBody>
+            <a:bodyPr rtlCol="0" anchor="ctr"/>
+            <a:lstStyle/>
+            <a:p>
+              <a:pPr algn="ctr"/>
+              <a:endParaRPr lang="zh-CN" altLang="en-US"/>
+            </a:p>
+          </p:txBody>
+        </p:sp>
+      </p:grpSp>
+      <p:sp>
+        <p:nvSpPr>
+          <p:cNvPr id="9" name="弧形 8"/>
+          <p:cNvSpPr/>
+          <p:nvPr/>
+        </p:nvSpPr>
+        <p:spPr>
+          <a:xfrm rot="18919567">
+            <a:off x="2784293" y="1550174"/>
+            <a:ext cx="4255200" cy="4255805"/>
+          </a:xfrm>
+          <a:prstGeom prst="arc">
+            <a:avLst/>
+          </a:prstGeom>
+        </p:spPr>
+        <p:style>
+          <a:lnRef idx="1">
+            <a:schemeClr val="dk1"/>
+          </a:lnRef>
+          <a:fillRef idx="0">
+            <a:schemeClr val="dk1"/>
+          </a:fillRef>
+          <a:effectRef idx="0">
+            <a:schemeClr val="dk1"/>
+          </a:effectRef>
+          <a:fontRef idx="minor">
+            <a:schemeClr val="tx1"/>
+          </a:fontRef>
+        </p:style>
+        <p:txBody>
+          <a:bodyPr rtlCol="0" anchor="ctr"/>
+          <a:lstStyle/>
+          <a:p>
+            <a:pPr algn="ctr"/>
+            <a:endParaRPr lang="zh-CN" altLang="en-US"/>
+          </a:p>
+        </p:txBody>
+      </p:sp>
+      <p:cxnSp>
+        <p:nvCxnSpPr>
+          <p:cNvPr id="15" name="直接连接符 14"/>
+          <p:cNvCxnSpPr>
+            <a:stCxn id="12" idx="2"/>
+          </p:cNvCxnSpPr>
+          <p:nvPr/>
+        </p:nvCxnSpPr>
+        <p:spPr>
+          <a:xfrm flipH="1">
+            <a:off x="3384645" y="1592502"/>
+            <a:ext cx="17354" cy="902697"/>
+          </a:xfrm>
+          <a:prstGeom prst="line">
+            <a:avLst/>
+          </a:prstGeom>
+        </p:spPr>
+        <p:style>
+          <a:lnRef idx="1">
+            <a:schemeClr val="dk1"/>
+          </a:lnRef>
+          <a:fillRef idx="0">
+            <a:schemeClr val="dk1"/>
+          </a:fillRef>
+          <a:effectRef idx="0">
+            <a:schemeClr val="dk1"/>
+          </a:effectRef>
+          <a:fontRef idx="minor">
+            <a:schemeClr val="tx1"/>
+          </a:fontRef>
+        </p:style>
+      </p:cxnSp>
+      <p:cxnSp>
+        <p:nvCxnSpPr>
+          <p:cNvPr id="17" name="直接连接符 16"/>
+          <p:cNvCxnSpPr/>
+          <p:nvPr/>
+        </p:nvCxnSpPr>
+        <p:spPr>
+          <a:xfrm flipH="1">
+            <a:off x="5200891" y="1592501"/>
+            <a:ext cx="6503" cy="2085575"/>
+          </a:xfrm>
+          <a:prstGeom prst="line">
+            <a:avLst/>
+          </a:prstGeom>
+        </p:spPr>
+        <p:style>
+          <a:lnRef idx="1">
+            <a:schemeClr val="dk1"/>
+          </a:lnRef>
+          <a:fillRef idx="0">
+            <a:schemeClr val="dk1"/>
+          </a:fillRef>
+          <a:effectRef idx="0">
+            <a:schemeClr val="dk1"/>
+          </a:effectRef>
+          <a:fontRef idx="minor">
+            <a:schemeClr val="tx1"/>
+          </a:fontRef>
+        </p:style>
+      </p:cxnSp>
+      <p:cxnSp>
+        <p:nvCxnSpPr>
+          <p:cNvPr id="24" name="直接连接符 23"/>
+          <p:cNvCxnSpPr>
+            <a:stCxn id="9" idx="2"/>
+          </p:cNvCxnSpPr>
+          <p:nvPr/>
+        </p:nvCxnSpPr>
+        <p:spPr>
+          <a:xfrm flipH="1">
+            <a:off x="6414448" y="2182224"/>
+            <a:ext cx="10424" cy="1502672"/>
+          </a:xfrm>
+          <a:prstGeom prst="line">
+            <a:avLst/>
+          </a:prstGeom>
+        </p:spPr>
+        <p:style>
+          <a:lnRef idx="1">
+            <a:schemeClr val="dk1"/>
+          </a:lnRef>
+          <a:fillRef idx="0">
+            <a:schemeClr val="dk1"/>
+          </a:fillRef>
+          <a:effectRef idx="0">
+            <a:schemeClr val="dk1"/>
+          </a:effectRef>
+          <a:fontRef idx="minor">
+            <a:schemeClr val="tx1"/>
+          </a:fontRef>
+        </p:style>
+      </p:cxnSp>
     </p:spTree>
     <p:extLst>
       <p:ext uri="{BB962C8B-B14F-4D97-AF65-F5344CB8AC3E}">
@@ -12515,7 +14652,7 @@
 </p:sld>
 </file>
 
-<file path=ppt/slides/slide23.xml><?xml version="1.0" encoding="utf-8"?>
+<file path=ppt/slides/slide27.xml><?xml version="1.0" encoding="utf-8"?>
 <p:sld xmlns:a="http://schemas.openxmlformats.org/drawingml/2006/main" xmlns:r="http://schemas.openxmlformats.org/officeDocument/2006/relationships" xmlns:p="http://schemas.openxmlformats.org/presentationml/2006/main">
   <p:cSld>
     <p:spTree>
@@ -13381,7 +15518,7 @@
 </p:sld>
 </file>
 
-<file path=ppt/slides/slide24.xml><?xml version="1.0" encoding="utf-8"?>
+<file path=ppt/slides/slide28.xml><?xml version="1.0" encoding="utf-8"?>
 <p:sld xmlns:a="http://schemas.openxmlformats.org/drawingml/2006/main" xmlns:r="http://schemas.openxmlformats.org/officeDocument/2006/relationships" xmlns:p="http://schemas.openxmlformats.org/presentationml/2006/main">
   <p:cSld>
     <p:spTree>
@@ -13679,7 +15816,7 @@
 </p:sld>
 </file>
 
-<file path=ppt/slides/slide25.xml><?xml version="1.0" encoding="utf-8"?>
+<file path=ppt/slides/slide29.xml><?xml version="1.0" encoding="utf-8"?>
 <p:sld xmlns:a="http://schemas.openxmlformats.org/drawingml/2006/main" xmlns:r="http://schemas.openxmlformats.org/officeDocument/2006/relationships" xmlns:p="http://schemas.openxmlformats.org/presentationml/2006/main">
   <p:cSld>
     <p:spTree>
@@ -14144,7 +16281,108 @@
 </p:sld>
 </file>
 
-<file path=ppt/slides/slide26.xml><?xml version="1.0" encoding="utf-8"?>
+<file path=ppt/slides/slide3.xml><?xml version="1.0" encoding="utf-8"?>
+<p:sld xmlns:a="http://schemas.openxmlformats.org/drawingml/2006/main" xmlns:r="http://schemas.openxmlformats.org/officeDocument/2006/relationships" xmlns:p="http://schemas.openxmlformats.org/presentationml/2006/main">
+  <p:cSld>
+    <p:spTree>
+      <p:nvGrpSpPr>
+        <p:cNvPr id="1" name=""/>
+        <p:cNvGrpSpPr/>
+        <p:nvPr/>
+      </p:nvGrpSpPr>
+      <p:grpSpPr>
+        <a:xfrm>
+          <a:off x="0" y="0"/>
+          <a:ext cx="0" cy="0"/>
+          <a:chOff x="0" y="0"/>
+          <a:chExt cx="0" cy="0"/>
+        </a:xfrm>
+      </p:grpSpPr>
+      <p:sp>
+        <p:nvSpPr>
+          <p:cNvPr id="2" name="标题 1"/>
+          <p:cNvSpPr>
+            <a:spLocks noGrp="1"/>
+          </p:cNvSpPr>
+          <p:nvPr>
+            <p:ph type="title"/>
+          </p:nvPr>
+        </p:nvSpPr>
+        <p:spPr/>
+        <p:txBody>
+          <a:bodyPr/>
+          <a:lstStyle/>
+          <a:p>
+            <a:endParaRPr lang="zh-CN" altLang="en-US"/>
+          </a:p>
+        </p:txBody>
+      </p:sp>
+      <p:sp>
+        <p:nvSpPr>
+          <p:cNvPr id="3" name="内容占位符 2"/>
+          <p:cNvSpPr>
+            <a:spLocks noGrp="1"/>
+          </p:cNvSpPr>
+          <p:nvPr>
+            <p:ph idx="1"/>
+          </p:nvPr>
+        </p:nvSpPr>
+        <p:spPr/>
+        <p:txBody>
+          <a:bodyPr/>
+          <a:lstStyle/>
+          <a:p>
+            <a:endParaRPr lang="zh-CN" altLang="en-US"/>
+          </a:p>
+        </p:txBody>
+      </p:sp>
+      <p:pic>
+        <p:nvPicPr>
+          <p:cNvPr id="4" name="图片 3"/>
+          <p:cNvPicPr/>
+          <p:nvPr/>
+        </p:nvPicPr>
+        <p:blipFill>
+          <a:blip r:embed="rId2">
+            <a:extLst>
+              <a:ext uri="{28A0092B-C50C-407E-A947-70E740481C1C}">
+                <a14:useLocalDpi xmlns:a14="http://schemas.microsoft.com/office/drawing/2010/main" val="0"/>
+              </a:ext>
+            </a:extLst>
+          </a:blip>
+          <a:srcRect/>
+          <a:stretch>
+            <a:fillRect/>
+          </a:stretch>
+        </p:blipFill>
+        <p:spPr bwMode="auto">
+          <a:xfrm>
+            <a:off x="71406" y="1714488"/>
+            <a:ext cx="5715008" cy="4357718"/>
+          </a:xfrm>
+          <a:prstGeom prst="rect">
+            <a:avLst/>
+          </a:prstGeom>
+          <a:noFill/>
+          <a:ln>
+            <a:noFill/>
+          </a:ln>
+        </p:spPr>
+      </p:pic>
+    </p:spTree>
+    <p:extLst>
+      <p:ext uri="{BB962C8B-B14F-4D97-AF65-F5344CB8AC3E}">
+        <p14:creationId xmlns:p14="http://schemas.microsoft.com/office/powerpoint/2010/main" val="203774570"/>
+      </p:ext>
+    </p:extLst>
+  </p:cSld>
+  <p:clrMapOvr>
+    <a:masterClrMapping/>
+  </p:clrMapOvr>
+</p:sld>
+</file>
+
+<file path=ppt/slides/slide30.xml><?xml version="1.0" encoding="utf-8"?>
 <p:sld xmlns:a="http://schemas.openxmlformats.org/drawingml/2006/main" xmlns:r="http://schemas.openxmlformats.org/officeDocument/2006/relationships" xmlns:p="http://schemas.openxmlformats.org/presentationml/2006/main">
   <p:cSld>
     <p:spTree>
@@ -14345,7 +16583,7 @@
 </p:sld>
 </file>
 
-<file path=ppt/slides/slide27.xml><?xml version="1.0" encoding="utf-8"?>
+<file path=ppt/slides/slide31.xml><?xml version="1.0" encoding="utf-8"?>
 <p:sld xmlns:a="http://schemas.openxmlformats.org/drawingml/2006/main" xmlns:r="http://schemas.openxmlformats.org/officeDocument/2006/relationships" xmlns:p="http://schemas.openxmlformats.org/presentationml/2006/main">
   <p:cSld>
     <p:spTree>
@@ -14589,7 +16827,7 @@
 </p:sld>
 </file>
 
-<file path=ppt/slides/slide28.xml><?xml version="1.0" encoding="utf-8"?>
+<file path=ppt/slides/slide32.xml><?xml version="1.0" encoding="utf-8"?>
 <p:sld xmlns:a="http://schemas.openxmlformats.org/drawingml/2006/main" xmlns:r="http://schemas.openxmlformats.org/officeDocument/2006/relationships" xmlns:p="http://schemas.openxmlformats.org/presentationml/2006/main">
   <p:cSld>
     <p:spTree>
@@ -14644,7 +16882,7 @@
       </p:sp>
       <p:pic>
         <p:nvPicPr>
-          <p:cNvPr id="4" name="图片 3"/>
+          <p:cNvPr id="5" name="图片 4"/>
           <p:cNvPicPr>
             <a:picLocks noChangeAspect="1"/>
           </p:cNvPicPr>
@@ -14658,8 +16896,32 @@
         </p:blipFill>
         <p:spPr>
           <a:xfrm>
-            <a:off x="887731" y="967044"/>
-            <a:ext cx="6411981" cy="4608000"/>
+            <a:off x="110346" y="1450410"/>
+            <a:ext cx="3614546" cy="2556000"/>
+          </a:xfrm>
+          <a:prstGeom prst="rect">
+            <a:avLst/>
+          </a:prstGeom>
+        </p:spPr>
+      </p:pic>
+      <p:pic>
+        <p:nvPicPr>
+          <p:cNvPr id="6" name="图片 5"/>
+          <p:cNvPicPr>
+            <a:picLocks noChangeAspect="1"/>
+          </p:cNvPicPr>
+          <p:nvPr/>
+        </p:nvPicPr>
+        <p:blipFill>
+          <a:blip r:embed="rId3"/>
+          <a:stretch>
+            <a:fillRect/>
+          </a:stretch>
+        </p:blipFill>
+        <p:spPr>
+          <a:xfrm>
+            <a:off x="3345943" y="1450410"/>
+            <a:ext cx="3433818" cy="2556000"/>
           </a:xfrm>
           <a:prstGeom prst="rect">
             <a:avLst/>
@@ -14679,7 +16941,7 @@
 </p:sld>
 </file>
 
-<file path=ppt/slides/slide29.xml><?xml version="1.0" encoding="utf-8"?>
+<file path=ppt/slides/slide33.xml><?xml version="1.0" encoding="utf-8"?>
 <p:sld xmlns:a="http://schemas.openxmlformats.org/drawingml/2006/main" xmlns:r="http://schemas.openxmlformats.org/officeDocument/2006/relationships" xmlns:p="http://schemas.openxmlformats.org/presentationml/2006/main">
   <p:cSld>
     <p:spTree>
@@ -15688,108 +17950,7 @@
 </p:sld>
 </file>
 
-<file path=ppt/slides/slide3.xml><?xml version="1.0" encoding="utf-8"?>
-<p:sld xmlns:a="http://schemas.openxmlformats.org/drawingml/2006/main" xmlns:r="http://schemas.openxmlformats.org/officeDocument/2006/relationships" xmlns:p="http://schemas.openxmlformats.org/presentationml/2006/main">
-  <p:cSld>
-    <p:spTree>
-      <p:nvGrpSpPr>
-        <p:cNvPr id="1" name=""/>
-        <p:cNvGrpSpPr/>
-        <p:nvPr/>
-      </p:nvGrpSpPr>
-      <p:grpSpPr>
-        <a:xfrm>
-          <a:off x="0" y="0"/>
-          <a:ext cx="0" cy="0"/>
-          <a:chOff x="0" y="0"/>
-          <a:chExt cx="0" cy="0"/>
-        </a:xfrm>
-      </p:grpSpPr>
-      <p:sp>
-        <p:nvSpPr>
-          <p:cNvPr id="2" name="标题 1"/>
-          <p:cNvSpPr>
-            <a:spLocks noGrp="1"/>
-          </p:cNvSpPr>
-          <p:nvPr>
-            <p:ph type="title"/>
-          </p:nvPr>
-        </p:nvSpPr>
-        <p:spPr/>
-        <p:txBody>
-          <a:bodyPr/>
-          <a:lstStyle/>
-          <a:p>
-            <a:endParaRPr lang="zh-CN" altLang="en-US"/>
-          </a:p>
-        </p:txBody>
-      </p:sp>
-      <p:sp>
-        <p:nvSpPr>
-          <p:cNvPr id="3" name="内容占位符 2"/>
-          <p:cNvSpPr>
-            <a:spLocks noGrp="1"/>
-          </p:cNvSpPr>
-          <p:nvPr>
-            <p:ph idx="1"/>
-          </p:nvPr>
-        </p:nvSpPr>
-        <p:spPr/>
-        <p:txBody>
-          <a:bodyPr/>
-          <a:lstStyle/>
-          <a:p>
-            <a:endParaRPr lang="zh-CN" altLang="en-US"/>
-          </a:p>
-        </p:txBody>
-      </p:sp>
-      <p:pic>
-        <p:nvPicPr>
-          <p:cNvPr id="4" name="图片 3"/>
-          <p:cNvPicPr/>
-          <p:nvPr/>
-        </p:nvPicPr>
-        <p:blipFill>
-          <a:blip r:embed="rId2">
-            <a:extLst>
-              <a:ext uri="{28A0092B-C50C-407E-A947-70E740481C1C}">
-                <a14:useLocalDpi xmlns:a14="http://schemas.microsoft.com/office/drawing/2010/main" val="0"/>
-              </a:ext>
-            </a:extLst>
-          </a:blip>
-          <a:srcRect/>
-          <a:stretch>
-            <a:fillRect/>
-          </a:stretch>
-        </p:blipFill>
-        <p:spPr bwMode="auto">
-          <a:xfrm>
-            <a:off x="71406" y="1714488"/>
-            <a:ext cx="5715008" cy="4357718"/>
-          </a:xfrm>
-          <a:prstGeom prst="rect">
-            <a:avLst/>
-          </a:prstGeom>
-          <a:noFill/>
-          <a:ln>
-            <a:noFill/>
-          </a:ln>
-        </p:spPr>
-      </p:pic>
-    </p:spTree>
-    <p:extLst>
-      <p:ext uri="{BB962C8B-B14F-4D97-AF65-F5344CB8AC3E}">
-        <p14:creationId xmlns:p14="http://schemas.microsoft.com/office/powerpoint/2010/main" val="203774570"/>
-      </p:ext>
-    </p:extLst>
-  </p:cSld>
-  <p:clrMapOvr>
-    <a:masterClrMapping/>
-  </p:clrMapOvr>
-</p:sld>
-</file>
-
-<file path=ppt/slides/slide30.xml><?xml version="1.0" encoding="utf-8"?>
+<file path=ppt/slides/slide34.xml><?xml version="1.0" encoding="utf-8"?>
 <p:sld xmlns:a="http://schemas.openxmlformats.org/drawingml/2006/main" xmlns:r="http://schemas.openxmlformats.org/officeDocument/2006/relationships" xmlns:p="http://schemas.openxmlformats.org/presentationml/2006/main">
   <p:cSld>
     <p:spTree>
@@ -15887,7 +18048,7 @@
 </p:sld>
 </file>
 
-<file path=ppt/slides/slide31.xml><?xml version="1.0" encoding="utf-8"?>
+<file path=ppt/slides/slide35.xml><?xml version="1.0" encoding="utf-8"?>
 <p:sld xmlns:a="http://schemas.openxmlformats.org/drawingml/2006/main" xmlns:r="http://schemas.openxmlformats.org/officeDocument/2006/relationships" xmlns:p="http://schemas.openxmlformats.org/presentationml/2006/main">
   <p:cSld>
     <p:spTree>
@@ -16108,15 +18269,7 @@
                     <a:ea typeface="Tahoma" panose="020B0604030504040204" pitchFamily="34" charset="0"/>
                     <a:cs typeface="Times New Roman" panose="02020603050405020304" pitchFamily="18" charset="0"/>
                   </a:rPr>
-                  <a:t>3</a:t>
-                </a:r>
-                <a:r>
-                  <a:rPr lang="en-US" altLang="zh-CN" sz="1400" dirty="0" smtClean="0">
-                    <a:latin typeface="Times New Roman" panose="02020603050405020304" pitchFamily="18" charset="0"/>
-                    <a:ea typeface="Tahoma" panose="020B0604030504040204" pitchFamily="34" charset="0"/>
-                    <a:cs typeface="Times New Roman" panose="02020603050405020304" pitchFamily="18" charset="0"/>
-                  </a:rPr>
-                  <a:t>m</a:t>
+                  <a:t>3m</a:t>
                 </a:r>
                 <a:endParaRPr lang="zh-CN" altLang="en-US" sz="1400" dirty="0">
                   <a:latin typeface="Times New Roman" panose="02020603050405020304" pitchFamily="18" charset="0"/>
@@ -16316,15 +18469,7 @@
                     <a:ea typeface="Tahoma" panose="020B0604030504040204" pitchFamily="34" charset="0"/>
                     <a:cs typeface="Times New Roman" panose="02020603050405020304" pitchFamily="18" charset="0"/>
                   </a:rPr>
-                  <a:t>3</a:t>
-                </a:r>
-                <a:r>
-                  <a:rPr lang="en-US" altLang="zh-CN" sz="1400" dirty="0" smtClean="0">
-                    <a:latin typeface="Times New Roman" panose="02020603050405020304" pitchFamily="18" charset="0"/>
-                    <a:ea typeface="Tahoma" panose="020B0604030504040204" pitchFamily="34" charset="0"/>
-                    <a:cs typeface="Times New Roman" panose="02020603050405020304" pitchFamily="18" charset="0"/>
-                  </a:rPr>
-                  <a:t>m</a:t>
+                  <a:t>3m</a:t>
                 </a:r>
                 <a:endParaRPr lang="zh-CN" altLang="en-US" sz="1400" dirty="0">
                   <a:latin typeface="Times New Roman" panose="02020603050405020304" pitchFamily="18" charset="0"/>
@@ -16791,7 +18936,7 @@
 </p:sld>
 </file>
 
-<file path=ppt/slides/slide32.xml><?xml version="1.0" encoding="utf-8"?>
+<file path=ppt/slides/slide36.xml><?xml version="1.0" encoding="utf-8"?>
 <p:sld xmlns:a="http://schemas.openxmlformats.org/drawingml/2006/main" xmlns:r="http://schemas.openxmlformats.org/officeDocument/2006/relationships" xmlns:p="http://schemas.openxmlformats.org/presentationml/2006/main">
   <p:cSld>
     <p:spTree>
@@ -16918,7 +19063,7 @@
 </p:sld>
 </file>
 
-<file path=ppt/slides/slide33.xml><?xml version="1.0" encoding="utf-8"?>
+<file path=ppt/slides/slide37.xml><?xml version="1.0" encoding="utf-8"?>
 <p:sld xmlns:a="http://schemas.openxmlformats.org/drawingml/2006/main" xmlns:r="http://schemas.openxmlformats.org/officeDocument/2006/relationships" xmlns:p="http://schemas.openxmlformats.org/presentationml/2006/main">
   <p:cSld>
     <p:spTree>
@@ -17726,6 +19871,300 @@
     <p:extLst>
       <p:ext uri="{BB962C8B-B14F-4D97-AF65-F5344CB8AC3E}">
         <p14:creationId xmlns:p14="http://schemas.microsoft.com/office/powerpoint/2010/main" val="910225665"/>
+      </p:ext>
+    </p:extLst>
+  </p:cSld>
+  <p:clrMapOvr>
+    <a:masterClrMapping/>
+  </p:clrMapOvr>
+</p:sld>
+</file>
+
+<file path=ppt/slides/slide38.xml><?xml version="1.0" encoding="utf-8"?>
+<p:sld xmlns:a="http://schemas.openxmlformats.org/drawingml/2006/main" xmlns:r="http://schemas.openxmlformats.org/officeDocument/2006/relationships" xmlns:p="http://schemas.openxmlformats.org/presentationml/2006/main">
+  <p:cSld>
+    <p:spTree>
+      <p:nvGrpSpPr>
+        <p:cNvPr id="1" name=""/>
+        <p:cNvGrpSpPr/>
+        <p:nvPr/>
+      </p:nvGrpSpPr>
+      <p:grpSpPr>
+        <a:xfrm>
+          <a:off x="0" y="0"/>
+          <a:ext cx="0" cy="0"/>
+          <a:chOff x="0" y="0"/>
+          <a:chExt cx="0" cy="0"/>
+        </a:xfrm>
+      </p:grpSpPr>
+      <p:grpSp>
+        <p:nvGrpSpPr>
+          <p:cNvPr id="16" name="组合 15"/>
+          <p:cNvGrpSpPr/>
+          <p:nvPr/>
+        </p:nvGrpSpPr>
+        <p:grpSpPr>
+          <a:xfrm>
+            <a:off x="4159321" y="1259560"/>
+            <a:ext cx="6890724" cy="2702876"/>
+            <a:chOff x="4159321" y="1259560"/>
+            <a:chExt cx="6890724" cy="2702876"/>
+          </a:xfrm>
+        </p:grpSpPr>
+        <p:pic>
+          <p:nvPicPr>
+            <p:cNvPr id="15" name="图片 14"/>
+            <p:cNvPicPr>
+              <a:picLocks noChangeAspect="1"/>
+            </p:cNvPicPr>
+            <p:nvPr/>
+          </p:nvPicPr>
+          <p:blipFill>
+            <a:blip r:embed="rId2"/>
+            <a:stretch>
+              <a:fillRect/>
+            </a:stretch>
+          </p:blipFill>
+          <p:spPr>
+            <a:xfrm>
+              <a:off x="7450045" y="1259560"/>
+              <a:ext cx="3600000" cy="2702876"/>
+            </a:xfrm>
+            <a:prstGeom prst="rect">
+              <a:avLst/>
+            </a:prstGeom>
+          </p:spPr>
+        </p:pic>
+        <p:grpSp>
+          <p:nvGrpSpPr>
+            <p:cNvPr id="11" name="组合 10"/>
+            <p:cNvGrpSpPr/>
+            <p:nvPr/>
+          </p:nvGrpSpPr>
+          <p:grpSpPr>
+            <a:xfrm>
+              <a:off x="4159321" y="1317003"/>
+              <a:ext cx="6125407" cy="2634739"/>
+              <a:chOff x="4159321" y="1317003"/>
+              <a:chExt cx="6125407" cy="2634739"/>
+            </a:xfrm>
+          </p:grpSpPr>
+          <p:grpSp>
+            <p:nvGrpSpPr>
+              <p:cNvPr id="7" name="组合 6"/>
+              <p:cNvGrpSpPr/>
+              <p:nvPr/>
+            </p:nvGrpSpPr>
+            <p:grpSpPr>
+              <a:xfrm>
+                <a:off x="4159321" y="1317003"/>
+                <a:ext cx="3442317" cy="2605112"/>
+                <a:chOff x="4159321" y="1317003"/>
+                <a:chExt cx="3442317" cy="2605112"/>
+              </a:xfrm>
+            </p:grpSpPr>
+            <p:pic>
+              <p:nvPicPr>
+                <p:cNvPr id="4" name="图片 3"/>
+                <p:cNvPicPr>
+                  <a:picLocks noChangeAspect="1"/>
+                </p:cNvPicPr>
+                <p:nvPr/>
+              </p:nvPicPr>
+              <p:blipFill rotWithShape="1">
+                <a:blip r:embed="rId3"/>
+                <a:srcRect l="3813" t="5267" r="4380" b="5924"/>
+                <a:stretch/>
+              </p:blipFill>
+              <p:spPr>
+                <a:xfrm>
+                  <a:off x="4296577" y="1454227"/>
+                  <a:ext cx="3305061" cy="2313542"/>
+                </a:xfrm>
+                <a:prstGeom prst="rect">
+                  <a:avLst/>
+                </a:prstGeom>
+              </p:spPr>
+            </p:pic>
+            <p:sp>
+              <p:nvSpPr>
+                <p:cNvPr id="5" name="文本框 4"/>
+                <p:cNvSpPr txBox="1"/>
+                <p:nvPr/>
+              </p:nvSpPr>
+              <p:spPr>
+                <a:xfrm>
+                  <a:off x="4965833" y="3614338"/>
+                  <a:ext cx="1986975" cy="307777"/>
+                </a:xfrm>
+                <a:prstGeom prst="rect">
+                  <a:avLst/>
+                </a:prstGeom>
+                <a:noFill/>
+              </p:spPr>
+              <p:txBody>
+                <a:bodyPr wrap="square" rtlCol="0">
+                  <a:spAutoFit/>
+                </a:bodyPr>
+                <a:lstStyle/>
+                <a:p>
+                  <a:r>
+                    <a:rPr lang="en-US" altLang="zh-CN" sz="1400" dirty="0" smtClean="0">
+                      <a:latin typeface="Times New Roman" panose="02020603050405020304" pitchFamily="18" charset="0"/>
+                      <a:ea typeface="Tahoma" panose="020B0604030504040204" pitchFamily="34" charset="0"/>
+                      <a:cs typeface="Times New Roman" panose="02020603050405020304" pitchFamily="18" charset="0"/>
+                    </a:rPr>
+                    <a:t>Gas Concentration /ppm</a:t>
+                  </a:r>
+                  <a:endParaRPr lang="zh-CN" altLang="en-US" sz="1400" dirty="0">
+                    <a:latin typeface="Times New Roman" panose="02020603050405020304" pitchFamily="18" charset="0"/>
+                    <a:cs typeface="Times New Roman" panose="02020603050405020304" pitchFamily="18" charset="0"/>
+                  </a:endParaRPr>
+                </a:p>
+              </p:txBody>
+            </p:sp>
+            <p:sp>
+              <p:nvSpPr>
+                <p:cNvPr id="6" name="文本框 5"/>
+                <p:cNvSpPr txBox="1"/>
+                <p:nvPr/>
+              </p:nvSpPr>
+              <p:spPr>
+                <a:xfrm rot="16200000">
+                  <a:off x="3319722" y="2156602"/>
+                  <a:ext cx="1986975" cy="307777"/>
+                </a:xfrm>
+                <a:prstGeom prst="rect">
+                  <a:avLst/>
+                </a:prstGeom>
+                <a:noFill/>
+              </p:spPr>
+              <p:txBody>
+                <a:bodyPr wrap="square" rtlCol="0">
+                  <a:spAutoFit/>
+                </a:bodyPr>
+                <a:lstStyle/>
+                <a:p>
+                  <a:r>
+                    <a:rPr lang="en-US" altLang="zh-CN" sz="1400" dirty="0" smtClean="0">
+                      <a:latin typeface="Times New Roman" panose="02020603050405020304" pitchFamily="18" charset="0"/>
+                      <a:ea typeface="Tahoma" panose="020B0604030504040204" pitchFamily="34" charset="0"/>
+                      <a:cs typeface="Times New Roman" panose="02020603050405020304" pitchFamily="18" charset="0"/>
+                    </a:rPr>
+                    <a:t>Absorption /a.u.</a:t>
+                  </a:r>
+                  <a:endParaRPr lang="zh-CN" altLang="en-US" sz="1400" dirty="0">
+                    <a:latin typeface="Times New Roman" panose="02020603050405020304" pitchFamily="18" charset="0"/>
+                    <a:cs typeface="Times New Roman" panose="02020603050405020304" pitchFamily="18" charset="0"/>
+                  </a:endParaRPr>
+                </a:p>
+              </p:txBody>
+            </p:sp>
+          </p:grpSp>
+          <p:sp>
+            <p:nvSpPr>
+              <p:cNvPr id="9" name="文本框 8"/>
+              <p:cNvSpPr txBox="1"/>
+              <p:nvPr/>
+            </p:nvSpPr>
+            <p:spPr>
+              <a:xfrm>
+                <a:off x="8297753" y="3643965"/>
+                <a:ext cx="1986975" cy="307777"/>
+              </a:xfrm>
+              <a:prstGeom prst="rect">
+                <a:avLst/>
+              </a:prstGeom>
+              <a:noFill/>
+            </p:spPr>
+            <p:txBody>
+              <a:bodyPr wrap="square" rtlCol="0">
+                <a:spAutoFit/>
+              </a:bodyPr>
+              <a:lstStyle/>
+              <a:p>
+                <a:r>
+                  <a:rPr lang="en-US" altLang="zh-CN" sz="1400" dirty="0" smtClean="0">
+                    <a:latin typeface="Times New Roman" panose="02020603050405020304" pitchFamily="18" charset="0"/>
+                    <a:ea typeface="Tahoma" panose="020B0604030504040204" pitchFamily="34" charset="0"/>
+                    <a:cs typeface="Times New Roman" panose="02020603050405020304" pitchFamily="18" charset="0"/>
+                  </a:rPr>
+                  <a:t>Gas Concentration /ppm</a:t>
+                </a:r>
+                <a:endParaRPr lang="zh-CN" altLang="en-US" sz="1400" dirty="0">
+                  <a:latin typeface="Times New Roman" panose="02020603050405020304" pitchFamily="18" charset="0"/>
+                  <a:cs typeface="Times New Roman" panose="02020603050405020304" pitchFamily="18" charset="0"/>
+                </a:endParaRPr>
+              </a:p>
+            </p:txBody>
+          </p:sp>
+          <p:sp>
+            <p:nvSpPr>
+              <p:cNvPr id="10" name="文本框 9"/>
+              <p:cNvSpPr txBox="1"/>
+              <p:nvPr/>
+            </p:nvSpPr>
+            <p:spPr>
+              <a:xfrm rot="16200000">
+                <a:off x="6566378" y="2156602"/>
+                <a:ext cx="1986975" cy="307777"/>
+              </a:xfrm>
+              <a:prstGeom prst="rect">
+                <a:avLst/>
+              </a:prstGeom>
+              <a:noFill/>
+            </p:spPr>
+            <p:txBody>
+              <a:bodyPr wrap="square" rtlCol="0">
+                <a:spAutoFit/>
+              </a:bodyPr>
+              <a:lstStyle/>
+              <a:p>
+                <a:r>
+                  <a:rPr lang="en-US" altLang="zh-CN" sz="1400" dirty="0" smtClean="0">
+                    <a:latin typeface="Times New Roman" panose="02020603050405020304" pitchFamily="18" charset="0"/>
+                    <a:ea typeface="Tahoma" panose="020B0604030504040204" pitchFamily="34" charset="0"/>
+                    <a:cs typeface="Times New Roman" panose="02020603050405020304" pitchFamily="18" charset="0"/>
+                  </a:rPr>
+                  <a:t>Absorption /a.u.</a:t>
+                </a:r>
+                <a:endParaRPr lang="zh-CN" altLang="en-US" sz="1400" dirty="0">
+                  <a:latin typeface="Times New Roman" panose="02020603050405020304" pitchFamily="18" charset="0"/>
+                  <a:cs typeface="Times New Roman" panose="02020603050405020304" pitchFamily="18" charset="0"/>
+                </a:endParaRPr>
+              </a:p>
+            </p:txBody>
+          </p:sp>
+        </p:grpSp>
+      </p:grpSp>
+      <p:pic>
+        <p:nvPicPr>
+          <p:cNvPr id="13" name="图片 12"/>
+          <p:cNvPicPr>
+            <a:picLocks noChangeAspect="1"/>
+          </p:cNvPicPr>
+          <p:nvPr/>
+        </p:nvPicPr>
+        <p:blipFill>
+          <a:blip r:embed="rId4"/>
+          <a:stretch>
+            <a:fillRect/>
+          </a:stretch>
+        </p:blipFill>
+        <p:spPr>
+          <a:xfrm>
+            <a:off x="123554" y="878036"/>
+            <a:ext cx="3803793" cy="2634739"/>
+          </a:xfrm>
+          <a:prstGeom prst="rect">
+            <a:avLst/>
+          </a:prstGeom>
+        </p:spPr>
+      </p:pic>
+    </p:spTree>
+    <p:extLst>
+      <p:ext uri="{BB962C8B-B14F-4D97-AF65-F5344CB8AC3E}">
+        <p14:creationId xmlns:p14="http://schemas.microsoft.com/office/powerpoint/2010/main" val="3487763023"/>
       </p:ext>
     </p:extLst>
   </p:cSld>

--- a/毕业论文/论文用图.pptx
+++ b/毕业论文/论文用图.pptx
@@ -3966,8 +3966,8 @@
             </a:p>
           </p:txBody>
         </p:sp>
-        <mc:AlternateContent xmlns:mc="http://schemas.openxmlformats.org/markup-compatibility/2006">
-          <mc:Choice xmlns:a14="http://schemas.microsoft.com/office/drawing/2010/main" Requires="a14">
+        <mc:AlternateContent xmlns:mc="http://schemas.openxmlformats.org/markup-compatibility/2006" xmlns:a14="http://schemas.microsoft.com/office/drawing/2010/main">
+          <mc:Choice Requires="a14">
             <p:sp>
               <p:nvSpPr>
                 <p:cNvPr id="7" name="文本框 6"/>
@@ -3990,6 +3990,7 @@
                 </a:bodyPr>
                 <a:lstStyle/>
                 <a:p>
+                  <a:pPr/>
                   <a14:m>
                     <m:oMathPara xmlns:m="http://schemas.openxmlformats.org/officeDocument/2006/math">
                       <m:oMathParaPr>
@@ -4017,7 +4018,7 @@
               </p:txBody>
             </p:sp>
           </mc:Choice>
-          <mc:Fallback>
+          <mc:Fallback xmlns="">
             <p:sp>
               <p:nvSpPr>
                 <p:cNvPr id="7" name="文本框 6"/>
@@ -4171,8 +4172,8 @@
             </a:p>
           </p:txBody>
         </p:sp>
-        <mc:AlternateContent xmlns:mc="http://schemas.openxmlformats.org/markup-compatibility/2006">
-          <mc:Choice xmlns:a14="http://schemas.microsoft.com/office/drawing/2010/main" Requires="a14">
+        <mc:AlternateContent xmlns:mc="http://schemas.openxmlformats.org/markup-compatibility/2006" xmlns:a14="http://schemas.microsoft.com/office/drawing/2010/main">
+          <mc:Choice Requires="a14">
             <p:sp>
               <p:nvSpPr>
                 <p:cNvPr id="13" name="文本框 12"/>
@@ -4195,6 +4196,7 @@
                 </a:bodyPr>
                 <a:lstStyle/>
                 <a:p>
+                  <a:pPr/>
                   <a14:m>
                     <m:oMathPara xmlns:m="http://schemas.openxmlformats.org/officeDocument/2006/math">
                       <m:oMathParaPr>
@@ -4222,7 +4224,7 @@
               </p:txBody>
             </p:sp>
           </mc:Choice>
-          <mc:Fallback>
+          <mc:Fallback xmlns="">
             <p:sp>
               <p:nvSpPr>
                 <p:cNvPr id="13" name="文本框 12"/>
@@ -4304,8 +4306,8 @@
             </a:p>
           </p:txBody>
         </p:sp>
-        <mc:AlternateContent xmlns:mc="http://schemas.openxmlformats.org/markup-compatibility/2006">
-          <mc:Choice xmlns:a14="http://schemas.microsoft.com/office/drawing/2010/main" Requires="a14">
+        <mc:AlternateContent xmlns:mc="http://schemas.openxmlformats.org/markup-compatibility/2006" xmlns:a14="http://schemas.microsoft.com/office/drawing/2010/main">
+          <mc:Choice Requires="a14">
             <p:sp>
               <p:nvSpPr>
                 <p:cNvPr id="15" name="文本框 14"/>
@@ -4328,6 +4330,7 @@
                 </a:bodyPr>
                 <a:lstStyle/>
                 <a:p>
+                  <a:pPr/>
                   <a14:m>
                     <m:oMathPara xmlns:m="http://schemas.openxmlformats.org/officeDocument/2006/math">
                       <m:oMathParaPr>
@@ -4355,7 +4358,7 @@
               </p:txBody>
             </p:sp>
           </mc:Choice>
-          <mc:Fallback>
+          <mc:Fallback xmlns="">
             <p:sp>
               <p:nvSpPr>
                 <p:cNvPr id="15" name="文本框 14"/>
@@ -23670,157 +23673,354 @@
           <a:chExt cx="0" cy="0"/>
         </a:xfrm>
       </p:grpSpPr>
-      <p:sp>
-        <p:nvSpPr>
-          <p:cNvPr id="2" name="竖排标题 1"/>
-          <p:cNvSpPr>
-            <a:spLocks noGrp="1"/>
-          </p:cNvSpPr>
-          <p:nvPr>
-            <p:ph type="title" orient="vert"/>
-          </p:nvPr>
-        </p:nvSpPr>
-        <p:spPr/>
-        <p:txBody>
-          <a:bodyPr vert="horz">
-            <a:normAutofit fontScale="90000"/>
-          </a:bodyPr>
-          <a:lstStyle/>
-          <a:p>
-            <a:r>
-              <a:rPr lang="zh-CN" altLang="en-US" dirty="0" smtClean="0"/>
-              <a:t>相同弯曲半径，灵敏度相似</a:t>
-            </a:r>
-            <a:r>
-              <a:rPr lang="en-US" altLang="zh-CN" dirty="0" smtClean="0"/>
-              <a:t/>
-            </a:r>
-            <a:br>
-              <a:rPr lang="en-US" altLang="zh-CN" dirty="0" smtClean="0"/>
-            </a:br>
-            <a:r>
-              <a:rPr lang="zh-CN" altLang="en-US" dirty="0" smtClean="0"/>
-              <a:t>以</a:t>
-            </a:r>
-            <a:r>
-              <a:rPr lang="en-US" altLang="zh-CN" dirty="0" smtClean="0"/>
-              <a:t>0ppm</a:t>
-            </a:r>
-            <a:r>
-              <a:rPr lang="zh-CN" altLang="en-US" dirty="0" smtClean="0"/>
-              <a:t>为基准归一化前后。</a:t>
-            </a:r>
-            <a:r>
-              <a:rPr lang="en-US" altLang="zh-CN" dirty="0" smtClean="0"/>
-              <a:t/>
-            </a:r>
-            <a:br>
-              <a:rPr lang="en-US" altLang="zh-CN" dirty="0" smtClean="0"/>
-            </a:br>
-            <a:r>
-              <a:rPr lang="zh-CN" altLang="en-US" dirty="0" smtClean="0"/>
-              <a:t>尚未到达最优长度。所以都在上升。</a:t>
-            </a:r>
-            <a:endParaRPr lang="zh-CN" altLang="en-US" dirty="0"/>
-          </a:p>
-        </p:txBody>
-      </p:sp>
-      <p:pic>
-        <p:nvPicPr>
-          <p:cNvPr id="4" name="图片 3"/>
-          <p:cNvPicPr>
-            <a:picLocks noChangeAspect="1"/>
-          </p:cNvPicPr>
+      <p:grpSp>
+        <p:nvGrpSpPr>
+          <p:cNvPr id="15" name="组合 14"/>
+          <p:cNvGrpSpPr/>
           <p:nvPr/>
-        </p:nvPicPr>
-        <p:blipFill>
-          <a:blip r:embed="rId2"/>
-          <a:stretch>
-            <a:fillRect/>
-          </a:stretch>
-        </p:blipFill>
-        <p:spPr>
+        </p:nvGrpSpPr>
+        <p:grpSpPr>
           <a:xfrm>
-            <a:off x="287068" y="3376151"/>
-            <a:ext cx="4680000" cy="3399691"/>
+            <a:off x="1412948" y="378310"/>
+            <a:ext cx="7026637" cy="4989568"/>
+            <a:chOff x="1412948" y="378310"/>
+            <a:chExt cx="7026637" cy="4989568"/>
           </a:xfrm>
-          <a:prstGeom prst="rect">
-            <a:avLst/>
-          </a:prstGeom>
-        </p:spPr>
-      </p:pic>
-      <p:pic>
-        <p:nvPicPr>
-          <p:cNvPr id="5" name="图片 4"/>
-          <p:cNvPicPr>
-            <a:picLocks noChangeAspect="1"/>
-          </p:cNvPicPr>
-          <p:nvPr/>
-        </p:nvPicPr>
-        <p:blipFill>
-          <a:blip r:embed="rId3"/>
-          <a:stretch>
-            <a:fillRect/>
-          </a:stretch>
-        </p:blipFill>
-        <p:spPr>
-          <a:xfrm>
-            <a:off x="287068" y="365126"/>
-            <a:ext cx="4680000" cy="3363303"/>
-          </a:xfrm>
-          <a:prstGeom prst="rect">
-            <a:avLst/>
-          </a:prstGeom>
-        </p:spPr>
-      </p:pic>
-      <p:pic>
-        <p:nvPicPr>
-          <p:cNvPr id="7" name="图片 6"/>
-          <p:cNvPicPr>
-            <a:picLocks noChangeAspect="1"/>
-          </p:cNvPicPr>
-          <p:nvPr/>
-        </p:nvPicPr>
-        <p:blipFill>
-          <a:blip r:embed="rId4"/>
-          <a:stretch>
-            <a:fillRect/>
-          </a:stretch>
-        </p:blipFill>
-        <p:spPr>
-          <a:xfrm>
-            <a:off x="4505984" y="3402277"/>
-            <a:ext cx="4680000" cy="3399691"/>
-          </a:xfrm>
-          <a:prstGeom prst="rect">
-            <a:avLst/>
-          </a:prstGeom>
-        </p:spPr>
-      </p:pic>
-      <p:pic>
-        <p:nvPicPr>
-          <p:cNvPr id="8" name="图片 7"/>
-          <p:cNvPicPr>
-            <a:picLocks noChangeAspect="1"/>
-          </p:cNvPicPr>
-          <p:nvPr/>
-        </p:nvPicPr>
-        <p:blipFill>
-          <a:blip r:embed="rId5"/>
-          <a:stretch>
-            <a:fillRect/>
-          </a:stretch>
-        </p:blipFill>
-        <p:spPr>
-          <a:xfrm>
-            <a:off x="4505984" y="365126"/>
-            <a:ext cx="4680000" cy="3363303"/>
-          </a:xfrm>
-          <a:prstGeom prst="rect">
-            <a:avLst/>
-          </a:prstGeom>
-        </p:spPr>
-      </p:pic>
+        </p:grpSpPr>
+        <p:pic>
+          <p:nvPicPr>
+            <p:cNvPr id="7" name="图片 6"/>
+            <p:cNvPicPr>
+              <a:picLocks noChangeAspect="1"/>
+            </p:cNvPicPr>
+            <p:nvPr/>
+          </p:nvPicPr>
+          <p:blipFill>
+            <a:blip r:embed="rId2"/>
+            <a:stretch>
+              <a:fillRect/>
+            </a:stretch>
+          </p:blipFill>
+          <p:spPr>
+            <a:xfrm>
+              <a:off x="4839585" y="2752731"/>
+              <a:ext cx="3600000" cy="2615147"/>
+            </a:xfrm>
+            <a:prstGeom prst="rect">
+              <a:avLst/>
+            </a:prstGeom>
+          </p:spPr>
+        </p:pic>
+        <p:grpSp>
+          <p:nvGrpSpPr>
+            <p:cNvPr id="6" name="组合 5"/>
+            <p:cNvGrpSpPr/>
+            <p:nvPr/>
+          </p:nvGrpSpPr>
+          <p:grpSpPr>
+            <a:xfrm>
+              <a:off x="1412948" y="378310"/>
+              <a:ext cx="6976564" cy="4989567"/>
+              <a:chOff x="1412948" y="378310"/>
+              <a:chExt cx="6976564" cy="4989567"/>
+            </a:xfrm>
+          </p:grpSpPr>
+          <p:pic>
+            <p:nvPicPr>
+              <p:cNvPr id="4" name="图片 3"/>
+              <p:cNvPicPr>
+                <a:picLocks noChangeAspect="1"/>
+              </p:cNvPicPr>
+              <p:nvPr/>
+            </p:nvPicPr>
+            <p:blipFill>
+              <a:blip r:embed="rId3"/>
+              <a:stretch>
+                <a:fillRect/>
+              </a:stretch>
+            </p:blipFill>
+            <p:spPr>
+              <a:xfrm>
+                <a:off x="1437985" y="2752730"/>
+                <a:ext cx="3600000" cy="2615147"/>
+              </a:xfrm>
+              <a:prstGeom prst="rect">
+                <a:avLst/>
+              </a:prstGeom>
+            </p:spPr>
+          </p:pic>
+          <p:pic>
+            <p:nvPicPr>
+              <p:cNvPr id="5" name="图片 4"/>
+              <p:cNvPicPr>
+                <a:picLocks noChangeAspect="1"/>
+              </p:cNvPicPr>
+              <p:nvPr/>
+            </p:nvPicPr>
+            <p:blipFill>
+              <a:blip r:embed="rId4"/>
+              <a:stretch>
+                <a:fillRect/>
+              </a:stretch>
+            </p:blipFill>
+            <p:spPr>
+              <a:xfrm>
+                <a:off x="1412948" y="429622"/>
+                <a:ext cx="3600000" cy="2587156"/>
+              </a:xfrm>
+              <a:prstGeom prst="rect">
+                <a:avLst/>
+              </a:prstGeom>
+            </p:spPr>
+          </p:pic>
+          <p:pic>
+            <p:nvPicPr>
+              <p:cNvPr id="8" name="图片 7"/>
+              <p:cNvPicPr>
+                <a:picLocks noChangeAspect="1"/>
+              </p:cNvPicPr>
+              <p:nvPr/>
+            </p:nvPicPr>
+            <p:blipFill>
+              <a:blip r:embed="rId5"/>
+              <a:stretch>
+                <a:fillRect/>
+              </a:stretch>
+            </p:blipFill>
+            <p:spPr>
+              <a:xfrm>
+                <a:off x="4789512" y="429622"/>
+                <a:ext cx="3600000" cy="2587156"/>
+              </a:xfrm>
+              <a:prstGeom prst="rect">
+                <a:avLst/>
+              </a:prstGeom>
+            </p:spPr>
+          </p:pic>
+          <p:sp>
+            <p:nvSpPr>
+              <p:cNvPr id="9" name="文本框 8"/>
+              <p:cNvSpPr txBox="1"/>
+              <p:nvPr/>
+            </p:nvSpPr>
+            <p:spPr>
+              <a:xfrm>
+                <a:off x="2008936" y="817068"/>
+                <a:ext cx="382426" cy="307777"/>
+              </a:xfrm>
+              <a:prstGeom prst="rect">
+                <a:avLst/>
+              </a:prstGeom>
+              <a:noFill/>
+            </p:spPr>
+            <p:txBody>
+              <a:bodyPr wrap="square" rtlCol="0">
+                <a:spAutoFit/>
+              </a:bodyPr>
+              <a:lstStyle/>
+              <a:p>
+                <a:r>
+                  <a:rPr lang="en-US" altLang="zh-CN" sz="1400" dirty="0" smtClean="0">
+                    <a:latin typeface="Times New Roman" panose="02020603050405020304" pitchFamily="18" charset="0"/>
+                    <a:ea typeface="Tahoma" panose="020B0604030504040204" pitchFamily="34" charset="0"/>
+                    <a:cs typeface="Times New Roman" panose="02020603050405020304" pitchFamily="18" charset="0"/>
+                  </a:rPr>
+                  <a:t>(a)</a:t>
+                </a:r>
+                <a:endParaRPr lang="zh-CN" altLang="en-US" sz="1400" dirty="0">
+                  <a:latin typeface="Times New Roman" panose="02020603050405020304" pitchFamily="18" charset="0"/>
+                  <a:cs typeface="Times New Roman" panose="02020603050405020304" pitchFamily="18" charset="0"/>
+                </a:endParaRPr>
+              </a:p>
+            </p:txBody>
+          </p:sp>
+          <p:sp>
+            <p:nvSpPr>
+              <p:cNvPr id="10" name="文本框 9"/>
+              <p:cNvSpPr txBox="1"/>
+              <p:nvPr/>
+            </p:nvSpPr>
+            <p:spPr>
+              <a:xfrm>
+                <a:off x="2022488" y="3249010"/>
+                <a:ext cx="357857" cy="307777"/>
+              </a:xfrm>
+              <a:prstGeom prst="rect">
+                <a:avLst/>
+              </a:prstGeom>
+              <a:noFill/>
+            </p:spPr>
+            <p:txBody>
+              <a:bodyPr wrap="square" rtlCol="0">
+                <a:spAutoFit/>
+              </a:bodyPr>
+              <a:lstStyle/>
+              <a:p>
+                <a:r>
+                  <a:rPr lang="en-US" altLang="zh-CN" sz="1400" dirty="0" smtClean="0">
+                    <a:latin typeface="Times New Roman" panose="02020603050405020304" pitchFamily="18" charset="0"/>
+                    <a:ea typeface="Tahoma" panose="020B0604030504040204" pitchFamily="34" charset="0"/>
+                    <a:cs typeface="Times New Roman" panose="02020603050405020304" pitchFamily="18" charset="0"/>
+                  </a:rPr>
+                  <a:t>(b)</a:t>
+                </a:r>
+                <a:endParaRPr lang="zh-CN" altLang="en-US" sz="1400" dirty="0">
+                  <a:latin typeface="Times New Roman" panose="02020603050405020304" pitchFamily="18" charset="0"/>
+                  <a:cs typeface="Times New Roman" panose="02020603050405020304" pitchFamily="18" charset="0"/>
+                </a:endParaRPr>
+              </a:p>
+            </p:txBody>
+          </p:sp>
+          <p:sp>
+            <p:nvSpPr>
+              <p:cNvPr id="11" name="文本框 10"/>
+              <p:cNvSpPr txBox="1"/>
+              <p:nvPr/>
+            </p:nvSpPr>
+            <p:spPr>
+              <a:xfrm>
+                <a:off x="5348336" y="817068"/>
+                <a:ext cx="382426" cy="307777"/>
+              </a:xfrm>
+              <a:prstGeom prst="rect">
+                <a:avLst/>
+              </a:prstGeom>
+              <a:noFill/>
+            </p:spPr>
+            <p:txBody>
+              <a:bodyPr wrap="square" rtlCol="0">
+                <a:spAutoFit/>
+              </a:bodyPr>
+              <a:lstStyle/>
+              <a:p>
+                <a:r>
+                  <a:rPr lang="en-US" altLang="zh-CN" sz="1400" dirty="0" smtClean="0">
+                    <a:latin typeface="Times New Roman" panose="02020603050405020304" pitchFamily="18" charset="0"/>
+                    <a:ea typeface="Tahoma" panose="020B0604030504040204" pitchFamily="34" charset="0"/>
+                    <a:cs typeface="Times New Roman" panose="02020603050405020304" pitchFamily="18" charset="0"/>
+                  </a:rPr>
+                  <a:t>(c)</a:t>
+                </a:r>
+                <a:endParaRPr lang="zh-CN" altLang="en-US" sz="1400" dirty="0">
+                  <a:latin typeface="Times New Roman" panose="02020603050405020304" pitchFamily="18" charset="0"/>
+                  <a:cs typeface="Times New Roman" panose="02020603050405020304" pitchFamily="18" charset="0"/>
+                </a:endParaRPr>
+              </a:p>
+            </p:txBody>
+          </p:sp>
+          <p:sp>
+            <p:nvSpPr>
+              <p:cNvPr id="12" name="文本框 11"/>
+              <p:cNvSpPr txBox="1"/>
+              <p:nvPr/>
+            </p:nvSpPr>
+            <p:spPr>
+              <a:xfrm>
+                <a:off x="5424106" y="3140177"/>
+                <a:ext cx="382426" cy="307777"/>
+              </a:xfrm>
+              <a:prstGeom prst="rect">
+                <a:avLst/>
+              </a:prstGeom>
+              <a:noFill/>
+            </p:spPr>
+            <p:txBody>
+              <a:bodyPr wrap="square" rtlCol="0">
+                <a:spAutoFit/>
+              </a:bodyPr>
+              <a:lstStyle/>
+              <a:p>
+                <a:r>
+                  <a:rPr lang="en-US" altLang="zh-CN" sz="1400" dirty="0" smtClean="0">
+                    <a:latin typeface="Times New Roman" panose="02020603050405020304" pitchFamily="18" charset="0"/>
+                    <a:ea typeface="Tahoma" panose="020B0604030504040204" pitchFamily="34" charset="0"/>
+                    <a:cs typeface="Times New Roman" panose="02020603050405020304" pitchFamily="18" charset="0"/>
+                  </a:rPr>
+                  <a:t>(d)</a:t>
+                </a:r>
+                <a:endParaRPr lang="zh-CN" altLang="en-US" sz="1400" dirty="0">
+                  <a:latin typeface="Times New Roman" panose="02020603050405020304" pitchFamily="18" charset="0"/>
+                  <a:cs typeface="Times New Roman" panose="02020603050405020304" pitchFamily="18" charset="0"/>
+                </a:endParaRPr>
+              </a:p>
+            </p:txBody>
+          </p:sp>
+          <p:sp>
+            <p:nvSpPr>
+              <p:cNvPr id="13" name="文本框 12"/>
+              <p:cNvSpPr txBox="1"/>
+              <p:nvPr/>
+            </p:nvSpPr>
+            <p:spPr>
+              <a:xfrm>
+                <a:off x="5727423" y="2674253"/>
+                <a:ext cx="1986975" cy="307777"/>
+              </a:xfrm>
+              <a:prstGeom prst="rect">
+                <a:avLst/>
+              </a:prstGeom>
+              <a:noFill/>
+            </p:spPr>
+            <p:txBody>
+              <a:bodyPr wrap="square" rtlCol="0">
+                <a:spAutoFit/>
+              </a:bodyPr>
+              <a:lstStyle/>
+              <a:p>
+                <a:r>
+                  <a:rPr lang="en-US" altLang="zh-CN" sz="1400" dirty="0" smtClean="0">
+                    <a:latin typeface="Times New Roman" panose="02020603050405020304" pitchFamily="18" charset="0"/>
+                    <a:ea typeface="Tahoma" panose="020B0604030504040204" pitchFamily="34" charset="0"/>
+                    <a:cs typeface="Times New Roman" panose="02020603050405020304" pitchFamily="18" charset="0"/>
+                  </a:rPr>
+                  <a:t>Gas Concentration /ppm</a:t>
+                </a:r>
+                <a:endParaRPr lang="zh-CN" altLang="en-US" sz="1400" dirty="0">
+                  <a:latin typeface="Times New Roman" panose="02020603050405020304" pitchFamily="18" charset="0"/>
+                  <a:cs typeface="Times New Roman" panose="02020603050405020304" pitchFamily="18" charset="0"/>
+                </a:endParaRPr>
+              </a:p>
+            </p:txBody>
+          </p:sp>
+          <p:sp>
+            <p:nvSpPr>
+              <p:cNvPr id="14" name="文本框 13"/>
+              <p:cNvSpPr txBox="1"/>
+              <p:nvPr/>
+            </p:nvSpPr>
+            <p:spPr>
+              <a:xfrm rot="16200000">
+                <a:off x="3865572" y="1217909"/>
+                <a:ext cx="1986975" cy="307777"/>
+              </a:xfrm>
+              <a:prstGeom prst="rect">
+                <a:avLst/>
+              </a:prstGeom>
+              <a:noFill/>
+            </p:spPr>
+            <p:txBody>
+              <a:bodyPr wrap="square" rtlCol="0">
+                <a:spAutoFit/>
+              </a:bodyPr>
+              <a:lstStyle/>
+              <a:p>
+                <a:r>
+                  <a:rPr lang="en-US" altLang="zh-CN" sz="1400" dirty="0" smtClean="0">
+                    <a:latin typeface="Times New Roman" panose="02020603050405020304" pitchFamily="18" charset="0"/>
+                    <a:ea typeface="Tahoma" panose="020B0604030504040204" pitchFamily="34" charset="0"/>
+                    <a:cs typeface="Times New Roman" panose="02020603050405020304" pitchFamily="18" charset="0"/>
+                  </a:rPr>
+                  <a:t>Absorption /a.u.</a:t>
+                </a:r>
+                <a:endParaRPr lang="zh-CN" altLang="en-US" sz="1400" dirty="0">
+                  <a:latin typeface="Times New Roman" panose="02020603050405020304" pitchFamily="18" charset="0"/>
+                  <a:cs typeface="Times New Roman" panose="02020603050405020304" pitchFamily="18" charset="0"/>
+                </a:endParaRPr>
+              </a:p>
+            </p:txBody>
+          </p:sp>
+        </p:grpSp>
+      </p:grpSp>
     </p:spTree>
     <p:extLst>
       <p:ext uri="{BB962C8B-B14F-4D97-AF65-F5344CB8AC3E}">
